--- a/ontologia.pptx
+++ b/ontologia.pptx
@@ -5,7 +5,9 @@
     <p:sldMasterId id="2147483648" r:id="rId1"/>
   </p:sldMasterIdLst>
   <p:sldIdLst>
-    <p:sldId id="256" r:id="rId2"/>
+    <p:sldId id="257" r:id="rId2"/>
+    <p:sldId id="256" r:id="rId3"/>
+    <p:sldId id="258" r:id="rId4"/>
   </p:sldIdLst>
   <p:sldSz cx="12192000" cy="6858000"/>
   <p:notesSz cx="6858000" cy="9144000"/>
@@ -104,6 +106,11 @@
       </a:defRPr>
     </a:lvl9pPr>
   </p:defaultTextStyle>
+  <p:extLst>
+    <p:ext uri="{EFAFB233-063F-42B5-8137-9DF3F51BA10A}">
+      <p15:sldGuideLst xmlns:p15="http://schemas.microsoft.com/office/powerpoint/2012/main"/>
+    </p:ext>
+  </p:extLst>
 </p:presentation>
 </file>
 
@@ -238,7 +245,7 @@
           <a:p>
             <a:fld id="{1A332EEC-0DEC-4519-86B2-D35C9D955E4F}" type="datetimeFigureOut">
               <a:rPr lang="it-IT" smtClean="0"/>
-              <a:t>29/03/2017</a:t>
+              <a:t>12/04/2017</a:t>
             </a:fld>
             <a:endParaRPr lang="it-IT"/>
           </a:p>
@@ -280,7 +287,7 @@
           <a:p>
             <a:fld id="{6B8D206D-5D46-4416-B9F0-2EBC8E758699}" type="slidenum">
               <a:rPr lang="it-IT" smtClean="0"/>
-              <a:t>‹#›</a:t>
+              <a:t>‹N›</a:t>
             </a:fld>
             <a:endParaRPr lang="it-IT"/>
           </a:p>
@@ -408,7 +415,7 @@
           <a:p>
             <a:fld id="{1A332EEC-0DEC-4519-86B2-D35C9D955E4F}" type="datetimeFigureOut">
               <a:rPr lang="it-IT" smtClean="0"/>
-              <a:t>29/03/2017</a:t>
+              <a:t>12/04/2017</a:t>
             </a:fld>
             <a:endParaRPr lang="it-IT"/>
           </a:p>
@@ -450,7 +457,7 @@
           <a:p>
             <a:fld id="{6B8D206D-5D46-4416-B9F0-2EBC8E758699}" type="slidenum">
               <a:rPr lang="it-IT" smtClean="0"/>
-              <a:t>‹#›</a:t>
+              <a:t>‹N›</a:t>
             </a:fld>
             <a:endParaRPr lang="it-IT"/>
           </a:p>
@@ -588,7 +595,7 @@
           <a:p>
             <a:fld id="{1A332EEC-0DEC-4519-86B2-D35C9D955E4F}" type="datetimeFigureOut">
               <a:rPr lang="it-IT" smtClean="0"/>
-              <a:t>29/03/2017</a:t>
+              <a:t>12/04/2017</a:t>
             </a:fld>
             <a:endParaRPr lang="it-IT"/>
           </a:p>
@@ -630,7 +637,7 @@
           <a:p>
             <a:fld id="{6B8D206D-5D46-4416-B9F0-2EBC8E758699}" type="slidenum">
               <a:rPr lang="it-IT" smtClean="0"/>
-              <a:t>‹#›</a:t>
+              <a:t>‹N›</a:t>
             </a:fld>
             <a:endParaRPr lang="it-IT"/>
           </a:p>
@@ -758,7 +765,7 @@
           <a:p>
             <a:fld id="{1A332EEC-0DEC-4519-86B2-D35C9D955E4F}" type="datetimeFigureOut">
               <a:rPr lang="it-IT" smtClean="0"/>
-              <a:t>29/03/2017</a:t>
+              <a:t>12/04/2017</a:t>
             </a:fld>
             <a:endParaRPr lang="it-IT"/>
           </a:p>
@@ -800,7 +807,7 @@
           <a:p>
             <a:fld id="{6B8D206D-5D46-4416-B9F0-2EBC8E758699}" type="slidenum">
               <a:rPr lang="it-IT" smtClean="0"/>
-              <a:t>‹#›</a:t>
+              <a:t>‹N›</a:t>
             </a:fld>
             <a:endParaRPr lang="it-IT"/>
           </a:p>
@@ -1004,7 +1011,7 @@
           <a:p>
             <a:fld id="{1A332EEC-0DEC-4519-86B2-D35C9D955E4F}" type="datetimeFigureOut">
               <a:rPr lang="it-IT" smtClean="0"/>
-              <a:t>29/03/2017</a:t>
+              <a:t>12/04/2017</a:t>
             </a:fld>
             <a:endParaRPr lang="it-IT"/>
           </a:p>
@@ -1046,7 +1053,7 @@
           <a:p>
             <a:fld id="{6B8D206D-5D46-4416-B9F0-2EBC8E758699}" type="slidenum">
               <a:rPr lang="it-IT" smtClean="0"/>
-              <a:t>‹#›</a:t>
+              <a:t>‹N›</a:t>
             </a:fld>
             <a:endParaRPr lang="it-IT"/>
           </a:p>
@@ -1236,7 +1243,7 @@
           <a:p>
             <a:fld id="{1A332EEC-0DEC-4519-86B2-D35C9D955E4F}" type="datetimeFigureOut">
               <a:rPr lang="it-IT" smtClean="0"/>
-              <a:t>29/03/2017</a:t>
+              <a:t>12/04/2017</a:t>
             </a:fld>
             <a:endParaRPr lang="it-IT"/>
           </a:p>
@@ -1278,7 +1285,7 @@
           <a:p>
             <a:fld id="{6B8D206D-5D46-4416-B9F0-2EBC8E758699}" type="slidenum">
               <a:rPr lang="it-IT" smtClean="0"/>
-              <a:t>‹#›</a:t>
+              <a:t>‹N›</a:t>
             </a:fld>
             <a:endParaRPr lang="it-IT"/>
           </a:p>
@@ -1603,7 +1610,7 @@
           <a:p>
             <a:fld id="{1A332EEC-0DEC-4519-86B2-D35C9D955E4F}" type="datetimeFigureOut">
               <a:rPr lang="it-IT" smtClean="0"/>
-              <a:t>29/03/2017</a:t>
+              <a:t>12/04/2017</a:t>
             </a:fld>
             <a:endParaRPr lang="it-IT"/>
           </a:p>
@@ -1645,7 +1652,7 @@
           <a:p>
             <a:fld id="{6B8D206D-5D46-4416-B9F0-2EBC8E758699}" type="slidenum">
               <a:rPr lang="it-IT" smtClean="0"/>
-              <a:t>‹#›</a:t>
+              <a:t>‹N›</a:t>
             </a:fld>
             <a:endParaRPr lang="it-IT"/>
           </a:p>
@@ -1721,7 +1728,7 @@
           <a:p>
             <a:fld id="{1A332EEC-0DEC-4519-86B2-D35C9D955E4F}" type="datetimeFigureOut">
               <a:rPr lang="it-IT" smtClean="0"/>
-              <a:t>29/03/2017</a:t>
+              <a:t>12/04/2017</a:t>
             </a:fld>
             <a:endParaRPr lang="it-IT"/>
           </a:p>
@@ -1763,7 +1770,7 @@
           <a:p>
             <a:fld id="{6B8D206D-5D46-4416-B9F0-2EBC8E758699}" type="slidenum">
               <a:rPr lang="it-IT" smtClean="0"/>
-              <a:t>‹#›</a:t>
+              <a:t>‹N›</a:t>
             </a:fld>
             <a:endParaRPr lang="it-IT"/>
           </a:p>
@@ -1816,7 +1823,7 @@
           <a:p>
             <a:fld id="{1A332EEC-0DEC-4519-86B2-D35C9D955E4F}" type="datetimeFigureOut">
               <a:rPr lang="it-IT" smtClean="0"/>
-              <a:t>29/03/2017</a:t>
+              <a:t>12/04/2017</a:t>
             </a:fld>
             <a:endParaRPr lang="it-IT"/>
           </a:p>
@@ -1858,7 +1865,7 @@
           <a:p>
             <a:fld id="{6B8D206D-5D46-4416-B9F0-2EBC8E758699}" type="slidenum">
               <a:rPr lang="it-IT" smtClean="0"/>
-              <a:t>‹#›</a:t>
+              <a:t>‹N›</a:t>
             </a:fld>
             <a:endParaRPr lang="it-IT"/>
           </a:p>
@@ -2093,7 +2100,7 @@
           <a:p>
             <a:fld id="{1A332EEC-0DEC-4519-86B2-D35C9D955E4F}" type="datetimeFigureOut">
               <a:rPr lang="it-IT" smtClean="0"/>
-              <a:t>29/03/2017</a:t>
+              <a:t>12/04/2017</a:t>
             </a:fld>
             <a:endParaRPr lang="it-IT"/>
           </a:p>
@@ -2135,7 +2142,7 @@
           <a:p>
             <a:fld id="{6B8D206D-5D46-4416-B9F0-2EBC8E758699}" type="slidenum">
               <a:rPr lang="it-IT" smtClean="0"/>
-              <a:t>‹#›</a:t>
+              <a:t>‹N›</a:t>
             </a:fld>
             <a:endParaRPr lang="it-IT"/>
           </a:p>
@@ -2346,7 +2353,7 @@
           <a:p>
             <a:fld id="{1A332EEC-0DEC-4519-86B2-D35C9D955E4F}" type="datetimeFigureOut">
               <a:rPr lang="it-IT" smtClean="0"/>
-              <a:t>29/03/2017</a:t>
+              <a:t>12/04/2017</a:t>
             </a:fld>
             <a:endParaRPr lang="it-IT"/>
           </a:p>
@@ -2388,7 +2395,7 @@
           <a:p>
             <a:fld id="{6B8D206D-5D46-4416-B9F0-2EBC8E758699}" type="slidenum">
               <a:rPr lang="it-IT" smtClean="0"/>
-              <a:t>‹#›</a:t>
+              <a:t>‹N›</a:t>
             </a:fld>
             <a:endParaRPr lang="it-IT"/>
           </a:p>
@@ -2559,7 +2566,7 @@
           <a:p>
             <a:fld id="{1A332EEC-0DEC-4519-86B2-D35C9D955E4F}" type="datetimeFigureOut">
               <a:rPr lang="it-IT" smtClean="0"/>
-              <a:t>29/03/2017</a:t>
+              <a:t>12/04/2017</a:t>
             </a:fld>
             <a:endParaRPr lang="it-IT"/>
           </a:p>
@@ -2637,7 +2644,7 @@
           <a:p>
             <a:fld id="{6B8D206D-5D46-4416-B9F0-2EBC8E758699}" type="slidenum">
               <a:rPr lang="it-IT" smtClean="0"/>
-              <a:t>‹#›</a:t>
+              <a:t>‹N›</a:t>
             </a:fld>
             <a:endParaRPr lang="it-IT"/>
           </a:p>
@@ -2966,6 +2973,1995 @@
       </p:grpSpPr>
       <p:sp>
         <p:nvSpPr>
+          <p:cNvPr id="2" name="Titolo 1"/>
+          <p:cNvSpPr>
+            <a:spLocks noGrp="1"/>
+          </p:cNvSpPr>
+          <p:nvPr>
+            <p:ph type="title"/>
+          </p:nvPr>
+        </p:nvSpPr>
+        <p:spPr/>
+        <p:txBody>
+          <a:bodyPr/>
+          <a:lstStyle/>
+          <a:p>
+            <a:pPr algn="ctr"/>
+            <a:r>
+              <a:rPr lang="it-IT" dirty="0"/>
+              <a:t>Scenario</a:t>
+            </a:r>
+          </a:p>
+        </p:txBody>
+      </p:sp>
+      <p:sp>
+        <p:nvSpPr>
+          <p:cNvPr id="4" name="Rettangolo 3"/>
+          <p:cNvSpPr/>
+          <p:nvPr/>
+        </p:nvSpPr>
+        <p:spPr>
+          <a:xfrm>
+            <a:off x="838200" y="2152482"/>
+            <a:ext cx="3636696" cy="2589452"/>
+          </a:xfrm>
+          <a:prstGeom prst="rect">
+            <a:avLst/>
+          </a:prstGeom>
+          <a:solidFill>
+            <a:schemeClr val="bg1"/>
+          </a:solidFill>
+        </p:spPr>
+        <p:style>
+          <a:lnRef idx="2">
+            <a:schemeClr val="accent1">
+              <a:shade val="50000"/>
+            </a:schemeClr>
+          </a:lnRef>
+          <a:fillRef idx="1">
+            <a:schemeClr val="accent1"/>
+          </a:fillRef>
+          <a:effectRef idx="0">
+            <a:schemeClr val="accent1"/>
+          </a:effectRef>
+          <a:fontRef idx="minor">
+            <a:schemeClr val="lt1"/>
+          </a:fontRef>
+        </p:style>
+        <p:txBody>
+          <a:bodyPr rtlCol="0" anchor="ctr"/>
+          <a:lstStyle/>
+          <a:p>
+            <a:pPr algn="ctr"/>
+            <a:endParaRPr lang="it-IT"/>
+          </a:p>
+        </p:txBody>
+      </p:sp>
+      <p:sp>
+        <p:nvSpPr>
+          <p:cNvPr id="5" name="Rettangolo 4"/>
+          <p:cNvSpPr/>
+          <p:nvPr/>
+        </p:nvSpPr>
+        <p:spPr>
+          <a:xfrm>
+            <a:off x="1278542" y="2605635"/>
+            <a:ext cx="882031" cy="1383738"/>
+          </a:xfrm>
+          <a:prstGeom prst="rect">
+            <a:avLst/>
+          </a:prstGeom>
+        </p:spPr>
+        <p:style>
+          <a:lnRef idx="2">
+            <a:schemeClr val="accent1">
+              <a:shade val="50000"/>
+            </a:schemeClr>
+          </a:lnRef>
+          <a:fillRef idx="1">
+            <a:schemeClr val="accent1"/>
+          </a:fillRef>
+          <a:effectRef idx="0">
+            <a:schemeClr val="accent1"/>
+          </a:effectRef>
+          <a:fontRef idx="minor">
+            <a:schemeClr val="lt1"/>
+          </a:fontRef>
+        </p:style>
+        <p:txBody>
+          <a:bodyPr rtlCol="0" anchor="ctr"/>
+          <a:lstStyle/>
+          <a:p>
+            <a:pPr algn="ctr"/>
+            <a:endParaRPr lang="it-IT"/>
+          </a:p>
+        </p:txBody>
+      </p:sp>
+      <p:sp>
+        <p:nvSpPr>
+          <p:cNvPr id="7" name="Ovale 6"/>
+          <p:cNvSpPr/>
+          <p:nvPr/>
+        </p:nvSpPr>
+        <p:spPr>
+          <a:xfrm>
+            <a:off x="1375646" y="2840305"/>
+            <a:ext cx="89012" cy="89012"/>
+          </a:xfrm>
+          <a:prstGeom prst="ellipse">
+            <a:avLst/>
+          </a:prstGeom>
+          <a:solidFill>
+            <a:srgbClr val="FF0000"/>
+          </a:solidFill>
+        </p:spPr>
+        <p:style>
+          <a:lnRef idx="2">
+            <a:schemeClr val="accent1">
+              <a:shade val="50000"/>
+            </a:schemeClr>
+          </a:lnRef>
+          <a:fillRef idx="1">
+            <a:schemeClr val="accent1"/>
+          </a:fillRef>
+          <a:effectRef idx="0">
+            <a:schemeClr val="accent1"/>
+          </a:effectRef>
+          <a:fontRef idx="minor">
+            <a:schemeClr val="lt1"/>
+          </a:fontRef>
+        </p:style>
+        <p:txBody>
+          <a:bodyPr rtlCol="0" anchor="ctr"/>
+          <a:lstStyle/>
+          <a:p>
+            <a:pPr algn="ctr"/>
+            <a:endParaRPr lang="it-IT"/>
+          </a:p>
+        </p:txBody>
+      </p:sp>
+      <p:sp>
+        <p:nvSpPr>
+          <p:cNvPr id="8" name="Ovale 7"/>
+          <p:cNvSpPr/>
+          <p:nvPr/>
+        </p:nvSpPr>
+        <p:spPr>
+          <a:xfrm>
+            <a:off x="1950183" y="2840305"/>
+            <a:ext cx="89012" cy="89012"/>
+          </a:xfrm>
+          <a:prstGeom prst="ellipse">
+            <a:avLst/>
+          </a:prstGeom>
+          <a:solidFill>
+            <a:srgbClr val="FF0000"/>
+          </a:solidFill>
+        </p:spPr>
+        <p:style>
+          <a:lnRef idx="2">
+            <a:schemeClr val="accent1">
+              <a:shade val="50000"/>
+            </a:schemeClr>
+          </a:lnRef>
+          <a:fillRef idx="1">
+            <a:schemeClr val="accent1"/>
+          </a:fillRef>
+          <a:effectRef idx="0">
+            <a:schemeClr val="accent1"/>
+          </a:effectRef>
+          <a:fontRef idx="minor">
+            <a:schemeClr val="lt1"/>
+          </a:fontRef>
+        </p:style>
+        <p:txBody>
+          <a:bodyPr rtlCol="0" anchor="ctr"/>
+          <a:lstStyle/>
+          <a:p>
+            <a:pPr algn="ctr"/>
+            <a:endParaRPr lang="it-IT"/>
+          </a:p>
+        </p:txBody>
+      </p:sp>
+      <p:sp>
+        <p:nvSpPr>
+          <p:cNvPr id="9" name="Ovale 8"/>
+          <p:cNvSpPr/>
+          <p:nvPr/>
+        </p:nvSpPr>
+        <p:spPr>
+          <a:xfrm>
+            <a:off x="1375646" y="3706152"/>
+            <a:ext cx="89012" cy="89012"/>
+          </a:xfrm>
+          <a:prstGeom prst="ellipse">
+            <a:avLst/>
+          </a:prstGeom>
+          <a:solidFill>
+            <a:srgbClr val="FF0000"/>
+          </a:solidFill>
+        </p:spPr>
+        <p:style>
+          <a:lnRef idx="2">
+            <a:schemeClr val="accent1">
+              <a:shade val="50000"/>
+            </a:schemeClr>
+          </a:lnRef>
+          <a:fillRef idx="1">
+            <a:schemeClr val="accent1"/>
+          </a:fillRef>
+          <a:effectRef idx="0">
+            <a:schemeClr val="accent1"/>
+          </a:effectRef>
+          <a:fontRef idx="minor">
+            <a:schemeClr val="lt1"/>
+          </a:fontRef>
+        </p:style>
+        <p:txBody>
+          <a:bodyPr rtlCol="0" anchor="ctr"/>
+          <a:lstStyle/>
+          <a:p>
+            <a:pPr algn="ctr"/>
+            <a:endParaRPr lang="it-IT"/>
+          </a:p>
+        </p:txBody>
+      </p:sp>
+      <p:sp>
+        <p:nvSpPr>
+          <p:cNvPr id="10" name="Ovale 9"/>
+          <p:cNvSpPr/>
+          <p:nvPr/>
+        </p:nvSpPr>
+        <p:spPr>
+          <a:xfrm>
+            <a:off x="1950183" y="3706152"/>
+            <a:ext cx="89012" cy="89012"/>
+          </a:xfrm>
+          <a:prstGeom prst="ellipse">
+            <a:avLst/>
+          </a:prstGeom>
+          <a:solidFill>
+            <a:srgbClr val="FF0000"/>
+          </a:solidFill>
+        </p:spPr>
+        <p:style>
+          <a:lnRef idx="2">
+            <a:schemeClr val="accent1">
+              <a:shade val="50000"/>
+            </a:schemeClr>
+          </a:lnRef>
+          <a:fillRef idx="1">
+            <a:schemeClr val="accent1"/>
+          </a:fillRef>
+          <a:effectRef idx="0">
+            <a:schemeClr val="accent1"/>
+          </a:effectRef>
+          <a:fontRef idx="minor">
+            <a:schemeClr val="lt1"/>
+          </a:fontRef>
+        </p:style>
+        <p:txBody>
+          <a:bodyPr rtlCol="0" anchor="ctr"/>
+          <a:lstStyle/>
+          <a:p>
+            <a:pPr algn="ctr"/>
+            <a:endParaRPr lang="it-IT"/>
+          </a:p>
+        </p:txBody>
+      </p:sp>
+      <p:sp>
+        <p:nvSpPr>
+          <p:cNvPr id="11" name="Ovale 10"/>
+          <p:cNvSpPr/>
+          <p:nvPr/>
+        </p:nvSpPr>
+        <p:spPr>
+          <a:xfrm>
+            <a:off x="1096472" y="2840305"/>
+            <a:ext cx="89012" cy="89012"/>
+          </a:xfrm>
+          <a:prstGeom prst="ellipse">
+            <a:avLst/>
+          </a:prstGeom>
+          <a:solidFill>
+            <a:schemeClr val="accent6"/>
+          </a:solidFill>
+        </p:spPr>
+        <p:style>
+          <a:lnRef idx="2">
+            <a:schemeClr val="accent1">
+              <a:shade val="50000"/>
+            </a:schemeClr>
+          </a:lnRef>
+          <a:fillRef idx="1">
+            <a:schemeClr val="accent1"/>
+          </a:fillRef>
+          <a:effectRef idx="0">
+            <a:schemeClr val="accent1"/>
+          </a:effectRef>
+          <a:fontRef idx="minor">
+            <a:schemeClr val="lt1"/>
+          </a:fontRef>
+        </p:style>
+        <p:txBody>
+          <a:bodyPr rtlCol="0" anchor="ctr"/>
+          <a:lstStyle/>
+          <a:p>
+            <a:pPr algn="ctr"/>
+            <a:endParaRPr lang="it-IT"/>
+          </a:p>
+        </p:txBody>
+      </p:sp>
+      <p:sp>
+        <p:nvSpPr>
+          <p:cNvPr id="12" name="Ovale 11"/>
+          <p:cNvSpPr/>
+          <p:nvPr/>
+        </p:nvSpPr>
+        <p:spPr>
+          <a:xfrm>
+            <a:off x="1096472" y="3706152"/>
+            <a:ext cx="89012" cy="89012"/>
+          </a:xfrm>
+          <a:prstGeom prst="ellipse">
+            <a:avLst/>
+          </a:prstGeom>
+          <a:solidFill>
+            <a:schemeClr val="accent6"/>
+          </a:solidFill>
+        </p:spPr>
+        <p:style>
+          <a:lnRef idx="2">
+            <a:schemeClr val="accent1">
+              <a:shade val="50000"/>
+            </a:schemeClr>
+          </a:lnRef>
+          <a:fillRef idx="1">
+            <a:schemeClr val="accent1"/>
+          </a:fillRef>
+          <a:effectRef idx="0">
+            <a:schemeClr val="accent1"/>
+          </a:effectRef>
+          <a:fontRef idx="minor">
+            <a:schemeClr val="lt1"/>
+          </a:fontRef>
+        </p:style>
+        <p:txBody>
+          <a:bodyPr rtlCol="0" anchor="ctr"/>
+          <a:lstStyle/>
+          <a:p>
+            <a:pPr algn="ctr"/>
+            <a:endParaRPr lang="it-IT"/>
+          </a:p>
+        </p:txBody>
+      </p:sp>
+      <p:sp>
+        <p:nvSpPr>
+          <p:cNvPr id="13" name="Ovale 12"/>
+          <p:cNvSpPr/>
+          <p:nvPr/>
+        </p:nvSpPr>
+        <p:spPr>
+          <a:xfrm>
+            <a:off x="2253631" y="2840305"/>
+            <a:ext cx="89012" cy="89012"/>
+          </a:xfrm>
+          <a:prstGeom prst="ellipse">
+            <a:avLst/>
+          </a:prstGeom>
+          <a:solidFill>
+            <a:schemeClr val="accent6"/>
+          </a:solidFill>
+        </p:spPr>
+        <p:style>
+          <a:lnRef idx="2">
+            <a:schemeClr val="accent1">
+              <a:shade val="50000"/>
+            </a:schemeClr>
+          </a:lnRef>
+          <a:fillRef idx="1">
+            <a:schemeClr val="accent1"/>
+          </a:fillRef>
+          <a:effectRef idx="0">
+            <a:schemeClr val="accent1"/>
+          </a:effectRef>
+          <a:fontRef idx="minor">
+            <a:schemeClr val="lt1"/>
+          </a:fontRef>
+        </p:style>
+        <p:txBody>
+          <a:bodyPr rtlCol="0" anchor="ctr"/>
+          <a:lstStyle/>
+          <a:p>
+            <a:pPr algn="ctr"/>
+            <a:endParaRPr lang="it-IT"/>
+          </a:p>
+        </p:txBody>
+      </p:sp>
+      <p:sp>
+        <p:nvSpPr>
+          <p:cNvPr id="14" name="Ovale 13"/>
+          <p:cNvSpPr/>
+          <p:nvPr/>
+        </p:nvSpPr>
+        <p:spPr>
+          <a:xfrm>
+            <a:off x="2253631" y="3706152"/>
+            <a:ext cx="89012" cy="89012"/>
+          </a:xfrm>
+          <a:prstGeom prst="ellipse">
+            <a:avLst/>
+          </a:prstGeom>
+          <a:solidFill>
+            <a:schemeClr val="accent6"/>
+          </a:solidFill>
+        </p:spPr>
+        <p:style>
+          <a:lnRef idx="2">
+            <a:schemeClr val="accent1">
+              <a:shade val="50000"/>
+            </a:schemeClr>
+          </a:lnRef>
+          <a:fillRef idx="1">
+            <a:schemeClr val="accent1"/>
+          </a:fillRef>
+          <a:effectRef idx="0">
+            <a:schemeClr val="accent1"/>
+          </a:effectRef>
+          <a:fontRef idx="minor">
+            <a:schemeClr val="lt1"/>
+          </a:fontRef>
+        </p:style>
+        <p:txBody>
+          <a:bodyPr rtlCol="0" anchor="ctr"/>
+          <a:lstStyle/>
+          <a:p>
+            <a:pPr algn="ctr"/>
+            <a:endParaRPr lang="it-IT"/>
+          </a:p>
+        </p:txBody>
+      </p:sp>
+      <p:sp>
+        <p:nvSpPr>
+          <p:cNvPr id="15" name="Rettangolo 14"/>
+          <p:cNvSpPr/>
+          <p:nvPr/>
+        </p:nvSpPr>
+        <p:spPr>
+          <a:xfrm>
+            <a:off x="2967754" y="2605635"/>
+            <a:ext cx="882031" cy="1383738"/>
+          </a:xfrm>
+          <a:prstGeom prst="rect">
+            <a:avLst/>
+          </a:prstGeom>
+        </p:spPr>
+        <p:style>
+          <a:lnRef idx="2">
+            <a:schemeClr val="accent1">
+              <a:shade val="50000"/>
+            </a:schemeClr>
+          </a:lnRef>
+          <a:fillRef idx="1">
+            <a:schemeClr val="accent1"/>
+          </a:fillRef>
+          <a:effectRef idx="0">
+            <a:schemeClr val="accent1"/>
+          </a:effectRef>
+          <a:fontRef idx="minor">
+            <a:schemeClr val="lt1"/>
+          </a:fontRef>
+        </p:style>
+        <p:txBody>
+          <a:bodyPr rtlCol="0" anchor="ctr"/>
+          <a:lstStyle/>
+          <a:p>
+            <a:pPr algn="ctr"/>
+            <a:endParaRPr lang="it-IT"/>
+          </a:p>
+        </p:txBody>
+      </p:sp>
+      <p:sp>
+        <p:nvSpPr>
+          <p:cNvPr id="16" name="Ovale 15"/>
+          <p:cNvSpPr/>
+          <p:nvPr/>
+        </p:nvSpPr>
+        <p:spPr>
+          <a:xfrm>
+            <a:off x="3064858" y="2840305"/>
+            <a:ext cx="89012" cy="89012"/>
+          </a:xfrm>
+          <a:prstGeom prst="ellipse">
+            <a:avLst/>
+          </a:prstGeom>
+          <a:solidFill>
+            <a:srgbClr val="FF0000"/>
+          </a:solidFill>
+        </p:spPr>
+        <p:style>
+          <a:lnRef idx="2">
+            <a:schemeClr val="accent1">
+              <a:shade val="50000"/>
+            </a:schemeClr>
+          </a:lnRef>
+          <a:fillRef idx="1">
+            <a:schemeClr val="accent1"/>
+          </a:fillRef>
+          <a:effectRef idx="0">
+            <a:schemeClr val="accent1"/>
+          </a:effectRef>
+          <a:fontRef idx="minor">
+            <a:schemeClr val="lt1"/>
+          </a:fontRef>
+        </p:style>
+        <p:txBody>
+          <a:bodyPr rtlCol="0" anchor="ctr"/>
+          <a:lstStyle/>
+          <a:p>
+            <a:pPr algn="ctr"/>
+            <a:endParaRPr lang="it-IT"/>
+          </a:p>
+        </p:txBody>
+      </p:sp>
+      <p:sp>
+        <p:nvSpPr>
+          <p:cNvPr id="17" name="Ovale 16"/>
+          <p:cNvSpPr/>
+          <p:nvPr/>
+        </p:nvSpPr>
+        <p:spPr>
+          <a:xfrm>
+            <a:off x="3639395" y="2840305"/>
+            <a:ext cx="89012" cy="89012"/>
+          </a:xfrm>
+          <a:prstGeom prst="ellipse">
+            <a:avLst/>
+          </a:prstGeom>
+          <a:solidFill>
+            <a:srgbClr val="FF0000"/>
+          </a:solidFill>
+        </p:spPr>
+        <p:style>
+          <a:lnRef idx="2">
+            <a:schemeClr val="accent1">
+              <a:shade val="50000"/>
+            </a:schemeClr>
+          </a:lnRef>
+          <a:fillRef idx="1">
+            <a:schemeClr val="accent1"/>
+          </a:fillRef>
+          <a:effectRef idx="0">
+            <a:schemeClr val="accent1"/>
+          </a:effectRef>
+          <a:fontRef idx="minor">
+            <a:schemeClr val="lt1"/>
+          </a:fontRef>
+        </p:style>
+        <p:txBody>
+          <a:bodyPr rtlCol="0" anchor="ctr"/>
+          <a:lstStyle/>
+          <a:p>
+            <a:pPr algn="ctr"/>
+            <a:endParaRPr lang="it-IT"/>
+          </a:p>
+        </p:txBody>
+      </p:sp>
+      <p:sp>
+        <p:nvSpPr>
+          <p:cNvPr id="18" name="Ovale 17"/>
+          <p:cNvSpPr/>
+          <p:nvPr/>
+        </p:nvSpPr>
+        <p:spPr>
+          <a:xfrm>
+            <a:off x="3064858" y="3706152"/>
+            <a:ext cx="89012" cy="89012"/>
+          </a:xfrm>
+          <a:prstGeom prst="ellipse">
+            <a:avLst/>
+          </a:prstGeom>
+          <a:solidFill>
+            <a:srgbClr val="FF0000"/>
+          </a:solidFill>
+        </p:spPr>
+        <p:style>
+          <a:lnRef idx="2">
+            <a:schemeClr val="accent1">
+              <a:shade val="50000"/>
+            </a:schemeClr>
+          </a:lnRef>
+          <a:fillRef idx="1">
+            <a:schemeClr val="accent1"/>
+          </a:fillRef>
+          <a:effectRef idx="0">
+            <a:schemeClr val="accent1"/>
+          </a:effectRef>
+          <a:fontRef idx="minor">
+            <a:schemeClr val="lt1"/>
+          </a:fontRef>
+        </p:style>
+        <p:txBody>
+          <a:bodyPr rtlCol="0" anchor="ctr"/>
+          <a:lstStyle/>
+          <a:p>
+            <a:pPr algn="ctr"/>
+            <a:endParaRPr lang="it-IT"/>
+          </a:p>
+        </p:txBody>
+      </p:sp>
+      <p:sp>
+        <p:nvSpPr>
+          <p:cNvPr id="19" name="Ovale 18"/>
+          <p:cNvSpPr/>
+          <p:nvPr/>
+        </p:nvSpPr>
+        <p:spPr>
+          <a:xfrm>
+            <a:off x="3639395" y="3706152"/>
+            <a:ext cx="89012" cy="89012"/>
+          </a:xfrm>
+          <a:prstGeom prst="ellipse">
+            <a:avLst/>
+          </a:prstGeom>
+          <a:solidFill>
+            <a:srgbClr val="FF0000"/>
+          </a:solidFill>
+        </p:spPr>
+        <p:style>
+          <a:lnRef idx="2">
+            <a:schemeClr val="accent1">
+              <a:shade val="50000"/>
+            </a:schemeClr>
+          </a:lnRef>
+          <a:fillRef idx="1">
+            <a:schemeClr val="accent1"/>
+          </a:fillRef>
+          <a:effectRef idx="0">
+            <a:schemeClr val="accent1"/>
+          </a:effectRef>
+          <a:fontRef idx="minor">
+            <a:schemeClr val="lt1"/>
+          </a:fontRef>
+        </p:style>
+        <p:txBody>
+          <a:bodyPr rtlCol="0" anchor="ctr"/>
+          <a:lstStyle/>
+          <a:p>
+            <a:pPr algn="ctr"/>
+            <a:endParaRPr lang="it-IT"/>
+          </a:p>
+        </p:txBody>
+      </p:sp>
+      <p:sp>
+        <p:nvSpPr>
+          <p:cNvPr id="20" name="Ovale 19"/>
+          <p:cNvSpPr/>
+          <p:nvPr/>
+        </p:nvSpPr>
+        <p:spPr>
+          <a:xfrm>
+            <a:off x="2785684" y="2840305"/>
+            <a:ext cx="89012" cy="89012"/>
+          </a:xfrm>
+          <a:prstGeom prst="ellipse">
+            <a:avLst/>
+          </a:prstGeom>
+          <a:solidFill>
+            <a:schemeClr val="accent6"/>
+          </a:solidFill>
+        </p:spPr>
+        <p:style>
+          <a:lnRef idx="2">
+            <a:schemeClr val="accent1">
+              <a:shade val="50000"/>
+            </a:schemeClr>
+          </a:lnRef>
+          <a:fillRef idx="1">
+            <a:schemeClr val="accent1"/>
+          </a:fillRef>
+          <a:effectRef idx="0">
+            <a:schemeClr val="accent1"/>
+          </a:effectRef>
+          <a:fontRef idx="minor">
+            <a:schemeClr val="lt1"/>
+          </a:fontRef>
+        </p:style>
+        <p:txBody>
+          <a:bodyPr rtlCol="0" anchor="ctr"/>
+          <a:lstStyle/>
+          <a:p>
+            <a:pPr algn="ctr"/>
+            <a:endParaRPr lang="it-IT"/>
+          </a:p>
+        </p:txBody>
+      </p:sp>
+      <p:sp>
+        <p:nvSpPr>
+          <p:cNvPr id="21" name="Ovale 20"/>
+          <p:cNvSpPr/>
+          <p:nvPr/>
+        </p:nvSpPr>
+        <p:spPr>
+          <a:xfrm>
+            <a:off x="2785684" y="3706152"/>
+            <a:ext cx="89012" cy="89012"/>
+          </a:xfrm>
+          <a:prstGeom prst="ellipse">
+            <a:avLst/>
+          </a:prstGeom>
+          <a:solidFill>
+            <a:schemeClr val="accent6"/>
+          </a:solidFill>
+        </p:spPr>
+        <p:style>
+          <a:lnRef idx="2">
+            <a:schemeClr val="accent1">
+              <a:shade val="50000"/>
+            </a:schemeClr>
+          </a:lnRef>
+          <a:fillRef idx="1">
+            <a:schemeClr val="accent1"/>
+          </a:fillRef>
+          <a:effectRef idx="0">
+            <a:schemeClr val="accent1"/>
+          </a:effectRef>
+          <a:fontRef idx="minor">
+            <a:schemeClr val="lt1"/>
+          </a:fontRef>
+        </p:style>
+        <p:txBody>
+          <a:bodyPr rtlCol="0" anchor="ctr"/>
+          <a:lstStyle/>
+          <a:p>
+            <a:pPr algn="ctr"/>
+            <a:endParaRPr lang="it-IT"/>
+          </a:p>
+        </p:txBody>
+      </p:sp>
+      <p:sp>
+        <p:nvSpPr>
+          <p:cNvPr id="22" name="Ovale 21"/>
+          <p:cNvSpPr/>
+          <p:nvPr/>
+        </p:nvSpPr>
+        <p:spPr>
+          <a:xfrm>
+            <a:off x="3942843" y="2840305"/>
+            <a:ext cx="89012" cy="89012"/>
+          </a:xfrm>
+          <a:prstGeom prst="ellipse">
+            <a:avLst/>
+          </a:prstGeom>
+          <a:solidFill>
+            <a:schemeClr val="accent6"/>
+          </a:solidFill>
+        </p:spPr>
+        <p:style>
+          <a:lnRef idx="2">
+            <a:schemeClr val="accent1">
+              <a:shade val="50000"/>
+            </a:schemeClr>
+          </a:lnRef>
+          <a:fillRef idx="1">
+            <a:schemeClr val="accent1"/>
+          </a:fillRef>
+          <a:effectRef idx="0">
+            <a:schemeClr val="accent1"/>
+          </a:effectRef>
+          <a:fontRef idx="minor">
+            <a:schemeClr val="lt1"/>
+          </a:fontRef>
+        </p:style>
+        <p:txBody>
+          <a:bodyPr rtlCol="0" anchor="ctr"/>
+          <a:lstStyle/>
+          <a:p>
+            <a:pPr algn="ctr"/>
+            <a:endParaRPr lang="it-IT"/>
+          </a:p>
+        </p:txBody>
+      </p:sp>
+      <p:sp>
+        <p:nvSpPr>
+          <p:cNvPr id="23" name="Ovale 22"/>
+          <p:cNvSpPr/>
+          <p:nvPr/>
+        </p:nvSpPr>
+        <p:spPr>
+          <a:xfrm>
+            <a:off x="3942843" y="3706152"/>
+            <a:ext cx="89012" cy="89012"/>
+          </a:xfrm>
+          <a:prstGeom prst="ellipse">
+            <a:avLst/>
+          </a:prstGeom>
+          <a:solidFill>
+            <a:schemeClr val="accent6"/>
+          </a:solidFill>
+        </p:spPr>
+        <p:style>
+          <a:lnRef idx="2">
+            <a:schemeClr val="accent1">
+              <a:shade val="50000"/>
+            </a:schemeClr>
+          </a:lnRef>
+          <a:fillRef idx="1">
+            <a:schemeClr val="accent1"/>
+          </a:fillRef>
+          <a:effectRef idx="0">
+            <a:schemeClr val="accent1"/>
+          </a:effectRef>
+          <a:fontRef idx="minor">
+            <a:schemeClr val="lt1"/>
+          </a:fontRef>
+        </p:style>
+        <p:txBody>
+          <a:bodyPr rtlCol="0" anchor="ctr"/>
+          <a:lstStyle/>
+          <a:p>
+            <a:pPr algn="ctr"/>
+            <a:endParaRPr lang="it-IT"/>
+          </a:p>
+        </p:txBody>
+      </p:sp>
+      <p:sp>
+        <p:nvSpPr>
+          <p:cNvPr id="25" name="Callout 2 24"/>
+          <p:cNvSpPr/>
+          <p:nvPr/>
+        </p:nvSpPr>
+        <p:spPr>
+          <a:xfrm>
+            <a:off x="4685288" y="2840305"/>
+            <a:ext cx="1097144" cy="250853"/>
+          </a:xfrm>
+          <a:prstGeom prst="borderCallout2">
+            <a:avLst>
+              <a:gd name="adj1" fmla="val 18750"/>
+              <a:gd name="adj2" fmla="val 695"/>
+              <a:gd name="adj3" fmla="val 18750"/>
+              <a:gd name="adj4" fmla="val -16667"/>
+              <a:gd name="adj5" fmla="val 17578"/>
+              <a:gd name="adj6" fmla="val -58301"/>
+            </a:avLst>
+          </a:prstGeom>
+          <a:solidFill>
+            <a:schemeClr val="bg1"/>
+          </a:solidFill>
+        </p:spPr>
+        <p:style>
+          <a:lnRef idx="2">
+            <a:schemeClr val="accent1">
+              <a:shade val="50000"/>
+            </a:schemeClr>
+          </a:lnRef>
+          <a:fillRef idx="1">
+            <a:schemeClr val="accent1"/>
+          </a:fillRef>
+          <a:effectRef idx="0">
+            <a:schemeClr val="accent1"/>
+          </a:effectRef>
+          <a:fontRef idx="minor">
+            <a:schemeClr val="lt1"/>
+          </a:fontRef>
+        </p:style>
+        <p:txBody>
+          <a:bodyPr rtlCol="0" anchor="ctr"/>
+          <a:lstStyle/>
+          <a:p>
+            <a:pPr algn="ctr"/>
+            <a:r>
+              <a:rPr lang="it-IT" sz="1200" dirty="0">
+                <a:solidFill>
+                  <a:sysClr val="windowText" lastClr="000000"/>
+                </a:solidFill>
+              </a:rPr>
+              <a:t>sensore sedia</a:t>
+            </a:r>
+          </a:p>
+        </p:txBody>
+      </p:sp>
+      <p:sp>
+        <p:nvSpPr>
+          <p:cNvPr id="26" name="Callout 2 25"/>
+          <p:cNvSpPr/>
+          <p:nvPr/>
+        </p:nvSpPr>
+        <p:spPr>
+          <a:xfrm>
+            <a:off x="4696753" y="2480208"/>
+            <a:ext cx="1097144" cy="250853"/>
+          </a:xfrm>
+          <a:prstGeom prst="borderCallout2">
+            <a:avLst>
+              <a:gd name="adj1" fmla="val 18750"/>
+              <a:gd name="adj2" fmla="val 695"/>
+              <a:gd name="adj3" fmla="val 18750"/>
+              <a:gd name="adj4" fmla="val -35417"/>
+              <a:gd name="adj5" fmla="val 156288"/>
+              <a:gd name="adj6" fmla="val -95539"/>
+            </a:avLst>
+          </a:prstGeom>
+          <a:solidFill>
+            <a:schemeClr val="bg1"/>
+          </a:solidFill>
+        </p:spPr>
+        <p:style>
+          <a:lnRef idx="2">
+            <a:schemeClr val="accent1">
+              <a:shade val="50000"/>
+            </a:schemeClr>
+          </a:lnRef>
+          <a:fillRef idx="1">
+            <a:schemeClr val="accent1"/>
+          </a:fillRef>
+          <a:effectRef idx="0">
+            <a:schemeClr val="accent1"/>
+          </a:effectRef>
+          <a:fontRef idx="minor">
+            <a:schemeClr val="lt1"/>
+          </a:fontRef>
+        </p:style>
+        <p:txBody>
+          <a:bodyPr rtlCol="0" anchor="ctr"/>
+          <a:lstStyle/>
+          <a:p>
+            <a:pPr algn="ctr"/>
+            <a:r>
+              <a:rPr lang="it-IT" sz="1200" dirty="0">
+                <a:solidFill>
+                  <a:sysClr val="windowText" lastClr="000000"/>
+                </a:solidFill>
+              </a:rPr>
+              <a:t>sensore tavolo</a:t>
+            </a:r>
+          </a:p>
+        </p:txBody>
+      </p:sp>
+      <p:pic>
+        <p:nvPicPr>
+          <p:cNvPr id="27" name="Immagine 26"/>
+          <p:cNvPicPr>
+            <a:picLocks noChangeAspect="1"/>
+          </p:cNvPicPr>
+          <p:nvPr/>
+        </p:nvPicPr>
+        <p:blipFill rotWithShape="1">
+          <a:blip r:embed="rId2"/>
+          <a:srcRect l="2201" t="1668" r="4600" b="5443"/>
+          <a:stretch/>
+        </p:blipFill>
+        <p:spPr>
+          <a:xfrm>
+            <a:off x="4689446" y="5058561"/>
+            <a:ext cx="1937857" cy="1409351"/>
+          </a:xfrm>
+          <a:prstGeom prst="rect">
+            <a:avLst/>
+          </a:prstGeom>
+        </p:spPr>
+      </p:pic>
+      <p:pic>
+        <p:nvPicPr>
+          <p:cNvPr id="28" name="Immagine 27"/>
+          <p:cNvPicPr>
+            <a:picLocks noChangeAspect="1"/>
+          </p:cNvPicPr>
+          <p:nvPr/>
+        </p:nvPicPr>
+        <p:blipFill>
+          <a:blip r:embed="rId3" cstate="print">
+            <a:extLst>
+              <a:ext uri="{28A0092B-C50C-407E-A947-70E740481C1C}">
+                <a14:useLocalDpi xmlns:a14="http://schemas.microsoft.com/office/drawing/2010/main" val="0"/>
+              </a:ext>
+            </a:extLst>
+          </a:blip>
+          <a:stretch>
+            <a:fillRect/>
+          </a:stretch>
+        </p:blipFill>
+        <p:spPr>
+          <a:xfrm>
+            <a:off x="9217825" y="4741934"/>
+            <a:ext cx="1349200" cy="1908495"/>
+          </a:xfrm>
+          <a:prstGeom prst="rect">
+            <a:avLst/>
+          </a:prstGeom>
+        </p:spPr>
+      </p:pic>
+      <p:sp>
+        <p:nvSpPr>
+          <p:cNvPr id="29" name="Freccia a destra rientrata 28"/>
+          <p:cNvSpPr/>
+          <p:nvPr/>
+        </p:nvSpPr>
+        <p:spPr>
+          <a:xfrm rot="3991473">
+            <a:off x="3281198" y="3956473"/>
+            <a:ext cx="2239224" cy="209724"/>
+          </a:xfrm>
+          <a:prstGeom prst="notchedRightArrow">
+            <a:avLst>
+              <a:gd name="adj1" fmla="val 25095"/>
+              <a:gd name="adj2" fmla="val 50000"/>
+            </a:avLst>
+          </a:prstGeom>
+          <a:solidFill>
+            <a:schemeClr val="accent1">
+              <a:lumMod val="20000"/>
+              <a:lumOff val="80000"/>
+            </a:schemeClr>
+          </a:solidFill>
+        </p:spPr>
+        <p:style>
+          <a:lnRef idx="2">
+            <a:schemeClr val="accent1">
+              <a:shade val="50000"/>
+            </a:schemeClr>
+          </a:lnRef>
+          <a:fillRef idx="1">
+            <a:schemeClr val="accent1"/>
+          </a:fillRef>
+          <a:effectRef idx="0">
+            <a:schemeClr val="accent1"/>
+          </a:effectRef>
+          <a:fontRef idx="minor">
+            <a:schemeClr val="lt1"/>
+          </a:fontRef>
+        </p:style>
+        <p:txBody>
+          <a:bodyPr rtlCol="0" anchor="ctr"/>
+          <a:lstStyle/>
+          <a:p>
+            <a:pPr algn="ctr"/>
+            <a:endParaRPr lang="it-IT"/>
+          </a:p>
+        </p:txBody>
+      </p:sp>
+      <p:sp>
+        <p:nvSpPr>
+          <p:cNvPr id="31" name="Freccia bidirezionale orizzontale 30"/>
+          <p:cNvSpPr/>
+          <p:nvPr/>
+        </p:nvSpPr>
+        <p:spPr>
+          <a:xfrm>
+            <a:off x="6694416" y="5591319"/>
+            <a:ext cx="2583288" cy="222252"/>
+          </a:xfrm>
+          <a:prstGeom prst="leftRightArrow">
+            <a:avLst>
+              <a:gd name="adj1" fmla="val 27353"/>
+              <a:gd name="adj2" fmla="val 50000"/>
+            </a:avLst>
+          </a:prstGeom>
+          <a:solidFill>
+            <a:schemeClr val="accent1">
+              <a:lumMod val="20000"/>
+              <a:lumOff val="80000"/>
+            </a:schemeClr>
+          </a:solidFill>
+        </p:spPr>
+        <p:style>
+          <a:lnRef idx="2">
+            <a:schemeClr val="accent1">
+              <a:shade val="50000"/>
+            </a:schemeClr>
+          </a:lnRef>
+          <a:fillRef idx="1">
+            <a:schemeClr val="accent1"/>
+          </a:fillRef>
+          <a:effectRef idx="0">
+            <a:schemeClr val="accent1"/>
+          </a:effectRef>
+          <a:fontRef idx="minor">
+            <a:schemeClr val="lt1"/>
+          </a:fontRef>
+        </p:style>
+        <p:txBody>
+          <a:bodyPr rtlCol="0" anchor="ctr"/>
+          <a:lstStyle/>
+          <a:p>
+            <a:pPr algn="ctr"/>
+            <a:endParaRPr lang="it-IT"/>
+          </a:p>
+        </p:txBody>
+      </p:sp>
+      <p:sp>
+        <p:nvSpPr>
+          <p:cNvPr id="32" name="Rettangolo 31"/>
+          <p:cNvSpPr/>
+          <p:nvPr/>
+        </p:nvSpPr>
+        <p:spPr>
+          <a:xfrm>
+            <a:off x="5992824" y="2152482"/>
+            <a:ext cx="3636696" cy="2589452"/>
+          </a:xfrm>
+          <a:prstGeom prst="rect">
+            <a:avLst/>
+          </a:prstGeom>
+          <a:solidFill>
+            <a:schemeClr val="bg1"/>
+          </a:solidFill>
+        </p:spPr>
+        <p:style>
+          <a:lnRef idx="2">
+            <a:schemeClr val="accent1">
+              <a:shade val="50000"/>
+            </a:schemeClr>
+          </a:lnRef>
+          <a:fillRef idx="1">
+            <a:schemeClr val="accent1"/>
+          </a:fillRef>
+          <a:effectRef idx="0">
+            <a:schemeClr val="accent1"/>
+          </a:effectRef>
+          <a:fontRef idx="minor">
+            <a:schemeClr val="lt1"/>
+          </a:fontRef>
+        </p:style>
+        <p:txBody>
+          <a:bodyPr rtlCol="0" anchor="ctr"/>
+          <a:lstStyle/>
+          <a:p>
+            <a:pPr algn="ctr"/>
+            <a:endParaRPr lang="it-IT"/>
+          </a:p>
+        </p:txBody>
+      </p:sp>
+      <p:sp>
+        <p:nvSpPr>
+          <p:cNvPr id="33" name="Rettangolo 32"/>
+          <p:cNvSpPr/>
+          <p:nvPr/>
+        </p:nvSpPr>
+        <p:spPr>
+          <a:xfrm>
+            <a:off x="6433166" y="2605635"/>
+            <a:ext cx="882031" cy="1383738"/>
+          </a:xfrm>
+          <a:prstGeom prst="rect">
+            <a:avLst/>
+          </a:prstGeom>
+        </p:spPr>
+        <p:style>
+          <a:lnRef idx="2">
+            <a:schemeClr val="accent1">
+              <a:shade val="50000"/>
+            </a:schemeClr>
+          </a:lnRef>
+          <a:fillRef idx="1">
+            <a:schemeClr val="accent1"/>
+          </a:fillRef>
+          <a:effectRef idx="0">
+            <a:schemeClr val="accent1"/>
+          </a:effectRef>
+          <a:fontRef idx="minor">
+            <a:schemeClr val="lt1"/>
+          </a:fontRef>
+        </p:style>
+        <p:txBody>
+          <a:bodyPr rtlCol="0" anchor="ctr"/>
+          <a:lstStyle/>
+          <a:p>
+            <a:pPr algn="ctr"/>
+            <a:endParaRPr lang="it-IT"/>
+          </a:p>
+        </p:txBody>
+      </p:sp>
+      <p:sp>
+        <p:nvSpPr>
+          <p:cNvPr id="34" name="Ovale 33"/>
+          <p:cNvSpPr/>
+          <p:nvPr/>
+        </p:nvSpPr>
+        <p:spPr>
+          <a:xfrm>
+            <a:off x="6530270" y="2840305"/>
+            <a:ext cx="89012" cy="89012"/>
+          </a:xfrm>
+          <a:prstGeom prst="ellipse">
+            <a:avLst/>
+          </a:prstGeom>
+          <a:solidFill>
+            <a:srgbClr val="FF0000"/>
+          </a:solidFill>
+        </p:spPr>
+        <p:style>
+          <a:lnRef idx="2">
+            <a:schemeClr val="accent1">
+              <a:shade val="50000"/>
+            </a:schemeClr>
+          </a:lnRef>
+          <a:fillRef idx="1">
+            <a:schemeClr val="accent1"/>
+          </a:fillRef>
+          <a:effectRef idx="0">
+            <a:schemeClr val="accent1"/>
+          </a:effectRef>
+          <a:fontRef idx="minor">
+            <a:schemeClr val="lt1"/>
+          </a:fontRef>
+        </p:style>
+        <p:txBody>
+          <a:bodyPr rtlCol="0" anchor="ctr"/>
+          <a:lstStyle/>
+          <a:p>
+            <a:pPr algn="ctr"/>
+            <a:endParaRPr lang="it-IT"/>
+          </a:p>
+        </p:txBody>
+      </p:sp>
+      <p:sp>
+        <p:nvSpPr>
+          <p:cNvPr id="35" name="Ovale 34"/>
+          <p:cNvSpPr/>
+          <p:nvPr/>
+        </p:nvSpPr>
+        <p:spPr>
+          <a:xfrm>
+            <a:off x="7104807" y="2840305"/>
+            <a:ext cx="89012" cy="89012"/>
+          </a:xfrm>
+          <a:prstGeom prst="ellipse">
+            <a:avLst/>
+          </a:prstGeom>
+          <a:solidFill>
+            <a:srgbClr val="FF0000"/>
+          </a:solidFill>
+        </p:spPr>
+        <p:style>
+          <a:lnRef idx="2">
+            <a:schemeClr val="accent1">
+              <a:shade val="50000"/>
+            </a:schemeClr>
+          </a:lnRef>
+          <a:fillRef idx="1">
+            <a:schemeClr val="accent1"/>
+          </a:fillRef>
+          <a:effectRef idx="0">
+            <a:schemeClr val="accent1"/>
+          </a:effectRef>
+          <a:fontRef idx="minor">
+            <a:schemeClr val="lt1"/>
+          </a:fontRef>
+        </p:style>
+        <p:txBody>
+          <a:bodyPr rtlCol="0" anchor="ctr"/>
+          <a:lstStyle/>
+          <a:p>
+            <a:pPr algn="ctr"/>
+            <a:endParaRPr lang="it-IT"/>
+          </a:p>
+        </p:txBody>
+      </p:sp>
+      <p:sp>
+        <p:nvSpPr>
+          <p:cNvPr id="36" name="Ovale 35"/>
+          <p:cNvSpPr/>
+          <p:nvPr/>
+        </p:nvSpPr>
+        <p:spPr>
+          <a:xfrm>
+            <a:off x="6530270" y="3706152"/>
+            <a:ext cx="89012" cy="89012"/>
+          </a:xfrm>
+          <a:prstGeom prst="ellipse">
+            <a:avLst/>
+          </a:prstGeom>
+          <a:solidFill>
+            <a:srgbClr val="FF0000"/>
+          </a:solidFill>
+        </p:spPr>
+        <p:style>
+          <a:lnRef idx="2">
+            <a:schemeClr val="accent1">
+              <a:shade val="50000"/>
+            </a:schemeClr>
+          </a:lnRef>
+          <a:fillRef idx="1">
+            <a:schemeClr val="accent1"/>
+          </a:fillRef>
+          <a:effectRef idx="0">
+            <a:schemeClr val="accent1"/>
+          </a:effectRef>
+          <a:fontRef idx="minor">
+            <a:schemeClr val="lt1"/>
+          </a:fontRef>
+        </p:style>
+        <p:txBody>
+          <a:bodyPr rtlCol="0" anchor="ctr"/>
+          <a:lstStyle/>
+          <a:p>
+            <a:pPr algn="ctr"/>
+            <a:endParaRPr lang="it-IT"/>
+          </a:p>
+        </p:txBody>
+      </p:sp>
+      <p:sp>
+        <p:nvSpPr>
+          <p:cNvPr id="37" name="Ovale 36"/>
+          <p:cNvSpPr/>
+          <p:nvPr/>
+        </p:nvSpPr>
+        <p:spPr>
+          <a:xfrm>
+            <a:off x="7104807" y="3706152"/>
+            <a:ext cx="89012" cy="89012"/>
+          </a:xfrm>
+          <a:prstGeom prst="ellipse">
+            <a:avLst/>
+          </a:prstGeom>
+          <a:solidFill>
+            <a:srgbClr val="FF0000"/>
+          </a:solidFill>
+        </p:spPr>
+        <p:style>
+          <a:lnRef idx="2">
+            <a:schemeClr val="accent1">
+              <a:shade val="50000"/>
+            </a:schemeClr>
+          </a:lnRef>
+          <a:fillRef idx="1">
+            <a:schemeClr val="accent1"/>
+          </a:fillRef>
+          <a:effectRef idx="0">
+            <a:schemeClr val="accent1"/>
+          </a:effectRef>
+          <a:fontRef idx="minor">
+            <a:schemeClr val="lt1"/>
+          </a:fontRef>
+        </p:style>
+        <p:txBody>
+          <a:bodyPr rtlCol="0" anchor="ctr"/>
+          <a:lstStyle/>
+          <a:p>
+            <a:pPr algn="ctr"/>
+            <a:endParaRPr lang="it-IT"/>
+          </a:p>
+        </p:txBody>
+      </p:sp>
+      <p:sp>
+        <p:nvSpPr>
+          <p:cNvPr id="38" name="Ovale 37"/>
+          <p:cNvSpPr/>
+          <p:nvPr/>
+        </p:nvSpPr>
+        <p:spPr>
+          <a:xfrm>
+            <a:off x="6251096" y="2840305"/>
+            <a:ext cx="89012" cy="89012"/>
+          </a:xfrm>
+          <a:prstGeom prst="ellipse">
+            <a:avLst/>
+          </a:prstGeom>
+          <a:solidFill>
+            <a:schemeClr val="accent6"/>
+          </a:solidFill>
+        </p:spPr>
+        <p:style>
+          <a:lnRef idx="2">
+            <a:schemeClr val="accent1">
+              <a:shade val="50000"/>
+            </a:schemeClr>
+          </a:lnRef>
+          <a:fillRef idx="1">
+            <a:schemeClr val="accent1"/>
+          </a:fillRef>
+          <a:effectRef idx="0">
+            <a:schemeClr val="accent1"/>
+          </a:effectRef>
+          <a:fontRef idx="minor">
+            <a:schemeClr val="lt1"/>
+          </a:fontRef>
+        </p:style>
+        <p:txBody>
+          <a:bodyPr rtlCol="0" anchor="ctr"/>
+          <a:lstStyle/>
+          <a:p>
+            <a:pPr algn="ctr"/>
+            <a:endParaRPr lang="it-IT"/>
+          </a:p>
+        </p:txBody>
+      </p:sp>
+      <p:sp>
+        <p:nvSpPr>
+          <p:cNvPr id="39" name="Ovale 38"/>
+          <p:cNvSpPr/>
+          <p:nvPr/>
+        </p:nvSpPr>
+        <p:spPr>
+          <a:xfrm>
+            <a:off x="6251096" y="3706152"/>
+            <a:ext cx="89012" cy="89012"/>
+          </a:xfrm>
+          <a:prstGeom prst="ellipse">
+            <a:avLst/>
+          </a:prstGeom>
+          <a:solidFill>
+            <a:schemeClr val="accent6"/>
+          </a:solidFill>
+        </p:spPr>
+        <p:style>
+          <a:lnRef idx="2">
+            <a:schemeClr val="accent1">
+              <a:shade val="50000"/>
+            </a:schemeClr>
+          </a:lnRef>
+          <a:fillRef idx="1">
+            <a:schemeClr val="accent1"/>
+          </a:fillRef>
+          <a:effectRef idx="0">
+            <a:schemeClr val="accent1"/>
+          </a:effectRef>
+          <a:fontRef idx="minor">
+            <a:schemeClr val="lt1"/>
+          </a:fontRef>
+        </p:style>
+        <p:txBody>
+          <a:bodyPr rtlCol="0" anchor="ctr"/>
+          <a:lstStyle/>
+          <a:p>
+            <a:pPr algn="ctr"/>
+            <a:endParaRPr lang="it-IT"/>
+          </a:p>
+        </p:txBody>
+      </p:sp>
+      <p:sp>
+        <p:nvSpPr>
+          <p:cNvPr id="40" name="Ovale 39"/>
+          <p:cNvSpPr/>
+          <p:nvPr/>
+        </p:nvSpPr>
+        <p:spPr>
+          <a:xfrm>
+            <a:off x="7408255" y="2840305"/>
+            <a:ext cx="89012" cy="89012"/>
+          </a:xfrm>
+          <a:prstGeom prst="ellipse">
+            <a:avLst/>
+          </a:prstGeom>
+          <a:solidFill>
+            <a:schemeClr val="accent6"/>
+          </a:solidFill>
+        </p:spPr>
+        <p:style>
+          <a:lnRef idx="2">
+            <a:schemeClr val="accent1">
+              <a:shade val="50000"/>
+            </a:schemeClr>
+          </a:lnRef>
+          <a:fillRef idx="1">
+            <a:schemeClr val="accent1"/>
+          </a:fillRef>
+          <a:effectRef idx="0">
+            <a:schemeClr val="accent1"/>
+          </a:effectRef>
+          <a:fontRef idx="minor">
+            <a:schemeClr val="lt1"/>
+          </a:fontRef>
+        </p:style>
+        <p:txBody>
+          <a:bodyPr rtlCol="0" anchor="ctr"/>
+          <a:lstStyle/>
+          <a:p>
+            <a:pPr algn="ctr"/>
+            <a:endParaRPr lang="it-IT"/>
+          </a:p>
+        </p:txBody>
+      </p:sp>
+      <p:sp>
+        <p:nvSpPr>
+          <p:cNvPr id="41" name="Ovale 40"/>
+          <p:cNvSpPr/>
+          <p:nvPr/>
+        </p:nvSpPr>
+        <p:spPr>
+          <a:xfrm>
+            <a:off x="7408255" y="3706152"/>
+            <a:ext cx="89012" cy="89012"/>
+          </a:xfrm>
+          <a:prstGeom prst="ellipse">
+            <a:avLst/>
+          </a:prstGeom>
+          <a:solidFill>
+            <a:schemeClr val="accent6"/>
+          </a:solidFill>
+        </p:spPr>
+        <p:style>
+          <a:lnRef idx="2">
+            <a:schemeClr val="accent1">
+              <a:shade val="50000"/>
+            </a:schemeClr>
+          </a:lnRef>
+          <a:fillRef idx="1">
+            <a:schemeClr val="accent1"/>
+          </a:fillRef>
+          <a:effectRef idx="0">
+            <a:schemeClr val="accent1"/>
+          </a:effectRef>
+          <a:fontRef idx="minor">
+            <a:schemeClr val="lt1"/>
+          </a:fontRef>
+        </p:style>
+        <p:txBody>
+          <a:bodyPr rtlCol="0" anchor="ctr"/>
+          <a:lstStyle/>
+          <a:p>
+            <a:pPr algn="ctr"/>
+            <a:endParaRPr lang="it-IT"/>
+          </a:p>
+        </p:txBody>
+      </p:sp>
+      <p:sp>
+        <p:nvSpPr>
+          <p:cNvPr id="42" name="Rettangolo 41"/>
+          <p:cNvSpPr/>
+          <p:nvPr/>
+        </p:nvSpPr>
+        <p:spPr>
+          <a:xfrm>
+            <a:off x="8122378" y="2605635"/>
+            <a:ext cx="882031" cy="1383738"/>
+          </a:xfrm>
+          <a:prstGeom prst="rect">
+            <a:avLst/>
+          </a:prstGeom>
+        </p:spPr>
+        <p:style>
+          <a:lnRef idx="2">
+            <a:schemeClr val="accent1">
+              <a:shade val="50000"/>
+            </a:schemeClr>
+          </a:lnRef>
+          <a:fillRef idx="1">
+            <a:schemeClr val="accent1"/>
+          </a:fillRef>
+          <a:effectRef idx="0">
+            <a:schemeClr val="accent1"/>
+          </a:effectRef>
+          <a:fontRef idx="minor">
+            <a:schemeClr val="lt1"/>
+          </a:fontRef>
+        </p:style>
+        <p:txBody>
+          <a:bodyPr rtlCol="0" anchor="ctr"/>
+          <a:lstStyle/>
+          <a:p>
+            <a:pPr algn="ctr"/>
+            <a:endParaRPr lang="it-IT"/>
+          </a:p>
+        </p:txBody>
+      </p:sp>
+      <p:sp>
+        <p:nvSpPr>
+          <p:cNvPr id="43" name="Ovale 42"/>
+          <p:cNvSpPr/>
+          <p:nvPr/>
+        </p:nvSpPr>
+        <p:spPr>
+          <a:xfrm>
+            <a:off x="8219482" y="2840305"/>
+            <a:ext cx="89012" cy="89012"/>
+          </a:xfrm>
+          <a:prstGeom prst="ellipse">
+            <a:avLst/>
+          </a:prstGeom>
+          <a:solidFill>
+            <a:srgbClr val="FF0000"/>
+          </a:solidFill>
+        </p:spPr>
+        <p:style>
+          <a:lnRef idx="2">
+            <a:schemeClr val="accent1">
+              <a:shade val="50000"/>
+            </a:schemeClr>
+          </a:lnRef>
+          <a:fillRef idx="1">
+            <a:schemeClr val="accent1"/>
+          </a:fillRef>
+          <a:effectRef idx="0">
+            <a:schemeClr val="accent1"/>
+          </a:effectRef>
+          <a:fontRef idx="minor">
+            <a:schemeClr val="lt1"/>
+          </a:fontRef>
+        </p:style>
+        <p:txBody>
+          <a:bodyPr rtlCol="0" anchor="ctr"/>
+          <a:lstStyle/>
+          <a:p>
+            <a:pPr algn="ctr"/>
+            <a:endParaRPr lang="it-IT"/>
+          </a:p>
+        </p:txBody>
+      </p:sp>
+      <p:sp>
+        <p:nvSpPr>
+          <p:cNvPr id="44" name="Ovale 43"/>
+          <p:cNvSpPr/>
+          <p:nvPr/>
+        </p:nvSpPr>
+        <p:spPr>
+          <a:xfrm>
+            <a:off x="8794019" y="2840305"/>
+            <a:ext cx="89012" cy="89012"/>
+          </a:xfrm>
+          <a:prstGeom prst="ellipse">
+            <a:avLst/>
+          </a:prstGeom>
+          <a:solidFill>
+            <a:srgbClr val="FF0000"/>
+          </a:solidFill>
+        </p:spPr>
+        <p:style>
+          <a:lnRef idx="2">
+            <a:schemeClr val="accent1">
+              <a:shade val="50000"/>
+            </a:schemeClr>
+          </a:lnRef>
+          <a:fillRef idx="1">
+            <a:schemeClr val="accent1"/>
+          </a:fillRef>
+          <a:effectRef idx="0">
+            <a:schemeClr val="accent1"/>
+          </a:effectRef>
+          <a:fontRef idx="minor">
+            <a:schemeClr val="lt1"/>
+          </a:fontRef>
+        </p:style>
+        <p:txBody>
+          <a:bodyPr rtlCol="0" anchor="ctr"/>
+          <a:lstStyle/>
+          <a:p>
+            <a:pPr algn="ctr"/>
+            <a:endParaRPr lang="it-IT"/>
+          </a:p>
+        </p:txBody>
+      </p:sp>
+      <p:sp>
+        <p:nvSpPr>
+          <p:cNvPr id="45" name="Ovale 44"/>
+          <p:cNvSpPr/>
+          <p:nvPr/>
+        </p:nvSpPr>
+        <p:spPr>
+          <a:xfrm>
+            <a:off x="8219482" y="3706152"/>
+            <a:ext cx="89012" cy="89012"/>
+          </a:xfrm>
+          <a:prstGeom prst="ellipse">
+            <a:avLst/>
+          </a:prstGeom>
+          <a:solidFill>
+            <a:srgbClr val="FF0000"/>
+          </a:solidFill>
+        </p:spPr>
+        <p:style>
+          <a:lnRef idx="2">
+            <a:schemeClr val="accent1">
+              <a:shade val="50000"/>
+            </a:schemeClr>
+          </a:lnRef>
+          <a:fillRef idx="1">
+            <a:schemeClr val="accent1"/>
+          </a:fillRef>
+          <a:effectRef idx="0">
+            <a:schemeClr val="accent1"/>
+          </a:effectRef>
+          <a:fontRef idx="minor">
+            <a:schemeClr val="lt1"/>
+          </a:fontRef>
+        </p:style>
+        <p:txBody>
+          <a:bodyPr rtlCol="0" anchor="ctr"/>
+          <a:lstStyle/>
+          <a:p>
+            <a:pPr algn="ctr"/>
+            <a:endParaRPr lang="it-IT"/>
+          </a:p>
+        </p:txBody>
+      </p:sp>
+      <p:sp>
+        <p:nvSpPr>
+          <p:cNvPr id="46" name="Ovale 45"/>
+          <p:cNvSpPr/>
+          <p:nvPr/>
+        </p:nvSpPr>
+        <p:spPr>
+          <a:xfrm>
+            <a:off x="8794019" y="3706152"/>
+            <a:ext cx="89012" cy="89012"/>
+          </a:xfrm>
+          <a:prstGeom prst="ellipse">
+            <a:avLst/>
+          </a:prstGeom>
+          <a:solidFill>
+            <a:srgbClr val="FF0000"/>
+          </a:solidFill>
+        </p:spPr>
+        <p:style>
+          <a:lnRef idx="2">
+            <a:schemeClr val="accent1">
+              <a:shade val="50000"/>
+            </a:schemeClr>
+          </a:lnRef>
+          <a:fillRef idx="1">
+            <a:schemeClr val="accent1"/>
+          </a:fillRef>
+          <a:effectRef idx="0">
+            <a:schemeClr val="accent1"/>
+          </a:effectRef>
+          <a:fontRef idx="minor">
+            <a:schemeClr val="lt1"/>
+          </a:fontRef>
+        </p:style>
+        <p:txBody>
+          <a:bodyPr rtlCol="0" anchor="ctr"/>
+          <a:lstStyle/>
+          <a:p>
+            <a:pPr algn="ctr"/>
+            <a:endParaRPr lang="it-IT"/>
+          </a:p>
+        </p:txBody>
+      </p:sp>
+      <p:sp>
+        <p:nvSpPr>
+          <p:cNvPr id="47" name="Ovale 46"/>
+          <p:cNvSpPr/>
+          <p:nvPr/>
+        </p:nvSpPr>
+        <p:spPr>
+          <a:xfrm>
+            <a:off x="7940308" y="2840305"/>
+            <a:ext cx="89012" cy="89012"/>
+          </a:xfrm>
+          <a:prstGeom prst="ellipse">
+            <a:avLst/>
+          </a:prstGeom>
+          <a:solidFill>
+            <a:schemeClr val="accent6"/>
+          </a:solidFill>
+        </p:spPr>
+        <p:style>
+          <a:lnRef idx="2">
+            <a:schemeClr val="accent1">
+              <a:shade val="50000"/>
+            </a:schemeClr>
+          </a:lnRef>
+          <a:fillRef idx="1">
+            <a:schemeClr val="accent1"/>
+          </a:fillRef>
+          <a:effectRef idx="0">
+            <a:schemeClr val="accent1"/>
+          </a:effectRef>
+          <a:fontRef idx="minor">
+            <a:schemeClr val="lt1"/>
+          </a:fontRef>
+        </p:style>
+        <p:txBody>
+          <a:bodyPr rtlCol="0" anchor="ctr"/>
+          <a:lstStyle/>
+          <a:p>
+            <a:pPr algn="ctr"/>
+            <a:endParaRPr lang="it-IT"/>
+          </a:p>
+        </p:txBody>
+      </p:sp>
+      <p:sp>
+        <p:nvSpPr>
+          <p:cNvPr id="48" name="Ovale 47"/>
+          <p:cNvSpPr/>
+          <p:nvPr/>
+        </p:nvSpPr>
+        <p:spPr>
+          <a:xfrm>
+            <a:off x="7940308" y="3706152"/>
+            <a:ext cx="89012" cy="89012"/>
+          </a:xfrm>
+          <a:prstGeom prst="ellipse">
+            <a:avLst/>
+          </a:prstGeom>
+          <a:solidFill>
+            <a:schemeClr val="accent6"/>
+          </a:solidFill>
+        </p:spPr>
+        <p:style>
+          <a:lnRef idx="2">
+            <a:schemeClr val="accent1">
+              <a:shade val="50000"/>
+            </a:schemeClr>
+          </a:lnRef>
+          <a:fillRef idx="1">
+            <a:schemeClr val="accent1"/>
+          </a:fillRef>
+          <a:effectRef idx="0">
+            <a:schemeClr val="accent1"/>
+          </a:effectRef>
+          <a:fontRef idx="minor">
+            <a:schemeClr val="lt1"/>
+          </a:fontRef>
+        </p:style>
+        <p:txBody>
+          <a:bodyPr rtlCol="0" anchor="ctr"/>
+          <a:lstStyle/>
+          <a:p>
+            <a:pPr algn="ctr"/>
+            <a:endParaRPr lang="it-IT"/>
+          </a:p>
+        </p:txBody>
+      </p:sp>
+      <p:sp>
+        <p:nvSpPr>
+          <p:cNvPr id="49" name="Ovale 48"/>
+          <p:cNvSpPr/>
+          <p:nvPr/>
+        </p:nvSpPr>
+        <p:spPr>
+          <a:xfrm>
+            <a:off x="9097467" y="2840305"/>
+            <a:ext cx="89012" cy="89012"/>
+          </a:xfrm>
+          <a:prstGeom prst="ellipse">
+            <a:avLst/>
+          </a:prstGeom>
+          <a:solidFill>
+            <a:schemeClr val="accent6"/>
+          </a:solidFill>
+        </p:spPr>
+        <p:style>
+          <a:lnRef idx="2">
+            <a:schemeClr val="accent1">
+              <a:shade val="50000"/>
+            </a:schemeClr>
+          </a:lnRef>
+          <a:fillRef idx="1">
+            <a:schemeClr val="accent1"/>
+          </a:fillRef>
+          <a:effectRef idx="0">
+            <a:schemeClr val="accent1"/>
+          </a:effectRef>
+          <a:fontRef idx="minor">
+            <a:schemeClr val="lt1"/>
+          </a:fontRef>
+        </p:style>
+        <p:txBody>
+          <a:bodyPr rtlCol="0" anchor="ctr"/>
+          <a:lstStyle/>
+          <a:p>
+            <a:pPr algn="ctr"/>
+            <a:endParaRPr lang="it-IT"/>
+          </a:p>
+        </p:txBody>
+      </p:sp>
+      <p:sp>
+        <p:nvSpPr>
+          <p:cNvPr id="50" name="Ovale 49"/>
+          <p:cNvSpPr/>
+          <p:nvPr/>
+        </p:nvSpPr>
+        <p:spPr>
+          <a:xfrm>
+            <a:off x="9097467" y="3706152"/>
+            <a:ext cx="89012" cy="89012"/>
+          </a:xfrm>
+          <a:prstGeom prst="ellipse">
+            <a:avLst/>
+          </a:prstGeom>
+          <a:solidFill>
+            <a:schemeClr val="accent6"/>
+          </a:solidFill>
+        </p:spPr>
+        <p:style>
+          <a:lnRef idx="2">
+            <a:schemeClr val="accent1">
+              <a:shade val="50000"/>
+            </a:schemeClr>
+          </a:lnRef>
+          <a:fillRef idx="1">
+            <a:schemeClr val="accent1"/>
+          </a:fillRef>
+          <a:effectRef idx="0">
+            <a:schemeClr val="accent1"/>
+          </a:effectRef>
+          <a:fontRef idx="minor">
+            <a:schemeClr val="lt1"/>
+          </a:fontRef>
+        </p:style>
+        <p:txBody>
+          <a:bodyPr rtlCol="0" anchor="ctr"/>
+          <a:lstStyle/>
+          <a:p>
+            <a:pPr algn="ctr"/>
+            <a:endParaRPr lang="it-IT"/>
+          </a:p>
+        </p:txBody>
+      </p:sp>
+      <p:sp>
+        <p:nvSpPr>
+          <p:cNvPr id="51" name="Freccia a destra rientrata 50"/>
+          <p:cNvSpPr/>
+          <p:nvPr/>
+        </p:nvSpPr>
+        <p:spPr>
+          <a:xfrm rot="17046395" flipH="1">
+            <a:off x="4995508" y="3918788"/>
+            <a:ext cx="2161241" cy="209724"/>
+          </a:xfrm>
+          <a:prstGeom prst="notchedRightArrow">
+            <a:avLst>
+              <a:gd name="adj1" fmla="val 25095"/>
+              <a:gd name="adj2" fmla="val 50000"/>
+            </a:avLst>
+          </a:prstGeom>
+          <a:solidFill>
+            <a:schemeClr val="accent1">
+              <a:lumMod val="20000"/>
+              <a:lumOff val="80000"/>
+            </a:schemeClr>
+          </a:solidFill>
+        </p:spPr>
+        <p:style>
+          <a:lnRef idx="2">
+            <a:schemeClr val="accent1">
+              <a:shade val="50000"/>
+            </a:schemeClr>
+          </a:lnRef>
+          <a:fillRef idx="1">
+            <a:schemeClr val="accent1"/>
+          </a:fillRef>
+          <a:effectRef idx="0">
+            <a:schemeClr val="accent1"/>
+          </a:effectRef>
+          <a:fontRef idx="minor">
+            <a:schemeClr val="lt1"/>
+          </a:fontRef>
+        </p:style>
+        <p:txBody>
+          <a:bodyPr rtlCol="0" anchor="ctr"/>
+          <a:lstStyle/>
+          <a:p>
+            <a:pPr algn="ctr"/>
+            <a:endParaRPr lang="it-IT"/>
+          </a:p>
+        </p:txBody>
+      </p:sp>
+    </p:spTree>
+    <p:extLst>
+      <p:ext uri="{BB962C8B-B14F-4D97-AF65-F5344CB8AC3E}">
+        <p14:creationId xmlns:p14="http://schemas.microsoft.com/office/powerpoint/2010/main" val="1374969981"/>
+      </p:ext>
+    </p:extLst>
+  </p:cSld>
+  <p:clrMapOvr>
+    <a:masterClrMapping/>
+  </p:clrMapOvr>
+</p:sld>
+</file>
+
+<file path=ppt/slides/slide2.xml><?xml version="1.0" encoding="utf-8"?>
+<p:sld xmlns:a="http://schemas.openxmlformats.org/drawingml/2006/main" xmlns:r="http://schemas.openxmlformats.org/officeDocument/2006/relationships" xmlns:p="http://schemas.openxmlformats.org/presentationml/2006/main">
+  <p:cSld>
+    <p:spTree>
+      <p:nvGrpSpPr>
+        <p:cNvPr id="1" name=""/>
+        <p:cNvGrpSpPr/>
+        <p:nvPr/>
+      </p:nvGrpSpPr>
+      <p:grpSpPr>
+        <a:xfrm>
+          <a:off x="0" y="0"/>
+          <a:ext cx="0" cy="0"/>
+          <a:chOff x="0" y="0"/>
+          <a:chExt cx="0" cy="0"/>
+        </a:xfrm>
+      </p:grpSpPr>
+      <p:sp>
+        <p:nvSpPr>
           <p:cNvPr id="6" name="Rectangle: Rounded Corners 5"/>
           <p:cNvSpPr/>
           <p:nvPr/>
@@ -3719,6 +5715,1360 @@
     <p:extLst>
       <p:ext uri="{BB962C8B-B14F-4D97-AF65-F5344CB8AC3E}">
         <p14:creationId xmlns:p14="http://schemas.microsoft.com/office/powerpoint/2010/main" val="2544109714"/>
+      </p:ext>
+    </p:extLst>
+  </p:cSld>
+  <p:clrMapOvr>
+    <a:masterClrMapping/>
+  </p:clrMapOvr>
+</p:sld>
+</file>
+
+<file path=ppt/slides/slide3.xml><?xml version="1.0" encoding="utf-8"?>
+<p:sld xmlns:a="http://schemas.openxmlformats.org/drawingml/2006/main" xmlns:r="http://schemas.openxmlformats.org/officeDocument/2006/relationships" xmlns:p="http://schemas.openxmlformats.org/presentationml/2006/main">
+  <p:cSld>
+    <p:spTree>
+      <p:nvGrpSpPr>
+        <p:cNvPr id="1" name=""/>
+        <p:cNvGrpSpPr/>
+        <p:nvPr/>
+      </p:nvGrpSpPr>
+      <p:grpSpPr>
+        <a:xfrm>
+          <a:off x="0" y="0"/>
+          <a:ext cx="0" cy="0"/>
+          <a:chOff x="0" y="0"/>
+          <a:chExt cx="0" cy="0"/>
+        </a:xfrm>
+      </p:grpSpPr>
+      <p:sp>
+        <p:nvSpPr>
+          <p:cNvPr id="2" name="Titolo 1"/>
+          <p:cNvSpPr>
+            <a:spLocks noGrp="1"/>
+          </p:cNvSpPr>
+          <p:nvPr>
+            <p:ph type="title"/>
+          </p:nvPr>
+        </p:nvSpPr>
+        <p:spPr/>
+        <p:txBody>
+          <a:bodyPr/>
+          <a:lstStyle/>
+          <a:p>
+            <a:endParaRPr lang="it-IT"/>
+          </a:p>
+        </p:txBody>
+      </p:sp>
+      <p:grpSp>
+        <p:nvGrpSpPr>
+          <p:cNvPr id="4" name="Group 80"/>
+          <p:cNvGrpSpPr>
+            <a:grpSpLocks/>
+          </p:cNvGrpSpPr>
+          <p:nvPr/>
+        </p:nvGrpSpPr>
+        <p:grpSpPr bwMode="auto">
+          <a:xfrm>
+            <a:off x="75421" y="4700336"/>
+            <a:ext cx="1871662" cy="2089150"/>
+            <a:chOff x="113" y="2704"/>
+            <a:chExt cx="1179" cy="1316"/>
+          </a:xfrm>
+        </p:grpSpPr>
+        <p:sp>
+          <p:nvSpPr>
+            <p:cNvPr id="5" name="Rectangle 1663"/>
+            <p:cNvSpPr>
+              <a:spLocks noChangeArrowheads="1"/>
+            </p:cNvSpPr>
+            <p:nvPr/>
+          </p:nvSpPr>
+          <p:spPr bwMode="auto">
+            <a:xfrm>
+              <a:off x="113" y="2704"/>
+              <a:ext cx="1179" cy="1316"/>
+            </a:xfrm>
+            <a:prstGeom prst="rect">
+              <a:avLst/>
+            </a:prstGeom>
+            <a:noFill/>
+            <a:ln w="25400">
+              <a:solidFill>
+                <a:srgbClr val="000000"/>
+              </a:solidFill>
+              <a:miter lim="800000"/>
+              <a:headEnd/>
+              <a:tailEnd/>
+            </a:ln>
+          </p:spPr>
+          <p:txBody>
+            <a:bodyPr wrap="none" anchor="ctr"/>
+            <a:lstStyle>
+              <a:defPPr>
+                <a:defRPr lang="it-IT"/>
+              </a:defPPr>
+              <a:lvl1pPr algn="l" rtl="0" fontAlgn="base">
+                <a:spcBef>
+                  <a:spcPct val="0"/>
+                </a:spcBef>
+                <a:spcAft>
+                  <a:spcPct val="0"/>
+                </a:spcAft>
+                <a:defRPr u="sng" kern="1200">
+                  <a:solidFill>
+                    <a:schemeClr val="tx1"/>
+                  </a:solidFill>
+                  <a:latin typeface="Arial" panose="020B0604020202020204" pitchFamily="34" charset="0"/>
+                  <a:ea typeface="+mn-ea"/>
+                  <a:cs typeface="+mn-cs"/>
+                </a:defRPr>
+              </a:lvl1pPr>
+              <a:lvl2pPr marL="457200" algn="l" rtl="0" fontAlgn="base">
+                <a:spcBef>
+                  <a:spcPct val="0"/>
+                </a:spcBef>
+                <a:spcAft>
+                  <a:spcPct val="0"/>
+                </a:spcAft>
+                <a:defRPr u="sng" kern="1200">
+                  <a:solidFill>
+                    <a:schemeClr val="tx1"/>
+                  </a:solidFill>
+                  <a:latin typeface="Arial" panose="020B0604020202020204" pitchFamily="34" charset="0"/>
+                  <a:ea typeface="+mn-ea"/>
+                  <a:cs typeface="+mn-cs"/>
+                </a:defRPr>
+              </a:lvl2pPr>
+              <a:lvl3pPr marL="914400" algn="l" rtl="0" fontAlgn="base">
+                <a:spcBef>
+                  <a:spcPct val="0"/>
+                </a:spcBef>
+                <a:spcAft>
+                  <a:spcPct val="0"/>
+                </a:spcAft>
+                <a:defRPr u="sng" kern="1200">
+                  <a:solidFill>
+                    <a:schemeClr val="tx1"/>
+                  </a:solidFill>
+                  <a:latin typeface="Arial" panose="020B0604020202020204" pitchFamily="34" charset="0"/>
+                  <a:ea typeface="+mn-ea"/>
+                  <a:cs typeface="+mn-cs"/>
+                </a:defRPr>
+              </a:lvl3pPr>
+              <a:lvl4pPr marL="1371600" algn="l" rtl="0" fontAlgn="base">
+                <a:spcBef>
+                  <a:spcPct val="0"/>
+                </a:spcBef>
+                <a:spcAft>
+                  <a:spcPct val="0"/>
+                </a:spcAft>
+                <a:defRPr u="sng" kern="1200">
+                  <a:solidFill>
+                    <a:schemeClr val="tx1"/>
+                  </a:solidFill>
+                  <a:latin typeface="Arial" panose="020B0604020202020204" pitchFamily="34" charset="0"/>
+                  <a:ea typeface="+mn-ea"/>
+                  <a:cs typeface="+mn-cs"/>
+                </a:defRPr>
+              </a:lvl4pPr>
+              <a:lvl5pPr marL="1828800" algn="l" rtl="0" fontAlgn="base">
+                <a:spcBef>
+                  <a:spcPct val="0"/>
+                </a:spcBef>
+                <a:spcAft>
+                  <a:spcPct val="0"/>
+                </a:spcAft>
+                <a:defRPr u="sng" kern="1200">
+                  <a:solidFill>
+                    <a:schemeClr val="tx1"/>
+                  </a:solidFill>
+                  <a:latin typeface="Arial" panose="020B0604020202020204" pitchFamily="34" charset="0"/>
+                  <a:ea typeface="+mn-ea"/>
+                  <a:cs typeface="+mn-cs"/>
+                </a:defRPr>
+              </a:lvl5pPr>
+              <a:lvl6pPr marL="2286000" algn="l" defTabSz="914400" rtl="0" eaLnBrk="1" latinLnBrk="0" hangingPunct="1">
+                <a:defRPr u="sng" kern="1200">
+                  <a:solidFill>
+                    <a:schemeClr val="tx1"/>
+                  </a:solidFill>
+                  <a:latin typeface="Arial" panose="020B0604020202020204" pitchFamily="34" charset="0"/>
+                  <a:ea typeface="+mn-ea"/>
+                  <a:cs typeface="+mn-cs"/>
+                </a:defRPr>
+              </a:lvl6pPr>
+              <a:lvl7pPr marL="2743200" algn="l" defTabSz="914400" rtl="0" eaLnBrk="1" latinLnBrk="0" hangingPunct="1">
+                <a:defRPr u="sng" kern="1200">
+                  <a:solidFill>
+                    <a:schemeClr val="tx1"/>
+                  </a:solidFill>
+                  <a:latin typeface="Arial" panose="020B0604020202020204" pitchFamily="34" charset="0"/>
+                  <a:ea typeface="+mn-ea"/>
+                  <a:cs typeface="+mn-cs"/>
+                </a:defRPr>
+              </a:lvl7pPr>
+              <a:lvl8pPr marL="3200400" algn="l" defTabSz="914400" rtl="0" eaLnBrk="1" latinLnBrk="0" hangingPunct="1">
+                <a:defRPr u="sng" kern="1200">
+                  <a:solidFill>
+                    <a:schemeClr val="tx1"/>
+                  </a:solidFill>
+                  <a:latin typeface="Arial" panose="020B0604020202020204" pitchFamily="34" charset="0"/>
+                  <a:ea typeface="+mn-ea"/>
+                  <a:cs typeface="+mn-cs"/>
+                </a:defRPr>
+              </a:lvl8pPr>
+              <a:lvl9pPr marL="3657600" algn="l" defTabSz="914400" rtl="0" eaLnBrk="1" latinLnBrk="0" hangingPunct="1">
+                <a:defRPr u="sng" kern="1200">
+                  <a:solidFill>
+                    <a:schemeClr val="tx1"/>
+                  </a:solidFill>
+                  <a:latin typeface="Arial" panose="020B0604020202020204" pitchFamily="34" charset="0"/>
+                  <a:ea typeface="+mn-ea"/>
+                  <a:cs typeface="+mn-cs"/>
+                </a:defRPr>
+              </a:lvl9pPr>
+            </a:lstStyle>
+            <a:p>
+              <a:pPr fontAlgn="auto">
+                <a:spcBef>
+                  <a:spcPts val="0"/>
+                </a:spcBef>
+                <a:spcAft>
+                  <a:spcPts val="0"/>
+                </a:spcAft>
+                <a:defRPr/>
+              </a:pPr>
+              <a:endParaRPr lang="it-IT" u="none" kern="0">
+                <a:solidFill>
+                  <a:sysClr val="windowText" lastClr="000000"/>
+                </a:solidFill>
+                <a:latin typeface="Calibri" pitchFamily="34" charset="0"/>
+              </a:endParaRPr>
+            </a:p>
+          </p:txBody>
+        </p:sp>
+        <p:sp>
+          <p:nvSpPr>
+            <p:cNvPr id="6" name="Rectangle 1664"/>
+            <p:cNvSpPr>
+              <a:spLocks noChangeArrowheads="1"/>
+            </p:cNvSpPr>
+            <p:nvPr/>
+          </p:nvSpPr>
+          <p:spPr bwMode="auto">
+            <a:xfrm>
+              <a:off x="191" y="3625"/>
+              <a:ext cx="1041" cy="123"/>
+            </a:xfrm>
+            <a:prstGeom prst="rect">
+              <a:avLst/>
+            </a:prstGeom>
+            <a:solidFill>
+              <a:srgbClr val="BBE0E3"/>
+            </a:solidFill>
+            <a:ln w="28575">
+              <a:solidFill>
+                <a:srgbClr val="000000"/>
+              </a:solidFill>
+              <a:miter lim="800000"/>
+              <a:headEnd/>
+              <a:tailEnd/>
+            </a:ln>
+          </p:spPr>
+          <p:txBody>
+            <a:bodyPr wrap="none" anchor="ctr"/>
+            <a:lstStyle>
+              <a:defPPr>
+                <a:defRPr lang="it-IT"/>
+              </a:defPPr>
+              <a:lvl1pPr algn="l" rtl="0" fontAlgn="base">
+                <a:spcBef>
+                  <a:spcPct val="0"/>
+                </a:spcBef>
+                <a:spcAft>
+                  <a:spcPct val="0"/>
+                </a:spcAft>
+                <a:defRPr u="sng" kern="1200">
+                  <a:solidFill>
+                    <a:schemeClr val="tx1"/>
+                  </a:solidFill>
+                  <a:latin typeface="Arial" panose="020B0604020202020204" pitchFamily="34" charset="0"/>
+                  <a:ea typeface="+mn-ea"/>
+                  <a:cs typeface="+mn-cs"/>
+                </a:defRPr>
+              </a:lvl1pPr>
+              <a:lvl2pPr marL="457200" algn="l" rtl="0" fontAlgn="base">
+                <a:spcBef>
+                  <a:spcPct val="0"/>
+                </a:spcBef>
+                <a:spcAft>
+                  <a:spcPct val="0"/>
+                </a:spcAft>
+                <a:defRPr u="sng" kern="1200">
+                  <a:solidFill>
+                    <a:schemeClr val="tx1"/>
+                  </a:solidFill>
+                  <a:latin typeface="Arial" panose="020B0604020202020204" pitchFamily="34" charset="0"/>
+                  <a:ea typeface="+mn-ea"/>
+                  <a:cs typeface="+mn-cs"/>
+                </a:defRPr>
+              </a:lvl2pPr>
+              <a:lvl3pPr marL="914400" algn="l" rtl="0" fontAlgn="base">
+                <a:spcBef>
+                  <a:spcPct val="0"/>
+                </a:spcBef>
+                <a:spcAft>
+                  <a:spcPct val="0"/>
+                </a:spcAft>
+                <a:defRPr u="sng" kern="1200">
+                  <a:solidFill>
+                    <a:schemeClr val="tx1"/>
+                  </a:solidFill>
+                  <a:latin typeface="Arial" panose="020B0604020202020204" pitchFamily="34" charset="0"/>
+                  <a:ea typeface="+mn-ea"/>
+                  <a:cs typeface="+mn-cs"/>
+                </a:defRPr>
+              </a:lvl3pPr>
+              <a:lvl4pPr marL="1371600" algn="l" rtl="0" fontAlgn="base">
+                <a:spcBef>
+                  <a:spcPct val="0"/>
+                </a:spcBef>
+                <a:spcAft>
+                  <a:spcPct val="0"/>
+                </a:spcAft>
+                <a:defRPr u="sng" kern="1200">
+                  <a:solidFill>
+                    <a:schemeClr val="tx1"/>
+                  </a:solidFill>
+                  <a:latin typeface="Arial" panose="020B0604020202020204" pitchFamily="34" charset="0"/>
+                  <a:ea typeface="+mn-ea"/>
+                  <a:cs typeface="+mn-cs"/>
+                </a:defRPr>
+              </a:lvl4pPr>
+              <a:lvl5pPr marL="1828800" algn="l" rtl="0" fontAlgn="base">
+                <a:spcBef>
+                  <a:spcPct val="0"/>
+                </a:spcBef>
+                <a:spcAft>
+                  <a:spcPct val="0"/>
+                </a:spcAft>
+                <a:defRPr u="sng" kern="1200">
+                  <a:solidFill>
+                    <a:schemeClr val="tx1"/>
+                  </a:solidFill>
+                  <a:latin typeface="Arial" panose="020B0604020202020204" pitchFamily="34" charset="0"/>
+                  <a:ea typeface="+mn-ea"/>
+                  <a:cs typeface="+mn-cs"/>
+                </a:defRPr>
+              </a:lvl5pPr>
+              <a:lvl6pPr marL="2286000" algn="l" defTabSz="914400" rtl="0" eaLnBrk="1" latinLnBrk="0" hangingPunct="1">
+                <a:defRPr u="sng" kern="1200">
+                  <a:solidFill>
+                    <a:schemeClr val="tx1"/>
+                  </a:solidFill>
+                  <a:latin typeface="Arial" panose="020B0604020202020204" pitchFamily="34" charset="0"/>
+                  <a:ea typeface="+mn-ea"/>
+                  <a:cs typeface="+mn-cs"/>
+                </a:defRPr>
+              </a:lvl6pPr>
+              <a:lvl7pPr marL="2743200" algn="l" defTabSz="914400" rtl="0" eaLnBrk="1" latinLnBrk="0" hangingPunct="1">
+                <a:defRPr u="sng" kern="1200">
+                  <a:solidFill>
+                    <a:schemeClr val="tx1"/>
+                  </a:solidFill>
+                  <a:latin typeface="Arial" panose="020B0604020202020204" pitchFamily="34" charset="0"/>
+                  <a:ea typeface="+mn-ea"/>
+                  <a:cs typeface="+mn-cs"/>
+                </a:defRPr>
+              </a:lvl7pPr>
+              <a:lvl8pPr marL="3200400" algn="l" defTabSz="914400" rtl="0" eaLnBrk="1" latinLnBrk="0" hangingPunct="1">
+                <a:defRPr u="sng" kern="1200">
+                  <a:solidFill>
+                    <a:schemeClr val="tx1"/>
+                  </a:solidFill>
+                  <a:latin typeface="Arial" panose="020B0604020202020204" pitchFamily="34" charset="0"/>
+                  <a:ea typeface="+mn-ea"/>
+                  <a:cs typeface="+mn-cs"/>
+                </a:defRPr>
+              </a:lvl8pPr>
+              <a:lvl9pPr marL="3657600" algn="l" defTabSz="914400" rtl="0" eaLnBrk="1" latinLnBrk="0" hangingPunct="1">
+                <a:defRPr u="sng" kern="1200">
+                  <a:solidFill>
+                    <a:schemeClr val="tx1"/>
+                  </a:solidFill>
+                  <a:latin typeface="Arial" panose="020B0604020202020204" pitchFamily="34" charset="0"/>
+                  <a:ea typeface="+mn-ea"/>
+                  <a:cs typeface="+mn-cs"/>
+                </a:defRPr>
+              </a:lvl9pPr>
+            </a:lstStyle>
+            <a:p>
+              <a:pPr algn="ctr" fontAlgn="auto">
+                <a:spcBef>
+                  <a:spcPts val="0"/>
+                </a:spcBef>
+                <a:spcAft>
+                  <a:spcPts val="0"/>
+                </a:spcAft>
+                <a:defRPr/>
+              </a:pPr>
+              <a:r>
+                <a:rPr lang="en-US" sz="1200" u="none" kern="0">
+                  <a:solidFill>
+                    <a:sysClr val="windowText" lastClr="000000"/>
+                  </a:solidFill>
+                  <a:latin typeface="Calibri" pitchFamily="34" charset="0"/>
+                </a:rPr>
+                <a:t>Class</a:t>
+              </a:r>
+              <a:r>
+                <a:rPr lang="en-US" sz="800" u="none" kern="0">
+                  <a:solidFill>
+                    <a:sysClr val="windowText" lastClr="000000"/>
+                  </a:solidFill>
+                  <a:latin typeface="Arial" charset="0"/>
+                </a:rPr>
+                <a:t> </a:t>
+              </a:r>
+              <a:r>
+                <a:rPr lang="en-US" sz="1200" u="none" kern="0">
+                  <a:solidFill>
+                    <a:sysClr val="windowText" lastClr="000000"/>
+                  </a:solidFill>
+                  <a:latin typeface="Calibri" pitchFamily="34" charset="0"/>
+                </a:rPr>
+                <a:t>Instance</a:t>
+              </a:r>
+              <a:endParaRPr lang="it-IT" sz="1200" u="none" kern="0">
+                <a:solidFill>
+                  <a:sysClr val="windowText" lastClr="000000"/>
+                </a:solidFill>
+                <a:latin typeface="Calibri" pitchFamily="34" charset="0"/>
+              </a:endParaRPr>
+            </a:p>
+          </p:txBody>
+        </p:sp>
+        <p:sp>
+          <p:nvSpPr>
+            <p:cNvPr id="7" name="Text Box 1665"/>
+            <p:cNvSpPr txBox="1">
+              <a:spLocks noChangeArrowheads="1"/>
+            </p:cNvSpPr>
+            <p:nvPr/>
+          </p:nvSpPr>
+          <p:spPr bwMode="auto">
+            <a:xfrm>
+              <a:off x="238" y="3387"/>
+              <a:ext cx="520" cy="179"/>
+            </a:xfrm>
+            <a:prstGeom prst="rect">
+              <a:avLst/>
+            </a:prstGeom>
+            <a:noFill/>
+            <a:ln w="9525">
+              <a:solidFill>
+                <a:srgbClr val="000000"/>
+              </a:solidFill>
+              <a:prstDash val="lgDash"/>
+              <a:miter lim="800000"/>
+              <a:headEnd/>
+              <a:tailEnd/>
+            </a:ln>
+          </p:spPr>
+          <p:txBody>
+            <a:bodyPr>
+              <a:spAutoFit/>
+            </a:bodyPr>
+            <a:lstStyle>
+              <a:defPPr>
+                <a:defRPr lang="it-IT"/>
+              </a:defPPr>
+              <a:lvl1pPr algn="l" rtl="0" fontAlgn="base">
+                <a:spcBef>
+                  <a:spcPct val="0"/>
+                </a:spcBef>
+                <a:spcAft>
+                  <a:spcPct val="0"/>
+                </a:spcAft>
+                <a:defRPr u="sng" kern="1200">
+                  <a:solidFill>
+                    <a:schemeClr val="tx1"/>
+                  </a:solidFill>
+                  <a:latin typeface="Arial" panose="020B0604020202020204" pitchFamily="34" charset="0"/>
+                  <a:ea typeface="+mn-ea"/>
+                  <a:cs typeface="+mn-cs"/>
+                </a:defRPr>
+              </a:lvl1pPr>
+              <a:lvl2pPr marL="457200" algn="l" rtl="0" fontAlgn="base">
+                <a:spcBef>
+                  <a:spcPct val="0"/>
+                </a:spcBef>
+                <a:spcAft>
+                  <a:spcPct val="0"/>
+                </a:spcAft>
+                <a:defRPr u="sng" kern="1200">
+                  <a:solidFill>
+                    <a:schemeClr val="tx1"/>
+                  </a:solidFill>
+                  <a:latin typeface="Arial" panose="020B0604020202020204" pitchFamily="34" charset="0"/>
+                  <a:ea typeface="+mn-ea"/>
+                  <a:cs typeface="+mn-cs"/>
+                </a:defRPr>
+              </a:lvl2pPr>
+              <a:lvl3pPr marL="914400" algn="l" rtl="0" fontAlgn="base">
+                <a:spcBef>
+                  <a:spcPct val="0"/>
+                </a:spcBef>
+                <a:spcAft>
+                  <a:spcPct val="0"/>
+                </a:spcAft>
+                <a:defRPr u="sng" kern="1200">
+                  <a:solidFill>
+                    <a:schemeClr val="tx1"/>
+                  </a:solidFill>
+                  <a:latin typeface="Arial" panose="020B0604020202020204" pitchFamily="34" charset="0"/>
+                  <a:ea typeface="+mn-ea"/>
+                  <a:cs typeface="+mn-cs"/>
+                </a:defRPr>
+              </a:lvl3pPr>
+              <a:lvl4pPr marL="1371600" algn="l" rtl="0" fontAlgn="base">
+                <a:spcBef>
+                  <a:spcPct val="0"/>
+                </a:spcBef>
+                <a:spcAft>
+                  <a:spcPct val="0"/>
+                </a:spcAft>
+                <a:defRPr u="sng" kern="1200">
+                  <a:solidFill>
+                    <a:schemeClr val="tx1"/>
+                  </a:solidFill>
+                  <a:latin typeface="Arial" panose="020B0604020202020204" pitchFamily="34" charset="0"/>
+                  <a:ea typeface="+mn-ea"/>
+                  <a:cs typeface="+mn-cs"/>
+                </a:defRPr>
+              </a:lvl4pPr>
+              <a:lvl5pPr marL="1828800" algn="l" rtl="0" fontAlgn="base">
+                <a:spcBef>
+                  <a:spcPct val="0"/>
+                </a:spcBef>
+                <a:spcAft>
+                  <a:spcPct val="0"/>
+                </a:spcAft>
+                <a:defRPr u="sng" kern="1200">
+                  <a:solidFill>
+                    <a:schemeClr val="tx1"/>
+                  </a:solidFill>
+                  <a:latin typeface="Arial" panose="020B0604020202020204" pitchFamily="34" charset="0"/>
+                  <a:ea typeface="+mn-ea"/>
+                  <a:cs typeface="+mn-cs"/>
+                </a:defRPr>
+              </a:lvl5pPr>
+              <a:lvl6pPr marL="2286000" algn="l" defTabSz="914400" rtl="0" eaLnBrk="1" latinLnBrk="0" hangingPunct="1">
+                <a:defRPr u="sng" kern="1200">
+                  <a:solidFill>
+                    <a:schemeClr val="tx1"/>
+                  </a:solidFill>
+                  <a:latin typeface="Arial" panose="020B0604020202020204" pitchFamily="34" charset="0"/>
+                  <a:ea typeface="+mn-ea"/>
+                  <a:cs typeface="+mn-cs"/>
+                </a:defRPr>
+              </a:lvl6pPr>
+              <a:lvl7pPr marL="2743200" algn="l" defTabSz="914400" rtl="0" eaLnBrk="1" latinLnBrk="0" hangingPunct="1">
+                <a:defRPr u="sng" kern="1200">
+                  <a:solidFill>
+                    <a:schemeClr val="tx1"/>
+                  </a:solidFill>
+                  <a:latin typeface="Arial" panose="020B0604020202020204" pitchFamily="34" charset="0"/>
+                  <a:ea typeface="+mn-ea"/>
+                  <a:cs typeface="+mn-cs"/>
+                </a:defRPr>
+              </a:lvl7pPr>
+              <a:lvl8pPr marL="3200400" algn="l" defTabSz="914400" rtl="0" eaLnBrk="1" latinLnBrk="0" hangingPunct="1">
+                <a:defRPr u="sng" kern="1200">
+                  <a:solidFill>
+                    <a:schemeClr val="tx1"/>
+                  </a:solidFill>
+                  <a:latin typeface="Arial" panose="020B0604020202020204" pitchFamily="34" charset="0"/>
+                  <a:ea typeface="+mn-ea"/>
+                  <a:cs typeface="+mn-cs"/>
+                </a:defRPr>
+              </a:lvl8pPr>
+              <a:lvl9pPr marL="3657600" algn="l" defTabSz="914400" rtl="0" eaLnBrk="1" latinLnBrk="0" hangingPunct="1">
+                <a:defRPr u="sng" kern="1200">
+                  <a:solidFill>
+                    <a:schemeClr val="tx1"/>
+                  </a:solidFill>
+                  <a:latin typeface="Arial" panose="020B0604020202020204" pitchFamily="34" charset="0"/>
+                  <a:ea typeface="+mn-ea"/>
+                  <a:cs typeface="+mn-cs"/>
+                </a:defRPr>
+              </a:lvl9pPr>
+            </a:lstStyle>
+            <a:p>
+              <a:pPr algn="ctr" fontAlgn="auto">
+                <a:spcBef>
+                  <a:spcPts val="0"/>
+                </a:spcBef>
+                <a:spcAft>
+                  <a:spcPts val="0"/>
+                </a:spcAft>
+                <a:defRPr/>
+              </a:pPr>
+              <a:r>
+                <a:rPr lang="en-US" sz="1200" u="none" kern="0">
+                  <a:solidFill>
+                    <a:sysClr val="windowText" lastClr="000000"/>
+                  </a:solidFill>
+                  <a:latin typeface="Calibri" pitchFamily="34" charset="0"/>
+                </a:rPr>
+                <a:t>Property</a:t>
+              </a:r>
+              <a:endParaRPr lang="it-IT" sz="1200" u="none" kern="0">
+                <a:solidFill>
+                  <a:sysClr val="windowText" lastClr="000000"/>
+                </a:solidFill>
+                <a:latin typeface="Calibri" pitchFamily="34" charset="0"/>
+              </a:endParaRPr>
+            </a:p>
+          </p:txBody>
+        </p:sp>
+        <p:sp>
+          <p:nvSpPr>
+            <p:cNvPr id="8" name="AutoShape 1666"/>
+            <p:cNvSpPr>
+              <a:spLocks noChangeArrowheads="1"/>
+            </p:cNvSpPr>
+            <p:nvPr/>
+          </p:nvSpPr>
+          <p:spPr bwMode="auto">
+            <a:xfrm>
+              <a:off x="191" y="3815"/>
+              <a:ext cx="1041" cy="159"/>
+            </a:xfrm>
+            <a:prstGeom prst="hexagon">
+              <a:avLst>
+                <a:gd name="adj" fmla="val 137845"/>
+                <a:gd name="vf" fmla="val 115470"/>
+              </a:avLst>
+            </a:prstGeom>
+            <a:solidFill>
+              <a:srgbClr val="2D2D8A">
+                <a:lumMod val="40000"/>
+                <a:lumOff val="60000"/>
+              </a:srgbClr>
+            </a:solidFill>
+            <a:ln w="28575">
+              <a:solidFill>
+                <a:srgbClr val="000000"/>
+              </a:solidFill>
+              <a:miter lim="800000"/>
+              <a:headEnd/>
+              <a:tailEnd/>
+            </a:ln>
+            <a:effectLst/>
+          </p:spPr>
+          <p:txBody>
+            <a:bodyPr wrap="none" anchor="ctr"/>
+            <a:lstStyle>
+              <a:defPPr>
+                <a:defRPr lang="it-IT"/>
+              </a:defPPr>
+              <a:lvl1pPr algn="l" rtl="0" fontAlgn="base">
+                <a:spcBef>
+                  <a:spcPct val="0"/>
+                </a:spcBef>
+                <a:spcAft>
+                  <a:spcPct val="0"/>
+                </a:spcAft>
+                <a:defRPr u="sng" kern="1200">
+                  <a:solidFill>
+                    <a:schemeClr val="tx1"/>
+                  </a:solidFill>
+                  <a:latin typeface="Arial" panose="020B0604020202020204" pitchFamily="34" charset="0"/>
+                  <a:ea typeface="+mn-ea"/>
+                  <a:cs typeface="+mn-cs"/>
+                </a:defRPr>
+              </a:lvl1pPr>
+              <a:lvl2pPr marL="457200" algn="l" rtl="0" fontAlgn="base">
+                <a:spcBef>
+                  <a:spcPct val="0"/>
+                </a:spcBef>
+                <a:spcAft>
+                  <a:spcPct val="0"/>
+                </a:spcAft>
+                <a:defRPr u="sng" kern="1200">
+                  <a:solidFill>
+                    <a:schemeClr val="tx1"/>
+                  </a:solidFill>
+                  <a:latin typeface="Arial" panose="020B0604020202020204" pitchFamily="34" charset="0"/>
+                  <a:ea typeface="+mn-ea"/>
+                  <a:cs typeface="+mn-cs"/>
+                </a:defRPr>
+              </a:lvl2pPr>
+              <a:lvl3pPr marL="914400" algn="l" rtl="0" fontAlgn="base">
+                <a:spcBef>
+                  <a:spcPct val="0"/>
+                </a:spcBef>
+                <a:spcAft>
+                  <a:spcPct val="0"/>
+                </a:spcAft>
+                <a:defRPr u="sng" kern="1200">
+                  <a:solidFill>
+                    <a:schemeClr val="tx1"/>
+                  </a:solidFill>
+                  <a:latin typeface="Arial" panose="020B0604020202020204" pitchFamily="34" charset="0"/>
+                  <a:ea typeface="+mn-ea"/>
+                  <a:cs typeface="+mn-cs"/>
+                </a:defRPr>
+              </a:lvl3pPr>
+              <a:lvl4pPr marL="1371600" algn="l" rtl="0" fontAlgn="base">
+                <a:spcBef>
+                  <a:spcPct val="0"/>
+                </a:spcBef>
+                <a:spcAft>
+                  <a:spcPct val="0"/>
+                </a:spcAft>
+                <a:defRPr u="sng" kern="1200">
+                  <a:solidFill>
+                    <a:schemeClr val="tx1"/>
+                  </a:solidFill>
+                  <a:latin typeface="Arial" panose="020B0604020202020204" pitchFamily="34" charset="0"/>
+                  <a:ea typeface="+mn-ea"/>
+                  <a:cs typeface="+mn-cs"/>
+                </a:defRPr>
+              </a:lvl4pPr>
+              <a:lvl5pPr marL="1828800" algn="l" rtl="0" fontAlgn="base">
+                <a:spcBef>
+                  <a:spcPct val="0"/>
+                </a:spcBef>
+                <a:spcAft>
+                  <a:spcPct val="0"/>
+                </a:spcAft>
+                <a:defRPr u="sng" kern="1200">
+                  <a:solidFill>
+                    <a:schemeClr val="tx1"/>
+                  </a:solidFill>
+                  <a:latin typeface="Arial" panose="020B0604020202020204" pitchFamily="34" charset="0"/>
+                  <a:ea typeface="+mn-ea"/>
+                  <a:cs typeface="+mn-cs"/>
+                </a:defRPr>
+              </a:lvl5pPr>
+              <a:lvl6pPr marL="2286000" algn="l" defTabSz="914400" rtl="0" eaLnBrk="1" latinLnBrk="0" hangingPunct="1">
+                <a:defRPr u="sng" kern="1200">
+                  <a:solidFill>
+                    <a:schemeClr val="tx1"/>
+                  </a:solidFill>
+                  <a:latin typeface="Arial" panose="020B0604020202020204" pitchFamily="34" charset="0"/>
+                  <a:ea typeface="+mn-ea"/>
+                  <a:cs typeface="+mn-cs"/>
+                </a:defRPr>
+              </a:lvl6pPr>
+              <a:lvl7pPr marL="2743200" algn="l" defTabSz="914400" rtl="0" eaLnBrk="1" latinLnBrk="0" hangingPunct="1">
+                <a:defRPr u="sng" kern="1200">
+                  <a:solidFill>
+                    <a:schemeClr val="tx1"/>
+                  </a:solidFill>
+                  <a:latin typeface="Arial" panose="020B0604020202020204" pitchFamily="34" charset="0"/>
+                  <a:ea typeface="+mn-ea"/>
+                  <a:cs typeface="+mn-cs"/>
+                </a:defRPr>
+              </a:lvl7pPr>
+              <a:lvl8pPr marL="3200400" algn="l" defTabSz="914400" rtl="0" eaLnBrk="1" latinLnBrk="0" hangingPunct="1">
+                <a:defRPr u="sng" kern="1200">
+                  <a:solidFill>
+                    <a:schemeClr val="tx1"/>
+                  </a:solidFill>
+                  <a:latin typeface="Arial" panose="020B0604020202020204" pitchFamily="34" charset="0"/>
+                  <a:ea typeface="+mn-ea"/>
+                  <a:cs typeface="+mn-cs"/>
+                </a:defRPr>
+              </a:lvl8pPr>
+              <a:lvl9pPr marL="3657600" algn="l" defTabSz="914400" rtl="0" eaLnBrk="1" latinLnBrk="0" hangingPunct="1">
+                <a:defRPr u="sng" kern="1200">
+                  <a:solidFill>
+                    <a:schemeClr val="tx1"/>
+                  </a:solidFill>
+                  <a:latin typeface="Arial" panose="020B0604020202020204" pitchFamily="34" charset="0"/>
+                  <a:ea typeface="+mn-ea"/>
+                  <a:cs typeface="+mn-cs"/>
+                </a:defRPr>
+              </a:lvl9pPr>
+            </a:lstStyle>
+            <a:p>
+              <a:pPr algn="ctr" fontAlgn="auto">
+                <a:spcBef>
+                  <a:spcPts val="0"/>
+                </a:spcBef>
+                <a:spcAft>
+                  <a:spcPts val="0"/>
+                </a:spcAft>
+                <a:defRPr/>
+              </a:pPr>
+              <a:r>
+                <a:rPr lang="en-US" sz="1200" u="none" kern="0">
+                  <a:solidFill>
+                    <a:sysClr val="windowText" lastClr="000000"/>
+                  </a:solidFill>
+                  <a:latin typeface="Calibri" pitchFamily="34" charset="0"/>
+                </a:rPr>
+                <a:t>Literal</a:t>
+              </a:r>
+              <a:endParaRPr lang="it-IT" sz="1200" u="none" kern="0">
+                <a:solidFill>
+                  <a:sysClr val="windowText" lastClr="000000"/>
+                </a:solidFill>
+                <a:latin typeface="Calibri" pitchFamily="34" charset="0"/>
+              </a:endParaRPr>
+            </a:p>
+          </p:txBody>
+        </p:sp>
+        <p:sp>
+          <p:nvSpPr>
+            <p:cNvPr id="9" name="Line 1667"/>
+            <p:cNvSpPr>
+              <a:spLocks noChangeShapeType="1"/>
+            </p:cNvSpPr>
+            <p:nvPr/>
+          </p:nvSpPr>
+          <p:spPr bwMode="auto">
+            <a:xfrm>
+              <a:off x="806" y="3467"/>
+              <a:ext cx="379" cy="2"/>
+            </a:xfrm>
+            <a:prstGeom prst="line">
+              <a:avLst/>
+            </a:prstGeom>
+            <a:noFill/>
+            <a:ln w="12700">
+              <a:solidFill>
+                <a:srgbClr val="000000"/>
+              </a:solidFill>
+              <a:prstDash val="dash"/>
+              <a:round/>
+              <a:headEnd/>
+              <a:tailEnd type="triangle" w="med" len="med"/>
+            </a:ln>
+          </p:spPr>
+          <p:txBody>
+            <a:bodyPr/>
+            <a:lstStyle>
+              <a:defPPr>
+                <a:defRPr lang="it-IT"/>
+              </a:defPPr>
+              <a:lvl1pPr algn="l" rtl="0" fontAlgn="base">
+                <a:spcBef>
+                  <a:spcPct val="0"/>
+                </a:spcBef>
+                <a:spcAft>
+                  <a:spcPct val="0"/>
+                </a:spcAft>
+                <a:defRPr u="sng" kern="1200">
+                  <a:solidFill>
+                    <a:schemeClr val="tx1"/>
+                  </a:solidFill>
+                  <a:latin typeface="Arial" panose="020B0604020202020204" pitchFamily="34" charset="0"/>
+                  <a:ea typeface="+mn-ea"/>
+                  <a:cs typeface="+mn-cs"/>
+                </a:defRPr>
+              </a:lvl1pPr>
+              <a:lvl2pPr marL="457200" algn="l" rtl="0" fontAlgn="base">
+                <a:spcBef>
+                  <a:spcPct val="0"/>
+                </a:spcBef>
+                <a:spcAft>
+                  <a:spcPct val="0"/>
+                </a:spcAft>
+                <a:defRPr u="sng" kern="1200">
+                  <a:solidFill>
+                    <a:schemeClr val="tx1"/>
+                  </a:solidFill>
+                  <a:latin typeface="Arial" panose="020B0604020202020204" pitchFamily="34" charset="0"/>
+                  <a:ea typeface="+mn-ea"/>
+                  <a:cs typeface="+mn-cs"/>
+                </a:defRPr>
+              </a:lvl2pPr>
+              <a:lvl3pPr marL="914400" algn="l" rtl="0" fontAlgn="base">
+                <a:spcBef>
+                  <a:spcPct val="0"/>
+                </a:spcBef>
+                <a:spcAft>
+                  <a:spcPct val="0"/>
+                </a:spcAft>
+                <a:defRPr u="sng" kern="1200">
+                  <a:solidFill>
+                    <a:schemeClr val="tx1"/>
+                  </a:solidFill>
+                  <a:latin typeface="Arial" panose="020B0604020202020204" pitchFamily="34" charset="0"/>
+                  <a:ea typeface="+mn-ea"/>
+                  <a:cs typeface="+mn-cs"/>
+                </a:defRPr>
+              </a:lvl3pPr>
+              <a:lvl4pPr marL="1371600" algn="l" rtl="0" fontAlgn="base">
+                <a:spcBef>
+                  <a:spcPct val="0"/>
+                </a:spcBef>
+                <a:spcAft>
+                  <a:spcPct val="0"/>
+                </a:spcAft>
+                <a:defRPr u="sng" kern="1200">
+                  <a:solidFill>
+                    <a:schemeClr val="tx1"/>
+                  </a:solidFill>
+                  <a:latin typeface="Arial" panose="020B0604020202020204" pitchFamily="34" charset="0"/>
+                  <a:ea typeface="+mn-ea"/>
+                  <a:cs typeface="+mn-cs"/>
+                </a:defRPr>
+              </a:lvl4pPr>
+              <a:lvl5pPr marL="1828800" algn="l" rtl="0" fontAlgn="base">
+                <a:spcBef>
+                  <a:spcPct val="0"/>
+                </a:spcBef>
+                <a:spcAft>
+                  <a:spcPct val="0"/>
+                </a:spcAft>
+                <a:defRPr u="sng" kern="1200">
+                  <a:solidFill>
+                    <a:schemeClr val="tx1"/>
+                  </a:solidFill>
+                  <a:latin typeface="Arial" panose="020B0604020202020204" pitchFamily="34" charset="0"/>
+                  <a:ea typeface="+mn-ea"/>
+                  <a:cs typeface="+mn-cs"/>
+                </a:defRPr>
+              </a:lvl5pPr>
+              <a:lvl6pPr marL="2286000" algn="l" defTabSz="914400" rtl="0" eaLnBrk="1" latinLnBrk="0" hangingPunct="1">
+                <a:defRPr u="sng" kern="1200">
+                  <a:solidFill>
+                    <a:schemeClr val="tx1"/>
+                  </a:solidFill>
+                  <a:latin typeface="Arial" panose="020B0604020202020204" pitchFamily="34" charset="0"/>
+                  <a:ea typeface="+mn-ea"/>
+                  <a:cs typeface="+mn-cs"/>
+                </a:defRPr>
+              </a:lvl6pPr>
+              <a:lvl7pPr marL="2743200" algn="l" defTabSz="914400" rtl="0" eaLnBrk="1" latinLnBrk="0" hangingPunct="1">
+                <a:defRPr u="sng" kern="1200">
+                  <a:solidFill>
+                    <a:schemeClr val="tx1"/>
+                  </a:solidFill>
+                  <a:latin typeface="Arial" panose="020B0604020202020204" pitchFamily="34" charset="0"/>
+                  <a:ea typeface="+mn-ea"/>
+                  <a:cs typeface="+mn-cs"/>
+                </a:defRPr>
+              </a:lvl7pPr>
+              <a:lvl8pPr marL="3200400" algn="l" defTabSz="914400" rtl="0" eaLnBrk="1" latinLnBrk="0" hangingPunct="1">
+                <a:defRPr u="sng" kern="1200">
+                  <a:solidFill>
+                    <a:schemeClr val="tx1"/>
+                  </a:solidFill>
+                  <a:latin typeface="Arial" panose="020B0604020202020204" pitchFamily="34" charset="0"/>
+                  <a:ea typeface="+mn-ea"/>
+                  <a:cs typeface="+mn-cs"/>
+                </a:defRPr>
+              </a:lvl8pPr>
+              <a:lvl9pPr marL="3657600" algn="l" defTabSz="914400" rtl="0" eaLnBrk="1" latinLnBrk="0" hangingPunct="1">
+                <a:defRPr u="sng" kern="1200">
+                  <a:solidFill>
+                    <a:schemeClr val="tx1"/>
+                  </a:solidFill>
+                  <a:latin typeface="Arial" panose="020B0604020202020204" pitchFamily="34" charset="0"/>
+                  <a:ea typeface="+mn-ea"/>
+                  <a:cs typeface="+mn-cs"/>
+                </a:defRPr>
+              </a:lvl9pPr>
+            </a:lstStyle>
+            <a:p>
+              <a:pPr fontAlgn="auto">
+                <a:spcBef>
+                  <a:spcPts val="0"/>
+                </a:spcBef>
+                <a:spcAft>
+                  <a:spcPts val="0"/>
+                </a:spcAft>
+                <a:defRPr/>
+              </a:pPr>
+              <a:endParaRPr lang="it-IT" u="none" kern="0">
+                <a:solidFill>
+                  <a:sysClr val="windowText" lastClr="000000"/>
+                </a:solidFill>
+                <a:latin typeface="Arial" charset="0"/>
+              </a:endParaRPr>
+            </a:p>
+          </p:txBody>
+        </p:sp>
+        <p:sp>
+          <p:nvSpPr>
+            <p:cNvPr id="10" name="Text Box 1680"/>
+            <p:cNvSpPr txBox="1">
+              <a:spLocks noChangeArrowheads="1"/>
+            </p:cNvSpPr>
+            <p:nvPr/>
+          </p:nvSpPr>
+          <p:spPr bwMode="auto">
+            <a:xfrm>
+              <a:off x="249" y="2840"/>
+              <a:ext cx="624" cy="218"/>
+            </a:xfrm>
+            <a:prstGeom prst="rect">
+              <a:avLst/>
+            </a:prstGeom>
+            <a:noFill/>
+            <a:ln w="9525">
+              <a:solidFill>
+                <a:srgbClr val="FF0000"/>
+              </a:solidFill>
+              <a:prstDash val="lgDash"/>
+              <a:miter lim="800000"/>
+              <a:headEnd/>
+              <a:tailEnd/>
+            </a:ln>
+            <a:extLst>
+              <a:ext uri="{909E8E84-426E-40DD-AFC4-6F175D3DCCD1}">
+                <a14:hiddenFill xmlns:a14="http://schemas.microsoft.com/office/drawing/2010/main">
+                  <a:solidFill>
+                    <a:srgbClr val="FFFFFF"/>
+                  </a:solidFill>
+                </a14:hiddenFill>
+              </a:ext>
+            </a:extLst>
+          </p:spPr>
+          <p:txBody>
+            <a:bodyPr>
+              <a:spAutoFit/>
+            </a:bodyPr>
+            <a:lstStyle>
+              <a:defPPr>
+                <a:defRPr lang="it-IT"/>
+              </a:defPPr>
+              <a:lvl1pPr algn="l" rtl="0" fontAlgn="base">
+                <a:spcBef>
+                  <a:spcPct val="0"/>
+                </a:spcBef>
+                <a:spcAft>
+                  <a:spcPct val="0"/>
+                </a:spcAft>
+                <a:defRPr u="sng" kern="1200">
+                  <a:solidFill>
+                    <a:schemeClr val="tx1"/>
+                  </a:solidFill>
+                  <a:latin typeface="Arial" panose="020B0604020202020204" pitchFamily="34" charset="0"/>
+                  <a:ea typeface="+mn-ea"/>
+                  <a:cs typeface="+mn-cs"/>
+                </a:defRPr>
+              </a:lvl1pPr>
+              <a:lvl2pPr marL="457200" algn="l" rtl="0" fontAlgn="base">
+                <a:spcBef>
+                  <a:spcPct val="0"/>
+                </a:spcBef>
+                <a:spcAft>
+                  <a:spcPct val="0"/>
+                </a:spcAft>
+                <a:defRPr u="sng" kern="1200">
+                  <a:solidFill>
+                    <a:schemeClr val="tx1"/>
+                  </a:solidFill>
+                  <a:latin typeface="Arial" panose="020B0604020202020204" pitchFamily="34" charset="0"/>
+                  <a:ea typeface="+mn-ea"/>
+                  <a:cs typeface="+mn-cs"/>
+                </a:defRPr>
+              </a:lvl2pPr>
+              <a:lvl3pPr marL="914400" algn="l" rtl="0" fontAlgn="base">
+                <a:spcBef>
+                  <a:spcPct val="0"/>
+                </a:spcBef>
+                <a:spcAft>
+                  <a:spcPct val="0"/>
+                </a:spcAft>
+                <a:defRPr u="sng" kern="1200">
+                  <a:solidFill>
+                    <a:schemeClr val="tx1"/>
+                  </a:solidFill>
+                  <a:latin typeface="Arial" panose="020B0604020202020204" pitchFamily="34" charset="0"/>
+                  <a:ea typeface="+mn-ea"/>
+                  <a:cs typeface="+mn-cs"/>
+                </a:defRPr>
+              </a:lvl3pPr>
+              <a:lvl4pPr marL="1371600" algn="l" rtl="0" fontAlgn="base">
+                <a:spcBef>
+                  <a:spcPct val="0"/>
+                </a:spcBef>
+                <a:spcAft>
+                  <a:spcPct val="0"/>
+                </a:spcAft>
+                <a:defRPr u="sng" kern="1200">
+                  <a:solidFill>
+                    <a:schemeClr val="tx1"/>
+                  </a:solidFill>
+                  <a:latin typeface="Arial" panose="020B0604020202020204" pitchFamily="34" charset="0"/>
+                  <a:ea typeface="+mn-ea"/>
+                  <a:cs typeface="+mn-cs"/>
+                </a:defRPr>
+              </a:lvl4pPr>
+              <a:lvl5pPr marL="1828800" algn="l" rtl="0" fontAlgn="base">
+                <a:spcBef>
+                  <a:spcPct val="0"/>
+                </a:spcBef>
+                <a:spcAft>
+                  <a:spcPct val="0"/>
+                </a:spcAft>
+                <a:defRPr u="sng" kern="1200">
+                  <a:solidFill>
+                    <a:schemeClr val="tx1"/>
+                  </a:solidFill>
+                  <a:latin typeface="Arial" panose="020B0604020202020204" pitchFamily="34" charset="0"/>
+                  <a:ea typeface="+mn-ea"/>
+                  <a:cs typeface="+mn-cs"/>
+                </a:defRPr>
+              </a:lvl5pPr>
+              <a:lvl6pPr marL="2286000" algn="l" defTabSz="914400" rtl="0" eaLnBrk="1" latinLnBrk="0" hangingPunct="1">
+                <a:defRPr u="sng" kern="1200">
+                  <a:solidFill>
+                    <a:schemeClr val="tx1"/>
+                  </a:solidFill>
+                  <a:latin typeface="Arial" panose="020B0604020202020204" pitchFamily="34" charset="0"/>
+                  <a:ea typeface="+mn-ea"/>
+                  <a:cs typeface="+mn-cs"/>
+                </a:defRPr>
+              </a:lvl6pPr>
+              <a:lvl7pPr marL="2743200" algn="l" defTabSz="914400" rtl="0" eaLnBrk="1" latinLnBrk="0" hangingPunct="1">
+                <a:defRPr u="sng" kern="1200">
+                  <a:solidFill>
+                    <a:schemeClr val="tx1"/>
+                  </a:solidFill>
+                  <a:latin typeface="Arial" panose="020B0604020202020204" pitchFamily="34" charset="0"/>
+                  <a:ea typeface="+mn-ea"/>
+                  <a:cs typeface="+mn-cs"/>
+                </a:defRPr>
+              </a:lvl7pPr>
+              <a:lvl8pPr marL="3200400" algn="l" defTabSz="914400" rtl="0" eaLnBrk="1" latinLnBrk="0" hangingPunct="1">
+                <a:defRPr u="sng" kern="1200">
+                  <a:solidFill>
+                    <a:schemeClr val="tx1"/>
+                  </a:solidFill>
+                  <a:latin typeface="Arial" panose="020B0604020202020204" pitchFamily="34" charset="0"/>
+                  <a:ea typeface="+mn-ea"/>
+                  <a:cs typeface="+mn-cs"/>
+                </a:defRPr>
+              </a:lvl8pPr>
+              <a:lvl9pPr marL="3657600" algn="l" defTabSz="914400" rtl="0" eaLnBrk="1" latinLnBrk="0" hangingPunct="1">
+                <a:defRPr u="sng" kern="1200">
+                  <a:solidFill>
+                    <a:schemeClr val="tx1"/>
+                  </a:solidFill>
+                  <a:latin typeface="Arial" panose="020B0604020202020204" pitchFamily="34" charset="0"/>
+                  <a:ea typeface="+mn-ea"/>
+                  <a:cs typeface="+mn-cs"/>
+                </a:defRPr>
+              </a:lvl9pPr>
+            </a:lstStyle>
+            <a:p>
+              <a:pPr algn="ctr" eaLnBrk="1" hangingPunct="1"/>
+              <a:r>
+                <a:rPr lang="it-IT" altLang="it-IT" sz="1600" u="none">
+                  <a:solidFill>
+                    <a:srgbClr val="FF0000"/>
+                  </a:solidFill>
+                  <a:latin typeface="Calibri" panose="020F0502020204030204" pitchFamily="34" charset="0"/>
+                </a:rPr>
+                <a:t>rdf:type</a:t>
+              </a:r>
+            </a:p>
+          </p:txBody>
+        </p:sp>
+        <p:sp>
+          <p:nvSpPr>
+            <p:cNvPr id="11" name="Rettangolo arrotondato 5"/>
+            <p:cNvSpPr>
+              <a:spLocks noChangeArrowheads="1"/>
+            </p:cNvSpPr>
+            <p:nvPr/>
+          </p:nvSpPr>
+          <p:spPr bwMode="auto">
+            <a:xfrm>
+              <a:off x="249" y="3113"/>
+              <a:ext cx="624" cy="174"/>
+            </a:xfrm>
+            <a:prstGeom prst="roundRect">
+              <a:avLst>
+                <a:gd name="adj" fmla="val 16667"/>
+              </a:avLst>
+            </a:prstGeom>
+            <a:solidFill>
+              <a:srgbClr val="3C8C93"/>
+            </a:solidFill>
+            <a:ln w="25400" algn="ctr">
+              <a:solidFill>
+                <a:srgbClr val="262673"/>
+              </a:solidFill>
+              <a:round/>
+              <a:headEnd/>
+              <a:tailEnd/>
+            </a:ln>
+          </p:spPr>
+          <p:txBody>
+            <a:bodyPr anchor="ctr"/>
+            <a:lstStyle>
+              <a:defPPr>
+                <a:defRPr lang="it-IT"/>
+              </a:defPPr>
+              <a:lvl1pPr algn="l" rtl="0" fontAlgn="base">
+                <a:spcBef>
+                  <a:spcPct val="0"/>
+                </a:spcBef>
+                <a:spcAft>
+                  <a:spcPct val="0"/>
+                </a:spcAft>
+                <a:defRPr u="sng" kern="1200">
+                  <a:solidFill>
+                    <a:schemeClr val="tx1"/>
+                  </a:solidFill>
+                  <a:latin typeface="Arial" panose="020B0604020202020204" pitchFamily="34" charset="0"/>
+                  <a:ea typeface="+mn-ea"/>
+                  <a:cs typeface="+mn-cs"/>
+                </a:defRPr>
+              </a:lvl1pPr>
+              <a:lvl2pPr marL="457200" algn="l" rtl="0" fontAlgn="base">
+                <a:spcBef>
+                  <a:spcPct val="0"/>
+                </a:spcBef>
+                <a:spcAft>
+                  <a:spcPct val="0"/>
+                </a:spcAft>
+                <a:defRPr u="sng" kern="1200">
+                  <a:solidFill>
+                    <a:schemeClr val="tx1"/>
+                  </a:solidFill>
+                  <a:latin typeface="Arial" panose="020B0604020202020204" pitchFamily="34" charset="0"/>
+                  <a:ea typeface="+mn-ea"/>
+                  <a:cs typeface="+mn-cs"/>
+                </a:defRPr>
+              </a:lvl2pPr>
+              <a:lvl3pPr marL="914400" algn="l" rtl="0" fontAlgn="base">
+                <a:spcBef>
+                  <a:spcPct val="0"/>
+                </a:spcBef>
+                <a:spcAft>
+                  <a:spcPct val="0"/>
+                </a:spcAft>
+                <a:defRPr u="sng" kern="1200">
+                  <a:solidFill>
+                    <a:schemeClr val="tx1"/>
+                  </a:solidFill>
+                  <a:latin typeface="Arial" panose="020B0604020202020204" pitchFamily="34" charset="0"/>
+                  <a:ea typeface="+mn-ea"/>
+                  <a:cs typeface="+mn-cs"/>
+                </a:defRPr>
+              </a:lvl3pPr>
+              <a:lvl4pPr marL="1371600" algn="l" rtl="0" fontAlgn="base">
+                <a:spcBef>
+                  <a:spcPct val="0"/>
+                </a:spcBef>
+                <a:spcAft>
+                  <a:spcPct val="0"/>
+                </a:spcAft>
+                <a:defRPr u="sng" kern="1200">
+                  <a:solidFill>
+                    <a:schemeClr val="tx1"/>
+                  </a:solidFill>
+                  <a:latin typeface="Arial" panose="020B0604020202020204" pitchFamily="34" charset="0"/>
+                  <a:ea typeface="+mn-ea"/>
+                  <a:cs typeface="+mn-cs"/>
+                </a:defRPr>
+              </a:lvl4pPr>
+              <a:lvl5pPr marL="1828800" algn="l" rtl="0" fontAlgn="base">
+                <a:spcBef>
+                  <a:spcPct val="0"/>
+                </a:spcBef>
+                <a:spcAft>
+                  <a:spcPct val="0"/>
+                </a:spcAft>
+                <a:defRPr u="sng" kern="1200">
+                  <a:solidFill>
+                    <a:schemeClr val="tx1"/>
+                  </a:solidFill>
+                  <a:latin typeface="Arial" panose="020B0604020202020204" pitchFamily="34" charset="0"/>
+                  <a:ea typeface="+mn-ea"/>
+                  <a:cs typeface="+mn-cs"/>
+                </a:defRPr>
+              </a:lvl5pPr>
+              <a:lvl6pPr marL="2286000" algn="l" defTabSz="914400" rtl="0" eaLnBrk="1" latinLnBrk="0" hangingPunct="1">
+                <a:defRPr u="sng" kern="1200">
+                  <a:solidFill>
+                    <a:schemeClr val="tx1"/>
+                  </a:solidFill>
+                  <a:latin typeface="Arial" panose="020B0604020202020204" pitchFamily="34" charset="0"/>
+                  <a:ea typeface="+mn-ea"/>
+                  <a:cs typeface="+mn-cs"/>
+                </a:defRPr>
+              </a:lvl6pPr>
+              <a:lvl7pPr marL="2743200" algn="l" defTabSz="914400" rtl="0" eaLnBrk="1" latinLnBrk="0" hangingPunct="1">
+                <a:defRPr u="sng" kern="1200">
+                  <a:solidFill>
+                    <a:schemeClr val="tx1"/>
+                  </a:solidFill>
+                  <a:latin typeface="Arial" panose="020B0604020202020204" pitchFamily="34" charset="0"/>
+                  <a:ea typeface="+mn-ea"/>
+                  <a:cs typeface="+mn-cs"/>
+                </a:defRPr>
+              </a:lvl7pPr>
+              <a:lvl8pPr marL="3200400" algn="l" defTabSz="914400" rtl="0" eaLnBrk="1" latinLnBrk="0" hangingPunct="1">
+                <a:defRPr u="sng" kern="1200">
+                  <a:solidFill>
+                    <a:schemeClr val="tx1"/>
+                  </a:solidFill>
+                  <a:latin typeface="Arial" panose="020B0604020202020204" pitchFamily="34" charset="0"/>
+                  <a:ea typeface="+mn-ea"/>
+                  <a:cs typeface="+mn-cs"/>
+                </a:defRPr>
+              </a:lvl8pPr>
+              <a:lvl9pPr marL="3657600" algn="l" defTabSz="914400" rtl="0" eaLnBrk="1" latinLnBrk="0" hangingPunct="1">
+                <a:defRPr u="sng" kern="1200">
+                  <a:solidFill>
+                    <a:schemeClr val="tx1"/>
+                  </a:solidFill>
+                  <a:latin typeface="Arial" panose="020B0604020202020204" pitchFamily="34" charset="0"/>
+                  <a:ea typeface="+mn-ea"/>
+                  <a:cs typeface="+mn-cs"/>
+                </a:defRPr>
+              </a:lvl9pPr>
+            </a:lstStyle>
+            <a:p>
+              <a:pPr algn="ctr" eaLnBrk="1" hangingPunct="1"/>
+              <a:r>
+                <a:rPr lang="it-IT" altLang="it-IT" sz="1400" u="none">
+                  <a:solidFill>
+                    <a:srgbClr val="FFFFFF"/>
+                  </a:solidFill>
+                </a:rPr>
+                <a:t>CLASS</a:t>
+              </a:r>
+            </a:p>
+          </p:txBody>
+        </p:sp>
+      </p:grpSp>
+      <p:sp>
+        <p:nvSpPr>
+          <p:cNvPr id="13" name="Segnaposto contenuto 12"/>
+          <p:cNvSpPr>
+            <a:spLocks noGrp="1"/>
+          </p:cNvSpPr>
+          <p:nvPr>
+            <p:ph idx="1"/>
+          </p:nvPr>
+        </p:nvSpPr>
+        <p:spPr/>
+        <p:txBody>
+          <a:bodyPr/>
+          <a:lstStyle/>
+          <a:p>
+            <a:endParaRPr lang="it-IT"/>
+          </a:p>
+        </p:txBody>
+      </p:sp>
+    </p:spTree>
+    <p:extLst>
+      <p:ext uri="{BB962C8B-B14F-4D97-AF65-F5344CB8AC3E}">
+        <p14:creationId xmlns:p14="http://schemas.microsoft.com/office/powerpoint/2010/main" val="3412366615"/>
       </p:ext>
     </p:extLst>
   </p:cSld>

--- a/ontologia.pptx
+++ b/ontologia.pptx
@@ -5,9 +5,16 @@
     <p:sldMasterId id="2147483648" r:id="rId1"/>
   </p:sldMasterIdLst>
   <p:sldIdLst>
-    <p:sldId id="257" r:id="rId2"/>
-    <p:sldId id="256" r:id="rId3"/>
-    <p:sldId id="258" r:id="rId4"/>
+    <p:sldId id="259" r:id="rId2"/>
+    <p:sldId id="260" r:id="rId3"/>
+    <p:sldId id="261" r:id="rId4"/>
+    <p:sldId id="262" r:id="rId5"/>
+    <p:sldId id="263" r:id="rId6"/>
+    <p:sldId id="264" r:id="rId7"/>
+    <p:sldId id="265" r:id="rId8"/>
+    <p:sldId id="257" r:id="rId9"/>
+    <p:sldId id="256" r:id="rId10"/>
+    <p:sldId id="258" r:id="rId11"/>
   </p:sldIdLst>
   <p:sldSz cx="12192000" cy="6858000"/>
   <p:notesSz cx="6858000" cy="9144000"/>
@@ -114,6 +121,10 @@
 </p:presentation>
 </file>
 
+<file path=ppt/revisionInfo.xml><?xml version="1.0" encoding="utf-8"?>
+<p1510:revInfo xmlns:a="http://schemas.openxmlformats.org/drawingml/2006/main" xmlns:r="http://schemas.openxmlformats.org/officeDocument/2006/relationships" xmlns:p1510="http://schemas.microsoft.com/office/powerpoint/2015/10/main"/>
+</file>
+
 <file path=ppt/slideLayouts/slideLayout1.xml><?xml version="1.0" encoding="utf-8"?>
 <p:sldLayout xmlns:a="http://schemas.openxmlformats.org/drawingml/2006/main" xmlns:r="http://schemas.openxmlformats.org/officeDocument/2006/relationships" xmlns:p="http://schemas.openxmlformats.org/presentationml/2006/main" type="title" preserve="1">
   <p:cSld name="Title Slide">
@@ -245,7 +256,7 @@
           <a:p>
             <a:fld id="{1A332EEC-0DEC-4519-86B2-D35C9D955E4F}" type="datetimeFigureOut">
               <a:rPr lang="it-IT" smtClean="0"/>
-              <a:t>12/04/2017</a:t>
+              <a:t>28/09/2017</a:t>
             </a:fld>
             <a:endParaRPr lang="it-IT"/>
           </a:p>
@@ -287,7 +298,7 @@
           <a:p>
             <a:fld id="{6B8D206D-5D46-4416-B9F0-2EBC8E758699}" type="slidenum">
               <a:rPr lang="it-IT" smtClean="0"/>
-              <a:t>‹N›</a:t>
+              <a:t>‹#›</a:t>
             </a:fld>
             <a:endParaRPr lang="it-IT"/>
           </a:p>
@@ -415,7 +426,7 @@
           <a:p>
             <a:fld id="{1A332EEC-0DEC-4519-86B2-D35C9D955E4F}" type="datetimeFigureOut">
               <a:rPr lang="it-IT" smtClean="0"/>
-              <a:t>12/04/2017</a:t>
+              <a:t>28/09/2017</a:t>
             </a:fld>
             <a:endParaRPr lang="it-IT"/>
           </a:p>
@@ -457,7 +468,7 @@
           <a:p>
             <a:fld id="{6B8D206D-5D46-4416-B9F0-2EBC8E758699}" type="slidenum">
               <a:rPr lang="it-IT" smtClean="0"/>
-              <a:t>‹N›</a:t>
+              <a:t>‹#›</a:t>
             </a:fld>
             <a:endParaRPr lang="it-IT"/>
           </a:p>
@@ -595,7 +606,7 @@
           <a:p>
             <a:fld id="{1A332EEC-0DEC-4519-86B2-D35C9D955E4F}" type="datetimeFigureOut">
               <a:rPr lang="it-IT" smtClean="0"/>
-              <a:t>12/04/2017</a:t>
+              <a:t>28/09/2017</a:t>
             </a:fld>
             <a:endParaRPr lang="it-IT"/>
           </a:p>
@@ -637,7 +648,7 @@
           <a:p>
             <a:fld id="{6B8D206D-5D46-4416-B9F0-2EBC8E758699}" type="slidenum">
               <a:rPr lang="it-IT" smtClean="0"/>
-              <a:t>‹N›</a:t>
+              <a:t>‹#›</a:t>
             </a:fld>
             <a:endParaRPr lang="it-IT"/>
           </a:p>
@@ -765,7 +776,7 @@
           <a:p>
             <a:fld id="{1A332EEC-0DEC-4519-86B2-D35C9D955E4F}" type="datetimeFigureOut">
               <a:rPr lang="it-IT" smtClean="0"/>
-              <a:t>12/04/2017</a:t>
+              <a:t>28/09/2017</a:t>
             </a:fld>
             <a:endParaRPr lang="it-IT"/>
           </a:p>
@@ -807,7 +818,7 @@
           <a:p>
             <a:fld id="{6B8D206D-5D46-4416-B9F0-2EBC8E758699}" type="slidenum">
               <a:rPr lang="it-IT" smtClean="0"/>
-              <a:t>‹N›</a:t>
+              <a:t>‹#›</a:t>
             </a:fld>
             <a:endParaRPr lang="it-IT"/>
           </a:p>
@@ -1011,7 +1022,7 @@
           <a:p>
             <a:fld id="{1A332EEC-0DEC-4519-86B2-D35C9D955E4F}" type="datetimeFigureOut">
               <a:rPr lang="it-IT" smtClean="0"/>
-              <a:t>12/04/2017</a:t>
+              <a:t>28/09/2017</a:t>
             </a:fld>
             <a:endParaRPr lang="it-IT"/>
           </a:p>
@@ -1053,7 +1064,7 @@
           <a:p>
             <a:fld id="{6B8D206D-5D46-4416-B9F0-2EBC8E758699}" type="slidenum">
               <a:rPr lang="it-IT" smtClean="0"/>
-              <a:t>‹N›</a:t>
+              <a:t>‹#›</a:t>
             </a:fld>
             <a:endParaRPr lang="it-IT"/>
           </a:p>
@@ -1243,7 +1254,7 @@
           <a:p>
             <a:fld id="{1A332EEC-0DEC-4519-86B2-D35C9D955E4F}" type="datetimeFigureOut">
               <a:rPr lang="it-IT" smtClean="0"/>
-              <a:t>12/04/2017</a:t>
+              <a:t>28/09/2017</a:t>
             </a:fld>
             <a:endParaRPr lang="it-IT"/>
           </a:p>
@@ -1285,7 +1296,7 @@
           <a:p>
             <a:fld id="{6B8D206D-5D46-4416-B9F0-2EBC8E758699}" type="slidenum">
               <a:rPr lang="it-IT" smtClean="0"/>
-              <a:t>‹N›</a:t>
+              <a:t>‹#›</a:t>
             </a:fld>
             <a:endParaRPr lang="it-IT"/>
           </a:p>
@@ -1610,7 +1621,7 @@
           <a:p>
             <a:fld id="{1A332EEC-0DEC-4519-86B2-D35C9D955E4F}" type="datetimeFigureOut">
               <a:rPr lang="it-IT" smtClean="0"/>
-              <a:t>12/04/2017</a:t>
+              <a:t>28/09/2017</a:t>
             </a:fld>
             <a:endParaRPr lang="it-IT"/>
           </a:p>
@@ -1652,7 +1663,7 @@
           <a:p>
             <a:fld id="{6B8D206D-5D46-4416-B9F0-2EBC8E758699}" type="slidenum">
               <a:rPr lang="it-IT" smtClean="0"/>
-              <a:t>‹N›</a:t>
+              <a:t>‹#›</a:t>
             </a:fld>
             <a:endParaRPr lang="it-IT"/>
           </a:p>
@@ -1728,7 +1739,7 @@
           <a:p>
             <a:fld id="{1A332EEC-0DEC-4519-86B2-D35C9D955E4F}" type="datetimeFigureOut">
               <a:rPr lang="it-IT" smtClean="0"/>
-              <a:t>12/04/2017</a:t>
+              <a:t>28/09/2017</a:t>
             </a:fld>
             <a:endParaRPr lang="it-IT"/>
           </a:p>
@@ -1770,7 +1781,7 @@
           <a:p>
             <a:fld id="{6B8D206D-5D46-4416-B9F0-2EBC8E758699}" type="slidenum">
               <a:rPr lang="it-IT" smtClean="0"/>
-              <a:t>‹N›</a:t>
+              <a:t>‹#›</a:t>
             </a:fld>
             <a:endParaRPr lang="it-IT"/>
           </a:p>
@@ -1823,7 +1834,7 @@
           <a:p>
             <a:fld id="{1A332EEC-0DEC-4519-86B2-D35C9D955E4F}" type="datetimeFigureOut">
               <a:rPr lang="it-IT" smtClean="0"/>
-              <a:t>12/04/2017</a:t>
+              <a:t>28/09/2017</a:t>
             </a:fld>
             <a:endParaRPr lang="it-IT"/>
           </a:p>
@@ -1865,7 +1876,7 @@
           <a:p>
             <a:fld id="{6B8D206D-5D46-4416-B9F0-2EBC8E758699}" type="slidenum">
               <a:rPr lang="it-IT" smtClean="0"/>
-              <a:t>‹N›</a:t>
+              <a:t>‹#›</a:t>
             </a:fld>
             <a:endParaRPr lang="it-IT"/>
           </a:p>
@@ -2100,7 +2111,7 @@
           <a:p>
             <a:fld id="{1A332EEC-0DEC-4519-86B2-D35C9D955E4F}" type="datetimeFigureOut">
               <a:rPr lang="it-IT" smtClean="0"/>
-              <a:t>12/04/2017</a:t>
+              <a:t>28/09/2017</a:t>
             </a:fld>
             <a:endParaRPr lang="it-IT"/>
           </a:p>
@@ -2142,7 +2153,7 @@
           <a:p>
             <a:fld id="{6B8D206D-5D46-4416-B9F0-2EBC8E758699}" type="slidenum">
               <a:rPr lang="it-IT" smtClean="0"/>
-              <a:t>‹N›</a:t>
+              <a:t>‹#›</a:t>
             </a:fld>
             <a:endParaRPr lang="it-IT"/>
           </a:p>
@@ -2353,7 +2364,7 @@
           <a:p>
             <a:fld id="{1A332EEC-0DEC-4519-86B2-D35C9D955E4F}" type="datetimeFigureOut">
               <a:rPr lang="it-IT" smtClean="0"/>
-              <a:t>12/04/2017</a:t>
+              <a:t>28/09/2017</a:t>
             </a:fld>
             <a:endParaRPr lang="it-IT"/>
           </a:p>
@@ -2395,7 +2406,7 @@
           <a:p>
             <a:fld id="{6B8D206D-5D46-4416-B9F0-2EBC8E758699}" type="slidenum">
               <a:rPr lang="it-IT" smtClean="0"/>
-              <a:t>‹N›</a:t>
+              <a:t>‹#›</a:t>
             </a:fld>
             <a:endParaRPr lang="it-IT"/>
           </a:p>
@@ -2566,7 +2577,7 @@
           <a:p>
             <a:fld id="{1A332EEC-0DEC-4519-86B2-D35C9D955E4F}" type="datetimeFigureOut">
               <a:rPr lang="it-IT" smtClean="0"/>
-              <a:t>12/04/2017</a:t>
+              <a:t>28/09/2017</a:t>
             </a:fld>
             <a:endParaRPr lang="it-IT"/>
           </a:p>
@@ -2644,7 +2655,7 @@
           <a:p>
             <a:fld id="{6B8D206D-5D46-4416-B9F0-2EBC8E758699}" type="slidenum">
               <a:rPr lang="it-IT" smtClean="0"/>
-              <a:t>‹N›</a:t>
+              <a:t>‹#›</a:t>
             </a:fld>
             <a:endParaRPr lang="it-IT"/>
           </a:p>
@@ -2973,1967 +2984,296 @@
       </p:grpSpPr>
       <p:sp>
         <p:nvSpPr>
-          <p:cNvPr id="2" name="Titolo 1"/>
+          <p:cNvPr id="2" name="Title 1">
+            <a:extLst>
+              <a:ext uri="{FF2B5EF4-FFF2-40B4-BE49-F238E27FC236}">
+                <a16:creationId xmlns:a16="http://schemas.microsoft.com/office/drawing/2014/main" id="{1E73F2D9-3365-4065-884A-7D7A9AC7CE2F}"/>
+              </a:ext>
+            </a:extLst>
+          </p:cNvPr>
           <p:cNvSpPr>
             <a:spLocks noGrp="1"/>
           </p:cNvSpPr>
           <p:nvPr>
-            <p:ph type="title"/>
+            <p:ph type="ctrTitle"/>
           </p:nvPr>
         </p:nvSpPr>
-        <p:spPr/>
+        <p:spPr>
+          <a:xfrm>
+            <a:off x="0" y="0"/>
+            <a:ext cx="12192000" cy="2137893"/>
+          </a:xfrm>
+          <a:solidFill>
+            <a:schemeClr val="accent1">
+              <a:lumMod val="40000"/>
+              <a:lumOff val="60000"/>
+            </a:schemeClr>
+          </a:solidFill>
+        </p:spPr>
         <p:txBody>
           <a:bodyPr/>
           <a:lstStyle/>
           <a:p>
-            <a:pPr algn="ctr"/>
+            <a:r>
+              <a:rPr lang="it-IT" b="1" dirty="0"/>
+              <a:t>Attività progettuale di Calcolatori Elettronici M</a:t>
+            </a:r>
+          </a:p>
+        </p:txBody>
+      </p:sp>
+      <p:sp>
+        <p:nvSpPr>
+          <p:cNvPr id="3" name="Subtitle 2">
+            <a:extLst>
+              <a:ext uri="{FF2B5EF4-FFF2-40B4-BE49-F238E27FC236}">
+                <a16:creationId xmlns:a16="http://schemas.microsoft.com/office/drawing/2014/main" id="{BA79B728-79A1-4439-8BAA-8695F0061605}"/>
+              </a:ext>
+            </a:extLst>
+          </p:cNvPr>
+          <p:cNvSpPr>
+            <a:spLocks noGrp="1"/>
+          </p:cNvSpPr>
+          <p:nvPr>
+            <p:ph type="subTitle" idx="1"/>
+          </p:nvPr>
+        </p:nvSpPr>
+        <p:spPr>
+          <a:xfrm>
+            <a:off x="1734457" y="4724500"/>
+            <a:ext cx="7590971" cy="1481071"/>
+          </a:xfrm>
+        </p:spPr>
+        <p:txBody>
+          <a:bodyPr>
+            <a:normAutofit/>
+          </a:bodyPr>
+          <a:lstStyle/>
+          <a:p>
+            <a:pPr algn="just"/>
             <a:r>
               <a:rPr lang="it-IT" dirty="0"/>
-              <a:t>Scenario</a:t>
-            </a:r>
-          </a:p>
-        </p:txBody>
-      </p:sp>
-      <p:sp>
-        <p:nvSpPr>
-          <p:cNvPr id="4" name="Rettangolo 3"/>
-          <p:cNvSpPr/>
+              <a:t>		Matteo Olivi 		 0000814492        </a:t>
+            </a:r>
+          </a:p>
+          <a:p>
+            <a:pPr algn="just"/>
+            <a:r>
+              <a:rPr lang="it-IT" dirty="0"/>
+              <a:t> 		Riccardo Buscaroli       &lt;numero di matricola&gt;</a:t>
+            </a:r>
+          </a:p>
+          <a:p>
+            <a:pPr algn="just"/>
+            <a:r>
+              <a:rPr lang="it-IT" dirty="0"/>
+              <a:t>                           (France Mbeutcha) 	&lt;numero di matricola&gt;</a:t>
+            </a:r>
+          </a:p>
+        </p:txBody>
+      </p:sp>
+      <p:sp>
+        <p:nvSpPr>
+          <p:cNvPr id="5" name="Subtitle 2">
+            <a:extLst>
+              <a:ext uri="{FF2B5EF4-FFF2-40B4-BE49-F238E27FC236}">
+                <a16:creationId xmlns:a16="http://schemas.microsoft.com/office/drawing/2014/main" id="{08C52898-9C16-464B-B284-369C64CFDECE}"/>
+              </a:ext>
+            </a:extLst>
+          </p:cNvPr>
+          <p:cNvSpPr txBox="1">
+            <a:spLocks/>
+          </p:cNvSpPr>
           <p:nvPr/>
         </p:nvSpPr>
         <p:spPr>
           <a:xfrm>
-            <a:off x="838200" y="2152482"/>
-            <a:ext cx="3636696" cy="2589452"/>
+            <a:off x="1524000" y="3169735"/>
+            <a:ext cx="9144000" cy="1355501"/>
           </a:xfrm>
           <a:prstGeom prst="rect">
             <a:avLst/>
           </a:prstGeom>
-          <a:solidFill>
-            <a:schemeClr val="bg1"/>
-          </a:solidFill>
-        </p:spPr>
-        <p:style>
-          <a:lnRef idx="2">
-            <a:schemeClr val="accent1">
-              <a:shade val="50000"/>
-            </a:schemeClr>
-          </a:lnRef>
-          <a:fillRef idx="1">
-            <a:schemeClr val="accent1"/>
-          </a:fillRef>
-          <a:effectRef idx="0">
-            <a:schemeClr val="accent1"/>
-          </a:effectRef>
-          <a:fontRef idx="minor">
-            <a:schemeClr val="lt1"/>
-          </a:fontRef>
-        </p:style>
-        <p:txBody>
-          <a:bodyPr rtlCol="0" anchor="ctr"/>
-          <a:lstStyle/>
-          <a:p>
-            <a:pPr algn="ctr"/>
-            <a:endParaRPr lang="it-IT"/>
-          </a:p>
-        </p:txBody>
-      </p:sp>
-      <p:sp>
-        <p:nvSpPr>
-          <p:cNvPr id="5" name="Rettangolo 4"/>
-          <p:cNvSpPr/>
-          <p:nvPr/>
-        </p:nvSpPr>
-        <p:spPr>
-          <a:xfrm>
-            <a:off x="1278542" y="2605635"/>
-            <a:ext cx="882031" cy="1383738"/>
-          </a:xfrm>
-          <a:prstGeom prst="rect">
-            <a:avLst/>
-          </a:prstGeom>
-        </p:spPr>
-        <p:style>
-          <a:lnRef idx="2">
-            <a:schemeClr val="accent1">
-              <a:shade val="50000"/>
-            </a:schemeClr>
-          </a:lnRef>
-          <a:fillRef idx="1">
-            <a:schemeClr val="accent1"/>
-          </a:fillRef>
-          <a:effectRef idx="0">
-            <a:schemeClr val="accent1"/>
-          </a:effectRef>
-          <a:fontRef idx="minor">
-            <a:schemeClr val="lt1"/>
-          </a:fontRef>
-        </p:style>
-        <p:txBody>
-          <a:bodyPr rtlCol="0" anchor="ctr"/>
-          <a:lstStyle/>
-          <a:p>
-            <a:pPr algn="ctr"/>
-            <a:endParaRPr lang="it-IT"/>
-          </a:p>
-        </p:txBody>
-      </p:sp>
-      <p:sp>
-        <p:nvSpPr>
-          <p:cNvPr id="7" name="Ovale 6"/>
-          <p:cNvSpPr/>
-          <p:nvPr/>
-        </p:nvSpPr>
-        <p:spPr>
-          <a:xfrm>
-            <a:off x="1375646" y="2840305"/>
-            <a:ext cx="89012" cy="89012"/>
-          </a:xfrm>
-          <a:prstGeom prst="ellipse">
-            <a:avLst/>
-          </a:prstGeom>
-          <a:solidFill>
-            <a:srgbClr val="FF0000"/>
-          </a:solidFill>
-        </p:spPr>
-        <p:style>
-          <a:lnRef idx="2">
-            <a:schemeClr val="accent1">
-              <a:shade val="50000"/>
-            </a:schemeClr>
-          </a:lnRef>
-          <a:fillRef idx="1">
-            <a:schemeClr val="accent1"/>
-          </a:fillRef>
-          <a:effectRef idx="0">
-            <a:schemeClr val="accent1"/>
-          </a:effectRef>
-          <a:fontRef idx="minor">
-            <a:schemeClr val="lt1"/>
-          </a:fontRef>
-        </p:style>
-        <p:txBody>
-          <a:bodyPr rtlCol="0" anchor="ctr"/>
-          <a:lstStyle/>
-          <a:p>
-            <a:pPr algn="ctr"/>
-            <a:endParaRPr lang="it-IT"/>
-          </a:p>
-        </p:txBody>
-      </p:sp>
-      <p:sp>
-        <p:nvSpPr>
-          <p:cNvPr id="8" name="Ovale 7"/>
-          <p:cNvSpPr/>
-          <p:nvPr/>
-        </p:nvSpPr>
-        <p:spPr>
-          <a:xfrm>
-            <a:off x="1950183" y="2840305"/>
-            <a:ext cx="89012" cy="89012"/>
-          </a:xfrm>
-          <a:prstGeom prst="ellipse">
-            <a:avLst/>
-          </a:prstGeom>
-          <a:solidFill>
-            <a:srgbClr val="FF0000"/>
-          </a:solidFill>
-        </p:spPr>
-        <p:style>
-          <a:lnRef idx="2">
-            <a:schemeClr val="accent1">
-              <a:shade val="50000"/>
-            </a:schemeClr>
-          </a:lnRef>
-          <a:fillRef idx="1">
-            <a:schemeClr val="accent1"/>
-          </a:fillRef>
-          <a:effectRef idx="0">
-            <a:schemeClr val="accent1"/>
-          </a:effectRef>
-          <a:fontRef idx="minor">
-            <a:schemeClr val="lt1"/>
-          </a:fontRef>
-        </p:style>
-        <p:txBody>
-          <a:bodyPr rtlCol="0" anchor="ctr"/>
-          <a:lstStyle/>
-          <a:p>
-            <a:pPr algn="ctr"/>
-            <a:endParaRPr lang="it-IT"/>
-          </a:p>
-        </p:txBody>
-      </p:sp>
-      <p:sp>
-        <p:nvSpPr>
-          <p:cNvPr id="9" name="Ovale 8"/>
-          <p:cNvSpPr/>
-          <p:nvPr/>
-        </p:nvSpPr>
-        <p:spPr>
-          <a:xfrm>
-            <a:off x="1375646" y="3706152"/>
-            <a:ext cx="89012" cy="89012"/>
-          </a:xfrm>
-          <a:prstGeom prst="ellipse">
-            <a:avLst/>
-          </a:prstGeom>
-          <a:solidFill>
-            <a:srgbClr val="FF0000"/>
-          </a:solidFill>
-        </p:spPr>
-        <p:style>
-          <a:lnRef idx="2">
-            <a:schemeClr val="accent1">
-              <a:shade val="50000"/>
-            </a:schemeClr>
-          </a:lnRef>
-          <a:fillRef idx="1">
-            <a:schemeClr val="accent1"/>
-          </a:fillRef>
-          <a:effectRef idx="0">
-            <a:schemeClr val="accent1"/>
-          </a:effectRef>
-          <a:fontRef idx="minor">
-            <a:schemeClr val="lt1"/>
-          </a:fontRef>
-        </p:style>
-        <p:txBody>
-          <a:bodyPr rtlCol="0" anchor="ctr"/>
-          <a:lstStyle/>
-          <a:p>
-            <a:pPr algn="ctr"/>
-            <a:endParaRPr lang="it-IT"/>
-          </a:p>
-        </p:txBody>
-      </p:sp>
-      <p:sp>
-        <p:nvSpPr>
-          <p:cNvPr id="10" name="Ovale 9"/>
-          <p:cNvSpPr/>
-          <p:nvPr/>
-        </p:nvSpPr>
-        <p:spPr>
-          <a:xfrm>
-            <a:off x="1950183" y="3706152"/>
-            <a:ext cx="89012" cy="89012"/>
-          </a:xfrm>
-          <a:prstGeom prst="ellipse">
-            <a:avLst/>
-          </a:prstGeom>
-          <a:solidFill>
-            <a:srgbClr val="FF0000"/>
-          </a:solidFill>
-        </p:spPr>
-        <p:style>
-          <a:lnRef idx="2">
-            <a:schemeClr val="accent1">
-              <a:shade val="50000"/>
-            </a:schemeClr>
-          </a:lnRef>
-          <a:fillRef idx="1">
-            <a:schemeClr val="accent1"/>
-          </a:fillRef>
-          <a:effectRef idx="0">
-            <a:schemeClr val="accent1"/>
-          </a:effectRef>
-          <a:fontRef idx="minor">
-            <a:schemeClr val="lt1"/>
-          </a:fontRef>
-        </p:style>
-        <p:txBody>
-          <a:bodyPr rtlCol="0" anchor="ctr"/>
-          <a:lstStyle/>
-          <a:p>
-            <a:pPr algn="ctr"/>
-            <a:endParaRPr lang="it-IT"/>
-          </a:p>
-        </p:txBody>
-      </p:sp>
-      <p:sp>
-        <p:nvSpPr>
-          <p:cNvPr id="11" name="Ovale 10"/>
-          <p:cNvSpPr/>
-          <p:nvPr/>
-        </p:nvSpPr>
-        <p:spPr>
-          <a:xfrm>
-            <a:off x="1096472" y="2840305"/>
-            <a:ext cx="89012" cy="89012"/>
-          </a:xfrm>
-          <a:prstGeom prst="ellipse">
-            <a:avLst/>
-          </a:prstGeom>
-          <a:solidFill>
-            <a:schemeClr val="accent6"/>
-          </a:solidFill>
-        </p:spPr>
-        <p:style>
-          <a:lnRef idx="2">
-            <a:schemeClr val="accent1">
-              <a:shade val="50000"/>
-            </a:schemeClr>
-          </a:lnRef>
-          <a:fillRef idx="1">
-            <a:schemeClr val="accent1"/>
-          </a:fillRef>
-          <a:effectRef idx="0">
-            <a:schemeClr val="accent1"/>
-          </a:effectRef>
-          <a:fontRef idx="minor">
-            <a:schemeClr val="lt1"/>
-          </a:fontRef>
-        </p:style>
-        <p:txBody>
-          <a:bodyPr rtlCol="0" anchor="ctr"/>
-          <a:lstStyle/>
-          <a:p>
-            <a:pPr algn="ctr"/>
-            <a:endParaRPr lang="it-IT"/>
-          </a:p>
-        </p:txBody>
-      </p:sp>
-      <p:sp>
-        <p:nvSpPr>
-          <p:cNvPr id="12" name="Ovale 11"/>
-          <p:cNvSpPr/>
-          <p:nvPr/>
-        </p:nvSpPr>
-        <p:spPr>
-          <a:xfrm>
-            <a:off x="1096472" y="3706152"/>
-            <a:ext cx="89012" cy="89012"/>
-          </a:xfrm>
-          <a:prstGeom prst="ellipse">
-            <a:avLst/>
-          </a:prstGeom>
-          <a:solidFill>
-            <a:schemeClr val="accent6"/>
-          </a:solidFill>
-        </p:spPr>
-        <p:style>
-          <a:lnRef idx="2">
-            <a:schemeClr val="accent1">
-              <a:shade val="50000"/>
-            </a:schemeClr>
-          </a:lnRef>
-          <a:fillRef idx="1">
-            <a:schemeClr val="accent1"/>
-          </a:fillRef>
-          <a:effectRef idx="0">
-            <a:schemeClr val="accent1"/>
-          </a:effectRef>
-          <a:fontRef idx="minor">
-            <a:schemeClr val="lt1"/>
-          </a:fontRef>
-        </p:style>
-        <p:txBody>
-          <a:bodyPr rtlCol="0" anchor="ctr"/>
-          <a:lstStyle/>
-          <a:p>
-            <a:pPr algn="ctr"/>
-            <a:endParaRPr lang="it-IT"/>
-          </a:p>
-        </p:txBody>
-      </p:sp>
-      <p:sp>
-        <p:nvSpPr>
-          <p:cNvPr id="13" name="Ovale 12"/>
-          <p:cNvSpPr/>
-          <p:nvPr/>
-        </p:nvSpPr>
-        <p:spPr>
-          <a:xfrm>
-            <a:off x="2253631" y="2840305"/>
-            <a:ext cx="89012" cy="89012"/>
-          </a:xfrm>
-          <a:prstGeom prst="ellipse">
-            <a:avLst/>
-          </a:prstGeom>
-          <a:solidFill>
-            <a:schemeClr val="accent6"/>
-          </a:solidFill>
-        </p:spPr>
-        <p:style>
-          <a:lnRef idx="2">
-            <a:schemeClr val="accent1">
-              <a:shade val="50000"/>
-            </a:schemeClr>
-          </a:lnRef>
-          <a:fillRef idx="1">
-            <a:schemeClr val="accent1"/>
-          </a:fillRef>
-          <a:effectRef idx="0">
-            <a:schemeClr val="accent1"/>
-          </a:effectRef>
-          <a:fontRef idx="minor">
-            <a:schemeClr val="lt1"/>
-          </a:fontRef>
-        </p:style>
-        <p:txBody>
-          <a:bodyPr rtlCol="0" anchor="ctr"/>
-          <a:lstStyle/>
-          <a:p>
-            <a:pPr algn="ctr"/>
-            <a:endParaRPr lang="it-IT"/>
-          </a:p>
-        </p:txBody>
-      </p:sp>
-      <p:sp>
-        <p:nvSpPr>
-          <p:cNvPr id="14" name="Ovale 13"/>
-          <p:cNvSpPr/>
-          <p:nvPr/>
-        </p:nvSpPr>
-        <p:spPr>
-          <a:xfrm>
-            <a:off x="2253631" y="3706152"/>
-            <a:ext cx="89012" cy="89012"/>
-          </a:xfrm>
-          <a:prstGeom prst="ellipse">
-            <a:avLst/>
-          </a:prstGeom>
-          <a:solidFill>
-            <a:schemeClr val="accent6"/>
-          </a:solidFill>
-        </p:spPr>
-        <p:style>
-          <a:lnRef idx="2">
-            <a:schemeClr val="accent1">
-              <a:shade val="50000"/>
-            </a:schemeClr>
-          </a:lnRef>
-          <a:fillRef idx="1">
-            <a:schemeClr val="accent1"/>
-          </a:fillRef>
-          <a:effectRef idx="0">
-            <a:schemeClr val="accent1"/>
-          </a:effectRef>
-          <a:fontRef idx="minor">
-            <a:schemeClr val="lt1"/>
-          </a:fontRef>
-        </p:style>
-        <p:txBody>
-          <a:bodyPr rtlCol="0" anchor="ctr"/>
-          <a:lstStyle/>
-          <a:p>
-            <a:pPr algn="ctr"/>
-            <a:endParaRPr lang="it-IT"/>
-          </a:p>
-        </p:txBody>
-      </p:sp>
-      <p:sp>
-        <p:nvSpPr>
-          <p:cNvPr id="15" name="Rettangolo 14"/>
-          <p:cNvSpPr/>
-          <p:nvPr/>
-        </p:nvSpPr>
-        <p:spPr>
-          <a:xfrm>
-            <a:off x="2967754" y="2605635"/>
-            <a:ext cx="882031" cy="1383738"/>
-          </a:xfrm>
-          <a:prstGeom prst="rect">
-            <a:avLst/>
-          </a:prstGeom>
-        </p:spPr>
-        <p:style>
-          <a:lnRef idx="2">
-            <a:schemeClr val="accent1">
-              <a:shade val="50000"/>
-            </a:schemeClr>
-          </a:lnRef>
-          <a:fillRef idx="1">
-            <a:schemeClr val="accent1"/>
-          </a:fillRef>
-          <a:effectRef idx="0">
-            <a:schemeClr val="accent1"/>
-          </a:effectRef>
-          <a:fontRef idx="minor">
-            <a:schemeClr val="lt1"/>
-          </a:fontRef>
-        </p:style>
-        <p:txBody>
-          <a:bodyPr rtlCol="0" anchor="ctr"/>
-          <a:lstStyle/>
-          <a:p>
-            <a:pPr algn="ctr"/>
-            <a:endParaRPr lang="it-IT"/>
-          </a:p>
-        </p:txBody>
-      </p:sp>
-      <p:sp>
-        <p:nvSpPr>
-          <p:cNvPr id="16" name="Ovale 15"/>
-          <p:cNvSpPr/>
-          <p:nvPr/>
-        </p:nvSpPr>
-        <p:spPr>
-          <a:xfrm>
-            <a:off x="3064858" y="2840305"/>
-            <a:ext cx="89012" cy="89012"/>
-          </a:xfrm>
-          <a:prstGeom prst="ellipse">
-            <a:avLst/>
-          </a:prstGeom>
-          <a:solidFill>
-            <a:srgbClr val="FF0000"/>
-          </a:solidFill>
-        </p:spPr>
-        <p:style>
-          <a:lnRef idx="2">
-            <a:schemeClr val="accent1">
-              <a:shade val="50000"/>
-            </a:schemeClr>
-          </a:lnRef>
-          <a:fillRef idx="1">
-            <a:schemeClr val="accent1"/>
-          </a:fillRef>
-          <a:effectRef idx="0">
-            <a:schemeClr val="accent1"/>
-          </a:effectRef>
-          <a:fontRef idx="minor">
-            <a:schemeClr val="lt1"/>
-          </a:fontRef>
-        </p:style>
-        <p:txBody>
-          <a:bodyPr rtlCol="0" anchor="ctr"/>
-          <a:lstStyle/>
-          <a:p>
-            <a:pPr algn="ctr"/>
-            <a:endParaRPr lang="it-IT"/>
-          </a:p>
-        </p:txBody>
-      </p:sp>
-      <p:sp>
-        <p:nvSpPr>
-          <p:cNvPr id="17" name="Ovale 16"/>
-          <p:cNvSpPr/>
-          <p:nvPr/>
-        </p:nvSpPr>
-        <p:spPr>
-          <a:xfrm>
-            <a:off x="3639395" y="2840305"/>
-            <a:ext cx="89012" cy="89012"/>
-          </a:xfrm>
-          <a:prstGeom prst="ellipse">
-            <a:avLst/>
-          </a:prstGeom>
-          <a:solidFill>
-            <a:srgbClr val="FF0000"/>
-          </a:solidFill>
-        </p:spPr>
-        <p:style>
-          <a:lnRef idx="2">
-            <a:schemeClr val="accent1">
-              <a:shade val="50000"/>
-            </a:schemeClr>
-          </a:lnRef>
-          <a:fillRef idx="1">
-            <a:schemeClr val="accent1"/>
-          </a:fillRef>
-          <a:effectRef idx="0">
-            <a:schemeClr val="accent1"/>
-          </a:effectRef>
-          <a:fontRef idx="minor">
-            <a:schemeClr val="lt1"/>
-          </a:fontRef>
-        </p:style>
-        <p:txBody>
-          <a:bodyPr rtlCol="0" anchor="ctr"/>
-          <a:lstStyle/>
-          <a:p>
-            <a:pPr algn="ctr"/>
-            <a:endParaRPr lang="it-IT"/>
-          </a:p>
-        </p:txBody>
-      </p:sp>
-      <p:sp>
-        <p:nvSpPr>
-          <p:cNvPr id="18" name="Ovale 17"/>
-          <p:cNvSpPr/>
-          <p:nvPr/>
-        </p:nvSpPr>
-        <p:spPr>
-          <a:xfrm>
-            <a:off x="3064858" y="3706152"/>
-            <a:ext cx="89012" cy="89012"/>
-          </a:xfrm>
-          <a:prstGeom prst="ellipse">
-            <a:avLst/>
-          </a:prstGeom>
-          <a:solidFill>
-            <a:srgbClr val="FF0000"/>
-          </a:solidFill>
-        </p:spPr>
-        <p:style>
-          <a:lnRef idx="2">
-            <a:schemeClr val="accent1">
-              <a:shade val="50000"/>
-            </a:schemeClr>
-          </a:lnRef>
-          <a:fillRef idx="1">
-            <a:schemeClr val="accent1"/>
-          </a:fillRef>
-          <a:effectRef idx="0">
-            <a:schemeClr val="accent1"/>
-          </a:effectRef>
-          <a:fontRef idx="minor">
-            <a:schemeClr val="lt1"/>
-          </a:fontRef>
-        </p:style>
-        <p:txBody>
-          <a:bodyPr rtlCol="0" anchor="ctr"/>
-          <a:lstStyle/>
-          <a:p>
-            <a:pPr algn="ctr"/>
-            <a:endParaRPr lang="it-IT"/>
-          </a:p>
-        </p:txBody>
-      </p:sp>
-      <p:sp>
-        <p:nvSpPr>
-          <p:cNvPr id="19" name="Ovale 18"/>
-          <p:cNvSpPr/>
-          <p:nvPr/>
-        </p:nvSpPr>
-        <p:spPr>
-          <a:xfrm>
-            <a:off x="3639395" y="3706152"/>
-            <a:ext cx="89012" cy="89012"/>
-          </a:xfrm>
-          <a:prstGeom prst="ellipse">
-            <a:avLst/>
-          </a:prstGeom>
-          <a:solidFill>
-            <a:srgbClr val="FF0000"/>
-          </a:solidFill>
-        </p:spPr>
-        <p:style>
-          <a:lnRef idx="2">
-            <a:schemeClr val="accent1">
-              <a:shade val="50000"/>
-            </a:schemeClr>
-          </a:lnRef>
-          <a:fillRef idx="1">
-            <a:schemeClr val="accent1"/>
-          </a:fillRef>
-          <a:effectRef idx="0">
-            <a:schemeClr val="accent1"/>
-          </a:effectRef>
-          <a:fontRef idx="minor">
-            <a:schemeClr val="lt1"/>
-          </a:fontRef>
-        </p:style>
-        <p:txBody>
-          <a:bodyPr rtlCol="0" anchor="ctr"/>
-          <a:lstStyle/>
-          <a:p>
-            <a:pPr algn="ctr"/>
-            <a:endParaRPr lang="it-IT"/>
-          </a:p>
-        </p:txBody>
-      </p:sp>
-      <p:sp>
-        <p:nvSpPr>
-          <p:cNvPr id="20" name="Ovale 19"/>
-          <p:cNvSpPr/>
-          <p:nvPr/>
-        </p:nvSpPr>
-        <p:spPr>
-          <a:xfrm>
-            <a:off x="2785684" y="2840305"/>
-            <a:ext cx="89012" cy="89012"/>
-          </a:xfrm>
-          <a:prstGeom prst="ellipse">
-            <a:avLst/>
-          </a:prstGeom>
-          <a:solidFill>
-            <a:schemeClr val="accent6"/>
-          </a:solidFill>
-        </p:spPr>
-        <p:style>
-          <a:lnRef idx="2">
-            <a:schemeClr val="accent1">
-              <a:shade val="50000"/>
-            </a:schemeClr>
-          </a:lnRef>
-          <a:fillRef idx="1">
-            <a:schemeClr val="accent1"/>
-          </a:fillRef>
-          <a:effectRef idx="0">
-            <a:schemeClr val="accent1"/>
-          </a:effectRef>
-          <a:fontRef idx="minor">
-            <a:schemeClr val="lt1"/>
-          </a:fontRef>
-        </p:style>
-        <p:txBody>
-          <a:bodyPr rtlCol="0" anchor="ctr"/>
-          <a:lstStyle/>
-          <a:p>
-            <a:pPr algn="ctr"/>
-            <a:endParaRPr lang="it-IT"/>
-          </a:p>
-        </p:txBody>
-      </p:sp>
-      <p:sp>
-        <p:nvSpPr>
-          <p:cNvPr id="21" name="Ovale 20"/>
-          <p:cNvSpPr/>
-          <p:nvPr/>
-        </p:nvSpPr>
-        <p:spPr>
-          <a:xfrm>
-            <a:off x="2785684" y="3706152"/>
-            <a:ext cx="89012" cy="89012"/>
-          </a:xfrm>
-          <a:prstGeom prst="ellipse">
-            <a:avLst/>
-          </a:prstGeom>
-          <a:solidFill>
-            <a:schemeClr val="accent6"/>
-          </a:solidFill>
-        </p:spPr>
-        <p:style>
-          <a:lnRef idx="2">
-            <a:schemeClr val="accent1">
-              <a:shade val="50000"/>
-            </a:schemeClr>
-          </a:lnRef>
-          <a:fillRef idx="1">
-            <a:schemeClr val="accent1"/>
-          </a:fillRef>
-          <a:effectRef idx="0">
-            <a:schemeClr val="accent1"/>
-          </a:effectRef>
-          <a:fontRef idx="minor">
-            <a:schemeClr val="lt1"/>
-          </a:fontRef>
-        </p:style>
-        <p:txBody>
-          <a:bodyPr rtlCol="0" anchor="ctr"/>
-          <a:lstStyle/>
-          <a:p>
-            <a:pPr algn="ctr"/>
-            <a:endParaRPr lang="it-IT"/>
-          </a:p>
-        </p:txBody>
-      </p:sp>
-      <p:sp>
-        <p:nvSpPr>
-          <p:cNvPr id="22" name="Ovale 21"/>
-          <p:cNvSpPr/>
-          <p:nvPr/>
-        </p:nvSpPr>
-        <p:spPr>
-          <a:xfrm>
-            <a:off x="3942843" y="2840305"/>
-            <a:ext cx="89012" cy="89012"/>
-          </a:xfrm>
-          <a:prstGeom prst="ellipse">
-            <a:avLst/>
-          </a:prstGeom>
-          <a:solidFill>
-            <a:schemeClr val="accent6"/>
-          </a:solidFill>
-        </p:spPr>
-        <p:style>
-          <a:lnRef idx="2">
-            <a:schemeClr val="accent1">
-              <a:shade val="50000"/>
-            </a:schemeClr>
-          </a:lnRef>
-          <a:fillRef idx="1">
-            <a:schemeClr val="accent1"/>
-          </a:fillRef>
-          <a:effectRef idx="0">
-            <a:schemeClr val="accent1"/>
-          </a:effectRef>
-          <a:fontRef idx="minor">
-            <a:schemeClr val="lt1"/>
-          </a:fontRef>
-        </p:style>
-        <p:txBody>
-          <a:bodyPr rtlCol="0" anchor="ctr"/>
-          <a:lstStyle/>
-          <a:p>
-            <a:pPr algn="ctr"/>
-            <a:endParaRPr lang="it-IT"/>
-          </a:p>
-        </p:txBody>
-      </p:sp>
-      <p:sp>
-        <p:nvSpPr>
-          <p:cNvPr id="23" name="Ovale 22"/>
-          <p:cNvSpPr/>
-          <p:nvPr/>
-        </p:nvSpPr>
-        <p:spPr>
-          <a:xfrm>
-            <a:off x="3942843" y="3706152"/>
-            <a:ext cx="89012" cy="89012"/>
-          </a:xfrm>
-          <a:prstGeom prst="ellipse">
-            <a:avLst/>
-          </a:prstGeom>
-          <a:solidFill>
-            <a:schemeClr val="accent6"/>
-          </a:solidFill>
-        </p:spPr>
-        <p:style>
-          <a:lnRef idx="2">
-            <a:schemeClr val="accent1">
-              <a:shade val="50000"/>
-            </a:schemeClr>
-          </a:lnRef>
-          <a:fillRef idx="1">
-            <a:schemeClr val="accent1"/>
-          </a:fillRef>
-          <a:effectRef idx="0">
-            <a:schemeClr val="accent1"/>
-          </a:effectRef>
-          <a:fontRef idx="minor">
-            <a:schemeClr val="lt1"/>
-          </a:fontRef>
-        </p:style>
-        <p:txBody>
-          <a:bodyPr rtlCol="0" anchor="ctr"/>
-          <a:lstStyle/>
-          <a:p>
-            <a:pPr algn="ctr"/>
-            <a:endParaRPr lang="it-IT"/>
-          </a:p>
-        </p:txBody>
-      </p:sp>
-      <p:sp>
-        <p:nvSpPr>
-          <p:cNvPr id="25" name="Callout 2 24"/>
-          <p:cNvSpPr/>
-          <p:nvPr/>
-        </p:nvSpPr>
-        <p:spPr>
-          <a:xfrm>
-            <a:off x="4685288" y="2840305"/>
-            <a:ext cx="1097144" cy="250853"/>
-          </a:xfrm>
-          <a:prstGeom prst="borderCallout2">
-            <a:avLst>
-              <a:gd name="adj1" fmla="val 18750"/>
-              <a:gd name="adj2" fmla="val 695"/>
-              <a:gd name="adj3" fmla="val 18750"/>
-              <a:gd name="adj4" fmla="val -16667"/>
-              <a:gd name="adj5" fmla="val 17578"/>
-              <a:gd name="adj6" fmla="val -58301"/>
-            </a:avLst>
-          </a:prstGeom>
-          <a:solidFill>
-            <a:schemeClr val="bg1"/>
-          </a:solidFill>
-        </p:spPr>
-        <p:style>
-          <a:lnRef idx="2">
-            <a:schemeClr val="accent1">
-              <a:shade val="50000"/>
-            </a:schemeClr>
-          </a:lnRef>
-          <a:fillRef idx="1">
-            <a:schemeClr val="accent1"/>
-          </a:fillRef>
-          <a:effectRef idx="0">
-            <a:schemeClr val="accent1"/>
-          </a:effectRef>
-          <a:fontRef idx="minor">
-            <a:schemeClr val="lt1"/>
-          </a:fontRef>
-        </p:style>
-        <p:txBody>
-          <a:bodyPr rtlCol="0" anchor="ctr"/>
-          <a:lstStyle/>
-          <a:p>
-            <a:pPr algn="ctr"/>
-            <a:r>
-              <a:rPr lang="it-IT" sz="1200" dirty="0">
+        </p:spPr>
+        <p:txBody>
+          <a:bodyPr vert="horz" lIns="91440" tIns="45720" rIns="91440" bIns="45720" rtlCol="0">
+            <a:normAutofit/>
+          </a:bodyPr>
+          <a:lstStyle>
+            <a:lvl1pPr marL="0" indent="0" algn="ctr" defTabSz="914400" rtl="0" eaLnBrk="1" latinLnBrk="0" hangingPunct="1">
+              <a:lnSpc>
+                <a:spcPct val="90000"/>
+              </a:lnSpc>
+              <a:spcBef>
+                <a:spcPts val="1000"/>
+              </a:spcBef>
+              <a:buFont typeface="Arial" panose="020B0604020202020204" pitchFamily="34" charset="0"/>
+              <a:buNone/>
+              <a:defRPr sz="2400" kern="1200">
                 <a:solidFill>
-                  <a:sysClr val="windowText" lastClr="000000"/>
+                  <a:schemeClr val="tx1"/>
                 </a:solidFill>
-              </a:rPr>
-              <a:t>sensore sedia</a:t>
-            </a:r>
-          </a:p>
-        </p:txBody>
-      </p:sp>
-      <p:sp>
-        <p:nvSpPr>
-          <p:cNvPr id="26" name="Callout 2 25"/>
-          <p:cNvSpPr/>
-          <p:nvPr/>
-        </p:nvSpPr>
-        <p:spPr>
-          <a:xfrm>
-            <a:off x="4696753" y="2480208"/>
-            <a:ext cx="1097144" cy="250853"/>
-          </a:xfrm>
-          <a:prstGeom prst="borderCallout2">
-            <a:avLst>
-              <a:gd name="adj1" fmla="val 18750"/>
-              <a:gd name="adj2" fmla="val 695"/>
-              <a:gd name="adj3" fmla="val 18750"/>
-              <a:gd name="adj4" fmla="val -35417"/>
-              <a:gd name="adj5" fmla="val 156288"/>
-              <a:gd name="adj6" fmla="val -95539"/>
-            </a:avLst>
-          </a:prstGeom>
-          <a:solidFill>
-            <a:schemeClr val="bg1"/>
-          </a:solidFill>
-        </p:spPr>
-        <p:style>
-          <a:lnRef idx="2">
-            <a:schemeClr val="accent1">
-              <a:shade val="50000"/>
-            </a:schemeClr>
-          </a:lnRef>
-          <a:fillRef idx="1">
-            <a:schemeClr val="accent1"/>
-          </a:fillRef>
-          <a:effectRef idx="0">
-            <a:schemeClr val="accent1"/>
-          </a:effectRef>
-          <a:fontRef idx="minor">
-            <a:schemeClr val="lt1"/>
-          </a:fontRef>
-        </p:style>
-        <p:txBody>
-          <a:bodyPr rtlCol="0" anchor="ctr"/>
-          <a:lstStyle/>
-          <a:p>
-            <a:pPr algn="ctr"/>
-            <a:r>
-              <a:rPr lang="it-IT" sz="1200" dirty="0">
+                <a:latin typeface="+mn-lt"/>
+                <a:ea typeface="+mn-ea"/>
+                <a:cs typeface="+mn-cs"/>
+              </a:defRPr>
+            </a:lvl1pPr>
+            <a:lvl2pPr marL="457200" indent="0" algn="ctr" defTabSz="914400" rtl="0" eaLnBrk="1" latinLnBrk="0" hangingPunct="1">
+              <a:lnSpc>
+                <a:spcPct val="90000"/>
+              </a:lnSpc>
+              <a:spcBef>
+                <a:spcPts val="500"/>
+              </a:spcBef>
+              <a:buFont typeface="Arial" panose="020B0604020202020204" pitchFamily="34" charset="0"/>
+              <a:buNone/>
+              <a:defRPr sz="2000" kern="1200">
                 <a:solidFill>
-                  <a:sysClr val="windowText" lastClr="000000"/>
+                  <a:schemeClr val="tx1"/>
                 </a:solidFill>
-              </a:rPr>
-              <a:t>sensore tavolo</a:t>
-            </a:r>
-          </a:p>
-        </p:txBody>
-      </p:sp>
-      <p:pic>
-        <p:nvPicPr>
-          <p:cNvPr id="27" name="Immagine 26"/>
-          <p:cNvPicPr>
-            <a:picLocks noChangeAspect="1"/>
-          </p:cNvPicPr>
-          <p:nvPr/>
-        </p:nvPicPr>
-        <p:blipFill rotWithShape="1">
-          <a:blip r:embed="rId2"/>
-          <a:srcRect l="2201" t="1668" r="4600" b="5443"/>
-          <a:stretch/>
-        </p:blipFill>
-        <p:spPr>
-          <a:xfrm>
-            <a:off x="4689446" y="5058561"/>
-            <a:ext cx="1937857" cy="1409351"/>
-          </a:xfrm>
-          <a:prstGeom prst="rect">
-            <a:avLst/>
-          </a:prstGeom>
-        </p:spPr>
-      </p:pic>
-      <p:pic>
-        <p:nvPicPr>
-          <p:cNvPr id="28" name="Immagine 27"/>
-          <p:cNvPicPr>
-            <a:picLocks noChangeAspect="1"/>
-          </p:cNvPicPr>
-          <p:nvPr/>
-        </p:nvPicPr>
-        <p:blipFill>
-          <a:blip r:embed="rId3" cstate="print">
-            <a:extLst>
-              <a:ext uri="{28A0092B-C50C-407E-A947-70E740481C1C}">
-                <a14:useLocalDpi xmlns:a14="http://schemas.microsoft.com/office/drawing/2010/main" val="0"/>
-              </a:ext>
-            </a:extLst>
-          </a:blip>
-          <a:stretch>
-            <a:fillRect/>
-          </a:stretch>
-        </p:blipFill>
-        <p:spPr>
-          <a:xfrm>
-            <a:off x="9217825" y="4741934"/>
-            <a:ext cx="1349200" cy="1908495"/>
-          </a:xfrm>
-          <a:prstGeom prst="rect">
-            <a:avLst/>
-          </a:prstGeom>
-        </p:spPr>
-      </p:pic>
-      <p:sp>
-        <p:nvSpPr>
-          <p:cNvPr id="29" name="Freccia a destra rientrata 28"/>
-          <p:cNvSpPr/>
-          <p:nvPr/>
-        </p:nvSpPr>
-        <p:spPr>
-          <a:xfrm rot="3991473">
-            <a:off x="3281198" y="3956473"/>
-            <a:ext cx="2239224" cy="209724"/>
-          </a:xfrm>
-          <a:prstGeom prst="notchedRightArrow">
-            <a:avLst>
-              <a:gd name="adj1" fmla="val 25095"/>
-              <a:gd name="adj2" fmla="val 50000"/>
-            </a:avLst>
-          </a:prstGeom>
-          <a:solidFill>
-            <a:schemeClr val="accent1">
-              <a:lumMod val="20000"/>
-              <a:lumOff val="80000"/>
-            </a:schemeClr>
-          </a:solidFill>
-        </p:spPr>
-        <p:style>
-          <a:lnRef idx="2">
-            <a:schemeClr val="accent1">
-              <a:shade val="50000"/>
-            </a:schemeClr>
-          </a:lnRef>
-          <a:fillRef idx="1">
-            <a:schemeClr val="accent1"/>
-          </a:fillRef>
-          <a:effectRef idx="0">
-            <a:schemeClr val="accent1"/>
-          </a:effectRef>
-          <a:fontRef idx="minor">
-            <a:schemeClr val="lt1"/>
-          </a:fontRef>
-        </p:style>
-        <p:txBody>
-          <a:bodyPr rtlCol="0" anchor="ctr"/>
-          <a:lstStyle/>
-          <a:p>
-            <a:pPr algn="ctr"/>
-            <a:endParaRPr lang="it-IT"/>
-          </a:p>
-        </p:txBody>
-      </p:sp>
-      <p:sp>
-        <p:nvSpPr>
-          <p:cNvPr id="31" name="Freccia bidirezionale orizzontale 30"/>
-          <p:cNvSpPr/>
-          <p:nvPr/>
-        </p:nvSpPr>
-        <p:spPr>
-          <a:xfrm>
-            <a:off x="6694416" y="5591319"/>
-            <a:ext cx="2583288" cy="222252"/>
-          </a:xfrm>
-          <a:prstGeom prst="leftRightArrow">
-            <a:avLst>
-              <a:gd name="adj1" fmla="val 27353"/>
-              <a:gd name="adj2" fmla="val 50000"/>
-            </a:avLst>
-          </a:prstGeom>
-          <a:solidFill>
-            <a:schemeClr val="accent1">
-              <a:lumMod val="20000"/>
-              <a:lumOff val="80000"/>
-            </a:schemeClr>
-          </a:solidFill>
-        </p:spPr>
-        <p:style>
-          <a:lnRef idx="2">
-            <a:schemeClr val="accent1">
-              <a:shade val="50000"/>
-            </a:schemeClr>
-          </a:lnRef>
-          <a:fillRef idx="1">
-            <a:schemeClr val="accent1"/>
-          </a:fillRef>
-          <a:effectRef idx="0">
-            <a:schemeClr val="accent1"/>
-          </a:effectRef>
-          <a:fontRef idx="minor">
-            <a:schemeClr val="lt1"/>
-          </a:fontRef>
-        </p:style>
-        <p:txBody>
-          <a:bodyPr rtlCol="0" anchor="ctr"/>
-          <a:lstStyle/>
-          <a:p>
-            <a:pPr algn="ctr"/>
-            <a:endParaRPr lang="it-IT"/>
-          </a:p>
-        </p:txBody>
-      </p:sp>
-      <p:sp>
-        <p:nvSpPr>
-          <p:cNvPr id="32" name="Rettangolo 31"/>
-          <p:cNvSpPr/>
-          <p:nvPr/>
-        </p:nvSpPr>
-        <p:spPr>
-          <a:xfrm>
-            <a:off x="5992824" y="2152482"/>
-            <a:ext cx="3636696" cy="2589452"/>
-          </a:xfrm>
-          <a:prstGeom prst="rect">
-            <a:avLst/>
-          </a:prstGeom>
-          <a:solidFill>
-            <a:schemeClr val="bg1"/>
-          </a:solidFill>
-        </p:spPr>
-        <p:style>
-          <a:lnRef idx="2">
-            <a:schemeClr val="accent1">
-              <a:shade val="50000"/>
-            </a:schemeClr>
-          </a:lnRef>
-          <a:fillRef idx="1">
-            <a:schemeClr val="accent1"/>
-          </a:fillRef>
-          <a:effectRef idx="0">
-            <a:schemeClr val="accent1"/>
-          </a:effectRef>
-          <a:fontRef idx="minor">
-            <a:schemeClr val="lt1"/>
-          </a:fontRef>
-        </p:style>
-        <p:txBody>
-          <a:bodyPr rtlCol="0" anchor="ctr"/>
-          <a:lstStyle/>
-          <a:p>
-            <a:pPr algn="ctr"/>
-            <a:endParaRPr lang="it-IT"/>
-          </a:p>
-        </p:txBody>
-      </p:sp>
-      <p:sp>
-        <p:nvSpPr>
-          <p:cNvPr id="33" name="Rettangolo 32"/>
-          <p:cNvSpPr/>
-          <p:nvPr/>
-        </p:nvSpPr>
-        <p:spPr>
-          <a:xfrm>
-            <a:off x="6433166" y="2605635"/>
-            <a:ext cx="882031" cy="1383738"/>
-          </a:xfrm>
-          <a:prstGeom prst="rect">
-            <a:avLst/>
-          </a:prstGeom>
-        </p:spPr>
-        <p:style>
-          <a:lnRef idx="2">
-            <a:schemeClr val="accent1">
-              <a:shade val="50000"/>
-            </a:schemeClr>
-          </a:lnRef>
-          <a:fillRef idx="1">
-            <a:schemeClr val="accent1"/>
-          </a:fillRef>
-          <a:effectRef idx="0">
-            <a:schemeClr val="accent1"/>
-          </a:effectRef>
-          <a:fontRef idx="minor">
-            <a:schemeClr val="lt1"/>
-          </a:fontRef>
-        </p:style>
-        <p:txBody>
-          <a:bodyPr rtlCol="0" anchor="ctr"/>
-          <a:lstStyle/>
-          <a:p>
-            <a:pPr algn="ctr"/>
-            <a:endParaRPr lang="it-IT"/>
-          </a:p>
-        </p:txBody>
-      </p:sp>
-      <p:sp>
-        <p:nvSpPr>
-          <p:cNvPr id="34" name="Ovale 33"/>
-          <p:cNvSpPr/>
-          <p:nvPr/>
-        </p:nvSpPr>
-        <p:spPr>
-          <a:xfrm>
-            <a:off x="6530270" y="2840305"/>
-            <a:ext cx="89012" cy="89012"/>
-          </a:xfrm>
-          <a:prstGeom prst="ellipse">
-            <a:avLst/>
-          </a:prstGeom>
-          <a:solidFill>
-            <a:srgbClr val="FF0000"/>
-          </a:solidFill>
-        </p:spPr>
-        <p:style>
-          <a:lnRef idx="2">
-            <a:schemeClr val="accent1">
-              <a:shade val="50000"/>
-            </a:schemeClr>
-          </a:lnRef>
-          <a:fillRef idx="1">
-            <a:schemeClr val="accent1"/>
-          </a:fillRef>
-          <a:effectRef idx="0">
-            <a:schemeClr val="accent1"/>
-          </a:effectRef>
-          <a:fontRef idx="minor">
-            <a:schemeClr val="lt1"/>
-          </a:fontRef>
-        </p:style>
-        <p:txBody>
-          <a:bodyPr rtlCol="0" anchor="ctr"/>
-          <a:lstStyle/>
-          <a:p>
-            <a:pPr algn="ctr"/>
-            <a:endParaRPr lang="it-IT"/>
-          </a:p>
-        </p:txBody>
-      </p:sp>
-      <p:sp>
-        <p:nvSpPr>
-          <p:cNvPr id="35" name="Ovale 34"/>
-          <p:cNvSpPr/>
-          <p:nvPr/>
-        </p:nvSpPr>
-        <p:spPr>
-          <a:xfrm>
-            <a:off x="7104807" y="2840305"/>
-            <a:ext cx="89012" cy="89012"/>
-          </a:xfrm>
-          <a:prstGeom prst="ellipse">
-            <a:avLst/>
-          </a:prstGeom>
-          <a:solidFill>
-            <a:srgbClr val="FF0000"/>
-          </a:solidFill>
-        </p:spPr>
-        <p:style>
-          <a:lnRef idx="2">
-            <a:schemeClr val="accent1">
-              <a:shade val="50000"/>
-            </a:schemeClr>
-          </a:lnRef>
-          <a:fillRef idx="1">
-            <a:schemeClr val="accent1"/>
-          </a:fillRef>
-          <a:effectRef idx="0">
-            <a:schemeClr val="accent1"/>
-          </a:effectRef>
-          <a:fontRef idx="minor">
-            <a:schemeClr val="lt1"/>
-          </a:fontRef>
-        </p:style>
-        <p:txBody>
-          <a:bodyPr rtlCol="0" anchor="ctr"/>
-          <a:lstStyle/>
-          <a:p>
-            <a:pPr algn="ctr"/>
-            <a:endParaRPr lang="it-IT"/>
-          </a:p>
-        </p:txBody>
-      </p:sp>
-      <p:sp>
-        <p:nvSpPr>
-          <p:cNvPr id="36" name="Ovale 35"/>
-          <p:cNvSpPr/>
-          <p:nvPr/>
-        </p:nvSpPr>
-        <p:spPr>
-          <a:xfrm>
-            <a:off x="6530270" y="3706152"/>
-            <a:ext cx="89012" cy="89012"/>
-          </a:xfrm>
-          <a:prstGeom prst="ellipse">
-            <a:avLst/>
-          </a:prstGeom>
-          <a:solidFill>
-            <a:srgbClr val="FF0000"/>
-          </a:solidFill>
-        </p:spPr>
-        <p:style>
-          <a:lnRef idx="2">
-            <a:schemeClr val="accent1">
-              <a:shade val="50000"/>
-            </a:schemeClr>
-          </a:lnRef>
-          <a:fillRef idx="1">
-            <a:schemeClr val="accent1"/>
-          </a:fillRef>
-          <a:effectRef idx="0">
-            <a:schemeClr val="accent1"/>
-          </a:effectRef>
-          <a:fontRef idx="minor">
-            <a:schemeClr val="lt1"/>
-          </a:fontRef>
-        </p:style>
-        <p:txBody>
-          <a:bodyPr rtlCol="0" anchor="ctr"/>
-          <a:lstStyle/>
-          <a:p>
-            <a:pPr algn="ctr"/>
-            <a:endParaRPr lang="it-IT"/>
-          </a:p>
-        </p:txBody>
-      </p:sp>
-      <p:sp>
-        <p:nvSpPr>
-          <p:cNvPr id="37" name="Ovale 36"/>
-          <p:cNvSpPr/>
-          <p:nvPr/>
-        </p:nvSpPr>
-        <p:spPr>
-          <a:xfrm>
-            <a:off x="7104807" y="3706152"/>
-            <a:ext cx="89012" cy="89012"/>
-          </a:xfrm>
-          <a:prstGeom prst="ellipse">
-            <a:avLst/>
-          </a:prstGeom>
-          <a:solidFill>
-            <a:srgbClr val="FF0000"/>
-          </a:solidFill>
-        </p:spPr>
-        <p:style>
-          <a:lnRef idx="2">
-            <a:schemeClr val="accent1">
-              <a:shade val="50000"/>
-            </a:schemeClr>
-          </a:lnRef>
-          <a:fillRef idx="1">
-            <a:schemeClr val="accent1"/>
-          </a:fillRef>
-          <a:effectRef idx="0">
-            <a:schemeClr val="accent1"/>
-          </a:effectRef>
-          <a:fontRef idx="minor">
-            <a:schemeClr val="lt1"/>
-          </a:fontRef>
-        </p:style>
-        <p:txBody>
-          <a:bodyPr rtlCol="0" anchor="ctr"/>
-          <a:lstStyle/>
-          <a:p>
-            <a:pPr algn="ctr"/>
-            <a:endParaRPr lang="it-IT"/>
-          </a:p>
-        </p:txBody>
-      </p:sp>
-      <p:sp>
-        <p:nvSpPr>
-          <p:cNvPr id="38" name="Ovale 37"/>
-          <p:cNvSpPr/>
-          <p:nvPr/>
-        </p:nvSpPr>
-        <p:spPr>
-          <a:xfrm>
-            <a:off x="6251096" y="2840305"/>
-            <a:ext cx="89012" cy="89012"/>
-          </a:xfrm>
-          <a:prstGeom prst="ellipse">
-            <a:avLst/>
-          </a:prstGeom>
-          <a:solidFill>
-            <a:schemeClr val="accent6"/>
-          </a:solidFill>
-        </p:spPr>
-        <p:style>
-          <a:lnRef idx="2">
-            <a:schemeClr val="accent1">
-              <a:shade val="50000"/>
-            </a:schemeClr>
-          </a:lnRef>
-          <a:fillRef idx="1">
-            <a:schemeClr val="accent1"/>
-          </a:fillRef>
-          <a:effectRef idx="0">
-            <a:schemeClr val="accent1"/>
-          </a:effectRef>
-          <a:fontRef idx="minor">
-            <a:schemeClr val="lt1"/>
-          </a:fontRef>
-        </p:style>
-        <p:txBody>
-          <a:bodyPr rtlCol="0" anchor="ctr"/>
-          <a:lstStyle/>
-          <a:p>
-            <a:pPr algn="ctr"/>
-            <a:endParaRPr lang="it-IT"/>
-          </a:p>
-        </p:txBody>
-      </p:sp>
-      <p:sp>
-        <p:nvSpPr>
-          <p:cNvPr id="39" name="Ovale 38"/>
-          <p:cNvSpPr/>
-          <p:nvPr/>
-        </p:nvSpPr>
-        <p:spPr>
-          <a:xfrm>
-            <a:off x="6251096" y="3706152"/>
-            <a:ext cx="89012" cy="89012"/>
-          </a:xfrm>
-          <a:prstGeom prst="ellipse">
-            <a:avLst/>
-          </a:prstGeom>
-          <a:solidFill>
-            <a:schemeClr val="accent6"/>
-          </a:solidFill>
-        </p:spPr>
-        <p:style>
-          <a:lnRef idx="2">
-            <a:schemeClr val="accent1">
-              <a:shade val="50000"/>
-            </a:schemeClr>
-          </a:lnRef>
-          <a:fillRef idx="1">
-            <a:schemeClr val="accent1"/>
-          </a:fillRef>
-          <a:effectRef idx="0">
-            <a:schemeClr val="accent1"/>
-          </a:effectRef>
-          <a:fontRef idx="minor">
-            <a:schemeClr val="lt1"/>
-          </a:fontRef>
-        </p:style>
-        <p:txBody>
-          <a:bodyPr rtlCol="0" anchor="ctr"/>
-          <a:lstStyle/>
-          <a:p>
-            <a:pPr algn="ctr"/>
-            <a:endParaRPr lang="it-IT"/>
-          </a:p>
-        </p:txBody>
-      </p:sp>
-      <p:sp>
-        <p:nvSpPr>
-          <p:cNvPr id="40" name="Ovale 39"/>
-          <p:cNvSpPr/>
-          <p:nvPr/>
-        </p:nvSpPr>
-        <p:spPr>
-          <a:xfrm>
-            <a:off x="7408255" y="2840305"/>
-            <a:ext cx="89012" cy="89012"/>
-          </a:xfrm>
-          <a:prstGeom prst="ellipse">
-            <a:avLst/>
-          </a:prstGeom>
-          <a:solidFill>
-            <a:schemeClr val="accent6"/>
-          </a:solidFill>
-        </p:spPr>
-        <p:style>
-          <a:lnRef idx="2">
-            <a:schemeClr val="accent1">
-              <a:shade val="50000"/>
-            </a:schemeClr>
-          </a:lnRef>
-          <a:fillRef idx="1">
-            <a:schemeClr val="accent1"/>
-          </a:fillRef>
-          <a:effectRef idx="0">
-            <a:schemeClr val="accent1"/>
-          </a:effectRef>
-          <a:fontRef idx="minor">
-            <a:schemeClr val="lt1"/>
-          </a:fontRef>
-        </p:style>
-        <p:txBody>
-          <a:bodyPr rtlCol="0" anchor="ctr"/>
-          <a:lstStyle/>
-          <a:p>
-            <a:pPr algn="ctr"/>
-            <a:endParaRPr lang="it-IT"/>
-          </a:p>
-        </p:txBody>
-      </p:sp>
-      <p:sp>
-        <p:nvSpPr>
-          <p:cNvPr id="41" name="Ovale 40"/>
-          <p:cNvSpPr/>
-          <p:nvPr/>
-        </p:nvSpPr>
-        <p:spPr>
-          <a:xfrm>
-            <a:off x="7408255" y="3706152"/>
-            <a:ext cx="89012" cy="89012"/>
-          </a:xfrm>
-          <a:prstGeom prst="ellipse">
-            <a:avLst/>
-          </a:prstGeom>
-          <a:solidFill>
-            <a:schemeClr val="accent6"/>
-          </a:solidFill>
-        </p:spPr>
-        <p:style>
-          <a:lnRef idx="2">
-            <a:schemeClr val="accent1">
-              <a:shade val="50000"/>
-            </a:schemeClr>
-          </a:lnRef>
-          <a:fillRef idx="1">
-            <a:schemeClr val="accent1"/>
-          </a:fillRef>
-          <a:effectRef idx="0">
-            <a:schemeClr val="accent1"/>
-          </a:effectRef>
-          <a:fontRef idx="minor">
-            <a:schemeClr val="lt1"/>
-          </a:fontRef>
-        </p:style>
-        <p:txBody>
-          <a:bodyPr rtlCol="0" anchor="ctr"/>
-          <a:lstStyle/>
-          <a:p>
-            <a:pPr algn="ctr"/>
-            <a:endParaRPr lang="it-IT"/>
-          </a:p>
-        </p:txBody>
-      </p:sp>
-      <p:sp>
-        <p:nvSpPr>
-          <p:cNvPr id="42" name="Rettangolo 41"/>
-          <p:cNvSpPr/>
-          <p:nvPr/>
-        </p:nvSpPr>
-        <p:spPr>
-          <a:xfrm>
-            <a:off x="8122378" y="2605635"/>
-            <a:ext cx="882031" cy="1383738"/>
-          </a:xfrm>
-          <a:prstGeom prst="rect">
-            <a:avLst/>
-          </a:prstGeom>
-        </p:spPr>
-        <p:style>
-          <a:lnRef idx="2">
-            <a:schemeClr val="accent1">
-              <a:shade val="50000"/>
-            </a:schemeClr>
-          </a:lnRef>
-          <a:fillRef idx="1">
-            <a:schemeClr val="accent1"/>
-          </a:fillRef>
-          <a:effectRef idx="0">
-            <a:schemeClr val="accent1"/>
-          </a:effectRef>
-          <a:fontRef idx="minor">
-            <a:schemeClr val="lt1"/>
-          </a:fontRef>
-        </p:style>
-        <p:txBody>
-          <a:bodyPr rtlCol="0" anchor="ctr"/>
-          <a:lstStyle/>
-          <a:p>
-            <a:pPr algn="ctr"/>
-            <a:endParaRPr lang="it-IT"/>
-          </a:p>
-        </p:txBody>
-      </p:sp>
-      <p:sp>
-        <p:nvSpPr>
-          <p:cNvPr id="43" name="Ovale 42"/>
-          <p:cNvSpPr/>
-          <p:nvPr/>
-        </p:nvSpPr>
-        <p:spPr>
-          <a:xfrm>
-            <a:off x="8219482" y="2840305"/>
-            <a:ext cx="89012" cy="89012"/>
-          </a:xfrm>
-          <a:prstGeom prst="ellipse">
-            <a:avLst/>
-          </a:prstGeom>
-          <a:solidFill>
-            <a:srgbClr val="FF0000"/>
-          </a:solidFill>
-        </p:spPr>
-        <p:style>
-          <a:lnRef idx="2">
-            <a:schemeClr val="accent1">
-              <a:shade val="50000"/>
-            </a:schemeClr>
-          </a:lnRef>
-          <a:fillRef idx="1">
-            <a:schemeClr val="accent1"/>
-          </a:fillRef>
-          <a:effectRef idx="0">
-            <a:schemeClr val="accent1"/>
-          </a:effectRef>
-          <a:fontRef idx="minor">
-            <a:schemeClr val="lt1"/>
-          </a:fontRef>
-        </p:style>
-        <p:txBody>
-          <a:bodyPr rtlCol="0" anchor="ctr"/>
-          <a:lstStyle/>
-          <a:p>
-            <a:pPr algn="ctr"/>
-            <a:endParaRPr lang="it-IT"/>
-          </a:p>
-        </p:txBody>
-      </p:sp>
-      <p:sp>
-        <p:nvSpPr>
-          <p:cNvPr id="44" name="Ovale 43"/>
-          <p:cNvSpPr/>
-          <p:nvPr/>
-        </p:nvSpPr>
-        <p:spPr>
-          <a:xfrm>
-            <a:off x="8794019" y="2840305"/>
-            <a:ext cx="89012" cy="89012"/>
-          </a:xfrm>
-          <a:prstGeom prst="ellipse">
-            <a:avLst/>
-          </a:prstGeom>
-          <a:solidFill>
-            <a:srgbClr val="FF0000"/>
-          </a:solidFill>
-        </p:spPr>
-        <p:style>
-          <a:lnRef idx="2">
-            <a:schemeClr val="accent1">
-              <a:shade val="50000"/>
-            </a:schemeClr>
-          </a:lnRef>
-          <a:fillRef idx="1">
-            <a:schemeClr val="accent1"/>
-          </a:fillRef>
-          <a:effectRef idx="0">
-            <a:schemeClr val="accent1"/>
-          </a:effectRef>
-          <a:fontRef idx="minor">
-            <a:schemeClr val="lt1"/>
-          </a:fontRef>
-        </p:style>
-        <p:txBody>
-          <a:bodyPr rtlCol="0" anchor="ctr"/>
-          <a:lstStyle/>
-          <a:p>
-            <a:pPr algn="ctr"/>
-            <a:endParaRPr lang="it-IT"/>
-          </a:p>
-        </p:txBody>
-      </p:sp>
-      <p:sp>
-        <p:nvSpPr>
-          <p:cNvPr id="45" name="Ovale 44"/>
-          <p:cNvSpPr/>
-          <p:nvPr/>
-        </p:nvSpPr>
-        <p:spPr>
-          <a:xfrm>
-            <a:off x="8219482" y="3706152"/>
-            <a:ext cx="89012" cy="89012"/>
-          </a:xfrm>
-          <a:prstGeom prst="ellipse">
-            <a:avLst/>
-          </a:prstGeom>
-          <a:solidFill>
-            <a:srgbClr val="FF0000"/>
-          </a:solidFill>
-        </p:spPr>
-        <p:style>
-          <a:lnRef idx="2">
-            <a:schemeClr val="accent1">
-              <a:shade val="50000"/>
-            </a:schemeClr>
-          </a:lnRef>
-          <a:fillRef idx="1">
-            <a:schemeClr val="accent1"/>
-          </a:fillRef>
-          <a:effectRef idx="0">
-            <a:schemeClr val="accent1"/>
-          </a:effectRef>
-          <a:fontRef idx="minor">
-            <a:schemeClr val="lt1"/>
-          </a:fontRef>
-        </p:style>
-        <p:txBody>
-          <a:bodyPr rtlCol="0" anchor="ctr"/>
-          <a:lstStyle/>
-          <a:p>
-            <a:pPr algn="ctr"/>
-            <a:endParaRPr lang="it-IT"/>
-          </a:p>
-        </p:txBody>
-      </p:sp>
-      <p:sp>
-        <p:nvSpPr>
-          <p:cNvPr id="46" name="Ovale 45"/>
-          <p:cNvSpPr/>
-          <p:nvPr/>
-        </p:nvSpPr>
-        <p:spPr>
-          <a:xfrm>
-            <a:off x="8794019" y="3706152"/>
-            <a:ext cx="89012" cy="89012"/>
-          </a:xfrm>
-          <a:prstGeom prst="ellipse">
-            <a:avLst/>
-          </a:prstGeom>
-          <a:solidFill>
-            <a:srgbClr val="FF0000"/>
-          </a:solidFill>
-        </p:spPr>
-        <p:style>
-          <a:lnRef idx="2">
-            <a:schemeClr val="accent1">
-              <a:shade val="50000"/>
-            </a:schemeClr>
-          </a:lnRef>
-          <a:fillRef idx="1">
-            <a:schemeClr val="accent1"/>
-          </a:fillRef>
-          <a:effectRef idx="0">
-            <a:schemeClr val="accent1"/>
-          </a:effectRef>
-          <a:fontRef idx="minor">
-            <a:schemeClr val="lt1"/>
-          </a:fontRef>
-        </p:style>
-        <p:txBody>
-          <a:bodyPr rtlCol="0" anchor="ctr"/>
-          <a:lstStyle/>
-          <a:p>
-            <a:pPr algn="ctr"/>
-            <a:endParaRPr lang="it-IT"/>
-          </a:p>
-        </p:txBody>
-      </p:sp>
-      <p:sp>
-        <p:nvSpPr>
-          <p:cNvPr id="47" name="Ovale 46"/>
-          <p:cNvSpPr/>
-          <p:nvPr/>
-        </p:nvSpPr>
-        <p:spPr>
-          <a:xfrm>
-            <a:off x="7940308" y="2840305"/>
-            <a:ext cx="89012" cy="89012"/>
-          </a:xfrm>
-          <a:prstGeom prst="ellipse">
-            <a:avLst/>
-          </a:prstGeom>
-          <a:solidFill>
-            <a:schemeClr val="accent6"/>
-          </a:solidFill>
-        </p:spPr>
-        <p:style>
-          <a:lnRef idx="2">
-            <a:schemeClr val="accent1">
-              <a:shade val="50000"/>
-            </a:schemeClr>
-          </a:lnRef>
-          <a:fillRef idx="1">
-            <a:schemeClr val="accent1"/>
-          </a:fillRef>
-          <a:effectRef idx="0">
-            <a:schemeClr val="accent1"/>
-          </a:effectRef>
-          <a:fontRef idx="minor">
-            <a:schemeClr val="lt1"/>
-          </a:fontRef>
-        </p:style>
-        <p:txBody>
-          <a:bodyPr rtlCol="0" anchor="ctr"/>
-          <a:lstStyle/>
-          <a:p>
-            <a:pPr algn="ctr"/>
-            <a:endParaRPr lang="it-IT"/>
-          </a:p>
-        </p:txBody>
-      </p:sp>
-      <p:sp>
-        <p:nvSpPr>
-          <p:cNvPr id="48" name="Ovale 47"/>
-          <p:cNvSpPr/>
-          <p:nvPr/>
-        </p:nvSpPr>
-        <p:spPr>
-          <a:xfrm>
-            <a:off x="7940308" y="3706152"/>
-            <a:ext cx="89012" cy="89012"/>
-          </a:xfrm>
-          <a:prstGeom prst="ellipse">
-            <a:avLst/>
-          </a:prstGeom>
-          <a:solidFill>
-            <a:schemeClr val="accent6"/>
-          </a:solidFill>
-        </p:spPr>
-        <p:style>
-          <a:lnRef idx="2">
-            <a:schemeClr val="accent1">
-              <a:shade val="50000"/>
-            </a:schemeClr>
-          </a:lnRef>
-          <a:fillRef idx="1">
-            <a:schemeClr val="accent1"/>
-          </a:fillRef>
-          <a:effectRef idx="0">
-            <a:schemeClr val="accent1"/>
-          </a:effectRef>
-          <a:fontRef idx="minor">
-            <a:schemeClr val="lt1"/>
-          </a:fontRef>
-        </p:style>
-        <p:txBody>
-          <a:bodyPr rtlCol="0" anchor="ctr"/>
-          <a:lstStyle/>
-          <a:p>
-            <a:pPr algn="ctr"/>
-            <a:endParaRPr lang="it-IT"/>
-          </a:p>
-        </p:txBody>
-      </p:sp>
-      <p:sp>
-        <p:nvSpPr>
-          <p:cNvPr id="49" name="Ovale 48"/>
-          <p:cNvSpPr/>
-          <p:nvPr/>
-        </p:nvSpPr>
-        <p:spPr>
-          <a:xfrm>
-            <a:off x="9097467" y="2840305"/>
-            <a:ext cx="89012" cy="89012"/>
-          </a:xfrm>
-          <a:prstGeom prst="ellipse">
-            <a:avLst/>
-          </a:prstGeom>
-          <a:solidFill>
-            <a:schemeClr val="accent6"/>
-          </a:solidFill>
-        </p:spPr>
-        <p:style>
-          <a:lnRef idx="2">
-            <a:schemeClr val="accent1">
-              <a:shade val="50000"/>
-            </a:schemeClr>
-          </a:lnRef>
-          <a:fillRef idx="1">
-            <a:schemeClr val="accent1"/>
-          </a:fillRef>
-          <a:effectRef idx="0">
-            <a:schemeClr val="accent1"/>
-          </a:effectRef>
-          <a:fontRef idx="minor">
-            <a:schemeClr val="lt1"/>
-          </a:fontRef>
-        </p:style>
-        <p:txBody>
-          <a:bodyPr rtlCol="0" anchor="ctr"/>
-          <a:lstStyle/>
-          <a:p>
-            <a:pPr algn="ctr"/>
-            <a:endParaRPr lang="it-IT"/>
-          </a:p>
-        </p:txBody>
-      </p:sp>
-      <p:sp>
-        <p:nvSpPr>
-          <p:cNvPr id="50" name="Ovale 49"/>
-          <p:cNvSpPr/>
-          <p:nvPr/>
-        </p:nvSpPr>
-        <p:spPr>
-          <a:xfrm>
-            <a:off x="9097467" y="3706152"/>
-            <a:ext cx="89012" cy="89012"/>
-          </a:xfrm>
-          <a:prstGeom prst="ellipse">
-            <a:avLst/>
-          </a:prstGeom>
-          <a:solidFill>
-            <a:schemeClr val="accent6"/>
-          </a:solidFill>
-        </p:spPr>
-        <p:style>
-          <a:lnRef idx="2">
-            <a:schemeClr val="accent1">
-              <a:shade val="50000"/>
-            </a:schemeClr>
-          </a:lnRef>
-          <a:fillRef idx="1">
-            <a:schemeClr val="accent1"/>
-          </a:fillRef>
-          <a:effectRef idx="0">
-            <a:schemeClr val="accent1"/>
-          </a:effectRef>
-          <a:fontRef idx="minor">
-            <a:schemeClr val="lt1"/>
-          </a:fontRef>
-        </p:style>
-        <p:txBody>
-          <a:bodyPr rtlCol="0" anchor="ctr"/>
-          <a:lstStyle/>
-          <a:p>
-            <a:pPr algn="ctr"/>
-            <a:endParaRPr lang="it-IT"/>
-          </a:p>
-        </p:txBody>
-      </p:sp>
-      <p:sp>
-        <p:nvSpPr>
-          <p:cNvPr id="51" name="Freccia a destra rientrata 50"/>
-          <p:cNvSpPr/>
-          <p:nvPr/>
-        </p:nvSpPr>
-        <p:spPr>
-          <a:xfrm rot="17046395" flipH="1">
-            <a:off x="4995508" y="3918788"/>
-            <a:ext cx="2161241" cy="209724"/>
-          </a:xfrm>
-          <a:prstGeom prst="notchedRightArrow">
-            <a:avLst>
-              <a:gd name="adj1" fmla="val 25095"/>
-              <a:gd name="adj2" fmla="val 50000"/>
-            </a:avLst>
-          </a:prstGeom>
-          <a:solidFill>
-            <a:schemeClr val="accent1">
-              <a:lumMod val="20000"/>
-              <a:lumOff val="80000"/>
-            </a:schemeClr>
-          </a:solidFill>
-        </p:spPr>
-        <p:style>
-          <a:lnRef idx="2">
-            <a:schemeClr val="accent1">
-              <a:shade val="50000"/>
-            </a:schemeClr>
-          </a:lnRef>
-          <a:fillRef idx="1">
-            <a:schemeClr val="accent1"/>
-          </a:fillRef>
-          <a:effectRef idx="0">
-            <a:schemeClr val="accent1"/>
-          </a:effectRef>
-          <a:fontRef idx="minor">
-            <a:schemeClr val="lt1"/>
-          </a:fontRef>
-        </p:style>
-        <p:txBody>
-          <a:bodyPr rtlCol="0" anchor="ctr"/>
-          <a:lstStyle/>
-          <a:p>
-            <a:pPr algn="ctr"/>
-            <a:endParaRPr lang="it-IT"/>
+                <a:latin typeface="+mn-lt"/>
+                <a:ea typeface="+mn-ea"/>
+                <a:cs typeface="+mn-cs"/>
+              </a:defRPr>
+            </a:lvl2pPr>
+            <a:lvl3pPr marL="914400" indent="0" algn="ctr" defTabSz="914400" rtl="0" eaLnBrk="1" latinLnBrk="0" hangingPunct="1">
+              <a:lnSpc>
+                <a:spcPct val="90000"/>
+              </a:lnSpc>
+              <a:spcBef>
+                <a:spcPts val="500"/>
+              </a:spcBef>
+              <a:buFont typeface="Arial" panose="020B0604020202020204" pitchFamily="34" charset="0"/>
+              <a:buNone/>
+              <a:defRPr sz="1800" kern="1200">
+                <a:solidFill>
+                  <a:schemeClr val="tx1"/>
+                </a:solidFill>
+                <a:latin typeface="+mn-lt"/>
+                <a:ea typeface="+mn-ea"/>
+                <a:cs typeface="+mn-cs"/>
+              </a:defRPr>
+            </a:lvl3pPr>
+            <a:lvl4pPr marL="1371600" indent="0" algn="ctr" defTabSz="914400" rtl="0" eaLnBrk="1" latinLnBrk="0" hangingPunct="1">
+              <a:lnSpc>
+                <a:spcPct val="90000"/>
+              </a:lnSpc>
+              <a:spcBef>
+                <a:spcPts val="500"/>
+              </a:spcBef>
+              <a:buFont typeface="Arial" panose="020B0604020202020204" pitchFamily="34" charset="0"/>
+              <a:buNone/>
+              <a:defRPr sz="1600" kern="1200">
+                <a:solidFill>
+                  <a:schemeClr val="tx1"/>
+                </a:solidFill>
+                <a:latin typeface="+mn-lt"/>
+                <a:ea typeface="+mn-ea"/>
+                <a:cs typeface="+mn-cs"/>
+              </a:defRPr>
+            </a:lvl4pPr>
+            <a:lvl5pPr marL="1828800" indent="0" algn="ctr" defTabSz="914400" rtl="0" eaLnBrk="1" latinLnBrk="0" hangingPunct="1">
+              <a:lnSpc>
+                <a:spcPct val="90000"/>
+              </a:lnSpc>
+              <a:spcBef>
+                <a:spcPts val="500"/>
+              </a:spcBef>
+              <a:buFont typeface="Arial" panose="020B0604020202020204" pitchFamily="34" charset="0"/>
+              <a:buNone/>
+              <a:defRPr sz="1600" kern="1200">
+                <a:solidFill>
+                  <a:schemeClr val="tx1"/>
+                </a:solidFill>
+                <a:latin typeface="+mn-lt"/>
+                <a:ea typeface="+mn-ea"/>
+                <a:cs typeface="+mn-cs"/>
+              </a:defRPr>
+            </a:lvl5pPr>
+            <a:lvl6pPr marL="2286000" indent="0" algn="ctr" defTabSz="914400" rtl="0" eaLnBrk="1" latinLnBrk="0" hangingPunct="1">
+              <a:lnSpc>
+                <a:spcPct val="90000"/>
+              </a:lnSpc>
+              <a:spcBef>
+                <a:spcPts val="500"/>
+              </a:spcBef>
+              <a:buFont typeface="Arial" panose="020B0604020202020204" pitchFamily="34" charset="0"/>
+              <a:buNone/>
+              <a:defRPr sz="1600" kern="1200">
+                <a:solidFill>
+                  <a:schemeClr val="tx1"/>
+                </a:solidFill>
+                <a:latin typeface="+mn-lt"/>
+                <a:ea typeface="+mn-ea"/>
+                <a:cs typeface="+mn-cs"/>
+              </a:defRPr>
+            </a:lvl6pPr>
+            <a:lvl7pPr marL="2743200" indent="0" algn="ctr" defTabSz="914400" rtl="0" eaLnBrk="1" latinLnBrk="0" hangingPunct="1">
+              <a:lnSpc>
+                <a:spcPct val="90000"/>
+              </a:lnSpc>
+              <a:spcBef>
+                <a:spcPts val="500"/>
+              </a:spcBef>
+              <a:buFont typeface="Arial" panose="020B0604020202020204" pitchFamily="34" charset="0"/>
+              <a:buNone/>
+              <a:defRPr sz="1600" kern="1200">
+                <a:solidFill>
+                  <a:schemeClr val="tx1"/>
+                </a:solidFill>
+                <a:latin typeface="+mn-lt"/>
+                <a:ea typeface="+mn-ea"/>
+                <a:cs typeface="+mn-cs"/>
+              </a:defRPr>
+            </a:lvl7pPr>
+            <a:lvl8pPr marL="3200400" indent="0" algn="ctr" defTabSz="914400" rtl="0" eaLnBrk="1" latinLnBrk="0" hangingPunct="1">
+              <a:lnSpc>
+                <a:spcPct val="90000"/>
+              </a:lnSpc>
+              <a:spcBef>
+                <a:spcPts val="500"/>
+              </a:spcBef>
+              <a:buFont typeface="Arial" panose="020B0604020202020204" pitchFamily="34" charset="0"/>
+              <a:buNone/>
+              <a:defRPr sz="1600" kern="1200">
+                <a:solidFill>
+                  <a:schemeClr val="tx1"/>
+                </a:solidFill>
+                <a:latin typeface="+mn-lt"/>
+                <a:ea typeface="+mn-ea"/>
+                <a:cs typeface="+mn-cs"/>
+              </a:defRPr>
+            </a:lvl8pPr>
+            <a:lvl9pPr marL="3657600" indent="0" algn="ctr" defTabSz="914400" rtl="0" eaLnBrk="1" latinLnBrk="0" hangingPunct="1">
+              <a:lnSpc>
+                <a:spcPct val="90000"/>
+              </a:lnSpc>
+              <a:spcBef>
+                <a:spcPts val="500"/>
+              </a:spcBef>
+              <a:buFont typeface="Arial" panose="020B0604020202020204" pitchFamily="34" charset="0"/>
+              <a:buNone/>
+              <a:defRPr sz="1600" kern="1200">
+                <a:solidFill>
+                  <a:schemeClr val="tx1"/>
+                </a:solidFill>
+                <a:latin typeface="+mn-lt"/>
+                <a:ea typeface="+mn-ea"/>
+                <a:cs typeface="+mn-cs"/>
+              </a:defRPr>
+            </a:lvl9pPr>
+          </a:lstStyle>
+          <a:p>
+            <a:r>
+              <a:rPr lang="it-IT" sz="4000" dirty="0"/>
+              <a:t>Descrizione del progetto </a:t>
+            </a:r>
           </a:p>
         </p:txBody>
       </p:sp>
     </p:spTree>
     <p:extLst>
       <p:ext uri="{BB962C8B-B14F-4D97-AF65-F5344CB8AC3E}">
-        <p14:creationId xmlns:p14="http://schemas.microsoft.com/office/powerpoint/2010/main" val="1374969981"/>
+        <p14:creationId xmlns:p14="http://schemas.microsoft.com/office/powerpoint/2010/main" val="2919953727"/>
       </p:ext>
     </p:extLst>
   </p:cSld>
@@ -4943,788 +3283,7 @@
 </p:sld>
 </file>
 
-<file path=ppt/slides/slide2.xml><?xml version="1.0" encoding="utf-8"?>
-<p:sld xmlns:a="http://schemas.openxmlformats.org/drawingml/2006/main" xmlns:r="http://schemas.openxmlformats.org/officeDocument/2006/relationships" xmlns:p="http://schemas.openxmlformats.org/presentationml/2006/main">
-  <p:cSld>
-    <p:spTree>
-      <p:nvGrpSpPr>
-        <p:cNvPr id="1" name=""/>
-        <p:cNvGrpSpPr/>
-        <p:nvPr/>
-      </p:nvGrpSpPr>
-      <p:grpSpPr>
-        <a:xfrm>
-          <a:off x="0" y="0"/>
-          <a:ext cx="0" cy="0"/>
-          <a:chOff x="0" y="0"/>
-          <a:chExt cx="0" cy="0"/>
-        </a:xfrm>
-      </p:grpSpPr>
-      <p:sp>
-        <p:nvSpPr>
-          <p:cNvPr id="6" name="Rectangle: Rounded Corners 5"/>
-          <p:cNvSpPr/>
-          <p:nvPr/>
-        </p:nvSpPr>
-        <p:spPr>
-          <a:xfrm>
-            <a:off x="5163610" y="1227121"/>
-            <a:ext cx="1881810" cy="516835"/>
-          </a:xfrm>
-          <a:prstGeom prst="roundRect">
-            <a:avLst/>
-          </a:prstGeom>
-        </p:spPr>
-        <p:style>
-          <a:lnRef idx="2">
-            <a:schemeClr val="accent1">
-              <a:shade val="50000"/>
-            </a:schemeClr>
-          </a:lnRef>
-          <a:fillRef idx="1">
-            <a:schemeClr val="accent1"/>
-          </a:fillRef>
-          <a:effectRef idx="0">
-            <a:schemeClr val="accent1"/>
-          </a:effectRef>
-          <a:fontRef idx="minor">
-            <a:schemeClr val="lt1"/>
-          </a:fontRef>
-        </p:style>
-        <p:txBody>
-          <a:bodyPr rtlCol="0" anchor="ctr"/>
-          <a:lstStyle/>
-          <a:p>
-            <a:pPr algn="ctr"/>
-            <a:r>
-              <a:rPr lang="it-IT" dirty="0"/>
-              <a:t>sr:Table</a:t>
-            </a:r>
-          </a:p>
-        </p:txBody>
-      </p:sp>
-      <p:sp>
-        <p:nvSpPr>
-          <p:cNvPr id="7" name="Rectangle: Rounded Corners 6"/>
-          <p:cNvSpPr/>
-          <p:nvPr/>
-        </p:nvSpPr>
-        <p:spPr>
-          <a:xfrm>
-            <a:off x="5163610" y="2193478"/>
-            <a:ext cx="1881810" cy="516835"/>
-          </a:xfrm>
-          <a:prstGeom prst="roundRect">
-            <a:avLst/>
-          </a:prstGeom>
-        </p:spPr>
-        <p:style>
-          <a:lnRef idx="2">
-            <a:schemeClr val="accent1">
-              <a:shade val="50000"/>
-            </a:schemeClr>
-          </a:lnRef>
-          <a:fillRef idx="1">
-            <a:schemeClr val="accent1"/>
-          </a:fillRef>
-          <a:effectRef idx="0">
-            <a:schemeClr val="accent1"/>
-          </a:effectRef>
-          <a:fontRef idx="minor">
-            <a:schemeClr val="lt1"/>
-          </a:fontRef>
-        </p:style>
-        <p:txBody>
-          <a:bodyPr rtlCol="0" anchor="ctr"/>
-          <a:lstStyle/>
-          <a:p>
-            <a:pPr algn="ctr"/>
-            <a:r>
-              <a:rPr lang="it-IT" dirty="0"/>
-              <a:t>sr:StudyRoom</a:t>
-            </a:r>
-          </a:p>
-        </p:txBody>
-      </p:sp>
-      <p:sp>
-        <p:nvSpPr>
-          <p:cNvPr id="8" name="Rectangle: Rounded Corners 7"/>
-          <p:cNvSpPr/>
-          <p:nvPr/>
-        </p:nvSpPr>
-        <p:spPr>
-          <a:xfrm>
-            <a:off x="5163610" y="260764"/>
-            <a:ext cx="1881810" cy="516835"/>
-          </a:xfrm>
-          <a:prstGeom prst="roundRect">
-            <a:avLst/>
-          </a:prstGeom>
-        </p:spPr>
-        <p:style>
-          <a:lnRef idx="2">
-            <a:schemeClr val="accent1">
-              <a:shade val="50000"/>
-            </a:schemeClr>
-          </a:lnRef>
-          <a:fillRef idx="1">
-            <a:schemeClr val="accent1"/>
-          </a:fillRef>
-          <a:effectRef idx="0">
-            <a:schemeClr val="accent1"/>
-          </a:effectRef>
-          <a:fontRef idx="minor">
-            <a:schemeClr val="lt1"/>
-          </a:fontRef>
-        </p:style>
-        <p:txBody>
-          <a:bodyPr rtlCol="0" anchor="ctr"/>
-          <a:lstStyle/>
-          <a:p>
-            <a:pPr algn="ctr"/>
-            <a:r>
-              <a:rPr lang="it-IT" dirty="0"/>
-              <a:t>sr:Seat</a:t>
-            </a:r>
-          </a:p>
-        </p:txBody>
-      </p:sp>
-      <p:sp>
-        <p:nvSpPr>
-          <p:cNvPr id="10" name="Rectangle: Rounded Corners 9"/>
-          <p:cNvSpPr/>
-          <p:nvPr/>
-        </p:nvSpPr>
-        <p:spPr>
-          <a:xfrm>
-            <a:off x="5163610" y="3159835"/>
-            <a:ext cx="1881810" cy="516835"/>
-          </a:xfrm>
-          <a:prstGeom prst="roundRect">
-            <a:avLst/>
-          </a:prstGeom>
-        </p:spPr>
-        <p:style>
-          <a:lnRef idx="2">
-            <a:schemeClr val="accent1">
-              <a:shade val="50000"/>
-            </a:schemeClr>
-          </a:lnRef>
-          <a:fillRef idx="1">
-            <a:schemeClr val="accent1"/>
-          </a:fillRef>
-          <a:effectRef idx="0">
-            <a:schemeClr val="accent1"/>
-          </a:effectRef>
-          <a:fontRef idx="minor">
-            <a:schemeClr val="lt1"/>
-          </a:fontRef>
-        </p:style>
-        <p:txBody>
-          <a:bodyPr rtlCol="0" anchor="ctr"/>
-          <a:lstStyle/>
-          <a:p>
-            <a:pPr algn="ctr"/>
-            <a:r>
-              <a:rPr lang="it-IT" dirty="0"/>
-              <a:t>sr:University</a:t>
-            </a:r>
-          </a:p>
-        </p:txBody>
-      </p:sp>
-      <p:sp>
-        <p:nvSpPr>
-          <p:cNvPr id="11" name="Rectangle: Rounded Corners 10"/>
-          <p:cNvSpPr/>
-          <p:nvPr/>
-        </p:nvSpPr>
-        <p:spPr>
-          <a:xfrm>
-            <a:off x="5163610" y="4126192"/>
-            <a:ext cx="1881810" cy="516835"/>
-          </a:xfrm>
-          <a:prstGeom prst="roundRect">
-            <a:avLst/>
-          </a:prstGeom>
-        </p:spPr>
-        <p:style>
-          <a:lnRef idx="2">
-            <a:schemeClr val="accent1">
-              <a:shade val="50000"/>
-            </a:schemeClr>
-          </a:lnRef>
-          <a:fillRef idx="1">
-            <a:schemeClr val="accent1"/>
-          </a:fillRef>
-          <a:effectRef idx="0">
-            <a:schemeClr val="accent1"/>
-          </a:effectRef>
-          <a:fontRef idx="minor">
-            <a:schemeClr val="lt1"/>
-          </a:fontRef>
-        </p:style>
-        <p:txBody>
-          <a:bodyPr rtlCol="0" anchor="ctr"/>
-          <a:lstStyle/>
-          <a:p>
-            <a:pPr algn="ctr"/>
-            <a:r>
-              <a:rPr lang="it-IT" dirty="0"/>
-              <a:t>sr:Feature</a:t>
-            </a:r>
-          </a:p>
-        </p:txBody>
-      </p:sp>
-      <p:sp>
-        <p:nvSpPr>
-          <p:cNvPr id="12" name="Rectangle: Rounded Corners 11"/>
-          <p:cNvSpPr/>
-          <p:nvPr/>
-        </p:nvSpPr>
-        <p:spPr>
-          <a:xfrm>
-            <a:off x="5163610" y="5092549"/>
-            <a:ext cx="1881810" cy="516835"/>
-          </a:xfrm>
-          <a:prstGeom prst="roundRect">
-            <a:avLst/>
-          </a:prstGeom>
-        </p:spPr>
-        <p:style>
-          <a:lnRef idx="2">
-            <a:schemeClr val="accent1">
-              <a:shade val="50000"/>
-            </a:schemeClr>
-          </a:lnRef>
-          <a:fillRef idx="1">
-            <a:schemeClr val="accent1"/>
-          </a:fillRef>
-          <a:effectRef idx="0">
-            <a:schemeClr val="accent1"/>
-          </a:effectRef>
-          <a:fontRef idx="minor">
-            <a:schemeClr val="lt1"/>
-          </a:fontRef>
-        </p:style>
-        <p:txBody>
-          <a:bodyPr rtlCol="0" anchor="ctr"/>
-          <a:lstStyle/>
-          <a:p>
-            <a:pPr algn="ctr"/>
-            <a:r>
-              <a:rPr lang="it-IT" dirty="0"/>
-              <a:t>locn:Address</a:t>
-            </a:r>
-          </a:p>
-        </p:txBody>
-      </p:sp>
-      <p:sp>
-        <p:nvSpPr>
-          <p:cNvPr id="13" name="Rectangle: Rounded Corners 12"/>
-          <p:cNvSpPr/>
-          <p:nvPr/>
-        </p:nvSpPr>
-        <p:spPr>
-          <a:xfrm>
-            <a:off x="5163610" y="6058908"/>
-            <a:ext cx="1881810" cy="516835"/>
-          </a:xfrm>
-          <a:prstGeom prst="roundRect">
-            <a:avLst/>
-          </a:prstGeom>
-        </p:spPr>
-        <p:style>
-          <a:lnRef idx="2">
-            <a:schemeClr val="accent1">
-              <a:shade val="50000"/>
-            </a:schemeClr>
-          </a:lnRef>
-          <a:fillRef idx="1">
-            <a:schemeClr val="accent1"/>
-          </a:fillRef>
-          <a:effectRef idx="0">
-            <a:schemeClr val="accent1"/>
-          </a:effectRef>
-          <a:fontRef idx="minor">
-            <a:schemeClr val="lt1"/>
-          </a:fontRef>
-        </p:style>
-        <p:txBody>
-          <a:bodyPr rtlCol="0" anchor="ctr"/>
-          <a:lstStyle/>
-          <a:p>
-            <a:pPr algn="ctr"/>
-            <a:r>
-              <a:rPr lang="it-IT" dirty="0"/>
-              <a:t>geo:_Geometry</a:t>
-            </a:r>
-          </a:p>
-        </p:txBody>
-      </p:sp>
-      <p:sp>
-        <p:nvSpPr>
-          <p:cNvPr id="15" name="Rectangle: Rounded Corners 14"/>
-          <p:cNvSpPr/>
-          <p:nvPr/>
-        </p:nvSpPr>
-        <p:spPr>
-          <a:xfrm>
-            <a:off x="2368935" y="3159835"/>
-            <a:ext cx="1882800" cy="516835"/>
-          </a:xfrm>
-          <a:prstGeom prst="roundRect">
-            <a:avLst/>
-          </a:prstGeom>
-        </p:spPr>
-        <p:style>
-          <a:lnRef idx="2">
-            <a:schemeClr val="accent1">
-              <a:shade val="50000"/>
-            </a:schemeClr>
-          </a:lnRef>
-          <a:fillRef idx="1">
-            <a:schemeClr val="accent1"/>
-          </a:fillRef>
-          <a:effectRef idx="0">
-            <a:schemeClr val="accent1"/>
-          </a:effectRef>
-          <a:fontRef idx="minor">
-            <a:schemeClr val="lt1"/>
-          </a:fontRef>
-        </p:style>
-        <p:txBody>
-          <a:bodyPr rtlCol="0" anchor="ctr"/>
-          <a:lstStyle/>
-          <a:p>
-            <a:pPr algn="ctr"/>
-            <a:r>
-              <a:rPr lang="it-IT" dirty="0"/>
-              <a:t>owl:Thing</a:t>
-            </a:r>
-          </a:p>
-        </p:txBody>
-      </p:sp>
-      <p:sp>
-        <p:nvSpPr>
-          <p:cNvPr id="16" name="Rectangle: Rounded Corners 15"/>
-          <p:cNvSpPr/>
-          <p:nvPr/>
-        </p:nvSpPr>
-        <p:spPr>
-          <a:xfrm>
-            <a:off x="7957295" y="6058907"/>
-            <a:ext cx="1881810" cy="516835"/>
-          </a:xfrm>
-          <a:prstGeom prst="roundRect">
-            <a:avLst/>
-          </a:prstGeom>
-        </p:spPr>
-        <p:style>
-          <a:lnRef idx="2">
-            <a:schemeClr val="accent1">
-              <a:shade val="50000"/>
-            </a:schemeClr>
-          </a:lnRef>
-          <a:fillRef idx="1">
-            <a:schemeClr val="accent1"/>
-          </a:fillRef>
-          <a:effectRef idx="0">
-            <a:schemeClr val="accent1"/>
-          </a:effectRef>
-          <a:fontRef idx="minor">
-            <a:schemeClr val="lt1"/>
-          </a:fontRef>
-        </p:style>
-        <p:txBody>
-          <a:bodyPr rtlCol="0" anchor="ctr"/>
-          <a:lstStyle/>
-          <a:p>
-            <a:pPr algn="ctr"/>
-            <a:r>
-              <a:rPr lang="it-IT" dirty="0"/>
-              <a:t>geo:_Point</a:t>
-            </a:r>
-          </a:p>
-        </p:txBody>
-      </p:sp>
-      <p:cxnSp>
-        <p:nvCxnSpPr>
-          <p:cNvPr id="18" name="Straight Arrow Connector 17"/>
-          <p:cNvCxnSpPr>
-            <a:cxnSpLocks/>
-            <a:stCxn id="15" idx="3"/>
-          </p:cNvCxnSpPr>
-          <p:nvPr/>
-        </p:nvCxnSpPr>
-        <p:spPr>
-          <a:xfrm>
-            <a:off x="4251735" y="3418253"/>
-            <a:ext cx="932265" cy="0"/>
-          </a:xfrm>
-          <a:prstGeom prst="straightConnector1">
-            <a:avLst/>
-          </a:prstGeom>
-          <a:ln w="38100" cap="flat" cmpd="sng" algn="ctr">
-            <a:solidFill>
-              <a:schemeClr val="dk1"/>
-            </a:solidFill>
-            <a:prstDash val="solid"/>
-            <a:round/>
-            <a:headEnd type="none" w="med" len="med"/>
-            <a:tailEnd type="triangle" w="med" len="med"/>
-          </a:ln>
-        </p:spPr>
-        <p:style>
-          <a:lnRef idx="0">
-            <a:scrgbClr r="0" g="0" b="0"/>
-          </a:lnRef>
-          <a:fillRef idx="0">
-            <a:scrgbClr r="0" g="0" b="0"/>
-          </a:fillRef>
-          <a:effectRef idx="0">
-            <a:scrgbClr r="0" g="0" b="0"/>
-          </a:effectRef>
-          <a:fontRef idx="minor">
-            <a:schemeClr val="tx1"/>
-          </a:fontRef>
-        </p:style>
-      </p:cxnSp>
-      <p:cxnSp>
-        <p:nvCxnSpPr>
-          <p:cNvPr id="20" name="Straight Arrow Connector 19"/>
-          <p:cNvCxnSpPr/>
-          <p:nvPr/>
-        </p:nvCxnSpPr>
-        <p:spPr>
-          <a:xfrm>
-            <a:off x="7045420" y="6313853"/>
-            <a:ext cx="911875" cy="0"/>
-          </a:xfrm>
-          <a:prstGeom prst="straightConnector1">
-            <a:avLst/>
-          </a:prstGeom>
-          <a:ln w="38100" cap="flat" cmpd="sng" algn="ctr">
-            <a:solidFill>
-              <a:schemeClr val="dk1"/>
-            </a:solidFill>
-            <a:prstDash val="solid"/>
-            <a:round/>
-            <a:headEnd type="none" w="med" len="med"/>
-            <a:tailEnd type="triangle" w="med" len="med"/>
-          </a:ln>
-        </p:spPr>
-        <p:style>
-          <a:lnRef idx="0">
-            <a:scrgbClr r="0" g="0" b="0"/>
-          </a:lnRef>
-          <a:fillRef idx="0">
-            <a:scrgbClr r="0" g="0" b="0"/>
-          </a:fillRef>
-          <a:effectRef idx="0">
-            <a:scrgbClr r="0" g="0" b="0"/>
-          </a:effectRef>
-          <a:fontRef idx="minor">
-            <a:schemeClr val="tx1"/>
-          </a:fontRef>
-        </p:style>
-      </p:cxnSp>
-      <p:cxnSp>
-        <p:nvCxnSpPr>
-          <p:cNvPr id="21" name="Straight Arrow Connector 20"/>
-          <p:cNvCxnSpPr>
-            <a:cxnSpLocks/>
-          </p:cNvCxnSpPr>
-          <p:nvPr/>
-        </p:nvCxnSpPr>
-        <p:spPr>
-          <a:xfrm>
-            <a:off x="4752000" y="4393130"/>
-            <a:ext cx="432000" cy="0"/>
-          </a:xfrm>
-          <a:prstGeom prst="straightConnector1">
-            <a:avLst/>
-          </a:prstGeom>
-          <a:ln w="38100" cap="flat" cmpd="sng" algn="ctr">
-            <a:solidFill>
-              <a:schemeClr val="dk1"/>
-            </a:solidFill>
-            <a:prstDash val="solid"/>
-            <a:round/>
-            <a:headEnd type="none" w="med" len="med"/>
-            <a:tailEnd type="triangle" w="med" len="med"/>
-          </a:ln>
-        </p:spPr>
-        <p:style>
-          <a:lnRef idx="0">
-            <a:scrgbClr r="0" g="0" b="0"/>
-          </a:lnRef>
-          <a:fillRef idx="0">
-            <a:scrgbClr r="0" g="0" b="0"/>
-          </a:fillRef>
-          <a:effectRef idx="0">
-            <a:scrgbClr r="0" g="0" b="0"/>
-          </a:effectRef>
-          <a:fontRef idx="minor">
-            <a:schemeClr val="tx1"/>
-          </a:fontRef>
-        </p:style>
-      </p:cxnSp>
-      <p:cxnSp>
-        <p:nvCxnSpPr>
-          <p:cNvPr id="22" name="Straight Arrow Connector 21"/>
-          <p:cNvCxnSpPr>
-            <a:cxnSpLocks/>
-          </p:cNvCxnSpPr>
-          <p:nvPr/>
-        </p:nvCxnSpPr>
-        <p:spPr>
-          <a:xfrm>
-            <a:off x="4752000" y="5353492"/>
-            <a:ext cx="432000" cy="0"/>
-          </a:xfrm>
-          <a:prstGeom prst="straightConnector1">
-            <a:avLst/>
-          </a:prstGeom>
-          <a:ln w="38100" cap="flat" cmpd="sng" algn="ctr">
-            <a:solidFill>
-              <a:schemeClr val="dk1"/>
-            </a:solidFill>
-            <a:prstDash val="solid"/>
-            <a:round/>
-            <a:headEnd type="none" w="med" len="med"/>
-            <a:tailEnd type="triangle" w="med" len="med"/>
-          </a:ln>
-        </p:spPr>
-        <p:style>
-          <a:lnRef idx="0">
-            <a:scrgbClr r="0" g="0" b="0"/>
-          </a:lnRef>
-          <a:fillRef idx="0">
-            <a:scrgbClr r="0" g="0" b="0"/>
-          </a:fillRef>
-          <a:effectRef idx="0">
-            <a:scrgbClr r="0" g="0" b="0"/>
-          </a:effectRef>
-          <a:fontRef idx="minor">
-            <a:schemeClr val="tx1"/>
-          </a:fontRef>
-        </p:style>
-      </p:cxnSp>
-      <p:cxnSp>
-        <p:nvCxnSpPr>
-          <p:cNvPr id="23" name="Straight Arrow Connector 22"/>
-          <p:cNvCxnSpPr>
-            <a:cxnSpLocks/>
-          </p:cNvCxnSpPr>
-          <p:nvPr/>
-        </p:nvCxnSpPr>
-        <p:spPr>
-          <a:xfrm>
-            <a:off x="4752000" y="2472406"/>
-            <a:ext cx="432000" cy="0"/>
-          </a:xfrm>
-          <a:prstGeom prst="straightConnector1">
-            <a:avLst/>
-          </a:prstGeom>
-          <a:ln w="38100" cap="flat" cmpd="sng" algn="ctr">
-            <a:solidFill>
-              <a:schemeClr val="dk1"/>
-            </a:solidFill>
-            <a:prstDash val="solid"/>
-            <a:round/>
-            <a:headEnd type="none" w="med" len="med"/>
-            <a:tailEnd type="triangle" w="med" len="med"/>
-          </a:ln>
-        </p:spPr>
-        <p:style>
-          <a:lnRef idx="0">
-            <a:scrgbClr r="0" g="0" b="0"/>
-          </a:lnRef>
-          <a:fillRef idx="0">
-            <a:scrgbClr r="0" g="0" b="0"/>
-          </a:fillRef>
-          <a:effectRef idx="0">
-            <a:scrgbClr r="0" g="0" b="0"/>
-          </a:effectRef>
-          <a:fontRef idx="minor">
-            <a:schemeClr val="tx1"/>
-          </a:fontRef>
-        </p:style>
-      </p:cxnSp>
-      <p:cxnSp>
-        <p:nvCxnSpPr>
-          <p:cNvPr id="24" name="Straight Arrow Connector 23"/>
-          <p:cNvCxnSpPr>
-            <a:cxnSpLocks/>
-          </p:cNvCxnSpPr>
-          <p:nvPr/>
-        </p:nvCxnSpPr>
-        <p:spPr>
-          <a:xfrm>
-            <a:off x="4752000" y="6313853"/>
-            <a:ext cx="432000" cy="0"/>
-          </a:xfrm>
-          <a:prstGeom prst="straightConnector1">
-            <a:avLst/>
-          </a:prstGeom>
-          <a:ln w="38100" cap="flat" cmpd="sng" algn="ctr">
-            <a:solidFill>
-              <a:schemeClr val="dk1"/>
-            </a:solidFill>
-            <a:prstDash val="solid"/>
-            <a:round/>
-            <a:headEnd type="none" w="med" len="med"/>
-            <a:tailEnd type="triangle" w="med" len="med"/>
-          </a:ln>
-        </p:spPr>
-        <p:style>
-          <a:lnRef idx="0">
-            <a:scrgbClr r="0" g="0" b="0"/>
-          </a:lnRef>
-          <a:fillRef idx="0">
-            <a:scrgbClr r="0" g="0" b="0"/>
-          </a:fillRef>
-          <a:effectRef idx="0">
-            <a:scrgbClr r="0" g="0" b="0"/>
-          </a:effectRef>
-          <a:fontRef idx="minor">
-            <a:schemeClr val="tx1"/>
-          </a:fontRef>
-        </p:style>
-      </p:cxnSp>
-      <p:cxnSp>
-        <p:nvCxnSpPr>
-          <p:cNvPr id="25" name="Straight Arrow Connector 24"/>
-          <p:cNvCxnSpPr>
-            <a:cxnSpLocks/>
-          </p:cNvCxnSpPr>
-          <p:nvPr/>
-        </p:nvCxnSpPr>
-        <p:spPr>
-          <a:xfrm>
-            <a:off x="4752000" y="1512044"/>
-            <a:ext cx="432000" cy="0"/>
-          </a:xfrm>
-          <a:prstGeom prst="straightConnector1">
-            <a:avLst/>
-          </a:prstGeom>
-          <a:ln w="38100" cap="flat" cmpd="sng" algn="ctr">
-            <a:solidFill>
-              <a:schemeClr val="dk1"/>
-            </a:solidFill>
-            <a:prstDash val="solid"/>
-            <a:round/>
-            <a:headEnd type="none" w="med" len="med"/>
-            <a:tailEnd type="triangle" w="med" len="med"/>
-          </a:ln>
-        </p:spPr>
-        <p:style>
-          <a:lnRef idx="0">
-            <a:scrgbClr r="0" g="0" b="0"/>
-          </a:lnRef>
-          <a:fillRef idx="0">
-            <a:scrgbClr r="0" g="0" b="0"/>
-          </a:fillRef>
-          <a:effectRef idx="0">
-            <a:scrgbClr r="0" g="0" b="0"/>
-          </a:effectRef>
-          <a:fontRef idx="minor">
-            <a:schemeClr val="tx1"/>
-          </a:fontRef>
-        </p:style>
-      </p:cxnSp>
-      <p:cxnSp>
-        <p:nvCxnSpPr>
-          <p:cNvPr id="26" name="Straight Arrow Connector 25"/>
-          <p:cNvCxnSpPr>
-            <a:cxnSpLocks/>
-          </p:cNvCxnSpPr>
-          <p:nvPr/>
-        </p:nvCxnSpPr>
-        <p:spPr>
-          <a:xfrm>
-            <a:off x="4752000" y="551682"/>
-            <a:ext cx="432000" cy="0"/>
-          </a:xfrm>
-          <a:prstGeom prst="straightConnector1">
-            <a:avLst/>
-          </a:prstGeom>
-          <a:ln w="38100" cap="flat" cmpd="sng" algn="ctr">
-            <a:solidFill>
-              <a:schemeClr val="dk1"/>
-            </a:solidFill>
-            <a:prstDash val="solid"/>
-            <a:round/>
-            <a:headEnd type="none" w="med" len="med"/>
-            <a:tailEnd type="triangle" w="med" len="med"/>
-          </a:ln>
-        </p:spPr>
-        <p:style>
-          <a:lnRef idx="0">
-            <a:scrgbClr r="0" g="0" b="0"/>
-          </a:lnRef>
-          <a:fillRef idx="0">
-            <a:scrgbClr r="0" g="0" b="0"/>
-          </a:fillRef>
-          <a:effectRef idx="0">
-            <a:scrgbClr r="0" g="0" b="0"/>
-          </a:effectRef>
-          <a:fontRef idx="minor">
-            <a:schemeClr val="tx1"/>
-          </a:fontRef>
-        </p:style>
-      </p:cxnSp>
-      <p:cxnSp>
-        <p:nvCxnSpPr>
-          <p:cNvPr id="42" name="Straight Connector 41"/>
-          <p:cNvCxnSpPr>
-            <a:cxnSpLocks/>
-          </p:cNvCxnSpPr>
-          <p:nvPr/>
-        </p:nvCxnSpPr>
-        <p:spPr>
-          <a:xfrm>
-            <a:off x="4752000" y="532630"/>
-            <a:ext cx="0" cy="5799600"/>
-          </a:xfrm>
-          <a:prstGeom prst="line">
-            <a:avLst/>
-          </a:prstGeom>
-          <a:ln w="38100">
-            <a:solidFill>
-              <a:schemeClr val="tx1"/>
-            </a:solidFill>
-          </a:ln>
-        </p:spPr>
-        <p:style>
-          <a:lnRef idx="1">
-            <a:schemeClr val="accent1"/>
-          </a:lnRef>
-          <a:fillRef idx="0">
-            <a:schemeClr val="accent1"/>
-          </a:fillRef>
-          <a:effectRef idx="0">
-            <a:schemeClr val="accent1"/>
-          </a:effectRef>
-          <a:fontRef idx="minor">
-            <a:schemeClr val="tx1"/>
-          </a:fontRef>
-        </p:style>
-      </p:cxnSp>
-    </p:spTree>
-    <p:extLst>
-      <p:ext uri="{BB962C8B-B14F-4D97-AF65-F5344CB8AC3E}">
-        <p14:creationId xmlns:p14="http://schemas.microsoft.com/office/powerpoint/2010/main" val="2544109714"/>
-      </p:ext>
-    </p:extLst>
-  </p:cSld>
-  <p:clrMapOvr>
-    <a:masterClrMapping/>
-  </p:clrMapOvr>
-</p:sld>
-</file>
-
-<file path=ppt/slides/slide3.xml><?xml version="1.0" encoding="utf-8"?>
+<file path=ppt/slides/slide10.xml><?xml version="1.0" encoding="utf-8"?>
 <p:sld xmlns:a="http://schemas.openxmlformats.org/drawingml/2006/main" xmlns:r="http://schemas.openxmlformats.org/officeDocument/2006/relationships" xmlns:p="http://schemas.openxmlformats.org/presentationml/2006/main">
   <p:cSld>
     <p:spTree>
@@ -7078,6 +4637,3537 @@
 </p:sld>
 </file>
 
+<file path=ppt/slides/slide2.xml><?xml version="1.0" encoding="utf-8"?>
+<p:sld xmlns:a="http://schemas.openxmlformats.org/drawingml/2006/main" xmlns:r="http://schemas.openxmlformats.org/officeDocument/2006/relationships" xmlns:p="http://schemas.openxmlformats.org/presentationml/2006/main">
+  <p:cSld>
+    <p:bg>
+      <p:bgPr>
+        <a:solidFill>
+          <a:schemeClr val="bg1"/>
+        </a:solidFill>
+        <a:effectLst/>
+      </p:bgPr>
+    </p:bg>
+    <p:spTree>
+      <p:nvGrpSpPr>
+        <p:cNvPr id="1" name=""/>
+        <p:cNvGrpSpPr/>
+        <p:nvPr/>
+      </p:nvGrpSpPr>
+      <p:grpSpPr>
+        <a:xfrm>
+          <a:off x="0" y="0"/>
+          <a:ext cx="0" cy="0"/>
+          <a:chOff x="0" y="0"/>
+          <a:chExt cx="0" cy="0"/>
+        </a:xfrm>
+      </p:grpSpPr>
+      <p:sp>
+        <p:nvSpPr>
+          <p:cNvPr id="2" name="Title 1">
+            <a:extLst>
+              <a:ext uri="{FF2B5EF4-FFF2-40B4-BE49-F238E27FC236}">
+                <a16:creationId xmlns:a16="http://schemas.microsoft.com/office/drawing/2014/main" id="{DEF803E2-4DB2-4948-AFFC-8C46332992A9}"/>
+              </a:ext>
+            </a:extLst>
+          </p:cNvPr>
+          <p:cNvSpPr>
+            <a:spLocks noGrp="1"/>
+          </p:cNvSpPr>
+          <p:nvPr>
+            <p:ph type="title"/>
+          </p:nvPr>
+        </p:nvSpPr>
+        <p:spPr>
+          <a:xfrm>
+            <a:off x="0" y="0"/>
+            <a:ext cx="12192000" cy="1690689"/>
+          </a:xfrm>
+          <a:solidFill>
+            <a:schemeClr val="accent1">
+              <a:lumMod val="40000"/>
+              <a:lumOff val="60000"/>
+            </a:schemeClr>
+          </a:solidFill>
+        </p:spPr>
+        <p:txBody>
+          <a:bodyPr/>
+          <a:lstStyle/>
+          <a:p>
+            <a:pPr algn="ctr"/>
+            <a:r>
+              <a:rPr lang="it-IT" b="1" dirty="0"/>
+              <a:t>Obiettivo del progetto</a:t>
+            </a:r>
+          </a:p>
+        </p:txBody>
+      </p:sp>
+      <p:sp>
+        <p:nvSpPr>
+          <p:cNvPr id="3" name="Content Placeholder 2">
+            <a:extLst>
+              <a:ext uri="{FF2B5EF4-FFF2-40B4-BE49-F238E27FC236}">
+                <a16:creationId xmlns:a16="http://schemas.microsoft.com/office/drawing/2014/main" id="{3FDA7772-7FC3-4695-98C1-FE8D998A604B}"/>
+              </a:ext>
+            </a:extLst>
+          </p:cNvPr>
+          <p:cNvSpPr>
+            <a:spLocks noGrp="1"/>
+          </p:cNvSpPr>
+          <p:nvPr>
+            <p:ph idx="1"/>
+          </p:nvPr>
+        </p:nvSpPr>
+        <p:spPr>
+          <a:xfrm>
+            <a:off x="838200" y="2377168"/>
+            <a:ext cx="10515600" cy="2456089"/>
+          </a:xfrm>
+        </p:spPr>
+        <p:txBody>
+          <a:bodyPr/>
+          <a:lstStyle/>
+          <a:p>
+            <a:pPr marL="0" indent="0">
+              <a:buNone/>
+            </a:pPr>
+            <a:r>
+              <a:rPr lang="it-IT" dirty="0"/>
+              <a:t>Prototipo di un’applicazione di monitoraggio dei posti liberi in aule studio con dati in real-time</a:t>
+            </a:r>
+          </a:p>
+        </p:txBody>
+      </p:sp>
+    </p:spTree>
+    <p:extLst>
+      <p:ext uri="{BB962C8B-B14F-4D97-AF65-F5344CB8AC3E}">
+        <p14:creationId xmlns:p14="http://schemas.microsoft.com/office/powerpoint/2010/main" val="925413741"/>
+      </p:ext>
+    </p:extLst>
+  </p:cSld>
+  <p:clrMapOvr>
+    <a:masterClrMapping/>
+  </p:clrMapOvr>
+</p:sld>
+</file>
+
+<file path=ppt/slides/slide3.xml><?xml version="1.0" encoding="utf-8"?>
+<p:sld xmlns:a="http://schemas.openxmlformats.org/drawingml/2006/main" xmlns:r="http://schemas.openxmlformats.org/officeDocument/2006/relationships" xmlns:p="http://schemas.openxmlformats.org/presentationml/2006/main">
+  <p:cSld>
+    <p:spTree>
+      <p:nvGrpSpPr>
+        <p:cNvPr id="1" name=""/>
+        <p:cNvGrpSpPr/>
+        <p:nvPr/>
+      </p:nvGrpSpPr>
+      <p:grpSpPr>
+        <a:xfrm>
+          <a:off x="0" y="0"/>
+          <a:ext cx="0" cy="0"/>
+          <a:chOff x="0" y="0"/>
+          <a:chExt cx="0" cy="0"/>
+        </a:xfrm>
+      </p:grpSpPr>
+      <p:sp>
+        <p:nvSpPr>
+          <p:cNvPr id="2" name="Title 1">
+            <a:extLst>
+              <a:ext uri="{FF2B5EF4-FFF2-40B4-BE49-F238E27FC236}">
+                <a16:creationId xmlns:a16="http://schemas.microsoft.com/office/drawing/2014/main" id="{DEF803E2-4DB2-4948-AFFC-8C46332992A9}"/>
+              </a:ext>
+            </a:extLst>
+          </p:cNvPr>
+          <p:cNvSpPr>
+            <a:spLocks noGrp="1"/>
+          </p:cNvSpPr>
+          <p:nvPr>
+            <p:ph type="title"/>
+          </p:nvPr>
+        </p:nvSpPr>
+        <p:spPr>
+          <a:xfrm>
+            <a:off x="0" y="0"/>
+            <a:ext cx="12192000" cy="1690689"/>
+          </a:xfrm>
+          <a:solidFill>
+            <a:schemeClr val="accent1">
+              <a:lumMod val="40000"/>
+              <a:lumOff val="60000"/>
+            </a:schemeClr>
+          </a:solidFill>
+        </p:spPr>
+        <p:txBody>
+          <a:bodyPr/>
+          <a:lstStyle/>
+          <a:p>
+            <a:pPr algn="ctr"/>
+            <a:r>
+              <a:rPr lang="it-IT" b="1" dirty="0"/>
+              <a:t>Una user story</a:t>
+            </a:r>
+          </a:p>
+        </p:txBody>
+      </p:sp>
+      <p:sp>
+        <p:nvSpPr>
+          <p:cNvPr id="3" name="Content Placeholder 2">
+            <a:extLst>
+              <a:ext uri="{FF2B5EF4-FFF2-40B4-BE49-F238E27FC236}">
+                <a16:creationId xmlns:a16="http://schemas.microsoft.com/office/drawing/2014/main" id="{3FDA7772-7FC3-4695-98C1-FE8D998A604B}"/>
+              </a:ext>
+            </a:extLst>
+          </p:cNvPr>
+          <p:cNvSpPr>
+            <a:spLocks noGrp="1"/>
+          </p:cNvSpPr>
+          <p:nvPr>
+            <p:ph idx="1"/>
+          </p:nvPr>
+        </p:nvSpPr>
+        <p:spPr>
+          <a:xfrm>
+            <a:off x="838200" y="2377168"/>
+            <a:ext cx="10515600" cy="2456089"/>
+          </a:xfrm>
+        </p:spPr>
+        <p:txBody>
+          <a:bodyPr/>
+          <a:lstStyle/>
+          <a:p>
+            <a:r>
+              <a:rPr lang="it-IT" dirty="0">
+                <a:solidFill>
+                  <a:srgbClr val="FF0000"/>
+                </a:solidFill>
+              </a:rPr>
+              <a:t>Come utente, voglio sapere quali aulee studio vicine alla mia posizione corrente hanno dei posti liberi</a:t>
+            </a:r>
+          </a:p>
+          <a:p>
+            <a:pPr marL="0" indent="0">
+              <a:buNone/>
+            </a:pPr>
+            <a:endParaRPr lang="it-IT" dirty="0"/>
+          </a:p>
+        </p:txBody>
+      </p:sp>
+    </p:spTree>
+    <p:extLst>
+      <p:ext uri="{BB962C8B-B14F-4D97-AF65-F5344CB8AC3E}">
+        <p14:creationId xmlns:p14="http://schemas.microsoft.com/office/powerpoint/2010/main" val="886609222"/>
+      </p:ext>
+    </p:extLst>
+  </p:cSld>
+  <p:clrMapOvr>
+    <a:masterClrMapping/>
+  </p:clrMapOvr>
+</p:sld>
+</file>
+
+<file path=ppt/slides/slide4.xml><?xml version="1.0" encoding="utf-8"?>
+<p:sld xmlns:a="http://schemas.openxmlformats.org/drawingml/2006/main" xmlns:r="http://schemas.openxmlformats.org/officeDocument/2006/relationships" xmlns:p="http://schemas.openxmlformats.org/presentationml/2006/main">
+  <p:cSld>
+    <p:spTree>
+      <p:nvGrpSpPr>
+        <p:cNvPr id="1" name=""/>
+        <p:cNvGrpSpPr/>
+        <p:nvPr/>
+      </p:nvGrpSpPr>
+      <p:grpSpPr>
+        <a:xfrm>
+          <a:off x="0" y="0"/>
+          <a:ext cx="0" cy="0"/>
+          <a:chOff x="0" y="0"/>
+          <a:chExt cx="0" cy="0"/>
+        </a:xfrm>
+      </p:grpSpPr>
+      <p:sp>
+        <p:nvSpPr>
+          <p:cNvPr id="2" name="Title 1">
+            <a:extLst>
+              <a:ext uri="{FF2B5EF4-FFF2-40B4-BE49-F238E27FC236}">
+                <a16:creationId xmlns:a16="http://schemas.microsoft.com/office/drawing/2014/main" id="{DEF803E2-4DB2-4948-AFFC-8C46332992A9}"/>
+              </a:ext>
+            </a:extLst>
+          </p:cNvPr>
+          <p:cNvSpPr>
+            <a:spLocks noGrp="1"/>
+          </p:cNvSpPr>
+          <p:nvPr>
+            <p:ph type="title"/>
+          </p:nvPr>
+        </p:nvSpPr>
+        <p:spPr>
+          <a:xfrm>
+            <a:off x="0" y="0"/>
+            <a:ext cx="12192000" cy="1690689"/>
+          </a:xfrm>
+          <a:solidFill>
+            <a:schemeClr val="accent1">
+              <a:lumMod val="40000"/>
+              <a:lumOff val="60000"/>
+            </a:schemeClr>
+          </a:solidFill>
+        </p:spPr>
+        <p:txBody>
+          <a:bodyPr/>
+          <a:lstStyle/>
+          <a:p>
+            <a:pPr algn="ctr"/>
+            <a:r>
+              <a:rPr lang="it-IT" b="1" dirty="0"/>
+              <a:t>Una user story</a:t>
+            </a:r>
+          </a:p>
+        </p:txBody>
+      </p:sp>
+      <p:sp>
+        <p:nvSpPr>
+          <p:cNvPr id="3" name="Content Placeholder 2">
+            <a:extLst>
+              <a:ext uri="{FF2B5EF4-FFF2-40B4-BE49-F238E27FC236}">
+                <a16:creationId xmlns:a16="http://schemas.microsoft.com/office/drawing/2014/main" id="{3FDA7772-7FC3-4695-98C1-FE8D998A604B}"/>
+              </a:ext>
+            </a:extLst>
+          </p:cNvPr>
+          <p:cNvSpPr>
+            <a:spLocks noGrp="1"/>
+          </p:cNvSpPr>
+          <p:nvPr>
+            <p:ph idx="1"/>
+          </p:nvPr>
+        </p:nvSpPr>
+        <p:spPr>
+          <a:xfrm>
+            <a:off x="838200" y="2377168"/>
+            <a:ext cx="10515600" cy="3849461"/>
+          </a:xfrm>
+        </p:spPr>
+        <p:txBody>
+          <a:bodyPr>
+            <a:normAutofit/>
+          </a:bodyPr>
+          <a:lstStyle/>
+          <a:p>
+            <a:r>
+              <a:rPr lang="it-IT" dirty="0"/>
+              <a:t>Come utente, voglio sapere quali aulee studio vicine alla mia posizione corrente hanno dei posti liberi</a:t>
+            </a:r>
+          </a:p>
+          <a:p>
+            <a:r>
+              <a:rPr lang="it-IT" dirty="0">
+                <a:solidFill>
+                  <a:srgbClr val="FF0000"/>
+                </a:solidFill>
+              </a:rPr>
+              <a:t>Voglio poter specificare il raggio entro cui cercare aule studio</a:t>
+            </a:r>
+          </a:p>
+          <a:p>
+            <a:endParaRPr lang="it-IT" dirty="0"/>
+          </a:p>
+          <a:p>
+            <a:pPr marL="0" indent="0">
+              <a:buNone/>
+            </a:pPr>
+            <a:endParaRPr lang="it-IT" dirty="0"/>
+          </a:p>
+        </p:txBody>
+      </p:sp>
+    </p:spTree>
+    <p:extLst>
+      <p:ext uri="{BB962C8B-B14F-4D97-AF65-F5344CB8AC3E}">
+        <p14:creationId xmlns:p14="http://schemas.microsoft.com/office/powerpoint/2010/main" val="3442630605"/>
+      </p:ext>
+    </p:extLst>
+  </p:cSld>
+  <p:clrMapOvr>
+    <a:masterClrMapping/>
+  </p:clrMapOvr>
+</p:sld>
+</file>
+
+<file path=ppt/slides/slide5.xml><?xml version="1.0" encoding="utf-8"?>
+<p:sld xmlns:a="http://schemas.openxmlformats.org/drawingml/2006/main" xmlns:r="http://schemas.openxmlformats.org/officeDocument/2006/relationships" xmlns:p="http://schemas.openxmlformats.org/presentationml/2006/main">
+  <p:cSld>
+    <p:spTree>
+      <p:nvGrpSpPr>
+        <p:cNvPr id="1" name=""/>
+        <p:cNvGrpSpPr/>
+        <p:nvPr/>
+      </p:nvGrpSpPr>
+      <p:grpSpPr>
+        <a:xfrm>
+          <a:off x="0" y="0"/>
+          <a:ext cx="0" cy="0"/>
+          <a:chOff x="0" y="0"/>
+          <a:chExt cx="0" cy="0"/>
+        </a:xfrm>
+      </p:grpSpPr>
+      <p:sp>
+        <p:nvSpPr>
+          <p:cNvPr id="2" name="Title 1">
+            <a:extLst>
+              <a:ext uri="{FF2B5EF4-FFF2-40B4-BE49-F238E27FC236}">
+                <a16:creationId xmlns:a16="http://schemas.microsoft.com/office/drawing/2014/main" id="{DEF803E2-4DB2-4948-AFFC-8C46332992A9}"/>
+              </a:ext>
+            </a:extLst>
+          </p:cNvPr>
+          <p:cNvSpPr>
+            <a:spLocks noGrp="1"/>
+          </p:cNvSpPr>
+          <p:nvPr>
+            <p:ph type="title"/>
+          </p:nvPr>
+        </p:nvSpPr>
+        <p:spPr>
+          <a:xfrm>
+            <a:off x="0" y="0"/>
+            <a:ext cx="12192000" cy="1690689"/>
+          </a:xfrm>
+          <a:solidFill>
+            <a:schemeClr val="accent1">
+              <a:lumMod val="40000"/>
+              <a:lumOff val="60000"/>
+            </a:schemeClr>
+          </a:solidFill>
+        </p:spPr>
+        <p:txBody>
+          <a:bodyPr/>
+          <a:lstStyle/>
+          <a:p>
+            <a:pPr algn="ctr"/>
+            <a:r>
+              <a:rPr lang="it-IT" b="1" dirty="0"/>
+              <a:t>Una user story</a:t>
+            </a:r>
+          </a:p>
+        </p:txBody>
+      </p:sp>
+      <p:sp>
+        <p:nvSpPr>
+          <p:cNvPr id="3" name="Content Placeholder 2">
+            <a:extLst>
+              <a:ext uri="{FF2B5EF4-FFF2-40B4-BE49-F238E27FC236}">
+                <a16:creationId xmlns:a16="http://schemas.microsoft.com/office/drawing/2014/main" id="{3FDA7772-7FC3-4695-98C1-FE8D998A604B}"/>
+              </a:ext>
+            </a:extLst>
+          </p:cNvPr>
+          <p:cNvSpPr>
+            <a:spLocks noGrp="1"/>
+          </p:cNvSpPr>
+          <p:nvPr>
+            <p:ph idx="1"/>
+          </p:nvPr>
+        </p:nvSpPr>
+        <p:spPr>
+          <a:xfrm>
+            <a:off x="838200" y="2377168"/>
+            <a:ext cx="10515600" cy="3849461"/>
+          </a:xfrm>
+        </p:spPr>
+        <p:txBody>
+          <a:bodyPr>
+            <a:normAutofit/>
+          </a:bodyPr>
+          <a:lstStyle/>
+          <a:p>
+            <a:r>
+              <a:rPr lang="it-IT" dirty="0"/>
+              <a:t>Come utente, voglio sapere quali aulee studio vicine alla mia posizione corrente hanno dei posti liberi</a:t>
+            </a:r>
+          </a:p>
+          <a:p>
+            <a:r>
+              <a:rPr lang="it-IT" dirty="0"/>
+              <a:t>Voglio poter specificare il raggio entro cui cercare aule studio</a:t>
+            </a:r>
+          </a:p>
+          <a:p>
+            <a:r>
+              <a:rPr lang="it-IT" dirty="0">
+                <a:solidFill>
+                  <a:srgbClr val="FF0000"/>
+                </a:solidFill>
+              </a:rPr>
+              <a:t>Voglio poter specificare il numero di posti liberi che le aulee studio da includere nel risultato hanno</a:t>
+            </a:r>
+          </a:p>
+          <a:p>
+            <a:pPr marL="0" indent="0">
+              <a:buNone/>
+            </a:pPr>
+            <a:endParaRPr lang="it-IT" dirty="0"/>
+          </a:p>
+          <a:p>
+            <a:pPr marL="0" indent="0">
+              <a:buNone/>
+            </a:pPr>
+            <a:endParaRPr lang="it-IT" dirty="0"/>
+          </a:p>
+        </p:txBody>
+      </p:sp>
+    </p:spTree>
+    <p:extLst>
+      <p:ext uri="{BB962C8B-B14F-4D97-AF65-F5344CB8AC3E}">
+        <p14:creationId xmlns:p14="http://schemas.microsoft.com/office/powerpoint/2010/main" val="4027581580"/>
+      </p:ext>
+    </p:extLst>
+  </p:cSld>
+  <p:clrMapOvr>
+    <a:masterClrMapping/>
+  </p:clrMapOvr>
+</p:sld>
+</file>
+
+<file path=ppt/slides/slide6.xml><?xml version="1.0" encoding="utf-8"?>
+<p:sld xmlns:a="http://schemas.openxmlformats.org/drawingml/2006/main" xmlns:r="http://schemas.openxmlformats.org/officeDocument/2006/relationships" xmlns:p="http://schemas.openxmlformats.org/presentationml/2006/main">
+  <p:cSld>
+    <p:spTree>
+      <p:nvGrpSpPr>
+        <p:cNvPr id="1" name=""/>
+        <p:cNvGrpSpPr/>
+        <p:nvPr/>
+      </p:nvGrpSpPr>
+      <p:grpSpPr>
+        <a:xfrm>
+          <a:off x="0" y="0"/>
+          <a:ext cx="0" cy="0"/>
+          <a:chOff x="0" y="0"/>
+          <a:chExt cx="0" cy="0"/>
+        </a:xfrm>
+      </p:grpSpPr>
+      <p:sp>
+        <p:nvSpPr>
+          <p:cNvPr id="2" name="Title 1">
+            <a:extLst>
+              <a:ext uri="{FF2B5EF4-FFF2-40B4-BE49-F238E27FC236}">
+                <a16:creationId xmlns:a16="http://schemas.microsoft.com/office/drawing/2014/main" id="{DEF803E2-4DB2-4948-AFFC-8C46332992A9}"/>
+              </a:ext>
+            </a:extLst>
+          </p:cNvPr>
+          <p:cNvSpPr>
+            <a:spLocks noGrp="1"/>
+          </p:cNvSpPr>
+          <p:nvPr>
+            <p:ph type="title"/>
+          </p:nvPr>
+        </p:nvSpPr>
+        <p:spPr>
+          <a:xfrm>
+            <a:off x="0" y="0"/>
+            <a:ext cx="12192000" cy="1690689"/>
+          </a:xfrm>
+          <a:solidFill>
+            <a:schemeClr val="accent1">
+              <a:lumMod val="40000"/>
+              <a:lumOff val="60000"/>
+            </a:schemeClr>
+          </a:solidFill>
+        </p:spPr>
+        <p:txBody>
+          <a:bodyPr/>
+          <a:lstStyle/>
+          <a:p>
+            <a:pPr algn="ctr"/>
+            <a:r>
+              <a:rPr lang="it-IT" b="1" dirty="0"/>
+              <a:t>Una user story</a:t>
+            </a:r>
+          </a:p>
+        </p:txBody>
+      </p:sp>
+      <p:sp>
+        <p:nvSpPr>
+          <p:cNvPr id="3" name="Content Placeholder 2">
+            <a:extLst>
+              <a:ext uri="{FF2B5EF4-FFF2-40B4-BE49-F238E27FC236}">
+                <a16:creationId xmlns:a16="http://schemas.microsoft.com/office/drawing/2014/main" id="{3FDA7772-7FC3-4695-98C1-FE8D998A604B}"/>
+              </a:ext>
+            </a:extLst>
+          </p:cNvPr>
+          <p:cNvSpPr>
+            <a:spLocks noGrp="1"/>
+          </p:cNvSpPr>
+          <p:nvPr>
+            <p:ph idx="1"/>
+          </p:nvPr>
+        </p:nvSpPr>
+        <p:spPr>
+          <a:xfrm>
+            <a:off x="838200" y="2377168"/>
+            <a:ext cx="10515600" cy="3849461"/>
+          </a:xfrm>
+        </p:spPr>
+        <p:txBody>
+          <a:bodyPr>
+            <a:normAutofit/>
+          </a:bodyPr>
+          <a:lstStyle/>
+          <a:p>
+            <a:r>
+              <a:rPr lang="it-IT" dirty="0"/>
+              <a:t>Come utente, voglio sapere quali aulee studio vicine alla mia posizione corrente hanno dei posti liberi</a:t>
+            </a:r>
+          </a:p>
+          <a:p>
+            <a:r>
+              <a:rPr lang="it-IT" dirty="0"/>
+              <a:t>Voglio poter specificare il raggio entro cui cercare aule studio</a:t>
+            </a:r>
+          </a:p>
+          <a:p>
+            <a:r>
+              <a:rPr lang="it-IT" dirty="0"/>
+              <a:t>Voglio poter specificare il numero di posti liberi che le aulee studio hanno</a:t>
+            </a:r>
+          </a:p>
+          <a:p>
+            <a:r>
+              <a:rPr lang="it-IT" dirty="0">
+                <a:solidFill>
+                  <a:srgbClr val="FF0000"/>
+                </a:solidFill>
+              </a:rPr>
+              <a:t>Voglio poter specificare altri criteri di ricerca, come presenza di un bagno per disabili o prese di corrente</a:t>
+            </a:r>
+          </a:p>
+          <a:p>
+            <a:pPr marL="0" indent="0">
+              <a:buNone/>
+            </a:pPr>
+            <a:endParaRPr lang="it-IT" dirty="0"/>
+          </a:p>
+        </p:txBody>
+      </p:sp>
+    </p:spTree>
+    <p:extLst>
+      <p:ext uri="{BB962C8B-B14F-4D97-AF65-F5344CB8AC3E}">
+        <p14:creationId xmlns:p14="http://schemas.microsoft.com/office/powerpoint/2010/main" val="786896838"/>
+      </p:ext>
+    </p:extLst>
+  </p:cSld>
+  <p:clrMapOvr>
+    <a:masterClrMapping/>
+  </p:clrMapOvr>
+</p:sld>
+</file>
+
+<file path=ppt/slides/slide7.xml><?xml version="1.0" encoding="utf-8"?>
+<p:sld xmlns:a="http://schemas.openxmlformats.org/drawingml/2006/main" xmlns:r="http://schemas.openxmlformats.org/officeDocument/2006/relationships" xmlns:p="http://schemas.openxmlformats.org/presentationml/2006/main">
+  <p:cSld>
+    <p:spTree>
+      <p:nvGrpSpPr>
+        <p:cNvPr id="1" name=""/>
+        <p:cNvGrpSpPr/>
+        <p:nvPr/>
+      </p:nvGrpSpPr>
+      <p:grpSpPr>
+        <a:xfrm>
+          <a:off x="0" y="0"/>
+          <a:ext cx="0" cy="0"/>
+          <a:chOff x="0" y="0"/>
+          <a:chExt cx="0" cy="0"/>
+        </a:xfrm>
+      </p:grpSpPr>
+      <p:sp>
+        <p:nvSpPr>
+          <p:cNvPr id="2" name="Title 1">
+            <a:extLst>
+              <a:ext uri="{FF2B5EF4-FFF2-40B4-BE49-F238E27FC236}">
+                <a16:creationId xmlns:a16="http://schemas.microsoft.com/office/drawing/2014/main" id="{DEF803E2-4DB2-4948-AFFC-8C46332992A9}"/>
+              </a:ext>
+            </a:extLst>
+          </p:cNvPr>
+          <p:cNvSpPr>
+            <a:spLocks noGrp="1"/>
+          </p:cNvSpPr>
+          <p:nvPr>
+            <p:ph type="title"/>
+          </p:nvPr>
+        </p:nvSpPr>
+        <p:spPr>
+          <a:xfrm>
+            <a:off x="0" y="0"/>
+            <a:ext cx="12192000" cy="1690689"/>
+          </a:xfrm>
+          <a:solidFill>
+            <a:schemeClr val="accent1">
+              <a:lumMod val="40000"/>
+              <a:lumOff val="60000"/>
+            </a:schemeClr>
+          </a:solidFill>
+        </p:spPr>
+        <p:txBody>
+          <a:bodyPr/>
+          <a:lstStyle/>
+          <a:p>
+            <a:pPr algn="ctr"/>
+            <a:r>
+              <a:rPr lang="it-IT" b="1" dirty="0"/>
+              <a:t>Architettura Software</a:t>
+            </a:r>
+          </a:p>
+        </p:txBody>
+      </p:sp>
+      <p:sp>
+        <p:nvSpPr>
+          <p:cNvPr id="3" name="Content Placeholder 2">
+            <a:extLst>
+              <a:ext uri="{FF2B5EF4-FFF2-40B4-BE49-F238E27FC236}">
+                <a16:creationId xmlns:a16="http://schemas.microsoft.com/office/drawing/2014/main" id="{3FDA7772-7FC3-4695-98C1-FE8D998A604B}"/>
+              </a:ext>
+            </a:extLst>
+          </p:cNvPr>
+          <p:cNvSpPr>
+            <a:spLocks noGrp="1"/>
+          </p:cNvSpPr>
+          <p:nvPr>
+            <p:ph idx="1"/>
+          </p:nvPr>
+        </p:nvSpPr>
+        <p:spPr>
+          <a:xfrm>
+            <a:off x="838200" y="2377168"/>
+            <a:ext cx="10515600" cy="2456089"/>
+          </a:xfrm>
+        </p:spPr>
+        <p:txBody>
+          <a:bodyPr/>
+          <a:lstStyle/>
+          <a:p>
+            <a:pPr marL="0" indent="0">
+              <a:buNone/>
+            </a:pPr>
+            <a:endParaRPr lang="it-IT" dirty="0"/>
+          </a:p>
+        </p:txBody>
+      </p:sp>
+    </p:spTree>
+    <p:extLst>
+      <p:ext uri="{BB962C8B-B14F-4D97-AF65-F5344CB8AC3E}">
+        <p14:creationId xmlns:p14="http://schemas.microsoft.com/office/powerpoint/2010/main" val="619636152"/>
+      </p:ext>
+    </p:extLst>
+  </p:cSld>
+  <p:clrMapOvr>
+    <a:masterClrMapping/>
+  </p:clrMapOvr>
+</p:sld>
+</file>
+
+<file path=ppt/slides/slide8.xml><?xml version="1.0" encoding="utf-8"?>
+<p:sld xmlns:a="http://schemas.openxmlformats.org/drawingml/2006/main" xmlns:r="http://schemas.openxmlformats.org/officeDocument/2006/relationships" xmlns:p="http://schemas.openxmlformats.org/presentationml/2006/main">
+  <p:cSld>
+    <p:spTree>
+      <p:nvGrpSpPr>
+        <p:cNvPr id="1" name=""/>
+        <p:cNvGrpSpPr/>
+        <p:nvPr/>
+      </p:nvGrpSpPr>
+      <p:grpSpPr>
+        <a:xfrm>
+          <a:off x="0" y="0"/>
+          <a:ext cx="0" cy="0"/>
+          <a:chOff x="0" y="0"/>
+          <a:chExt cx="0" cy="0"/>
+        </a:xfrm>
+      </p:grpSpPr>
+      <p:sp>
+        <p:nvSpPr>
+          <p:cNvPr id="2" name="Titolo 1"/>
+          <p:cNvSpPr>
+            <a:spLocks noGrp="1"/>
+          </p:cNvSpPr>
+          <p:nvPr>
+            <p:ph type="title"/>
+          </p:nvPr>
+        </p:nvSpPr>
+        <p:spPr/>
+        <p:txBody>
+          <a:bodyPr/>
+          <a:lstStyle/>
+          <a:p>
+            <a:pPr algn="ctr"/>
+            <a:r>
+              <a:rPr lang="it-IT" dirty="0"/>
+              <a:t>Scenario</a:t>
+            </a:r>
+          </a:p>
+        </p:txBody>
+      </p:sp>
+      <p:sp>
+        <p:nvSpPr>
+          <p:cNvPr id="4" name="Rettangolo 3"/>
+          <p:cNvSpPr/>
+          <p:nvPr/>
+        </p:nvSpPr>
+        <p:spPr>
+          <a:xfrm>
+            <a:off x="838200" y="2152482"/>
+            <a:ext cx="3636696" cy="2589452"/>
+          </a:xfrm>
+          <a:prstGeom prst="rect">
+            <a:avLst/>
+          </a:prstGeom>
+          <a:solidFill>
+            <a:schemeClr val="bg1"/>
+          </a:solidFill>
+        </p:spPr>
+        <p:style>
+          <a:lnRef idx="2">
+            <a:schemeClr val="accent1">
+              <a:shade val="50000"/>
+            </a:schemeClr>
+          </a:lnRef>
+          <a:fillRef idx="1">
+            <a:schemeClr val="accent1"/>
+          </a:fillRef>
+          <a:effectRef idx="0">
+            <a:schemeClr val="accent1"/>
+          </a:effectRef>
+          <a:fontRef idx="minor">
+            <a:schemeClr val="lt1"/>
+          </a:fontRef>
+        </p:style>
+        <p:txBody>
+          <a:bodyPr rtlCol="0" anchor="ctr"/>
+          <a:lstStyle/>
+          <a:p>
+            <a:pPr algn="ctr"/>
+            <a:endParaRPr lang="it-IT"/>
+          </a:p>
+        </p:txBody>
+      </p:sp>
+      <p:sp>
+        <p:nvSpPr>
+          <p:cNvPr id="5" name="Rettangolo 4"/>
+          <p:cNvSpPr/>
+          <p:nvPr/>
+        </p:nvSpPr>
+        <p:spPr>
+          <a:xfrm>
+            <a:off x="1278542" y="2605635"/>
+            <a:ext cx="882031" cy="1383738"/>
+          </a:xfrm>
+          <a:prstGeom prst="rect">
+            <a:avLst/>
+          </a:prstGeom>
+        </p:spPr>
+        <p:style>
+          <a:lnRef idx="2">
+            <a:schemeClr val="accent1">
+              <a:shade val="50000"/>
+            </a:schemeClr>
+          </a:lnRef>
+          <a:fillRef idx="1">
+            <a:schemeClr val="accent1"/>
+          </a:fillRef>
+          <a:effectRef idx="0">
+            <a:schemeClr val="accent1"/>
+          </a:effectRef>
+          <a:fontRef idx="minor">
+            <a:schemeClr val="lt1"/>
+          </a:fontRef>
+        </p:style>
+        <p:txBody>
+          <a:bodyPr rtlCol="0" anchor="ctr"/>
+          <a:lstStyle/>
+          <a:p>
+            <a:pPr algn="ctr"/>
+            <a:endParaRPr lang="it-IT"/>
+          </a:p>
+        </p:txBody>
+      </p:sp>
+      <p:sp>
+        <p:nvSpPr>
+          <p:cNvPr id="7" name="Ovale 6"/>
+          <p:cNvSpPr/>
+          <p:nvPr/>
+        </p:nvSpPr>
+        <p:spPr>
+          <a:xfrm>
+            <a:off x="1375646" y="2840305"/>
+            <a:ext cx="89012" cy="89012"/>
+          </a:xfrm>
+          <a:prstGeom prst="ellipse">
+            <a:avLst/>
+          </a:prstGeom>
+          <a:solidFill>
+            <a:srgbClr val="FF0000"/>
+          </a:solidFill>
+        </p:spPr>
+        <p:style>
+          <a:lnRef idx="2">
+            <a:schemeClr val="accent1">
+              <a:shade val="50000"/>
+            </a:schemeClr>
+          </a:lnRef>
+          <a:fillRef idx="1">
+            <a:schemeClr val="accent1"/>
+          </a:fillRef>
+          <a:effectRef idx="0">
+            <a:schemeClr val="accent1"/>
+          </a:effectRef>
+          <a:fontRef idx="minor">
+            <a:schemeClr val="lt1"/>
+          </a:fontRef>
+        </p:style>
+        <p:txBody>
+          <a:bodyPr rtlCol="0" anchor="ctr"/>
+          <a:lstStyle/>
+          <a:p>
+            <a:pPr algn="ctr"/>
+            <a:endParaRPr lang="it-IT"/>
+          </a:p>
+        </p:txBody>
+      </p:sp>
+      <p:sp>
+        <p:nvSpPr>
+          <p:cNvPr id="8" name="Ovale 7"/>
+          <p:cNvSpPr/>
+          <p:nvPr/>
+        </p:nvSpPr>
+        <p:spPr>
+          <a:xfrm>
+            <a:off x="1950183" y="2840305"/>
+            <a:ext cx="89012" cy="89012"/>
+          </a:xfrm>
+          <a:prstGeom prst="ellipse">
+            <a:avLst/>
+          </a:prstGeom>
+          <a:solidFill>
+            <a:srgbClr val="FF0000"/>
+          </a:solidFill>
+        </p:spPr>
+        <p:style>
+          <a:lnRef idx="2">
+            <a:schemeClr val="accent1">
+              <a:shade val="50000"/>
+            </a:schemeClr>
+          </a:lnRef>
+          <a:fillRef idx="1">
+            <a:schemeClr val="accent1"/>
+          </a:fillRef>
+          <a:effectRef idx="0">
+            <a:schemeClr val="accent1"/>
+          </a:effectRef>
+          <a:fontRef idx="minor">
+            <a:schemeClr val="lt1"/>
+          </a:fontRef>
+        </p:style>
+        <p:txBody>
+          <a:bodyPr rtlCol="0" anchor="ctr"/>
+          <a:lstStyle/>
+          <a:p>
+            <a:pPr algn="ctr"/>
+            <a:endParaRPr lang="it-IT"/>
+          </a:p>
+        </p:txBody>
+      </p:sp>
+      <p:sp>
+        <p:nvSpPr>
+          <p:cNvPr id="9" name="Ovale 8"/>
+          <p:cNvSpPr/>
+          <p:nvPr/>
+        </p:nvSpPr>
+        <p:spPr>
+          <a:xfrm>
+            <a:off x="1375646" y="3706152"/>
+            <a:ext cx="89012" cy="89012"/>
+          </a:xfrm>
+          <a:prstGeom prst="ellipse">
+            <a:avLst/>
+          </a:prstGeom>
+          <a:solidFill>
+            <a:srgbClr val="FF0000"/>
+          </a:solidFill>
+        </p:spPr>
+        <p:style>
+          <a:lnRef idx="2">
+            <a:schemeClr val="accent1">
+              <a:shade val="50000"/>
+            </a:schemeClr>
+          </a:lnRef>
+          <a:fillRef idx="1">
+            <a:schemeClr val="accent1"/>
+          </a:fillRef>
+          <a:effectRef idx="0">
+            <a:schemeClr val="accent1"/>
+          </a:effectRef>
+          <a:fontRef idx="minor">
+            <a:schemeClr val="lt1"/>
+          </a:fontRef>
+        </p:style>
+        <p:txBody>
+          <a:bodyPr rtlCol="0" anchor="ctr"/>
+          <a:lstStyle/>
+          <a:p>
+            <a:pPr algn="ctr"/>
+            <a:endParaRPr lang="it-IT"/>
+          </a:p>
+        </p:txBody>
+      </p:sp>
+      <p:sp>
+        <p:nvSpPr>
+          <p:cNvPr id="10" name="Ovale 9"/>
+          <p:cNvSpPr/>
+          <p:nvPr/>
+        </p:nvSpPr>
+        <p:spPr>
+          <a:xfrm>
+            <a:off x="1950183" y="3706152"/>
+            <a:ext cx="89012" cy="89012"/>
+          </a:xfrm>
+          <a:prstGeom prst="ellipse">
+            <a:avLst/>
+          </a:prstGeom>
+          <a:solidFill>
+            <a:srgbClr val="FF0000"/>
+          </a:solidFill>
+        </p:spPr>
+        <p:style>
+          <a:lnRef idx="2">
+            <a:schemeClr val="accent1">
+              <a:shade val="50000"/>
+            </a:schemeClr>
+          </a:lnRef>
+          <a:fillRef idx="1">
+            <a:schemeClr val="accent1"/>
+          </a:fillRef>
+          <a:effectRef idx="0">
+            <a:schemeClr val="accent1"/>
+          </a:effectRef>
+          <a:fontRef idx="minor">
+            <a:schemeClr val="lt1"/>
+          </a:fontRef>
+        </p:style>
+        <p:txBody>
+          <a:bodyPr rtlCol="0" anchor="ctr"/>
+          <a:lstStyle/>
+          <a:p>
+            <a:pPr algn="ctr"/>
+            <a:endParaRPr lang="it-IT"/>
+          </a:p>
+        </p:txBody>
+      </p:sp>
+      <p:sp>
+        <p:nvSpPr>
+          <p:cNvPr id="11" name="Ovale 10"/>
+          <p:cNvSpPr/>
+          <p:nvPr/>
+        </p:nvSpPr>
+        <p:spPr>
+          <a:xfrm>
+            <a:off x="1096472" y="2840305"/>
+            <a:ext cx="89012" cy="89012"/>
+          </a:xfrm>
+          <a:prstGeom prst="ellipse">
+            <a:avLst/>
+          </a:prstGeom>
+          <a:solidFill>
+            <a:schemeClr val="accent6"/>
+          </a:solidFill>
+        </p:spPr>
+        <p:style>
+          <a:lnRef idx="2">
+            <a:schemeClr val="accent1">
+              <a:shade val="50000"/>
+            </a:schemeClr>
+          </a:lnRef>
+          <a:fillRef idx="1">
+            <a:schemeClr val="accent1"/>
+          </a:fillRef>
+          <a:effectRef idx="0">
+            <a:schemeClr val="accent1"/>
+          </a:effectRef>
+          <a:fontRef idx="minor">
+            <a:schemeClr val="lt1"/>
+          </a:fontRef>
+        </p:style>
+        <p:txBody>
+          <a:bodyPr rtlCol="0" anchor="ctr"/>
+          <a:lstStyle/>
+          <a:p>
+            <a:pPr algn="ctr"/>
+            <a:endParaRPr lang="it-IT"/>
+          </a:p>
+        </p:txBody>
+      </p:sp>
+      <p:sp>
+        <p:nvSpPr>
+          <p:cNvPr id="12" name="Ovale 11"/>
+          <p:cNvSpPr/>
+          <p:nvPr/>
+        </p:nvSpPr>
+        <p:spPr>
+          <a:xfrm>
+            <a:off x="1096472" y="3706152"/>
+            <a:ext cx="89012" cy="89012"/>
+          </a:xfrm>
+          <a:prstGeom prst="ellipse">
+            <a:avLst/>
+          </a:prstGeom>
+          <a:solidFill>
+            <a:schemeClr val="accent6"/>
+          </a:solidFill>
+        </p:spPr>
+        <p:style>
+          <a:lnRef idx="2">
+            <a:schemeClr val="accent1">
+              <a:shade val="50000"/>
+            </a:schemeClr>
+          </a:lnRef>
+          <a:fillRef idx="1">
+            <a:schemeClr val="accent1"/>
+          </a:fillRef>
+          <a:effectRef idx="0">
+            <a:schemeClr val="accent1"/>
+          </a:effectRef>
+          <a:fontRef idx="minor">
+            <a:schemeClr val="lt1"/>
+          </a:fontRef>
+        </p:style>
+        <p:txBody>
+          <a:bodyPr rtlCol="0" anchor="ctr"/>
+          <a:lstStyle/>
+          <a:p>
+            <a:pPr algn="ctr"/>
+            <a:endParaRPr lang="it-IT"/>
+          </a:p>
+        </p:txBody>
+      </p:sp>
+      <p:sp>
+        <p:nvSpPr>
+          <p:cNvPr id="13" name="Ovale 12"/>
+          <p:cNvSpPr/>
+          <p:nvPr/>
+        </p:nvSpPr>
+        <p:spPr>
+          <a:xfrm>
+            <a:off x="2253631" y="2840305"/>
+            <a:ext cx="89012" cy="89012"/>
+          </a:xfrm>
+          <a:prstGeom prst="ellipse">
+            <a:avLst/>
+          </a:prstGeom>
+          <a:solidFill>
+            <a:schemeClr val="accent6"/>
+          </a:solidFill>
+        </p:spPr>
+        <p:style>
+          <a:lnRef idx="2">
+            <a:schemeClr val="accent1">
+              <a:shade val="50000"/>
+            </a:schemeClr>
+          </a:lnRef>
+          <a:fillRef idx="1">
+            <a:schemeClr val="accent1"/>
+          </a:fillRef>
+          <a:effectRef idx="0">
+            <a:schemeClr val="accent1"/>
+          </a:effectRef>
+          <a:fontRef idx="minor">
+            <a:schemeClr val="lt1"/>
+          </a:fontRef>
+        </p:style>
+        <p:txBody>
+          <a:bodyPr rtlCol="0" anchor="ctr"/>
+          <a:lstStyle/>
+          <a:p>
+            <a:pPr algn="ctr"/>
+            <a:endParaRPr lang="it-IT"/>
+          </a:p>
+        </p:txBody>
+      </p:sp>
+      <p:sp>
+        <p:nvSpPr>
+          <p:cNvPr id="14" name="Ovale 13"/>
+          <p:cNvSpPr/>
+          <p:nvPr/>
+        </p:nvSpPr>
+        <p:spPr>
+          <a:xfrm>
+            <a:off x="2253631" y="3706152"/>
+            <a:ext cx="89012" cy="89012"/>
+          </a:xfrm>
+          <a:prstGeom prst="ellipse">
+            <a:avLst/>
+          </a:prstGeom>
+          <a:solidFill>
+            <a:schemeClr val="accent6"/>
+          </a:solidFill>
+        </p:spPr>
+        <p:style>
+          <a:lnRef idx="2">
+            <a:schemeClr val="accent1">
+              <a:shade val="50000"/>
+            </a:schemeClr>
+          </a:lnRef>
+          <a:fillRef idx="1">
+            <a:schemeClr val="accent1"/>
+          </a:fillRef>
+          <a:effectRef idx="0">
+            <a:schemeClr val="accent1"/>
+          </a:effectRef>
+          <a:fontRef idx="minor">
+            <a:schemeClr val="lt1"/>
+          </a:fontRef>
+        </p:style>
+        <p:txBody>
+          <a:bodyPr rtlCol="0" anchor="ctr"/>
+          <a:lstStyle/>
+          <a:p>
+            <a:pPr algn="ctr"/>
+            <a:endParaRPr lang="it-IT"/>
+          </a:p>
+        </p:txBody>
+      </p:sp>
+      <p:sp>
+        <p:nvSpPr>
+          <p:cNvPr id="15" name="Rettangolo 14"/>
+          <p:cNvSpPr/>
+          <p:nvPr/>
+        </p:nvSpPr>
+        <p:spPr>
+          <a:xfrm>
+            <a:off x="2967754" y="2605635"/>
+            <a:ext cx="882031" cy="1383738"/>
+          </a:xfrm>
+          <a:prstGeom prst="rect">
+            <a:avLst/>
+          </a:prstGeom>
+        </p:spPr>
+        <p:style>
+          <a:lnRef idx="2">
+            <a:schemeClr val="accent1">
+              <a:shade val="50000"/>
+            </a:schemeClr>
+          </a:lnRef>
+          <a:fillRef idx="1">
+            <a:schemeClr val="accent1"/>
+          </a:fillRef>
+          <a:effectRef idx="0">
+            <a:schemeClr val="accent1"/>
+          </a:effectRef>
+          <a:fontRef idx="minor">
+            <a:schemeClr val="lt1"/>
+          </a:fontRef>
+        </p:style>
+        <p:txBody>
+          <a:bodyPr rtlCol="0" anchor="ctr"/>
+          <a:lstStyle/>
+          <a:p>
+            <a:pPr algn="ctr"/>
+            <a:endParaRPr lang="it-IT"/>
+          </a:p>
+        </p:txBody>
+      </p:sp>
+      <p:sp>
+        <p:nvSpPr>
+          <p:cNvPr id="16" name="Ovale 15"/>
+          <p:cNvSpPr/>
+          <p:nvPr/>
+        </p:nvSpPr>
+        <p:spPr>
+          <a:xfrm>
+            <a:off x="3064858" y="2840305"/>
+            <a:ext cx="89012" cy="89012"/>
+          </a:xfrm>
+          <a:prstGeom prst="ellipse">
+            <a:avLst/>
+          </a:prstGeom>
+          <a:solidFill>
+            <a:srgbClr val="FF0000"/>
+          </a:solidFill>
+        </p:spPr>
+        <p:style>
+          <a:lnRef idx="2">
+            <a:schemeClr val="accent1">
+              <a:shade val="50000"/>
+            </a:schemeClr>
+          </a:lnRef>
+          <a:fillRef idx="1">
+            <a:schemeClr val="accent1"/>
+          </a:fillRef>
+          <a:effectRef idx="0">
+            <a:schemeClr val="accent1"/>
+          </a:effectRef>
+          <a:fontRef idx="minor">
+            <a:schemeClr val="lt1"/>
+          </a:fontRef>
+        </p:style>
+        <p:txBody>
+          <a:bodyPr rtlCol="0" anchor="ctr"/>
+          <a:lstStyle/>
+          <a:p>
+            <a:pPr algn="ctr"/>
+            <a:endParaRPr lang="it-IT"/>
+          </a:p>
+        </p:txBody>
+      </p:sp>
+      <p:sp>
+        <p:nvSpPr>
+          <p:cNvPr id="17" name="Ovale 16"/>
+          <p:cNvSpPr/>
+          <p:nvPr/>
+        </p:nvSpPr>
+        <p:spPr>
+          <a:xfrm>
+            <a:off x="3639395" y="2840305"/>
+            <a:ext cx="89012" cy="89012"/>
+          </a:xfrm>
+          <a:prstGeom prst="ellipse">
+            <a:avLst/>
+          </a:prstGeom>
+          <a:solidFill>
+            <a:srgbClr val="FF0000"/>
+          </a:solidFill>
+        </p:spPr>
+        <p:style>
+          <a:lnRef idx="2">
+            <a:schemeClr val="accent1">
+              <a:shade val="50000"/>
+            </a:schemeClr>
+          </a:lnRef>
+          <a:fillRef idx="1">
+            <a:schemeClr val="accent1"/>
+          </a:fillRef>
+          <a:effectRef idx="0">
+            <a:schemeClr val="accent1"/>
+          </a:effectRef>
+          <a:fontRef idx="minor">
+            <a:schemeClr val="lt1"/>
+          </a:fontRef>
+        </p:style>
+        <p:txBody>
+          <a:bodyPr rtlCol="0" anchor="ctr"/>
+          <a:lstStyle/>
+          <a:p>
+            <a:pPr algn="ctr"/>
+            <a:endParaRPr lang="it-IT"/>
+          </a:p>
+        </p:txBody>
+      </p:sp>
+      <p:sp>
+        <p:nvSpPr>
+          <p:cNvPr id="18" name="Ovale 17"/>
+          <p:cNvSpPr/>
+          <p:nvPr/>
+        </p:nvSpPr>
+        <p:spPr>
+          <a:xfrm>
+            <a:off x="3064858" y="3706152"/>
+            <a:ext cx="89012" cy="89012"/>
+          </a:xfrm>
+          <a:prstGeom prst="ellipse">
+            <a:avLst/>
+          </a:prstGeom>
+          <a:solidFill>
+            <a:srgbClr val="FF0000"/>
+          </a:solidFill>
+        </p:spPr>
+        <p:style>
+          <a:lnRef idx="2">
+            <a:schemeClr val="accent1">
+              <a:shade val="50000"/>
+            </a:schemeClr>
+          </a:lnRef>
+          <a:fillRef idx="1">
+            <a:schemeClr val="accent1"/>
+          </a:fillRef>
+          <a:effectRef idx="0">
+            <a:schemeClr val="accent1"/>
+          </a:effectRef>
+          <a:fontRef idx="minor">
+            <a:schemeClr val="lt1"/>
+          </a:fontRef>
+        </p:style>
+        <p:txBody>
+          <a:bodyPr rtlCol="0" anchor="ctr"/>
+          <a:lstStyle/>
+          <a:p>
+            <a:pPr algn="ctr"/>
+            <a:endParaRPr lang="it-IT"/>
+          </a:p>
+        </p:txBody>
+      </p:sp>
+      <p:sp>
+        <p:nvSpPr>
+          <p:cNvPr id="19" name="Ovale 18"/>
+          <p:cNvSpPr/>
+          <p:nvPr/>
+        </p:nvSpPr>
+        <p:spPr>
+          <a:xfrm>
+            <a:off x="3639395" y="3706152"/>
+            <a:ext cx="89012" cy="89012"/>
+          </a:xfrm>
+          <a:prstGeom prst="ellipse">
+            <a:avLst/>
+          </a:prstGeom>
+          <a:solidFill>
+            <a:srgbClr val="FF0000"/>
+          </a:solidFill>
+        </p:spPr>
+        <p:style>
+          <a:lnRef idx="2">
+            <a:schemeClr val="accent1">
+              <a:shade val="50000"/>
+            </a:schemeClr>
+          </a:lnRef>
+          <a:fillRef idx="1">
+            <a:schemeClr val="accent1"/>
+          </a:fillRef>
+          <a:effectRef idx="0">
+            <a:schemeClr val="accent1"/>
+          </a:effectRef>
+          <a:fontRef idx="minor">
+            <a:schemeClr val="lt1"/>
+          </a:fontRef>
+        </p:style>
+        <p:txBody>
+          <a:bodyPr rtlCol="0" anchor="ctr"/>
+          <a:lstStyle/>
+          <a:p>
+            <a:pPr algn="ctr"/>
+            <a:endParaRPr lang="it-IT"/>
+          </a:p>
+        </p:txBody>
+      </p:sp>
+      <p:sp>
+        <p:nvSpPr>
+          <p:cNvPr id="20" name="Ovale 19"/>
+          <p:cNvSpPr/>
+          <p:nvPr/>
+        </p:nvSpPr>
+        <p:spPr>
+          <a:xfrm>
+            <a:off x="2785684" y="2840305"/>
+            <a:ext cx="89012" cy="89012"/>
+          </a:xfrm>
+          <a:prstGeom prst="ellipse">
+            <a:avLst/>
+          </a:prstGeom>
+          <a:solidFill>
+            <a:schemeClr val="accent6"/>
+          </a:solidFill>
+        </p:spPr>
+        <p:style>
+          <a:lnRef idx="2">
+            <a:schemeClr val="accent1">
+              <a:shade val="50000"/>
+            </a:schemeClr>
+          </a:lnRef>
+          <a:fillRef idx="1">
+            <a:schemeClr val="accent1"/>
+          </a:fillRef>
+          <a:effectRef idx="0">
+            <a:schemeClr val="accent1"/>
+          </a:effectRef>
+          <a:fontRef idx="minor">
+            <a:schemeClr val="lt1"/>
+          </a:fontRef>
+        </p:style>
+        <p:txBody>
+          <a:bodyPr rtlCol="0" anchor="ctr"/>
+          <a:lstStyle/>
+          <a:p>
+            <a:pPr algn="ctr"/>
+            <a:endParaRPr lang="it-IT"/>
+          </a:p>
+        </p:txBody>
+      </p:sp>
+      <p:sp>
+        <p:nvSpPr>
+          <p:cNvPr id="21" name="Ovale 20"/>
+          <p:cNvSpPr/>
+          <p:nvPr/>
+        </p:nvSpPr>
+        <p:spPr>
+          <a:xfrm>
+            <a:off x="2785684" y="3706152"/>
+            <a:ext cx="89012" cy="89012"/>
+          </a:xfrm>
+          <a:prstGeom prst="ellipse">
+            <a:avLst/>
+          </a:prstGeom>
+          <a:solidFill>
+            <a:schemeClr val="accent6"/>
+          </a:solidFill>
+        </p:spPr>
+        <p:style>
+          <a:lnRef idx="2">
+            <a:schemeClr val="accent1">
+              <a:shade val="50000"/>
+            </a:schemeClr>
+          </a:lnRef>
+          <a:fillRef idx="1">
+            <a:schemeClr val="accent1"/>
+          </a:fillRef>
+          <a:effectRef idx="0">
+            <a:schemeClr val="accent1"/>
+          </a:effectRef>
+          <a:fontRef idx="minor">
+            <a:schemeClr val="lt1"/>
+          </a:fontRef>
+        </p:style>
+        <p:txBody>
+          <a:bodyPr rtlCol="0" anchor="ctr"/>
+          <a:lstStyle/>
+          <a:p>
+            <a:pPr algn="ctr"/>
+            <a:endParaRPr lang="it-IT"/>
+          </a:p>
+        </p:txBody>
+      </p:sp>
+      <p:sp>
+        <p:nvSpPr>
+          <p:cNvPr id="22" name="Ovale 21"/>
+          <p:cNvSpPr/>
+          <p:nvPr/>
+        </p:nvSpPr>
+        <p:spPr>
+          <a:xfrm>
+            <a:off x="3942843" y="2840305"/>
+            <a:ext cx="89012" cy="89012"/>
+          </a:xfrm>
+          <a:prstGeom prst="ellipse">
+            <a:avLst/>
+          </a:prstGeom>
+          <a:solidFill>
+            <a:schemeClr val="accent6"/>
+          </a:solidFill>
+        </p:spPr>
+        <p:style>
+          <a:lnRef idx="2">
+            <a:schemeClr val="accent1">
+              <a:shade val="50000"/>
+            </a:schemeClr>
+          </a:lnRef>
+          <a:fillRef idx="1">
+            <a:schemeClr val="accent1"/>
+          </a:fillRef>
+          <a:effectRef idx="0">
+            <a:schemeClr val="accent1"/>
+          </a:effectRef>
+          <a:fontRef idx="minor">
+            <a:schemeClr val="lt1"/>
+          </a:fontRef>
+        </p:style>
+        <p:txBody>
+          <a:bodyPr rtlCol="0" anchor="ctr"/>
+          <a:lstStyle/>
+          <a:p>
+            <a:pPr algn="ctr"/>
+            <a:endParaRPr lang="it-IT"/>
+          </a:p>
+        </p:txBody>
+      </p:sp>
+      <p:sp>
+        <p:nvSpPr>
+          <p:cNvPr id="23" name="Ovale 22"/>
+          <p:cNvSpPr/>
+          <p:nvPr/>
+        </p:nvSpPr>
+        <p:spPr>
+          <a:xfrm>
+            <a:off x="3942843" y="3706152"/>
+            <a:ext cx="89012" cy="89012"/>
+          </a:xfrm>
+          <a:prstGeom prst="ellipse">
+            <a:avLst/>
+          </a:prstGeom>
+          <a:solidFill>
+            <a:schemeClr val="accent6"/>
+          </a:solidFill>
+        </p:spPr>
+        <p:style>
+          <a:lnRef idx="2">
+            <a:schemeClr val="accent1">
+              <a:shade val="50000"/>
+            </a:schemeClr>
+          </a:lnRef>
+          <a:fillRef idx="1">
+            <a:schemeClr val="accent1"/>
+          </a:fillRef>
+          <a:effectRef idx="0">
+            <a:schemeClr val="accent1"/>
+          </a:effectRef>
+          <a:fontRef idx="minor">
+            <a:schemeClr val="lt1"/>
+          </a:fontRef>
+        </p:style>
+        <p:txBody>
+          <a:bodyPr rtlCol="0" anchor="ctr"/>
+          <a:lstStyle/>
+          <a:p>
+            <a:pPr algn="ctr"/>
+            <a:endParaRPr lang="it-IT"/>
+          </a:p>
+        </p:txBody>
+      </p:sp>
+      <p:sp>
+        <p:nvSpPr>
+          <p:cNvPr id="25" name="Callout 2 24"/>
+          <p:cNvSpPr/>
+          <p:nvPr/>
+        </p:nvSpPr>
+        <p:spPr>
+          <a:xfrm>
+            <a:off x="4685288" y="2840305"/>
+            <a:ext cx="1097144" cy="250853"/>
+          </a:xfrm>
+          <a:prstGeom prst="borderCallout2">
+            <a:avLst>
+              <a:gd name="adj1" fmla="val 18750"/>
+              <a:gd name="adj2" fmla="val 695"/>
+              <a:gd name="adj3" fmla="val 18750"/>
+              <a:gd name="adj4" fmla="val -16667"/>
+              <a:gd name="adj5" fmla="val 17578"/>
+              <a:gd name="adj6" fmla="val -58301"/>
+            </a:avLst>
+          </a:prstGeom>
+          <a:solidFill>
+            <a:schemeClr val="bg1"/>
+          </a:solidFill>
+        </p:spPr>
+        <p:style>
+          <a:lnRef idx="2">
+            <a:schemeClr val="accent1">
+              <a:shade val="50000"/>
+            </a:schemeClr>
+          </a:lnRef>
+          <a:fillRef idx="1">
+            <a:schemeClr val="accent1"/>
+          </a:fillRef>
+          <a:effectRef idx="0">
+            <a:schemeClr val="accent1"/>
+          </a:effectRef>
+          <a:fontRef idx="minor">
+            <a:schemeClr val="lt1"/>
+          </a:fontRef>
+        </p:style>
+        <p:txBody>
+          <a:bodyPr rtlCol="0" anchor="ctr"/>
+          <a:lstStyle/>
+          <a:p>
+            <a:pPr algn="ctr"/>
+            <a:r>
+              <a:rPr lang="it-IT" sz="1200" dirty="0">
+                <a:solidFill>
+                  <a:sysClr val="windowText" lastClr="000000"/>
+                </a:solidFill>
+              </a:rPr>
+              <a:t>sensore sedia</a:t>
+            </a:r>
+          </a:p>
+        </p:txBody>
+      </p:sp>
+      <p:sp>
+        <p:nvSpPr>
+          <p:cNvPr id="26" name="Callout 2 25"/>
+          <p:cNvSpPr/>
+          <p:nvPr/>
+        </p:nvSpPr>
+        <p:spPr>
+          <a:xfrm>
+            <a:off x="4696753" y="2480208"/>
+            <a:ext cx="1097144" cy="250853"/>
+          </a:xfrm>
+          <a:prstGeom prst="borderCallout2">
+            <a:avLst>
+              <a:gd name="adj1" fmla="val 18750"/>
+              <a:gd name="adj2" fmla="val 695"/>
+              <a:gd name="adj3" fmla="val 18750"/>
+              <a:gd name="adj4" fmla="val -35417"/>
+              <a:gd name="adj5" fmla="val 156288"/>
+              <a:gd name="adj6" fmla="val -95539"/>
+            </a:avLst>
+          </a:prstGeom>
+          <a:solidFill>
+            <a:schemeClr val="bg1"/>
+          </a:solidFill>
+        </p:spPr>
+        <p:style>
+          <a:lnRef idx="2">
+            <a:schemeClr val="accent1">
+              <a:shade val="50000"/>
+            </a:schemeClr>
+          </a:lnRef>
+          <a:fillRef idx="1">
+            <a:schemeClr val="accent1"/>
+          </a:fillRef>
+          <a:effectRef idx="0">
+            <a:schemeClr val="accent1"/>
+          </a:effectRef>
+          <a:fontRef idx="minor">
+            <a:schemeClr val="lt1"/>
+          </a:fontRef>
+        </p:style>
+        <p:txBody>
+          <a:bodyPr rtlCol="0" anchor="ctr"/>
+          <a:lstStyle/>
+          <a:p>
+            <a:pPr algn="ctr"/>
+            <a:r>
+              <a:rPr lang="it-IT" sz="1200" dirty="0">
+                <a:solidFill>
+                  <a:sysClr val="windowText" lastClr="000000"/>
+                </a:solidFill>
+              </a:rPr>
+              <a:t>sensore tavolo</a:t>
+            </a:r>
+          </a:p>
+        </p:txBody>
+      </p:sp>
+      <p:pic>
+        <p:nvPicPr>
+          <p:cNvPr id="27" name="Immagine 26"/>
+          <p:cNvPicPr>
+            <a:picLocks noChangeAspect="1"/>
+          </p:cNvPicPr>
+          <p:nvPr/>
+        </p:nvPicPr>
+        <p:blipFill rotWithShape="1">
+          <a:blip r:embed="rId2"/>
+          <a:srcRect l="2201" t="1668" r="4600" b="5443"/>
+          <a:stretch/>
+        </p:blipFill>
+        <p:spPr>
+          <a:xfrm>
+            <a:off x="4689446" y="5058561"/>
+            <a:ext cx="1937857" cy="1409351"/>
+          </a:xfrm>
+          <a:prstGeom prst="rect">
+            <a:avLst/>
+          </a:prstGeom>
+        </p:spPr>
+      </p:pic>
+      <p:pic>
+        <p:nvPicPr>
+          <p:cNvPr id="28" name="Immagine 27"/>
+          <p:cNvPicPr>
+            <a:picLocks noChangeAspect="1"/>
+          </p:cNvPicPr>
+          <p:nvPr/>
+        </p:nvPicPr>
+        <p:blipFill>
+          <a:blip r:embed="rId3" cstate="print">
+            <a:extLst>
+              <a:ext uri="{28A0092B-C50C-407E-A947-70E740481C1C}">
+                <a14:useLocalDpi xmlns:a14="http://schemas.microsoft.com/office/drawing/2010/main" val="0"/>
+              </a:ext>
+            </a:extLst>
+          </a:blip>
+          <a:stretch>
+            <a:fillRect/>
+          </a:stretch>
+        </p:blipFill>
+        <p:spPr>
+          <a:xfrm>
+            <a:off x="9217825" y="4741934"/>
+            <a:ext cx="1349200" cy="1908495"/>
+          </a:xfrm>
+          <a:prstGeom prst="rect">
+            <a:avLst/>
+          </a:prstGeom>
+        </p:spPr>
+      </p:pic>
+      <p:sp>
+        <p:nvSpPr>
+          <p:cNvPr id="29" name="Freccia a destra rientrata 28"/>
+          <p:cNvSpPr/>
+          <p:nvPr/>
+        </p:nvSpPr>
+        <p:spPr>
+          <a:xfrm rot="3991473">
+            <a:off x="3281198" y="3956473"/>
+            <a:ext cx="2239224" cy="209724"/>
+          </a:xfrm>
+          <a:prstGeom prst="notchedRightArrow">
+            <a:avLst>
+              <a:gd name="adj1" fmla="val 25095"/>
+              <a:gd name="adj2" fmla="val 50000"/>
+            </a:avLst>
+          </a:prstGeom>
+          <a:solidFill>
+            <a:schemeClr val="accent1">
+              <a:lumMod val="20000"/>
+              <a:lumOff val="80000"/>
+            </a:schemeClr>
+          </a:solidFill>
+        </p:spPr>
+        <p:style>
+          <a:lnRef idx="2">
+            <a:schemeClr val="accent1">
+              <a:shade val="50000"/>
+            </a:schemeClr>
+          </a:lnRef>
+          <a:fillRef idx="1">
+            <a:schemeClr val="accent1"/>
+          </a:fillRef>
+          <a:effectRef idx="0">
+            <a:schemeClr val="accent1"/>
+          </a:effectRef>
+          <a:fontRef idx="minor">
+            <a:schemeClr val="lt1"/>
+          </a:fontRef>
+        </p:style>
+        <p:txBody>
+          <a:bodyPr rtlCol="0" anchor="ctr"/>
+          <a:lstStyle/>
+          <a:p>
+            <a:pPr algn="ctr"/>
+            <a:endParaRPr lang="it-IT"/>
+          </a:p>
+        </p:txBody>
+      </p:sp>
+      <p:sp>
+        <p:nvSpPr>
+          <p:cNvPr id="31" name="Freccia bidirezionale orizzontale 30"/>
+          <p:cNvSpPr/>
+          <p:nvPr/>
+        </p:nvSpPr>
+        <p:spPr>
+          <a:xfrm>
+            <a:off x="6694416" y="5591319"/>
+            <a:ext cx="2583288" cy="222252"/>
+          </a:xfrm>
+          <a:prstGeom prst="leftRightArrow">
+            <a:avLst>
+              <a:gd name="adj1" fmla="val 27353"/>
+              <a:gd name="adj2" fmla="val 50000"/>
+            </a:avLst>
+          </a:prstGeom>
+          <a:solidFill>
+            <a:schemeClr val="accent1">
+              <a:lumMod val="20000"/>
+              <a:lumOff val="80000"/>
+            </a:schemeClr>
+          </a:solidFill>
+        </p:spPr>
+        <p:style>
+          <a:lnRef idx="2">
+            <a:schemeClr val="accent1">
+              <a:shade val="50000"/>
+            </a:schemeClr>
+          </a:lnRef>
+          <a:fillRef idx="1">
+            <a:schemeClr val="accent1"/>
+          </a:fillRef>
+          <a:effectRef idx="0">
+            <a:schemeClr val="accent1"/>
+          </a:effectRef>
+          <a:fontRef idx="minor">
+            <a:schemeClr val="lt1"/>
+          </a:fontRef>
+        </p:style>
+        <p:txBody>
+          <a:bodyPr rtlCol="0" anchor="ctr"/>
+          <a:lstStyle/>
+          <a:p>
+            <a:pPr algn="ctr"/>
+            <a:endParaRPr lang="it-IT"/>
+          </a:p>
+        </p:txBody>
+      </p:sp>
+      <p:sp>
+        <p:nvSpPr>
+          <p:cNvPr id="32" name="Rettangolo 31"/>
+          <p:cNvSpPr/>
+          <p:nvPr/>
+        </p:nvSpPr>
+        <p:spPr>
+          <a:xfrm>
+            <a:off x="5992824" y="2152482"/>
+            <a:ext cx="3636696" cy="2589452"/>
+          </a:xfrm>
+          <a:prstGeom prst="rect">
+            <a:avLst/>
+          </a:prstGeom>
+          <a:solidFill>
+            <a:schemeClr val="bg1"/>
+          </a:solidFill>
+        </p:spPr>
+        <p:style>
+          <a:lnRef idx="2">
+            <a:schemeClr val="accent1">
+              <a:shade val="50000"/>
+            </a:schemeClr>
+          </a:lnRef>
+          <a:fillRef idx="1">
+            <a:schemeClr val="accent1"/>
+          </a:fillRef>
+          <a:effectRef idx="0">
+            <a:schemeClr val="accent1"/>
+          </a:effectRef>
+          <a:fontRef idx="minor">
+            <a:schemeClr val="lt1"/>
+          </a:fontRef>
+        </p:style>
+        <p:txBody>
+          <a:bodyPr rtlCol="0" anchor="ctr"/>
+          <a:lstStyle/>
+          <a:p>
+            <a:pPr algn="ctr"/>
+            <a:endParaRPr lang="it-IT"/>
+          </a:p>
+        </p:txBody>
+      </p:sp>
+      <p:sp>
+        <p:nvSpPr>
+          <p:cNvPr id="33" name="Rettangolo 32"/>
+          <p:cNvSpPr/>
+          <p:nvPr/>
+        </p:nvSpPr>
+        <p:spPr>
+          <a:xfrm>
+            <a:off x="6433166" y="2605635"/>
+            <a:ext cx="882031" cy="1383738"/>
+          </a:xfrm>
+          <a:prstGeom prst="rect">
+            <a:avLst/>
+          </a:prstGeom>
+        </p:spPr>
+        <p:style>
+          <a:lnRef idx="2">
+            <a:schemeClr val="accent1">
+              <a:shade val="50000"/>
+            </a:schemeClr>
+          </a:lnRef>
+          <a:fillRef idx="1">
+            <a:schemeClr val="accent1"/>
+          </a:fillRef>
+          <a:effectRef idx="0">
+            <a:schemeClr val="accent1"/>
+          </a:effectRef>
+          <a:fontRef idx="minor">
+            <a:schemeClr val="lt1"/>
+          </a:fontRef>
+        </p:style>
+        <p:txBody>
+          <a:bodyPr rtlCol="0" anchor="ctr"/>
+          <a:lstStyle/>
+          <a:p>
+            <a:pPr algn="ctr"/>
+            <a:endParaRPr lang="it-IT"/>
+          </a:p>
+        </p:txBody>
+      </p:sp>
+      <p:sp>
+        <p:nvSpPr>
+          <p:cNvPr id="34" name="Ovale 33"/>
+          <p:cNvSpPr/>
+          <p:nvPr/>
+        </p:nvSpPr>
+        <p:spPr>
+          <a:xfrm>
+            <a:off x="6530270" y="2840305"/>
+            <a:ext cx="89012" cy="89012"/>
+          </a:xfrm>
+          <a:prstGeom prst="ellipse">
+            <a:avLst/>
+          </a:prstGeom>
+          <a:solidFill>
+            <a:srgbClr val="FF0000"/>
+          </a:solidFill>
+        </p:spPr>
+        <p:style>
+          <a:lnRef idx="2">
+            <a:schemeClr val="accent1">
+              <a:shade val="50000"/>
+            </a:schemeClr>
+          </a:lnRef>
+          <a:fillRef idx="1">
+            <a:schemeClr val="accent1"/>
+          </a:fillRef>
+          <a:effectRef idx="0">
+            <a:schemeClr val="accent1"/>
+          </a:effectRef>
+          <a:fontRef idx="minor">
+            <a:schemeClr val="lt1"/>
+          </a:fontRef>
+        </p:style>
+        <p:txBody>
+          <a:bodyPr rtlCol="0" anchor="ctr"/>
+          <a:lstStyle/>
+          <a:p>
+            <a:pPr algn="ctr"/>
+            <a:endParaRPr lang="it-IT"/>
+          </a:p>
+        </p:txBody>
+      </p:sp>
+      <p:sp>
+        <p:nvSpPr>
+          <p:cNvPr id="35" name="Ovale 34"/>
+          <p:cNvSpPr/>
+          <p:nvPr/>
+        </p:nvSpPr>
+        <p:spPr>
+          <a:xfrm>
+            <a:off x="7104807" y="2840305"/>
+            <a:ext cx="89012" cy="89012"/>
+          </a:xfrm>
+          <a:prstGeom prst="ellipse">
+            <a:avLst/>
+          </a:prstGeom>
+          <a:solidFill>
+            <a:srgbClr val="FF0000"/>
+          </a:solidFill>
+        </p:spPr>
+        <p:style>
+          <a:lnRef idx="2">
+            <a:schemeClr val="accent1">
+              <a:shade val="50000"/>
+            </a:schemeClr>
+          </a:lnRef>
+          <a:fillRef idx="1">
+            <a:schemeClr val="accent1"/>
+          </a:fillRef>
+          <a:effectRef idx="0">
+            <a:schemeClr val="accent1"/>
+          </a:effectRef>
+          <a:fontRef idx="minor">
+            <a:schemeClr val="lt1"/>
+          </a:fontRef>
+        </p:style>
+        <p:txBody>
+          <a:bodyPr rtlCol="0" anchor="ctr"/>
+          <a:lstStyle/>
+          <a:p>
+            <a:pPr algn="ctr"/>
+            <a:endParaRPr lang="it-IT"/>
+          </a:p>
+        </p:txBody>
+      </p:sp>
+      <p:sp>
+        <p:nvSpPr>
+          <p:cNvPr id="36" name="Ovale 35"/>
+          <p:cNvSpPr/>
+          <p:nvPr/>
+        </p:nvSpPr>
+        <p:spPr>
+          <a:xfrm>
+            <a:off x="6530270" y="3706152"/>
+            <a:ext cx="89012" cy="89012"/>
+          </a:xfrm>
+          <a:prstGeom prst="ellipse">
+            <a:avLst/>
+          </a:prstGeom>
+          <a:solidFill>
+            <a:srgbClr val="FF0000"/>
+          </a:solidFill>
+        </p:spPr>
+        <p:style>
+          <a:lnRef idx="2">
+            <a:schemeClr val="accent1">
+              <a:shade val="50000"/>
+            </a:schemeClr>
+          </a:lnRef>
+          <a:fillRef idx="1">
+            <a:schemeClr val="accent1"/>
+          </a:fillRef>
+          <a:effectRef idx="0">
+            <a:schemeClr val="accent1"/>
+          </a:effectRef>
+          <a:fontRef idx="minor">
+            <a:schemeClr val="lt1"/>
+          </a:fontRef>
+        </p:style>
+        <p:txBody>
+          <a:bodyPr rtlCol="0" anchor="ctr"/>
+          <a:lstStyle/>
+          <a:p>
+            <a:pPr algn="ctr"/>
+            <a:endParaRPr lang="it-IT"/>
+          </a:p>
+        </p:txBody>
+      </p:sp>
+      <p:sp>
+        <p:nvSpPr>
+          <p:cNvPr id="37" name="Ovale 36"/>
+          <p:cNvSpPr/>
+          <p:nvPr/>
+        </p:nvSpPr>
+        <p:spPr>
+          <a:xfrm>
+            <a:off x="7104807" y="3706152"/>
+            <a:ext cx="89012" cy="89012"/>
+          </a:xfrm>
+          <a:prstGeom prst="ellipse">
+            <a:avLst/>
+          </a:prstGeom>
+          <a:solidFill>
+            <a:srgbClr val="FF0000"/>
+          </a:solidFill>
+        </p:spPr>
+        <p:style>
+          <a:lnRef idx="2">
+            <a:schemeClr val="accent1">
+              <a:shade val="50000"/>
+            </a:schemeClr>
+          </a:lnRef>
+          <a:fillRef idx="1">
+            <a:schemeClr val="accent1"/>
+          </a:fillRef>
+          <a:effectRef idx="0">
+            <a:schemeClr val="accent1"/>
+          </a:effectRef>
+          <a:fontRef idx="minor">
+            <a:schemeClr val="lt1"/>
+          </a:fontRef>
+        </p:style>
+        <p:txBody>
+          <a:bodyPr rtlCol="0" anchor="ctr"/>
+          <a:lstStyle/>
+          <a:p>
+            <a:pPr algn="ctr"/>
+            <a:endParaRPr lang="it-IT"/>
+          </a:p>
+        </p:txBody>
+      </p:sp>
+      <p:sp>
+        <p:nvSpPr>
+          <p:cNvPr id="38" name="Ovale 37"/>
+          <p:cNvSpPr/>
+          <p:nvPr/>
+        </p:nvSpPr>
+        <p:spPr>
+          <a:xfrm>
+            <a:off x="6251096" y="2840305"/>
+            <a:ext cx="89012" cy="89012"/>
+          </a:xfrm>
+          <a:prstGeom prst="ellipse">
+            <a:avLst/>
+          </a:prstGeom>
+          <a:solidFill>
+            <a:schemeClr val="accent6"/>
+          </a:solidFill>
+        </p:spPr>
+        <p:style>
+          <a:lnRef idx="2">
+            <a:schemeClr val="accent1">
+              <a:shade val="50000"/>
+            </a:schemeClr>
+          </a:lnRef>
+          <a:fillRef idx="1">
+            <a:schemeClr val="accent1"/>
+          </a:fillRef>
+          <a:effectRef idx="0">
+            <a:schemeClr val="accent1"/>
+          </a:effectRef>
+          <a:fontRef idx="minor">
+            <a:schemeClr val="lt1"/>
+          </a:fontRef>
+        </p:style>
+        <p:txBody>
+          <a:bodyPr rtlCol="0" anchor="ctr"/>
+          <a:lstStyle/>
+          <a:p>
+            <a:pPr algn="ctr"/>
+            <a:endParaRPr lang="it-IT"/>
+          </a:p>
+        </p:txBody>
+      </p:sp>
+      <p:sp>
+        <p:nvSpPr>
+          <p:cNvPr id="39" name="Ovale 38"/>
+          <p:cNvSpPr/>
+          <p:nvPr/>
+        </p:nvSpPr>
+        <p:spPr>
+          <a:xfrm>
+            <a:off x="6251096" y="3706152"/>
+            <a:ext cx="89012" cy="89012"/>
+          </a:xfrm>
+          <a:prstGeom prst="ellipse">
+            <a:avLst/>
+          </a:prstGeom>
+          <a:solidFill>
+            <a:schemeClr val="accent6"/>
+          </a:solidFill>
+        </p:spPr>
+        <p:style>
+          <a:lnRef idx="2">
+            <a:schemeClr val="accent1">
+              <a:shade val="50000"/>
+            </a:schemeClr>
+          </a:lnRef>
+          <a:fillRef idx="1">
+            <a:schemeClr val="accent1"/>
+          </a:fillRef>
+          <a:effectRef idx="0">
+            <a:schemeClr val="accent1"/>
+          </a:effectRef>
+          <a:fontRef idx="minor">
+            <a:schemeClr val="lt1"/>
+          </a:fontRef>
+        </p:style>
+        <p:txBody>
+          <a:bodyPr rtlCol="0" anchor="ctr"/>
+          <a:lstStyle/>
+          <a:p>
+            <a:pPr algn="ctr"/>
+            <a:endParaRPr lang="it-IT"/>
+          </a:p>
+        </p:txBody>
+      </p:sp>
+      <p:sp>
+        <p:nvSpPr>
+          <p:cNvPr id="40" name="Ovale 39"/>
+          <p:cNvSpPr/>
+          <p:nvPr/>
+        </p:nvSpPr>
+        <p:spPr>
+          <a:xfrm>
+            <a:off x="7408255" y="2840305"/>
+            <a:ext cx="89012" cy="89012"/>
+          </a:xfrm>
+          <a:prstGeom prst="ellipse">
+            <a:avLst/>
+          </a:prstGeom>
+          <a:solidFill>
+            <a:schemeClr val="accent6"/>
+          </a:solidFill>
+        </p:spPr>
+        <p:style>
+          <a:lnRef idx="2">
+            <a:schemeClr val="accent1">
+              <a:shade val="50000"/>
+            </a:schemeClr>
+          </a:lnRef>
+          <a:fillRef idx="1">
+            <a:schemeClr val="accent1"/>
+          </a:fillRef>
+          <a:effectRef idx="0">
+            <a:schemeClr val="accent1"/>
+          </a:effectRef>
+          <a:fontRef idx="minor">
+            <a:schemeClr val="lt1"/>
+          </a:fontRef>
+        </p:style>
+        <p:txBody>
+          <a:bodyPr rtlCol="0" anchor="ctr"/>
+          <a:lstStyle/>
+          <a:p>
+            <a:pPr algn="ctr"/>
+            <a:endParaRPr lang="it-IT"/>
+          </a:p>
+        </p:txBody>
+      </p:sp>
+      <p:sp>
+        <p:nvSpPr>
+          <p:cNvPr id="41" name="Ovale 40"/>
+          <p:cNvSpPr/>
+          <p:nvPr/>
+        </p:nvSpPr>
+        <p:spPr>
+          <a:xfrm>
+            <a:off x="7408255" y="3706152"/>
+            <a:ext cx="89012" cy="89012"/>
+          </a:xfrm>
+          <a:prstGeom prst="ellipse">
+            <a:avLst/>
+          </a:prstGeom>
+          <a:solidFill>
+            <a:schemeClr val="accent6"/>
+          </a:solidFill>
+        </p:spPr>
+        <p:style>
+          <a:lnRef idx="2">
+            <a:schemeClr val="accent1">
+              <a:shade val="50000"/>
+            </a:schemeClr>
+          </a:lnRef>
+          <a:fillRef idx="1">
+            <a:schemeClr val="accent1"/>
+          </a:fillRef>
+          <a:effectRef idx="0">
+            <a:schemeClr val="accent1"/>
+          </a:effectRef>
+          <a:fontRef idx="minor">
+            <a:schemeClr val="lt1"/>
+          </a:fontRef>
+        </p:style>
+        <p:txBody>
+          <a:bodyPr rtlCol="0" anchor="ctr"/>
+          <a:lstStyle/>
+          <a:p>
+            <a:pPr algn="ctr"/>
+            <a:endParaRPr lang="it-IT"/>
+          </a:p>
+        </p:txBody>
+      </p:sp>
+      <p:sp>
+        <p:nvSpPr>
+          <p:cNvPr id="42" name="Rettangolo 41"/>
+          <p:cNvSpPr/>
+          <p:nvPr/>
+        </p:nvSpPr>
+        <p:spPr>
+          <a:xfrm>
+            <a:off x="8122378" y="2605635"/>
+            <a:ext cx="882031" cy="1383738"/>
+          </a:xfrm>
+          <a:prstGeom prst="rect">
+            <a:avLst/>
+          </a:prstGeom>
+        </p:spPr>
+        <p:style>
+          <a:lnRef idx="2">
+            <a:schemeClr val="accent1">
+              <a:shade val="50000"/>
+            </a:schemeClr>
+          </a:lnRef>
+          <a:fillRef idx="1">
+            <a:schemeClr val="accent1"/>
+          </a:fillRef>
+          <a:effectRef idx="0">
+            <a:schemeClr val="accent1"/>
+          </a:effectRef>
+          <a:fontRef idx="minor">
+            <a:schemeClr val="lt1"/>
+          </a:fontRef>
+        </p:style>
+        <p:txBody>
+          <a:bodyPr rtlCol="0" anchor="ctr"/>
+          <a:lstStyle/>
+          <a:p>
+            <a:pPr algn="ctr"/>
+            <a:endParaRPr lang="it-IT"/>
+          </a:p>
+        </p:txBody>
+      </p:sp>
+      <p:sp>
+        <p:nvSpPr>
+          <p:cNvPr id="43" name="Ovale 42"/>
+          <p:cNvSpPr/>
+          <p:nvPr/>
+        </p:nvSpPr>
+        <p:spPr>
+          <a:xfrm>
+            <a:off x="8219482" y="2840305"/>
+            <a:ext cx="89012" cy="89012"/>
+          </a:xfrm>
+          <a:prstGeom prst="ellipse">
+            <a:avLst/>
+          </a:prstGeom>
+          <a:solidFill>
+            <a:srgbClr val="FF0000"/>
+          </a:solidFill>
+        </p:spPr>
+        <p:style>
+          <a:lnRef idx="2">
+            <a:schemeClr val="accent1">
+              <a:shade val="50000"/>
+            </a:schemeClr>
+          </a:lnRef>
+          <a:fillRef idx="1">
+            <a:schemeClr val="accent1"/>
+          </a:fillRef>
+          <a:effectRef idx="0">
+            <a:schemeClr val="accent1"/>
+          </a:effectRef>
+          <a:fontRef idx="minor">
+            <a:schemeClr val="lt1"/>
+          </a:fontRef>
+        </p:style>
+        <p:txBody>
+          <a:bodyPr rtlCol="0" anchor="ctr"/>
+          <a:lstStyle/>
+          <a:p>
+            <a:pPr algn="ctr"/>
+            <a:endParaRPr lang="it-IT"/>
+          </a:p>
+        </p:txBody>
+      </p:sp>
+      <p:sp>
+        <p:nvSpPr>
+          <p:cNvPr id="44" name="Ovale 43"/>
+          <p:cNvSpPr/>
+          <p:nvPr/>
+        </p:nvSpPr>
+        <p:spPr>
+          <a:xfrm>
+            <a:off x="8794019" y="2840305"/>
+            <a:ext cx="89012" cy="89012"/>
+          </a:xfrm>
+          <a:prstGeom prst="ellipse">
+            <a:avLst/>
+          </a:prstGeom>
+          <a:solidFill>
+            <a:srgbClr val="FF0000"/>
+          </a:solidFill>
+        </p:spPr>
+        <p:style>
+          <a:lnRef idx="2">
+            <a:schemeClr val="accent1">
+              <a:shade val="50000"/>
+            </a:schemeClr>
+          </a:lnRef>
+          <a:fillRef idx="1">
+            <a:schemeClr val="accent1"/>
+          </a:fillRef>
+          <a:effectRef idx="0">
+            <a:schemeClr val="accent1"/>
+          </a:effectRef>
+          <a:fontRef idx="minor">
+            <a:schemeClr val="lt1"/>
+          </a:fontRef>
+        </p:style>
+        <p:txBody>
+          <a:bodyPr rtlCol="0" anchor="ctr"/>
+          <a:lstStyle/>
+          <a:p>
+            <a:pPr algn="ctr"/>
+            <a:endParaRPr lang="it-IT"/>
+          </a:p>
+        </p:txBody>
+      </p:sp>
+      <p:sp>
+        <p:nvSpPr>
+          <p:cNvPr id="45" name="Ovale 44"/>
+          <p:cNvSpPr/>
+          <p:nvPr/>
+        </p:nvSpPr>
+        <p:spPr>
+          <a:xfrm>
+            <a:off x="8219482" y="3706152"/>
+            <a:ext cx="89012" cy="89012"/>
+          </a:xfrm>
+          <a:prstGeom prst="ellipse">
+            <a:avLst/>
+          </a:prstGeom>
+          <a:solidFill>
+            <a:srgbClr val="FF0000"/>
+          </a:solidFill>
+        </p:spPr>
+        <p:style>
+          <a:lnRef idx="2">
+            <a:schemeClr val="accent1">
+              <a:shade val="50000"/>
+            </a:schemeClr>
+          </a:lnRef>
+          <a:fillRef idx="1">
+            <a:schemeClr val="accent1"/>
+          </a:fillRef>
+          <a:effectRef idx="0">
+            <a:schemeClr val="accent1"/>
+          </a:effectRef>
+          <a:fontRef idx="minor">
+            <a:schemeClr val="lt1"/>
+          </a:fontRef>
+        </p:style>
+        <p:txBody>
+          <a:bodyPr rtlCol="0" anchor="ctr"/>
+          <a:lstStyle/>
+          <a:p>
+            <a:pPr algn="ctr"/>
+            <a:endParaRPr lang="it-IT"/>
+          </a:p>
+        </p:txBody>
+      </p:sp>
+      <p:sp>
+        <p:nvSpPr>
+          <p:cNvPr id="46" name="Ovale 45"/>
+          <p:cNvSpPr/>
+          <p:nvPr/>
+        </p:nvSpPr>
+        <p:spPr>
+          <a:xfrm>
+            <a:off x="8794019" y="3706152"/>
+            <a:ext cx="89012" cy="89012"/>
+          </a:xfrm>
+          <a:prstGeom prst="ellipse">
+            <a:avLst/>
+          </a:prstGeom>
+          <a:solidFill>
+            <a:srgbClr val="FF0000"/>
+          </a:solidFill>
+        </p:spPr>
+        <p:style>
+          <a:lnRef idx="2">
+            <a:schemeClr val="accent1">
+              <a:shade val="50000"/>
+            </a:schemeClr>
+          </a:lnRef>
+          <a:fillRef idx="1">
+            <a:schemeClr val="accent1"/>
+          </a:fillRef>
+          <a:effectRef idx="0">
+            <a:schemeClr val="accent1"/>
+          </a:effectRef>
+          <a:fontRef idx="minor">
+            <a:schemeClr val="lt1"/>
+          </a:fontRef>
+        </p:style>
+        <p:txBody>
+          <a:bodyPr rtlCol="0" anchor="ctr"/>
+          <a:lstStyle/>
+          <a:p>
+            <a:pPr algn="ctr"/>
+            <a:endParaRPr lang="it-IT"/>
+          </a:p>
+        </p:txBody>
+      </p:sp>
+      <p:sp>
+        <p:nvSpPr>
+          <p:cNvPr id="47" name="Ovale 46"/>
+          <p:cNvSpPr/>
+          <p:nvPr/>
+        </p:nvSpPr>
+        <p:spPr>
+          <a:xfrm>
+            <a:off x="7940308" y="2840305"/>
+            <a:ext cx="89012" cy="89012"/>
+          </a:xfrm>
+          <a:prstGeom prst="ellipse">
+            <a:avLst/>
+          </a:prstGeom>
+          <a:solidFill>
+            <a:schemeClr val="accent6"/>
+          </a:solidFill>
+        </p:spPr>
+        <p:style>
+          <a:lnRef idx="2">
+            <a:schemeClr val="accent1">
+              <a:shade val="50000"/>
+            </a:schemeClr>
+          </a:lnRef>
+          <a:fillRef idx="1">
+            <a:schemeClr val="accent1"/>
+          </a:fillRef>
+          <a:effectRef idx="0">
+            <a:schemeClr val="accent1"/>
+          </a:effectRef>
+          <a:fontRef idx="minor">
+            <a:schemeClr val="lt1"/>
+          </a:fontRef>
+        </p:style>
+        <p:txBody>
+          <a:bodyPr rtlCol="0" anchor="ctr"/>
+          <a:lstStyle/>
+          <a:p>
+            <a:pPr algn="ctr"/>
+            <a:endParaRPr lang="it-IT"/>
+          </a:p>
+        </p:txBody>
+      </p:sp>
+      <p:sp>
+        <p:nvSpPr>
+          <p:cNvPr id="48" name="Ovale 47"/>
+          <p:cNvSpPr/>
+          <p:nvPr/>
+        </p:nvSpPr>
+        <p:spPr>
+          <a:xfrm>
+            <a:off x="7940308" y="3706152"/>
+            <a:ext cx="89012" cy="89012"/>
+          </a:xfrm>
+          <a:prstGeom prst="ellipse">
+            <a:avLst/>
+          </a:prstGeom>
+          <a:solidFill>
+            <a:schemeClr val="accent6"/>
+          </a:solidFill>
+        </p:spPr>
+        <p:style>
+          <a:lnRef idx="2">
+            <a:schemeClr val="accent1">
+              <a:shade val="50000"/>
+            </a:schemeClr>
+          </a:lnRef>
+          <a:fillRef idx="1">
+            <a:schemeClr val="accent1"/>
+          </a:fillRef>
+          <a:effectRef idx="0">
+            <a:schemeClr val="accent1"/>
+          </a:effectRef>
+          <a:fontRef idx="minor">
+            <a:schemeClr val="lt1"/>
+          </a:fontRef>
+        </p:style>
+        <p:txBody>
+          <a:bodyPr rtlCol="0" anchor="ctr"/>
+          <a:lstStyle/>
+          <a:p>
+            <a:pPr algn="ctr"/>
+            <a:endParaRPr lang="it-IT"/>
+          </a:p>
+        </p:txBody>
+      </p:sp>
+      <p:sp>
+        <p:nvSpPr>
+          <p:cNvPr id="49" name="Ovale 48"/>
+          <p:cNvSpPr/>
+          <p:nvPr/>
+        </p:nvSpPr>
+        <p:spPr>
+          <a:xfrm>
+            <a:off x="9097467" y="2840305"/>
+            <a:ext cx="89012" cy="89012"/>
+          </a:xfrm>
+          <a:prstGeom prst="ellipse">
+            <a:avLst/>
+          </a:prstGeom>
+          <a:solidFill>
+            <a:schemeClr val="accent6"/>
+          </a:solidFill>
+        </p:spPr>
+        <p:style>
+          <a:lnRef idx="2">
+            <a:schemeClr val="accent1">
+              <a:shade val="50000"/>
+            </a:schemeClr>
+          </a:lnRef>
+          <a:fillRef idx="1">
+            <a:schemeClr val="accent1"/>
+          </a:fillRef>
+          <a:effectRef idx="0">
+            <a:schemeClr val="accent1"/>
+          </a:effectRef>
+          <a:fontRef idx="minor">
+            <a:schemeClr val="lt1"/>
+          </a:fontRef>
+        </p:style>
+        <p:txBody>
+          <a:bodyPr rtlCol="0" anchor="ctr"/>
+          <a:lstStyle/>
+          <a:p>
+            <a:pPr algn="ctr"/>
+            <a:endParaRPr lang="it-IT"/>
+          </a:p>
+        </p:txBody>
+      </p:sp>
+      <p:sp>
+        <p:nvSpPr>
+          <p:cNvPr id="50" name="Ovale 49"/>
+          <p:cNvSpPr/>
+          <p:nvPr/>
+        </p:nvSpPr>
+        <p:spPr>
+          <a:xfrm>
+            <a:off x="9097467" y="3706152"/>
+            <a:ext cx="89012" cy="89012"/>
+          </a:xfrm>
+          <a:prstGeom prst="ellipse">
+            <a:avLst/>
+          </a:prstGeom>
+          <a:solidFill>
+            <a:schemeClr val="accent6"/>
+          </a:solidFill>
+        </p:spPr>
+        <p:style>
+          <a:lnRef idx="2">
+            <a:schemeClr val="accent1">
+              <a:shade val="50000"/>
+            </a:schemeClr>
+          </a:lnRef>
+          <a:fillRef idx="1">
+            <a:schemeClr val="accent1"/>
+          </a:fillRef>
+          <a:effectRef idx="0">
+            <a:schemeClr val="accent1"/>
+          </a:effectRef>
+          <a:fontRef idx="minor">
+            <a:schemeClr val="lt1"/>
+          </a:fontRef>
+        </p:style>
+        <p:txBody>
+          <a:bodyPr rtlCol="0" anchor="ctr"/>
+          <a:lstStyle/>
+          <a:p>
+            <a:pPr algn="ctr"/>
+            <a:endParaRPr lang="it-IT"/>
+          </a:p>
+        </p:txBody>
+      </p:sp>
+      <p:sp>
+        <p:nvSpPr>
+          <p:cNvPr id="51" name="Freccia a destra rientrata 50"/>
+          <p:cNvSpPr/>
+          <p:nvPr/>
+        </p:nvSpPr>
+        <p:spPr>
+          <a:xfrm rot="17046395" flipH="1">
+            <a:off x="4995508" y="3918788"/>
+            <a:ext cx="2161241" cy="209724"/>
+          </a:xfrm>
+          <a:prstGeom prst="notchedRightArrow">
+            <a:avLst>
+              <a:gd name="adj1" fmla="val 25095"/>
+              <a:gd name="adj2" fmla="val 50000"/>
+            </a:avLst>
+          </a:prstGeom>
+          <a:solidFill>
+            <a:schemeClr val="accent1">
+              <a:lumMod val="20000"/>
+              <a:lumOff val="80000"/>
+            </a:schemeClr>
+          </a:solidFill>
+        </p:spPr>
+        <p:style>
+          <a:lnRef idx="2">
+            <a:schemeClr val="accent1">
+              <a:shade val="50000"/>
+            </a:schemeClr>
+          </a:lnRef>
+          <a:fillRef idx="1">
+            <a:schemeClr val="accent1"/>
+          </a:fillRef>
+          <a:effectRef idx="0">
+            <a:schemeClr val="accent1"/>
+          </a:effectRef>
+          <a:fontRef idx="minor">
+            <a:schemeClr val="lt1"/>
+          </a:fontRef>
+        </p:style>
+        <p:txBody>
+          <a:bodyPr rtlCol="0" anchor="ctr"/>
+          <a:lstStyle/>
+          <a:p>
+            <a:pPr algn="ctr"/>
+            <a:endParaRPr lang="it-IT"/>
+          </a:p>
+        </p:txBody>
+      </p:sp>
+    </p:spTree>
+    <p:extLst>
+      <p:ext uri="{BB962C8B-B14F-4D97-AF65-F5344CB8AC3E}">
+        <p14:creationId xmlns:p14="http://schemas.microsoft.com/office/powerpoint/2010/main" val="1374969981"/>
+      </p:ext>
+    </p:extLst>
+  </p:cSld>
+  <p:clrMapOvr>
+    <a:masterClrMapping/>
+  </p:clrMapOvr>
+</p:sld>
+</file>
+
+<file path=ppt/slides/slide9.xml><?xml version="1.0" encoding="utf-8"?>
+<p:sld xmlns:a="http://schemas.openxmlformats.org/drawingml/2006/main" xmlns:r="http://schemas.openxmlformats.org/officeDocument/2006/relationships" xmlns:p="http://schemas.openxmlformats.org/presentationml/2006/main">
+  <p:cSld>
+    <p:spTree>
+      <p:nvGrpSpPr>
+        <p:cNvPr id="1" name=""/>
+        <p:cNvGrpSpPr/>
+        <p:nvPr/>
+      </p:nvGrpSpPr>
+      <p:grpSpPr>
+        <a:xfrm>
+          <a:off x="0" y="0"/>
+          <a:ext cx="0" cy="0"/>
+          <a:chOff x="0" y="0"/>
+          <a:chExt cx="0" cy="0"/>
+        </a:xfrm>
+      </p:grpSpPr>
+      <p:sp>
+        <p:nvSpPr>
+          <p:cNvPr id="6" name="Rectangle: Rounded Corners 5"/>
+          <p:cNvSpPr/>
+          <p:nvPr/>
+        </p:nvSpPr>
+        <p:spPr>
+          <a:xfrm>
+            <a:off x="5163610" y="1227121"/>
+            <a:ext cx="1881810" cy="516835"/>
+          </a:xfrm>
+          <a:prstGeom prst="roundRect">
+            <a:avLst/>
+          </a:prstGeom>
+        </p:spPr>
+        <p:style>
+          <a:lnRef idx="2">
+            <a:schemeClr val="accent1">
+              <a:shade val="50000"/>
+            </a:schemeClr>
+          </a:lnRef>
+          <a:fillRef idx="1">
+            <a:schemeClr val="accent1"/>
+          </a:fillRef>
+          <a:effectRef idx="0">
+            <a:schemeClr val="accent1"/>
+          </a:effectRef>
+          <a:fontRef idx="minor">
+            <a:schemeClr val="lt1"/>
+          </a:fontRef>
+        </p:style>
+        <p:txBody>
+          <a:bodyPr rtlCol="0" anchor="ctr"/>
+          <a:lstStyle/>
+          <a:p>
+            <a:pPr algn="ctr"/>
+            <a:r>
+              <a:rPr lang="it-IT" dirty="0"/>
+              <a:t>sr:Table</a:t>
+            </a:r>
+          </a:p>
+        </p:txBody>
+      </p:sp>
+      <p:sp>
+        <p:nvSpPr>
+          <p:cNvPr id="7" name="Rectangle: Rounded Corners 6"/>
+          <p:cNvSpPr/>
+          <p:nvPr/>
+        </p:nvSpPr>
+        <p:spPr>
+          <a:xfrm>
+            <a:off x="5163610" y="2193478"/>
+            <a:ext cx="1881810" cy="516835"/>
+          </a:xfrm>
+          <a:prstGeom prst="roundRect">
+            <a:avLst/>
+          </a:prstGeom>
+        </p:spPr>
+        <p:style>
+          <a:lnRef idx="2">
+            <a:schemeClr val="accent1">
+              <a:shade val="50000"/>
+            </a:schemeClr>
+          </a:lnRef>
+          <a:fillRef idx="1">
+            <a:schemeClr val="accent1"/>
+          </a:fillRef>
+          <a:effectRef idx="0">
+            <a:schemeClr val="accent1"/>
+          </a:effectRef>
+          <a:fontRef idx="minor">
+            <a:schemeClr val="lt1"/>
+          </a:fontRef>
+        </p:style>
+        <p:txBody>
+          <a:bodyPr rtlCol="0" anchor="ctr"/>
+          <a:lstStyle/>
+          <a:p>
+            <a:pPr algn="ctr"/>
+            <a:r>
+              <a:rPr lang="it-IT" dirty="0"/>
+              <a:t>sr:StudyRoom</a:t>
+            </a:r>
+          </a:p>
+        </p:txBody>
+      </p:sp>
+      <p:sp>
+        <p:nvSpPr>
+          <p:cNvPr id="8" name="Rectangle: Rounded Corners 7"/>
+          <p:cNvSpPr/>
+          <p:nvPr/>
+        </p:nvSpPr>
+        <p:spPr>
+          <a:xfrm>
+            <a:off x="5163610" y="260764"/>
+            <a:ext cx="1881810" cy="516835"/>
+          </a:xfrm>
+          <a:prstGeom prst="roundRect">
+            <a:avLst/>
+          </a:prstGeom>
+        </p:spPr>
+        <p:style>
+          <a:lnRef idx="2">
+            <a:schemeClr val="accent1">
+              <a:shade val="50000"/>
+            </a:schemeClr>
+          </a:lnRef>
+          <a:fillRef idx="1">
+            <a:schemeClr val="accent1"/>
+          </a:fillRef>
+          <a:effectRef idx="0">
+            <a:schemeClr val="accent1"/>
+          </a:effectRef>
+          <a:fontRef idx="minor">
+            <a:schemeClr val="lt1"/>
+          </a:fontRef>
+        </p:style>
+        <p:txBody>
+          <a:bodyPr rtlCol="0" anchor="ctr"/>
+          <a:lstStyle/>
+          <a:p>
+            <a:pPr algn="ctr"/>
+            <a:r>
+              <a:rPr lang="it-IT" dirty="0"/>
+              <a:t>sr:Seat</a:t>
+            </a:r>
+          </a:p>
+        </p:txBody>
+      </p:sp>
+      <p:sp>
+        <p:nvSpPr>
+          <p:cNvPr id="10" name="Rectangle: Rounded Corners 9"/>
+          <p:cNvSpPr/>
+          <p:nvPr/>
+        </p:nvSpPr>
+        <p:spPr>
+          <a:xfrm>
+            <a:off x="5163610" y="3159835"/>
+            <a:ext cx="1881810" cy="516835"/>
+          </a:xfrm>
+          <a:prstGeom prst="roundRect">
+            <a:avLst/>
+          </a:prstGeom>
+        </p:spPr>
+        <p:style>
+          <a:lnRef idx="2">
+            <a:schemeClr val="accent1">
+              <a:shade val="50000"/>
+            </a:schemeClr>
+          </a:lnRef>
+          <a:fillRef idx="1">
+            <a:schemeClr val="accent1"/>
+          </a:fillRef>
+          <a:effectRef idx="0">
+            <a:schemeClr val="accent1"/>
+          </a:effectRef>
+          <a:fontRef idx="minor">
+            <a:schemeClr val="lt1"/>
+          </a:fontRef>
+        </p:style>
+        <p:txBody>
+          <a:bodyPr rtlCol="0" anchor="ctr"/>
+          <a:lstStyle/>
+          <a:p>
+            <a:pPr algn="ctr"/>
+            <a:r>
+              <a:rPr lang="it-IT" dirty="0"/>
+              <a:t>sr:University</a:t>
+            </a:r>
+          </a:p>
+        </p:txBody>
+      </p:sp>
+      <p:sp>
+        <p:nvSpPr>
+          <p:cNvPr id="11" name="Rectangle: Rounded Corners 10"/>
+          <p:cNvSpPr/>
+          <p:nvPr/>
+        </p:nvSpPr>
+        <p:spPr>
+          <a:xfrm>
+            <a:off x="5163610" y="4126192"/>
+            <a:ext cx="1881810" cy="516835"/>
+          </a:xfrm>
+          <a:prstGeom prst="roundRect">
+            <a:avLst/>
+          </a:prstGeom>
+        </p:spPr>
+        <p:style>
+          <a:lnRef idx="2">
+            <a:schemeClr val="accent1">
+              <a:shade val="50000"/>
+            </a:schemeClr>
+          </a:lnRef>
+          <a:fillRef idx="1">
+            <a:schemeClr val="accent1"/>
+          </a:fillRef>
+          <a:effectRef idx="0">
+            <a:schemeClr val="accent1"/>
+          </a:effectRef>
+          <a:fontRef idx="minor">
+            <a:schemeClr val="lt1"/>
+          </a:fontRef>
+        </p:style>
+        <p:txBody>
+          <a:bodyPr rtlCol="0" anchor="ctr"/>
+          <a:lstStyle/>
+          <a:p>
+            <a:pPr algn="ctr"/>
+            <a:r>
+              <a:rPr lang="it-IT" dirty="0"/>
+              <a:t>sr:Feature</a:t>
+            </a:r>
+          </a:p>
+        </p:txBody>
+      </p:sp>
+      <p:sp>
+        <p:nvSpPr>
+          <p:cNvPr id="12" name="Rectangle: Rounded Corners 11"/>
+          <p:cNvSpPr/>
+          <p:nvPr/>
+        </p:nvSpPr>
+        <p:spPr>
+          <a:xfrm>
+            <a:off x="5163610" y="5092549"/>
+            <a:ext cx="1881810" cy="516835"/>
+          </a:xfrm>
+          <a:prstGeom prst="roundRect">
+            <a:avLst/>
+          </a:prstGeom>
+        </p:spPr>
+        <p:style>
+          <a:lnRef idx="2">
+            <a:schemeClr val="accent1">
+              <a:shade val="50000"/>
+            </a:schemeClr>
+          </a:lnRef>
+          <a:fillRef idx="1">
+            <a:schemeClr val="accent1"/>
+          </a:fillRef>
+          <a:effectRef idx="0">
+            <a:schemeClr val="accent1"/>
+          </a:effectRef>
+          <a:fontRef idx="minor">
+            <a:schemeClr val="lt1"/>
+          </a:fontRef>
+        </p:style>
+        <p:txBody>
+          <a:bodyPr rtlCol="0" anchor="ctr"/>
+          <a:lstStyle/>
+          <a:p>
+            <a:pPr algn="ctr"/>
+            <a:r>
+              <a:rPr lang="it-IT" dirty="0"/>
+              <a:t>locn:Address</a:t>
+            </a:r>
+          </a:p>
+        </p:txBody>
+      </p:sp>
+      <p:sp>
+        <p:nvSpPr>
+          <p:cNvPr id="13" name="Rectangle: Rounded Corners 12"/>
+          <p:cNvSpPr/>
+          <p:nvPr/>
+        </p:nvSpPr>
+        <p:spPr>
+          <a:xfrm>
+            <a:off x="5163610" y="6058908"/>
+            <a:ext cx="1881810" cy="516835"/>
+          </a:xfrm>
+          <a:prstGeom prst="roundRect">
+            <a:avLst/>
+          </a:prstGeom>
+        </p:spPr>
+        <p:style>
+          <a:lnRef idx="2">
+            <a:schemeClr val="accent1">
+              <a:shade val="50000"/>
+            </a:schemeClr>
+          </a:lnRef>
+          <a:fillRef idx="1">
+            <a:schemeClr val="accent1"/>
+          </a:fillRef>
+          <a:effectRef idx="0">
+            <a:schemeClr val="accent1"/>
+          </a:effectRef>
+          <a:fontRef idx="minor">
+            <a:schemeClr val="lt1"/>
+          </a:fontRef>
+        </p:style>
+        <p:txBody>
+          <a:bodyPr rtlCol="0" anchor="ctr"/>
+          <a:lstStyle/>
+          <a:p>
+            <a:pPr algn="ctr"/>
+            <a:r>
+              <a:rPr lang="it-IT" dirty="0"/>
+              <a:t>geo:_Geometry</a:t>
+            </a:r>
+          </a:p>
+        </p:txBody>
+      </p:sp>
+      <p:sp>
+        <p:nvSpPr>
+          <p:cNvPr id="15" name="Rectangle: Rounded Corners 14"/>
+          <p:cNvSpPr/>
+          <p:nvPr/>
+        </p:nvSpPr>
+        <p:spPr>
+          <a:xfrm>
+            <a:off x="2368935" y="3159835"/>
+            <a:ext cx="1882800" cy="516835"/>
+          </a:xfrm>
+          <a:prstGeom prst="roundRect">
+            <a:avLst/>
+          </a:prstGeom>
+        </p:spPr>
+        <p:style>
+          <a:lnRef idx="2">
+            <a:schemeClr val="accent1">
+              <a:shade val="50000"/>
+            </a:schemeClr>
+          </a:lnRef>
+          <a:fillRef idx="1">
+            <a:schemeClr val="accent1"/>
+          </a:fillRef>
+          <a:effectRef idx="0">
+            <a:schemeClr val="accent1"/>
+          </a:effectRef>
+          <a:fontRef idx="minor">
+            <a:schemeClr val="lt1"/>
+          </a:fontRef>
+        </p:style>
+        <p:txBody>
+          <a:bodyPr rtlCol="0" anchor="ctr"/>
+          <a:lstStyle/>
+          <a:p>
+            <a:pPr algn="ctr"/>
+            <a:r>
+              <a:rPr lang="it-IT" dirty="0"/>
+              <a:t>owl:Thing</a:t>
+            </a:r>
+          </a:p>
+        </p:txBody>
+      </p:sp>
+      <p:sp>
+        <p:nvSpPr>
+          <p:cNvPr id="16" name="Rectangle: Rounded Corners 15"/>
+          <p:cNvSpPr/>
+          <p:nvPr/>
+        </p:nvSpPr>
+        <p:spPr>
+          <a:xfrm>
+            <a:off x="7957295" y="6058907"/>
+            <a:ext cx="1881810" cy="516835"/>
+          </a:xfrm>
+          <a:prstGeom prst="roundRect">
+            <a:avLst/>
+          </a:prstGeom>
+        </p:spPr>
+        <p:style>
+          <a:lnRef idx="2">
+            <a:schemeClr val="accent1">
+              <a:shade val="50000"/>
+            </a:schemeClr>
+          </a:lnRef>
+          <a:fillRef idx="1">
+            <a:schemeClr val="accent1"/>
+          </a:fillRef>
+          <a:effectRef idx="0">
+            <a:schemeClr val="accent1"/>
+          </a:effectRef>
+          <a:fontRef idx="minor">
+            <a:schemeClr val="lt1"/>
+          </a:fontRef>
+        </p:style>
+        <p:txBody>
+          <a:bodyPr rtlCol="0" anchor="ctr"/>
+          <a:lstStyle/>
+          <a:p>
+            <a:pPr algn="ctr"/>
+            <a:r>
+              <a:rPr lang="it-IT" dirty="0"/>
+              <a:t>geo:_Point</a:t>
+            </a:r>
+          </a:p>
+        </p:txBody>
+      </p:sp>
+      <p:cxnSp>
+        <p:nvCxnSpPr>
+          <p:cNvPr id="18" name="Straight Arrow Connector 17"/>
+          <p:cNvCxnSpPr>
+            <a:cxnSpLocks/>
+            <a:stCxn id="15" idx="3"/>
+          </p:cNvCxnSpPr>
+          <p:nvPr/>
+        </p:nvCxnSpPr>
+        <p:spPr>
+          <a:xfrm>
+            <a:off x="4251735" y="3418253"/>
+            <a:ext cx="932265" cy="0"/>
+          </a:xfrm>
+          <a:prstGeom prst="straightConnector1">
+            <a:avLst/>
+          </a:prstGeom>
+          <a:ln w="38100" cap="flat" cmpd="sng" algn="ctr">
+            <a:solidFill>
+              <a:schemeClr val="dk1"/>
+            </a:solidFill>
+            <a:prstDash val="solid"/>
+            <a:round/>
+            <a:headEnd type="none" w="med" len="med"/>
+            <a:tailEnd type="triangle" w="med" len="med"/>
+          </a:ln>
+        </p:spPr>
+        <p:style>
+          <a:lnRef idx="0">
+            <a:scrgbClr r="0" g="0" b="0"/>
+          </a:lnRef>
+          <a:fillRef idx="0">
+            <a:scrgbClr r="0" g="0" b="0"/>
+          </a:fillRef>
+          <a:effectRef idx="0">
+            <a:scrgbClr r="0" g="0" b="0"/>
+          </a:effectRef>
+          <a:fontRef idx="minor">
+            <a:schemeClr val="tx1"/>
+          </a:fontRef>
+        </p:style>
+      </p:cxnSp>
+      <p:cxnSp>
+        <p:nvCxnSpPr>
+          <p:cNvPr id="20" name="Straight Arrow Connector 19"/>
+          <p:cNvCxnSpPr>
+            <a:cxnSpLocks/>
+          </p:cNvCxnSpPr>
+          <p:nvPr/>
+        </p:nvCxnSpPr>
+        <p:spPr>
+          <a:xfrm>
+            <a:off x="7045420" y="6313853"/>
+            <a:ext cx="911875" cy="0"/>
+          </a:xfrm>
+          <a:prstGeom prst="straightConnector1">
+            <a:avLst/>
+          </a:prstGeom>
+          <a:ln w="38100" cap="flat" cmpd="sng" algn="ctr">
+            <a:solidFill>
+              <a:schemeClr val="dk1"/>
+            </a:solidFill>
+            <a:prstDash val="solid"/>
+            <a:round/>
+            <a:headEnd type="none" w="med" len="med"/>
+            <a:tailEnd type="triangle" w="med" len="med"/>
+          </a:ln>
+        </p:spPr>
+        <p:style>
+          <a:lnRef idx="0">
+            <a:scrgbClr r="0" g="0" b="0"/>
+          </a:lnRef>
+          <a:fillRef idx="0">
+            <a:scrgbClr r="0" g="0" b="0"/>
+          </a:fillRef>
+          <a:effectRef idx="0">
+            <a:scrgbClr r="0" g="0" b="0"/>
+          </a:effectRef>
+          <a:fontRef idx="minor">
+            <a:schemeClr val="tx1"/>
+          </a:fontRef>
+        </p:style>
+      </p:cxnSp>
+      <p:cxnSp>
+        <p:nvCxnSpPr>
+          <p:cNvPr id="21" name="Straight Arrow Connector 20"/>
+          <p:cNvCxnSpPr>
+            <a:cxnSpLocks/>
+          </p:cNvCxnSpPr>
+          <p:nvPr/>
+        </p:nvCxnSpPr>
+        <p:spPr>
+          <a:xfrm>
+            <a:off x="4752000" y="4393130"/>
+            <a:ext cx="432000" cy="0"/>
+          </a:xfrm>
+          <a:prstGeom prst="straightConnector1">
+            <a:avLst/>
+          </a:prstGeom>
+          <a:ln w="38100" cap="flat" cmpd="sng" algn="ctr">
+            <a:solidFill>
+              <a:schemeClr val="dk1"/>
+            </a:solidFill>
+            <a:prstDash val="solid"/>
+            <a:round/>
+            <a:headEnd type="none" w="med" len="med"/>
+            <a:tailEnd type="triangle" w="med" len="med"/>
+          </a:ln>
+        </p:spPr>
+        <p:style>
+          <a:lnRef idx="0">
+            <a:scrgbClr r="0" g="0" b="0"/>
+          </a:lnRef>
+          <a:fillRef idx="0">
+            <a:scrgbClr r="0" g="0" b="0"/>
+          </a:fillRef>
+          <a:effectRef idx="0">
+            <a:scrgbClr r="0" g="0" b="0"/>
+          </a:effectRef>
+          <a:fontRef idx="minor">
+            <a:schemeClr val="tx1"/>
+          </a:fontRef>
+        </p:style>
+      </p:cxnSp>
+      <p:cxnSp>
+        <p:nvCxnSpPr>
+          <p:cNvPr id="22" name="Straight Arrow Connector 21"/>
+          <p:cNvCxnSpPr>
+            <a:cxnSpLocks/>
+          </p:cNvCxnSpPr>
+          <p:nvPr/>
+        </p:nvCxnSpPr>
+        <p:spPr>
+          <a:xfrm>
+            <a:off x="4752000" y="5353492"/>
+            <a:ext cx="432000" cy="0"/>
+          </a:xfrm>
+          <a:prstGeom prst="straightConnector1">
+            <a:avLst/>
+          </a:prstGeom>
+          <a:ln w="38100" cap="flat" cmpd="sng" algn="ctr">
+            <a:solidFill>
+              <a:schemeClr val="dk1"/>
+            </a:solidFill>
+            <a:prstDash val="solid"/>
+            <a:round/>
+            <a:headEnd type="none" w="med" len="med"/>
+            <a:tailEnd type="triangle" w="med" len="med"/>
+          </a:ln>
+        </p:spPr>
+        <p:style>
+          <a:lnRef idx="0">
+            <a:scrgbClr r="0" g="0" b="0"/>
+          </a:lnRef>
+          <a:fillRef idx="0">
+            <a:scrgbClr r="0" g="0" b="0"/>
+          </a:fillRef>
+          <a:effectRef idx="0">
+            <a:scrgbClr r="0" g="0" b="0"/>
+          </a:effectRef>
+          <a:fontRef idx="minor">
+            <a:schemeClr val="tx1"/>
+          </a:fontRef>
+        </p:style>
+      </p:cxnSp>
+      <p:cxnSp>
+        <p:nvCxnSpPr>
+          <p:cNvPr id="23" name="Straight Arrow Connector 22"/>
+          <p:cNvCxnSpPr>
+            <a:cxnSpLocks/>
+          </p:cNvCxnSpPr>
+          <p:nvPr/>
+        </p:nvCxnSpPr>
+        <p:spPr>
+          <a:xfrm>
+            <a:off x="4752000" y="2472406"/>
+            <a:ext cx="432000" cy="0"/>
+          </a:xfrm>
+          <a:prstGeom prst="straightConnector1">
+            <a:avLst/>
+          </a:prstGeom>
+          <a:ln w="38100" cap="flat" cmpd="sng" algn="ctr">
+            <a:solidFill>
+              <a:schemeClr val="dk1"/>
+            </a:solidFill>
+            <a:prstDash val="solid"/>
+            <a:round/>
+            <a:headEnd type="none" w="med" len="med"/>
+            <a:tailEnd type="triangle" w="med" len="med"/>
+          </a:ln>
+        </p:spPr>
+        <p:style>
+          <a:lnRef idx="0">
+            <a:scrgbClr r="0" g="0" b="0"/>
+          </a:lnRef>
+          <a:fillRef idx="0">
+            <a:scrgbClr r="0" g="0" b="0"/>
+          </a:fillRef>
+          <a:effectRef idx="0">
+            <a:scrgbClr r="0" g="0" b="0"/>
+          </a:effectRef>
+          <a:fontRef idx="minor">
+            <a:schemeClr val="tx1"/>
+          </a:fontRef>
+        </p:style>
+      </p:cxnSp>
+      <p:cxnSp>
+        <p:nvCxnSpPr>
+          <p:cNvPr id="24" name="Straight Arrow Connector 23"/>
+          <p:cNvCxnSpPr>
+            <a:cxnSpLocks/>
+          </p:cNvCxnSpPr>
+          <p:nvPr/>
+        </p:nvCxnSpPr>
+        <p:spPr>
+          <a:xfrm>
+            <a:off x="4752000" y="6313853"/>
+            <a:ext cx="432000" cy="0"/>
+          </a:xfrm>
+          <a:prstGeom prst="straightConnector1">
+            <a:avLst/>
+          </a:prstGeom>
+          <a:ln w="38100" cap="flat" cmpd="sng" algn="ctr">
+            <a:solidFill>
+              <a:schemeClr val="dk1"/>
+            </a:solidFill>
+            <a:prstDash val="solid"/>
+            <a:round/>
+            <a:headEnd type="none" w="med" len="med"/>
+            <a:tailEnd type="triangle" w="med" len="med"/>
+          </a:ln>
+        </p:spPr>
+        <p:style>
+          <a:lnRef idx="0">
+            <a:scrgbClr r="0" g="0" b="0"/>
+          </a:lnRef>
+          <a:fillRef idx="0">
+            <a:scrgbClr r="0" g="0" b="0"/>
+          </a:fillRef>
+          <a:effectRef idx="0">
+            <a:scrgbClr r="0" g="0" b="0"/>
+          </a:effectRef>
+          <a:fontRef idx="minor">
+            <a:schemeClr val="tx1"/>
+          </a:fontRef>
+        </p:style>
+      </p:cxnSp>
+      <p:cxnSp>
+        <p:nvCxnSpPr>
+          <p:cNvPr id="25" name="Straight Arrow Connector 24"/>
+          <p:cNvCxnSpPr>
+            <a:cxnSpLocks/>
+          </p:cNvCxnSpPr>
+          <p:nvPr/>
+        </p:nvCxnSpPr>
+        <p:spPr>
+          <a:xfrm>
+            <a:off x="4752000" y="1512044"/>
+            <a:ext cx="432000" cy="0"/>
+          </a:xfrm>
+          <a:prstGeom prst="straightConnector1">
+            <a:avLst/>
+          </a:prstGeom>
+          <a:ln w="38100" cap="flat" cmpd="sng" algn="ctr">
+            <a:solidFill>
+              <a:schemeClr val="dk1"/>
+            </a:solidFill>
+            <a:prstDash val="solid"/>
+            <a:round/>
+            <a:headEnd type="none" w="med" len="med"/>
+            <a:tailEnd type="triangle" w="med" len="med"/>
+          </a:ln>
+        </p:spPr>
+        <p:style>
+          <a:lnRef idx="0">
+            <a:scrgbClr r="0" g="0" b="0"/>
+          </a:lnRef>
+          <a:fillRef idx="0">
+            <a:scrgbClr r="0" g="0" b="0"/>
+          </a:fillRef>
+          <a:effectRef idx="0">
+            <a:scrgbClr r="0" g="0" b="0"/>
+          </a:effectRef>
+          <a:fontRef idx="minor">
+            <a:schemeClr val="tx1"/>
+          </a:fontRef>
+        </p:style>
+      </p:cxnSp>
+      <p:cxnSp>
+        <p:nvCxnSpPr>
+          <p:cNvPr id="26" name="Straight Arrow Connector 25"/>
+          <p:cNvCxnSpPr>
+            <a:cxnSpLocks/>
+          </p:cNvCxnSpPr>
+          <p:nvPr/>
+        </p:nvCxnSpPr>
+        <p:spPr>
+          <a:xfrm>
+            <a:off x="4752000" y="551682"/>
+            <a:ext cx="432000" cy="0"/>
+          </a:xfrm>
+          <a:prstGeom prst="straightConnector1">
+            <a:avLst/>
+          </a:prstGeom>
+          <a:ln w="38100" cap="flat" cmpd="sng" algn="ctr">
+            <a:solidFill>
+              <a:schemeClr val="dk1"/>
+            </a:solidFill>
+            <a:prstDash val="solid"/>
+            <a:round/>
+            <a:headEnd type="none" w="med" len="med"/>
+            <a:tailEnd type="triangle" w="med" len="med"/>
+          </a:ln>
+        </p:spPr>
+        <p:style>
+          <a:lnRef idx="0">
+            <a:scrgbClr r="0" g="0" b="0"/>
+          </a:lnRef>
+          <a:fillRef idx="0">
+            <a:scrgbClr r="0" g="0" b="0"/>
+          </a:fillRef>
+          <a:effectRef idx="0">
+            <a:scrgbClr r="0" g="0" b="0"/>
+          </a:effectRef>
+          <a:fontRef idx="minor">
+            <a:schemeClr val="tx1"/>
+          </a:fontRef>
+        </p:style>
+      </p:cxnSp>
+      <p:cxnSp>
+        <p:nvCxnSpPr>
+          <p:cNvPr id="42" name="Straight Connector 41"/>
+          <p:cNvCxnSpPr>
+            <a:cxnSpLocks/>
+          </p:cNvCxnSpPr>
+          <p:nvPr/>
+        </p:nvCxnSpPr>
+        <p:spPr>
+          <a:xfrm>
+            <a:off x="4752000" y="532630"/>
+            <a:ext cx="0" cy="5799600"/>
+          </a:xfrm>
+          <a:prstGeom prst="line">
+            <a:avLst/>
+          </a:prstGeom>
+          <a:ln w="38100">
+            <a:solidFill>
+              <a:schemeClr val="tx1"/>
+            </a:solidFill>
+          </a:ln>
+        </p:spPr>
+        <p:style>
+          <a:lnRef idx="1">
+            <a:schemeClr val="accent1"/>
+          </a:lnRef>
+          <a:fillRef idx="0">
+            <a:schemeClr val="accent1"/>
+          </a:fillRef>
+          <a:effectRef idx="0">
+            <a:schemeClr val="accent1"/>
+          </a:effectRef>
+          <a:fontRef idx="minor">
+            <a:schemeClr val="tx1"/>
+          </a:fontRef>
+        </p:style>
+      </p:cxnSp>
+      <p:sp>
+        <p:nvSpPr>
+          <p:cNvPr id="27" name="TextBox 26">
+            <a:extLst>
+              <a:ext uri="{FF2B5EF4-FFF2-40B4-BE49-F238E27FC236}">
+                <a16:creationId xmlns:a16="http://schemas.microsoft.com/office/drawing/2014/main" id="{C5E17AE9-F250-4ABD-9C54-C92270DBA7CC}"/>
+              </a:ext>
+            </a:extLst>
+          </p:cNvPr>
+          <p:cNvSpPr txBox="1"/>
+          <p:nvPr/>
+        </p:nvSpPr>
+        <p:spPr>
+          <a:xfrm>
+            <a:off x="953247" y="532630"/>
+            <a:ext cx="3387144" cy="369332"/>
+          </a:xfrm>
+          <a:prstGeom prst="rect">
+            <a:avLst/>
+          </a:prstGeom>
+          <a:noFill/>
+        </p:spPr>
+        <p:txBody>
+          <a:bodyPr wrap="square" rtlCol="0">
+            <a:spAutoFit/>
+          </a:bodyPr>
+          <a:lstStyle/>
+          <a:p>
+            <a:r>
+              <a:rPr lang="it-IT" dirty="0">
+                <a:solidFill>
+                  <a:srgbClr val="FF0000"/>
+                </a:solidFill>
+              </a:rPr>
+              <a:t>SECONDO ME E’ DA CAMBIARE</a:t>
+            </a:r>
+          </a:p>
+        </p:txBody>
+      </p:sp>
+    </p:spTree>
+    <p:extLst>
+      <p:ext uri="{BB962C8B-B14F-4D97-AF65-F5344CB8AC3E}">
+        <p14:creationId xmlns:p14="http://schemas.microsoft.com/office/powerpoint/2010/main" val="2544109714"/>
+      </p:ext>
+    </p:extLst>
+  </p:cSld>
+  <p:clrMapOvr>
+    <a:masterClrMapping/>
+  </p:clrMapOvr>
+</p:sld>
+</file>
+
 <file path=ppt/theme/theme1.xml><?xml version="1.0" encoding="utf-8"?>
 <a:theme xmlns:a="http://schemas.openxmlformats.org/drawingml/2006/main" name="Office Theme">
   <a:themeElements>

--- a/ontologia.pptx
+++ b/ontologia.pptx
@@ -7,14 +7,15 @@
   <p:sldIdLst>
     <p:sldId id="259" r:id="rId2"/>
     <p:sldId id="260" r:id="rId3"/>
-    <p:sldId id="261" r:id="rId4"/>
-    <p:sldId id="262" r:id="rId5"/>
-    <p:sldId id="263" r:id="rId6"/>
-    <p:sldId id="264" r:id="rId7"/>
-    <p:sldId id="265" r:id="rId8"/>
-    <p:sldId id="257" r:id="rId9"/>
-    <p:sldId id="256" r:id="rId10"/>
-    <p:sldId id="258" r:id="rId11"/>
+    <p:sldId id="266" r:id="rId4"/>
+    <p:sldId id="267" r:id="rId5"/>
+    <p:sldId id="261" r:id="rId6"/>
+    <p:sldId id="262" r:id="rId7"/>
+    <p:sldId id="263" r:id="rId8"/>
+    <p:sldId id="264" r:id="rId9"/>
+    <p:sldId id="269" r:id="rId10"/>
+    <p:sldId id="256" r:id="rId11"/>
+    <p:sldId id="258" r:id="rId12"/>
   </p:sldIdLst>
   <p:sldSz cx="12192000" cy="6858000"/>
   <p:notesSz cx="6858000" cy="9144000"/>
@@ -119,6 +120,18 @@
     </p:ext>
   </p:extLst>
 </p:presentation>
+</file>
+
+<file path=ppt/commentAuthors.xml><?xml version="1.0" encoding="utf-8"?>
+<p:cmAuthorLst xmlns:a="http://schemas.openxmlformats.org/drawingml/2006/main" xmlns:r="http://schemas.openxmlformats.org/officeDocument/2006/relationships" xmlns:p="http://schemas.openxmlformats.org/presentationml/2006/main">
+  <p:cmAuthor id="1" name="Matteo Olivi" initials="MO" lastIdx="1" clrIdx="0">
+    <p:extLst>
+      <p:ext uri="{19B8F6BF-5375-455C-9EA6-DF929625EA0E}">
+        <p15:presenceInfo xmlns:p15="http://schemas.microsoft.com/office/powerpoint/2012/main" userId="b1c44457d3477ce5" providerId="Windows Live"/>
+      </p:ext>
+    </p:extLst>
+  </p:cmAuthor>
+</p:cmAuthorLst>
 </file>
 
 <file path=ppt/revisionInfo.xml><?xml version="1.0" encoding="utf-8"?>
@@ -3284,6 +3297,828 @@
 </file>
 
 <file path=ppt/slides/slide10.xml><?xml version="1.0" encoding="utf-8"?>
+<p:sld xmlns:a="http://schemas.openxmlformats.org/drawingml/2006/main" xmlns:r="http://schemas.openxmlformats.org/officeDocument/2006/relationships" xmlns:p="http://schemas.openxmlformats.org/presentationml/2006/main">
+  <p:cSld>
+    <p:spTree>
+      <p:nvGrpSpPr>
+        <p:cNvPr id="1" name=""/>
+        <p:cNvGrpSpPr/>
+        <p:nvPr/>
+      </p:nvGrpSpPr>
+      <p:grpSpPr>
+        <a:xfrm>
+          <a:off x="0" y="0"/>
+          <a:ext cx="0" cy="0"/>
+          <a:chOff x="0" y="0"/>
+          <a:chExt cx="0" cy="0"/>
+        </a:xfrm>
+      </p:grpSpPr>
+      <p:sp>
+        <p:nvSpPr>
+          <p:cNvPr id="6" name="Rectangle: Rounded Corners 5"/>
+          <p:cNvSpPr/>
+          <p:nvPr/>
+        </p:nvSpPr>
+        <p:spPr>
+          <a:xfrm>
+            <a:off x="5163610" y="1227121"/>
+            <a:ext cx="1881810" cy="516835"/>
+          </a:xfrm>
+          <a:prstGeom prst="roundRect">
+            <a:avLst/>
+          </a:prstGeom>
+        </p:spPr>
+        <p:style>
+          <a:lnRef idx="2">
+            <a:schemeClr val="accent1">
+              <a:shade val="50000"/>
+            </a:schemeClr>
+          </a:lnRef>
+          <a:fillRef idx="1">
+            <a:schemeClr val="accent1"/>
+          </a:fillRef>
+          <a:effectRef idx="0">
+            <a:schemeClr val="accent1"/>
+          </a:effectRef>
+          <a:fontRef idx="minor">
+            <a:schemeClr val="lt1"/>
+          </a:fontRef>
+        </p:style>
+        <p:txBody>
+          <a:bodyPr rtlCol="0" anchor="ctr"/>
+          <a:lstStyle/>
+          <a:p>
+            <a:pPr algn="ctr"/>
+            <a:r>
+              <a:rPr lang="it-IT" dirty="0"/>
+              <a:t>sr:Table</a:t>
+            </a:r>
+          </a:p>
+        </p:txBody>
+      </p:sp>
+      <p:sp>
+        <p:nvSpPr>
+          <p:cNvPr id="7" name="Rectangle: Rounded Corners 6"/>
+          <p:cNvSpPr/>
+          <p:nvPr/>
+        </p:nvSpPr>
+        <p:spPr>
+          <a:xfrm>
+            <a:off x="5163610" y="2193478"/>
+            <a:ext cx="1881810" cy="516835"/>
+          </a:xfrm>
+          <a:prstGeom prst="roundRect">
+            <a:avLst/>
+          </a:prstGeom>
+        </p:spPr>
+        <p:style>
+          <a:lnRef idx="2">
+            <a:schemeClr val="accent1">
+              <a:shade val="50000"/>
+            </a:schemeClr>
+          </a:lnRef>
+          <a:fillRef idx="1">
+            <a:schemeClr val="accent1"/>
+          </a:fillRef>
+          <a:effectRef idx="0">
+            <a:schemeClr val="accent1"/>
+          </a:effectRef>
+          <a:fontRef idx="minor">
+            <a:schemeClr val="lt1"/>
+          </a:fontRef>
+        </p:style>
+        <p:txBody>
+          <a:bodyPr rtlCol="0" anchor="ctr"/>
+          <a:lstStyle/>
+          <a:p>
+            <a:pPr algn="ctr"/>
+            <a:r>
+              <a:rPr lang="it-IT" dirty="0"/>
+              <a:t>sr:StudyRoom</a:t>
+            </a:r>
+          </a:p>
+        </p:txBody>
+      </p:sp>
+      <p:sp>
+        <p:nvSpPr>
+          <p:cNvPr id="8" name="Rectangle: Rounded Corners 7"/>
+          <p:cNvSpPr/>
+          <p:nvPr/>
+        </p:nvSpPr>
+        <p:spPr>
+          <a:xfrm>
+            <a:off x="5163610" y="260764"/>
+            <a:ext cx="1881810" cy="516835"/>
+          </a:xfrm>
+          <a:prstGeom prst="roundRect">
+            <a:avLst/>
+          </a:prstGeom>
+        </p:spPr>
+        <p:style>
+          <a:lnRef idx="2">
+            <a:schemeClr val="accent1">
+              <a:shade val="50000"/>
+            </a:schemeClr>
+          </a:lnRef>
+          <a:fillRef idx="1">
+            <a:schemeClr val="accent1"/>
+          </a:fillRef>
+          <a:effectRef idx="0">
+            <a:schemeClr val="accent1"/>
+          </a:effectRef>
+          <a:fontRef idx="minor">
+            <a:schemeClr val="lt1"/>
+          </a:fontRef>
+        </p:style>
+        <p:txBody>
+          <a:bodyPr rtlCol="0" anchor="ctr"/>
+          <a:lstStyle/>
+          <a:p>
+            <a:pPr algn="ctr"/>
+            <a:r>
+              <a:rPr lang="it-IT" dirty="0"/>
+              <a:t>sr:Seat</a:t>
+            </a:r>
+          </a:p>
+        </p:txBody>
+      </p:sp>
+      <p:sp>
+        <p:nvSpPr>
+          <p:cNvPr id="10" name="Rectangle: Rounded Corners 9"/>
+          <p:cNvSpPr/>
+          <p:nvPr/>
+        </p:nvSpPr>
+        <p:spPr>
+          <a:xfrm>
+            <a:off x="5163610" y="3159835"/>
+            <a:ext cx="1881810" cy="516835"/>
+          </a:xfrm>
+          <a:prstGeom prst="roundRect">
+            <a:avLst/>
+          </a:prstGeom>
+        </p:spPr>
+        <p:style>
+          <a:lnRef idx="2">
+            <a:schemeClr val="accent1">
+              <a:shade val="50000"/>
+            </a:schemeClr>
+          </a:lnRef>
+          <a:fillRef idx="1">
+            <a:schemeClr val="accent1"/>
+          </a:fillRef>
+          <a:effectRef idx="0">
+            <a:schemeClr val="accent1"/>
+          </a:effectRef>
+          <a:fontRef idx="minor">
+            <a:schemeClr val="lt1"/>
+          </a:fontRef>
+        </p:style>
+        <p:txBody>
+          <a:bodyPr rtlCol="0" anchor="ctr"/>
+          <a:lstStyle/>
+          <a:p>
+            <a:pPr algn="ctr"/>
+            <a:r>
+              <a:rPr lang="it-IT" dirty="0"/>
+              <a:t>sr:University</a:t>
+            </a:r>
+          </a:p>
+        </p:txBody>
+      </p:sp>
+      <p:sp>
+        <p:nvSpPr>
+          <p:cNvPr id="11" name="Rectangle: Rounded Corners 10"/>
+          <p:cNvSpPr/>
+          <p:nvPr/>
+        </p:nvSpPr>
+        <p:spPr>
+          <a:xfrm>
+            <a:off x="5163610" y="4126192"/>
+            <a:ext cx="1881810" cy="516835"/>
+          </a:xfrm>
+          <a:prstGeom prst="roundRect">
+            <a:avLst/>
+          </a:prstGeom>
+        </p:spPr>
+        <p:style>
+          <a:lnRef idx="2">
+            <a:schemeClr val="accent1">
+              <a:shade val="50000"/>
+            </a:schemeClr>
+          </a:lnRef>
+          <a:fillRef idx="1">
+            <a:schemeClr val="accent1"/>
+          </a:fillRef>
+          <a:effectRef idx="0">
+            <a:schemeClr val="accent1"/>
+          </a:effectRef>
+          <a:fontRef idx="minor">
+            <a:schemeClr val="lt1"/>
+          </a:fontRef>
+        </p:style>
+        <p:txBody>
+          <a:bodyPr rtlCol="0" anchor="ctr"/>
+          <a:lstStyle/>
+          <a:p>
+            <a:pPr algn="ctr"/>
+            <a:r>
+              <a:rPr lang="it-IT" dirty="0"/>
+              <a:t>sr:Feature</a:t>
+            </a:r>
+          </a:p>
+        </p:txBody>
+      </p:sp>
+      <p:sp>
+        <p:nvSpPr>
+          <p:cNvPr id="12" name="Rectangle: Rounded Corners 11"/>
+          <p:cNvSpPr/>
+          <p:nvPr/>
+        </p:nvSpPr>
+        <p:spPr>
+          <a:xfrm>
+            <a:off x="5163610" y="5092549"/>
+            <a:ext cx="1881810" cy="516835"/>
+          </a:xfrm>
+          <a:prstGeom prst="roundRect">
+            <a:avLst/>
+          </a:prstGeom>
+        </p:spPr>
+        <p:style>
+          <a:lnRef idx="2">
+            <a:schemeClr val="accent1">
+              <a:shade val="50000"/>
+            </a:schemeClr>
+          </a:lnRef>
+          <a:fillRef idx="1">
+            <a:schemeClr val="accent1"/>
+          </a:fillRef>
+          <a:effectRef idx="0">
+            <a:schemeClr val="accent1"/>
+          </a:effectRef>
+          <a:fontRef idx="minor">
+            <a:schemeClr val="lt1"/>
+          </a:fontRef>
+        </p:style>
+        <p:txBody>
+          <a:bodyPr rtlCol="0" anchor="ctr"/>
+          <a:lstStyle/>
+          <a:p>
+            <a:pPr algn="ctr"/>
+            <a:r>
+              <a:rPr lang="it-IT" dirty="0"/>
+              <a:t>locn:Address</a:t>
+            </a:r>
+          </a:p>
+        </p:txBody>
+      </p:sp>
+      <p:sp>
+        <p:nvSpPr>
+          <p:cNvPr id="13" name="Rectangle: Rounded Corners 12"/>
+          <p:cNvSpPr/>
+          <p:nvPr/>
+        </p:nvSpPr>
+        <p:spPr>
+          <a:xfrm>
+            <a:off x="5163610" y="6058908"/>
+            <a:ext cx="1881810" cy="516835"/>
+          </a:xfrm>
+          <a:prstGeom prst="roundRect">
+            <a:avLst/>
+          </a:prstGeom>
+        </p:spPr>
+        <p:style>
+          <a:lnRef idx="2">
+            <a:schemeClr val="accent1">
+              <a:shade val="50000"/>
+            </a:schemeClr>
+          </a:lnRef>
+          <a:fillRef idx="1">
+            <a:schemeClr val="accent1"/>
+          </a:fillRef>
+          <a:effectRef idx="0">
+            <a:schemeClr val="accent1"/>
+          </a:effectRef>
+          <a:fontRef idx="minor">
+            <a:schemeClr val="lt1"/>
+          </a:fontRef>
+        </p:style>
+        <p:txBody>
+          <a:bodyPr rtlCol="0" anchor="ctr"/>
+          <a:lstStyle/>
+          <a:p>
+            <a:pPr algn="ctr"/>
+            <a:r>
+              <a:rPr lang="it-IT" dirty="0"/>
+              <a:t>geo:_Geometry</a:t>
+            </a:r>
+          </a:p>
+        </p:txBody>
+      </p:sp>
+      <p:sp>
+        <p:nvSpPr>
+          <p:cNvPr id="15" name="Rectangle: Rounded Corners 14"/>
+          <p:cNvSpPr/>
+          <p:nvPr/>
+        </p:nvSpPr>
+        <p:spPr>
+          <a:xfrm>
+            <a:off x="2368935" y="3159835"/>
+            <a:ext cx="1882800" cy="516835"/>
+          </a:xfrm>
+          <a:prstGeom prst="roundRect">
+            <a:avLst/>
+          </a:prstGeom>
+        </p:spPr>
+        <p:style>
+          <a:lnRef idx="2">
+            <a:schemeClr val="accent1">
+              <a:shade val="50000"/>
+            </a:schemeClr>
+          </a:lnRef>
+          <a:fillRef idx="1">
+            <a:schemeClr val="accent1"/>
+          </a:fillRef>
+          <a:effectRef idx="0">
+            <a:schemeClr val="accent1"/>
+          </a:effectRef>
+          <a:fontRef idx="minor">
+            <a:schemeClr val="lt1"/>
+          </a:fontRef>
+        </p:style>
+        <p:txBody>
+          <a:bodyPr rtlCol="0" anchor="ctr"/>
+          <a:lstStyle/>
+          <a:p>
+            <a:pPr algn="ctr"/>
+            <a:r>
+              <a:rPr lang="it-IT" dirty="0"/>
+              <a:t>owl:Thing</a:t>
+            </a:r>
+          </a:p>
+        </p:txBody>
+      </p:sp>
+      <p:sp>
+        <p:nvSpPr>
+          <p:cNvPr id="16" name="Rectangle: Rounded Corners 15"/>
+          <p:cNvSpPr/>
+          <p:nvPr/>
+        </p:nvSpPr>
+        <p:spPr>
+          <a:xfrm>
+            <a:off x="7957295" y="6058907"/>
+            <a:ext cx="1881810" cy="516835"/>
+          </a:xfrm>
+          <a:prstGeom prst="roundRect">
+            <a:avLst/>
+          </a:prstGeom>
+        </p:spPr>
+        <p:style>
+          <a:lnRef idx="2">
+            <a:schemeClr val="accent1">
+              <a:shade val="50000"/>
+            </a:schemeClr>
+          </a:lnRef>
+          <a:fillRef idx="1">
+            <a:schemeClr val="accent1"/>
+          </a:fillRef>
+          <a:effectRef idx="0">
+            <a:schemeClr val="accent1"/>
+          </a:effectRef>
+          <a:fontRef idx="minor">
+            <a:schemeClr val="lt1"/>
+          </a:fontRef>
+        </p:style>
+        <p:txBody>
+          <a:bodyPr rtlCol="0" anchor="ctr"/>
+          <a:lstStyle/>
+          <a:p>
+            <a:pPr algn="ctr"/>
+            <a:r>
+              <a:rPr lang="it-IT" dirty="0"/>
+              <a:t>geo:_Point</a:t>
+            </a:r>
+          </a:p>
+        </p:txBody>
+      </p:sp>
+      <p:cxnSp>
+        <p:nvCxnSpPr>
+          <p:cNvPr id="18" name="Straight Arrow Connector 17"/>
+          <p:cNvCxnSpPr>
+            <a:cxnSpLocks/>
+            <a:stCxn id="15" idx="3"/>
+          </p:cNvCxnSpPr>
+          <p:nvPr/>
+        </p:nvCxnSpPr>
+        <p:spPr>
+          <a:xfrm>
+            <a:off x="4251735" y="3418253"/>
+            <a:ext cx="932265" cy="0"/>
+          </a:xfrm>
+          <a:prstGeom prst="straightConnector1">
+            <a:avLst/>
+          </a:prstGeom>
+          <a:ln w="38100" cap="flat" cmpd="sng" algn="ctr">
+            <a:solidFill>
+              <a:schemeClr val="dk1"/>
+            </a:solidFill>
+            <a:prstDash val="solid"/>
+            <a:round/>
+            <a:headEnd type="none" w="med" len="med"/>
+            <a:tailEnd type="triangle" w="med" len="med"/>
+          </a:ln>
+        </p:spPr>
+        <p:style>
+          <a:lnRef idx="0">
+            <a:scrgbClr r="0" g="0" b="0"/>
+          </a:lnRef>
+          <a:fillRef idx="0">
+            <a:scrgbClr r="0" g="0" b="0"/>
+          </a:fillRef>
+          <a:effectRef idx="0">
+            <a:scrgbClr r="0" g="0" b="0"/>
+          </a:effectRef>
+          <a:fontRef idx="minor">
+            <a:schemeClr val="tx1"/>
+          </a:fontRef>
+        </p:style>
+      </p:cxnSp>
+      <p:cxnSp>
+        <p:nvCxnSpPr>
+          <p:cNvPr id="20" name="Straight Arrow Connector 19"/>
+          <p:cNvCxnSpPr>
+            <a:cxnSpLocks/>
+          </p:cNvCxnSpPr>
+          <p:nvPr/>
+        </p:nvCxnSpPr>
+        <p:spPr>
+          <a:xfrm>
+            <a:off x="7045420" y="6313853"/>
+            <a:ext cx="911875" cy="0"/>
+          </a:xfrm>
+          <a:prstGeom prst="straightConnector1">
+            <a:avLst/>
+          </a:prstGeom>
+          <a:ln w="38100" cap="flat" cmpd="sng" algn="ctr">
+            <a:solidFill>
+              <a:schemeClr val="dk1"/>
+            </a:solidFill>
+            <a:prstDash val="solid"/>
+            <a:round/>
+            <a:headEnd type="none" w="med" len="med"/>
+            <a:tailEnd type="triangle" w="med" len="med"/>
+          </a:ln>
+        </p:spPr>
+        <p:style>
+          <a:lnRef idx="0">
+            <a:scrgbClr r="0" g="0" b="0"/>
+          </a:lnRef>
+          <a:fillRef idx="0">
+            <a:scrgbClr r="0" g="0" b="0"/>
+          </a:fillRef>
+          <a:effectRef idx="0">
+            <a:scrgbClr r="0" g="0" b="0"/>
+          </a:effectRef>
+          <a:fontRef idx="minor">
+            <a:schemeClr val="tx1"/>
+          </a:fontRef>
+        </p:style>
+      </p:cxnSp>
+      <p:cxnSp>
+        <p:nvCxnSpPr>
+          <p:cNvPr id="21" name="Straight Arrow Connector 20"/>
+          <p:cNvCxnSpPr>
+            <a:cxnSpLocks/>
+          </p:cNvCxnSpPr>
+          <p:nvPr/>
+        </p:nvCxnSpPr>
+        <p:spPr>
+          <a:xfrm>
+            <a:off x="4752000" y="4393130"/>
+            <a:ext cx="432000" cy="0"/>
+          </a:xfrm>
+          <a:prstGeom prst="straightConnector1">
+            <a:avLst/>
+          </a:prstGeom>
+          <a:ln w="38100" cap="flat" cmpd="sng" algn="ctr">
+            <a:solidFill>
+              <a:schemeClr val="dk1"/>
+            </a:solidFill>
+            <a:prstDash val="solid"/>
+            <a:round/>
+            <a:headEnd type="none" w="med" len="med"/>
+            <a:tailEnd type="triangle" w="med" len="med"/>
+          </a:ln>
+        </p:spPr>
+        <p:style>
+          <a:lnRef idx="0">
+            <a:scrgbClr r="0" g="0" b="0"/>
+          </a:lnRef>
+          <a:fillRef idx="0">
+            <a:scrgbClr r="0" g="0" b="0"/>
+          </a:fillRef>
+          <a:effectRef idx="0">
+            <a:scrgbClr r="0" g="0" b="0"/>
+          </a:effectRef>
+          <a:fontRef idx="minor">
+            <a:schemeClr val="tx1"/>
+          </a:fontRef>
+        </p:style>
+      </p:cxnSp>
+      <p:cxnSp>
+        <p:nvCxnSpPr>
+          <p:cNvPr id="22" name="Straight Arrow Connector 21"/>
+          <p:cNvCxnSpPr>
+            <a:cxnSpLocks/>
+          </p:cNvCxnSpPr>
+          <p:nvPr/>
+        </p:nvCxnSpPr>
+        <p:spPr>
+          <a:xfrm>
+            <a:off x="4752000" y="5353492"/>
+            <a:ext cx="432000" cy="0"/>
+          </a:xfrm>
+          <a:prstGeom prst="straightConnector1">
+            <a:avLst/>
+          </a:prstGeom>
+          <a:ln w="38100" cap="flat" cmpd="sng" algn="ctr">
+            <a:solidFill>
+              <a:schemeClr val="dk1"/>
+            </a:solidFill>
+            <a:prstDash val="solid"/>
+            <a:round/>
+            <a:headEnd type="none" w="med" len="med"/>
+            <a:tailEnd type="triangle" w="med" len="med"/>
+          </a:ln>
+        </p:spPr>
+        <p:style>
+          <a:lnRef idx="0">
+            <a:scrgbClr r="0" g="0" b="0"/>
+          </a:lnRef>
+          <a:fillRef idx="0">
+            <a:scrgbClr r="0" g="0" b="0"/>
+          </a:fillRef>
+          <a:effectRef idx="0">
+            <a:scrgbClr r="0" g="0" b="0"/>
+          </a:effectRef>
+          <a:fontRef idx="minor">
+            <a:schemeClr val="tx1"/>
+          </a:fontRef>
+        </p:style>
+      </p:cxnSp>
+      <p:cxnSp>
+        <p:nvCxnSpPr>
+          <p:cNvPr id="23" name="Straight Arrow Connector 22"/>
+          <p:cNvCxnSpPr>
+            <a:cxnSpLocks/>
+          </p:cNvCxnSpPr>
+          <p:nvPr/>
+        </p:nvCxnSpPr>
+        <p:spPr>
+          <a:xfrm>
+            <a:off x="4752000" y="2472406"/>
+            <a:ext cx="432000" cy="0"/>
+          </a:xfrm>
+          <a:prstGeom prst="straightConnector1">
+            <a:avLst/>
+          </a:prstGeom>
+          <a:ln w="38100" cap="flat" cmpd="sng" algn="ctr">
+            <a:solidFill>
+              <a:schemeClr val="dk1"/>
+            </a:solidFill>
+            <a:prstDash val="solid"/>
+            <a:round/>
+            <a:headEnd type="none" w="med" len="med"/>
+            <a:tailEnd type="triangle" w="med" len="med"/>
+          </a:ln>
+        </p:spPr>
+        <p:style>
+          <a:lnRef idx="0">
+            <a:scrgbClr r="0" g="0" b="0"/>
+          </a:lnRef>
+          <a:fillRef idx="0">
+            <a:scrgbClr r="0" g="0" b="0"/>
+          </a:fillRef>
+          <a:effectRef idx="0">
+            <a:scrgbClr r="0" g="0" b="0"/>
+          </a:effectRef>
+          <a:fontRef idx="minor">
+            <a:schemeClr val="tx1"/>
+          </a:fontRef>
+        </p:style>
+      </p:cxnSp>
+      <p:cxnSp>
+        <p:nvCxnSpPr>
+          <p:cNvPr id="24" name="Straight Arrow Connector 23"/>
+          <p:cNvCxnSpPr>
+            <a:cxnSpLocks/>
+          </p:cNvCxnSpPr>
+          <p:nvPr/>
+        </p:nvCxnSpPr>
+        <p:spPr>
+          <a:xfrm>
+            <a:off x="4752000" y="6313853"/>
+            <a:ext cx="432000" cy="0"/>
+          </a:xfrm>
+          <a:prstGeom prst="straightConnector1">
+            <a:avLst/>
+          </a:prstGeom>
+          <a:ln w="38100" cap="flat" cmpd="sng" algn="ctr">
+            <a:solidFill>
+              <a:schemeClr val="dk1"/>
+            </a:solidFill>
+            <a:prstDash val="solid"/>
+            <a:round/>
+            <a:headEnd type="none" w="med" len="med"/>
+            <a:tailEnd type="triangle" w="med" len="med"/>
+          </a:ln>
+        </p:spPr>
+        <p:style>
+          <a:lnRef idx="0">
+            <a:scrgbClr r="0" g="0" b="0"/>
+          </a:lnRef>
+          <a:fillRef idx="0">
+            <a:scrgbClr r="0" g="0" b="0"/>
+          </a:fillRef>
+          <a:effectRef idx="0">
+            <a:scrgbClr r="0" g="0" b="0"/>
+          </a:effectRef>
+          <a:fontRef idx="minor">
+            <a:schemeClr val="tx1"/>
+          </a:fontRef>
+        </p:style>
+      </p:cxnSp>
+      <p:cxnSp>
+        <p:nvCxnSpPr>
+          <p:cNvPr id="25" name="Straight Arrow Connector 24"/>
+          <p:cNvCxnSpPr>
+            <a:cxnSpLocks/>
+          </p:cNvCxnSpPr>
+          <p:nvPr/>
+        </p:nvCxnSpPr>
+        <p:spPr>
+          <a:xfrm>
+            <a:off x="4752000" y="1512044"/>
+            <a:ext cx="432000" cy="0"/>
+          </a:xfrm>
+          <a:prstGeom prst="straightConnector1">
+            <a:avLst/>
+          </a:prstGeom>
+          <a:ln w="38100" cap="flat" cmpd="sng" algn="ctr">
+            <a:solidFill>
+              <a:schemeClr val="dk1"/>
+            </a:solidFill>
+            <a:prstDash val="solid"/>
+            <a:round/>
+            <a:headEnd type="none" w="med" len="med"/>
+            <a:tailEnd type="triangle" w="med" len="med"/>
+          </a:ln>
+        </p:spPr>
+        <p:style>
+          <a:lnRef idx="0">
+            <a:scrgbClr r="0" g="0" b="0"/>
+          </a:lnRef>
+          <a:fillRef idx="0">
+            <a:scrgbClr r="0" g="0" b="0"/>
+          </a:fillRef>
+          <a:effectRef idx="0">
+            <a:scrgbClr r="0" g="0" b="0"/>
+          </a:effectRef>
+          <a:fontRef idx="minor">
+            <a:schemeClr val="tx1"/>
+          </a:fontRef>
+        </p:style>
+      </p:cxnSp>
+      <p:cxnSp>
+        <p:nvCxnSpPr>
+          <p:cNvPr id="26" name="Straight Arrow Connector 25"/>
+          <p:cNvCxnSpPr>
+            <a:cxnSpLocks/>
+          </p:cNvCxnSpPr>
+          <p:nvPr/>
+        </p:nvCxnSpPr>
+        <p:spPr>
+          <a:xfrm>
+            <a:off x="4752000" y="551682"/>
+            <a:ext cx="432000" cy="0"/>
+          </a:xfrm>
+          <a:prstGeom prst="straightConnector1">
+            <a:avLst/>
+          </a:prstGeom>
+          <a:ln w="38100" cap="flat" cmpd="sng" algn="ctr">
+            <a:solidFill>
+              <a:schemeClr val="dk1"/>
+            </a:solidFill>
+            <a:prstDash val="solid"/>
+            <a:round/>
+            <a:headEnd type="none" w="med" len="med"/>
+            <a:tailEnd type="triangle" w="med" len="med"/>
+          </a:ln>
+        </p:spPr>
+        <p:style>
+          <a:lnRef idx="0">
+            <a:scrgbClr r="0" g="0" b="0"/>
+          </a:lnRef>
+          <a:fillRef idx="0">
+            <a:scrgbClr r="0" g="0" b="0"/>
+          </a:fillRef>
+          <a:effectRef idx="0">
+            <a:scrgbClr r="0" g="0" b="0"/>
+          </a:effectRef>
+          <a:fontRef idx="minor">
+            <a:schemeClr val="tx1"/>
+          </a:fontRef>
+        </p:style>
+      </p:cxnSp>
+      <p:cxnSp>
+        <p:nvCxnSpPr>
+          <p:cNvPr id="42" name="Straight Connector 41"/>
+          <p:cNvCxnSpPr>
+            <a:cxnSpLocks/>
+          </p:cNvCxnSpPr>
+          <p:nvPr/>
+        </p:nvCxnSpPr>
+        <p:spPr>
+          <a:xfrm>
+            <a:off x="4752000" y="532630"/>
+            <a:ext cx="0" cy="5799600"/>
+          </a:xfrm>
+          <a:prstGeom prst="line">
+            <a:avLst/>
+          </a:prstGeom>
+          <a:ln w="38100">
+            <a:solidFill>
+              <a:schemeClr val="tx1"/>
+            </a:solidFill>
+          </a:ln>
+        </p:spPr>
+        <p:style>
+          <a:lnRef idx="1">
+            <a:schemeClr val="accent1"/>
+          </a:lnRef>
+          <a:fillRef idx="0">
+            <a:schemeClr val="accent1"/>
+          </a:fillRef>
+          <a:effectRef idx="0">
+            <a:schemeClr val="accent1"/>
+          </a:effectRef>
+          <a:fontRef idx="minor">
+            <a:schemeClr val="tx1"/>
+          </a:fontRef>
+        </p:style>
+      </p:cxnSp>
+      <p:sp>
+        <p:nvSpPr>
+          <p:cNvPr id="27" name="TextBox 26">
+            <a:extLst>
+              <a:ext uri="{FF2B5EF4-FFF2-40B4-BE49-F238E27FC236}">
+                <a16:creationId xmlns:a16="http://schemas.microsoft.com/office/drawing/2014/main" id="{C5E17AE9-F250-4ABD-9C54-C92270DBA7CC}"/>
+              </a:ext>
+            </a:extLst>
+          </p:cNvPr>
+          <p:cNvSpPr txBox="1"/>
+          <p:nvPr/>
+        </p:nvSpPr>
+        <p:spPr>
+          <a:xfrm>
+            <a:off x="953247" y="532630"/>
+            <a:ext cx="3387144" cy="369332"/>
+          </a:xfrm>
+          <a:prstGeom prst="rect">
+            <a:avLst/>
+          </a:prstGeom>
+          <a:noFill/>
+        </p:spPr>
+        <p:txBody>
+          <a:bodyPr wrap="square" rtlCol="0">
+            <a:spAutoFit/>
+          </a:bodyPr>
+          <a:lstStyle/>
+          <a:p>
+            <a:r>
+              <a:rPr lang="it-IT" dirty="0">
+                <a:solidFill>
+                  <a:srgbClr val="FF0000"/>
+                </a:solidFill>
+              </a:rPr>
+              <a:t>SECONDO ME E’ DA CAMBIARE</a:t>
+            </a:r>
+          </a:p>
+        </p:txBody>
+      </p:sp>
+    </p:spTree>
+    <p:extLst>
+      <p:ext uri="{BB962C8B-B14F-4D97-AF65-F5344CB8AC3E}">
+        <p14:creationId xmlns:p14="http://schemas.microsoft.com/office/powerpoint/2010/main" val="2544109714"/>
+      </p:ext>
+    </p:extLst>
+  </p:cSld>
+  <p:clrMapOvr>
+    <a:masterClrMapping/>
+  </p:clrMapOvr>
+</p:sld>
+</file>
+
+<file path=ppt/slides/slide11.xml><?xml version="1.0" encoding="utf-8"?>
 <p:sld xmlns:a="http://schemas.openxmlformats.org/drawingml/2006/main" xmlns:r="http://schemas.openxmlformats.org/officeDocument/2006/relationships" xmlns:p="http://schemas.openxmlformats.org/presentationml/2006/main">
   <p:cSld>
     <p:spTree>
@@ -4728,11 +5563,12 @@
           <a:bodyPr/>
           <a:lstStyle/>
           <a:p>
-            <a:pPr marL="0" indent="0">
-              <a:buNone/>
-            </a:pPr>
-            <a:r>
-              <a:rPr lang="it-IT" dirty="0"/>
+            <a:r>
+              <a:rPr lang="it-IT" dirty="0">
+                <a:solidFill>
+                  <a:srgbClr val="FF0000"/>
+                </a:solidFill>
+              </a:rPr>
               <a:t>Prototipo di un’applicazione di monitoraggio dei posti liberi in aule studio con dati in real-time</a:t>
             </a:r>
           </a:p>
@@ -4803,7 +5639,7 @@
             <a:pPr algn="ctr"/>
             <a:r>
               <a:rPr lang="it-IT" b="1" dirty="0"/>
-              <a:t>Una user story</a:t>
+              <a:t>Obiettivo del progetto</a:t>
             </a:r>
           </a:p>
         </p:txBody>
@@ -4835,26 +5671,26 @@
           <a:lstStyle/>
           <a:p>
             <a:r>
+              <a:rPr lang="it-IT" dirty="0"/>
+              <a:t>Prototipo di un’applicazione di monitoraggio dei posti liberi in aule studio con dati in real-time</a:t>
+            </a:r>
+          </a:p>
+          <a:p>
+            <a:r>
               <a:rPr lang="it-IT" dirty="0">
                 <a:solidFill>
                   <a:srgbClr val="FF0000"/>
                 </a:solidFill>
               </a:rPr>
-              <a:t>Come utente, voglio sapere quali aulee studio vicine alla mia posizione corrente hanno dei posti liberi</a:t>
-            </a:r>
-          </a:p>
-          <a:p>
-            <a:pPr marL="0" indent="0">
-              <a:buNone/>
-            </a:pPr>
-            <a:endParaRPr lang="it-IT" dirty="0"/>
+              <a:t>che consenta agli utenti di trovare aule studio libero</a:t>
+            </a:r>
           </a:p>
         </p:txBody>
       </p:sp>
     </p:spTree>
     <p:extLst>
       <p:ext uri="{BB962C8B-B14F-4D97-AF65-F5344CB8AC3E}">
-        <p14:creationId xmlns:p14="http://schemas.microsoft.com/office/powerpoint/2010/main" val="886609222"/>
+        <p14:creationId xmlns:p14="http://schemas.microsoft.com/office/powerpoint/2010/main" val="1834602519"/>
       </p:ext>
     </p:extLst>
   </p:cSld>
@@ -4916,7 +5752,7 @@
             <a:pPr algn="ctr"/>
             <a:r>
               <a:rPr lang="it-IT" b="1" dirty="0"/>
-              <a:t>Una user story</a:t>
+              <a:t>Obiettivo del progetto</a:t>
             </a:r>
           </a:p>
         </p:txBody>
@@ -4940,18 +5776,22 @@
         <p:spPr>
           <a:xfrm>
             <a:off x="838200" y="2377168"/>
-            <a:ext cx="10515600" cy="3849461"/>
-          </a:xfrm>
-        </p:spPr>
-        <p:txBody>
-          <a:bodyPr>
-            <a:normAutofit/>
-          </a:bodyPr>
+            <a:ext cx="10515600" cy="2456089"/>
+          </a:xfrm>
+        </p:spPr>
+        <p:txBody>
+          <a:bodyPr/>
           <a:lstStyle/>
           <a:p>
             <a:r>
               <a:rPr lang="it-IT" dirty="0"/>
-              <a:t>Come utente, voglio sapere quali aulee studio vicine alla mia posizione corrente hanno dei posti liberi</a:t>
+              <a:t>Prototipo di un’applicazione di monitoraggio dei posti liberi in aule studio con dati in real-time</a:t>
+            </a:r>
+          </a:p>
+          <a:p>
+            <a:r>
+              <a:rPr lang="it-IT" dirty="0"/>
+              <a:t>che consenta agli utenti di trovare aule studio libero</a:t>
             </a:r>
           </a:p>
           <a:p>
@@ -4961,24 +5801,15 @@
                   <a:srgbClr val="FF0000"/>
                 </a:solidFill>
               </a:rPr>
-              <a:t>Voglio poter specificare il raggio entro cui cercare aule studio</a:t>
-            </a:r>
-          </a:p>
-          <a:p>
-            <a:endParaRPr lang="it-IT" dirty="0"/>
-          </a:p>
-          <a:p>
-            <a:pPr marL="0" indent="0">
-              <a:buNone/>
-            </a:pPr>
-            <a:endParaRPr lang="it-IT" dirty="0"/>
+              <a:t>e permetta di raccogliere statistiche sull’utilizzo delle aule studio</a:t>
+            </a:r>
           </a:p>
         </p:txBody>
       </p:sp>
     </p:spTree>
     <p:extLst>
       <p:ext uri="{BB962C8B-B14F-4D97-AF65-F5344CB8AC3E}">
-        <p14:creationId xmlns:p14="http://schemas.microsoft.com/office/powerpoint/2010/main" val="3442630605"/>
+        <p14:creationId xmlns:p14="http://schemas.microsoft.com/office/powerpoint/2010/main" val="2878515167"/>
       </p:ext>
     </p:extLst>
   </p:cSld>
@@ -5064,26 +5895,12 @@
         <p:spPr>
           <a:xfrm>
             <a:off x="838200" y="2377168"/>
-            <a:ext cx="10515600" cy="3849461"/>
-          </a:xfrm>
-        </p:spPr>
-        <p:txBody>
-          <a:bodyPr>
-            <a:normAutofit/>
-          </a:bodyPr>
-          <a:lstStyle/>
-          <a:p>
-            <a:r>
-              <a:rPr lang="it-IT" dirty="0"/>
-              <a:t>Come utente, voglio sapere quali aulee studio vicine alla mia posizione corrente hanno dei posti liberi</a:t>
-            </a:r>
-          </a:p>
-          <a:p>
-            <a:r>
-              <a:rPr lang="it-IT" dirty="0"/>
-              <a:t>Voglio poter specificare il raggio entro cui cercare aule studio</a:t>
-            </a:r>
-          </a:p>
+            <a:ext cx="10515600" cy="2456089"/>
+          </a:xfrm>
+        </p:spPr>
+        <p:txBody>
+          <a:bodyPr/>
+          <a:lstStyle/>
           <a:p>
             <a:r>
               <a:rPr lang="it-IT" dirty="0">
@@ -5091,7 +5908,7 @@
                   <a:srgbClr val="FF0000"/>
                 </a:solidFill>
               </a:rPr>
-              <a:t>Voglio poter specificare il numero di posti liberi che le aulee studio da includere nel risultato hanno</a:t>
+              <a:t>Come utente, voglio sapere quali aule studio vicine alla mia posizione corrente hanno dei posti liberi</a:t>
             </a:r>
           </a:p>
           <a:p>
@@ -5100,18 +5917,12 @@
             </a:pPr>
             <a:endParaRPr lang="it-IT" dirty="0"/>
           </a:p>
-          <a:p>
-            <a:pPr marL="0" indent="0">
-              <a:buNone/>
-            </a:pPr>
-            <a:endParaRPr lang="it-IT" dirty="0"/>
-          </a:p>
         </p:txBody>
       </p:sp>
     </p:spTree>
     <p:extLst>
       <p:ext uri="{BB962C8B-B14F-4D97-AF65-F5344CB8AC3E}">
-        <p14:creationId xmlns:p14="http://schemas.microsoft.com/office/powerpoint/2010/main" val="4027581580"/>
+        <p14:creationId xmlns:p14="http://schemas.microsoft.com/office/powerpoint/2010/main" val="886609222"/>
       </p:ext>
     </p:extLst>
   </p:cSld>
@@ -5208,19 +6019,7 @@
           <a:p>
             <a:r>
               <a:rPr lang="it-IT" dirty="0"/>
-              <a:t>Come utente, voglio sapere quali aulee studio vicine alla mia posizione corrente hanno dei posti liberi</a:t>
-            </a:r>
-          </a:p>
-          <a:p>
-            <a:r>
-              <a:rPr lang="it-IT" dirty="0"/>
-              <a:t>Voglio poter specificare il raggio entro cui cercare aule studio</a:t>
-            </a:r>
-          </a:p>
-          <a:p>
-            <a:r>
-              <a:rPr lang="it-IT" dirty="0"/>
-              <a:t>Voglio poter specificare il numero di posti liberi che le aulee studio hanno</a:t>
+              <a:t>Come utente, voglio sapere quali aule studio vicine alla mia posizione corrente hanno dei posti liberi</a:t>
             </a:r>
           </a:p>
           <a:p>
@@ -5230,8 +6029,11 @@
                   <a:srgbClr val="FF0000"/>
                 </a:solidFill>
               </a:rPr>
-              <a:t>Voglio poter specificare altri criteri di ricerca, come presenza di un bagno per disabili o prese di corrente</a:t>
-            </a:r>
+              <a:t>Voglio poter specificare il raggio entro cui cercare aule studio</a:t>
+            </a:r>
+          </a:p>
+          <a:p>
+            <a:endParaRPr lang="it-IT" dirty="0"/>
           </a:p>
           <a:p>
             <a:pPr marL="0" indent="0">
@@ -5244,7 +6046,7 @@
     </p:spTree>
     <p:extLst>
       <p:ext uri="{BB962C8B-B14F-4D97-AF65-F5344CB8AC3E}">
-        <p14:creationId xmlns:p14="http://schemas.microsoft.com/office/powerpoint/2010/main" val="786896838"/>
+        <p14:creationId xmlns:p14="http://schemas.microsoft.com/office/powerpoint/2010/main" val="3442630605"/>
       </p:ext>
     </p:extLst>
   </p:cSld>
@@ -5306,7 +6108,7 @@
             <a:pPr algn="ctr"/>
             <a:r>
               <a:rPr lang="it-IT" b="1" dirty="0"/>
-              <a:t>Architettura Software</a:t>
+              <a:t>Una user story</a:t>
             </a:r>
           </a:p>
         </p:txBody>
@@ -5330,24 +6132,54 @@
         <p:spPr>
           <a:xfrm>
             <a:off x="838200" y="2377168"/>
-            <a:ext cx="10515600" cy="2456089"/>
-          </a:xfrm>
-        </p:spPr>
-        <p:txBody>
-          <a:bodyPr/>
-          <a:lstStyle/>
+            <a:ext cx="10515600" cy="3849461"/>
+          </a:xfrm>
+        </p:spPr>
+        <p:txBody>
+          <a:bodyPr>
+            <a:normAutofit/>
+          </a:bodyPr>
+          <a:lstStyle/>
+          <a:p>
+            <a:r>
+              <a:rPr lang="it-IT" dirty="0"/>
+              <a:t>Come utente, voglio sapere quali aule studio vicine alla mia posizione corrente hanno dei posti liberi</a:t>
+            </a:r>
+          </a:p>
+          <a:p>
+            <a:r>
+              <a:rPr lang="it-IT" dirty="0"/>
+              <a:t>Voglio poter specificare il raggio entro cui cercare aule studio</a:t>
+            </a:r>
+          </a:p>
+          <a:p>
+            <a:r>
+              <a:rPr lang="it-IT" dirty="0">
+                <a:solidFill>
+                  <a:srgbClr val="FF0000"/>
+                </a:solidFill>
+              </a:rPr>
+              <a:t>Voglio poter specificare il numero di posti liberi che le aule studio da includere nel risultato hanno</a:t>
+            </a:r>
+          </a:p>
           <a:p>
             <a:pPr marL="0" indent="0">
               <a:buNone/>
             </a:pPr>
             <a:endParaRPr lang="it-IT" dirty="0"/>
           </a:p>
+          <a:p>
+            <a:pPr marL="0" indent="0">
+              <a:buNone/>
+            </a:pPr>
+            <a:endParaRPr lang="it-IT" dirty="0"/>
+          </a:p>
         </p:txBody>
       </p:sp>
     </p:spTree>
     <p:extLst>
       <p:ext uri="{BB962C8B-B14F-4D97-AF65-F5344CB8AC3E}">
-        <p14:creationId xmlns:p14="http://schemas.microsoft.com/office/powerpoint/2010/main" val="619636152"/>
+        <p14:creationId xmlns:p14="http://schemas.microsoft.com/office/powerpoint/2010/main" val="4027581580"/>
       </p:ext>
     </p:extLst>
   </p:cSld>
@@ -5376,7 +6208,13 @@
       </p:grpSpPr>
       <p:sp>
         <p:nvSpPr>
-          <p:cNvPr id="2" name="Titolo 1"/>
+          <p:cNvPr id="2" name="Title 1">
+            <a:extLst>
+              <a:ext uri="{FF2B5EF4-FFF2-40B4-BE49-F238E27FC236}">
+                <a16:creationId xmlns:a16="http://schemas.microsoft.com/office/drawing/2014/main" id="{DEF803E2-4DB2-4948-AFFC-8C46332992A9}"/>
+              </a:ext>
+            </a:extLst>
+          </p:cNvPr>
           <p:cNvSpPr>
             <a:spLocks noGrp="1"/>
           </p:cNvSpPr>
@@ -5384,1959 +6222,97 @@
             <p:ph type="title"/>
           </p:nvPr>
         </p:nvSpPr>
-        <p:spPr/>
+        <p:spPr>
+          <a:xfrm>
+            <a:off x="0" y="0"/>
+            <a:ext cx="12192000" cy="1690689"/>
+          </a:xfrm>
+          <a:solidFill>
+            <a:schemeClr val="accent1">
+              <a:lumMod val="40000"/>
+              <a:lumOff val="60000"/>
+            </a:schemeClr>
+          </a:solidFill>
+        </p:spPr>
         <p:txBody>
           <a:bodyPr/>
           <a:lstStyle/>
           <a:p>
             <a:pPr algn="ctr"/>
             <a:r>
+              <a:rPr lang="it-IT" b="1" dirty="0"/>
+              <a:t>Una user story</a:t>
+            </a:r>
+          </a:p>
+        </p:txBody>
+      </p:sp>
+      <p:sp>
+        <p:nvSpPr>
+          <p:cNvPr id="3" name="Content Placeholder 2">
+            <a:extLst>
+              <a:ext uri="{FF2B5EF4-FFF2-40B4-BE49-F238E27FC236}">
+                <a16:creationId xmlns:a16="http://schemas.microsoft.com/office/drawing/2014/main" id="{3FDA7772-7FC3-4695-98C1-FE8D998A604B}"/>
+              </a:ext>
+            </a:extLst>
+          </p:cNvPr>
+          <p:cNvSpPr>
+            <a:spLocks noGrp="1"/>
+          </p:cNvSpPr>
+          <p:nvPr>
+            <p:ph idx="1"/>
+          </p:nvPr>
+        </p:nvSpPr>
+        <p:spPr>
+          <a:xfrm>
+            <a:off x="838200" y="2377168"/>
+            <a:ext cx="10515600" cy="3849461"/>
+          </a:xfrm>
+        </p:spPr>
+        <p:txBody>
+          <a:bodyPr>
+            <a:normAutofit/>
+          </a:bodyPr>
+          <a:lstStyle/>
+          <a:p>
+            <a:r>
               <a:rPr lang="it-IT" dirty="0"/>
-              <a:t>Scenario</a:t>
-            </a:r>
-          </a:p>
-        </p:txBody>
-      </p:sp>
-      <p:sp>
-        <p:nvSpPr>
-          <p:cNvPr id="4" name="Rettangolo 3"/>
-          <p:cNvSpPr/>
-          <p:nvPr/>
-        </p:nvSpPr>
-        <p:spPr>
-          <a:xfrm>
-            <a:off x="838200" y="2152482"/>
-            <a:ext cx="3636696" cy="2589452"/>
-          </a:xfrm>
-          <a:prstGeom prst="rect">
-            <a:avLst/>
-          </a:prstGeom>
-          <a:solidFill>
-            <a:schemeClr val="bg1"/>
-          </a:solidFill>
-        </p:spPr>
-        <p:style>
-          <a:lnRef idx="2">
-            <a:schemeClr val="accent1">
-              <a:shade val="50000"/>
-            </a:schemeClr>
-          </a:lnRef>
-          <a:fillRef idx="1">
-            <a:schemeClr val="accent1"/>
-          </a:fillRef>
-          <a:effectRef idx="0">
-            <a:schemeClr val="accent1"/>
-          </a:effectRef>
-          <a:fontRef idx="minor">
-            <a:schemeClr val="lt1"/>
-          </a:fontRef>
-        </p:style>
-        <p:txBody>
-          <a:bodyPr rtlCol="0" anchor="ctr"/>
-          <a:lstStyle/>
-          <a:p>
-            <a:pPr algn="ctr"/>
-            <a:endParaRPr lang="it-IT"/>
-          </a:p>
-        </p:txBody>
-      </p:sp>
-      <p:sp>
-        <p:nvSpPr>
-          <p:cNvPr id="5" name="Rettangolo 4"/>
-          <p:cNvSpPr/>
-          <p:nvPr/>
-        </p:nvSpPr>
-        <p:spPr>
-          <a:xfrm>
-            <a:off x="1278542" y="2605635"/>
-            <a:ext cx="882031" cy="1383738"/>
-          </a:xfrm>
-          <a:prstGeom prst="rect">
-            <a:avLst/>
-          </a:prstGeom>
-        </p:spPr>
-        <p:style>
-          <a:lnRef idx="2">
-            <a:schemeClr val="accent1">
-              <a:shade val="50000"/>
-            </a:schemeClr>
-          </a:lnRef>
-          <a:fillRef idx="1">
-            <a:schemeClr val="accent1"/>
-          </a:fillRef>
-          <a:effectRef idx="0">
-            <a:schemeClr val="accent1"/>
-          </a:effectRef>
-          <a:fontRef idx="minor">
-            <a:schemeClr val="lt1"/>
-          </a:fontRef>
-        </p:style>
-        <p:txBody>
-          <a:bodyPr rtlCol="0" anchor="ctr"/>
-          <a:lstStyle/>
-          <a:p>
-            <a:pPr algn="ctr"/>
-            <a:endParaRPr lang="it-IT"/>
-          </a:p>
-        </p:txBody>
-      </p:sp>
-      <p:sp>
-        <p:nvSpPr>
-          <p:cNvPr id="7" name="Ovale 6"/>
-          <p:cNvSpPr/>
-          <p:nvPr/>
-        </p:nvSpPr>
-        <p:spPr>
-          <a:xfrm>
-            <a:off x="1375646" y="2840305"/>
-            <a:ext cx="89012" cy="89012"/>
-          </a:xfrm>
-          <a:prstGeom prst="ellipse">
-            <a:avLst/>
-          </a:prstGeom>
-          <a:solidFill>
-            <a:srgbClr val="FF0000"/>
-          </a:solidFill>
-        </p:spPr>
-        <p:style>
-          <a:lnRef idx="2">
-            <a:schemeClr val="accent1">
-              <a:shade val="50000"/>
-            </a:schemeClr>
-          </a:lnRef>
-          <a:fillRef idx="1">
-            <a:schemeClr val="accent1"/>
-          </a:fillRef>
-          <a:effectRef idx="0">
-            <a:schemeClr val="accent1"/>
-          </a:effectRef>
-          <a:fontRef idx="minor">
-            <a:schemeClr val="lt1"/>
-          </a:fontRef>
-        </p:style>
-        <p:txBody>
-          <a:bodyPr rtlCol="0" anchor="ctr"/>
-          <a:lstStyle/>
-          <a:p>
-            <a:pPr algn="ctr"/>
-            <a:endParaRPr lang="it-IT"/>
-          </a:p>
-        </p:txBody>
-      </p:sp>
-      <p:sp>
-        <p:nvSpPr>
-          <p:cNvPr id="8" name="Ovale 7"/>
-          <p:cNvSpPr/>
-          <p:nvPr/>
-        </p:nvSpPr>
-        <p:spPr>
-          <a:xfrm>
-            <a:off x="1950183" y="2840305"/>
-            <a:ext cx="89012" cy="89012"/>
-          </a:xfrm>
-          <a:prstGeom prst="ellipse">
-            <a:avLst/>
-          </a:prstGeom>
-          <a:solidFill>
-            <a:srgbClr val="FF0000"/>
-          </a:solidFill>
-        </p:spPr>
-        <p:style>
-          <a:lnRef idx="2">
-            <a:schemeClr val="accent1">
-              <a:shade val="50000"/>
-            </a:schemeClr>
-          </a:lnRef>
-          <a:fillRef idx="1">
-            <a:schemeClr val="accent1"/>
-          </a:fillRef>
-          <a:effectRef idx="0">
-            <a:schemeClr val="accent1"/>
-          </a:effectRef>
-          <a:fontRef idx="minor">
-            <a:schemeClr val="lt1"/>
-          </a:fontRef>
-        </p:style>
-        <p:txBody>
-          <a:bodyPr rtlCol="0" anchor="ctr"/>
-          <a:lstStyle/>
-          <a:p>
-            <a:pPr algn="ctr"/>
-            <a:endParaRPr lang="it-IT"/>
-          </a:p>
-        </p:txBody>
-      </p:sp>
-      <p:sp>
-        <p:nvSpPr>
-          <p:cNvPr id="9" name="Ovale 8"/>
-          <p:cNvSpPr/>
-          <p:nvPr/>
-        </p:nvSpPr>
-        <p:spPr>
-          <a:xfrm>
-            <a:off x="1375646" y="3706152"/>
-            <a:ext cx="89012" cy="89012"/>
-          </a:xfrm>
-          <a:prstGeom prst="ellipse">
-            <a:avLst/>
-          </a:prstGeom>
-          <a:solidFill>
-            <a:srgbClr val="FF0000"/>
-          </a:solidFill>
-        </p:spPr>
-        <p:style>
-          <a:lnRef idx="2">
-            <a:schemeClr val="accent1">
-              <a:shade val="50000"/>
-            </a:schemeClr>
-          </a:lnRef>
-          <a:fillRef idx="1">
-            <a:schemeClr val="accent1"/>
-          </a:fillRef>
-          <a:effectRef idx="0">
-            <a:schemeClr val="accent1"/>
-          </a:effectRef>
-          <a:fontRef idx="minor">
-            <a:schemeClr val="lt1"/>
-          </a:fontRef>
-        </p:style>
-        <p:txBody>
-          <a:bodyPr rtlCol="0" anchor="ctr"/>
-          <a:lstStyle/>
-          <a:p>
-            <a:pPr algn="ctr"/>
-            <a:endParaRPr lang="it-IT"/>
-          </a:p>
-        </p:txBody>
-      </p:sp>
-      <p:sp>
-        <p:nvSpPr>
-          <p:cNvPr id="10" name="Ovale 9"/>
-          <p:cNvSpPr/>
-          <p:nvPr/>
-        </p:nvSpPr>
-        <p:spPr>
-          <a:xfrm>
-            <a:off x="1950183" y="3706152"/>
-            <a:ext cx="89012" cy="89012"/>
-          </a:xfrm>
-          <a:prstGeom prst="ellipse">
-            <a:avLst/>
-          </a:prstGeom>
-          <a:solidFill>
-            <a:srgbClr val="FF0000"/>
-          </a:solidFill>
-        </p:spPr>
-        <p:style>
-          <a:lnRef idx="2">
-            <a:schemeClr val="accent1">
-              <a:shade val="50000"/>
-            </a:schemeClr>
-          </a:lnRef>
-          <a:fillRef idx="1">
-            <a:schemeClr val="accent1"/>
-          </a:fillRef>
-          <a:effectRef idx="0">
-            <a:schemeClr val="accent1"/>
-          </a:effectRef>
-          <a:fontRef idx="minor">
-            <a:schemeClr val="lt1"/>
-          </a:fontRef>
-        </p:style>
-        <p:txBody>
-          <a:bodyPr rtlCol="0" anchor="ctr"/>
-          <a:lstStyle/>
-          <a:p>
-            <a:pPr algn="ctr"/>
-            <a:endParaRPr lang="it-IT"/>
-          </a:p>
-        </p:txBody>
-      </p:sp>
-      <p:sp>
-        <p:nvSpPr>
-          <p:cNvPr id="11" name="Ovale 10"/>
-          <p:cNvSpPr/>
-          <p:nvPr/>
-        </p:nvSpPr>
-        <p:spPr>
-          <a:xfrm>
-            <a:off x="1096472" y="2840305"/>
-            <a:ext cx="89012" cy="89012"/>
-          </a:xfrm>
-          <a:prstGeom prst="ellipse">
-            <a:avLst/>
-          </a:prstGeom>
-          <a:solidFill>
-            <a:schemeClr val="accent6"/>
-          </a:solidFill>
-        </p:spPr>
-        <p:style>
-          <a:lnRef idx="2">
-            <a:schemeClr val="accent1">
-              <a:shade val="50000"/>
-            </a:schemeClr>
-          </a:lnRef>
-          <a:fillRef idx="1">
-            <a:schemeClr val="accent1"/>
-          </a:fillRef>
-          <a:effectRef idx="0">
-            <a:schemeClr val="accent1"/>
-          </a:effectRef>
-          <a:fontRef idx="minor">
-            <a:schemeClr val="lt1"/>
-          </a:fontRef>
-        </p:style>
-        <p:txBody>
-          <a:bodyPr rtlCol="0" anchor="ctr"/>
-          <a:lstStyle/>
-          <a:p>
-            <a:pPr algn="ctr"/>
-            <a:endParaRPr lang="it-IT"/>
-          </a:p>
-        </p:txBody>
-      </p:sp>
-      <p:sp>
-        <p:nvSpPr>
-          <p:cNvPr id="12" name="Ovale 11"/>
-          <p:cNvSpPr/>
-          <p:nvPr/>
-        </p:nvSpPr>
-        <p:spPr>
-          <a:xfrm>
-            <a:off x="1096472" y="3706152"/>
-            <a:ext cx="89012" cy="89012"/>
-          </a:xfrm>
-          <a:prstGeom prst="ellipse">
-            <a:avLst/>
-          </a:prstGeom>
-          <a:solidFill>
-            <a:schemeClr val="accent6"/>
-          </a:solidFill>
-        </p:spPr>
-        <p:style>
-          <a:lnRef idx="2">
-            <a:schemeClr val="accent1">
-              <a:shade val="50000"/>
-            </a:schemeClr>
-          </a:lnRef>
-          <a:fillRef idx="1">
-            <a:schemeClr val="accent1"/>
-          </a:fillRef>
-          <a:effectRef idx="0">
-            <a:schemeClr val="accent1"/>
-          </a:effectRef>
-          <a:fontRef idx="minor">
-            <a:schemeClr val="lt1"/>
-          </a:fontRef>
-        </p:style>
-        <p:txBody>
-          <a:bodyPr rtlCol="0" anchor="ctr"/>
-          <a:lstStyle/>
-          <a:p>
-            <a:pPr algn="ctr"/>
-            <a:endParaRPr lang="it-IT"/>
-          </a:p>
-        </p:txBody>
-      </p:sp>
-      <p:sp>
-        <p:nvSpPr>
-          <p:cNvPr id="13" name="Ovale 12"/>
-          <p:cNvSpPr/>
-          <p:nvPr/>
-        </p:nvSpPr>
-        <p:spPr>
-          <a:xfrm>
-            <a:off x="2253631" y="2840305"/>
-            <a:ext cx="89012" cy="89012"/>
-          </a:xfrm>
-          <a:prstGeom prst="ellipse">
-            <a:avLst/>
-          </a:prstGeom>
-          <a:solidFill>
-            <a:schemeClr val="accent6"/>
-          </a:solidFill>
-        </p:spPr>
-        <p:style>
-          <a:lnRef idx="2">
-            <a:schemeClr val="accent1">
-              <a:shade val="50000"/>
-            </a:schemeClr>
-          </a:lnRef>
-          <a:fillRef idx="1">
-            <a:schemeClr val="accent1"/>
-          </a:fillRef>
-          <a:effectRef idx="0">
-            <a:schemeClr val="accent1"/>
-          </a:effectRef>
-          <a:fontRef idx="minor">
-            <a:schemeClr val="lt1"/>
-          </a:fontRef>
-        </p:style>
-        <p:txBody>
-          <a:bodyPr rtlCol="0" anchor="ctr"/>
-          <a:lstStyle/>
-          <a:p>
-            <a:pPr algn="ctr"/>
-            <a:endParaRPr lang="it-IT"/>
-          </a:p>
-        </p:txBody>
-      </p:sp>
-      <p:sp>
-        <p:nvSpPr>
-          <p:cNvPr id="14" name="Ovale 13"/>
-          <p:cNvSpPr/>
-          <p:nvPr/>
-        </p:nvSpPr>
-        <p:spPr>
-          <a:xfrm>
-            <a:off x="2253631" y="3706152"/>
-            <a:ext cx="89012" cy="89012"/>
-          </a:xfrm>
-          <a:prstGeom prst="ellipse">
-            <a:avLst/>
-          </a:prstGeom>
-          <a:solidFill>
-            <a:schemeClr val="accent6"/>
-          </a:solidFill>
-        </p:spPr>
-        <p:style>
-          <a:lnRef idx="2">
-            <a:schemeClr val="accent1">
-              <a:shade val="50000"/>
-            </a:schemeClr>
-          </a:lnRef>
-          <a:fillRef idx="1">
-            <a:schemeClr val="accent1"/>
-          </a:fillRef>
-          <a:effectRef idx="0">
-            <a:schemeClr val="accent1"/>
-          </a:effectRef>
-          <a:fontRef idx="minor">
-            <a:schemeClr val="lt1"/>
-          </a:fontRef>
-        </p:style>
-        <p:txBody>
-          <a:bodyPr rtlCol="0" anchor="ctr"/>
-          <a:lstStyle/>
-          <a:p>
-            <a:pPr algn="ctr"/>
-            <a:endParaRPr lang="it-IT"/>
-          </a:p>
-        </p:txBody>
-      </p:sp>
-      <p:sp>
-        <p:nvSpPr>
-          <p:cNvPr id="15" name="Rettangolo 14"/>
-          <p:cNvSpPr/>
-          <p:nvPr/>
-        </p:nvSpPr>
-        <p:spPr>
-          <a:xfrm>
-            <a:off x="2967754" y="2605635"/>
-            <a:ext cx="882031" cy="1383738"/>
-          </a:xfrm>
-          <a:prstGeom prst="rect">
-            <a:avLst/>
-          </a:prstGeom>
-        </p:spPr>
-        <p:style>
-          <a:lnRef idx="2">
-            <a:schemeClr val="accent1">
-              <a:shade val="50000"/>
-            </a:schemeClr>
-          </a:lnRef>
-          <a:fillRef idx="1">
-            <a:schemeClr val="accent1"/>
-          </a:fillRef>
-          <a:effectRef idx="0">
-            <a:schemeClr val="accent1"/>
-          </a:effectRef>
-          <a:fontRef idx="minor">
-            <a:schemeClr val="lt1"/>
-          </a:fontRef>
-        </p:style>
-        <p:txBody>
-          <a:bodyPr rtlCol="0" anchor="ctr"/>
-          <a:lstStyle/>
-          <a:p>
-            <a:pPr algn="ctr"/>
-            <a:endParaRPr lang="it-IT"/>
-          </a:p>
-        </p:txBody>
-      </p:sp>
-      <p:sp>
-        <p:nvSpPr>
-          <p:cNvPr id="16" name="Ovale 15"/>
-          <p:cNvSpPr/>
-          <p:nvPr/>
-        </p:nvSpPr>
-        <p:spPr>
-          <a:xfrm>
-            <a:off x="3064858" y="2840305"/>
-            <a:ext cx="89012" cy="89012"/>
-          </a:xfrm>
-          <a:prstGeom prst="ellipse">
-            <a:avLst/>
-          </a:prstGeom>
-          <a:solidFill>
-            <a:srgbClr val="FF0000"/>
-          </a:solidFill>
-        </p:spPr>
-        <p:style>
-          <a:lnRef idx="2">
-            <a:schemeClr val="accent1">
-              <a:shade val="50000"/>
-            </a:schemeClr>
-          </a:lnRef>
-          <a:fillRef idx="1">
-            <a:schemeClr val="accent1"/>
-          </a:fillRef>
-          <a:effectRef idx="0">
-            <a:schemeClr val="accent1"/>
-          </a:effectRef>
-          <a:fontRef idx="minor">
-            <a:schemeClr val="lt1"/>
-          </a:fontRef>
-        </p:style>
-        <p:txBody>
-          <a:bodyPr rtlCol="0" anchor="ctr"/>
-          <a:lstStyle/>
-          <a:p>
-            <a:pPr algn="ctr"/>
-            <a:endParaRPr lang="it-IT"/>
-          </a:p>
-        </p:txBody>
-      </p:sp>
-      <p:sp>
-        <p:nvSpPr>
-          <p:cNvPr id="17" name="Ovale 16"/>
-          <p:cNvSpPr/>
-          <p:nvPr/>
-        </p:nvSpPr>
-        <p:spPr>
-          <a:xfrm>
-            <a:off x="3639395" y="2840305"/>
-            <a:ext cx="89012" cy="89012"/>
-          </a:xfrm>
-          <a:prstGeom prst="ellipse">
-            <a:avLst/>
-          </a:prstGeom>
-          <a:solidFill>
-            <a:srgbClr val="FF0000"/>
-          </a:solidFill>
-        </p:spPr>
-        <p:style>
-          <a:lnRef idx="2">
-            <a:schemeClr val="accent1">
-              <a:shade val="50000"/>
-            </a:schemeClr>
-          </a:lnRef>
-          <a:fillRef idx="1">
-            <a:schemeClr val="accent1"/>
-          </a:fillRef>
-          <a:effectRef idx="0">
-            <a:schemeClr val="accent1"/>
-          </a:effectRef>
-          <a:fontRef idx="minor">
-            <a:schemeClr val="lt1"/>
-          </a:fontRef>
-        </p:style>
-        <p:txBody>
-          <a:bodyPr rtlCol="0" anchor="ctr"/>
-          <a:lstStyle/>
-          <a:p>
-            <a:pPr algn="ctr"/>
-            <a:endParaRPr lang="it-IT"/>
-          </a:p>
-        </p:txBody>
-      </p:sp>
-      <p:sp>
-        <p:nvSpPr>
-          <p:cNvPr id="18" name="Ovale 17"/>
-          <p:cNvSpPr/>
-          <p:nvPr/>
-        </p:nvSpPr>
-        <p:spPr>
-          <a:xfrm>
-            <a:off x="3064858" y="3706152"/>
-            <a:ext cx="89012" cy="89012"/>
-          </a:xfrm>
-          <a:prstGeom prst="ellipse">
-            <a:avLst/>
-          </a:prstGeom>
-          <a:solidFill>
-            <a:srgbClr val="FF0000"/>
-          </a:solidFill>
-        </p:spPr>
-        <p:style>
-          <a:lnRef idx="2">
-            <a:schemeClr val="accent1">
-              <a:shade val="50000"/>
-            </a:schemeClr>
-          </a:lnRef>
-          <a:fillRef idx="1">
-            <a:schemeClr val="accent1"/>
-          </a:fillRef>
-          <a:effectRef idx="0">
-            <a:schemeClr val="accent1"/>
-          </a:effectRef>
-          <a:fontRef idx="minor">
-            <a:schemeClr val="lt1"/>
-          </a:fontRef>
-        </p:style>
-        <p:txBody>
-          <a:bodyPr rtlCol="0" anchor="ctr"/>
-          <a:lstStyle/>
-          <a:p>
-            <a:pPr algn="ctr"/>
-            <a:endParaRPr lang="it-IT"/>
-          </a:p>
-        </p:txBody>
-      </p:sp>
-      <p:sp>
-        <p:nvSpPr>
-          <p:cNvPr id="19" name="Ovale 18"/>
-          <p:cNvSpPr/>
-          <p:nvPr/>
-        </p:nvSpPr>
-        <p:spPr>
-          <a:xfrm>
-            <a:off x="3639395" y="3706152"/>
-            <a:ext cx="89012" cy="89012"/>
-          </a:xfrm>
-          <a:prstGeom prst="ellipse">
-            <a:avLst/>
-          </a:prstGeom>
-          <a:solidFill>
-            <a:srgbClr val="FF0000"/>
-          </a:solidFill>
-        </p:spPr>
-        <p:style>
-          <a:lnRef idx="2">
-            <a:schemeClr val="accent1">
-              <a:shade val="50000"/>
-            </a:schemeClr>
-          </a:lnRef>
-          <a:fillRef idx="1">
-            <a:schemeClr val="accent1"/>
-          </a:fillRef>
-          <a:effectRef idx="0">
-            <a:schemeClr val="accent1"/>
-          </a:effectRef>
-          <a:fontRef idx="minor">
-            <a:schemeClr val="lt1"/>
-          </a:fontRef>
-        </p:style>
-        <p:txBody>
-          <a:bodyPr rtlCol="0" anchor="ctr"/>
-          <a:lstStyle/>
-          <a:p>
-            <a:pPr algn="ctr"/>
-            <a:endParaRPr lang="it-IT"/>
-          </a:p>
-        </p:txBody>
-      </p:sp>
-      <p:sp>
-        <p:nvSpPr>
-          <p:cNvPr id="20" name="Ovale 19"/>
-          <p:cNvSpPr/>
-          <p:nvPr/>
-        </p:nvSpPr>
-        <p:spPr>
-          <a:xfrm>
-            <a:off x="2785684" y="2840305"/>
-            <a:ext cx="89012" cy="89012"/>
-          </a:xfrm>
-          <a:prstGeom prst="ellipse">
-            <a:avLst/>
-          </a:prstGeom>
-          <a:solidFill>
-            <a:schemeClr val="accent6"/>
-          </a:solidFill>
-        </p:spPr>
-        <p:style>
-          <a:lnRef idx="2">
-            <a:schemeClr val="accent1">
-              <a:shade val="50000"/>
-            </a:schemeClr>
-          </a:lnRef>
-          <a:fillRef idx="1">
-            <a:schemeClr val="accent1"/>
-          </a:fillRef>
-          <a:effectRef idx="0">
-            <a:schemeClr val="accent1"/>
-          </a:effectRef>
-          <a:fontRef idx="minor">
-            <a:schemeClr val="lt1"/>
-          </a:fontRef>
-        </p:style>
-        <p:txBody>
-          <a:bodyPr rtlCol="0" anchor="ctr"/>
-          <a:lstStyle/>
-          <a:p>
-            <a:pPr algn="ctr"/>
-            <a:endParaRPr lang="it-IT"/>
-          </a:p>
-        </p:txBody>
-      </p:sp>
-      <p:sp>
-        <p:nvSpPr>
-          <p:cNvPr id="21" name="Ovale 20"/>
-          <p:cNvSpPr/>
-          <p:nvPr/>
-        </p:nvSpPr>
-        <p:spPr>
-          <a:xfrm>
-            <a:off x="2785684" y="3706152"/>
-            <a:ext cx="89012" cy="89012"/>
-          </a:xfrm>
-          <a:prstGeom prst="ellipse">
-            <a:avLst/>
-          </a:prstGeom>
-          <a:solidFill>
-            <a:schemeClr val="accent6"/>
-          </a:solidFill>
-        </p:spPr>
-        <p:style>
-          <a:lnRef idx="2">
-            <a:schemeClr val="accent1">
-              <a:shade val="50000"/>
-            </a:schemeClr>
-          </a:lnRef>
-          <a:fillRef idx="1">
-            <a:schemeClr val="accent1"/>
-          </a:fillRef>
-          <a:effectRef idx="0">
-            <a:schemeClr val="accent1"/>
-          </a:effectRef>
-          <a:fontRef idx="minor">
-            <a:schemeClr val="lt1"/>
-          </a:fontRef>
-        </p:style>
-        <p:txBody>
-          <a:bodyPr rtlCol="0" anchor="ctr"/>
-          <a:lstStyle/>
-          <a:p>
-            <a:pPr algn="ctr"/>
-            <a:endParaRPr lang="it-IT"/>
-          </a:p>
-        </p:txBody>
-      </p:sp>
-      <p:sp>
-        <p:nvSpPr>
-          <p:cNvPr id="22" name="Ovale 21"/>
-          <p:cNvSpPr/>
-          <p:nvPr/>
-        </p:nvSpPr>
-        <p:spPr>
-          <a:xfrm>
-            <a:off x="3942843" y="2840305"/>
-            <a:ext cx="89012" cy="89012"/>
-          </a:xfrm>
-          <a:prstGeom prst="ellipse">
-            <a:avLst/>
-          </a:prstGeom>
-          <a:solidFill>
-            <a:schemeClr val="accent6"/>
-          </a:solidFill>
-        </p:spPr>
-        <p:style>
-          <a:lnRef idx="2">
-            <a:schemeClr val="accent1">
-              <a:shade val="50000"/>
-            </a:schemeClr>
-          </a:lnRef>
-          <a:fillRef idx="1">
-            <a:schemeClr val="accent1"/>
-          </a:fillRef>
-          <a:effectRef idx="0">
-            <a:schemeClr val="accent1"/>
-          </a:effectRef>
-          <a:fontRef idx="minor">
-            <a:schemeClr val="lt1"/>
-          </a:fontRef>
-        </p:style>
-        <p:txBody>
-          <a:bodyPr rtlCol="0" anchor="ctr"/>
-          <a:lstStyle/>
-          <a:p>
-            <a:pPr algn="ctr"/>
-            <a:endParaRPr lang="it-IT"/>
-          </a:p>
-        </p:txBody>
-      </p:sp>
-      <p:sp>
-        <p:nvSpPr>
-          <p:cNvPr id="23" name="Ovale 22"/>
-          <p:cNvSpPr/>
-          <p:nvPr/>
-        </p:nvSpPr>
-        <p:spPr>
-          <a:xfrm>
-            <a:off x="3942843" y="3706152"/>
-            <a:ext cx="89012" cy="89012"/>
-          </a:xfrm>
-          <a:prstGeom prst="ellipse">
-            <a:avLst/>
-          </a:prstGeom>
-          <a:solidFill>
-            <a:schemeClr val="accent6"/>
-          </a:solidFill>
-        </p:spPr>
-        <p:style>
-          <a:lnRef idx="2">
-            <a:schemeClr val="accent1">
-              <a:shade val="50000"/>
-            </a:schemeClr>
-          </a:lnRef>
-          <a:fillRef idx="1">
-            <a:schemeClr val="accent1"/>
-          </a:fillRef>
-          <a:effectRef idx="0">
-            <a:schemeClr val="accent1"/>
-          </a:effectRef>
-          <a:fontRef idx="minor">
-            <a:schemeClr val="lt1"/>
-          </a:fontRef>
-        </p:style>
-        <p:txBody>
-          <a:bodyPr rtlCol="0" anchor="ctr"/>
-          <a:lstStyle/>
-          <a:p>
-            <a:pPr algn="ctr"/>
-            <a:endParaRPr lang="it-IT"/>
-          </a:p>
-        </p:txBody>
-      </p:sp>
-      <p:sp>
-        <p:nvSpPr>
-          <p:cNvPr id="25" name="Callout 2 24"/>
-          <p:cNvSpPr/>
-          <p:nvPr/>
-        </p:nvSpPr>
-        <p:spPr>
-          <a:xfrm>
-            <a:off x="4685288" y="2840305"/>
-            <a:ext cx="1097144" cy="250853"/>
-          </a:xfrm>
-          <a:prstGeom prst="borderCallout2">
-            <a:avLst>
-              <a:gd name="adj1" fmla="val 18750"/>
-              <a:gd name="adj2" fmla="val 695"/>
-              <a:gd name="adj3" fmla="val 18750"/>
-              <a:gd name="adj4" fmla="val -16667"/>
-              <a:gd name="adj5" fmla="val 17578"/>
-              <a:gd name="adj6" fmla="val -58301"/>
-            </a:avLst>
-          </a:prstGeom>
-          <a:solidFill>
-            <a:schemeClr val="bg1"/>
-          </a:solidFill>
-        </p:spPr>
-        <p:style>
-          <a:lnRef idx="2">
-            <a:schemeClr val="accent1">
-              <a:shade val="50000"/>
-            </a:schemeClr>
-          </a:lnRef>
-          <a:fillRef idx="1">
-            <a:schemeClr val="accent1"/>
-          </a:fillRef>
-          <a:effectRef idx="0">
-            <a:schemeClr val="accent1"/>
-          </a:effectRef>
-          <a:fontRef idx="minor">
-            <a:schemeClr val="lt1"/>
-          </a:fontRef>
-        </p:style>
-        <p:txBody>
-          <a:bodyPr rtlCol="0" anchor="ctr"/>
-          <a:lstStyle/>
-          <a:p>
-            <a:pPr algn="ctr"/>
-            <a:r>
-              <a:rPr lang="it-IT" sz="1200" dirty="0">
+              <a:t>Come utente, voglio sapere quali aule studio vicine alla mia posizione corrente hanno dei posti liberi</a:t>
+            </a:r>
+          </a:p>
+          <a:p>
+            <a:r>
+              <a:rPr lang="it-IT" dirty="0"/>
+              <a:t>Voglio poter specificare il raggio entro cui cercare aule studio</a:t>
+            </a:r>
+          </a:p>
+          <a:p>
+            <a:r>
+              <a:rPr lang="it-IT" dirty="0"/>
+              <a:t>Voglio poter specificare il numero di posti liberi che le aule studio hanno</a:t>
+            </a:r>
+          </a:p>
+          <a:p>
+            <a:r>
+              <a:rPr lang="it-IT" dirty="0">
                 <a:solidFill>
-                  <a:sysClr val="windowText" lastClr="000000"/>
+                  <a:srgbClr val="FF0000"/>
                 </a:solidFill>
               </a:rPr>
-              <a:t>sensore sedia</a:t>
-            </a:r>
-          </a:p>
-        </p:txBody>
-      </p:sp>
-      <p:sp>
-        <p:nvSpPr>
-          <p:cNvPr id="26" name="Callout 2 25"/>
-          <p:cNvSpPr/>
-          <p:nvPr/>
-        </p:nvSpPr>
-        <p:spPr>
-          <a:xfrm>
-            <a:off x="4696753" y="2480208"/>
-            <a:ext cx="1097144" cy="250853"/>
-          </a:xfrm>
-          <a:prstGeom prst="borderCallout2">
-            <a:avLst>
-              <a:gd name="adj1" fmla="val 18750"/>
-              <a:gd name="adj2" fmla="val 695"/>
-              <a:gd name="adj3" fmla="val 18750"/>
-              <a:gd name="adj4" fmla="val -35417"/>
-              <a:gd name="adj5" fmla="val 156288"/>
-              <a:gd name="adj6" fmla="val -95539"/>
-            </a:avLst>
-          </a:prstGeom>
-          <a:solidFill>
-            <a:schemeClr val="bg1"/>
-          </a:solidFill>
-        </p:spPr>
-        <p:style>
-          <a:lnRef idx="2">
-            <a:schemeClr val="accent1">
-              <a:shade val="50000"/>
-            </a:schemeClr>
-          </a:lnRef>
-          <a:fillRef idx="1">
-            <a:schemeClr val="accent1"/>
-          </a:fillRef>
-          <a:effectRef idx="0">
-            <a:schemeClr val="accent1"/>
-          </a:effectRef>
-          <a:fontRef idx="minor">
-            <a:schemeClr val="lt1"/>
-          </a:fontRef>
-        </p:style>
-        <p:txBody>
-          <a:bodyPr rtlCol="0" anchor="ctr"/>
-          <a:lstStyle/>
-          <a:p>
-            <a:pPr algn="ctr"/>
-            <a:r>
-              <a:rPr lang="it-IT" sz="1200" dirty="0">
-                <a:solidFill>
-                  <a:sysClr val="windowText" lastClr="000000"/>
-                </a:solidFill>
-              </a:rPr>
-              <a:t>sensore tavolo</a:t>
-            </a:r>
-          </a:p>
-        </p:txBody>
-      </p:sp>
-      <p:pic>
-        <p:nvPicPr>
-          <p:cNvPr id="27" name="Immagine 26"/>
-          <p:cNvPicPr>
-            <a:picLocks noChangeAspect="1"/>
-          </p:cNvPicPr>
-          <p:nvPr/>
-        </p:nvPicPr>
-        <p:blipFill rotWithShape="1">
-          <a:blip r:embed="rId2"/>
-          <a:srcRect l="2201" t="1668" r="4600" b="5443"/>
-          <a:stretch/>
-        </p:blipFill>
-        <p:spPr>
-          <a:xfrm>
-            <a:off x="4689446" y="5058561"/>
-            <a:ext cx="1937857" cy="1409351"/>
-          </a:xfrm>
-          <a:prstGeom prst="rect">
-            <a:avLst/>
-          </a:prstGeom>
-        </p:spPr>
-      </p:pic>
-      <p:pic>
-        <p:nvPicPr>
-          <p:cNvPr id="28" name="Immagine 27"/>
-          <p:cNvPicPr>
-            <a:picLocks noChangeAspect="1"/>
-          </p:cNvPicPr>
-          <p:nvPr/>
-        </p:nvPicPr>
-        <p:blipFill>
-          <a:blip r:embed="rId3" cstate="print">
-            <a:extLst>
-              <a:ext uri="{28A0092B-C50C-407E-A947-70E740481C1C}">
-                <a14:useLocalDpi xmlns:a14="http://schemas.microsoft.com/office/drawing/2010/main" val="0"/>
-              </a:ext>
-            </a:extLst>
-          </a:blip>
-          <a:stretch>
-            <a:fillRect/>
-          </a:stretch>
-        </p:blipFill>
-        <p:spPr>
-          <a:xfrm>
-            <a:off x="9217825" y="4741934"/>
-            <a:ext cx="1349200" cy="1908495"/>
-          </a:xfrm>
-          <a:prstGeom prst="rect">
-            <a:avLst/>
-          </a:prstGeom>
-        </p:spPr>
-      </p:pic>
-      <p:sp>
-        <p:nvSpPr>
-          <p:cNvPr id="29" name="Freccia a destra rientrata 28"/>
-          <p:cNvSpPr/>
-          <p:nvPr/>
-        </p:nvSpPr>
-        <p:spPr>
-          <a:xfrm rot="3991473">
-            <a:off x="3281198" y="3956473"/>
-            <a:ext cx="2239224" cy="209724"/>
-          </a:xfrm>
-          <a:prstGeom prst="notchedRightArrow">
-            <a:avLst>
-              <a:gd name="adj1" fmla="val 25095"/>
-              <a:gd name="adj2" fmla="val 50000"/>
-            </a:avLst>
-          </a:prstGeom>
-          <a:solidFill>
-            <a:schemeClr val="accent1">
-              <a:lumMod val="20000"/>
-              <a:lumOff val="80000"/>
-            </a:schemeClr>
-          </a:solidFill>
-        </p:spPr>
-        <p:style>
-          <a:lnRef idx="2">
-            <a:schemeClr val="accent1">
-              <a:shade val="50000"/>
-            </a:schemeClr>
-          </a:lnRef>
-          <a:fillRef idx="1">
-            <a:schemeClr val="accent1"/>
-          </a:fillRef>
-          <a:effectRef idx="0">
-            <a:schemeClr val="accent1"/>
-          </a:effectRef>
-          <a:fontRef idx="minor">
-            <a:schemeClr val="lt1"/>
-          </a:fontRef>
-        </p:style>
-        <p:txBody>
-          <a:bodyPr rtlCol="0" anchor="ctr"/>
-          <a:lstStyle/>
-          <a:p>
-            <a:pPr algn="ctr"/>
-            <a:endParaRPr lang="it-IT"/>
-          </a:p>
-        </p:txBody>
-      </p:sp>
-      <p:sp>
-        <p:nvSpPr>
-          <p:cNvPr id="31" name="Freccia bidirezionale orizzontale 30"/>
-          <p:cNvSpPr/>
-          <p:nvPr/>
-        </p:nvSpPr>
-        <p:spPr>
-          <a:xfrm>
-            <a:off x="6694416" y="5591319"/>
-            <a:ext cx="2583288" cy="222252"/>
-          </a:xfrm>
-          <a:prstGeom prst="leftRightArrow">
-            <a:avLst>
-              <a:gd name="adj1" fmla="val 27353"/>
-              <a:gd name="adj2" fmla="val 50000"/>
-            </a:avLst>
-          </a:prstGeom>
-          <a:solidFill>
-            <a:schemeClr val="accent1">
-              <a:lumMod val="20000"/>
-              <a:lumOff val="80000"/>
-            </a:schemeClr>
-          </a:solidFill>
-        </p:spPr>
-        <p:style>
-          <a:lnRef idx="2">
-            <a:schemeClr val="accent1">
-              <a:shade val="50000"/>
-            </a:schemeClr>
-          </a:lnRef>
-          <a:fillRef idx="1">
-            <a:schemeClr val="accent1"/>
-          </a:fillRef>
-          <a:effectRef idx="0">
-            <a:schemeClr val="accent1"/>
-          </a:effectRef>
-          <a:fontRef idx="minor">
-            <a:schemeClr val="lt1"/>
-          </a:fontRef>
-        </p:style>
-        <p:txBody>
-          <a:bodyPr rtlCol="0" anchor="ctr"/>
-          <a:lstStyle/>
-          <a:p>
-            <a:pPr algn="ctr"/>
-            <a:endParaRPr lang="it-IT"/>
-          </a:p>
-        </p:txBody>
-      </p:sp>
-      <p:sp>
-        <p:nvSpPr>
-          <p:cNvPr id="32" name="Rettangolo 31"/>
-          <p:cNvSpPr/>
-          <p:nvPr/>
-        </p:nvSpPr>
-        <p:spPr>
-          <a:xfrm>
-            <a:off x="5992824" y="2152482"/>
-            <a:ext cx="3636696" cy="2589452"/>
-          </a:xfrm>
-          <a:prstGeom prst="rect">
-            <a:avLst/>
-          </a:prstGeom>
-          <a:solidFill>
-            <a:schemeClr val="bg1"/>
-          </a:solidFill>
-        </p:spPr>
-        <p:style>
-          <a:lnRef idx="2">
-            <a:schemeClr val="accent1">
-              <a:shade val="50000"/>
-            </a:schemeClr>
-          </a:lnRef>
-          <a:fillRef idx="1">
-            <a:schemeClr val="accent1"/>
-          </a:fillRef>
-          <a:effectRef idx="0">
-            <a:schemeClr val="accent1"/>
-          </a:effectRef>
-          <a:fontRef idx="minor">
-            <a:schemeClr val="lt1"/>
-          </a:fontRef>
-        </p:style>
-        <p:txBody>
-          <a:bodyPr rtlCol="0" anchor="ctr"/>
-          <a:lstStyle/>
-          <a:p>
-            <a:pPr algn="ctr"/>
-            <a:endParaRPr lang="it-IT"/>
-          </a:p>
-        </p:txBody>
-      </p:sp>
-      <p:sp>
-        <p:nvSpPr>
-          <p:cNvPr id="33" name="Rettangolo 32"/>
-          <p:cNvSpPr/>
-          <p:nvPr/>
-        </p:nvSpPr>
-        <p:spPr>
-          <a:xfrm>
-            <a:off x="6433166" y="2605635"/>
-            <a:ext cx="882031" cy="1383738"/>
-          </a:xfrm>
-          <a:prstGeom prst="rect">
-            <a:avLst/>
-          </a:prstGeom>
-        </p:spPr>
-        <p:style>
-          <a:lnRef idx="2">
-            <a:schemeClr val="accent1">
-              <a:shade val="50000"/>
-            </a:schemeClr>
-          </a:lnRef>
-          <a:fillRef idx="1">
-            <a:schemeClr val="accent1"/>
-          </a:fillRef>
-          <a:effectRef idx="0">
-            <a:schemeClr val="accent1"/>
-          </a:effectRef>
-          <a:fontRef idx="minor">
-            <a:schemeClr val="lt1"/>
-          </a:fontRef>
-        </p:style>
-        <p:txBody>
-          <a:bodyPr rtlCol="0" anchor="ctr"/>
-          <a:lstStyle/>
-          <a:p>
-            <a:pPr algn="ctr"/>
-            <a:endParaRPr lang="it-IT"/>
-          </a:p>
-        </p:txBody>
-      </p:sp>
-      <p:sp>
-        <p:nvSpPr>
-          <p:cNvPr id="34" name="Ovale 33"/>
-          <p:cNvSpPr/>
-          <p:nvPr/>
-        </p:nvSpPr>
-        <p:spPr>
-          <a:xfrm>
-            <a:off x="6530270" y="2840305"/>
-            <a:ext cx="89012" cy="89012"/>
-          </a:xfrm>
-          <a:prstGeom prst="ellipse">
-            <a:avLst/>
-          </a:prstGeom>
-          <a:solidFill>
-            <a:srgbClr val="FF0000"/>
-          </a:solidFill>
-        </p:spPr>
-        <p:style>
-          <a:lnRef idx="2">
-            <a:schemeClr val="accent1">
-              <a:shade val="50000"/>
-            </a:schemeClr>
-          </a:lnRef>
-          <a:fillRef idx="1">
-            <a:schemeClr val="accent1"/>
-          </a:fillRef>
-          <a:effectRef idx="0">
-            <a:schemeClr val="accent1"/>
-          </a:effectRef>
-          <a:fontRef idx="minor">
-            <a:schemeClr val="lt1"/>
-          </a:fontRef>
-        </p:style>
-        <p:txBody>
-          <a:bodyPr rtlCol="0" anchor="ctr"/>
-          <a:lstStyle/>
-          <a:p>
-            <a:pPr algn="ctr"/>
-            <a:endParaRPr lang="it-IT"/>
-          </a:p>
-        </p:txBody>
-      </p:sp>
-      <p:sp>
-        <p:nvSpPr>
-          <p:cNvPr id="35" name="Ovale 34"/>
-          <p:cNvSpPr/>
-          <p:nvPr/>
-        </p:nvSpPr>
-        <p:spPr>
-          <a:xfrm>
-            <a:off x="7104807" y="2840305"/>
-            <a:ext cx="89012" cy="89012"/>
-          </a:xfrm>
-          <a:prstGeom prst="ellipse">
-            <a:avLst/>
-          </a:prstGeom>
-          <a:solidFill>
-            <a:srgbClr val="FF0000"/>
-          </a:solidFill>
-        </p:spPr>
-        <p:style>
-          <a:lnRef idx="2">
-            <a:schemeClr val="accent1">
-              <a:shade val="50000"/>
-            </a:schemeClr>
-          </a:lnRef>
-          <a:fillRef idx="1">
-            <a:schemeClr val="accent1"/>
-          </a:fillRef>
-          <a:effectRef idx="0">
-            <a:schemeClr val="accent1"/>
-          </a:effectRef>
-          <a:fontRef idx="minor">
-            <a:schemeClr val="lt1"/>
-          </a:fontRef>
-        </p:style>
-        <p:txBody>
-          <a:bodyPr rtlCol="0" anchor="ctr"/>
-          <a:lstStyle/>
-          <a:p>
-            <a:pPr algn="ctr"/>
-            <a:endParaRPr lang="it-IT"/>
-          </a:p>
-        </p:txBody>
-      </p:sp>
-      <p:sp>
-        <p:nvSpPr>
-          <p:cNvPr id="36" name="Ovale 35"/>
-          <p:cNvSpPr/>
-          <p:nvPr/>
-        </p:nvSpPr>
-        <p:spPr>
-          <a:xfrm>
-            <a:off x="6530270" y="3706152"/>
-            <a:ext cx="89012" cy="89012"/>
-          </a:xfrm>
-          <a:prstGeom prst="ellipse">
-            <a:avLst/>
-          </a:prstGeom>
-          <a:solidFill>
-            <a:srgbClr val="FF0000"/>
-          </a:solidFill>
-        </p:spPr>
-        <p:style>
-          <a:lnRef idx="2">
-            <a:schemeClr val="accent1">
-              <a:shade val="50000"/>
-            </a:schemeClr>
-          </a:lnRef>
-          <a:fillRef idx="1">
-            <a:schemeClr val="accent1"/>
-          </a:fillRef>
-          <a:effectRef idx="0">
-            <a:schemeClr val="accent1"/>
-          </a:effectRef>
-          <a:fontRef idx="minor">
-            <a:schemeClr val="lt1"/>
-          </a:fontRef>
-        </p:style>
-        <p:txBody>
-          <a:bodyPr rtlCol="0" anchor="ctr"/>
-          <a:lstStyle/>
-          <a:p>
-            <a:pPr algn="ctr"/>
-            <a:endParaRPr lang="it-IT"/>
-          </a:p>
-        </p:txBody>
-      </p:sp>
-      <p:sp>
-        <p:nvSpPr>
-          <p:cNvPr id="37" name="Ovale 36"/>
-          <p:cNvSpPr/>
-          <p:nvPr/>
-        </p:nvSpPr>
-        <p:spPr>
-          <a:xfrm>
-            <a:off x="7104807" y="3706152"/>
-            <a:ext cx="89012" cy="89012"/>
-          </a:xfrm>
-          <a:prstGeom prst="ellipse">
-            <a:avLst/>
-          </a:prstGeom>
-          <a:solidFill>
-            <a:srgbClr val="FF0000"/>
-          </a:solidFill>
-        </p:spPr>
-        <p:style>
-          <a:lnRef idx="2">
-            <a:schemeClr val="accent1">
-              <a:shade val="50000"/>
-            </a:schemeClr>
-          </a:lnRef>
-          <a:fillRef idx="1">
-            <a:schemeClr val="accent1"/>
-          </a:fillRef>
-          <a:effectRef idx="0">
-            <a:schemeClr val="accent1"/>
-          </a:effectRef>
-          <a:fontRef idx="minor">
-            <a:schemeClr val="lt1"/>
-          </a:fontRef>
-        </p:style>
-        <p:txBody>
-          <a:bodyPr rtlCol="0" anchor="ctr"/>
-          <a:lstStyle/>
-          <a:p>
-            <a:pPr algn="ctr"/>
-            <a:endParaRPr lang="it-IT"/>
-          </a:p>
-        </p:txBody>
-      </p:sp>
-      <p:sp>
-        <p:nvSpPr>
-          <p:cNvPr id="38" name="Ovale 37"/>
-          <p:cNvSpPr/>
-          <p:nvPr/>
-        </p:nvSpPr>
-        <p:spPr>
-          <a:xfrm>
-            <a:off x="6251096" y="2840305"/>
-            <a:ext cx="89012" cy="89012"/>
-          </a:xfrm>
-          <a:prstGeom prst="ellipse">
-            <a:avLst/>
-          </a:prstGeom>
-          <a:solidFill>
-            <a:schemeClr val="accent6"/>
-          </a:solidFill>
-        </p:spPr>
-        <p:style>
-          <a:lnRef idx="2">
-            <a:schemeClr val="accent1">
-              <a:shade val="50000"/>
-            </a:schemeClr>
-          </a:lnRef>
-          <a:fillRef idx="1">
-            <a:schemeClr val="accent1"/>
-          </a:fillRef>
-          <a:effectRef idx="0">
-            <a:schemeClr val="accent1"/>
-          </a:effectRef>
-          <a:fontRef idx="minor">
-            <a:schemeClr val="lt1"/>
-          </a:fontRef>
-        </p:style>
-        <p:txBody>
-          <a:bodyPr rtlCol="0" anchor="ctr"/>
-          <a:lstStyle/>
-          <a:p>
-            <a:pPr algn="ctr"/>
-            <a:endParaRPr lang="it-IT"/>
-          </a:p>
-        </p:txBody>
-      </p:sp>
-      <p:sp>
-        <p:nvSpPr>
-          <p:cNvPr id="39" name="Ovale 38"/>
-          <p:cNvSpPr/>
-          <p:nvPr/>
-        </p:nvSpPr>
-        <p:spPr>
-          <a:xfrm>
-            <a:off x="6251096" y="3706152"/>
-            <a:ext cx="89012" cy="89012"/>
-          </a:xfrm>
-          <a:prstGeom prst="ellipse">
-            <a:avLst/>
-          </a:prstGeom>
-          <a:solidFill>
-            <a:schemeClr val="accent6"/>
-          </a:solidFill>
-        </p:spPr>
-        <p:style>
-          <a:lnRef idx="2">
-            <a:schemeClr val="accent1">
-              <a:shade val="50000"/>
-            </a:schemeClr>
-          </a:lnRef>
-          <a:fillRef idx="1">
-            <a:schemeClr val="accent1"/>
-          </a:fillRef>
-          <a:effectRef idx="0">
-            <a:schemeClr val="accent1"/>
-          </a:effectRef>
-          <a:fontRef idx="minor">
-            <a:schemeClr val="lt1"/>
-          </a:fontRef>
-        </p:style>
-        <p:txBody>
-          <a:bodyPr rtlCol="0" anchor="ctr"/>
-          <a:lstStyle/>
-          <a:p>
-            <a:pPr algn="ctr"/>
-            <a:endParaRPr lang="it-IT"/>
-          </a:p>
-        </p:txBody>
-      </p:sp>
-      <p:sp>
-        <p:nvSpPr>
-          <p:cNvPr id="40" name="Ovale 39"/>
-          <p:cNvSpPr/>
-          <p:nvPr/>
-        </p:nvSpPr>
-        <p:spPr>
-          <a:xfrm>
-            <a:off x="7408255" y="2840305"/>
-            <a:ext cx="89012" cy="89012"/>
-          </a:xfrm>
-          <a:prstGeom prst="ellipse">
-            <a:avLst/>
-          </a:prstGeom>
-          <a:solidFill>
-            <a:schemeClr val="accent6"/>
-          </a:solidFill>
-        </p:spPr>
-        <p:style>
-          <a:lnRef idx="2">
-            <a:schemeClr val="accent1">
-              <a:shade val="50000"/>
-            </a:schemeClr>
-          </a:lnRef>
-          <a:fillRef idx="1">
-            <a:schemeClr val="accent1"/>
-          </a:fillRef>
-          <a:effectRef idx="0">
-            <a:schemeClr val="accent1"/>
-          </a:effectRef>
-          <a:fontRef idx="minor">
-            <a:schemeClr val="lt1"/>
-          </a:fontRef>
-        </p:style>
-        <p:txBody>
-          <a:bodyPr rtlCol="0" anchor="ctr"/>
-          <a:lstStyle/>
-          <a:p>
-            <a:pPr algn="ctr"/>
-            <a:endParaRPr lang="it-IT"/>
-          </a:p>
-        </p:txBody>
-      </p:sp>
-      <p:sp>
-        <p:nvSpPr>
-          <p:cNvPr id="41" name="Ovale 40"/>
-          <p:cNvSpPr/>
-          <p:nvPr/>
-        </p:nvSpPr>
-        <p:spPr>
-          <a:xfrm>
-            <a:off x="7408255" y="3706152"/>
-            <a:ext cx="89012" cy="89012"/>
-          </a:xfrm>
-          <a:prstGeom prst="ellipse">
-            <a:avLst/>
-          </a:prstGeom>
-          <a:solidFill>
-            <a:schemeClr val="accent6"/>
-          </a:solidFill>
-        </p:spPr>
-        <p:style>
-          <a:lnRef idx="2">
-            <a:schemeClr val="accent1">
-              <a:shade val="50000"/>
-            </a:schemeClr>
-          </a:lnRef>
-          <a:fillRef idx="1">
-            <a:schemeClr val="accent1"/>
-          </a:fillRef>
-          <a:effectRef idx="0">
-            <a:schemeClr val="accent1"/>
-          </a:effectRef>
-          <a:fontRef idx="minor">
-            <a:schemeClr val="lt1"/>
-          </a:fontRef>
-        </p:style>
-        <p:txBody>
-          <a:bodyPr rtlCol="0" anchor="ctr"/>
-          <a:lstStyle/>
-          <a:p>
-            <a:pPr algn="ctr"/>
-            <a:endParaRPr lang="it-IT"/>
-          </a:p>
-        </p:txBody>
-      </p:sp>
-      <p:sp>
-        <p:nvSpPr>
-          <p:cNvPr id="42" name="Rettangolo 41"/>
-          <p:cNvSpPr/>
-          <p:nvPr/>
-        </p:nvSpPr>
-        <p:spPr>
-          <a:xfrm>
-            <a:off x="8122378" y="2605635"/>
-            <a:ext cx="882031" cy="1383738"/>
-          </a:xfrm>
-          <a:prstGeom prst="rect">
-            <a:avLst/>
-          </a:prstGeom>
-        </p:spPr>
-        <p:style>
-          <a:lnRef idx="2">
-            <a:schemeClr val="accent1">
-              <a:shade val="50000"/>
-            </a:schemeClr>
-          </a:lnRef>
-          <a:fillRef idx="1">
-            <a:schemeClr val="accent1"/>
-          </a:fillRef>
-          <a:effectRef idx="0">
-            <a:schemeClr val="accent1"/>
-          </a:effectRef>
-          <a:fontRef idx="minor">
-            <a:schemeClr val="lt1"/>
-          </a:fontRef>
-        </p:style>
-        <p:txBody>
-          <a:bodyPr rtlCol="0" anchor="ctr"/>
-          <a:lstStyle/>
-          <a:p>
-            <a:pPr algn="ctr"/>
-            <a:endParaRPr lang="it-IT"/>
-          </a:p>
-        </p:txBody>
-      </p:sp>
-      <p:sp>
-        <p:nvSpPr>
-          <p:cNvPr id="43" name="Ovale 42"/>
-          <p:cNvSpPr/>
-          <p:nvPr/>
-        </p:nvSpPr>
-        <p:spPr>
-          <a:xfrm>
-            <a:off x="8219482" y="2840305"/>
-            <a:ext cx="89012" cy="89012"/>
-          </a:xfrm>
-          <a:prstGeom prst="ellipse">
-            <a:avLst/>
-          </a:prstGeom>
-          <a:solidFill>
-            <a:srgbClr val="FF0000"/>
-          </a:solidFill>
-        </p:spPr>
-        <p:style>
-          <a:lnRef idx="2">
-            <a:schemeClr val="accent1">
-              <a:shade val="50000"/>
-            </a:schemeClr>
-          </a:lnRef>
-          <a:fillRef idx="1">
-            <a:schemeClr val="accent1"/>
-          </a:fillRef>
-          <a:effectRef idx="0">
-            <a:schemeClr val="accent1"/>
-          </a:effectRef>
-          <a:fontRef idx="minor">
-            <a:schemeClr val="lt1"/>
-          </a:fontRef>
-        </p:style>
-        <p:txBody>
-          <a:bodyPr rtlCol="0" anchor="ctr"/>
-          <a:lstStyle/>
-          <a:p>
-            <a:pPr algn="ctr"/>
-            <a:endParaRPr lang="it-IT"/>
-          </a:p>
-        </p:txBody>
-      </p:sp>
-      <p:sp>
-        <p:nvSpPr>
-          <p:cNvPr id="44" name="Ovale 43"/>
-          <p:cNvSpPr/>
-          <p:nvPr/>
-        </p:nvSpPr>
-        <p:spPr>
-          <a:xfrm>
-            <a:off x="8794019" y="2840305"/>
-            <a:ext cx="89012" cy="89012"/>
-          </a:xfrm>
-          <a:prstGeom prst="ellipse">
-            <a:avLst/>
-          </a:prstGeom>
-          <a:solidFill>
-            <a:srgbClr val="FF0000"/>
-          </a:solidFill>
-        </p:spPr>
-        <p:style>
-          <a:lnRef idx="2">
-            <a:schemeClr val="accent1">
-              <a:shade val="50000"/>
-            </a:schemeClr>
-          </a:lnRef>
-          <a:fillRef idx="1">
-            <a:schemeClr val="accent1"/>
-          </a:fillRef>
-          <a:effectRef idx="0">
-            <a:schemeClr val="accent1"/>
-          </a:effectRef>
-          <a:fontRef idx="minor">
-            <a:schemeClr val="lt1"/>
-          </a:fontRef>
-        </p:style>
-        <p:txBody>
-          <a:bodyPr rtlCol="0" anchor="ctr"/>
-          <a:lstStyle/>
-          <a:p>
-            <a:pPr algn="ctr"/>
-            <a:endParaRPr lang="it-IT"/>
-          </a:p>
-        </p:txBody>
-      </p:sp>
-      <p:sp>
-        <p:nvSpPr>
-          <p:cNvPr id="45" name="Ovale 44"/>
-          <p:cNvSpPr/>
-          <p:nvPr/>
-        </p:nvSpPr>
-        <p:spPr>
-          <a:xfrm>
-            <a:off x="8219482" y="3706152"/>
-            <a:ext cx="89012" cy="89012"/>
-          </a:xfrm>
-          <a:prstGeom prst="ellipse">
-            <a:avLst/>
-          </a:prstGeom>
-          <a:solidFill>
-            <a:srgbClr val="FF0000"/>
-          </a:solidFill>
-        </p:spPr>
-        <p:style>
-          <a:lnRef idx="2">
-            <a:schemeClr val="accent1">
-              <a:shade val="50000"/>
-            </a:schemeClr>
-          </a:lnRef>
-          <a:fillRef idx="1">
-            <a:schemeClr val="accent1"/>
-          </a:fillRef>
-          <a:effectRef idx="0">
-            <a:schemeClr val="accent1"/>
-          </a:effectRef>
-          <a:fontRef idx="minor">
-            <a:schemeClr val="lt1"/>
-          </a:fontRef>
-        </p:style>
-        <p:txBody>
-          <a:bodyPr rtlCol="0" anchor="ctr"/>
-          <a:lstStyle/>
-          <a:p>
-            <a:pPr algn="ctr"/>
-            <a:endParaRPr lang="it-IT"/>
-          </a:p>
-        </p:txBody>
-      </p:sp>
-      <p:sp>
-        <p:nvSpPr>
-          <p:cNvPr id="46" name="Ovale 45"/>
-          <p:cNvSpPr/>
-          <p:nvPr/>
-        </p:nvSpPr>
-        <p:spPr>
-          <a:xfrm>
-            <a:off x="8794019" y="3706152"/>
-            <a:ext cx="89012" cy="89012"/>
-          </a:xfrm>
-          <a:prstGeom prst="ellipse">
-            <a:avLst/>
-          </a:prstGeom>
-          <a:solidFill>
-            <a:srgbClr val="FF0000"/>
-          </a:solidFill>
-        </p:spPr>
-        <p:style>
-          <a:lnRef idx="2">
-            <a:schemeClr val="accent1">
-              <a:shade val="50000"/>
-            </a:schemeClr>
-          </a:lnRef>
-          <a:fillRef idx="1">
-            <a:schemeClr val="accent1"/>
-          </a:fillRef>
-          <a:effectRef idx="0">
-            <a:schemeClr val="accent1"/>
-          </a:effectRef>
-          <a:fontRef idx="minor">
-            <a:schemeClr val="lt1"/>
-          </a:fontRef>
-        </p:style>
-        <p:txBody>
-          <a:bodyPr rtlCol="0" anchor="ctr"/>
-          <a:lstStyle/>
-          <a:p>
-            <a:pPr algn="ctr"/>
-            <a:endParaRPr lang="it-IT"/>
-          </a:p>
-        </p:txBody>
-      </p:sp>
-      <p:sp>
-        <p:nvSpPr>
-          <p:cNvPr id="47" name="Ovale 46"/>
-          <p:cNvSpPr/>
-          <p:nvPr/>
-        </p:nvSpPr>
-        <p:spPr>
-          <a:xfrm>
-            <a:off x="7940308" y="2840305"/>
-            <a:ext cx="89012" cy="89012"/>
-          </a:xfrm>
-          <a:prstGeom prst="ellipse">
-            <a:avLst/>
-          </a:prstGeom>
-          <a:solidFill>
-            <a:schemeClr val="accent6"/>
-          </a:solidFill>
-        </p:spPr>
-        <p:style>
-          <a:lnRef idx="2">
-            <a:schemeClr val="accent1">
-              <a:shade val="50000"/>
-            </a:schemeClr>
-          </a:lnRef>
-          <a:fillRef idx="1">
-            <a:schemeClr val="accent1"/>
-          </a:fillRef>
-          <a:effectRef idx="0">
-            <a:schemeClr val="accent1"/>
-          </a:effectRef>
-          <a:fontRef idx="minor">
-            <a:schemeClr val="lt1"/>
-          </a:fontRef>
-        </p:style>
-        <p:txBody>
-          <a:bodyPr rtlCol="0" anchor="ctr"/>
-          <a:lstStyle/>
-          <a:p>
-            <a:pPr algn="ctr"/>
-            <a:endParaRPr lang="it-IT"/>
-          </a:p>
-        </p:txBody>
-      </p:sp>
-      <p:sp>
-        <p:nvSpPr>
-          <p:cNvPr id="48" name="Ovale 47"/>
-          <p:cNvSpPr/>
-          <p:nvPr/>
-        </p:nvSpPr>
-        <p:spPr>
-          <a:xfrm>
-            <a:off x="7940308" y="3706152"/>
-            <a:ext cx="89012" cy="89012"/>
-          </a:xfrm>
-          <a:prstGeom prst="ellipse">
-            <a:avLst/>
-          </a:prstGeom>
-          <a:solidFill>
-            <a:schemeClr val="accent6"/>
-          </a:solidFill>
-        </p:spPr>
-        <p:style>
-          <a:lnRef idx="2">
-            <a:schemeClr val="accent1">
-              <a:shade val="50000"/>
-            </a:schemeClr>
-          </a:lnRef>
-          <a:fillRef idx="1">
-            <a:schemeClr val="accent1"/>
-          </a:fillRef>
-          <a:effectRef idx="0">
-            <a:schemeClr val="accent1"/>
-          </a:effectRef>
-          <a:fontRef idx="minor">
-            <a:schemeClr val="lt1"/>
-          </a:fontRef>
-        </p:style>
-        <p:txBody>
-          <a:bodyPr rtlCol="0" anchor="ctr"/>
-          <a:lstStyle/>
-          <a:p>
-            <a:pPr algn="ctr"/>
-            <a:endParaRPr lang="it-IT"/>
-          </a:p>
-        </p:txBody>
-      </p:sp>
-      <p:sp>
-        <p:nvSpPr>
-          <p:cNvPr id="49" name="Ovale 48"/>
-          <p:cNvSpPr/>
-          <p:nvPr/>
-        </p:nvSpPr>
-        <p:spPr>
-          <a:xfrm>
-            <a:off x="9097467" y="2840305"/>
-            <a:ext cx="89012" cy="89012"/>
-          </a:xfrm>
-          <a:prstGeom prst="ellipse">
-            <a:avLst/>
-          </a:prstGeom>
-          <a:solidFill>
-            <a:schemeClr val="accent6"/>
-          </a:solidFill>
-        </p:spPr>
-        <p:style>
-          <a:lnRef idx="2">
-            <a:schemeClr val="accent1">
-              <a:shade val="50000"/>
-            </a:schemeClr>
-          </a:lnRef>
-          <a:fillRef idx="1">
-            <a:schemeClr val="accent1"/>
-          </a:fillRef>
-          <a:effectRef idx="0">
-            <a:schemeClr val="accent1"/>
-          </a:effectRef>
-          <a:fontRef idx="minor">
-            <a:schemeClr val="lt1"/>
-          </a:fontRef>
-        </p:style>
-        <p:txBody>
-          <a:bodyPr rtlCol="0" anchor="ctr"/>
-          <a:lstStyle/>
-          <a:p>
-            <a:pPr algn="ctr"/>
-            <a:endParaRPr lang="it-IT"/>
-          </a:p>
-        </p:txBody>
-      </p:sp>
-      <p:sp>
-        <p:nvSpPr>
-          <p:cNvPr id="50" name="Ovale 49"/>
-          <p:cNvSpPr/>
-          <p:nvPr/>
-        </p:nvSpPr>
-        <p:spPr>
-          <a:xfrm>
-            <a:off x="9097467" y="3706152"/>
-            <a:ext cx="89012" cy="89012"/>
-          </a:xfrm>
-          <a:prstGeom prst="ellipse">
-            <a:avLst/>
-          </a:prstGeom>
-          <a:solidFill>
-            <a:schemeClr val="accent6"/>
-          </a:solidFill>
-        </p:spPr>
-        <p:style>
-          <a:lnRef idx="2">
-            <a:schemeClr val="accent1">
-              <a:shade val="50000"/>
-            </a:schemeClr>
-          </a:lnRef>
-          <a:fillRef idx="1">
-            <a:schemeClr val="accent1"/>
-          </a:fillRef>
-          <a:effectRef idx="0">
-            <a:schemeClr val="accent1"/>
-          </a:effectRef>
-          <a:fontRef idx="minor">
-            <a:schemeClr val="lt1"/>
-          </a:fontRef>
-        </p:style>
-        <p:txBody>
-          <a:bodyPr rtlCol="0" anchor="ctr"/>
-          <a:lstStyle/>
-          <a:p>
-            <a:pPr algn="ctr"/>
-            <a:endParaRPr lang="it-IT"/>
-          </a:p>
-        </p:txBody>
-      </p:sp>
-      <p:sp>
-        <p:nvSpPr>
-          <p:cNvPr id="51" name="Freccia a destra rientrata 50"/>
-          <p:cNvSpPr/>
-          <p:nvPr/>
-        </p:nvSpPr>
-        <p:spPr>
-          <a:xfrm rot="17046395" flipH="1">
-            <a:off x="4995508" y="3918788"/>
-            <a:ext cx="2161241" cy="209724"/>
-          </a:xfrm>
-          <a:prstGeom prst="notchedRightArrow">
-            <a:avLst>
-              <a:gd name="adj1" fmla="val 25095"/>
-              <a:gd name="adj2" fmla="val 50000"/>
-            </a:avLst>
-          </a:prstGeom>
-          <a:solidFill>
-            <a:schemeClr val="accent1">
-              <a:lumMod val="20000"/>
-              <a:lumOff val="80000"/>
-            </a:schemeClr>
-          </a:solidFill>
-        </p:spPr>
-        <p:style>
-          <a:lnRef idx="2">
-            <a:schemeClr val="accent1">
-              <a:shade val="50000"/>
-            </a:schemeClr>
-          </a:lnRef>
-          <a:fillRef idx="1">
-            <a:schemeClr val="accent1"/>
-          </a:fillRef>
-          <a:effectRef idx="0">
-            <a:schemeClr val="accent1"/>
-          </a:effectRef>
-          <a:fontRef idx="minor">
-            <a:schemeClr val="lt1"/>
-          </a:fontRef>
-        </p:style>
-        <p:txBody>
-          <a:bodyPr rtlCol="0" anchor="ctr"/>
-          <a:lstStyle/>
-          <a:p>
-            <a:pPr algn="ctr"/>
-            <a:endParaRPr lang="it-IT"/>
+              <a:t>Voglio poter specificare altri criteri di ricerca, come presenza di un bagno per disabili o prese di corrente</a:t>
+            </a:r>
+          </a:p>
+          <a:p>
+            <a:pPr marL="0" indent="0">
+              <a:buNone/>
+            </a:pPr>
+            <a:endParaRPr lang="it-IT" dirty="0"/>
           </a:p>
         </p:txBody>
       </p:sp>
     </p:spTree>
     <p:extLst>
       <p:ext uri="{BB962C8B-B14F-4D97-AF65-F5344CB8AC3E}">
-        <p14:creationId xmlns:p14="http://schemas.microsoft.com/office/powerpoint/2010/main" val="1374969981"/>
+        <p14:creationId xmlns:p14="http://schemas.microsoft.com/office/powerpoint/2010/main" val="786896838"/>
       </p:ext>
     </p:extLst>
   </p:cSld>
@@ -7365,18 +6341,21 @@
       </p:grpSpPr>
       <p:sp>
         <p:nvSpPr>
-          <p:cNvPr id="6" name="Rectangle: Rounded Corners 5"/>
+          <p:cNvPr id="4" name="Rettangolo 3"/>
           <p:cNvSpPr/>
           <p:nvPr/>
         </p:nvSpPr>
         <p:spPr>
           <a:xfrm>
-            <a:off x="5163610" y="1227121"/>
-            <a:ext cx="1881810" cy="516835"/>
-          </a:xfrm>
-          <a:prstGeom prst="roundRect">
+            <a:off x="831827" y="2274146"/>
+            <a:ext cx="3636696" cy="2578353"/>
+          </a:xfrm>
+          <a:prstGeom prst="rect">
             <a:avLst/>
           </a:prstGeom>
+          <a:solidFill>
+            <a:schemeClr val="bg1"/>
+          </a:solidFill>
         </p:spPr>
         <p:style>
           <a:lnRef idx="2">
@@ -7399,25 +6378,22 @@
           <a:lstStyle/>
           <a:p>
             <a:pPr algn="ctr"/>
-            <a:r>
-              <a:rPr lang="it-IT" dirty="0"/>
-              <a:t>sr:Table</a:t>
-            </a:r>
-          </a:p>
-        </p:txBody>
-      </p:sp>
-      <p:sp>
-        <p:nvSpPr>
-          <p:cNvPr id="7" name="Rectangle: Rounded Corners 6"/>
+            <a:endParaRPr lang="it-IT" dirty="0"/>
+          </a:p>
+        </p:txBody>
+      </p:sp>
+      <p:sp>
+        <p:nvSpPr>
+          <p:cNvPr id="5" name="Rettangolo 4"/>
           <p:cNvSpPr/>
           <p:nvPr/>
         </p:nvSpPr>
         <p:spPr>
           <a:xfrm>
-            <a:off x="5163610" y="2193478"/>
-            <a:ext cx="1881810" cy="516835"/>
-          </a:xfrm>
-          <a:prstGeom prst="roundRect">
+            <a:off x="1252785" y="2399573"/>
+            <a:ext cx="882031" cy="1383738"/>
+          </a:xfrm>
+          <a:prstGeom prst="rect">
             <a:avLst/>
           </a:prstGeom>
         </p:spPr>
@@ -7442,27 +6418,27 @@
           <a:lstStyle/>
           <a:p>
             <a:pPr algn="ctr"/>
-            <a:r>
-              <a:rPr lang="it-IT" dirty="0"/>
-              <a:t>sr:StudyRoom</a:t>
-            </a:r>
-          </a:p>
-        </p:txBody>
-      </p:sp>
-      <p:sp>
-        <p:nvSpPr>
-          <p:cNvPr id="8" name="Rectangle: Rounded Corners 7"/>
+            <a:endParaRPr lang="it-IT"/>
+          </a:p>
+        </p:txBody>
+      </p:sp>
+      <p:sp>
+        <p:nvSpPr>
+          <p:cNvPr id="7" name="Ovale 6"/>
           <p:cNvSpPr/>
           <p:nvPr/>
         </p:nvSpPr>
         <p:spPr>
           <a:xfrm>
-            <a:off x="5163610" y="260764"/>
-            <a:ext cx="1881810" cy="516835"/>
-          </a:xfrm>
-          <a:prstGeom prst="roundRect">
+            <a:off x="1349889" y="2634243"/>
+            <a:ext cx="89012" cy="89012"/>
+          </a:xfrm>
+          <a:prstGeom prst="ellipse">
             <a:avLst/>
           </a:prstGeom>
+          <a:solidFill>
+            <a:srgbClr val="FF0000"/>
+          </a:solidFill>
         </p:spPr>
         <p:style>
           <a:lnRef idx="2">
@@ -7485,27 +6461,27 @@
           <a:lstStyle/>
           <a:p>
             <a:pPr algn="ctr"/>
-            <a:r>
-              <a:rPr lang="it-IT" dirty="0"/>
-              <a:t>sr:Seat</a:t>
-            </a:r>
-          </a:p>
-        </p:txBody>
-      </p:sp>
-      <p:sp>
-        <p:nvSpPr>
-          <p:cNvPr id="10" name="Rectangle: Rounded Corners 9"/>
+            <a:endParaRPr lang="it-IT"/>
+          </a:p>
+        </p:txBody>
+      </p:sp>
+      <p:sp>
+        <p:nvSpPr>
+          <p:cNvPr id="8" name="Ovale 7"/>
           <p:cNvSpPr/>
           <p:nvPr/>
         </p:nvSpPr>
         <p:spPr>
           <a:xfrm>
-            <a:off x="5163610" y="3159835"/>
-            <a:ext cx="1881810" cy="516835"/>
-          </a:xfrm>
-          <a:prstGeom prst="roundRect">
+            <a:off x="1924426" y="2634243"/>
+            <a:ext cx="89012" cy="89012"/>
+          </a:xfrm>
+          <a:prstGeom prst="ellipse">
             <a:avLst/>
           </a:prstGeom>
+          <a:solidFill>
+            <a:srgbClr val="FF0000"/>
+          </a:solidFill>
         </p:spPr>
         <p:style>
           <a:lnRef idx="2">
@@ -7528,27 +6504,27 @@
           <a:lstStyle/>
           <a:p>
             <a:pPr algn="ctr"/>
-            <a:r>
-              <a:rPr lang="it-IT" dirty="0"/>
-              <a:t>sr:University</a:t>
-            </a:r>
-          </a:p>
-        </p:txBody>
-      </p:sp>
-      <p:sp>
-        <p:nvSpPr>
-          <p:cNvPr id="11" name="Rectangle: Rounded Corners 10"/>
+            <a:endParaRPr lang="it-IT"/>
+          </a:p>
+        </p:txBody>
+      </p:sp>
+      <p:sp>
+        <p:nvSpPr>
+          <p:cNvPr id="9" name="Ovale 8"/>
           <p:cNvSpPr/>
           <p:nvPr/>
         </p:nvSpPr>
         <p:spPr>
           <a:xfrm>
-            <a:off x="5163610" y="4126192"/>
-            <a:ext cx="1881810" cy="516835"/>
-          </a:xfrm>
-          <a:prstGeom prst="roundRect">
+            <a:off x="1349889" y="3500090"/>
+            <a:ext cx="89012" cy="89012"/>
+          </a:xfrm>
+          <a:prstGeom prst="ellipse">
             <a:avLst/>
           </a:prstGeom>
+          <a:solidFill>
+            <a:srgbClr val="FF0000"/>
+          </a:solidFill>
         </p:spPr>
         <p:style>
           <a:lnRef idx="2">
@@ -7571,27 +6547,27 @@
           <a:lstStyle/>
           <a:p>
             <a:pPr algn="ctr"/>
-            <a:r>
-              <a:rPr lang="it-IT" dirty="0"/>
-              <a:t>sr:Feature</a:t>
-            </a:r>
-          </a:p>
-        </p:txBody>
-      </p:sp>
-      <p:sp>
-        <p:nvSpPr>
-          <p:cNvPr id="12" name="Rectangle: Rounded Corners 11"/>
+            <a:endParaRPr lang="it-IT"/>
+          </a:p>
+        </p:txBody>
+      </p:sp>
+      <p:sp>
+        <p:nvSpPr>
+          <p:cNvPr id="10" name="Ovale 9"/>
           <p:cNvSpPr/>
           <p:nvPr/>
         </p:nvSpPr>
         <p:spPr>
           <a:xfrm>
-            <a:off x="5163610" y="5092549"/>
-            <a:ext cx="1881810" cy="516835"/>
-          </a:xfrm>
-          <a:prstGeom prst="roundRect">
+            <a:off x="1924426" y="3500090"/>
+            <a:ext cx="89012" cy="89012"/>
+          </a:xfrm>
+          <a:prstGeom prst="ellipse">
             <a:avLst/>
           </a:prstGeom>
+          <a:solidFill>
+            <a:srgbClr val="FF0000"/>
+          </a:solidFill>
         </p:spPr>
         <p:style>
           <a:lnRef idx="2">
@@ -7614,27 +6590,27 @@
           <a:lstStyle/>
           <a:p>
             <a:pPr algn="ctr"/>
-            <a:r>
-              <a:rPr lang="it-IT" dirty="0"/>
-              <a:t>locn:Address</a:t>
-            </a:r>
-          </a:p>
-        </p:txBody>
-      </p:sp>
-      <p:sp>
-        <p:nvSpPr>
-          <p:cNvPr id="13" name="Rectangle: Rounded Corners 12"/>
+            <a:endParaRPr lang="it-IT"/>
+          </a:p>
+        </p:txBody>
+      </p:sp>
+      <p:sp>
+        <p:nvSpPr>
+          <p:cNvPr id="11" name="Ovale 10"/>
           <p:cNvSpPr/>
           <p:nvPr/>
         </p:nvSpPr>
         <p:spPr>
           <a:xfrm>
-            <a:off x="5163610" y="6058908"/>
-            <a:ext cx="1881810" cy="516835"/>
-          </a:xfrm>
-          <a:prstGeom prst="roundRect">
+            <a:off x="1070715" y="2634243"/>
+            <a:ext cx="89012" cy="89012"/>
+          </a:xfrm>
+          <a:prstGeom prst="ellipse">
             <a:avLst/>
           </a:prstGeom>
+          <a:solidFill>
+            <a:schemeClr val="accent6"/>
+          </a:solidFill>
         </p:spPr>
         <p:style>
           <a:lnRef idx="2">
@@ -7657,27 +6633,27 @@
           <a:lstStyle/>
           <a:p>
             <a:pPr algn="ctr"/>
-            <a:r>
-              <a:rPr lang="it-IT" dirty="0"/>
-              <a:t>geo:_Geometry</a:t>
-            </a:r>
-          </a:p>
-        </p:txBody>
-      </p:sp>
-      <p:sp>
-        <p:nvSpPr>
-          <p:cNvPr id="15" name="Rectangle: Rounded Corners 14"/>
+            <a:endParaRPr lang="it-IT"/>
+          </a:p>
+        </p:txBody>
+      </p:sp>
+      <p:sp>
+        <p:nvSpPr>
+          <p:cNvPr id="12" name="Ovale 11"/>
           <p:cNvSpPr/>
           <p:nvPr/>
         </p:nvSpPr>
         <p:spPr>
           <a:xfrm>
-            <a:off x="2368935" y="3159835"/>
-            <a:ext cx="1882800" cy="516835"/>
-          </a:xfrm>
-          <a:prstGeom prst="roundRect">
+            <a:off x="1070715" y="3500090"/>
+            <a:ext cx="89012" cy="89012"/>
+          </a:xfrm>
+          <a:prstGeom prst="ellipse">
             <a:avLst/>
           </a:prstGeom>
+          <a:solidFill>
+            <a:schemeClr val="accent6"/>
+          </a:solidFill>
         </p:spPr>
         <p:style>
           <a:lnRef idx="2">
@@ -7700,27 +6676,27 @@
           <a:lstStyle/>
           <a:p>
             <a:pPr algn="ctr"/>
-            <a:r>
-              <a:rPr lang="it-IT" dirty="0"/>
-              <a:t>owl:Thing</a:t>
-            </a:r>
-          </a:p>
-        </p:txBody>
-      </p:sp>
-      <p:sp>
-        <p:nvSpPr>
-          <p:cNvPr id="16" name="Rectangle: Rounded Corners 15"/>
+            <a:endParaRPr lang="it-IT"/>
+          </a:p>
+        </p:txBody>
+      </p:sp>
+      <p:sp>
+        <p:nvSpPr>
+          <p:cNvPr id="13" name="Ovale 12"/>
           <p:cNvSpPr/>
           <p:nvPr/>
         </p:nvSpPr>
         <p:spPr>
           <a:xfrm>
-            <a:off x="7957295" y="6058907"/>
-            <a:ext cx="1881810" cy="516835"/>
-          </a:xfrm>
-          <a:prstGeom prst="roundRect">
+            <a:off x="2227874" y="2634243"/>
+            <a:ext cx="89012" cy="89012"/>
+          </a:xfrm>
+          <a:prstGeom prst="ellipse">
             <a:avLst/>
           </a:prstGeom>
+          <a:solidFill>
+            <a:schemeClr val="accent6"/>
+          </a:solidFill>
         </p:spPr>
         <p:style>
           <a:lnRef idx="2">
@@ -7743,385 +6719,1955 @@
           <a:lstStyle/>
           <a:p>
             <a:pPr algn="ctr"/>
-            <a:r>
-              <a:rPr lang="it-IT" dirty="0"/>
-              <a:t>geo:_Point</a:t>
-            </a:r>
-          </a:p>
-        </p:txBody>
-      </p:sp>
-      <p:cxnSp>
-        <p:nvCxnSpPr>
-          <p:cNvPr id="18" name="Straight Arrow Connector 17"/>
-          <p:cNvCxnSpPr>
-            <a:cxnSpLocks/>
-            <a:stCxn id="15" idx="3"/>
-          </p:cNvCxnSpPr>
+            <a:endParaRPr lang="it-IT"/>
+          </a:p>
+        </p:txBody>
+      </p:sp>
+      <p:sp>
+        <p:nvSpPr>
+          <p:cNvPr id="14" name="Ovale 13"/>
+          <p:cNvSpPr/>
           <p:nvPr/>
-        </p:nvCxnSpPr>
-        <p:spPr>
-          <a:xfrm>
-            <a:off x="4251735" y="3418253"/>
-            <a:ext cx="932265" cy="0"/>
-          </a:xfrm>
-          <a:prstGeom prst="straightConnector1">
+        </p:nvSpPr>
+        <p:spPr>
+          <a:xfrm>
+            <a:off x="2227874" y="3500090"/>
+            <a:ext cx="89012" cy="89012"/>
+          </a:xfrm>
+          <a:prstGeom prst="ellipse">
             <a:avLst/>
           </a:prstGeom>
-          <a:ln w="38100" cap="flat" cmpd="sng" algn="ctr">
-            <a:solidFill>
-              <a:schemeClr val="dk1"/>
-            </a:solidFill>
-            <a:prstDash val="solid"/>
-            <a:round/>
-            <a:headEnd type="none" w="med" len="med"/>
-            <a:tailEnd type="triangle" w="med" len="med"/>
-          </a:ln>
+          <a:solidFill>
+            <a:schemeClr val="accent6"/>
+          </a:solidFill>
         </p:spPr>
         <p:style>
-          <a:lnRef idx="0">
-            <a:scrgbClr r="0" g="0" b="0"/>
+          <a:lnRef idx="2">
+            <a:schemeClr val="accent1">
+              <a:shade val="50000"/>
+            </a:schemeClr>
           </a:lnRef>
-          <a:fillRef idx="0">
-            <a:scrgbClr r="0" g="0" b="0"/>
+          <a:fillRef idx="1">
+            <a:schemeClr val="accent1"/>
           </a:fillRef>
           <a:effectRef idx="0">
-            <a:scrgbClr r="0" g="0" b="0"/>
+            <a:schemeClr val="accent1"/>
           </a:effectRef>
           <a:fontRef idx="minor">
-            <a:schemeClr val="tx1"/>
+            <a:schemeClr val="lt1"/>
           </a:fontRef>
         </p:style>
-      </p:cxnSp>
-      <p:cxnSp>
-        <p:nvCxnSpPr>
-          <p:cNvPr id="20" name="Straight Arrow Connector 19"/>
-          <p:cNvCxnSpPr>
-            <a:cxnSpLocks/>
-          </p:cNvCxnSpPr>
+        <p:txBody>
+          <a:bodyPr rtlCol="0" anchor="ctr"/>
+          <a:lstStyle/>
+          <a:p>
+            <a:pPr algn="ctr"/>
+            <a:endParaRPr lang="it-IT"/>
+          </a:p>
+        </p:txBody>
+      </p:sp>
+      <p:sp>
+        <p:nvSpPr>
+          <p:cNvPr id="15" name="Rettangolo 14"/>
+          <p:cNvSpPr/>
           <p:nvPr/>
-        </p:nvCxnSpPr>
-        <p:spPr>
-          <a:xfrm>
-            <a:off x="7045420" y="6313853"/>
-            <a:ext cx="911875" cy="0"/>
-          </a:xfrm>
-          <a:prstGeom prst="straightConnector1">
+        </p:nvSpPr>
+        <p:spPr>
+          <a:xfrm>
+            <a:off x="2941997" y="2399573"/>
+            <a:ext cx="882031" cy="1383738"/>
+          </a:xfrm>
+          <a:prstGeom prst="rect">
             <a:avLst/>
           </a:prstGeom>
-          <a:ln w="38100" cap="flat" cmpd="sng" algn="ctr">
-            <a:solidFill>
-              <a:schemeClr val="dk1"/>
-            </a:solidFill>
-            <a:prstDash val="solid"/>
-            <a:round/>
-            <a:headEnd type="none" w="med" len="med"/>
-            <a:tailEnd type="triangle" w="med" len="med"/>
-          </a:ln>
         </p:spPr>
         <p:style>
-          <a:lnRef idx="0">
-            <a:scrgbClr r="0" g="0" b="0"/>
+          <a:lnRef idx="2">
+            <a:schemeClr val="accent1">
+              <a:shade val="50000"/>
+            </a:schemeClr>
           </a:lnRef>
-          <a:fillRef idx="0">
-            <a:scrgbClr r="0" g="0" b="0"/>
+          <a:fillRef idx="1">
+            <a:schemeClr val="accent1"/>
           </a:fillRef>
           <a:effectRef idx="0">
-            <a:scrgbClr r="0" g="0" b="0"/>
+            <a:schemeClr val="accent1"/>
           </a:effectRef>
           <a:fontRef idx="minor">
-            <a:schemeClr val="tx1"/>
+            <a:schemeClr val="lt1"/>
           </a:fontRef>
         </p:style>
-      </p:cxnSp>
-      <p:cxnSp>
-        <p:nvCxnSpPr>
-          <p:cNvPr id="21" name="Straight Arrow Connector 20"/>
-          <p:cNvCxnSpPr>
-            <a:cxnSpLocks/>
-          </p:cNvCxnSpPr>
+        <p:txBody>
+          <a:bodyPr rtlCol="0" anchor="ctr"/>
+          <a:lstStyle/>
+          <a:p>
+            <a:pPr algn="ctr"/>
+            <a:endParaRPr lang="it-IT"/>
+          </a:p>
+        </p:txBody>
+      </p:sp>
+      <p:sp>
+        <p:nvSpPr>
+          <p:cNvPr id="16" name="Ovale 15"/>
+          <p:cNvSpPr/>
           <p:nvPr/>
-        </p:nvCxnSpPr>
-        <p:spPr>
-          <a:xfrm>
-            <a:off x="4752000" y="4393130"/>
-            <a:ext cx="432000" cy="0"/>
-          </a:xfrm>
-          <a:prstGeom prst="straightConnector1">
+        </p:nvSpPr>
+        <p:spPr>
+          <a:xfrm>
+            <a:off x="3039101" y="2634243"/>
+            <a:ext cx="89012" cy="89012"/>
+          </a:xfrm>
+          <a:prstGeom prst="ellipse">
             <a:avLst/>
           </a:prstGeom>
-          <a:ln w="38100" cap="flat" cmpd="sng" algn="ctr">
-            <a:solidFill>
-              <a:schemeClr val="dk1"/>
-            </a:solidFill>
-            <a:prstDash val="solid"/>
-            <a:round/>
-            <a:headEnd type="none" w="med" len="med"/>
-            <a:tailEnd type="triangle" w="med" len="med"/>
-          </a:ln>
+          <a:solidFill>
+            <a:srgbClr val="FF0000"/>
+          </a:solidFill>
         </p:spPr>
         <p:style>
-          <a:lnRef idx="0">
-            <a:scrgbClr r="0" g="0" b="0"/>
+          <a:lnRef idx="2">
+            <a:schemeClr val="accent1">
+              <a:shade val="50000"/>
+            </a:schemeClr>
           </a:lnRef>
-          <a:fillRef idx="0">
-            <a:scrgbClr r="0" g="0" b="0"/>
+          <a:fillRef idx="1">
+            <a:schemeClr val="accent1"/>
           </a:fillRef>
           <a:effectRef idx="0">
-            <a:scrgbClr r="0" g="0" b="0"/>
+            <a:schemeClr val="accent1"/>
           </a:effectRef>
           <a:fontRef idx="minor">
-            <a:schemeClr val="tx1"/>
+            <a:schemeClr val="lt1"/>
           </a:fontRef>
         </p:style>
-      </p:cxnSp>
-      <p:cxnSp>
-        <p:nvCxnSpPr>
-          <p:cNvPr id="22" name="Straight Arrow Connector 21"/>
-          <p:cNvCxnSpPr>
-            <a:cxnSpLocks/>
-          </p:cNvCxnSpPr>
+        <p:txBody>
+          <a:bodyPr rtlCol="0" anchor="ctr"/>
+          <a:lstStyle/>
+          <a:p>
+            <a:pPr algn="ctr"/>
+            <a:endParaRPr lang="it-IT"/>
+          </a:p>
+        </p:txBody>
+      </p:sp>
+      <p:sp>
+        <p:nvSpPr>
+          <p:cNvPr id="17" name="Ovale 16"/>
+          <p:cNvSpPr/>
           <p:nvPr/>
-        </p:nvCxnSpPr>
-        <p:spPr>
-          <a:xfrm>
-            <a:off x="4752000" y="5353492"/>
-            <a:ext cx="432000" cy="0"/>
-          </a:xfrm>
-          <a:prstGeom prst="straightConnector1">
+        </p:nvSpPr>
+        <p:spPr>
+          <a:xfrm>
+            <a:off x="3613638" y="2634243"/>
+            <a:ext cx="89012" cy="89012"/>
+          </a:xfrm>
+          <a:prstGeom prst="ellipse">
             <a:avLst/>
           </a:prstGeom>
-          <a:ln w="38100" cap="flat" cmpd="sng" algn="ctr">
-            <a:solidFill>
-              <a:schemeClr val="dk1"/>
-            </a:solidFill>
-            <a:prstDash val="solid"/>
-            <a:round/>
-            <a:headEnd type="none" w="med" len="med"/>
-            <a:tailEnd type="triangle" w="med" len="med"/>
-          </a:ln>
+          <a:solidFill>
+            <a:srgbClr val="FF0000"/>
+          </a:solidFill>
         </p:spPr>
         <p:style>
-          <a:lnRef idx="0">
-            <a:scrgbClr r="0" g="0" b="0"/>
+          <a:lnRef idx="2">
+            <a:schemeClr val="accent1">
+              <a:shade val="50000"/>
+            </a:schemeClr>
           </a:lnRef>
-          <a:fillRef idx="0">
-            <a:scrgbClr r="0" g="0" b="0"/>
+          <a:fillRef idx="1">
+            <a:schemeClr val="accent1"/>
           </a:fillRef>
           <a:effectRef idx="0">
-            <a:scrgbClr r="0" g="0" b="0"/>
+            <a:schemeClr val="accent1"/>
           </a:effectRef>
           <a:fontRef idx="minor">
-            <a:schemeClr val="tx1"/>
+            <a:schemeClr val="lt1"/>
           </a:fontRef>
         </p:style>
-      </p:cxnSp>
-      <p:cxnSp>
-        <p:nvCxnSpPr>
-          <p:cNvPr id="23" name="Straight Arrow Connector 22"/>
-          <p:cNvCxnSpPr>
-            <a:cxnSpLocks/>
-          </p:cNvCxnSpPr>
+        <p:txBody>
+          <a:bodyPr rtlCol="0" anchor="ctr"/>
+          <a:lstStyle/>
+          <a:p>
+            <a:pPr algn="ctr"/>
+            <a:endParaRPr lang="it-IT"/>
+          </a:p>
+        </p:txBody>
+      </p:sp>
+      <p:sp>
+        <p:nvSpPr>
+          <p:cNvPr id="18" name="Ovale 17"/>
+          <p:cNvSpPr/>
           <p:nvPr/>
-        </p:nvCxnSpPr>
-        <p:spPr>
-          <a:xfrm>
-            <a:off x="4752000" y="2472406"/>
-            <a:ext cx="432000" cy="0"/>
-          </a:xfrm>
-          <a:prstGeom prst="straightConnector1">
+        </p:nvSpPr>
+        <p:spPr>
+          <a:xfrm>
+            <a:off x="3039101" y="3500090"/>
+            <a:ext cx="89012" cy="89012"/>
+          </a:xfrm>
+          <a:prstGeom prst="ellipse">
             <a:avLst/>
           </a:prstGeom>
-          <a:ln w="38100" cap="flat" cmpd="sng" algn="ctr">
-            <a:solidFill>
-              <a:schemeClr val="dk1"/>
-            </a:solidFill>
-            <a:prstDash val="solid"/>
-            <a:round/>
-            <a:headEnd type="none" w="med" len="med"/>
-            <a:tailEnd type="triangle" w="med" len="med"/>
-          </a:ln>
+          <a:solidFill>
+            <a:srgbClr val="FF0000"/>
+          </a:solidFill>
         </p:spPr>
         <p:style>
-          <a:lnRef idx="0">
-            <a:scrgbClr r="0" g="0" b="0"/>
+          <a:lnRef idx="2">
+            <a:schemeClr val="accent1">
+              <a:shade val="50000"/>
+            </a:schemeClr>
           </a:lnRef>
-          <a:fillRef idx="0">
-            <a:scrgbClr r="0" g="0" b="0"/>
+          <a:fillRef idx="1">
+            <a:schemeClr val="accent1"/>
           </a:fillRef>
           <a:effectRef idx="0">
-            <a:scrgbClr r="0" g="0" b="0"/>
+            <a:schemeClr val="accent1"/>
           </a:effectRef>
           <a:fontRef idx="minor">
-            <a:schemeClr val="tx1"/>
+            <a:schemeClr val="lt1"/>
           </a:fontRef>
         </p:style>
-      </p:cxnSp>
-      <p:cxnSp>
-        <p:nvCxnSpPr>
-          <p:cNvPr id="24" name="Straight Arrow Connector 23"/>
-          <p:cNvCxnSpPr>
-            <a:cxnSpLocks/>
-          </p:cNvCxnSpPr>
+        <p:txBody>
+          <a:bodyPr rtlCol="0" anchor="ctr"/>
+          <a:lstStyle/>
+          <a:p>
+            <a:pPr algn="ctr"/>
+            <a:endParaRPr lang="it-IT"/>
+          </a:p>
+        </p:txBody>
+      </p:sp>
+      <p:sp>
+        <p:nvSpPr>
+          <p:cNvPr id="19" name="Ovale 18"/>
+          <p:cNvSpPr/>
           <p:nvPr/>
-        </p:nvCxnSpPr>
-        <p:spPr>
-          <a:xfrm>
-            <a:off x="4752000" y="6313853"/>
-            <a:ext cx="432000" cy="0"/>
-          </a:xfrm>
-          <a:prstGeom prst="straightConnector1">
+        </p:nvSpPr>
+        <p:spPr>
+          <a:xfrm>
+            <a:off x="3613638" y="3500090"/>
+            <a:ext cx="89012" cy="89012"/>
+          </a:xfrm>
+          <a:prstGeom prst="ellipse">
             <a:avLst/>
           </a:prstGeom>
-          <a:ln w="38100" cap="flat" cmpd="sng" algn="ctr">
-            <a:solidFill>
-              <a:schemeClr val="dk1"/>
-            </a:solidFill>
-            <a:prstDash val="solid"/>
-            <a:round/>
-            <a:headEnd type="none" w="med" len="med"/>
-            <a:tailEnd type="triangle" w="med" len="med"/>
-          </a:ln>
+          <a:solidFill>
+            <a:srgbClr val="FF0000"/>
+          </a:solidFill>
         </p:spPr>
         <p:style>
-          <a:lnRef idx="0">
-            <a:scrgbClr r="0" g="0" b="0"/>
+          <a:lnRef idx="2">
+            <a:schemeClr val="accent1">
+              <a:shade val="50000"/>
+            </a:schemeClr>
           </a:lnRef>
-          <a:fillRef idx="0">
-            <a:scrgbClr r="0" g="0" b="0"/>
+          <a:fillRef idx="1">
+            <a:schemeClr val="accent1"/>
           </a:fillRef>
           <a:effectRef idx="0">
-            <a:scrgbClr r="0" g="0" b="0"/>
+            <a:schemeClr val="accent1"/>
           </a:effectRef>
           <a:fontRef idx="minor">
-            <a:schemeClr val="tx1"/>
+            <a:schemeClr val="lt1"/>
           </a:fontRef>
         </p:style>
-      </p:cxnSp>
-      <p:cxnSp>
-        <p:nvCxnSpPr>
-          <p:cNvPr id="25" name="Straight Arrow Connector 24"/>
-          <p:cNvCxnSpPr>
-            <a:cxnSpLocks/>
-          </p:cNvCxnSpPr>
+        <p:txBody>
+          <a:bodyPr rtlCol="0" anchor="ctr"/>
+          <a:lstStyle/>
+          <a:p>
+            <a:pPr algn="ctr"/>
+            <a:endParaRPr lang="it-IT"/>
+          </a:p>
+        </p:txBody>
+      </p:sp>
+      <p:sp>
+        <p:nvSpPr>
+          <p:cNvPr id="20" name="Ovale 19"/>
+          <p:cNvSpPr/>
           <p:nvPr/>
-        </p:nvCxnSpPr>
-        <p:spPr>
-          <a:xfrm>
-            <a:off x="4752000" y="1512044"/>
-            <a:ext cx="432000" cy="0"/>
-          </a:xfrm>
-          <a:prstGeom prst="straightConnector1">
+        </p:nvSpPr>
+        <p:spPr>
+          <a:xfrm>
+            <a:off x="2759927" y="2634243"/>
+            <a:ext cx="89012" cy="89012"/>
+          </a:xfrm>
+          <a:prstGeom prst="ellipse">
             <a:avLst/>
           </a:prstGeom>
-          <a:ln w="38100" cap="flat" cmpd="sng" algn="ctr">
-            <a:solidFill>
-              <a:schemeClr val="dk1"/>
-            </a:solidFill>
-            <a:prstDash val="solid"/>
-            <a:round/>
-            <a:headEnd type="none" w="med" len="med"/>
-            <a:tailEnd type="triangle" w="med" len="med"/>
-          </a:ln>
+          <a:solidFill>
+            <a:schemeClr val="accent6"/>
+          </a:solidFill>
         </p:spPr>
         <p:style>
-          <a:lnRef idx="0">
-            <a:scrgbClr r="0" g="0" b="0"/>
+          <a:lnRef idx="2">
+            <a:schemeClr val="accent1">
+              <a:shade val="50000"/>
+            </a:schemeClr>
           </a:lnRef>
-          <a:fillRef idx="0">
-            <a:scrgbClr r="0" g="0" b="0"/>
+          <a:fillRef idx="1">
+            <a:schemeClr val="accent1"/>
           </a:fillRef>
           <a:effectRef idx="0">
-            <a:scrgbClr r="0" g="0" b="0"/>
+            <a:schemeClr val="accent1"/>
           </a:effectRef>
           <a:fontRef idx="minor">
-            <a:schemeClr val="tx1"/>
+            <a:schemeClr val="lt1"/>
           </a:fontRef>
         </p:style>
-      </p:cxnSp>
-      <p:cxnSp>
-        <p:nvCxnSpPr>
-          <p:cNvPr id="26" name="Straight Arrow Connector 25"/>
-          <p:cNvCxnSpPr>
-            <a:cxnSpLocks/>
-          </p:cNvCxnSpPr>
+        <p:txBody>
+          <a:bodyPr rtlCol="0" anchor="ctr"/>
+          <a:lstStyle/>
+          <a:p>
+            <a:pPr algn="ctr"/>
+            <a:endParaRPr lang="it-IT"/>
+          </a:p>
+        </p:txBody>
+      </p:sp>
+      <p:sp>
+        <p:nvSpPr>
+          <p:cNvPr id="21" name="Ovale 20"/>
+          <p:cNvSpPr/>
           <p:nvPr/>
-        </p:nvCxnSpPr>
-        <p:spPr>
-          <a:xfrm>
-            <a:off x="4752000" y="551682"/>
-            <a:ext cx="432000" cy="0"/>
-          </a:xfrm>
-          <a:prstGeom prst="straightConnector1">
+        </p:nvSpPr>
+        <p:spPr>
+          <a:xfrm>
+            <a:off x="2759927" y="3500090"/>
+            <a:ext cx="89012" cy="89012"/>
+          </a:xfrm>
+          <a:prstGeom prst="ellipse">
             <a:avLst/>
           </a:prstGeom>
-          <a:ln w="38100" cap="flat" cmpd="sng" algn="ctr">
-            <a:solidFill>
-              <a:schemeClr val="dk1"/>
-            </a:solidFill>
-            <a:prstDash val="solid"/>
-            <a:round/>
-            <a:headEnd type="none" w="med" len="med"/>
-            <a:tailEnd type="triangle" w="med" len="med"/>
-          </a:ln>
+          <a:solidFill>
+            <a:schemeClr val="accent6"/>
+          </a:solidFill>
         </p:spPr>
         <p:style>
-          <a:lnRef idx="0">
-            <a:scrgbClr r="0" g="0" b="0"/>
+          <a:lnRef idx="2">
+            <a:schemeClr val="accent1">
+              <a:shade val="50000"/>
+            </a:schemeClr>
           </a:lnRef>
-          <a:fillRef idx="0">
-            <a:scrgbClr r="0" g="0" b="0"/>
+          <a:fillRef idx="1">
+            <a:schemeClr val="accent1"/>
           </a:fillRef>
           <a:effectRef idx="0">
-            <a:scrgbClr r="0" g="0" b="0"/>
+            <a:schemeClr val="accent1"/>
           </a:effectRef>
           <a:fontRef idx="minor">
-            <a:schemeClr val="tx1"/>
+            <a:schemeClr val="lt1"/>
           </a:fontRef>
         </p:style>
-      </p:cxnSp>
-      <p:cxnSp>
-        <p:nvCxnSpPr>
-          <p:cNvPr id="42" name="Straight Connector 41"/>
-          <p:cNvCxnSpPr>
-            <a:cxnSpLocks/>
-          </p:cNvCxnSpPr>
+        <p:txBody>
+          <a:bodyPr rtlCol="0" anchor="ctr"/>
+          <a:lstStyle/>
+          <a:p>
+            <a:pPr algn="ctr"/>
+            <a:endParaRPr lang="it-IT"/>
+          </a:p>
+        </p:txBody>
+      </p:sp>
+      <p:sp>
+        <p:nvSpPr>
+          <p:cNvPr id="22" name="Ovale 21"/>
+          <p:cNvSpPr/>
           <p:nvPr/>
-        </p:nvCxnSpPr>
-        <p:spPr>
-          <a:xfrm>
-            <a:off x="4752000" y="532630"/>
-            <a:ext cx="0" cy="5799600"/>
-          </a:xfrm>
-          <a:prstGeom prst="line">
+        </p:nvSpPr>
+        <p:spPr>
+          <a:xfrm>
+            <a:off x="3917086" y="2634243"/>
+            <a:ext cx="89012" cy="89012"/>
+          </a:xfrm>
+          <a:prstGeom prst="ellipse">
             <a:avLst/>
           </a:prstGeom>
-          <a:ln w="38100">
-            <a:solidFill>
-              <a:schemeClr val="tx1"/>
-            </a:solidFill>
-          </a:ln>
+          <a:solidFill>
+            <a:schemeClr val="accent6"/>
+          </a:solidFill>
         </p:spPr>
         <p:style>
-          <a:lnRef idx="1">
-            <a:schemeClr val="accent1"/>
+          <a:lnRef idx="2">
+            <a:schemeClr val="accent1">
+              <a:shade val="50000"/>
+            </a:schemeClr>
           </a:lnRef>
-          <a:fillRef idx="0">
+          <a:fillRef idx="1">
             <a:schemeClr val="accent1"/>
           </a:fillRef>
           <a:effectRef idx="0">
             <a:schemeClr val="accent1"/>
           </a:effectRef>
           <a:fontRef idx="minor">
-            <a:schemeClr val="tx1"/>
+            <a:schemeClr val="lt1"/>
           </a:fontRef>
         </p:style>
-      </p:cxnSp>
-      <p:sp>
-        <p:nvSpPr>
-          <p:cNvPr id="27" name="TextBox 26">
+        <p:txBody>
+          <a:bodyPr rtlCol="0" anchor="ctr"/>
+          <a:lstStyle/>
+          <a:p>
+            <a:pPr algn="ctr"/>
+            <a:endParaRPr lang="it-IT"/>
+          </a:p>
+        </p:txBody>
+      </p:sp>
+      <p:sp>
+        <p:nvSpPr>
+          <p:cNvPr id="23" name="Ovale 22"/>
+          <p:cNvSpPr/>
+          <p:nvPr/>
+        </p:nvSpPr>
+        <p:spPr>
+          <a:xfrm>
+            <a:off x="3917086" y="3500090"/>
+            <a:ext cx="89012" cy="89012"/>
+          </a:xfrm>
+          <a:prstGeom prst="ellipse">
+            <a:avLst/>
+          </a:prstGeom>
+          <a:solidFill>
+            <a:schemeClr val="accent6"/>
+          </a:solidFill>
+        </p:spPr>
+        <p:style>
+          <a:lnRef idx="2">
+            <a:schemeClr val="accent1">
+              <a:shade val="50000"/>
+            </a:schemeClr>
+          </a:lnRef>
+          <a:fillRef idx="1">
+            <a:schemeClr val="accent1"/>
+          </a:fillRef>
+          <a:effectRef idx="0">
+            <a:schemeClr val="accent1"/>
+          </a:effectRef>
+          <a:fontRef idx="minor">
+            <a:schemeClr val="lt1"/>
+          </a:fontRef>
+        </p:style>
+        <p:txBody>
+          <a:bodyPr rtlCol="0" anchor="ctr"/>
+          <a:lstStyle/>
+          <a:p>
+            <a:pPr algn="ctr"/>
+            <a:endParaRPr lang="it-IT"/>
+          </a:p>
+        </p:txBody>
+      </p:sp>
+      <p:sp>
+        <p:nvSpPr>
+          <p:cNvPr id="25" name="Callout 2 24"/>
+          <p:cNvSpPr/>
+          <p:nvPr/>
+        </p:nvSpPr>
+        <p:spPr>
+          <a:xfrm>
+            <a:off x="4659531" y="2634243"/>
+            <a:ext cx="1097144" cy="250853"/>
+          </a:xfrm>
+          <a:prstGeom prst="borderCallout2">
+            <a:avLst>
+              <a:gd name="adj1" fmla="val 18750"/>
+              <a:gd name="adj2" fmla="val 695"/>
+              <a:gd name="adj3" fmla="val 18750"/>
+              <a:gd name="adj4" fmla="val -16667"/>
+              <a:gd name="adj5" fmla="val 17578"/>
+              <a:gd name="adj6" fmla="val -58301"/>
+            </a:avLst>
+          </a:prstGeom>
+          <a:solidFill>
+            <a:schemeClr val="bg1"/>
+          </a:solidFill>
+        </p:spPr>
+        <p:style>
+          <a:lnRef idx="2">
+            <a:schemeClr val="accent1">
+              <a:shade val="50000"/>
+            </a:schemeClr>
+          </a:lnRef>
+          <a:fillRef idx="1">
+            <a:schemeClr val="accent1"/>
+          </a:fillRef>
+          <a:effectRef idx="0">
+            <a:schemeClr val="accent1"/>
+          </a:effectRef>
+          <a:fontRef idx="minor">
+            <a:schemeClr val="lt1"/>
+          </a:fontRef>
+        </p:style>
+        <p:txBody>
+          <a:bodyPr rtlCol="0" anchor="ctr"/>
+          <a:lstStyle/>
+          <a:p>
+            <a:pPr algn="ctr"/>
+            <a:r>
+              <a:rPr lang="it-IT" sz="1200" dirty="0">
+                <a:solidFill>
+                  <a:sysClr val="windowText" lastClr="000000"/>
+                </a:solidFill>
+              </a:rPr>
+              <a:t>sensore sedia</a:t>
+            </a:r>
+          </a:p>
+        </p:txBody>
+      </p:sp>
+      <p:sp>
+        <p:nvSpPr>
+          <p:cNvPr id="26" name="Callout 2 25"/>
+          <p:cNvSpPr/>
+          <p:nvPr/>
+        </p:nvSpPr>
+        <p:spPr>
+          <a:xfrm>
+            <a:off x="4670996" y="2274146"/>
+            <a:ext cx="1097144" cy="250853"/>
+          </a:xfrm>
+          <a:prstGeom prst="borderCallout2">
+            <a:avLst>
+              <a:gd name="adj1" fmla="val 18750"/>
+              <a:gd name="adj2" fmla="val 695"/>
+              <a:gd name="adj3" fmla="val 18750"/>
+              <a:gd name="adj4" fmla="val -35417"/>
+              <a:gd name="adj5" fmla="val 156288"/>
+              <a:gd name="adj6" fmla="val -95539"/>
+            </a:avLst>
+          </a:prstGeom>
+          <a:solidFill>
+            <a:schemeClr val="bg1"/>
+          </a:solidFill>
+        </p:spPr>
+        <p:style>
+          <a:lnRef idx="2">
+            <a:schemeClr val="accent1">
+              <a:shade val="50000"/>
+            </a:schemeClr>
+          </a:lnRef>
+          <a:fillRef idx="1">
+            <a:schemeClr val="accent1"/>
+          </a:fillRef>
+          <a:effectRef idx="0">
+            <a:schemeClr val="accent1"/>
+          </a:effectRef>
+          <a:fontRef idx="minor">
+            <a:schemeClr val="lt1"/>
+          </a:fontRef>
+        </p:style>
+        <p:txBody>
+          <a:bodyPr rtlCol="0" anchor="ctr"/>
+          <a:lstStyle/>
+          <a:p>
+            <a:pPr algn="ctr"/>
+            <a:r>
+              <a:rPr lang="it-IT" sz="1200" dirty="0">
+                <a:solidFill>
+                  <a:sysClr val="windowText" lastClr="000000"/>
+                </a:solidFill>
+              </a:rPr>
+              <a:t>sensore tavolo</a:t>
+            </a:r>
+          </a:p>
+        </p:txBody>
+      </p:sp>
+      <p:pic>
+        <p:nvPicPr>
+          <p:cNvPr id="27" name="Immagine 26"/>
+          <p:cNvPicPr>
+            <a:picLocks noChangeAspect="1"/>
+          </p:cNvPicPr>
+          <p:nvPr/>
+        </p:nvPicPr>
+        <p:blipFill rotWithShape="1">
+          <a:blip r:embed="rId2"/>
+          <a:srcRect l="2201" t="1668" r="4600" b="5443"/>
+          <a:stretch/>
+        </p:blipFill>
+        <p:spPr>
+          <a:xfrm>
+            <a:off x="4564769" y="5188928"/>
+            <a:ext cx="1937857" cy="1409351"/>
+          </a:xfrm>
+          <a:prstGeom prst="rect">
+            <a:avLst/>
+          </a:prstGeom>
+        </p:spPr>
+      </p:pic>
+      <p:pic>
+        <p:nvPicPr>
+          <p:cNvPr id="28" name="Immagine 27"/>
+          <p:cNvPicPr>
+            <a:picLocks noChangeAspect="1"/>
+          </p:cNvPicPr>
+          <p:nvPr/>
+        </p:nvPicPr>
+        <p:blipFill>
+          <a:blip r:embed="rId3" cstate="print">
+            <a:extLst>
+              <a:ext uri="{28A0092B-C50C-407E-A947-70E740481C1C}">
+                <a14:useLocalDpi xmlns:a14="http://schemas.microsoft.com/office/drawing/2010/main" val="0"/>
+              </a:ext>
+            </a:extLst>
+          </a:blip>
+          <a:stretch>
+            <a:fillRect/>
+          </a:stretch>
+        </p:blipFill>
+        <p:spPr>
+          <a:xfrm>
+            <a:off x="10133104" y="4689784"/>
+            <a:ext cx="1349200" cy="1908495"/>
+          </a:xfrm>
+          <a:prstGeom prst="rect">
+            <a:avLst/>
+          </a:prstGeom>
+        </p:spPr>
+      </p:pic>
+      <p:sp>
+        <p:nvSpPr>
+          <p:cNvPr id="29" name="Freccia a destra rientrata 28"/>
+          <p:cNvSpPr/>
+          <p:nvPr/>
+        </p:nvSpPr>
+        <p:spPr>
+          <a:xfrm rot="1667932">
+            <a:off x="2525528" y="4992373"/>
+            <a:ext cx="2184105" cy="304743"/>
+          </a:xfrm>
+          <a:prstGeom prst="notchedRightArrow">
+            <a:avLst>
+              <a:gd name="adj1" fmla="val 25095"/>
+              <a:gd name="adj2" fmla="val 50000"/>
+            </a:avLst>
+          </a:prstGeom>
+          <a:solidFill>
+            <a:schemeClr val="accent1">
+              <a:lumMod val="20000"/>
+              <a:lumOff val="80000"/>
+            </a:schemeClr>
+          </a:solidFill>
+        </p:spPr>
+        <p:style>
+          <a:lnRef idx="2">
+            <a:schemeClr val="accent1">
+              <a:shade val="50000"/>
+            </a:schemeClr>
+          </a:lnRef>
+          <a:fillRef idx="1">
+            <a:schemeClr val="accent1"/>
+          </a:fillRef>
+          <a:effectRef idx="0">
+            <a:schemeClr val="accent1"/>
+          </a:effectRef>
+          <a:fontRef idx="minor">
+            <a:schemeClr val="lt1"/>
+          </a:fontRef>
+        </p:style>
+        <p:txBody>
+          <a:bodyPr rtlCol="0" anchor="ctr"/>
+          <a:lstStyle/>
+          <a:p>
+            <a:pPr algn="ctr"/>
+            <a:endParaRPr lang="it-IT" dirty="0"/>
+          </a:p>
+        </p:txBody>
+      </p:sp>
+      <p:sp>
+        <p:nvSpPr>
+          <p:cNvPr id="31" name="Freccia bidirezionale orizzontale 30"/>
+          <p:cNvSpPr/>
+          <p:nvPr/>
+        </p:nvSpPr>
+        <p:spPr>
+          <a:xfrm>
+            <a:off x="6596851" y="5900668"/>
+            <a:ext cx="3680490" cy="311958"/>
+          </a:xfrm>
+          <a:prstGeom prst="leftRightArrow">
+            <a:avLst>
+              <a:gd name="adj1" fmla="val 27353"/>
+              <a:gd name="adj2" fmla="val 50000"/>
+            </a:avLst>
+          </a:prstGeom>
+          <a:solidFill>
+            <a:schemeClr val="accent1">
+              <a:lumMod val="20000"/>
+              <a:lumOff val="80000"/>
+            </a:schemeClr>
+          </a:solidFill>
+        </p:spPr>
+        <p:style>
+          <a:lnRef idx="2">
+            <a:schemeClr val="accent1">
+              <a:shade val="50000"/>
+            </a:schemeClr>
+          </a:lnRef>
+          <a:fillRef idx="1">
+            <a:schemeClr val="accent1"/>
+          </a:fillRef>
+          <a:effectRef idx="0">
+            <a:schemeClr val="accent1"/>
+          </a:effectRef>
+          <a:fontRef idx="minor">
+            <a:schemeClr val="lt1"/>
+          </a:fontRef>
+        </p:style>
+        <p:txBody>
+          <a:bodyPr rtlCol="0" anchor="ctr"/>
+          <a:lstStyle/>
+          <a:p>
+            <a:pPr algn="ctr"/>
+            <a:endParaRPr lang="it-IT"/>
+          </a:p>
+        </p:txBody>
+      </p:sp>
+      <p:sp>
+        <p:nvSpPr>
+          <p:cNvPr id="51" name="Freccia a destra rientrata 50"/>
+          <p:cNvSpPr/>
+          <p:nvPr/>
+        </p:nvSpPr>
+        <p:spPr>
+          <a:xfrm rot="18973834" flipH="1" flipV="1">
+            <a:off x="6330473" y="5094169"/>
+            <a:ext cx="1501000" cy="343300"/>
+          </a:xfrm>
+          <a:prstGeom prst="notchedRightArrow">
+            <a:avLst>
+              <a:gd name="adj1" fmla="val 25095"/>
+              <a:gd name="adj2" fmla="val 50000"/>
+            </a:avLst>
+          </a:prstGeom>
+          <a:solidFill>
+            <a:schemeClr val="accent1">
+              <a:lumMod val="20000"/>
+              <a:lumOff val="80000"/>
+            </a:schemeClr>
+          </a:solidFill>
+        </p:spPr>
+        <p:style>
+          <a:lnRef idx="2">
+            <a:schemeClr val="accent1">
+              <a:shade val="50000"/>
+            </a:schemeClr>
+          </a:lnRef>
+          <a:fillRef idx="1">
+            <a:schemeClr val="accent1"/>
+          </a:fillRef>
+          <a:effectRef idx="0">
+            <a:schemeClr val="accent1"/>
+          </a:effectRef>
+          <a:fontRef idx="minor">
+            <a:schemeClr val="lt1"/>
+          </a:fontRef>
+        </p:style>
+        <p:txBody>
+          <a:bodyPr rtlCol="0" anchor="ctr"/>
+          <a:lstStyle/>
+          <a:p>
+            <a:pPr algn="ctr"/>
+            <a:endParaRPr lang="it-IT"/>
+          </a:p>
+        </p:txBody>
+      </p:sp>
+      <p:sp>
+        <p:nvSpPr>
+          <p:cNvPr id="52" name="Title 1">
             <a:extLst>
               <a:ext uri="{FF2B5EF4-FFF2-40B4-BE49-F238E27FC236}">
-                <a16:creationId xmlns:a16="http://schemas.microsoft.com/office/drawing/2014/main" id="{C5E17AE9-F250-4ABD-9C54-C92270DBA7CC}"/>
+                <a16:creationId xmlns:a16="http://schemas.microsoft.com/office/drawing/2014/main" id="{515D56D6-294D-44FB-B3E2-DE9DB87B0670}"/>
+              </a:ext>
+            </a:extLst>
+          </p:cNvPr>
+          <p:cNvSpPr>
+            <a:spLocks noGrp="1"/>
+          </p:cNvSpPr>
+          <p:nvPr>
+            <p:ph type="title"/>
+          </p:nvPr>
+        </p:nvSpPr>
+        <p:spPr>
+          <a:xfrm>
+            <a:off x="0" y="0"/>
+            <a:ext cx="12192000" cy="1690689"/>
+          </a:xfrm>
+          <a:solidFill>
+            <a:schemeClr val="accent1">
+              <a:lumMod val="40000"/>
+              <a:lumOff val="60000"/>
+            </a:schemeClr>
+          </a:solidFill>
+        </p:spPr>
+        <p:txBody>
+          <a:bodyPr/>
+          <a:lstStyle/>
+          <a:p>
+            <a:pPr algn="ctr"/>
+            <a:r>
+              <a:rPr lang="it-IT" b="1" dirty="0"/>
+              <a:t>Architettura dell’applicazione</a:t>
+            </a:r>
+          </a:p>
+        </p:txBody>
+      </p:sp>
+      <p:pic>
+        <p:nvPicPr>
+          <p:cNvPr id="58" name="Picture 57">
+            <a:extLst>
+              <a:ext uri="{FF2B5EF4-FFF2-40B4-BE49-F238E27FC236}">
+                <a16:creationId xmlns:a16="http://schemas.microsoft.com/office/drawing/2014/main" id="{374445FE-34BB-40A5-B8DA-7B984C7B7A54}"/>
+              </a:ext>
+            </a:extLst>
+          </p:cNvPr>
+          <p:cNvPicPr>
+            <a:picLocks noChangeAspect="1"/>
+          </p:cNvPicPr>
+          <p:nvPr/>
+        </p:nvPicPr>
+        <p:blipFill>
+          <a:blip r:embed="rId4">
+            <a:extLst>
+              <a:ext uri="{28A0092B-C50C-407E-A947-70E740481C1C}">
+                <a14:useLocalDpi xmlns:a14="http://schemas.microsoft.com/office/drawing/2010/main" val="0"/>
+              </a:ext>
+            </a:extLst>
+          </a:blip>
+          <a:stretch>
+            <a:fillRect/>
+          </a:stretch>
+        </p:blipFill>
+        <p:spPr>
+          <a:xfrm>
+            <a:off x="2036790" y="4173593"/>
+            <a:ext cx="905207" cy="678905"/>
+          </a:xfrm>
+          <a:prstGeom prst="rect">
+            <a:avLst/>
+          </a:prstGeom>
+        </p:spPr>
+      </p:pic>
+      <p:sp>
+        <p:nvSpPr>
+          <p:cNvPr id="59" name="Lightning Bolt 58">
+            <a:extLst>
+              <a:ext uri="{FF2B5EF4-FFF2-40B4-BE49-F238E27FC236}">
+                <a16:creationId xmlns:a16="http://schemas.microsoft.com/office/drawing/2014/main" id="{CC8F1AC7-58CB-402D-8641-293D62A51518}"/>
+              </a:ext>
+            </a:extLst>
+          </p:cNvPr>
+          <p:cNvSpPr/>
+          <p:nvPr/>
+        </p:nvSpPr>
+        <p:spPr>
+          <a:xfrm>
+            <a:off x="2230540" y="3686206"/>
+            <a:ext cx="325234" cy="487386"/>
+          </a:xfrm>
+          <a:prstGeom prst="lightningBolt">
+            <a:avLst/>
+          </a:prstGeom>
+          <a:solidFill>
+            <a:srgbClr val="FFFF00"/>
+          </a:solidFill>
+        </p:spPr>
+        <p:style>
+          <a:lnRef idx="2">
+            <a:schemeClr val="accent1">
+              <a:shade val="50000"/>
+            </a:schemeClr>
+          </a:lnRef>
+          <a:fillRef idx="1">
+            <a:schemeClr val="accent1"/>
+          </a:fillRef>
+          <a:effectRef idx="0">
+            <a:schemeClr val="accent1"/>
+          </a:effectRef>
+          <a:fontRef idx="minor">
+            <a:schemeClr val="lt1"/>
+          </a:fontRef>
+        </p:style>
+        <p:txBody>
+          <a:bodyPr rtlCol="0" anchor="ctr"/>
+          <a:lstStyle/>
+          <a:p>
+            <a:pPr algn="ctr"/>
+            <a:endParaRPr lang="it-IT"/>
+          </a:p>
+        </p:txBody>
+      </p:sp>
+      <p:sp>
+        <p:nvSpPr>
+          <p:cNvPr id="64" name="Callout 2 24">
+            <a:extLst>
+              <a:ext uri="{FF2B5EF4-FFF2-40B4-BE49-F238E27FC236}">
+                <a16:creationId xmlns:a16="http://schemas.microsoft.com/office/drawing/2014/main" id="{B079D10E-202D-40DB-BBC6-A33EC4A5805C}"/>
+              </a:ext>
+            </a:extLst>
+          </p:cNvPr>
+          <p:cNvSpPr/>
+          <p:nvPr/>
+        </p:nvSpPr>
+        <p:spPr>
+          <a:xfrm>
+            <a:off x="3177391" y="3929899"/>
+            <a:ext cx="1215769" cy="451545"/>
+          </a:xfrm>
+          <a:prstGeom prst="borderCallout2">
+            <a:avLst>
+              <a:gd name="adj1" fmla="val 18750"/>
+              <a:gd name="adj2" fmla="val 695"/>
+              <a:gd name="adj3" fmla="val 18750"/>
+              <a:gd name="adj4" fmla="val -16667"/>
+              <a:gd name="adj5" fmla="val 17578"/>
+              <a:gd name="adj6" fmla="val -58301"/>
+            </a:avLst>
+          </a:prstGeom>
+          <a:solidFill>
+            <a:schemeClr val="bg1"/>
+          </a:solidFill>
+        </p:spPr>
+        <p:style>
+          <a:lnRef idx="2">
+            <a:schemeClr val="accent1">
+              <a:shade val="50000"/>
+            </a:schemeClr>
+          </a:lnRef>
+          <a:fillRef idx="1">
+            <a:schemeClr val="accent1"/>
+          </a:fillRef>
+          <a:effectRef idx="0">
+            <a:schemeClr val="accent1"/>
+          </a:effectRef>
+          <a:fontRef idx="minor">
+            <a:schemeClr val="lt1"/>
+          </a:fontRef>
+        </p:style>
+        <p:txBody>
+          <a:bodyPr rtlCol="0" anchor="ctr"/>
+          <a:lstStyle/>
+          <a:p>
+            <a:pPr algn="ctr"/>
+            <a:r>
+              <a:rPr lang="it-IT" sz="1200" dirty="0">
+                <a:solidFill>
+                  <a:sysClr val="windowText" lastClr="000000"/>
+                </a:solidFill>
+              </a:rPr>
+              <a:t>Posto diventa occupato</a:t>
+            </a:r>
+          </a:p>
+        </p:txBody>
+      </p:sp>
+      <p:sp>
+        <p:nvSpPr>
+          <p:cNvPr id="71" name="Rettangolo 3">
+            <a:extLst>
+              <a:ext uri="{FF2B5EF4-FFF2-40B4-BE49-F238E27FC236}">
+                <a16:creationId xmlns:a16="http://schemas.microsoft.com/office/drawing/2014/main" id="{E6CE5D1A-107A-4FFA-A8EC-7AD1D97D1C7B}"/>
+              </a:ext>
+            </a:extLst>
+          </p:cNvPr>
+          <p:cNvSpPr/>
+          <p:nvPr/>
+        </p:nvSpPr>
+        <p:spPr>
+          <a:xfrm>
+            <a:off x="6070148" y="2274145"/>
+            <a:ext cx="3636696" cy="2578353"/>
+          </a:xfrm>
+          <a:prstGeom prst="rect">
+            <a:avLst/>
+          </a:prstGeom>
+          <a:solidFill>
+            <a:schemeClr val="bg1"/>
+          </a:solidFill>
+        </p:spPr>
+        <p:style>
+          <a:lnRef idx="2">
+            <a:schemeClr val="accent1">
+              <a:shade val="50000"/>
+            </a:schemeClr>
+          </a:lnRef>
+          <a:fillRef idx="1">
+            <a:schemeClr val="accent1"/>
+          </a:fillRef>
+          <a:effectRef idx="0">
+            <a:schemeClr val="accent1"/>
+          </a:effectRef>
+          <a:fontRef idx="minor">
+            <a:schemeClr val="lt1"/>
+          </a:fontRef>
+        </p:style>
+        <p:txBody>
+          <a:bodyPr rtlCol="0" anchor="ctr"/>
+          <a:lstStyle/>
+          <a:p>
+            <a:pPr algn="ctr"/>
+            <a:endParaRPr lang="it-IT" dirty="0"/>
+          </a:p>
+        </p:txBody>
+      </p:sp>
+      <p:sp>
+        <p:nvSpPr>
+          <p:cNvPr id="72" name="Rettangolo 4">
+            <a:extLst>
+              <a:ext uri="{FF2B5EF4-FFF2-40B4-BE49-F238E27FC236}">
+                <a16:creationId xmlns:a16="http://schemas.microsoft.com/office/drawing/2014/main" id="{94BFFAAC-6FAA-44D8-9AF0-25CCAEBA0C9B}"/>
+              </a:ext>
+            </a:extLst>
+          </p:cNvPr>
+          <p:cNvSpPr/>
+          <p:nvPr/>
+        </p:nvSpPr>
+        <p:spPr>
+          <a:xfrm>
+            <a:off x="6491106" y="2399572"/>
+            <a:ext cx="882031" cy="1383738"/>
+          </a:xfrm>
+          <a:prstGeom prst="rect">
+            <a:avLst/>
+          </a:prstGeom>
+        </p:spPr>
+        <p:style>
+          <a:lnRef idx="2">
+            <a:schemeClr val="accent1">
+              <a:shade val="50000"/>
+            </a:schemeClr>
+          </a:lnRef>
+          <a:fillRef idx="1">
+            <a:schemeClr val="accent1"/>
+          </a:fillRef>
+          <a:effectRef idx="0">
+            <a:schemeClr val="accent1"/>
+          </a:effectRef>
+          <a:fontRef idx="minor">
+            <a:schemeClr val="lt1"/>
+          </a:fontRef>
+        </p:style>
+        <p:txBody>
+          <a:bodyPr rtlCol="0" anchor="ctr"/>
+          <a:lstStyle/>
+          <a:p>
+            <a:pPr algn="ctr"/>
+            <a:endParaRPr lang="it-IT"/>
+          </a:p>
+        </p:txBody>
+      </p:sp>
+      <p:sp>
+        <p:nvSpPr>
+          <p:cNvPr id="73" name="Ovale 6">
+            <a:extLst>
+              <a:ext uri="{FF2B5EF4-FFF2-40B4-BE49-F238E27FC236}">
+                <a16:creationId xmlns:a16="http://schemas.microsoft.com/office/drawing/2014/main" id="{0F6D2A15-7544-496E-A74F-8FEF694854F5}"/>
+              </a:ext>
+            </a:extLst>
+          </p:cNvPr>
+          <p:cNvSpPr/>
+          <p:nvPr/>
+        </p:nvSpPr>
+        <p:spPr>
+          <a:xfrm>
+            <a:off x="6588210" y="2634242"/>
+            <a:ext cx="89012" cy="89012"/>
+          </a:xfrm>
+          <a:prstGeom prst="ellipse">
+            <a:avLst/>
+          </a:prstGeom>
+          <a:solidFill>
+            <a:srgbClr val="FF0000"/>
+          </a:solidFill>
+        </p:spPr>
+        <p:style>
+          <a:lnRef idx="2">
+            <a:schemeClr val="accent1">
+              <a:shade val="50000"/>
+            </a:schemeClr>
+          </a:lnRef>
+          <a:fillRef idx="1">
+            <a:schemeClr val="accent1"/>
+          </a:fillRef>
+          <a:effectRef idx="0">
+            <a:schemeClr val="accent1"/>
+          </a:effectRef>
+          <a:fontRef idx="minor">
+            <a:schemeClr val="lt1"/>
+          </a:fontRef>
+        </p:style>
+        <p:txBody>
+          <a:bodyPr rtlCol="0" anchor="ctr"/>
+          <a:lstStyle/>
+          <a:p>
+            <a:pPr algn="ctr"/>
+            <a:endParaRPr lang="it-IT"/>
+          </a:p>
+        </p:txBody>
+      </p:sp>
+      <p:sp>
+        <p:nvSpPr>
+          <p:cNvPr id="74" name="Ovale 7">
+            <a:extLst>
+              <a:ext uri="{FF2B5EF4-FFF2-40B4-BE49-F238E27FC236}">
+                <a16:creationId xmlns:a16="http://schemas.microsoft.com/office/drawing/2014/main" id="{B4DA633C-49DD-43DE-BFFA-4019D6055F3A}"/>
+              </a:ext>
+            </a:extLst>
+          </p:cNvPr>
+          <p:cNvSpPr/>
+          <p:nvPr/>
+        </p:nvSpPr>
+        <p:spPr>
+          <a:xfrm>
+            <a:off x="7162747" y="2634242"/>
+            <a:ext cx="89012" cy="89012"/>
+          </a:xfrm>
+          <a:prstGeom prst="ellipse">
+            <a:avLst/>
+          </a:prstGeom>
+          <a:solidFill>
+            <a:srgbClr val="FF0000"/>
+          </a:solidFill>
+        </p:spPr>
+        <p:style>
+          <a:lnRef idx="2">
+            <a:schemeClr val="accent1">
+              <a:shade val="50000"/>
+            </a:schemeClr>
+          </a:lnRef>
+          <a:fillRef idx="1">
+            <a:schemeClr val="accent1"/>
+          </a:fillRef>
+          <a:effectRef idx="0">
+            <a:schemeClr val="accent1"/>
+          </a:effectRef>
+          <a:fontRef idx="minor">
+            <a:schemeClr val="lt1"/>
+          </a:fontRef>
+        </p:style>
+        <p:txBody>
+          <a:bodyPr rtlCol="0" anchor="ctr"/>
+          <a:lstStyle/>
+          <a:p>
+            <a:pPr algn="ctr"/>
+            <a:endParaRPr lang="it-IT"/>
+          </a:p>
+        </p:txBody>
+      </p:sp>
+      <p:sp>
+        <p:nvSpPr>
+          <p:cNvPr id="75" name="Ovale 8">
+            <a:extLst>
+              <a:ext uri="{FF2B5EF4-FFF2-40B4-BE49-F238E27FC236}">
+                <a16:creationId xmlns:a16="http://schemas.microsoft.com/office/drawing/2014/main" id="{B51AD44B-19C4-406F-9071-C1AC88CACD4D}"/>
+              </a:ext>
+            </a:extLst>
+          </p:cNvPr>
+          <p:cNvSpPr/>
+          <p:nvPr/>
+        </p:nvSpPr>
+        <p:spPr>
+          <a:xfrm>
+            <a:off x="6588210" y="3500089"/>
+            <a:ext cx="89012" cy="89012"/>
+          </a:xfrm>
+          <a:prstGeom prst="ellipse">
+            <a:avLst/>
+          </a:prstGeom>
+          <a:solidFill>
+            <a:srgbClr val="FF0000"/>
+          </a:solidFill>
+        </p:spPr>
+        <p:style>
+          <a:lnRef idx="2">
+            <a:schemeClr val="accent1">
+              <a:shade val="50000"/>
+            </a:schemeClr>
+          </a:lnRef>
+          <a:fillRef idx="1">
+            <a:schemeClr val="accent1"/>
+          </a:fillRef>
+          <a:effectRef idx="0">
+            <a:schemeClr val="accent1"/>
+          </a:effectRef>
+          <a:fontRef idx="minor">
+            <a:schemeClr val="lt1"/>
+          </a:fontRef>
+        </p:style>
+        <p:txBody>
+          <a:bodyPr rtlCol="0" anchor="ctr"/>
+          <a:lstStyle/>
+          <a:p>
+            <a:pPr algn="ctr"/>
+            <a:endParaRPr lang="it-IT"/>
+          </a:p>
+        </p:txBody>
+      </p:sp>
+      <p:sp>
+        <p:nvSpPr>
+          <p:cNvPr id="76" name="Ovale 9">
+            <a:extLst>
+              <a:ext uri="{FF2B5EF4-FFF2-40B4-BE49-F238E27FC236}">
+                <a16:creationId xmlns:a16="http://schemas.microsoft.com/office/drawing/2014/main" id="{1D7042BD-9AF8-44E7-B991-0158A964042F}"/>
+              </a:ext>
+            </a:extLst>
+          </p:cNvPr>
+          <p:cNvSpPr/>
+          <p:nvPr/>
+        </p:nvSpPr>
+        <p:spPr>
+          <a:xfrm>
+            <a:off x="7162747" y="3500089"/>
+            <a:ext cx="89012" cy="89012"/>
+          </a:xfrm>
+          <a:prstGeom prst="ellipse">
+            <a:avLst/>
+          </a:prstGeom>
+          <a:solidFill>
+            <a:srgbClr val="FF0000"/>
+          </a:solidFill>
+        </p:spPr>
+        <p:style>
+          <a:lnRef idx="2">
+            <a:schemeClr val="accent1">
+              <a:shade val="50000"/>
+            </a:schemeClr>
+          </a:lnRef>
+          <a:fillRef idx="1">
+            <a:schemeClr val="accent1"/>
+          </a:fillRef>
+          <a:effectRef idx="0">
+            <a:schemeClr val="accent1"/>
+          </a:effectRef>
+          <a:fontRef idx="minor">
+            <a:schemeClr val="lt1"/>
+          </a:fontRef>
+        </p:style>
+        <p:txBody>
+          <a:bodyPr rtlCol="0" anchor="ctr"/>
+          <a:lstStyle/>
+          <a:p>
+            <a:pPr algn="ctr"/>
+            <a:endParaRPr lang="it-IT"/>
+          </a:p>
+        </p:txBody>
+      </p:sp>
+      <p:sp>
+        <p:nvSpPr>
+          <p:cNvPr id="77" name="Ovale 10">
+            <a:extLst>
+              <a:ext uri="{FF2B5EF4-FFF2-40B4-BE49-F238E27FC236}">
+                <a16:creationId xmlns:a16="http://schemas.microsoft.com/office/drawing/2014/main" id="{220C10BE-542F-41FB-BDDA-A2785B076317}"/>
+              </a:ext>
+            </a:extLst>
+          </p:cNvPr>
+          <p:cNvSpPr/>
+          <p:nvPr/>
+        </p:nvSpPr>
+        <p:spPr>
+          <a:xfrm>
+            <a:off x="6309036" y="2634242"/>
+            <a:ext cx="89012" cy="89012"/>
+          </a:xfrm>
+          <a:prstGeom prst="ellipse">
+            <a:avLst/>
+          </a:prstGeom>
+          <a:solidFill>
+            <a:schemeClr val="accent6"/>
+          </a:solidFill>
+        </p:spPr>
+        <p:style>
+          <a:lnRef idx="2">
+            <a:schemeClr val="accent1">
+              <a:shade val="50000"/>
+            </a:schemeClr>
+          </a:lnRef>
+          <a:fillRef idx="1">
+            <a:schemeClr val="accent1"/>
+          </a:fillRef>
+          <a:effectRef idx="0">
+            <a:schemeClr val="accent1"/>
+          </a:effectRef>
+          <a:fontRef idx="minor">
+            <a:schemeClr val="lt1"/>
+          </a:fontRef>
+        </p:style>
+        <p:txBody>
+          <a:bodyPr rtlCol="0" anchor="ctr"/>
+          <a:lstStyle/>
+          <a:p>
+            <a:pPr algn="ctr"/>
+            <a:endParaRPr lang="it-IT"/>
+          </a:p>
+        </p:txBody>
+      </p:sp>
+      <p:sp>
+        <p:nvSpPr>
+          <p:cNvPr id="78" name="Ovale 11">
+            <a:extLst>
+              <a:ext uri="{FF2B5EF4-FFF2-40B4-BE49-F238E27FC236}">
+                <a16:creationId xmlns:a16="http://schemas.microsoft.com/office/drawing/2014/main" id="{C53750CE-C96E-46AD-9A83-94A8C6A909EC}"/>
+              </a:ext>
+            </a:extLst>
+          </p:cNvPr>
+          <p:cNvSpPr/>
+          <p:nvPr/>
+        </p:nvSpPr>
+        <p:spPr>
+          <a:xfrm>
+            <a:off x="6309036" y="3500089"/>
+            <a:ext cx="89012" cy="89012"/>
+          </a:xfrm>
+          <a:prstGeom prst="ellipse">
+            <a:avLst/>
+          </a:prstGeom>
+          <a:solidFill>
+            <a:schemeClr val="accent6"/>
+          </a:solidFill>
+        </p:spPr>
+        <p:style>
+          <a:lnRef idx="2">
+            <a:schemeClr val="accent1">
+              <a:shade val="50000"/>
+            </a:schemeClr>
+          </a:lnRef>
+          <a:fillRef idx="1">
+            <a:schemeClr val="accent1"/>
+          </a:fillRef>
+          <a:effectRef idx="0">
+            <a:schemeClr val="accent1"/>
+          </a:effectRef>
+          <a:fontRef idx="minor">
+            <a:schemeClr val="lt1"/>
+          </a:fontRef>
+        </p:style>
+        <p:txBody>
+          <a:bodyPr rtlCol="0" anchor="ctr"/>
+          <a:lstStyle/>
+          <a:p>
+            <a:pPr algn="ctr"/>
+            <a:endParaRPr lang="it-IT"/>
+          </a:p>
+        </p:txBody>
+      </p:sp>
+      <p:sp>
+        <p:nvSpPr>
+          <p:cNvPr id="79" name="Ovale 12">
+            <a:extLst>
+              <a:ext uri="{FF2B5EF4-FFF2-40B4-BE49-F238E27FC236}">
+                <a16:creationId xmlns:a16="http://schemas.microsoft.com/office/drawing/2014/main" id="{4E80B171-C671-43DE-9B15-5B550C542533}"/>
+              </a:ext>
+            </a:extLst>
+          </p:cNvPr>
+          <p:cNvSpPr/>
+          <p:nvPr/>
+        </p:nvSpPr>
+        <p:spPr>
+          <a:xfrm>
+            <a:off x="7466195" y="2634242"/>
+            <a:ext cx="89012" cy="89012"/>
+          </a:xfrm>
+          <a:prstGeom prst="ellipse">
+            <a:avLst/>
+          </a:prstGeom>
+          <a:solidFill>
+            <a:schemeClr val="accent6"/>
+          </a:solidFill>
+        </p:spPr>
+        <p:style>
+          <a:lnRef idx="2">
+            <a:schemeClr val="accent1">
+              <a:shade val="50000"/>
+            </a:schemeClr>
+          </a:lnRef>
+          <a:fillRef idx="1">
+            <a:schemeClr val="accent1"/>
+          </a:fillRef>
+          <a:effectRef idx="0">
+            <a:schemeClr val="accent1"/>
+          </a:effectRef>
+          <a:fontRef idx="minor">
+            <a:schemeClr val="lt1"/>
+          </a:fontRef>
+        </p:style>
+        <p:txBody>
+          <a:bodyPr rtlCol="0" anchor="ctr"/>
+          <a:lstStyle/>
+          <a:p>
+            <a:pPr algn="ctr"/>
+            <a:endParaRPr lang="it-IT"/>
+          </a:p>
+        </p:txBody>
+      </p:sp>
+      <p:sp>
+        <p:nvSpPr>
+          <p:cNvPr id="80" name="Ovale 13">
+            <a:extLst>
+              <a:ext uri="{FF2B5EF4-FFF2-40B4-BE49-F238E27FC236}">
+                <a16:creationId xmlns:a16="http://schemas.microsoft.com/office/drawing/2014/main" id="{EB4420BA-2DF0-4C26-B111-47F5E3648264}"/>
+              </a:ext>
+            </a:extLst>
+          </p:cNvPr>
+          <p:cNvSpPr/>
+          <p:nvPr/>
+        </p:nvSpPr>
+        <p:spPr>
+          <a:xfrm>
+            <a:off x="7466195" y="3500089"/>
+            <a:ext cx="89012" cy="89012"/>
+          </a:xfrm>
+          <a:prstGeom prst="ellipse">
+            <a:avLst/>
+          </a:prstGeom>
+          <a:solidFill>
+            <a:schemeClr val="accent6"/>
+          </a:solidFill>
+        </p:spPr>
+        <p:style>
+          <a:lnRef idx="2">
+            <a:schemeClr val="accent1">
+              <a:shade val="50000"/>
+            </a:schemeClr>
+          </a:lnRef>
+          <a:fillRef idx="1">
+            <a:schemeClr val="accent1"/>
+          </a:fillRef>
+          <a:effectRef idx="0">
+            <a:schemeClr val="accent1"/>
+          </a:effectRef>
+          <a:fontRef idx="minor">
+            <a:schemeClr val="lt1"/>
+          </a:fontRef>
+        </p:style>
+        <p:txBody>
+          <a:bodyPr rtlCol="0" anchor="ctr"/>
+          <a:lstStyle/>
+          <a:p>
+            <a:pPr algn="ctr"/>
+            <a:endParaRPr lang="it-IT"/>
+          </a:p>
+        </p:txBody>
+      </p:sp>
+      <p:sp>
+        <p:nvSpPr>
+          <p:cNvPr id="81" name="Rettangolo 14">
+            <a:extLst>
+              <a:ext uri="{FF2B5EF4-FFF2-40B4-BE49-F238E27FC236}">
+                <a16:creationId xmlns:a16="http://schemas.microsoft.com/office/drawing/2014/main" id="{2D70DDCC-B587-4956-9B61-5D8CBA5CB7BF}"/>
+              </a:ext>
+            </a:extLst>
+          </p:cNvPr>
+          <p:cNvSpPr/>
+          <p:nvPr/>
+        </p:nvSpPr>
+        <p:spPr>
+          <a:xfrm>
+            <a:off x="8180318" y="2399572"/>
+            <a:ext cx="882031" cy="1383738"/>
+          </a:xfrm>
+          <a:prstGeom prst="rect">
+            <a:avLst/>
+          </a:prstGeom>
+        </p:spPr>
+        <p:style>
+          <a:lnRef idx="2">
+            <a:schemeClr val="accent1">
+              <a:shade val="50000"/>
+            </a:schemeClr>
+          </a:lnRef>
+          <a:fillRef idx="1">
+            <a:schemeClr val="accent1"/>
+          </a:fillRef>
+          <a:effectRef idx="0">
+            <a:schemeClr val="accent1"/>
+          </a:effectRef>
+          <a:fontRef idx="minor">
+            <a:schemeClr val="lt1"/>
+          </a:fontRef>
+        </p:style>
+        <p:txBody>
+          <a:bodyPr rtlCol="0" anchor="ctr"/>
+          <a:lstStyle/>
+          <a:p>
+            <a:pPr algn="ctr"/>
+            <a:endParaRPr lang="it-IT"/>
+          </a:p>
+        </p:txBody>
+      </p:sp>
+      <p:sp>
+        <p:nvSpPr>
+          <p:cNvPr id="82" name="Ovale 15">
+            <a:extLst>
+              <a:ext uri="{FF2B5EF4-FFF2-40B4-BE49-F238E27FC236}">
+                <a16:creationId xmlns:a16="http://schemas.microsoft.com/office/drawing/2014/main" id="{B6EFFFE1-899F-4FAA-8FC3-5242851197CE}"/>
+              </a:ext>
+            </a:extLst>
+          </p:cNvPr>
+          <p:cNvSpPr/>
+          <p:nvPr/>
+        </p:nvSpPr>
+        <p:spPr>
+          <a:xfrm>
+            <a:off x="8277422" y="2634242"/>
+            <a:ext cx="89012" cy="89012"/>
+          </a:xfrm>
+          <a:prstGeom prst="ellipse">
+            <a:avLst/>
+          </a:prstGeom>
+          <a:solidFill>
+            <a:srgbClr val="FF0000"/>
+          </a:solidFill>
+        </p:spPr>
+        <p:style>
+          <a:lnRef idx="2">
+            <a:schemeClr val="accent1">
+              <a:shade val="50000"/>
+            </a:schemeClr>
+          </a:lnRef>
+          <a:fillRef idx="1">
+            <a:schemeClr val="accent1"/>
+          </a:fillRef>
+          <a:effectRef idx="0">
+            <a:schemeClr val="accent1"/>
+          </a:effectRef>
+          <a:fontRef idx="minor">
+            <a:schemeClr val="lt1"/>
+          </a:fontRef>
+        </p:style>
+        <p:txBody>
+          <a:bodyPr rtlCol="0" anchor="ctr"/>
+          <a:lstStyle/>
+          <a:p>
+            <a:pPr algn="ctr"/>
+            <a:endParaRPr lang="it-IT"/>
+          </a:p>
+        </p:txBody>
+      </p:sp>
+      <p:sp>
+        <p:nvSpPr>
+          <p:cNvPr id="83" name="Ovale 16">
+            <a:extLst>
+              <a:ext uri="{FF2B5EF4-FFF2-40B4-BE49-F238E27FC236}">
+                <a16:creationId xmlns:a16="http://schemas.microsoft.com/office/drawing/2014/main" id="{EA9626C3-688B-4152-ABBD-7582A1A35EB2}"/>
+              </a:ext>
+            </a:extLst>
+          </p:cNvPr>
+          <p:cNvSpPr/>
+          <p:nvPr/>
+        </p:nvSpPr>
+        <p:spPr>
+          <a:xfrm>
+            <a:off x="8851959" y="2634242"/>
+            <a:ext cx="89012" cy="89012"/>
+          </a:xfrm>
+          <a:prstGeom prst="ellipse">
+            <a:avLst/>
+          </a:prstGeom>
+          <a:solidFill>
+            <a:srgbClr val="FF0000"/>
+          </a:solidFill>
+        </p:spPr>
+        <p:style>
+          <a:lnRef idx="2">
+            <a:schemeClr val="accent1">
+              <a:shade val="50000"/>
+            </a:schemeClr>
+          </a:lnRef>
+          <a:fillRef idx="1">
+            <a:schemeClr val="accent1"/>
+          </a:fillRef>
+          <a:effectRef idx="0">
+            <a:schemeClr val="accent1"/>
+          </a:effectRef>
+          <a:fontRef idx="minor">
+            <a:schemeClr val="lt1"/>
+          </a:fontRef>
+        </p:style>
+        <p:txBody>
+          <a:bodyPr rtlCol="0" anchor="ctr"/>
+          <a:lstStyle/>
+          <a:p>
+            <a:pPr algn="ctr"/>
+            <a:endParaRPr lang="it-IT"/>
+          </a:p>
+        </p:txBody>
+      </p:sp>
+      <p:sp>
+        <p:nvSpPr>
+          <p:cNvPr id="84" name="Ovale 17">
+            <a:extLst>
+              <a:ext uri="{FF2B5EF4-FFF2-40B4-BE49-F238E27FC236}">
+                <a16:creationId xmlns:a16="http://schemas.microsoft.com/office/drawing/2014/main" id="{4269C2A7-B543-401A-886B-CD79E011C657}"/>
+              </a:ext>
+            </a:extLst>
+          </p:cNvPr>
+          <p:cNvSpPr/>
+          <p:nvPr/>
+        </p:nvSpPr>
+        <p:spPr>
+          <a:xfrm>
+            <a:off x="8277422" y="3500089"/>
+            <a:ext cx="89012" cy="89012"/>
+          </a:xfrm>
+          <a:prstGeom prst="ellipse">
+            <a:avLst/>
+          </a:prstGeom>
+          <a:solidFill>
+            <a:srgbClr val="FF0000"/>
+          </a:solidFill>
+        </p:spPr>
+        <p:style>
+          <a:lnRef idx="2">
+            <a:schemeClr val="accent1">
+              <a:shade val="50000"/>
+            </a:schemeClr>
+          </a:lnRef>
+          <a:fillRef idx="1">
+            <a:schemeClr val="accent1"/>
+          </a:fillRef>
+          <a:effectRef idx="0">
+            <a:schemeClr val="accent1"/>
+          </a:effectRef>
+          <a:fontRef idx="minor">
+            <a:schemeClr val="lt1"/>
+          </a:fontRef>
+        </p:style>
+        <p:txBody>
+          <a:bodyPr rtlCol="0" anchor="ctr"/>
+          <a:lstStyle/>
+          <a:p>
+            <a:pPr algn="ctr"/>
+            <a:endParaRPr lang="it-IT"/>
+          </a:p>
+        </p:txBody>
+      </p:sp>
+      <p:sp>
+        <p:nvSpPr>
+          <p:cNvPr id="85" name="Ovale 18">
+            <a:extLst>
+              <a:ext uri="{FF2B5EF4-FFF2-40B4-BE49-F238E27FC236}">
+                <a16:creationId xmlns:a16="http://schemas.microsoft.com/office/drawing/2014/main" id="{EDF887DA-BB64-4A63-B5E0-EFB2F21C450B}"/>
+              </a:ext>
+            </a:extLst>
+          </p:cNvPr>
+          <p:cNvSpPr/>
+          <p:nvPr/>
+        </p:nvSpPr>
+        <p:spPr>
+          <a:xfrm>
+            <a:off x="8851959" y="3500089"/>
+            <a:ext cx="89012" cy="89012"/>
+          </a:xfrm>
+          <a:prstGeom prst="ellipse">
+            <a:avLst/>
+          </a:prstGeom>
+          <a:solidFill>
+            <a:srgbClr val="FF0000"/>
+          </a:solidFill>
+        </p:spPr>
+        <p:style>
+          <a:lnRef idx="2">
+            <a:schemeClr val="accent1">
+              <a:shade val="50000"/>
+            </a:schemeClr>
+          </a:lnRef>
+          <a:fillRef idx="1">
+            <a:schemeClr val="accent1"/>
+          </a:fillRef>
+          <a:effectRef idx="0">
+            <a:schemeClr val="accent1"/>
+          </a:effectRef>
+          <a:fontRef idx="minor">
+            <a:schemeClr val="lt1"/>
+          </a:fontRef>
+        </p:style>
+        <p:txBody>
+          <a:bodyPr rtlCol="0" anchor="ctr"/>
+          <a:lstStyle/>
+          <a:p>
+            <a:pPr algn="ctr"/>
+            <a:endParaRPr lang="it-IT"/>
+          </a:p>
+        </p:txBody>
+      </p:sp>
+      <p:sp>
+        <p:nvSpPr>
+          <p:cNvPr id="86" name="Ovale 19">
+            <a:extLst>
+              <a:ext uri="{FF2B5EF4-FFF2-40B4-BE49-F238E27FC236}">
+                <a16:creationId xmlns:a16="http://schemas.microsoft.com/office/drawing/2014/main" id="{76489157-D554-4E2D-8CA3-61CBB3AD50C1}"/>
+              </a:ext>
+            </a:extLst>
+          </p:cNvPr>
+          <p:cNvSpPr/>
+          <p:nvPr/>
+        </p:nvSpPr>
+        <p:spPr>
+          <a:xfrm>
+            <a:off x="7998248" y="2634242"/>
+            <a:ext cx="89012" cy="89012"/>
+          </a:xfrm>
+          <a:prstGeom prst="ellipse">
+            <a:avLst/>
+          </a:prstGeom>
+          <a:solidFill>
+            <a:schemeClr val="accent6"/>
+          </a:solidFill>
+        </p:spPr>
+        <p:style>
+          <a:lnRef idx="2">
+            <a:schemeClr val="accent1">
+              <a:shade val="50000"/>
+            </a:schemeClr>
+          </a:lnRef>
+          <a:fillRef idx="1">
+            <a:schemeClr val="accent1"/>
+          </a:fillRef>
+          <a:effectRef idx="0">
+            <a:schemeClr val="accent1"/>
+          </a:effectRef>
+          <a:fontRef idx="minor">
+            <a:schemeClr val="lt1"/>
+          </a:fontRef>
+        </p:style>
+        <p:txBody>
+          <a:bodyPr rtlCol="0" anchor="ctr"/>
+          <a:lstStyle/>
+          <a:p>
+            <a:pPr algn="ctr"/>
+            <a:endParaRPr lang="it-IT"/>
+          </a:p>
+        </p:txBody>
+      </p:sp>
+      <p:sp>
+        <p:nvSpPr>
+          <p:cNvPr id="87" name="Ovale 20">
+            <a:extLst>
+              <a:ext uri="{FF2B5EF4-FFF2-40B4-BE49-F238E27FC236}">
+                <a16:creationId xmlns:a16="http://schemas.microsoft.com/office/drawing/2014/main" id="{A193682D-C5CB-46B8-902A-4619FD83D1C1}"/>
+              </a:ext>
+            </a:extLst>
+          </p:cNvPr>
+          <p:cNvSpPr/>
+          <p:nvPr/>
+        </p:nvSpPr>
+        <p:spPr>
+          <a:xfrm>
+            <a:off x="7998248" y="3500089"/>
+            <a:ext cx="89012" cy="89012"/>
+          </a:xfrm>
+          <a:prstGeom prst="ellipse">
+            <a:avLst/>
+          </a:prstGeom>
+          <a:solidFill>
+            <a:schemeClr val="accent6"/>
+          </a:solidFill>
+        </p:spPr>
+        <p:style>
+          <a:lnRef idx="2">
+            <a:schemeClr val="accent1">
+              <a:shade val="50000"/>
+            </a:schemeClr>
+          </a:lnRef>
+          <a:fillRef idx="1">
+            <a:schemeClr val="accent1"/>
+          </a:fillRef>
+          <a:effectRef idx="0">
+            <a:schemeClr val="accent1"/>
+          </a:effectRef>
+          <a:fontRef idx="minor">
+            <a:schemeClr val="lt1"/>
+          </a:fontRef>
+        </p:style>
+        <p:txBody>
+          <a:bodyPr rtlCol="0" anchor="ctr"/>
+          <a:lstStyle/>
+          <a:p>
+            <a:pPr algn="ctr"/>
+            <a:endParaRPr lang="it-IT"/>
+          </a:p>
+        </p:txBody>
+      </p:sp>
+      <p:sp>
+        <p:nvSpPr>
+          <p:cNvPr id="88" name="Ovale 21">
+            <a:extLst>
+              <a:ext uri="{FF2B5EF4-FFF2-40B4-BE49-F238E27FC236}">
+                <a16:creationId xmlns:a16="http://schemas.microsoft.com/office/drawing/2014/main" id="{34D1580C-2BF6-4BE0-B0B3-8F042D8DF359}"/>
+              </a:ext>
+            </a:extLst>
+          </p:cNvPr>
+          <p:cNvSpPr/>
+          <p:nvPr/>
+        </p:nvSpPr>
+        <p:spPr>
+          <a:xfrm>
+            <a:off x="9155407" y="2634242"/>
+            <a:ext cx="89012" cy="89012"/>
+          </a:xfrm>
+          <a:prstGeom prst="ellipse">
+            <a:avLst/>
+          </a:prstGeom>
+          <a:solidFill>
+            <a:schemeClr val="accent6"/>
+          </a:solidFill>
+        </p:spPr>
+        <p:style>
+          <a:lnRef idx="2">
+            <a:schemeClr val="accent1">
+              <a:shade val="50000"/>
+            </a:schemeClr>
+          </a:lnRef>
+          <a:fillRef idx="1">
+            <a:schemeClr val="accent1"/>
+          </a:fillRef>
+          <a:effectRef idx="0">
+            <a:schemeClr val="accent1"/>
+          </a:effectRef>
+          <a:fontRef idx="minor">
+            <a:schemeClr val="lt1"/>
+          </a:fontRef>
+        </p:style>
+        <p:txBody>
+          <a:bodyPr rtlCol="0" anchor="ctr"/>
+          <a:lstStyle/>
+          <a:p>
+            <a:pPr algn="ctr"/>
+            <a:endParaRPr lang="it-IT"/>
+          </a:p>
+        </p:txBody>
+      </p:sp>
+      <p:sp>
+        <p:nvSpPr>
+          <p:cNvPr id="89" name="Ovale 22">
+            <a:extLst>
+              <a:ext uri="{FF2B5EF4-FFF2-40B4-BE49-F238E27FC236}">
+                <a16:creationId xmlns:a16="http://schemas.microsoft.com/office/drawing/2014/main" id="{D0400312-EA5A-4522-8511-FBA38E88791B}"/>
+              </a:ext>
+            </a:extLst>
+          </p:cNvPr>
+          <p:cNvSpPr/>
+          <p:nvPr/>
+        </p:nvSpPr>
+        <p:spPr>
+          <a:xfrm>
+            <a:off x="9155407" y="3500089"/>
+            <a:ext cx="89012" cy="89012"/>
+          </a:xfrm>
+          <a:prstGeom prst="ellipse">
+            <a:avLst/>
+          </a:prstGeom>
+          <a:solidFill>
+            <a:schemeClr val="accent6"/>
+          </a:solidFill>
+        </p:spPr>
+        <p:style>
+          <a:lnRef idx="2">
+            <a:schemeClr val="accent1">
+              <a:shade val="50000"/>
+            </a:schemeClr>
+          </a:lnRef>
+          <a:fillRef idx="1">
+            <a:schemeClr val="accent1"/>
+          </a:fillRef>
+          <a:effectRef idx="0">
+            <a:schemeClr val="accent1"/>
+          </a:effectRef>
+          <a:fontRef idx="minor">
+            <a:schemeClr val="lt1"/>
+          </a:fontRef>
+        </p:style>
+        <p:txBody>
+          <a:bodyPr rtlCol="0" anchor="ctr"/>
+          <a:lstStyle/>
+          <a:p>
+            <a:pPr algn="ctr"/>
+            <a:endParaRPr lang="it-IT"/>
+          </a:p>
+        </p:txBody>
+      </p:sp>
+      <p:pic>
+        <p:nvPicPr>
+          <p:cNvPr id="90" name="Picture 89">
+            <a:extLst>
+              <a:ext uri="{FF2B5EF4-FFF2-40B4-BE49-F238E27FC236}">
+                <a16:creationId xmlns:a16="http://schemas.microsoft.com/office/drawing/2014/main" id="{B0BBA1FE-40AC-44F1-869B-CE364307E371}"/>
+              </a:ext>
+            </a:extLst>
+          </p:cNvPr>
+          <p:cNvPicPr>
+            <a:picLocks noChangeAspect="1"/>
+          </p:cNvPicPr>
+          <p:nvPr/>
+        </p:nvPicPr>
+        <p:blipFill>
+          <a:blip r:embed="rId4">
+            <a:extLst>
+              <a:ext uri="{28A0092B-C50C-407E-A947-70E740481C1C}">
+                <a14:useLocalDpi xmlns:a14="http://schemas.microsoft.com/office/drawing/2010/main" val="0"/>
+              </a:ext>
+            </a:extLst>
+          </a:blip>
+          <a:stretch>
+            <a:fillRect/>
+          </a:stretch>
+        </p:blipFill>
+        <p:spPr>
+          <a:xfrm>
+            <a:off x="7275111" y="4173592"/>
+            <a:ext cx="905207" cy="678905"/>
+          </a:xfrm>
+          <a:prstGeom prst="rect">
+            <a:avLst/>
+          </a:prstGeom>
+        </p:spPr>
+      </p:pic>
+      <p:sp>
+        <p:nvSpPr>
+          <p:cNvPr id="91" name="Lightning Bolt 90">
+            <a:extLst>
+              <a:ext uri="{FF2B5EF4-FFF2-40B4-BE49-F238E27FC236}">
+                <a16:creationId xmlns:a16="http://schemas.microsoft.com/office/drawing/2014/main" id="{3F7B4544-79F5-491F-99D7-233D040EB85F}"/>
+              </a:ext>
+            </a:extLst>
+          </p:cNvPr>
+          <p:cNvSpPr/>
+          <p:nvPr/>
+        </p:nvSpPr>
+        <p:spPr>
+          <a:xfrm>
+            <a:off x="7468861" y="3686205"/>
+            <a:ext cx="325234" cy="487386"/>
+          </a:xfrm>
+          <a:prstGeom prst="lightningBolt">
+            <a:avLst/>
+          </a:prstGeom>
+          <a:solidFill>
+            <a:srgbClr val="FFFF00"/>
+          </a:solidFill>
+        </p:spPr>
+        <p:style>
+          <a:lnRef idx="2">
+            <a:schemeClr val="accent1">
+              <a:shade val="50000"/>
+            </a:schemeClr>
+          </a:lnRef>
+          <a:fillRef idx="1">
+            <a:schemeClr val="accent1"/>
+          </a:fillRef>
+          <a:effectRef idx="0">
+            <a:schemeClr val="accent1"/>
+          </a:effectRef>
+          <a:fontRef idx="minor">
+            <a:schemeClr val="lt1"/>
+          </a:fontRef>
+        </p:style>
+        <p:txBody>
+          <a:bodyPr rtlCol="0" anchor="ctr"/>
+          <a:lstStyle/>
+          <a:p>
+            <a:pPr algn="ctr"/>
+            <a:endParaRPr lang="it-IT"/>
+          </a:p>
+        </p:txBody>
+      </p:sp>
+      <p:sp>
+        <p:nvSpPr>
+          <p:cNvPr id="61" name="TextBox 60">
+            <a:extLst>
+              <a:ext uri="{FF2B5EF4-FFF2-40B4-BE49-F238E27FC236}">
+                <a16:creationId xmlns:a16="http://schemas.microsoft.com/office/drawing/2014/main" id="{31030CB6-22EB-47A9-A002-F091CBABA586}"/>
               </a:ext>
             </a:extLst>
           </p:cNvPr>
@@ -8130,8 +8676,8 @@
         </p:nvSpPr>
         <p:spPr>
           <a:xfrm>
-            <a:off x="953247" y="532630"/>
-            <a:ext cx="3387144" cy="369332"/>
+            <a:off x="831827" y="1854967"/>
+            <a:ext cx="3636696" cy="369332"/>
           </a:xfrm>
           <a:prstGeom prst="rect">
             <a:avLst/>
@@ -8145,12 +8691,141 @@
           <a:lstStyle/>
           <a:p>
             <a:r>
-              <a:rPr lang="it-IT" dirty="0">
+              <a:rPr lang="it-IT" dirty="0"/>
+              <a:t>Aula studio 1</a:t>
+            </a:r>
+          </a:p>
+        </p:txBody>
+      </p:sp>
+      <p:sp>
+        <p:nvSpPr>
+          <p:cNvPr id="93" name="TextBox 92">
+            <a:extLst>
+              <a:ext uri="{FF2B5EF4-FFF2-40B4-BE49-F238E27FC236}">
+                <a16:creationId xmlns:a16="http://schemas.microsoft.com/office/drawing/2014/main" id="{F69125C3-3EBC-446D-B4F4-B35E612ED1E4}"/>
+              </a:ext>
+            </a:extLst>
+          </p:cNvPr>
+          <p:cNvSpPr txBox="1"/>
+          <p:nvPr/>
+        </p:nvSpPr>
+        <p:spPr>
+          <a:xfrm>
+            <a:off x="6070148" y="1826489"/>
+            <a:ext cx="3636696" cy="369332"/>
+          </a:xfrm>
+          <a:prstGeom prst="rect">
+            <a:avLst/>
+          </a:prstGeom>
+          <a:noFill/>
+        </p:spPr>
+        <p:txBody>
+          <a:bodyPr wrap="square" rtlCol="0">
+            <a:spAutoFit/>
+          </a:bodyPr>
+          <a:lstStyle/>
+          <a:p>
+            <a:r>
+              <a:rPr lang="it-IT" dirty="0"/>
+              <a:t>Aula studio 2</a:t>
+            </a:r>
+          </a:p>
+        </p:txBody>
+      </p:sp>
+      <p:sp>
+        <p:nvSpPr>
+          <p:cNvPr id="94" name="Callout 2 24">
+            <a:extLst>
+              <a:ext uri="{FF2B5EF4-FFF2-40B4-BE49-F238E27FC236}">
+                <a16:creationId xmlns:a16="http://schemas.microsoft.com/office/drawing/2014/main" id="{840EAC97-1B17-450F-940A-83BC3BBB5388}"/>
+              </a:ext>
+            </a:extLst>
+          </p:cNvPr>
+          <p:cNvSpPr/>
+          <p:nvPr/>
+        </p:nvSpPr>
+        <p:spPr>
+          <a:xfrm>
+            <a:off x="8454464" y="3861634"/>
+            <a:ext cx="1215769" cy="451545"/>
+          </a:xfrm>
+          <a:prstGeom prst="borderCallout2">
+            <a:avLst>
+              <a:gd name="adj1" fmla="val 18750"/>
+              <a:gd name="adj2" fmla="val 695"/>
+              <a:gd name="adj3" fmla="val 18750"/>
+              <a:gd name="adj4" fmla="val -16667"/>
+              <a:gd name="adj5" fmla="val 20430"/>
+              <a:gd name="adj6" fmla="val -61479"/>
+            </a:avLst>
+          </a:prstGeom>
+          <a:solidFill>
+            <a:schemeClr val="bg1"/>
+          </a:solidFill>
+        </p:spPr>
+        <p:style>
+          <a:lnRef idx="2">
+            <a:schemeClr val="accent1">
+              <a:shade val="50000"/>
+            </a:schemeClr>
+          </a:lnRef>
+          <a:fillRef idx="1">
+            <a:schemeClr val="accent1"/>
+          </a:fillRef>
+          <a:effectRef idx="0">
+            <a:schemeClr val="accent1"/>
+          </a:effectRef>
+          <a:fontRef idx="minor">
+            <a:schemeClr val="lt1"/>
+          </a:fontRef>
+        </p:style>
+        <p:txBody>
+          <a:bodyPr rtlCol="0" anchor="ctr"/>
+          <a:lstStyle/>
+          <a:p>
+            <a:pPr algn="ctr"/>
+            <a:r>
+              <a:rPr lang="it-IT" sz="1200" dirty="0">
                 <a:solidFill>
-                  <a:srgbClr val="FF0000"/>
+                  <a:sysClr val="windowText" lastClr="000000"/>
                 </a:solidFill>
               </a:rPr>
-              <a:t>SECONDO ME E’ DA CAMBIARE</a:t>
+              <a:t>Posto si libera</a:t>
+            </a:r>
+          </a:p>
+        </p:txBody>
+      </p:sp>
+      <p:sp>
+        <p:nvSpPr>
+          <p:cNvPr id="92" name="TextBox 91">
+            <a:extLst>
+              <a:ext uri="{FF2B5EF4-FFF2-40B4-BE49-F238E27FC236}">
+                <a16:creationId xmlns:a16="http://schemas.microsoft.com/office/drawing/2014/main" id="{0EB0DF9A-6FDC-49AD-A4DC-D0E0AE9F4B9C}"/>
+              </a:ext>
+            </a:extLst>
+          </p:cNvPr>
+          <p:cNvSpPr txBox="1"/>
+          <p:nvPr/>
+        </p:nvSpPr>
+        <p:spPr>
+          <a:xfrm>
+            <a:off x="10299920" y="4089248"/>
+            <a:ext cx="1223774" cy="646331"/>
+          </a:xfrm>
+          <a:prstGeom prst="rect">
+            <a:avLst/>
+          </a:prstGeom>
+          <a:noFill/>
+        </p:spPr>
+        <p:txBody>
+          <a:bodyPr wrap="square" rtlCol="0">
+            <a:spAutoFit/>
+          </a:bodyPr>
+          <a:lstStyle/>
+          <a:p>
+            <a:r>
+              <a:rPr lang="it-IT" dirty="0"/>
+              <a:t>Utente finale</a:t>
             </a:r>
           </a:p>
         </p:txBody>
@@ -8158,7 +8833,7 @@
     </p:spTree>
     <p:extLst>
       <p:ext uri="{BB962C8B-B14F-4D97-AF65-F5344CB8AC3E}">
-        <p14:creationId xmlns:p14="http://schemas.microsoft.com/office/powerpoint/2010/main" val="2544109714"/>
+        <p14:creationId xmlns:p14="http://schemas.microsoft.com/office/powerpoint/2010/main" val="116748738"/>
       </p:ext>
     </p:extLst>
   </p:cSld>

--- a/ontologia.pptx
+++ b/ontologia.pptx
@@ -14,8 +14,10 @@
     <p:sldId id="263" r:id="rId8"/>
     <p:sldId id="264" r:id="rId9"/>
     <p:sldId id="269" r:id="rId10"/>
-    <p:sldId id="256" r:id="rId11"/>
-    <p:sldId id="258" r:id="rId12"/>
+    <p:sldId id="270" r:id="rId11"/>
+    <p:sldId id="272" r:id="rId12"/>
+    <p:sldId id="271" r:id="rId13"/>
+    <p:sldId id="258" r:id="rId14"/>
   </p:sldIdLst>
   <p:sldSz cx="12192000" cy="6858000"/>
   <p:notesSz cx="6858000" cy="9144000"/>
@@ -269,7 +271,7 @@
           <a:p>
             <a:fld id="{1A332EEC-0DEC-4519-86B2-D35C9D955E4F}" type="datetimeFigureOut">
               <a:rPr lang="it-IT" smtClean="0"/>
-              <a:t>28/09/2017</a:t>
+              <a:t>29/09/2017</a:t>
             </a:fld>
             <a:endParaRPr lang="it-IT"/>
           </a:p>
@@ -439,7 +441,7 @@
           <a:p>
             <a:fld id="{1A332EEC-0DEC-4519-86B2-D35C9D955E4F}" type="datetimeFigureOut">
               <a:rPr lang="it-IT" smtClean="0"/>
-              <a:t>28/09/2017</a:t>
+              <a:t>29/09/2017</a:t>
             </a:fld>
             <a:endParaRPr lang="it-IT"/>
           </a:p>
@@ -619,7 +621,7 @@
           <a:p>
             <a:fld id="{1A332EEC-0DEC-4519-86B2-D35C9D955E4F}" type="datetimeFigureOut">
               <a:rPr lang="it-IT" smtClean="0"/>
-              <a:t>28/09/2017</a:t>
+              <a:t>29/09/2017</a:t>
             </a:fld>
             <a:endParaRPr lang="it-IT"/>
           </a:p>
@@ -789,7 +791,7 @@
           <a:p>
             <a:fld id="{1A332EEC-0DEC-4519-86B2-D35C9D955E4F}" type="datetimeFigureOut">
               <a:rPr lang="it-IT" smtClean="0"/>
-              <a:t>28/09/2017</a:t>
+              <a:t>29/09/2017</a:t>
             </a:fld>
             <a:endParaRPr lang="it-IT"/>
           </a:p>
@@ -1035,7 +1037,7 @@
           <a:p>
             <a:fld id="{1A332EEC-0DEC-4519-86B2-D35C9D955E4F}" type="datetimeFigureOut">
               <a:rPr lang="it-IT" smtClean="0"/>
-              <a:t>28/09/2017</a:t>
+              <a:t>29/09/2017</a:t>
             </a:fld>
             <a:endParaRPr lang="it-IT"/>
           </a:p>
@@ -1267,7 +1269,7 @@
           <a:p>
             <a:fld id="{1A332EEC-0DEC-4519-86B2-D35C9D955E4F}" type="datetimeFigureOut">
               <a:rPr lang="it-IT" smtClean="0"/>
-              <a:t>28/09/2017</a:t>
+              <a:t>29/09/2017</a:t>
             </a:fld>
             <a:endParaRPr lang="it-IT"/>
           </a:p>
@@ -1634,7 +1636,7 @@
           <a:p>
             <a:fld id="{1A332EEC-0DEC-4519-86B2-D35C9D955E4F}" type="datetimeFigureOut">
               <a:rPr lang="it-IT" smtClean="0"/>
-              <a:t>28/09/2017</a:t>
+              <a:t>29/09/2017</a:t>
             </a:fld>
             <a:endParaRPr lang="it-IT"/>
           </a:p>
@@ -1752,7 +1754,7 @@
           <a:p>
             <a:fld id="{1A332EEC-0DEC-4519-86B2-D35C9D955E4F}" type="datetimeFigureOut">
               <a:rPr lang="it-IT" smtClean="0"/>
-              <a:t>28/09/2017</a:t>
+              <a:t>29/09/2017</a:t>
             </a:fld>
             <a:endParaRPr lang="it-IT"/>
           </a:p>
@@ -1847,7 +1849,7 @@
           <a:p>
             <a:fld id="{1A332EEC-0DEC-4519-86B2-D35C9D955E4F}" type="datetimeFigureOut">
               <a:rPr lang="it-IT" smtClean="0"/>
-              <a:t>28/09/2017</a:t>
+              <a:t>29/09/2017</a:t>
             </a:fld>
             <a:endParaRPr lang="it-IT"/>
           </a:p>
@@ -2124,7 +2126,7 @@
           <a:p>
             <a:fld id="{1A332EEC-0DEC-4519-86B2-D35C9D955E4F}" type="datetimeFigureOut">
               <a:rPr lang="it-IT" smtClean="0"/>
-              <a:t>28/09/2017</a:t>
+              <a:t>29/09/2017</a:t>
             </a:fld>
             <a:endParaRPr lang="it-IT"/>
           </a:p>
@@ -2377,7 +2379,7 @@
           <a:p>
             <a:fld id="{1A332EEC-0DEC-4519-86B2-D35C9D955E4F}" type="datetimeFigureOut">
               <a:rPr lang="it-IT" smtClean="0"/>
-              <a:t>28/09/2017</a:t>
+              <a:t>29/09/2017</a:t>
             </a:fld>
             <a:endParaRPr lang="it-IT"/>
           </a:p>
@@ -2590,7 +2592,7 @@
           <a:p>
             <a:fld id="{1A332EEC-0DEC-4519-86B2-D35C9D955E4F}" type="datetimeFigureOut">
               <a:rPr lang="it-IT" smtClean="0"/>
-              <a:t>28/09/2017</a:t>
+              <a:t>29/09/2017</a:t>
             </a:fld>
             <a:endParaRPr lang="it-IT"/>
           </a:p>
@@ -3313,20 +3315,677 @@
           <a:chExt cx="0" cy="0"/>
         </a:xfrm>
       </p:grpSpPr>
-      <p:sp>
-        <p:nvSpPr>
-          <p:cNvPr id="6" name="Rectangle: Rounded Corners 5"/>
+      <p:pic>
+        <p:nvPicPr>
+          <p:cNvPr id="27" name="Immagine 26"/>
+          <p:cNvPicPr>
+            <a:picLocks noChangeAspect="1"/>
+          </p:cNvPicPr>
+          <p:nvPr/>
+        </p:nvPicPr>
+        <p:blipFill rotWithShape="1">
+          <a:blip r:embed="rId2"/>
+          <a:srcRect l="2201" t="1668" r="4600" b="5443"/>
+          <a:stretch/>
+        </p:blipFill>
+        <p:spPr>
+          <a:xfrm>
+            <a:off x="4935050" y="4065565"/>
+            <a:ext cx="2321899" cy="1688654"/>
+          </a:xfrm>
+          <a:prstGeom prst="rect">
+            <a:avLst/>
+          </a:prstGeom>
+        </p:spPr>
+      </p:pic>
+      <p:sp>
+        <p:nvSpPr>
+          <p:cNvPr id="52" name="Title 1">
+            <a:extLst>
+              <a:ext uri="{FF2B5EF4-FFF2-40B4-BE49-F238E27FC236}">
+                <a16:creationId xmlns:a16="http://schemas.microsoft.com/office/drawing/2014/main" id="{515D56D6-294D-44FB-B3E2-DE9DB87B0670}"/>
+              </a:ext>
+            </a:extLst>
+          </p:cNvPr>
+          <p:cNvSpPr>
+            <a:spLocks noGrp="1"/>
+          </p:cNvSpPr>
+          <p:nvPr>
+            <p:ph type="title"/>
+          </p:nvPr>
+        </p:nvSpPr>
+        <p:spPr>
+          <a:xfrm>
+            <a:off x="0" y="0"/>
+            <a:ext cx="12192000" cy="1690689"/>
+          </a:xfrm>
+          <a:solidFill>
+            <a:schemeClr val="accent1">
+              <a:lumMod val="40000"/>
+              <a:lumOff val="60000"/>
+            </a:schemeClr>
+          </a:solidFill>
+        </p:spPr>
+        <p:txBody>
+          <a:bodyPr/>
+          <a:lstStyle/>
+          <a:p>
+            <a:pPr algn="ctr"/>
+            <a:r>
+              <a:rPr lang="it-IT" b="1" dirty="0"/>
+              <a:t>Architettura software</a:t>
+            </a:r>
+          </a:p>
+        </p:txBody>
+      </p:sp>
+      <p:cxnSp>
+        <p:nvCxnSpPr>
+          <p:cNvPr id="24" name="Straight Arrow Connector 23">
+            <a:extLst>
+              <a:ext uri="{FF2B5EF4-FFF2-40B4-BE49-F238E27FC236}">
+                <a16:creationId xmlns:a16="http://schemas.microsoft.com/office/drawing/2014/main" id="{5A4B92CE-3848-4D79-AAF0-C4D07143B8BD}"/>
+              </a:ext>
+            </a:extLst>
+          </p:cNvPr>
+          <p:cNvCxnSpPr>
+            <a:cxnSpLocks/>
+            <a:endCxn id="27" idx="0"/>
+          </p:cNvCxnSpPr>
+          <p:nvPr/>
+        </p:nvCxnSpPr>
+        <p:spPr>
+          <a:xfrm>
+            <a:off x="6095998" y="2744777"/>
+            <a:ext cx="0" cy="1332000"/>
+          </a:xfrm>
+          <a:prstGeom prst="straightConnector1">
+            <a:avLst/>
+          </a:prstGeom>
+          <a:ln w="28575">
+            <a:solidFill>
+              <a:schemeClr val="tx1"/>
+            </a:solidFill>
+            <a:tailEnd type="triangle"/>
+          </a:ln>
+        </p:spPr>
+        <p:style>
+          <a:lnRef idx="1">
+            <a:schemeClr val="accent1"/>
+          </a:lnRef>
+          <a:fillRef idx="0">
+            <a:schemeClr val="accent1"/>
+          </a:fillRef>
+          <a:effectRef idx="0">
+            <a:schemeClr val="accent1"/>
+          </a:effectRef>
+          <a:fontRef idx="minor">
+            <a:schemeClr val="tx1"/>
+          </a:fontRef>
+        </p:style>
+      </p:cxnSp>
+      <p:pic>
+        <p:nvPicPr>
+          <p:cNvPr id="32" name="Picture 31">
+            <a:extLst>
+              <a:ext uri="{FF2B5EF4-FFF2-40B4-BE49-F238E27FC236}">
+                <a16:creationId xmlns:a16="http://schemas.microsoft.com/office/drawing/2014/main" id="{9290C010-1D18-4E8B-863E-4F8A28721ECD}"/>
+              </a:ext>
+            </a:extLst>
+          </p:cNvPr>
+          <p:cNvPicPr>
+            <a:picLocks noChangeAspect="1"/>
+          </p:cNvPicPr>
+          <p:nvPr/>
+        </p:nvPicPr>
+        <p:blipFill>
+          <a:blip r:embed="rId3">
+            <a:extLst>
+              <a:ext uri="{28A0092B-C50C-407E-A947-70E740481C1C}">
+                <a14:useLocalDpi xmlns:a14="http://schemas.microsoft.com/office/drawing/2010/main" val="0"/>
+              </a:ext>
+            </a:extLst>
+          </a:blip>
+          <a:stretch>
+            <a:fillRect/>
+          </a:stretch>
+        </p:blipFill>
+        <p:spPr>
+          <a:xfrm>
+            <a:off x="5700655" y="2346614"/>
+            <a:ext cx="790685" cy="438211"/>
+          </a:xfrm>
+          <a:prstGeom prst="rect">
+            <a:avLst/>
+          </a:prstGeom>
+        </p:spPr>
+      </p:pic>
+      <p:pic>
+        <p:nvPicPr>
+          <p:cNvPr id="34" name="Picture 33">
+            <a:extLst>
+              <a:ext uri="{FF2B5EF4-FFF2-40B4-BE49-F238E27FC236}">
+                <a16:creationId xmlns:a16="http://schemas.microsoft.com/office/drawing/2014/main" id="{1874A9F7-B19A-4E5C-B6B4-DA1E6B3F6400}"/>
+              </a:ext>
+            </a:extLst>
+          </p:cNvPr>
+          <p:cNvPicPr>
+            <a:picLocks noChangeAspect="1"/>
+          </p:cNvPicPr>
+          <p:nvPr/>
+        </p:nvPicPr>
+        <p:blipFill>
+          <a:blip r:embed="rId4">
+            <a:extLst>
+              <a:ext uri="{28A0092B-C50C-407E-A947-70E740481C1C}">
+                <a14:useLocalDpi xmlns:a14="http://schemas.microsoft.com/office/drawing/2010/main" val="0"/>
+              </a:ext>
+            </a:extLst>
+          </a:blip>
+          <a:stretch>
+            <a:fillRect/>
+          </a:stretch>
+        </p:blipFill>
+        <p:spPr>
+          <a:xfrm>
+            <a:off x="8334979" y="4586082"/>
+            <a:ext cx="1085714" cy="647619"/>
+          </a:xfrm>
+          <a:prstGeom prst="rect">
+            <a:avLst/>
+          </a:prstGeom>
+        </p:spPr>
+      </p:pic>
+      <p:cxnSp>
+        <p:nvCxnSpPr>
+          <p:cNvPr id="36" name="Straight Arrow Connector 35">
+            <a:extLst>
+              <a:ext uri="{FF2B5EF4-FFF2-40B4-BE49-F238E27FC236}">
+                <a16:creationId xmlns:a16="http://schemas.microsoft.com/office/drawing/2014/main" id="{E10F67F0-1339-41CA-8C96-D79072E835A4}"/>
+              </a:ext>
+            </a:extLst>
+          </p:cNvPr>
+          <p:cNvCxnSpPr>
+            <a:cxnSpLocks/>
+          </p:cNvCxnSpPr>
+          <p:nvPr/>
+        </p:nvCxnSpPr>
+        <p:spPr>
+          <a:xfrm>
+            <a:off x="7205434" y="4790941"/>
+            <a:ext cx="1176295" cy="0"/>
+          </a:xfrm>
+          <a:prstGeom prst="straightConnector1">
+            <a:avLst/>
+          </a:prstGeom>
+          <a:ln w="28575">
+            <a:solidFill>
+              <a:schemeClr val="tx1"/>
+            </a:solidFill>
+            <a:prstDash val="lgDashDot"/>
+            <a:headEnd type="none" w="med" len="med"/>
+            <a:tailEnd type="arrow" w="med" len="med"/>
+          </a:ln>
+        </p:spPr>
+        <p:style>
+          <a:lnRef idx="1">
+            <a:schemeClr val="accent2"/>
+          </a:lnRef>
+          <a:fillRef idx="0">
+            <a:schemeClr val="accent2"/>
+          </a:fillRef>
+          <a:effectRef idx="0">
+            <a:schemeClr val="accent2"/>
+          </a:effectRef>
+          <a:fontRef idx="minor">
+            <a:schemeClr val="tx1"/>
+          </a:fontRef>
+        </p:style>
+      </p:cxnSp>
+      <p:pic>
+        <p:nvPicPr>
+          <p:cNvPr id="95" name="Picture 94">
+            <a:extLst>
+              <a:ext uri="{FF2B5EF4-FFF2-40B4-BE49-F238E27FC236}">
+                <a16:creationId xmlns:a16="http://schemas.microsoft.com/office/drawing/2014/main" id="{82918184-8990-4169-B62B-3F0359BA5B84}"/>
+              </a:ext>
+            </a:extLst>
+          </p:cNvPr>
+          <p:cNvPicPr>
+            <a:picLocks noChangeAspect="1"/>
+          </p:cNvPicPr>
+          <p:nvPr/>
+        </p:nvPicPr>
+        <p:blipFill>
+          <a:blip r:embed="rId4">
+            <a:extLst>
+              <a:ext uri="{28A0092B-C50C-407E-A947-70E740481C1C}">
+                <a14:useLocalDpi xmlns:a14="http://schemas.microsoft.com/office/drawing/2010/main" val="0"/>
+              </a:ext>
+            </a:extLst>
+          </a:blip>
+          <a:stretch>
+            <a:fillRect/>
+          </a:stretch>
+        </p:blipFill>
+        <p:spPr>
+          <a:xfrm>
+            <a:off x="2924929" y="4637598"/>
+            <a:ext cx="1085714" cy="647619"/>
+          </a:xfrm>
+          <a:prstGeom prst="rect">
+            <a:avLst/>
+          </a:prstGeom>
+        </p:spPr>
+      </p:pic>
+      <p:cxnSp>
+        <p:nvCxnSpPr>
+          <p:cNvPr id="44" name="Straight Arrow Connector 43">
+            <a:extLst>
+              <a:ext uri="{FF2B5EF4-FFF2-40B4-BE49-F238E27FC236}">
+                <a16:creationId xmlns:a16="http://schemas.microsoft.com/office/drawing/2014/main" id="{9ECEC739-DDBB-4DBD-9AE8-834DD4933D3B}"/>
+              </a:ext>
+            </a:extLst>
+          </p:cNvPr>
+          <p:cNvCxnSpPr>
+            <a:cxnSpLocks/>
+          </p:cNvCxnSpPr>
+          <p:nvPr/>
+        </p:nvCxnSpPr>
+        <p:spPr>
+          <a:xfrm flipH="1">
+            <a:off x="3683948" y="4790941"/>
+            <a:ext cx="1251102" cy="0"/>
+          </a:xfrm>
+          <a:prstGeom prst="straightConnector1">
+            <a:avLst/>
+          </a:prstGeom>
+          <a:ln w="28575">
+            <a:solidFill>
+              <a:schemeClr val="tx1"/>
+            </a:solidFill>
+            <a:prstDash val="sysDot"/>
+            <a:tailEnd type="triangle"/>
+          </a:ln>
+        </p:spPr>
+        <p:style>
+          <a:lnRef idx="1">
+            <a:schemeClr val="accent1"/>
+          </a:lnRef>
+          <a:fillRef idx="0">
+            <a:schemeClr val="accent1"/>
+          </a:fillRef>
+          <a:effectRef idx="0">
+            <a:schemeClr val="accent1"/>
+          </a:effectRef>
+          <a:fontRef idx="minor">
+            <a:schemeClr val="tx1"/>
+          </a:fontRef>
+        </p:style>
+      </p:cxnSp>
+      <p:sp>
+        <p:nvSpPr>
+          <p:cNvPr id="47" name="TextBox 46">
+            <a:extLst>
+              <a:ext uri="{FF2B5EF4-FFF2-40B4-BE49-F238E27FC236}">
+                <a16:creationId xmlns:a16="http://schemas.microsoft.com/office/drawing/2014/main" id="{5C447C3E-F92E-4090-830C-2CE99DE866BA}"/>
+              </a:ext>
+            </a:extLst>
+          </p:cNvPr>
+          <p:cNvSpPr txBox="1"/>
+          <p:nvPr/>
+        </p:nvSpPr>
+        <p:spPr>
+          <a:xfrm>
+            <a:off x="5512547" y="1919741"/>
+            <a:ext cx="1351894" cy="369332"/>
+          </a:xfrm>
+          <a:prstGeom prst="rect">
+            <a:avLst/>
+          </a:prstGeom>
+          <a:noFill/>
+        </p:spPr>
+        <p:txBody>
+          <a:bodyPr wrap="square" rtlCol="0">
+            <a:spAutoFit/>
+          </a:bodyPr>
+          <a:lstStyle/>
+          <a:p>
+            <a:r>
+              <a:rPr lang="it-IT" dirty="0"/>
+              <a:t>Aula studio</a:t>
+            </a:r>
+          </a:p>
+        </p:txBody>
+      </p:sp>
+      <p:sp>
+        <p:nvSpPr>
+          <p:cNvPr id="48" name="TextBox 47">
+            <a:extLst>
+              <a:ext uri="{FF2B5EF4-FFF2-40B4-BE49-F238E27FC236}">
+                <a16:creationId xmlns:a16="http://schemas.microsoft.com/office/drawing/2014/main" id="{B66619FD-4E6E-4502-A61D-E08B77F257BB}"/>
+              </a:ext>
+            </a:extLst>
+          </p:cNvPr>
+          <p:cNvSpPr txBox="1"/>
+          <p:nvPr/>
+        </p:nvSpPr>
+        <p:spPr>
+          <a:xfrm>
+            <a:off x="9275230" y="4586082"/>
+            <a:ext cx="1223493" cy="369332"/>
+          </a:xfrm>
+          <a:prstGeom prst="rect">
+            <a:avLst/>
+          </a:prstGeom>
+          <a:noFill/>
+        </p:spPr>
+        <p:txBody>
+          <a:bodyPr wrap="square" rtlCol="0">
+            <a:spAutoFit/>
+          </a:bodyPr>
+          <a:lstStyle/>
+          <a:p>
+            <a:r>
+              <a:rPr lang="it-IT" dirty="0"/>
+              <a:t>Studente</a:t>
+            </a:r>
+          </a:p>
+        </p:txBody>
+      </p:sp>
+      <p:sp>
+        <p:nvSpPr>
+          <p:cNvPr id="49" name="TextBox 48">
+            <a:extLst>
+              <a:ext uri="{FF2B5EF4-FFF2-40B4-BE49-F238E27FC236}">
+                <a16:creationId xmlns:a16="http://schemas.microsoft.com/office/drawing/2014/main" id="{464B0DB8-0B1E-4569-A266-EC7EFD7252FE}"/>
+              </a:ext>
+            </a:extLst>
+          </p:cNvPr>
+          <p:cNvSpPr txBox="1"/>
+          <p:nvPr/>
+        </p:nvSpPr>
+        <p:spPr>
+          <a:xfrm>
+            <a:off x="749462" y="4329276"/>
+            <a:ext cx="2395471" cy="923330"/>
+          </a:xfrm>
+          <a:prstGeom prst="rect">
+            <a:avLst/>
+          </a:prstGeom>
+          <a:noFill/>
+        </p:spPr>
+        <p:txBody>
+          <a:bodyPr wrap="square" rtlCol="0">
+            <a:spAutoFit/>
+          </a:bodyPr>
+          <a:lstStyle/>
+          <a:p>
+            <a:r>
+              <a:rPr lang="it-IT" dirty="0"/>
+              <a:t>Raccoglitore di statistiche sull’utilizzo delle aule studio</a:t>
+            </a:r>
+          </a:p>
+        </p:txBody>
+      </p:sp>
+      <p:cxnSp>
+        <p:nvCxnSpPr>
+          <p:cNvPr id="54" name="Straight Arrow Connector 53">
+            <a:extLst>
+              <a:ext uri="{FF2B5EF4-FFF2-40B4-BE49-F238E27FC236}">
+                <a16:creationId xmlns:a16="http://schemas.microsoft.com/office/drawing/2014/main" id="{212B92AE-CB25-4F2E-9CA5-4E827EF2740F}"/>
+              </a:ext>
+            </a:extLst>
+          </p:cNvPr>
+          <p:cNvCxnSpPr/>
+          <p:nvPr/>
+        </p:nvCxnSpPr>
+        <p:spPr>
+          <a:xfrm>
+            <a:off x="8484306" y="2544685"/>
+            <a:ext cx="785611" cy="0"/>
+          </a:xfrm>
+          <a:prstGeom prst="straightConnector1">
+            <a:avLst/>
+          </a:prstGeom>
+          <a:ln w="28575">
+            <a:solidFill>
+              <a:schemeClr val="tx1"/>
+            </a:solidFill>
+            <a:tailEnd type="triangle"/>
+          </a:ln>
+        </p:spPr>
+        <p:style>
+          <a:lnRef idx="1">
+            <a:schemeClr val="accent1"/>
+          </a:lnRef>
+          <a:fillRef idx="0">
+            <a:schemeClr val="accent1"/>
+          </a:fillRef>
+          <a:effectRef idx="0">
+            <a:schemeClr val="accent1"/>
+          </a:effectRef>
+          <a:fontRef idx="minor">
+            <a:schemeClr val="tx1"/>
+          </a:fontRef>
+        </p:style>
+      </p:cxnSp>
+      <p:cxnSp>
+        <p:nvCxnSpPr>
+          <p:cNvPr id="96" name="Straight Arrow Connector 95">
+            <a:extLst>
+              <a:ext uri="{FF2B5EF4-FFF2-40B4-BE49-F238E27FC236}">
+                <a16:creationId xmlns:a16="http://schemas.microsoft.com/office/drawing/2014/main" id="{59B703F6-DD2C-4BEC-88EA-29D1584B4E09}"/>
+              </a:ext>
+            </a:extLst>
+          </p:cNvPr>
+          <p:cNvCxnSpPr/>
+          <p:nvPr/>
+        </p:nvCxnSpPr>
+        <p:spPr>
+          <a:xfrm>
+            <a:off x="8484306" y="2888330"/>
+            <a:ext cx="785611" cy="0"/>
+          </a:xfrm>
+          <a:prstGeom prst="straightConnector1">
+            <a:avLst/>
+          </a:prstGeom>
+          <a:ln w="28575">
+            <a:solidFill>
+              <a:schemeClr val="tx1"/>
+            </a:solidFill>
+            <a:prstDash val="sysDot"/>
+            <a:tailEnd type="triangle"/>
+          </a:ln>
+        </p:spPr>
+        <p:style>
+          <a:lnRef idx="1">
+            <a:schemeClr val="accent1"/>
+          </a:lnRef>
+          <a:fillRef idx="0">
+            <a:schemeClr val="accent1"/>
+          </a:fillRef>
+          <a:effectRef idx="0">
+            <a:schemeClr val="accent1"/>
+          </a:effectRef>
+          <a:fontRef idx="minor">
+            <a:schemeClr val="tx1"/>
+          </a:fontRef>
+        </p:style>
+      </p:cxnSp>
+      <p:cxnSp>
+        <p:nvCxnSpPr>
+          <p:cNvPr id="97" name="Straight Arrow Connector 96">
+            <a:extLst>
+              <a:ext uri="{FF2B5EF4-FFF2-40B4-BE49-F238E27FC236}">
+                <a16:creationId xmlns:a16="http://schemas.microsoft.com/office/drawing/2014/main" id="{CA67D751-6D43-4DE5-917A-DBFE8C53FBC3}"/>
+              </a:ext>
+            </a:extLst>
+          </p:cNvPr>
+          <p:cNvCxnSpPr/>
+          <p:nvPr/>
+        </p:nvCxnSpPr>
+        <p:spPr>
+          <a:xfrm>
+            <a:off x="8484306" y="3259296"/>
+            <a:ext cx="785611" cy="0"/>
+          </a:xfrm>
+          <a:prstGeom prst="straightConnector1">
+            <a:avLst/>
+          </a:prstGeom>
+          <a:ln w="28575">
+            <a:solidFill>
+              <a:schemeClr val="tx1"/>
+            </a:solidFill>
+            <a:prstDash val="dashDot"/>
+            <a:tailEnd type="triangle"/>
+          </a:ln>
+        </p:spPr>
+        <p:style>
+          <a:lnRef idx="1">
+            <a:schemeClr val="accent1"/>
+          </a:lnRef>
+          <a:fillRef idx="0">
+            <a:schemeClr val="accent1"/>
+          </a:fillRef>
+          <a:effectRef idx="0">
+            <a:schemeClr val="accent1"/>
+          </a:effectRef>
+          <a:fontRef idx="minor">
+            <a:schemeClr val="tx1"/>
+          </a:fontRef>
+        </p:style>
+      </p:cxnSp>
+      <p:sp>
+        <p:nvSpPr>
+          <p:cNvPr id="55" name="TextBox 54">
+            <a:extLst>
+              <a:ext uri="{FF2B5EF4-FFF2-40B4-BE49-F238E27FC236}">
+                <a16:creationId xmlns:a16="http://schemas.microsoft.com/office/drawing/2014/main" id="{93C25ABA-CFEE-4EE9-B4E3-0DC9B8CB791E}"/>
+              </a:ext>
+            </a:extLst>
+          </p:cNvPr>
+          <p:cNvSpPr txBox="1"/>
+          <p:nvPr/>
+        </p:nvSpPr>
+        <p:spPr>
+          <a:xfrm>
+            <a:off x="8484306" y="2360019"/>
+            <a:ext cx="2900188" cy="369332"/>
+          </a:xfrm>
+          <a:prstGeom prst="rect">
+            <a:avLst/>
+          </a:prstGeom>
+          <a:noFill/>
+        </p:spPr>
+        <p:txBody>
+          <a:bodyPr wrap="square" rtlCol="0">
+            <a:spAutoFit/>
+          </a:bodyPr>
+          <a:lstStyle/>
+          <a:p>
+            <a:r>
+              <a:rPr lang="it-IT" dirty="0"/>
+              <a:t>                 Update</a:t>
+            </a:r>
+          </a:p>
+        </p:txBody>
+      </p:sp>
+      <p:sp>
+        <p:nvSpPr>
+          <p:cNvPr id="98" name="TextBox 97">
+            <a:extLst>
+              <a:ext uri="{FF2B5EF4-FFF2-40B4-BE49-F238E27FC236}">
+                <a16:creationId xmlns:a16="http://schemas.microsoft.com/office/drawing/2014/main" id="{7E93FB48-5507-444B-85AF-8C33D224BE28}"/>
+              </a:ext>
+            </a:extLst>
+          </p:cNvPr>
+          <p:cNvSpPr txBox="1"/>
+          <p:nvPr/>
+        </p:nvSpPr>
+        <p:spPr>
+          <a:xfrm>
+            <a:off x="8484306" y="2686817"/>
+            <a:ext cx="2900188" cy="369332"/>
+          </a:xfrm>
+          <a:prstGeom prst="rect">
+            <a:avLst/>
+          </a:prstGeom>
+          <a:noFill/>
+        </p:spPr>
+        <p:txBody>
+          <a:bodyPr wrap="square" rtlCol="0">
+            <a:spAutoFit/>
+          </a:bodyPr>
+          <a:lstStyle/>
+          <a:p>
+            <a:r>
+              <a:rPr lang="it-IT" dirty="0"/>
+              <a:t>                 Subscribe</a:t>
+            </a:r>
+          </a:p>
+        </p:txBody>
+      </p:sp>
+      <p:sp>
+        <p:nvSpPr>
+          <p:cNvPr id="99" name="TextBox 98">
+            <a:extLst>
+              <a:ext uri="{FF2B5EF4-FFF2-40B4-BE49-F238E27FC236}">
+                <a16:creationId xmlns:a16="http://schemas.microsoft.com/office/drawing/2014/main" id="{586F4D57-BA7D-4A90-A7F7-43E4E51C2593}"/>
+              </a:ext>
+            </a:extLst>
+          </p:cNvPr>
+          <p:cNvSpPr txBox="1"/>
+          <p:nvPr/>
+        </p:nvSpPr>
+        <p:spPr>
+          <a:xfrm>
+            <a:off x="9372023" y="3013615"/>
+            <a:ext cx="2900188" cy="369332"/>
+          </a:xfrm>
+          <a:prstGeom prst="rect">
+            <a:avLst/>
+          </a:prstGeom>
+          <a:noFill/>
+        </p:spPr>
+        <p:txBody>
+          <a:bodyPr wrap="square" rtlCol="0">
+            <a:spAutoFit/>
+          </a:bodyPr>
+          <a:lstStyle/>
+          <a:p>
+            <a:r>
+              <a:rPr lang="it-IT" dirty="0"/>
+              <a:t>Query</a:t>
+            </a:r>
+          </a:p>
+        </p:txBody>
+      </p:sp>
+      <p:sp>
+        <p:nvSpPr>
+          <p:cNvPr id="69" name="Rectangle 68">
+            <a:extLst>
+              <a:ext uri="{FF2B5EF4-FFF2-40B4-BE49-F238E27FC236}">
+                <a16:creationId xmlns:a16="http://schemas.microsoft.com/office/drawing/2014/main" id="{63B9871C-D97B-424B-9B70-7B844EAB404E}"/>
+              </a:ext>
+            </a:extLst>
+          </p:cNvPr>
           <p:cNvSpPr/>
           <p:nvPr/>
         </p:nvSpPr>
         <p:spPr>
           <a:xfrm>
-            <a:off x="5163610" y="1227121"/>
-            <a:ext cx="1881810" cy="516835"/>
-          </a:xfrm>
-          <a:prstGeom prst="roundRect">
+            <a:off x="8334979" y="2360019"/>
+            <a:ext cx="2215166" cy="1022928"/>
+          </a:xfrm>
+          <a:prstGeom prst="rect">
             <a:avLst/>
           </a:prstGeom>
+          <a:noFill/>
+          <a:ln w="28575">
+            <a:solidFill>
+              <a:schemeClr val="tx1"/>
+            </a:solidFill>
+          </a:ln>
         </p:spPr>
         <p:style>
           <a:lnRef idx="2">
@@ -3349,22 +4008,49 @@
           <a:lstStyle/>
           <a:p>
             <a:pPr algn="ctr"/>
-            <a:r>
-              <a:rPr lang="it-IT" dirty="0"/>
-              <a:t>sr:Table</a:t>
-            </a:r>
-          </a:p>
-        </p:txBody>
-      </p:sp>
-      <p:sp>
-        <p:nvSpPr>
-          <p:cNvPr id="7" name="Rectangle: Rounded Corners 6"/>
+            <a:endParaRPr lang="it-IT"/>
+          </a:p>
+        </p:txBody>
+      </p:sp>
+    </p:spTree>
+    <p:extLst>
+      <p:ext uri="{BB962C8B-B14F-4D97-AF65-F5344CB8AC3E}">
+        <p14:creationId xmlns:p14="http://schemas.microsoft.com/office/powerpoint/2010/main" val="871101247"/>
+      </p:ext>
+    </p:extLst>
+  </p:cSld>
+  <p:clrMapOvr>
+    <a:masterClrMapping/>
+  </p:clrMapOvr>
+</p:sld>
+</file>
+
+<file path=ppt/slides/slide11.xml><?xml version="1.0" encoding="utf-8"?>
+<p:sld xmlns:a="http://schemas.openxmlformats.org/drawingml/2006/main" xmlns:r="http://schemas.openxmlformats.org/officeDocument/2006/relationships" xmlns:p="http://schemas.openxmlformats.org/presentationml/2006/main">
+  <p:cSld>
+    <p:spTree>
+      <p:nvGrpSpPr>
+        <p:cNvPr id="1" name=""/>
+        <p:cNvGrpSpPr/>
+        <p:nvPr/>
+      </p:nvGrpSpPr>
+      <p:grpSpPr>
+        <a:xfrm>
+          <a:off x="0" y="0"/>
+          <a:ext cx="0" cy="0"/>
+          <a:chOff x="0" y="0"/>
+          <a:chExt cx="0" cy="0"/>
+        </a:xfrm>
+      </p:grpSpPr>
+      <p:sp>
+        <p:nvSpPr>
+          <p:cNvPr id="6" name="Rectangle: Rounded Corners 5"/>
           <p:cNvSpPr/>
           <p:nvPr/>
         </p:nvSpPr>
         <p:spPr>
           <a:xfrm>
-            <a:off x="5163610" y="2193478"/>
+            <a:off x="4967543" y="1813592"/>
             <a:ext cx="1881810" cy="516835"/>
           </a:xfrm>
           <a:prstGeom prst="roundRect">
@@ -3394,20 +4080,20 @@
             <a:pPr algn="ctr"/>
             <a:r>
               <a:rPr lang="it-IT" dirty="0"/>
-              <a:t>sr:StudyRoom</a:t>
-            </a:r>
-          </a:p>
-        </p:txBody>
-      </p:sp>
-      <p:sp>
-        <p:nvSpPr>
-          <p:cNvPr id="8" name="Rectangle: Rounded Corners 7"/>
+              <a:t>sr:Table</a:t>
+            </a:r>
+          </a:p>
+        </p:txBody>
+      </p:sp>
+      <p:sp>
+        <p:nvSpPr>
+          <p:cNvPr id="7" name="Rectangle: Rounded Corners 6"/>
           <p:cNvSpPr/>
           <p:nvPr/>
         </p:nvSpPr>
         <p:spPr>
           <a:xfrm>
-            <a:off x="5163610" y="260764"/>
+            <a:off x="4967543" y="2423387"/>
             <a:ext cx="1881810" cy="516835"/>
           </a:xfrm>
           <a:prstGeom prst="roundRect">
@@ -3437,20 +4123,20 @@
             <a:pPr algn="ctr"/>
             <a:r>
               <a:rPr lang="it-IT" dirty="0"/>
-              <a:t>sr:Seat</a:t>
-            </a:r>
-          </a:p>
-        </p:txBody>
-      </p:sp>
-      <p:sp>
-        <p:nvSpPr>
-          <p:cNvPr id="10" name="Rectangle: Rounded Corners 9"/>
+              <a:t>sr:StudyRoom</a:t>
+            </a:r>
+          </a:p>
+        </p:txBody>
+      </p:sp>
+      <p:sp>
+        <p:nvSpPr>
+          <p:cNvPr id="8" name="Rectangle: Rounded Corners 7"/>
           <p:cNvSpPr/>
           <p:nvPr/>
         </p:nvSpPr>
         <p:spPr>
           <a:xfrm>
-            <a:off x="5163610" y="3159835"/>
+            <a:off x="4967543" y="4291399"/>
             <a:ext cx="1881810" cy="516835"/>
           </a:xfrm>
           <a:prstGeom prst="roundRect">
@@ -3480,20 +4166,20 @@
             <a:pPr algn="ctr"/>
             <a:r>
               <a:rPr lang="it-IT" dirty="0"/>
-              <a:t>sr:University</a:t>
-            </a:r>
-          </a:p>
-        </p:txBody>
-      </p:sp>
-      <p:sp>
-        <p:nvSpPr>
-          <p:cNvPr id="11" name="Rectangle: Rounded Corners 10"/>
+              <a:t>sr:Seat</a:t>
+            </a:r>
+          </a:p>
+        </p:txBody>
+      </p:sp>
+      <p:sp>
+        <p:nvSpPr>
+          <p:cNvPr id="10" name="Rectangle: Rounded Corners 9"/>
           <p:cNvSpPr/>
           <p:nvPr/>
         </p:nvSpPr>
         <p:spPr>
           <a:xfrm>
-            <a:off x="5163610" y="4126192"/>
+            <a:off x="4979720" y="3040170"/>
             <a:ext cx="1881810" cy="516835"/>
           </a:xfrm>
           <a:prstGeom prst="roundRect">
@@ -3523,20 +4209,20 @@
             <a:pPr algn="ctr"/>
             <a:r>
               <a:rPr lang="it-IT" dirty="0"/>
-              <a:t>sr:Feature</a:t>
-            </a:r>
-          </a:p>
-        </p:txBody>
-      </p:sp>
-      <p:sp>
-        <p:nvSpPr>
-          <p:cNvPr id="12" name="Rectangle: Rounded Corners 11"/>
+              <a:t>sr:University</a:t>
+            </a:r>
+          </a:p>
+        </p:txBody>
+      </p:sp>
+      <p:sp>
+        <p:nvSpPr>
+          <p:cNvPr id="11" name="Rectangle: Rounded Corners 10"/>
           <p:cNvSpPr/>
           <p:nvPr/>
         </p:nvSpPr>
         <p:spPr>
           <a:xfrm>
-            <a:off x="5163610" y="5092549"/>
+            <a:off x="4979720" y="3687927"/>
             <a:ext cx="1881810" cy="516835"/>
           </a:xfrm>
           <a:prstGeom prst="roundRect">
@@ -3566,7 +4252,7 @@
             <a:pPr algn="ctr"/>
             <a:r>
               <a:rPr lang="it-IT" dirty="0"/>
-              <a:t>locn:Address</a:t>
+              <a:t>sr:Feature</a:t>
             </a:r>
           </a:p>
         </p:txBody>
@@ -3579,7 +4265,7 @@
         </p:nvSpPr>
         <p:spPr>
           <a:xfrm>
-            <a:off x="5163610" y="6058908"/>
+            <a:off x="4979720" y="4920495"/>
             <a:ext cx="1881810" cy="516835"/>
           </a:xfrm>
           <a:prstGeom prst="roundRect">
@@ -3609,7 +4295,7 @@
             <a:pPr algn="ctr"/>
             <a:r>
               <a:rPr lang="it-IT" dirty="0"/>
-              <a:t>geo:_Geometry</a:t>
+              <a:t>geo:SpatialThing</a:t>
             </a:r>
           </a:p>
         </p:txBody>
@@ -3622,8 +4308,8 @@
         </p:nvSpPr>
         <p:spPr>
           <a:xfrm>
-            <a:off x="2368935" y="3159835"/>
-            <a:ext cx="1882800" cy="516835"/>
+            <a:off x="2778103" y="3035405"/>
+            <a:ext cx="1286204" cy="516835"/>
           </a:xfrm>
           <a:prstGeom prst="roundRect">
             <a:avLst/>
@@ -3665,7 +4351,7 @@
         </p:nvSpPr>
         <p:spPr>
           <a:xfrm>
-            <a:off x="7957295" y="6058907"/>
+            <a:off x="7723985" y="4937642"/>
             <a:ext cx="1881810" cy="516835"/>
           </a:xfrm>
           <a:prstGeom prst="roundRect">
@@ -3695,7 +4381,7 @@
             <a:pPr algn="ctr"/>
             <a:r>
               <a:rPr lang="it-IT" dirty="0"/>
-              <a:t>geo:_Point</a:t>
+              <a:t>geo:Point</a:t>
             </a:r>
           </a:p>
         </p:txBody>
@@ -3705,13 +4391,12 @@
           <p:cNvPr id="18" name="Straight Arrow Connector 17"/>
           <p:cNvCxnSpPr>
             <a:cxnSpLocks/>
-            <a:stCxn id="15" idx="3"/>
           </p:cNvCxnSpPr>
           <p:nvPr/>
         </p:nvCxnSpPr>
         <p:spPr>
           <a:xfrm>
-            <a:off x="4251735" y="3418253"/>
+            <a:off x="4064307" y="3299198"/>
             <a:ext cx="932265" cy="0"/>
           </a:xfrm>
           <a:prstGeom prst="straightConnector1">
@@ -3752,7 +4437,7 @@
         </p:nvCxnSpPr>
         <p:spPr>
           <a:xfrm>
-            <a:off x="7045420" y="6313853"/>
+            <a:off x="6861530" y="5195793"/>
             <a:ext cx="911875" cy="0"/>
           </a:xfrm>
           <a:prstGeom prst="straightConnector1">
@@ -3793,6 +4478,908 @@
         </p:nvCxnSpPr>
         <p:spPr>
           <a:xfrm>
+            <a:off x="4539080" y="3973536"/>
+            <a:ext cx="432000" cy="0"/>
+          </a:xfrm>
+          <a:prstGeom prst="straightConnector1">
+            <a:avLst/>
+          </a:prstGeom>
+          <a:ln w="38100" cap="flat" cmpd="sng" algn="ctr">
+            <a:solidFill>
+              <a:schemeClr val="dk1"/>
+            </a:solidFill>
+            <a:prstDash val="solid"/>
+            <a:round/>
+            <a:headEnd type="none" w="med" len="med"/>
+            <a:tailEnd type="triangle" w="med" len="med"/>
+          </a:ln>
+        </p:spPr>
+        <p:style>
+          <a:lnRef idx="0">
+            <a:scrgbClr r="0" g="0" b="0"/>
+          </a:lnRef>
+          <a:fillRef idx="0">
+            <a:scrgbClr r="0" g="0" b="0"/>
+          </a:fillRef>
+          <a:effectRef idx="0">
+            <a:scrgbClr r="0" g="0" b="0"/>
+          </a:effectRef>
+          <a:fontRef idx="minor">
+            <a:schemeClr val="tx1"/>
+          </a:fontRef>
+        </p:style>
+      </p:cxnSp>
+      <p:cxnSp>
+        <p:nvCxnSpPr>
+          <p:cNvPr id="23" name="Straight Arrow Connector 22"/>
+          <p:cNvCxnSpPr>
+            <a:cxnSpLocks/>
+          </p:cNvCxnSpPr>
+          <p:nvPr/>
+        </p:nvCxnSpPr>
+        <p:spPr>
+          <a:xfrm>
+            <a:off x="4564573" y="2681804"/>
+            <a:ext cx="432000" cy="0"/>
+          </a:xfrm>
+          <a:prstGeom prst="straightConnector1">
+            <a:avLst/>
+          </a:prstGeom>
+          <a:ln w="38100" cap="flat" cmpd="sng" algn="ctr">
+            <a:solidFill>
+              <a:schemeClr val="dk1"/>
+            </a:solidFill>
+            <a:prstDash val="solid"/>
+            <a:round/>
+            <a:headEnd type="none" w="med" len="med"/>
+            <a:tailEnd type="triangle" w="med" len="med"/>
+          </a:ln>
+        </p:spPr>
+        <p:style>
+          <a:lnRef idx="0">
+            <a:scrgbClr r="0" g="0" b="0"/>
+          </a:lnRef>
+          <a:fillRef idx="0">
+            <a:scrgbClr r="0" g="0" b="0"/>
+          </a:fillRef>
+          <a:effectRef idx="0">
+            <a:scrgbClr r="0" g="0" b="0"/>
+          </a:effectRef>
+          <a:fontRef idx="minor">
+            <a:schemeClr val="tx1"/>
+          </a:fontRef>
+        </p:style>
+      </p:cxnSp>
+      <p:cxnSp>
+        <p:nvCxnSpPr>
+          <p:cNvPr id="24" name="Straight Arrow Connector 23"/>
+          <p:cNvCxnSpPr>
+            <a:cxnSpLocks/>
+            <a:endCxn id="13" idx="1"/>
+          </p:cNvCxnSpPr>
+          <p:nvPr/>
+        </p:nvCxnSpPr>
+        <p:spPr>
+          <a:xfrm flipV="1">
+            <a:off x="4518690" y="5178913"/>
+            <a:ext cx="461030" cy="13676"/>
+          </a:xfrm>
+          <a:prstGeom prst="straightConnector1">
+            <a:avLst/>
+          </a:prstGeom>
+          <a:ln w="38100" cap="flat" cmpd="sng" algn="ctr">
+            <a:solidFill>
+              <a:schemeClr val="dk1"/>
+            </a:solidFill>
+            <a:prstDash val="solid"/>
+            <a:round/>
+            <a:headEnd type="none" w="med" len="med"/>
+            <a:tailEnd type="triangle" w="med" len="med"/>
+          </a:ln>
+        </p:spPr>
+        <p:style>
+          <a:lnRef idx="0">
+            <a:scrgbClr r="0" g="0" b="0"/>
+          </a:lnRef>
+          <a:fillRef idx="0">
+            <a:scrgbClr r="0" g="0" b="0"/>
+          </a:fillRef>
+          <a:effectRef idx="0">
+            <a:scrgbClr r="0" g="0" b="0"/>
+          </a:effectRef>
+          <a:fontRef idx="minor">
+            <a:schemeClr val="tx1"/>
+          </a:fontRef>
+        </p:style>
+      </p:cxnSp>
+      <p:cxnSp>
+        <p:nvCxnSpPr>
+          <p:cNvPr id="25" name="Straight Arrow Connector 24"/>
+          <p:cNvCxnSpPr>
+            <a:cxnSpLocks/>
+          </p:cNvCxnSpPr>
+          <p:nvPr/>
+        </p:nvCxnSpPr>
+        <p:spPr>
+          <a:xfrm>
+            <a:off x="4547720" y="2072009"/>
+            <a:ext cx="432000" cy="0"/>
+          </a:xfrm>
+          <a:prstGeom prst="straightConnector1">
+            <a:avLst/>
+          </a:prstGeom>
+          <a:ln w="38100" cap="flat" cmpd="sng" algn="ctr">
+            <a:solidFill>
+              <a:schemeClr val="dk1"/>
+            </a:solidFill>
+            <a:prstDash val="solid"/>
+            <a:round/>
+            <a:headEnd type="none" w="med" len="med"/>
+            <a:tailEnd type="triangle" w="med" len="med"/>
+          </a:ln>
+        </p:spPr>
+        <p:style>
+          <a:lnRef idx="0">
+            <a:scrgbClr r="0" g="0" b="0"/>
+          </a:lnRef>
+          <a:fillRef idx="0">
+            <a:scrgbClr r="0" g="0" b="0"/>
+          </a:fillRef>
+          <a:effectRef idx="0">
+            <a:scrgbClr r="0" g="0" b="0"/>
+          </a:effectRef>
+          <a:fontRef idx="minor">
+            <a:schemeClr val="tx1"/>
+          </a:fontRef>
+        </p:style>
+      </p:cxnSp>
+      <p:cxnSp>
+        <p:nvCxnSpPr>
+          <p:cNvPr id="26" name="Straight Arrow Connector 25"/>
+          <p:cNvCxnSpPr>
+            <a:cxnSpLocks/>
+          </p:cNvCxnSpPr>
+          <p:nvPr/>
+        </p:nvCxnSpPr>
+        <p:spPr>
+          <a:xfrm>
+            <a:off x="4555933" y="4582317"/>
+            <a:ext cx="432000" cy="0"/>
+          </a:xfrm>
+          <a:prstGeom prst="straightConnector1">
+            <a:avLst/>
+          </a:prstGeom>
+          <a:ln w="38100" cap="flat" cmpd="sng" algn="ctr">
+            <a:solidFill>
+              <a:schemeClr val="dk1"/>
+            </a:solidFill>
+            <a:prstDash val="solid"/>
+            <a:round/>
+            <a:headEnd type="none" w="med" len="med"/>
+            <a:tailEnd type="triangle" w="med" len="med"/>
+          </a:ln>
+        </p:spPr>
+        <p:style>
+          <a:lnRef idx="0">
+            <a:scrgbClr r="0" g="0" b="0"/>
+          </a:lnRef>
+          <a:fillRef idx="0">
+            <a:scrgbClr r="0" g="0" b="0"/>
+          </a:fillRef>
+          <a:effectRef idx="0">
+            <a:scrgbClr r="0" g="0" b="0"/>
+          </a:effectRef>
+          <a:fontRef idx="minor">
+            <a:schemeClr val="tx1"/>
+          </a:fontRef>
+        </p:style>
+      </p:cxnSp>
+      <p:cxnSp>
+        <p:nvCxnSpPr>
+          <p:cNvPr id="42" name="Straight Connector 41"/>
+          <p:cNvCxnSpPr>
+            <a:cxnSpLocks/>
+          </p:cNvCxnSpPr>
+          <p:nvPr/>
+        </p:nvCxnSpPr>
+        <p:spPr>
+          <a:xfrm flipH="1">
+            <a:off x="4547293" y="2072009"/>
+            <a:ext cx="428" cy="3120580"/>
+          </a:xfrm>
+          <a:prstGeom prst="line">
+            <a:avLst/>
+          </a:prstGeom>
+          <a:ln w="38100">
+            <a:solidFill>
+              <a:schemeClr val="tx1"/>
+            </a:solidFill>
+          </a:ln>
+        </p:spPr>
+        <p:style>
+          <a:lnRef idx="1">
+            <a:schemeClr val="accent1"/>
+          </a:lnRef>
+          <a:fillRef idx="0">
+            <a:schemeClr val="accent1"/>
+          </a:fillRef>
+          <a:effectRef idx="0">
+            <a:schemeClr val="accent1"/>
+          </a:effectRef>
+          <a:fontRef idx="minor">
+            <a:schemeClr val="tx1"/>
+          </a:fontRef>
+        </p:style>
+      </p:cxnSp>
+      <p:sp>
+        <p:nvSpPr>
+          <p:cNvPr id="29" name="Title 1">
+            <a:extLst>
+              <a:ext uri="{FF2B5EF4-FFF2-40B4-BE49-F238E27FC236}">
+                <a16:creationId xmlns:a16="http://schemas.microsoft.com/office/drawing/2014/main" id="{E6E42441-9AFD-4C72-9A96-9DAFA828C563}"/>
+              </a:ext>
+            </a:extLst>
+          </p:cNvPr>
+          <p:cNvSpPr txBox="1">
+            <a:spLocks/>
+          </p:cNvSpPr>
+          <p:nvPr/>
+        </p:nvSpPr>
+        <p:spPr>
+          <a:xfrm>
+            <a:off x="0" y="0"/>
+            <a:ext cx="12192000" cy="1690689"/>
+          </a:xfrm>
+          <a:prstGeom prst="rect">
+            <a:avLst/>
+          </a:prstGeom>
+          <a:solidFill>
+            <a:schemeClr val="accent1">
+              <a:lumMod val="40000"/>
+              <a:lumOff val="60000"/>
+            </a:schemeClr>
+          </a:solidFill>
+        </p:spPr>
+        <p:txBody>
+          <a:bodyPr vert="horz" lIns="91440" tIns="45720" rIns="91440" bIns="45720" rtlCol="0" anchor="ctr">
+            <a:normAutofit/>
+          </a:bodyPr>
+          <a:lstStyle>
+            <a:lvl1pPr algn="ctr" defTabSz="914400" rtl="0" eaLnBrk="1" latinLnBrk="0" hangingPunct="1">
+              <a:lnSpc>
+                <a:spcPct val="90000"/>
+              </a:lnSpc>
+              <a:spcBef>
+                <a:spcPct val="0"/>
+              </a:spcBef>
+              <a:buNone/>
+              <a:defRPr sz="6000" kern="1200">
+                <a:solidFill>
+                  <a:schemeClr val="tx1"/>
+                </a:solidFill>
+                <a:latin typeface="+mj-lt"/>
+                <a:ea typeface="+mj-ea"/>
+                <a:cs typeface="+mj-cs"/>
+              </a:defRPr>
+            </a:lvl1pPr>
+          </a:lstStyle>
+          <a:p>
+            <a:r>
+              <a:rPr lang="it-IT" sz="4400" b="1" dirty="0"/>
+              <a:t>Ontologia di riferimento</a:t>
+            </a:r>
+          </a:p>
+        </p:txBody>
+      </p:sp>
+      <p:sp>
+        <p:nvSpPr>
+          <p:cNvPr id="2" name="TextBox 1">
+            <a:extLst>
+              <a:ext uri="{FF2B5EF4-FFF2-40B4-BE49-F238E27FC236}">
+                <a16:creationId xmlns:a16="http://schemas.microsoft.com/office/drawing/2014/main" id="{773D6907-62EF-45DD-AA09-79C5BA324916}"/>
+              </a:ext>
+            </a:extLst>
+          </p:cNvPr>
+          <p:cNvSpPr txBox="1"/>
+          <p:nvPr/>
+        </p:nvSpPr>
+        <p:spPr>
+          <a:xfrm>
+            <a:off x="1646349" y="5950719"/>
+            <a:ext cx="9672034" cy="1200329"/>
+          </a:xfrm>
+          <a:prstGeom prst="rect">
+            <a:avLst/>
+          </a:prstGeom>
+          <a:noFill/>
+        </p:spPr>
+        <p:txBody>
+          <a:bodyPr wrap="square" rtlCol="0">
+            <a:spAutoFit/>
+          </a:bodyPr>
+          <a:lstStyle/>
+          <a:p>
+            <a:r>
+              <a:rPr lang="it-IT" dirty="0"/>
+              <a:t>sr:	http://www.semanticweb.org/matteo/ontologies/2016/11/OperazioneStudyRoom# </a:t>
+            </a:r>
+          </a:p>
+          <a:p>
+            <a:r>
+              <a:rPr lang="it-IT" dirty="0"/>
+              <a:t>geo: 	http://www.w3.org/2003/01/geo/wgs84_pos#</a:t>
+            </a:r>
+          </a:p>
+          <a:p>
+            <a:endParaRPr lang="it-IT" dirty="0"/>
+          </a:p>
+          <a:p>
+            <a:endParaRPr lang="it-IT" dirty="0"/>
+          </a:p>
+        </p:txBody>
+      </p:sp>
+      <p:sp>
+        <p:nvSpPr>
+          <p:cNvPr id="3" name="Rectangle 2">
+            <a:extLst>
+              <a:ext uri="{FF2B5EF4-FFF2-40B4-BE49-F238E27FC236}">
+                <a16:creationId xmlns:a16="http://schemas.microsoft.com/office/drawing/2014/main" id="{69D9ED6F-A644-4A99-BA8F-8DD7AB5455AA}"/>
+              </a:ext>
+            </a:extLst>
+          </p:cNvPr>
+          <p:cNvSpPr/>
+          <p:nvPr/>
+        </p:nvSpPr>
+        <p:spPr>
+          <a:xfrm>
+            <a:off x="1556197" y="5950720"/>
+            <a:ext cx="9079605" cy="674338"/>
+          </a:xfrm>
+          <a:prstGeom prst="rect">
+            <a:avLst/>
+          </a:prstGeom>
+          <a:noFill/>
+          <a:ln w="28575">
+            <a:solidFill>
+              <a:schemeClr val="tx1"/>
+            </a:solidFill>
+          </a:ln>
+        </p:spPr>
+        <p:style>
+          <a:lnRef idx="2">
+            <a:schemeClr val="accent1">
+              <a:shade val="50000"/>
+            </a:schemeClr>
+          </a:lnRef>
+          <a:fillRef idx="1">
+            <a:schemeClr val="accent1"/>
+          </a:fillRef>
+          <a:effectRef idx="0">
+            <a:schemeClr val="accent1"/>
+          </a:effectRef>
+          <a:fontRef idx="minor">
+            <a:schemeClr val="lt1"/>
+          </a:fontRef>
+        </p:style>
+        <p:txBody>
+          <a:bodyPr rtlCol="0" anchor="ctr"/>
+          <a:lstStyle/>
+          <a:p>
+            <a:pPr algn="ctr"/>
+            <a:endParaRPr lang="it-IT"/>
+          </a:p>
+        </p:txBody>
+      </p:sp>
+    </p:spTree>
+    <p:extLst>
+      <p:ext uri="{BB962C8B-B14F-4D97-AF65-F5344CB8AC3E}">
+        <p14:creationId xmlns:p14="http://schemas.microsoft.com/office/powerpoint/2010/main" val="3058292775"/>
+      </p:ext>
+    </p:extLst>
+  </p:cSld>
+  <p:clrMapOvr>
+    <a:masterClrMapping/>
+  </p:clrMapOvr>
+</p:sld>
+</file>
+
+<file path=ppt/slides/slide12.xml><?xml version="1.0" encoding="utf-8"?>
+<p:sld xmlns:a="http://schemas.openxmlformats.org/drawingml/2006/main" xmlns:r="http://schemas.openxmlformats.org/officeDocument/2006/relationships" xmlns:p="http://schemas.openxmlformats.org/presentationml/2006/main">
+  <p:cSld>
+    <p:spTree>
+      <p:nvGrpSpPr>
+        <p:cNvPr id="1" name=""/>
+        <p:cNvGrpSpPr/>
+        <p:nvPr/>
+      </p:nvGrpSpPr>
+      <p:grpSpPr>
+        <a:xfrm>
+          <a:off x="0" y="0"/>
+          <a:ext cx="0" cy="0"/>
+          <a:chOff x="0" y="0"/>
+          <a:chExt cx="0" cy="0"/>
+        </a:xfrm>
+      </p:grpSpPr>
+      <p:sp>
+        <p:nvSpPr>
+          <p:cNvPr id="6" name="Rectangle: Rounded Corners 5"/>
+          <p:cNvSpPr/>
+          <p:nvPr/>
+        </p:nvSpPr>
+        <p:spPr>
+          <a:xfrm>
+            <a:off x="5163610" y="1227121"/>
+            <a:ext cx="1881810" cy="516835"/>
+          </a:xfrm>
+          <a:prstGeom prst="roundRect">
+            <a:avLst/>
+          </a:prstGeom>
+        </p:spPr>
+        <p:style>
+          <a:lnRef idx="2">
+            <a:schemeClr val="accent1">
+              <a:shade val="50000"/>
+            </a:schemeClr>
+          </a:lnRef>
+          <a:fillRef idx="1">
+            <a:schemeClr val="accent1"/>
+          </a:fillRef>
+          <a:effectRef idx="0">
+            <a:schemeClr val="accent1"/>
+          </a:effectRef>
+          <a:fontRef idx="minor">
+            <a:schemeClr val="lt1"/>
+          </a:fontRef>
+        </p:style>
+        <p:txBody>
+          <a:bodyPr rtlCol="0" anchor="ctr"/>
+          <a:lstStyle/>
+          <a:p>
+            <a:pPr algn="ctr"/>
+            <a:r>
+              <a:rPr lang="it-IT" dirty="0"/>
+              <a:t>sr:Table</a:t>
+            </a:r>
+          </a:p>
+        </p:txBody>
+      </p:sp>
+      <p:sp>
+        <p:nvSpPr>
+          <p:cNvPr id="7" name="Rectangle: Rounded Corners 6"/>
+          <p:cNvSpPr/>
+          <p:nvPr/>
+        </p:nvSpPr>
+        <p:spPr>
+          <a:xfrm>
+            <a:off x="5163610" y="2193478"/>
+            <a:ext cx="1881810" cy="516835"/>
+          </a:xfrm>
+          <a:prstGeom prst="roundRect">
+            <a:avLst/>
+          </a:prstGeom>
+        </p:spPr>
+        <p:style>
+          <a:lnRef idx="2">
+            <a:schemeClr val="accent1">
+              <a:shade val="50000"/>
+            </a:schemeClr>
+          </a:lnRef>
+          <a:fillRef idx="1">
+            <a:schemeClr val="accent1"/>
+          </a:fillRef>
+          <a:effectRef idx="0">
+            <a:schemeClr val="accent1"/>
+          </a:effectRef>
+          <a:fontRef idx="minor">
+            <a:schemeClr val="lt1"/>
+          </a:fontRef>
+        </p:style>
+        <p:txBody>
+          <a:bodyPr rtlCol="0" anchor="ctr"/>
+          <a:lstStyle/>
+          <a:p>
+            <a:pPr algn="ctr"/>
+            <a:r>
+              <a:rPr lang="it-IT" dirty="0"/>
+              <a:t>sr:StudyRoom</a:t>
+            </a:r>
+          </a:p>
+        </p:txBody>
+      </p:sp>
+      <p:sp>
+        <p:nvSpPr>
+          <p:cNvPr id="8" name="Rectangle: Rounded Corners 7"/>
+          <p:cNvSpPr/>
+          <p:nvPr/>
+        </p:nvSpPr>
+        <p:spPr>
+          <a:xfrm>
+            <a:off x="5163610" y="260764"/>
+            <a:ext cx="1881810" cy="516835"/>
+          </a:xfrm>
+          <a:prstGeom prst="roundRect">
+            <a:avLst/>
+          </a:prstGeom>
+        </p:spPr>
+        <p:style>
+          <a:lnRef idx="2">
+            <a:schemeClr val="accent1">
+              <a:shade val="50000"/>
+            </a:schemeClr>
+          </a:lnRef>
+          <a:fillRef idx="1">
+            <a:schemeClr val="accent1"/>
+          </a:fillRef>
+          <a:effectRef idx="0">
+            <a:schemeClr val="accent1"/>
+          </a:effectRef>
+          <a:fontRef idx="minor">
+            <a:schemeClr val="lt1"/>
+          </a:fontRef>
+        </p:style>
+        <p:txBody>
+          <a:bodyPr rtlCol="0" anchor="ctr"/>
+          <a:lstStyle/>
+          <a:p>
+            <a:pPr algn="ctr"/>
+            <a:r>
+              <a:rPr lang="it-IT" dirty="0"/>
+              <a:t>sr:Seat</a:t>
+            </a:r>
+          </a:p>
+        </p:txBody>
+      </p:sp>
+      <p:sp>
+        <p:nvSpPr>
+          <p:cNvPr id="10" name="Rectangle: Rounded Corners 9"/>
+          <p:cNvSpPr/>
+          <p:nvPr/>
+        </p:nvSpPr>
+        <p:spPr>
+          <a:xfrm>
+            <a:off x="5163610" y="3159835"/>
+            <a:ext cx="1881810" cy="516835"/>
+          </a:xfrm>
+          <a:prstGeom prst="roundRect">
+            <a:avLst/>
+          </a:prstGeom>
+        </p:spPr>
+        <p:style>
+          <a:lnRef idx="2">
+            <a:schemeClr val="accent1">
+              <a:shade val="50000"/>
+            </a:schemeClr>
+          </a:lnRef>
+          <a:fillRef idx="1">
+            <a:schemeClr val="accent1"/>
+          </a:fillRef>
+          <a:effectRef idx="0">
+            <a:schemeClr val="accent1"/>
+          </a:effectRef>
+          <a:fontRef idx="minor">
+            <a:schemeClr val="lt1"/>
+          </a:fontRef>
+        </p:style>
+        <p:txBody>
+          <a:bodyPr rtlCol="0" anchor="ctr"/>
+          <a:lstStyle/>
+          <a:p>
+            <a:pPr algn="ctr"/>
+            <a:r>
+              <a:rPr lang="it-IT" dirty="0"/>
+              <a:t>sr:University</a:t>
+            </a:r>
+          </a:p>
+        </p:txBody>
+      </p:sp>
+      <p:sp>
+        <p:nvSpPr>
+          <p:cNvPr id="11" name="Rectangle: Rounded Corners 10"/>
+          <p:cNvSpPr/>
+          <p:nvPr/>
+        </p:nvSpPr>
+        <p:spPr>
+          <a:xfrm>
+            <a:off x="5163610" y="4126192"/>
+            <a:ext cx="1881810" cy="516835"/>
+          </a:xfrm>
+          <a:prstGeom prst="roundRect">
+            <a:avLst/>
+          </a:prstGeom>
+        </p:spPr>
+        <p:style>
+          <a:lnRef idx="2">
+            <a:schemeClr val="accent1">
+              <a:shade val="50000"/>
+            </a:schemeClr>
+          </a:lnRef>
+          <a:fillRef idx="1">
+            <a:schemeClr val="accent1"/>
+          </a:fillRef>
+          <a:effectRef idx="0">
+            <a:schemeClr val="accent1"/>
+          </a:effectRef>
+          <a:fontRef idx="minor">
+            <a:schemeClr val="lt1"/>
+          </a:fontRef>
+        </p:style>
+        <p:txBody>
+          <a:bodyPr rtlCol="0" anchor="ctr"/>
+          <a:lstStyle/>
+          <a:p>
+            <a:pPr algn="ctr"/>
+            <a:r>
+              <a:rPr lang="it-IT" dirty="0"/>
+              <a:t>sr:Feature</a:t>
+            </a:r>
+          </a:p>
+        </p:txBody>
+      </p:sp>
+      <p:sp>
+        <p:nvSpPr>
+          <p:cNvPr id="12" name="Rectangle: Rounded Corners 11"/>
+          <p:cNvSpPr/>
+          <p:nvPr/>
+        </p:nvSpPr>
+        <p:spPr>
+          <a:xfrm>
+            <a:off x="5163610" y="5092549"/>
+            <a:ext cx="1881810" cy="516835"/>
+          </a:xfrm>
+          <a:prstGeom prst="roundRect">
+            <a:avLst/>
+          </a:prstGeom>
+        </p:spPr>
+        <p:style>
+          <a:lnRef idx="2">
+            <a:schemeClr val="accent1">
+              <a:shade val="50000"/>
+            </a:schemeClr>
+          </a:lnRef>
+          <a:fillRef idx="1">
+            <a:schemeClr val="accent1"/>
+          </a:fillRef>
+          <a:effectRef idx="0">
+            <a:schemeClr val="accent1"/>
+          </a:effectRef>
+          <a:fontRef idx="minor">
+            <a:schemeClr val="lt1"/>
+          </a:fontRef>
+        </p:style>
+        <p:txBody>
+          <a:bodyPr rtlCol="0" anchor="ctr"/>
+          <a:lstStyle/>
+          <a:p>
+            <a:pPr algn="ctr"/>
+            <a:r>
+              <a:rPr lang="it-IT" dirty="0"/>
+              <a:t>locn:Address</a:t>
+            </a:r>
+          </a:p>
+        </p:txBody>
+      </p:sp>
+      <p:sp>
+        <p:nvSpPr>
+          <p:cNvPr id="13" name="Rectangle: Rounded Corners 12"/>
+          <p:cNvSpPr/>
+          <p:nvPr/>
+        </p:nvSpPr>
+        <p:spPr>
+          <a:xfrm>
+            <a:off x="5163610" y="6058908"/>
+            <a:ext cx="1881810" cy="516835"/>
+          </a:xfrm>
+          <a:prstGeom prst="roundRect">
+            <a:avLst/>
+          </a:prstGeom>
+        </p:spPr>
+        <p:style>
+          <a:lnRef idx="2">
+            <a:schemeClr val="accent1">
+              <a:shade val="50000"/>
+            </a:schemeClr>
+          </a:lnRef>
+          <a:fillRef idx="1">
+            <a:schemeClr val="accent1"/>
+          </a:fillRef>
+          <a:effectRef idx="0">
+            <a:schemeClr val="accent1"/>
+          </a:effectRef>
+          <a:fontRef idx="minor">
+            <a:schemeClr val="lt1"/>
+          </a:fontRef>
+        </p:style>
+        <p:txBody>
+          <a:bodyPr rtlCol="0" anchor="ctr"/>
+          <a:lstStyle/>
+          <a:p>
+            <a:pPr algn="ctr"/>
+            <a:r>
+              <a:rPr lang="it-IT" dirty="0"/>
+              <a:t>geo:SpatialThing</a:t>
+            </a:r>
+          </a:p>
+        </p:txBody>
+      </p:sp>
+      <p:sp>
+        <p:nvSpPr>
+          <p:cNvPr id="15" name="Rectangle: Rounded Corners 14"/>
+          <p:cNvSpPr/>
+          <p:nvPr/>
+        </p:nvSpPr>
+        <p:spPr>
+          <a:xfrm>
+            <a:off x="2368935" y="3159835"/>
+            <a:ext cx="1882800" cy="516835"/>
+          </a:xfrm>
+          <a:prstGeom prst="roundRect">
+            <a:avLst/>
+          </a:prstGeom>
+        </p:spPr>
+        <p:style>
+          <a:lnRef idx="2">
+            <a:schemeClr val="accent1">
+              <a:shade val="50000"/>
+            </a:schemeClr>
+          </a:lnRef>
+          <a:fillRef idx="1">
+            <a:schemeClr val="accent1"/>
+          </a:fillRef>
+          <a:effectRef idx="0">
+            <a:schemeClr val="accent1"/>
+          </a:effectRef>
+          <a:fontRef idx="minor">
+            <a:schemeClr val="lt1"/>
+          </a:fontRef>
+        </p:style>
+        <p:txBody>
+          <a:bodyPr rtlCol="0" anchor="ctr"/>
+          <a:lstStyle/>
+          <a:p>
+            <a:pPr algn="ctr"/>
+            <a:r>
+              <a:rPr lang="it-IT" dirty="0"/>
+              <a:t>owl:Thing</a:t>
+            </a:r>
+          </a:p>
+        </p:txBody>
+      </p:sp>
+      <p:sp>
+        <p:nvSpPr>
+          <p:cNvPr id="16" name="Rectangle: Rounded Corners 15"/>
+          <p:cNvSpPr/>
+          <p:nvPr/>
+        </p:nvSpPr>
+        <p:spPr>
+          <a:xfrm>
+            <a:off x="7957295" y="6058907"/>
+            <a:ext cx="1881810" cy="516835"/>
+          </a:xfrm>
+          <a:prstGeom prst="roundRect">
+            <a:avLst/>
+          </a:prstGeom>
+        </p:spPr>
+        <p:style>
+          <a:lnRef idx="2">
+            <a:schemeClr val="accent1">
+              <a:shade val="50000"/>
+            </a:schemeClr>
+          </a:lnRef>
+          <a:fillRef idx="1">
+            <a:schemeClr val="accent1"/>
+          </a:fillRef>
+          <a:effectRef idx="0">
+            <a:schemeClr val="accent1"/>
+          </a:effectRef>
+          <a:fontRef idx="minor">
+            <a:schemeClr val="lt1"/>
+          </a:fontRef>
+        </p:style>
+        <p:txBody>
+          <a:bodyPr rtlCol="0" anchor="ctr"/>
+          <a:lstStyle/>
+          <a:p>
+            <a:pPr algn="ctr"/>
+            <a:r>
+              <a:rPr lang="it-IT" dirty="0"/>
+              <a:t>geo:Point</a:t>
+            </a:r>
+          </a:p>
+        </p:txBody>
+      </p:sp>
+      <p:cxnSp>
+        <p:nvCxnSpPr>
+          <p:cNvPr id="18" name="Straight Arrow Connector 17"/>
+          <p:cNvCxnSpPr>
+            <a:cxnSpLocks/>
+            <a:stCxn id="15" idx="3"/>
+          </p:cNvCxnSpPr>
+          <p:nvPr/>
+        </p:nvCxnSpPr>
+        <p:spPr>
+          <a:xfrm>
+            <a:off x="4251735" y="3418253"/>
+            <a:ext cx="932265" cy="0"/>
+          </a:xfrm>
+          <a:prstGeom prst="straightConnector1">
+            <a:avLst/>
+          </a:prstGeom>
+          <a:ln w="38100" cap="flat" cmpd="sng" algn="ctr">
+            <a:solidFill>
+              <a:schemeClr val="dk1"/>
+            </a:solidFill>
+            <a:prstDash val="solid"/>
+            <a:round/>
+            <a:headEnd type="none" w="med" len="med"/>
+            <a:tailEnd type="triangle" w="med" len="med"/>
+          </a:ln>
+        </p:spPr>
+        <p:style>
+          <a:lnRef idx="0">
+            <a:scrgbClr r="0" g="0" b="0"/>
+          </a:lnRef>
+          <a:fillRef idx="0">
+            <a:scrgbClr r="0" g="0" b="0"/>
+          </a:fillRef>
+          <a:effectRef idx="0">
+            <a:scrgbClr r="0" g="0" b="0"/>
+          </a:effectRef>
+          <a:fontRef idx="minor">
+            <a:schemeClr val="tx1"/>
+          </a:fontRef>
+        </p:style>
+      </p:cxnSp>
+      <p:cxnSp>
+        <p:nvCxnSpPr>
+          <p:cNvPr id="20" name="Straight Arrow Connector 19"/>
+          <p:cNvCxnSpPr>
+            <a:cxnSpLocks/>
+          </p:cNvCxnSpPr>
+          <p:nvPr/>
+        </p:nvCxnSpPr>
+        <p:spPr>
+          <a:xfrm>
+            <a:off x="7045420" y="6313853"/>
+            <a:ext cx="911875" cy="0"/>
+          </a:xfrm>
+          <a:prstGeom prst="straightConnector1">
+            <a:avLst/>
+          </a:prstGeom>
+          <a:ln w="38100" cap="flat" cmpd="sng" algn="ctr">
+            <a:solidFill>
+              <a:schemeClr val="dk1"/>
+            </a:solidFill>
+            <a:prstDash val="solid"/>
+            <a:round/>
+            <a:headEnd type="none" w="med" len="med"/>
+            <a:tailEnd type="triangle" w="med" len="med"/>
+          </a:ln>
+        </p:spPr>
+        <p:style>
+          <a:lnRef idx="0">
+            <a:scrgbClr r="0" g="0" b="0"/>
+          </a:lnRef>
+          <a:fillRef idx="0">
+            <a:scrgbClr r="0" g="0" b="0"/>
+          </a:fillRef>
+          <a:effectRef idx="0">
+            <a:scrgbClr r="0" g="0" b="0"/>
+          </a:effectRef>
+          <a:fontRef idx="minor">
+            <a:schemeClr val="tx1"/>
+          </a:fontRef>
+        </p:style>
+      </p:cxnSp>
+      <p:cxnSp>
+        <p:nvCxnSpPr>
+          <p:cNvPr id="21" name="Straight Arrow Connector 20"/>
+          <p:cNvCxnSpPr>
+            <a:cxnSpLocks/>
+          </p:cNvCxnSpPr>
+          <p:nvPr/>
+        </p:nvCxnSpPr>
+        <p:spPr>
+          <a:xfrm>
             <a:off x="4752000" y="4393130"/>
             <a:ext cx="432000" cy="0"/>
           </a:xfrm>
@@ -4068,10 +5655,10 @@
       </p:cxnSp>
       <p:sp>
         <p:nvSpPr>
-          <p:cNvPr id="27" name="TextBox 26">
+          <p:cNvPr id="2" name="TextBox 1">
             <a:extLst>
               <a:ext uri="{FF2B5EF4-FFF2-40B4-BE49-F238E27FC236}">
-                <a16:creationId xmlns:a16="http://schemas.microsoft.com/office/drawing/2014/main" id="{C5E17AE9-F250-4ABD-9C54-C92270DBA7CC}"/>
+                <a16:creationId xmlns:a16="http://schemas.microsoft.com/office/drawing/2014/main" id="{D015BEF2-ED1A-4F8E-8563-15ABF7E60025}"/>
               </a:ext>
             </a:extLst>
           </p:cNvPr>
@@ -4080,8 +5667,8 @@
         </p:nvSpPr>
         <p:spPr>
           <a:xfrm>
-            <a:off x="953247" y="532630"/>
-            <a:ext cx="3387144" cy="369332"/>
+            <a:off x="1197735" y="777599"/>
+            <a:ext cx="2459865" cy="646331"/>
           </a:xfrm>
           <a:prstGeom prst="rect">
             <a:avLst/>
@@ -4100,7 +5687,7 @@
                   <a:srgbClr val="FF0000"/>
                 </a:solidFill>
               </a:rPr>
-              <a:t>SECONDO ME E’ DA CAMBIARE</a:t>
+              <a:t>BACKUP – NON MODIFICARE</a:t>
             </a:r>
           </a:p>
         </p:txBody>
@@ -4108,7 +5695,7 @@
     </p:spTree>
     <p:extLst>
       <p:ext uri="{BB962C8B-B14F-4D97-AF65-F5344CB8AC3E}">
-        <p14:creationId xmlns:p14="http://schemas.microsoft.com/office/powerpoint/2010/main" val="2544109714"/>
+        <p14:creationId xmlns:p14="http://schemas.microsoft.com/office/powerpoint/2010/main" val="1807586185"/>
       </p:ext>
     </p:extLst>
   </p:cSld>
@@ -4118,7 +5705,7 @@
 </p:sld>
 </file>
 
-<file path=ppt/slides/slide11.xml><?xml version="1.0" encoding="utf-8"?>
+<file path=ppt/slides/slide13.xml><?xml version="1.0" encoding="utf-8"?>
 <p:sld xmlns:a="http://schemas.openxmlformats.org/drawingml/2006/main" xmlns:r="http://schemas.openxmlformats.org/officeDocument/2006/relationships" xmlns:p="http://schemas.openxmlformats.org/presentationml/2006/main">
   <p:cSld>
     <p:spTree>
@@ -6159,7 +7746,7 @@
                   <a:srgbClr val="FF0000"/>
                 </a:solidFill>
               </a:rPr>
-              <a:t>Voglio poter specificare il numero di posti liberi che le aule studio da includere nel risultato hanno</a:t>
+              <a:t>Voglio poter specificare il numero di posti liberi che le aule studio da includere nel risultato devono avere</a:t>
             </a:r>
           </a:p>
           <a:p>
@@ -6288,7 +7875,7 @@
           <a:p>
             <a:r>
               <a:rPr lang="it-IT" dirty="0"/>
-              <a:t>Voglio poter specificare il numero di posti liberi che le aule studio hanno</a:t>
+              <a:t>Voglio poter specificare il numero di posti liberi che le aule studio devono avere</a:t>
             </a:r>
           </a:p>
           <a:p>

--- a/ontologia.pptx
+++ b/ontologia.pptx
@@ -16,8 +16,10 @@
     <p:sldId id="269" r:id="rId10"/>
     <p:sldId id="270" r:id="rId11"/>
     <p:sldId id="272" r:id="rId12"/>
-    <p:sldId id="271" r:id="rId13"/>
-    <p:sldId id="258" r:id="rId14"/>
+    <p:sldId id="258" r:id="rId13"/>
+    <p:sldId id="274" r:id="rId14"/>
+    <p:sldId id="273" r:id="rId15"/>
+    <p:sldId id="271" r:id="rId16"/>
   </p:sldIdLst>
   <p:sldSz cx="12192000" cy="6858000"/>
   <p:notesSz cx="6858000" cy="9144000"/>
@@ -271,7 +273,7 @@
           <a:p>
             <a:fld id="{1A332EEC-0DEC-4519-86B2-D35C9D955E4F}" type="datetimeFigureOut">
               <a:rPr lang="it-IT" smtClean="0"/>
-              <a:t>29/09/2017</a:t>
+              <a:t>12/10/2017</a:t>
             </a:fld>
             <a:endParaRPr lang="it-IT"/>
           </a:p>
@@ -441,7 +443,7 @@
           <a:p>
             <a:fld id="{1A332EEC-0DEC-4519-86B2-D35C9D955E4F}" type="datetimeFigureOut">
               <a:rPr lang="it-IT" smtClean="0"/>
-              <a:t>29/09/2017</a:t>
+              <a:t>12/10/2017</a:t>
             </a:fld>
             <a:endParaRPr lang="it-IT"/>
           </a:p>
@@ -621,7 +623,7 @@
           <a:p>
             <a:fld id="{1A332EEC-0DEC-4519-86B2-D35C9D955E4F}" type="datetimeFigureOut">
               <a:rPr lang="it-IT" smtClean="0"/>
-              <a:t>29/09/2017</a:t>
+              <a:t>12/10/2017</a:t>
             </a:fld>
             <a:endParaRPr lang="it-IT"/>
           </a:p>
@@ -791,7 +793,7 @@
           <a:p>
             <a:fld id="{1A332EEC-0DEC-4519-86B2-D35C9D955E4F}" type="datetimeFigureOut">
               <a:rPr lang="it-IT" smtClean="0"/>
-              <a:t>29/09/2017</a:t>
+              <a:t>12/10/2017</a:t>
             </a:fld>
             <a:endParaRPr lang="it-IT"/>
           </a:p>
@@ -1037,7 +1039,7 @@
           <a:p>
             <a:fld id="{1A332EEC-0DEC-4519-86B2-D35C9D955E4F}" type="datetimeFigureOut">
               <a:rPr lang="it-IT" smtClean="0"/>
-              <a:t>29/09/2017</a:t>
+              <a:t>12/10/2017</a:t>
             </a:fld>
             <a:endParaRPr lang="it-IT"/>
           </a:p>
@@ -1269,7 +1271,7 @@
           <a:p>
             <a:fld id="{1A332EEC-0DEC-4519-86B2-D35C9D955E4F}" type="datetimeFigureOut">
               <a:rPr lang="it-IT" smtClean="0"/>
-              <a:t>29/09/2017</a:t>
+              <a:t>12/10/2017</a:t>
             </a:fld>
             <a:endParaRPr lang="it-IT"/>
           </a:p>
@@ -1636,7 +1638,7 @@
           <a:p>
             <a:fld id="{1A332EEC-0DEC-4519-86B2-D35C9D955E4F}" type="datetimeFigureOut">
               <a:rPr lang="it-IT" smtClean="0"/>
-              <a:t>29/09/2017</a:t>
+              <a:t>12/10/2017</a:t>
             </a:fld>
             <a:endParaRPr lang="it-IT"/>
           </a:p>
@@ -1754,7 +1756,7 @@
           <a:p>
             <a:fld id="{1A332EEC-0DEC-4519-86B2-D35C9D955E4F}" type="datetimeFigureOut">
               <a:rPr lang="it-IT" smtClean="0"/>
-              <a:t>29/09/2017</a:t>
+              <a:t>12/10/2017</a:t>
             </a:fld>
             <a:endParaRPr lang="it-IT"/>
           </a:p>
@@ -1849,7 +1851,7 @@
           <a:p>
             <a:fld id="{1A332EEC-0DEC-4519-86B2-D35C9D955E4F}" type="datetimeFigureOut">
               <a:rPr lang="it-IT" smtClean="0"/>
-              <a:t>29/09/2017</a:t>
+              <a:t>12/10/2017</a:t>
             </a:fld>
             <a:endParaRPr lang="it-IT"/>
           </a:p>
@@ -2126,7 +2128,7 @@
           <a:p>
             <a:fld id="{1A332EEC-0DEC-4519-86B2-D35C9D955E4F}" type="datetimeFigureOut">
               <a:rPr lang="it-IT" smtClean="0"/>
-              <a:t>29/09/2017</a:t>
+              <a:t>12/10/2017</a:t>
             </a:fld>
             <a:endParaRPr lang="it-IT"/>
           </a:p>
@@ -2379,7 +2381,7 @@
           <a:p>
             <a:fld id="{1A332EEC-0DEC-4519-86B2-D35C9D955E4F}" type="datetimeFigureOut">
               <a:rPr lang="it-IT" smtClean="0"/>
-              <a:t>29/09/2017</a:t>
+              <a:t>12/10/2017</a:t>
             </a:fld>
             <a:endParaRPr lang="it-IT"/>
           </a:p>
@@ -2592,7 +2594,7 @@
           <a:p>
             <a:fld id="{1A332EEC-0DEC-4519-86B2-D35C9D955E4F}" type="datetimeFigureOut">
               <a:rPr lang="it-IT" smtClean="0"/>
-              <a:t>29/09/2017</a:t>
+              <a:t>12/10/2017</a:t>
             </a:fld>
             <a:endParaRPr lang="it-IT"/>
           </a:p>
@@ -4870,6 +4872,55 @@
           </a:p>
         </p:txBody>
       </p:sp>
+      <p:sp>
+        <p:nvSpPr>
+          <p:cNvPr id="22" name="Rectangle: Rounded Corners 21">
+            <a:extLst>
+              <a:ext uri="{FF2B5EF4-FFF2-40B4-BE49-F238E27FC236}">
+                <a16:creationId xmlns:a16="http://schemas.microsoft.com/office/drawing/2014/main" id="{54BF82C3-EC4C-4D51-958A-EB3253C166DB}"/>
+              </a:ext>
+            </a:extLst>
+          </p:cNvPr>
+          <p:cNvSpPr/>
+          <p:nvPr/>
+        </p:nvSpPr>
+        <p:spPr>
+          <a:xfrm>
+            <a:off x="4979720" y="3690986"/>
+            <a:ext cx="1881810" cy="516835"/>
+          </a:xfrm>
+          <a:prstGeom prst="roundRect">
+            <a:avLst/>
+          </a:prstGeom>
+        </p:spPr>
+        <p:style>
+          <a:lnRef idx="2">
+            <a:schemeClr val="accent1">
+              <a:shade val="50000"/>
+            </a:schemeClr>
+          </a:lnRef>
+          <a:fillRef idx="1">
+            <a:schemeClr val="accent1"/>
+          </a:fillRef>
+          <a:effectRef idx="0">
+            <a:schemeClr val="accent1"/>
+          </a:effectRef>
+          <a:fontRef idx="minor">
+            <a:schemeClr val="lt1"/>
+          </a:fontRef>
+        </p:style>
+        <p:txBody>
+          <a:bodyPr rtlCol="0" anchor="ctr"/>
+          <a:lstStyle/>
+          <a:p>
+            <a:pPr algn="ctr"/>
+            <a:r>
+              <a:rPr lang="it-IT" dirty="0"/>
+              <a:t>sr:Feature</a:t>
+            </a:r>
+          </a:p>
+        </p:txBody>
+      </p:sp>
     </p:spTree>
     <p:extLst>
       <p:ext uri="{BB962C8B-B14F-4D97-AF65-F5344CB8AC3E}">
@@ -4900,847 +4951,6 @@
           <a:chExt cx="0" cy="0"/>
         </a:xfrm>
       </p:grpSpPr>
-      <p:sp>
-        <p:nvSpPr>
-          <p:cNvPr id="6" name="Rectangle: Rounded Corners 5"/>
-          <p:cNvSpPr/>
-          <p:nvPr/>
-        </p:nvSpPr>
-        <p:spPr>
-          <a:xfrm>
-            <a:off x="5163610" y="1227121"/>
-            <a:ext cx="1881810" cy="516835"/>
-          </a:xfrm>
-          <a:prstGeom prst="roundRect">
-            <a:avLst/>
-          </a:prstGeom>
-        </p:spPr>
-        <p:style>
-          <a:lnRef idx="2">
-            <a:schemeClr val="accent1">
-              <a:shade val="50000"/>
-            </a:schemeClr>
-          </a:lnRef>
-          <a:fillRef idx="1">
-            <a:schemeClr val="accent1"/>
-          </a:fillRef>
-          <a:effectRef idx="0">
-            <a:schemeClr val="accent1"/>
-          </a:effectRef>
-          <a:fontRef idx="minor">
-            <a:schemeClr val="lt1"/>
-          </a:fontRef>
-        </p:style>
-        <p:txBody>
-          <a:bodyPr rtlCol="0" anchor="ctr"/>
-          <a:lstStyle/>
-          <a:p>
-            <a:pPr algn="ctr"/>
-            <a:r>
-              <a:rPr lang="it-IT" dirty="0"/>
-              <a:t>sr:Table</a:t>
-            </a:r>
-          </a:p>
-        </p:txBody>
-      </p:sp>
-      <p:sp>
-        <p:nvSpPr>
-          <p:cNvPr id="7" name="Rectangle: Rounded Corners 6"/>
-          <p:cNvSpPr/>
-          <p:nvPr/>
-        </p:nvSpPr>
-        <p:spPr>
-          <a:xfrm>
-            <a:off x="5163610" y="2193478"/>
-            <a:ext cx="1881810" cy="516835"/>
-          </a:xfrm>
-          <a:prstGeom prst="roundRect">
-            <a:avLst/>
-          </a:prstGeom>
-        </p:spPr>
-        <p:style>
-          <a:lnRef idx="2">
-            <a:schemeClr val="accent1">
-              <a:shade val="50000"/>
-            </a:schemeClr>
-          </a:lnRef>
-          <a:fillRef idx="1">
-            <a:schemeClr val="accent1"/>
-          </a:fillRef>
-          <a:effectRef idx="0">
-            <a:schemeClr val="accent1"/>
-          </a:effectRef>
-          <a:fontRef idx="minor">
-            <a:schemeClr val="lt1"/>
-          </a:fontRef>
-        </p:style>
-        <p:txBody>
-          <a:bodyPr rtlCol="0" anchor="ctr"/>
-          <a:lstStyle/>
-          <a:p>
-            <a:pPr algn="ctr"/>
-            <a:r>
-              <a:rPr lang="it-IT" dirty="0"/>
-              <a:t>sr:StudyRoom</a:t>
-            </a:r>
-          </a:p>
-        </p:txBody>
-      </p:sp>
-      <p:sp>
-        <p:nvSpPr>
-          <p:cNvPr id="8" name="Rectangle: Rounded Corners 7"/>
-          <p:cNvSpPr/>
-          <p:nvPr/>
-        </p:nvSpPr>
-        <p:spPr>
-          <a:xfrm>
-            <a:off x="5163610" y="260764"/>
-            <a:ext cx="1881810" cy="516835"/>
-          </a:xfrm>
-          <a:prstGeom prst="roundRect">
-            <a:avLst/>
-          </a:prstGeom>
-        </p:spPr>
-        <p:style>
-          <a:lnRef idx="2">
-            <a:schemeClr val="accent1">
-              <a:shade val="50000"/>
-            </a:schemeClr>
-          </a:lnRef>
-          <a:fillRef idx="1">
-            <a:schemeClr val="accent1"/>
-          </a:fillRef>
-          <a:effectRef idx="0">
-            <a:schemeClr val="accent1"/>
-          </a:effectRef>
-          <a:fontRef idx="minor">
-            <a:schemeClr val="lt1"/>
-          </a:fontRef>
-        </p:style>
-        <p:txBody>
-          <a:bodyPr rtlCol="0" anchor="ctr"/>
-          <a:lstStyle/>
-          <a:p>
-            <a:pPr algn="ctr"/>
-            <a:r>
-              <a:rPr lang="it-IT" dirty="0"/>
-              <a:t>sr:Seat</a:t>
-            </a:r>
-          </a:p>
-        </p:txBody>
-      </p:sp>
-      <p:sp>
-        <p:nvSpPr>
-          <p:cNvPr id="10" name="Rectangle: Rounded Corners 9"/>
-          <p:cNvSpPr/>
-          <p:nvPr/>
-        </p:nvSpPr>
-        <p:spPr>
-          <a:xfrm>
-            <a:off x="5163610" y="3159835"/>
-            <a:ext cx="1881810" cy="516835"/>
-          </a:xfrm>
-          <a:prstGeom prst="roundRect">
-            <a:avLst/>
-          </a:prstGeom>
-        </p:spPr>
-        <p:style>
-          <a:lnRef idx="2">
-            <a:schemeClr val="accent1">
-              <a:shade val="50000"/>
-            </a:schemeClr>
-          </a:lnRef>
-          <a:fillRef idx="1">
-            <a:schemeClr val="accent1"/>
-          </a:fillRef>
-          <a:effectRef idx="0">
-            <a:schemeClr val="accent1"/>
-          </a:effectRef>
-          <a:fontRef idx="minor">
-            <a:schemeClr val="lt1"/>
-          </a:fontRef>
-        </p:style>
-        <p:txBody>
-          <a:bodyPr rtlCol="0" anchor="ctr"/>
-          <a:lstStyle/>
-          <a:p>
-            <a:pPr algn="ctr"/>
-            <a:r>
-              <a:rPr lang="it-IT" dirty="0"/>
-              <a:t>sr:University</a:t>
-            </a:r>
-          </a:p>
-        </p:txBody>
-      </p:sp>
-      <p:sp>
-        <p:nvSpPr>
-          <p:cNvPr id="11" name="Rectangle: Rounded Corners 10"/>
-          <p:cNvSpPr/>
-          <p:nvPr/>
-        </p:nvSpPr>
-        <p:spPr>
-          <a:xfrm>
-            <a:off x="5163610" y="4126192"/>
-            <a:ext cx="1881810" cy="516835"/>
-          </a:xfrm>
-          <a:prstGeom prst="roundRect">
-            <a:avLst/>
-          </a:prstGeom>
-        </p:spPr>
-        <p:style>
-          <a:lnRef idx="2">
-            <a:schemeClr val="accent1">
-              <a:shade val="50000"/>
-            </a:schemeClr>
-          </a:lnRef>
-          <a:fillRef idx="1">
-            <a:schemeClr val="accent1"/>
-          </a:fillRef>
-          <a:effectRef idx="0">
-            <a:schemeClr val="accent1"/>
-          </a:effectRef>
-          <a:fontRef idx="minor">
-            <a:schemeClr val="lt1"/>
-          </a:fontRef>
-        </p:style>
-        <p:txBody>
-          <a:bodyPr rtlCol="0" anchor="ctr"/>
-          <a:lstStyle/>
-          <a:p>
-            <a:pPr algn="ctr"/>
-            <a:r>
-              <a:rPr lang="it-IT" dirty="0"/>
-              <a:t>sr:Feature</a:t>
-            </a:r>
-          </a:p>
-        </p:txBody>
-      </p:sp>
-      <p:sp>
-        <p:nvSpPr>
-          <p:cNvPr id="12" name="Rectangle: Rounded Corners 11"/>
-          <p:cNvSpPr/>
-          <p:nvPr/>
-        </p:nvSpPr>
-        <p:spPr>
-          <a:xfrm>
-            <a:off x="5163610" y="5092549"/>
-            <a:ext cx="1881810" cy="516835"/>
-          </a:xfrm>
-          <a:prstGeom prst="roundRect">
-            <a:avLst/>
-          </a:prstGeom>
-        </p:spPr>
-        <p:style>
-          <a:lnRef idx="2">
-            <a:schemeClr val="accent1">
-              <a:shade val="50000"/>
-            </a:schemeClr>
-          </a:lnRef>
-          <a:fillRef idx="1">
-            <a:schemeClr val="accent1"/>
-          </a:fillRef>
-          <a:effectRef idx="0">
-            <a:schemeClr val="accent1"/>
-          </a:effectRef>
-          <a:fontRef idx="minor">
-            <a:schemeClr val="lt1"/>
-          </a:fontRef>
-        </p:style>
-        <p:txBody>
-          <a:bodyPr rtlCol="0" anchor="ctr"/>
-          <a:lstStyle/>
-          <a:p>
-            <a:pPr algn="ctr"/>
-            <a:r>
-              <a:rPr lang="it-IT" dirty="0"/>
-              <a:t>locn:Address</a:t>
-            </a:r>
-          </a:p>
-        </p:txBody>
-      </p:sp>
-      <p:sp>
-        <p:nvSpPr>
-          <p:cNvPr id="13" name="Rectangle: Rounded Corners 12"/>
-          <p:cNvSpPr/>
-          <p:nvPr/>
-        </p:nvSpPr>
-        <p:spPr>
-          <a:xfrm>
-            <a:off x="5163610" y="6058908"/>
-            <a:ext cx="1881810" cy="516835"/>
-          </a:xfrm>
-          <a:prstGeom prst="roundRect">
-            <a:avLst/>
-          </a:prstGeom>
-        </p:spPr>
-        <p:style>
-          <a:lnRef idx="2">
-            <a:schemeClr val="accent1">
-              <a:shade val="50000"/>
-            </a:schemeClr>
-          </a:lnRef>
-          <a:fillRef idx="1">
-            <a:schemeClr val="accent1"/>
-          </a:fillRef>
-          <a:effectRef idx="0">
-            <a:schemeClr val="accent1"/>
-          </a:effectRef>
-          <a:fontRef idx="minor">
-            <a:schemeClr val="lt1"/>
-          </a:fontRef>
-        </p:style>
-        <p:txBody>
-          <a:bodyPr rtlCol="0" anchor="ctr"/>
-          <a:lstStyle/>
-          <a:p>
-            <a:pPr algn="ctr"/>
-            <a:r>
-              <a:rPr lang="it-IT" dirty="0"/>
-              <a:t>geo:SpatialThing</a:t>
-            </a:r>
-          </a:p>
-        </p:txBody>
-      </p:sp>
-      <p:sp>
-        <p:nvSpPr>
-          <p:cNvPr id="15" name="Rectangle: Rounded Corners 14"/>
-          <p:cNvSpPr/>
-          <p:nvPr/>
-        </p:nvSpPr>
-        <p:spPr>
-          <a:xfrm>
-            <a:off x="2368935" y="3159835"/>
-            <a:ext cx="1882800" cy="516835"/>
-          </a:xfrm>
-          <a:prstGeom prst="roundRect">
-            <a:avLst/>
-          </a:prstGeom>
-        </p:spPr>
-        <p:style>
-          <a:lnRef idx="2">
-            <a:schemeClr val="accent1">
-              <a:shade val="50000"/>
-            </a:schemeClr>
-          </a:lnRef>
-          <a:fillRef idx="1">
-            <a:schemeClr val="accent1"/>
-          </a:fillRef>
-          <a:effectRef idx="0">
-            <a:schemeClr val="accent1"/>
-          </a:effectRef>
-          <a:fontRef idx="minor">
-            <a:schemeClr val="lt1"/>
-          </a:fontRef>
-        </p:style>
-        <p:txBody>
-          <a:bodyPr rtlCol="0" anchor="ctr"/>
-          <a:lstStyle/>
-          <a:p>
-            <a:pPr algn="ctr"/>
-            <a:r>
-              <a:rPr lang="it-IT" dirty="0"/>
-              <a:t>owl:Thing</a:t>
-            </a:r>
-          </a:p>
-        </p:txBody>
-      </p:sp>
-      <p:sp>
-        <p:nvSpPr>
-          <p:cNvPr id="16" name="Rectangle: Rounded Corners 15"/>
-          <p:cNvSpPr/>
-          <p:nvPr/>
-        </p:nvSpPr>
-        <p:spPr>
-          <a:xfrm>
-            <a:off x="7957295" y="6058907"/>
-            <a:ext cx="1881810" cy="516835"/>
-          </a:xfrm>
-          <a:prstGeom prst="roundRect">
-            <a:avLst/>
-          </a:prstGeom>
-        </p:spPr>
-        <p:style>
-          <a:lnRef idx="2">
-            <a:schemeClr val="accent1">
-              <a:shade val="50000"/>
-            </a:schemeClr>
-          </a:lnRef>
-          <a:fillRef idx="1">
-            <a:schemeClr val="accent1"/>
-          </a:fillRef>
-          <a:effectRef idx="0">
-            <a:schemeClr val="accent1"/>
-          </a:effectRef>
-          <a:fontRef idx="minor">
-            <a:schemeClr val="lt1"/>
-          </a:fontRef>
-        </p:style>
-        <p:txBody>
-          <a:bodyPr rtlCol="0" anchor="ctr"/>
-          <a:lstStyle/>
-          <a:p>
-            <a:pPr algn="ctr"/>
-            <a:r>
-              <a:rPr lang="it-IT" dirty="0"/>
-              <a:t>geo:Point</a:t>
-            </a:r>
-          </a:p>
-        </p:txBody>
-      </p:sp>
-      <p:cxnSp>
-        <p:nvCxnSpPr>
-          <p:cNvPr id="18" name="Straight Arrow Connector 17"/>
-          <p:cNvCxnSpPr>
-            <a:cxnSpLocks/>
-            <a:stCxn id="15" idx="3"/>
-          </p:cNvCxnSpPr>
-          <p:nvPr/>
-        </p:nvCxnSpPr>
-        <p:spPr>
-          <a:xfrm>
-            <a:off x="4251735" y="3418253"/>
-            <a:ext cx="932265" cy="0"/>
-          </a:xfrm>
-          <a:prstGeom prst="straightConnector1">
-            <a:avLst/>
-          </a:prstGeom>
-          <a:ln w="38100" cap="flat" cmpd="sng" algn="ctr">
-            <a:solidFill>
-              <a:schemeClr val="dk1"/>
-            </a:solidFill>
-            <a:prstDash val="solid"/>
-            <a:round/>
-            <a:headEnd type="none" w="med" len="med"/>
-            <a:tailEnd type="triangle" w="med" len="med"/>
-          </a:ln>
-        </p:spPr>
-        <p:style>
-          <a:lnRef idx="0">
-            <a:scrgbClr r="0" g="0" b="0"/>
-          </a:lnRef>
-          <a:fillRef idx="0">
-            <a:scrgbClr r="0" g="0" b="0"/>
-          </a:fillRef>
-          <a:effectRef idx="0">
-            <a:scrgbClr r="0" g="0" b="0"/>
-          </a:effectRef>
-          <a:fontRef idx="minor">
-            <a:schemeClr val="tx1"/>
-          </a:fontRef>
-        </p:style>
-      </p:cxnSp>
-      <p:cxnSp>
-        <p:nvCxnSpPr>
-          <p:cNvPr id="20" name="Straight Arrow Connector 19"/>
-          <p:cNvCxnSpPr>
-            <a:cxnSpLocks/>
-          </p:cNvCxnSpPr>
-          <p:nvPr/>
-        </p:nvCxnSpPr>
-        <p:spPr>
-          <a:xfrm>
-            <a:off x="7045420" y="6313853"/>
-            <a:ext cx="911875" cy="0"/>
-          </a:xfrm>
-          <a:prstGeom prst="straightConnector1">
-            <a:avLst/>
-          </a:prstGeom>
-          <a:ln w="38100" cap="flat" cmpd="sng" algn="ctr">
-            <a:solidFill>
-              <a:schemeClr val="dk1"/>
-            </a:solidFill>
-            <a:prstDash val="solid"/>
-            <a:round/>
-            <a:headEnd type="none" w="med" len="med"/>
-            <a:tailEnd type="triangle" w="med" len="med"/>
-          </a:ln>
-        </p:spPr>
-        <p:style>
-          <a:lnRef idx="0">
-            <a:scrgbClr r="0" g="0" b="0"/>
-          </a:lnRef>
-          <a:fillRef idx="0">
-            <a:scrgbClr r="0" g="0" b="0"/>
-          </a:fillRef>
-          <a:effectRef idx="0">
-            <a:scrgbClr r="0" g="0" b="0"/>
-          </a:effectRef>
-          <a:fontRef idx="minor">
-            <a:schemeClr val="tx1"/>
-          </a:fontRef>
-        </p:style>
-      </p:cxnSp>
-      <p:cxnSp>
-        <p:nvCxnSpPr>
-          <p:cNvPr id="21" name="Straight Arrow Connector 20"/>
-          <p:cNvCxnSpPr>
-            <a:cxnSpLocks/>
-          </p:cNvCxnSpPr>
-          <p:nvPr/>
-        </p:nvCxnSpPr>
-        <p:spPr>
-          <a:xfrm>
-            <a:off x="4752000" y="4393130"/>
-            <a:ext cx="432000" cy="0"/>
-          </a:xfrm>
-          <a:prstGeom prst="straightConnector1">
-            <a:avLst/>
-          </a:prstGeom>
-          <a:ln w="38100" cap="flat" cmpd="sng" algn="ctr">
-            <a:solidFill>
-              <a:schemeClr val="dk1"/>
-            </a:solidFill>
-            <a:prstDash val="solid"/>
-            <a:round/>
-            <a:headEnd type="none" w="med" len="med"/>
-            <a:tailEnd type="triangle" w="med" len="med"/>
-          </a:ln>
-        </p:spPr>
-        <p:style>
-          <a:lnRef idx="0">
-            <a:scrgbClr r="0" g="0" b="0"/>
-          </a:lnRef>
-          <a:fillRef idx="0">
-            <a:scrgbClr r="0" g="0" b="0"/>
-          </a:fillRef>
-          <a:effectRef idx="0">
-            <a:scrgbClr r="0" g="0" b="0"/>
-          </a:effectRef>
-          <a:fontRef idx="minor">
-            <a:schemeClr val="tx1"/>
-          </a:fontRef>
-        </p:style>
-      </p:cxnSp>
-      <p:cxnSp>
-        <p:nvCxnSpPr>
-          <p:cNvPr id="22" name="Straight Arrow Connector 21"/>
-          <p:cNvCxnSpPr>
-            <a:cxnSpLocks/>
-          </p:cNvCxnSpPr>
-          <p:nvPr/>
-        </p:nvCxnSpPr>
-        <p:spPr>
-          <a:xfrm>
-            <a:off x="4752000" y="5353492"/>
-            <a:ext cx="432000" cy="0"/>
-          </a:xfrm>
-          <a:prstGeom prst="straightConnector1">
-            <a:avLst/>
-          </a:prstGeom>
-          <a:ln w="38100" cap="flat" cmpd="sng" algn="ctr">
-            <a:solidFill>
-              <a:schemeClr val="dk1"/>
-            </a:solidFill>
-            <a:prstDash val="solid"/>
-            <a:round/>
-            <a:headEnd type="none" w="med" len="med"/>
-            <a:tailEnd type="triangle" w="med" len="med"/>
-          </a:ln>
-        </p:spPr>
-        <p:style>
-          <a:lnRef idx="0">
-            <a:scrgbClr r="0" g="0" b="0"/>
-          </a:lnRef>
-          <a:fillRef idx="0">
-            <a:scrgbClr r="0" g="0" b="0"/>
-          </a:fillRef>
-          <a:effectRef idx="0">
-            <a:scrgbClr r="0" g="0" b="0"/>
-          </a:effectRef>
-          <a:fontRef idx="minor">
-            <a:schemeClr val="tx1"/>
-          </a:fontRef>
-        </p:style>
-      </p:cxnSp>
-      <p:cxnSp>
-        <p:nvCxnSpPr>
-          <p:cNvPr id="23" name="Straight Arrow Connector 22"/>
-          <p:cNvCxnSpPr>
-            <a:cxnSpLocks/>
-          </p:cNvCxnSpPr>
-          <p:nvPr/>
-        </p:nvCxnSpPr>
-        <p:spPr>
-          <a:xfrm>
-            <a:off x="4752000" y="2472406"/>
-            <a:ext cx="432000" cy="0"/>
-          </a:xfrm>
-          <a:prstGeom prst="straightConnector1">
-            <a:avLst/>
-          </a:prstGeom>
-          <a:ln w="38100" cap="flat" cmpd="sng" algn="ctr">
-            <a:solidFill>
-              <a:schemeClr val="dk1"/>
-            </a:solidFill>
-            <a:prstDash val="solid"/>
-            <a:round/>
-            <a:headEnd type="none" w="med" len="med"/>
-            <a:tailEnd type="triangle" w="med" len="med"/>
-          </a:ln>
-        </p:spPr>
-        <p:style>
-          <a:lnRef idx="0">
-            <a:scrgbClr r="0" g="0" b="0"/>
-          </a:lnRef>
-          <a:fillRef idx="0">
-            <a:scrgbClr r="0" g="0" b="0"/>
-          </a:fillRef>
-          <a:effectRef idx="0">
-            <a:scrgbClr r="0" g="0" b="0"/>
-          </a:effectRef>
-          <a:fontRef idx="minor">
-            <a:schemeClr val="tx1"/>
-          </a:fontRef>
-        </p:style>
-      </p:cxnSp>
-      <p:cxnSp>
-        <p:nvCxnSpPr>
-          <p:cNvPr id="24" name="Straight Arrow Connector 23"/>
-          <p:cNvCxnSpPr>
-            <a:cxnSpLocks/>
-          </p:cNvCxnSpPr>
-          <p:nvPr/>
-        </p:nvCxnSpPr>
-        <p:spPr>
-          <a:xfrm>
-            <a:off x="4752000" y="6313853"/>
-            <a:ext cx="432000" cy="0"/>
-          </a:xfrm>
-          <a:prstGeom prst="straightConnector1">
-            <a:avLst/>
-          </a:prstGeom>
-          <a:ln w="38100" cap="flat" cmpd="sng" algn="ctr">
-            <a:solidFill>
-              <a:schemeClr val="dk1"/>
-            </a:solidFill>
-            <a:prstDash val="solid"/>
-            <a:round/>
-            <a:headEnd type="none" w="med" len="med"/>
-            <a:tailEnd type="triangle" w="med" len="med"/>
-          </a:ln>
-        </p:spPr>
-        <p:style>
-          <a:lnRef idx="0">
-            <a:scrgbClr r="0" g="0" b="0"/>
-          </a:lnRef>
-          <a:fillRef idx="0">
-            <a:scrgbClr r="0" g="0" b="0"/>
-          </a:fillRef>
-          <a:effectRef idx="0">
-            <a:scrgbClr r="0" g="0" b="0"/>
-          </a:effectRef>
-          <a:fontRef idx="minor">
-            <a:schemeClr val="tx1"/>
-          </a:fontRef>
-        </p:style>
-      </p:cxnSp>
-      <p:cxnSp>
-        <p:nvCxnSpPr>
-          <p:cNvPr id="25" name="Straight Arrow Connector 24"/>
-          <p:cNvCxnSpPr>
-            <a:cxnSpLocks/>
-          </p:cNvCxnSpPr>
-          <p:nvPr/>
-        </p:nvCxnSpPr>
-        <p:spPr>
-          <a:xfrm>
-            <a:off x="4752000" y="1512044"/>
-            <a:ext cx="432000" cy="0"/>
-          </a:xfrm>
-          <a:prstGeom prst="straightConnector1">
-            <a:avLst/>
-          </a:prstGeom>
-          <a:ln w="38100" cap="flat" cmpd="sng" algn="ctr">
-            <a:solidFill>
-              <a:schemeClr val="dk1"/>
-            </a:solidFill>
-            <a:prstDash val="solid"/>
-            <a:round/>
-            <a:headEnd type="none" w="med" len="med"/>
-            <a:tailEnd type="triangle" w="med" len="med"/>
-          </a:ln>
-        </p:spPr>
-        <p:style>
-          <a:lnRef idx="0">
-            <a:scrgbClr r="0" g="0" b="0"/>
-          </a:lnRef>
-          <a:fillRef idx="0">
-            <a:scrgbClr r="0" g="0" b="0"/>
-          </a:fillRef>
-          <a:effectRef idx="0">
-            <a:scrgbClr r="0" g="0" b="0"/>
-          </a:effectRef>
-          <a:fontRef idx="minor">
-            <a:schemeClr val="tx1"/>
-          </a:fontRef>
-        </p:style>
-      </p:cxnSp>
-      <p:cxnSp>
-        <p:nvCxnSpPr>
-          <p:cNvPr id="26" name="Straight Arrow Connector 25"/>
-          <p:cNvCxnSpPr>
-            <a:cxnSpLocks/>
-          </p:cNvCxnSpPr>
-          <p:nvPr/>
-        </p:nvCxnSpPr>
-        <p:spPr>
-          <a:xfrm>
-            <a:off x="4752000" y="551682"/>
-            <a:ext cx="432000" cy="0"/>
-          </a:xfrm>
-          <a:prstGeom prst="straightConnector1">
-            <a:avLst/>
-          </a:prstGeom>
-          <a:ln w="38100" cap="flat" cmpd="sng" algn="ctr">
-            <a:solidFill>
-              <a:schemeClr val="dk1"/>
-            </a:solidFill>
-            <a:prstDash val="solid"/>
-            <a:round/>
-            <a:headEnd type="none" w="med" len="med"/>
-            <a:tailEnd type="triangle" w="med" len="med"/>
-          </a:ln>
-        </p:spPr>
-        <p:style>
-          <a:lnRef idx="0">
-            <a:scrgbClr r="0" g="0" b="0"/>
-          </a:lnRef>
-          <a:fillRef idx="0">
-            <a:scrgbClr r="0" g="0" b="0"/>
-          </a:fillRef>
-          <a:effectRef idx="0">
-            <a:scrgbClr r="0" g="0" b="0"/>
-          </a:effectRef>
-          <a:fontRef idx="minor">
-            <a:schemeClr val="tx1"/>
-          </a:fontRef>
-        </p:style>
-      </p:cxnSp>
-      <p:cxnSp>
-        <p:nvCxnSpPr>
-          <p:cNvPr id="42" name="Straight Connector 41"/>
-          <p:cNvCxnSpPr>
-            <a:cxnSpLocks/>
-          </p:cNvCxnSpPr>
-          <p:nvPr/>
-        </p:nvCxnSpPr>
-        <p:spPr>
-          <a:xfrm>
-            <a:off x="4752000" y="532630"/>
-            <a:ext cx="0" cy="5799600"/>
-          </a:xfrm>
-          <a:prstGeom prst="line">
-            <a:avLst/>
-          </a:prstGeom>
-          <a:ln w="38100">
-            <a:solidFill>
-              <a:schemeClr val="tx1"/>
-            </a:solidFill>
-          </a:ln>
-        </p:spPr>
-        <p:style>
-          <a:lnRef idx="1">
-            <a:schemeClr val="accent1"/>
-          </a:lnRef>
-          <a:fillRef idx="0">
-            <a:schemeClr val="accent1"/>
-          </a:fillRef>
-          <a:effectRef idx="0">
-            <a:schemeClr val="accent1"/>
-          </a:effectRef>
-          <a:fontRef idx="minor">
-            <a:schemeClr val="tx1"/>
-          </a:fontRef>
-        </p:style>
-      </p:cxnSp>
-      <p:sp>
-        <p:nvSpPr>
-          <p:cNvPr id="2" name="TextBox 1">
-            <a:extLst>
-              <a:ext uri="{FF2B5EF4-FFF2-40B4-BE49-F238E27FC236}">
-                <a16:creationId xmlns:a16="http://schemas.microsoft.com/office/drawing/2014/main" id="{D015BEF2-ED1A-4F8E-8563-15ABF7E60025}"/>
-              </a:ext>
-            </a:extLst>
-          </p:cNvPr>
-          <p:cNvSpPr txBox="1"/>
-          <p:nvPr/>
-        </p:nvSpPr>
-        <p:spPr>
-          <a:xfrm>
-            <a:off x="1197735" y="777599"/>
-            <a:ext cx="2459865" cy="646331"/>
-          </a:xfrm>
-          <a:prstGeom prst="rect">
-            <a:avLst/>
-          </a:prstGeom>
-          <a:noFill/>
-        </p:spPr>
-        <p:txBody>
-          <a:bodyPr wrap="square" rtlCol="0">
-            <a:spAutoFit/>
-          </a:bodyPr>
-          <a:lstStyle/>
-          <a:p>
-            <a:r>
-              <a:rPr lang="it-IT" dirty="0">
-                <a:solidFill>
-                  <a:srgbClr val="FF0000"/>
-                </a:solidFill>
-              </a:rPr>
-              <a:t>BACKUP – NON MODIFICARE</a:t>
-            </a:r>
-          </a:p>
-        </p:txBody>
-      </p:sp>
-    </p:spTree>
-    <p:extLst>
-      <p:ext uri="{BB962C8B-B14F-4D97-AF65-F5344CB8AC3E}">
-        <p14:creationId xmlns:p14="http://schemas.microsoft.com/office/powerpoint/2010/main" val="1807586185"/>
-      </p:ext>
-    </p:extLst>
-  </p:cSld>
-  <p:clrMapOvr>
-    <a:masterClrMapping/>
-  </p:clrMapOvr>
-</p:sld>
-</file>
-
-<file path=ppt/slides/slide13.xml><?xml version="1.0" encoding="utf-8"?>
-<p:sld xmlns:a="http://schemas.openxmlformats.org/drawingml/2006/main" xmlns:r="http://schemas.openxmlformats.org/officeDocument/2006/relationships" xmlns:p="http://schemas.openxmlformats.org/presentationml/2006/main">
-  <p:cSld>
-    <p:spTree>
-      <p:nvGrpSpPr>
-        <p:cNvPr id="1" name=""/>
-        <p:cNvGrpSpPr/>
-        <p:nvPr/>
-      </p:nvGrpSpPr>
-      <p:grpSpPr>
-        <a:xfrm>
-          <a:off x="0" y="0"/>
-          <a:ext cx="0" cy="0"/>
-          <a:chOff x="0" y="0"/>
-          <a:chExt cx="0" cy="0"/>
-        </a:xfrm>
-      </p:grpSpPr>
-      <p:sp>
-        <p:nvSpPr>
-          <p:cNvPr id="2" name="Titolo 1"/>
-          <p:cNvSpPr>
-            <a:spLocks noGrp="1"/>
-          </p:cNvSpPr>
-          <p:nvPr>
-            <p:ph type="title"/>
-          </p:nvPr>
-        </p:nvSpPr>
-        <p:spPr/>
-        <p:txBody>
-          <a:bodyPr/>
-          <a:lstStyle/>
-          <a:p>
-            <a:endParaRPr lang="it-IT"/>
-          </a:p>
-        </p:txBody>
-      </p:sp>
       <p:grpSp>
         <p:nvGrpSpPr>
           <p:cNvPr id="4" name="Group 80"/>
@@ -7029,6 +6239,4986 @@
       </p:grpSp>
       <p:sp>
         <p:nvSpPr>
+          <p:cNvPr id="16" name="Rectangle: Rounded Corners 15">
+            <a:extLst>
+              <a:ext uri="{FF2B5EF4-FFF2-40B4-BE49-F238E27FC236}">
+                <a16:creationId xmlns:a16="http://schemas.microsoft.com/office/drawing/2014/main" id="{87C3BAB7-ECCB-43DA-9B6D-14B5283FA4D2}"/>
+              </a:ext>
+            </a:extLst>
+          </p:cNvPr>
+          <p:cNvSpPr/>
+          <p:nvPr/>
+        </p:nvSpPr>
+        <p:spPr>
+          <a:xfrm>
+            <a:off x="298234" y="112955"/>
+            <a:ext cx="1881810" cy="516835"/>
+          </a:xfrm>
+          <a:prstGeom prst="roundRect">
+            <a:avLst/>
+          </a:prstGeom>
+        </p:spPr>
+        <p:style>
+          <a:lnRef idx="2">
+            <a:schemeClr val="accent1">
+              <a:shade val="50000"/>
+            </a:schemeClr>
+          </a:lnRef>
+          <a:fillRef idx="1">
+            <a:schemeClr val="accent1"/>
+          </a:fillRef>
+          <a:effectRef idx="0">
+            <a:schemeClr val="accent1"/>
+          </a:effectRef>
+          <a:fontRef idx="minor">
+            <a:schemeClr val="lt1"/>
+          </a:fontRef>
+        </p:style>
+        <p:txBody>
+          <a:bodyPr rtlCol="0" anchor="ctr"/>
+          <a:lstStyle/>
+          <a:p>
+            <a:pPr algn="ctr"/>
+            <a:r>
+              <a:rPr lang="it-IT" dirty="0"/>
+              <a:t>sr:University</a:t>
+            </a:r>
+          </a:p>
+        </p:txBody>
+      </p:sp>
+      <p:sp>
+        <p:nvSpPr>
+          <p:cNvPr id="20" name="Rectangle: Rounded Corners 19">
+            <a:extLst>
+              <a:ext uri="{FF2B5EF4-FFF2-40B4-BE49-F238E27FC236}">
+                <a16:creationId xmlns:a16="http://schemas.microsoft.com/office/drawing/2014/main" id="{BD755264-D147-4D46-BEDC-3EDB1C87A739}"/>
+              </a:ext>
+            </a:extLst>
+          </p:cNvPr>
+          <p:cNvSpPr/>
+          <p:nvPr/>
+        </p:nvSpPr>
+        <p:spPr>
+          <a:xfrm>
+            <a:off x="2678679" y="112954"/>
+            <a:ext cx="1881810" cy="516835"/>
+          </a:xfrm>
+          <a:prstGeom prst="roundRect">
+            <a:avLst/>
+          </a:prstGeom>
+        </p:spPr>
+        <p:style>
+          <a:lnRef idx="2">
+            <a:schemeClr val="accent1">
+              <a:shade val="50000"/>
+            </a:schemeClr>
+          </a:lnRef>
+          <a:fillRef idx="1">
+            <a:schemeClr val="accent1"/>
+          </a:fillRef>
+          <a:effectRef idx="0">
+            <a:schemeClr val="accent1"/>
+          </a:effectRef>
+          <a:fontRef idx="minor">
+            <a:schemeClr val="lt1"/>
+          </a:fontRef>
+        </p:style>
+        <p:txBody>
+          <a:bodyPr rtlCol="0" anchor="ctr"/>
+          <a:lstStyle/>
+          <a:p>
+            <a:pPr algn="ctr"/>
+            <a:r>
+              <a:rPr lang="it-IT" dirty="0"/>
+              <a:t>sr:Seat</a:t>
+            </a:r>
+          </a:p>
+        </p:txBody>
+      </p:sp>
+      <p:sp>
+        <p:nvSpPr>
+          <p:cNvPr id="21" name="Rectangle: Rounded Corners 20">
+            <a:extLst>
+              <a:ext uri="{FF2B5EF4-FFF2-40B4-BE49-F238E27FC236}">
+                <a16:creationId xmlns:a16="http://schemas.microsoft.com/office/drawing/2014/main" id="{50E54EA3-5632-4C9E-8301-2E1D048E40E9}"/>
+              </a:ext>
+            </a:extLst>
+          </p:cNvPr>
+          <p:cNvSpPr/>
+          <p:nvPr/>
+        </p:nvSpPr>
+        <p:spPr>
+          <a:xfrm>
+            <a:off x="5059124" y="112953"/>
+            <a:ext cx="1881810" cy="516835"/>
+          </a:xfrm>
+          <a:prstGeom prst="roundRect">
+            <a:avLst/>
+          </a:prstGeom>
+        </p:spPr>
+        <p:style>
+          <a:lnRef idx="2">
+            <a:schemeClr val="accent1">
+              <a:shade val="50000"/>
+            </a:schemeClr>
+          </a:lnRef>
+          <a:fillRef idx="1">
+            <a:schemeClr val="accent1"/>
+          </a:fillRef>
+          <a:effectRef idx="0">
+            <a:schemeClr val="accent1"/>
+          </a:effectRef>
+          <a:fontRef idx="minor">
+            <a:schemeClr val="lt1"/>
+          </a:fontRef>
+        </p:style>
+        <p:txBody>
+          <a:bodyPr rtlCol="0" anchor="ctr"/>
+          <a:lstStyle/>
+          <a:p>
+            <a:pPr algn="ctr"/>
+            <a:r>
+              <a:rPr lang="it-IT" dirty="0"/>
+              <a:t>sr:Table</a:t>
+            </a:r>
+          </a:p>
+        </p:txBody>
+      </p:sp>
+      <p:sp>
+        <p:nvSpPr>
+          <p:cNvPr id="22" name="Rectangle: Rounded Corners 21">
+            <a:extLst>
+              <a:ext uri="{FF2B5EF4-FFF2-40B4-BE49-F238E27FC236}">
+                <a16:creationId xmlns:a16="http://schemas.microsoft.com/office/drawing/2014/main" id="{730D9A1F-F5E5-4BBA-9CE9-3228E878712D}"/>
+              </a:ext>
+            </a:extLst>
+          </p:cNvPr>
+          <p:cNvSpPr/>
+          <p:nvPr/>
+        </p:nvSpPr>
+        <p:spPr>
+          <a:xfrm>
+            <a:off x="7439569" y="112952"/>
+            <a:ext cx="1881810" cy="516835"/>
+          </a:xfrm>
+          <a:prstGeom prst="roundRect">
+            <a:avLst/>
+          </a:prstGeom>
+        </p:spPr>
+        <p:style>
+          <a:lnRef idx="2">
+            <a:schemeClr val="accent1">
+              <a:shade val="50000"/>
+            </a:schemeClr>
+          </a:lnRef>
+          <a:fillRef idx="1">
+            <a:schemeClr val="accent1"/>
+          </a:fillRef>
+          <a:effectRef idx="0">
+            <a:schemeClr val="accent1"/>
+          </a:effectRef>
+          <a:fontRef idx="minor">
+            <a:schemeClr val="lt1"/>
+          </a:fontRef>
+        </p:style>
+        <p:txBody>
+          <a:bodyPr rtlCol="0" anchor="ctr"/>
+          <a:lstStyle/>
+          <a:p>
+            <a:pPr algn="ctr"/>
+            <a:r>
+              <a:rPr lang="it-IT" dirty="0"/>
+              <a:t>sr:StudyRoom</a:t>
+            </a:r>
+          </a:p>
+        </p:txBody>
+      </p:sp>
+      <p:sp>
+        <p:nvSpPr>
+          <p:cNvPr id="23" name="Rectangle: Rounded Corners 22">
+            <a:extLst>
+              <a:ext uri="{FF2B5EF4-FFF2-40B4-BE49-F238E27FC236}">
+                <a16:creationId xmlns:a16="http://schemas.microsoft.com/office/drawing/2014/main" id="{F939AFC7-450C-44A4-924A-94666DF4683B}"/>
+              </a:ext>
+            </a:extLst>
+          </p:cNvPr>
+          <p:cNvSpPr/>
+          <p:nvPr/>
+        </p:nvSpPr>
+        <p:spPr>
+          <a:xfrm>
+            <a:off x="9820014" y="112951"/>
+            <a:ext cx="1881810" cy="516835"/>
+          </a:xfrm>
+          <a:prstGeom prst="roundRect">
+            <a:avLst/>
+          </a:prstGeom>
+        </p:spPr>
+        <p:style>
+          <a:lnRef idx="2">
+            <a:schemeClr val="accent1">
+              <a:shade val="50000"/>
+            </a:schemeClr>
+          </a:lnRef>
+          <a:fillRef idx="1">
+            <a:schemeClr val="accent1"/>
+          </a:fillRef>
+          <a:effectRef idx="0">
+            <a:schemeClr val="accent1"/>
+          </a:effectRef>
+          <a:fontRef idx="minor">
+            <a:schemeClr val="lt1"/>
+          </a:fontRef>
+        </p:style>
+        <p:txBody>
+          <a:bodyPr rtlCol="0" anchor="ctr"/>
+          <a:lstStyle/>
+          <a:p>
+            <a:pPr algn="ctr"/>
+            <a:r>
+              <a:rPr lang="it-IT" dirty="0"/>
+              <a:t>sr:Feature</a:t>
+            </a:r>
+          </a:p>
+        </p:txBody>
+      </p:sp>
+      <p:sp>
+        <p:nvSpPr>
+          <p:cNvPr id="25" name="Rectangle 24">
+            <a:extLst>
+              <a:ext uri="{FF2B5EF4-FFF2-40B4-BE49-F238E27FC236}">
+                <a16:creationId xmlns:a16="http://schemas.microsoft.com/office/drawing/2014/main" id="{58314006-AAAB-4409-AD12-AB3869A88E63}"/>
+              </a:ext>
+            </a:extLst>
+          </p:cNvPr>
+          <p:cNvSpPr/>
+          <p:nvPr/>
+        </p:nvSpPr>
+        <p:spPr>
+          <a:xfrm>
+            <a:off x="7597691" y="2094503"/>
+            <a:ext cx="1841679" cy="463639"/>
+          </a:xfrm>
+          <a:prstGeom prst="rect">
+            <a:avLst/>
+          </a:prstGeom>
+          <a:solidFill>
+            <a:schemeClr val="accent5">
+              <a:lumMod val="40000"/>
+              <a:lumOff val="60000"/>
+            </a:schemeClr>
+          </a:solidFill>
+          <a:ln>
+            <a:solidFill>
+              <a:schemeClr val="tx1"/>
+            </a:solidFill>
+          </a:ln>
+        </p:spPr>
+        <p:style>
+          <a:lnRef idx="2">
+            <a:schemeClr val="accent1">
+              <a:shade val="50000"/>
+            </a:schemeClr>
+          </a:lnRef>
+          <a:fillRef idx="1">
+            <a:schemeClr val="accent1"/>
+          </a:fillRef>
+          <a:effectRef idx="0">
+            <a:schemeClr val="accent1"/>
+          </a:effectRef>
+          <a:fontRef idx="minor">
+            <a:schemeClr val="lt1"/>
+          </a:fontRef>
+        </p:style>
+        <p:txBody>
+          <a:bodyPr rtlCol="0" anchor="ctr"/>
+          <a:lstStyle/>
+          <a:p>
+            <a:pPr algn="ctr"/>
+            <a:r>
+              <a:rPr lang="it-IT" dirty="0">
+                <a:solidFill>
+                  <a:schemeClr val="tx1"/>
+                </a:solidFill>
+              </a:rPr>
+              <a:t>StudyRoom1_URI</a:t>
+            </a:r>
+          </a:p>
+        </p:txBody>
+      </p:sp>
+      <p:sp>
+        <p:nvSpPr>
+          <p:cNvPr id="30" name="Content Placeholder 29">
+            <a:extLst>
+              <a:ext uri="{FF2B5EF4-FFF2-40B4-BE49-F238E27FC236}">
+                <a16:creationId xmlns:a16="http://schemas.microsoft.com/office/drawing/2014/main" id="{58CAA654-F31A-4CD7-BE4B-F88E76C5F803}"/>
+              </a:ext>
+            </a:extLst>
+          </p:cNvPr>
+          <p:cNvSpPr>
+            <a:spLocks noGrp="1"/>
+          </p:cNvSpPr>
+          <p:nvPr>
+            <p:ph idx="1"/>
+          </p:nvPr>
+        </p:nvSpPr>
+        <p:spPr>
+          <a:xfrm>
+            <a:off x="5345685" y="1802174"/>
+            <a:ext cx="1342329" cy="373488"/>
+          </a:xfrm>
+          <a:prstGeom prst="rect">
+            <a:avLst/>
+          </a:prstGeom>
+          <a:solidFill>
+            <a:schemeClr val="accent5">
+              <a:lumMod val="40000"/>
+              <a:lumOff val="60000"/>
+            </a:schemeClr>
+          </a:solidFill>
+          <a:ln>
+            <a:solidFill>
+              <a:schemeClr val="tx1"/>
+            </a:solidFill>
+          </a:ln>
+        </p:spPr>
+        <p:style>
+          <a:lnRef idx="2">
+            <a:schemeClr val="accent1">
+              <a:shade val="50000"/>
+            </a:schemeClr>
+          </a:lnRef>
+          <a:fillRef idx="1">
+            <a:schemeClr val="accent1"/>
+          </a:fillRef>
+          <a:effectRef idx="0">
+            <a:schemeClr val="accent1"/>
+          </a:effectRef>
+          <a:fontRef idx="minor">
+            <a:schemeClr val="lt1"/>
+          </a:fontRef>
+        </p:style>
+        <p:txBody>
+          <a:bodyPr rtlCol="0" anchor="ctr"/>
+          <a:lstStyle/>
+          <a:p>
+            <a:pPr marL="0" indent="0" algn="ctr">
+              <a:buNone/>
+            </a:pPr>
+            <a:r>
+              <a:rPr lang="it-IT" sz="1800" dirty="0">
+                <a:solidFill>
+                  <a:schemeClr val="tx1"/>
+                </a:solidFill>
+              </a:rPr>
+              <a:t>Table1_URI</a:t>
+            </a:r>
+          </a:p>
+        </p:txBody>
+      </p:sp>
+      <p:sp>
+        <p:nvSpPr>
+          <p:cNvPr id="31" name="Content Placeholder 29">
+            <a:extLst>
+              <a:ext uri="{FF2B5EF4-FFF2-40B4-BE49-F238E27FC236}">
+                <a16:creationId xmlns:a16="http://schemas.microsoft.com/office/drawing/2014/main" id="{4B26493D-FCC3-4938-9926-C803425546F5}"/>
+              </a:ext>
+            </a:extLst>
+          </p:cNvPr>
+          <p:cNvSpPr txBox="1">
+            <a:spLocks/>
+          </p:cNvSpPr>
+          <p:nvPr/>
+        </p:nvSpPr>
+        <p:spPr>
+          <a:xfrm>
+            <a:off x="4674520" y="2437095"/>
+            <a:ext cx="1342329" cy="373488"/>
+          </a:xfrm>
+          <a:prstGeom prst="rect">
+            <a:avLst/>
+          </a:prstGeom>
+          <a:solidFill>
+            <a:schemeClr val="accent5">
+              <a:lumMod val="40000"/>
+              <a:lumOff val="60000"/>
+            </a:schemeClr>
+          </a:solidFill>
+          <a:ln w="12700" cap="flat" cmpd="sng" algn="ctr">
+            <a:solidFill>
+              <a:schemeClr val="tx1"/>
+            </a:solidFill>
+            <a:prstDash val="solid"/>
+            <a:miter lim="800000"/>
+          </a:ln>
+        </p:spPr>
+        <p:style>
+          <a:lnRef idx="2">
+            <a:schemeClr val="accent1">
+              <a:shade val="50000"/>
+            </a:schemeClr>
+          </a:lnRef>
+          <a:fillRef idx="1">
+            <a:schemeClr val="accent1"/>
+          </a:fillRef>
+          <a:effectRef idx="0">
+            <a:schemeClr val="accent1"/>
+          </a:effectRef>
+          <a:fontRef idx="minor">
+            <a:schemeClr val="lt1"/>
+          </a:fontRef>
+        </p:style>
+        <p:txBody>
+          <a:bodyPr rot="0" spcFirstLastPara="0" vertOverflow="overflow" horzOverflow="overflow" vert="horz" wrap="square" lIns="91440" tIns="45720" rIns="91440" bIns="45720" numCol="1" spcCol="0" rtlCol="0" fromWordArt="0" anchor="ctr" anchorCtr="0" forceAA="0" compatLnSpc="1">
+            <a:prstTxWarp prst="textNoShape">
+              <a:avLst/>
+            </a:prstTxWarp>
+            <a:noAutofit/>
+          </a:bodyPr>
+          <a:lstStyle>
+            <a:lvl1pPr marL="228600" indent="-228600" algn="l" defTabSz="914400" rtl="0" eaLnBrk="1" latinLnBrk="0" hangingPunct="1">
+              <a:lnSpc>
+                <a:spcPct val="90000"/>
+              </a:lnSpc>
+              <a:spcBef>
+                <a:spcPts val="1000"/>
+              </a:spcBef>
+              <a:buFont typeface="Arial" panose="020B0604020202020204" pitchFamily="34" charset="0"/>
+              <a:buChar char="•"/>
+              <a:defRPr sz="2800" kern="1200">
+                <a:solidFill>
+                  <a:schemeClr val="lt1"/>
+                </a:solidFill>
+                <a:latin typeface="+mn-lt"/>
+                <a:ea typeface="+mn-ea"/>
+                <a:cs typeface="+mn-cs"/>
+              </a:defRPr>
+            </a:lvl1pPr>
+            <a:lvl2pPr marL="685800" indent="-228600" algn="l" defTabSz="914400" rtl="0" eaLnBrk="1" latinLnBrk="0" hangingPunct="1">
+              <a:lnSpc>
+                <a:spcPct val="90000"/>
+              </a:lnSpc>
+              <a:spcBef>
+                <a:spcPts val="500"/>
+              </a:spcBef>
+              <a:buFont typeface="Arial" panose="020B0604020202020204" pitchFamily="34" charset="0"/>
+              <a:buChar char="•"/>
+              <a:defRPr sz="2400" kern="1200">
+                <a:solidFill>
+                  <a:schemeClr val="lt1"/>
+                </a:solidFill>
+                <a:latin typeface="+mn-lt"/>
+                <a:ea typeface="+mn-ea"/>
+                <a:cs typeface="+mn-cs"/>
+              </a:defRPr>
+            </a:lvl2pPr>
+            <a:lvl3pPr marL="1143000" indent="-228600" algn="l" defTabSz="914400" rtl="0" eaLnBrk="1" latinLnBrk="0" hangingPunct="1">
+              <a:lnSpc>
+                <a:spcPct val="90000"/>
+              </a:lnSpc>
+              <a:spcBef>
+                <a:spcPts val="500"/>
+              </a:spcBef>
+              <a:buFont typeface="Arial" panose="020B0604020202020204" pitchFamily="34" charset="0"/>
+              <a:buChar char="•"/>
+              <a:defRPr sz="2000" kern="1200">
+                <a:solidFill>
+                  <a:schemeClr val="lt1"/>
+                </a:solidFill>
+                <a:latin typeface="+mn-lt"/>
+                <a:ea typeface="+mn-ea"/>
+                <a:cs typeface="+mn-cs"/>
+              </a:defRPr>
+            </a:lvl3pPr>
+            <a:lvl4pPr marL="1600200" indent="-228600" algn="l" defTabSz="914400" rtl="0" eaLnBrk="1" latinLnBrk="0" hangingPunct="1">
+              <a:lnSpc>
+                <a:spcPct val="90000"/>
+              </a:lnSpc>
+              <a:spcBef>
+                <a:spcPts val="500"/>
+              </a:spcBef>
+              <a:buFont typeface="Arial" panose="020B0604020202020204" pitchFamily="34" charset="0"/>
+              <a:buChar char="•"/>
+              <a:defRPr sz="1800" kern="1200">
+                <a:solidFill>
+                  <a:schemeClr val="lt1"/>
+                </a:solidFill>
+                <a:latin typeface="+mn-lt"/>
+                <a:ea typeface="+mn-ea"/>
+                <a:cs typeface="+mn-cs"/>
+              </a:defRPr>
+            </a:lvl4pPr>
+            <a:lvl5pPr marL="2057400" indent="-228600" algn="l" defTabSz="914400" rtl="0" eaLnBrk="1" latinLnBrk="0" hangingPunct="1">
+              <a:lnSpc>
+                <a:spcPct val="90000"/>
+              </a:lnSpc>
+              <a:spcBef>
+                <a:spcPts val="500"/>
+              </a:spcBef>
+              <a:buFont typeface="Arial" panose="020B0604020202020204" pitchFamily="34" charset="0"/>
+              <a:buChar char="•"/>
+              <a:defRPr sz="1800" kern="1200">
+                <a:solidFill>
+                  <a:schemeClr val="lt1"/>
+                </a:solidFill>
+                <a:latin typeface="+mn-lt"/>
+                <a:ea typeface="+mn-ea"/>
+                <a:cs typeface="+mn-cs"/>
+              </a:defRPr>
+            </a:lvl5pPr>
+            <a:lvl6pPr marL="2514600" indent="-228600" algn="l" defTabSz="914400" rtl="0" eaLnBrk="1" latinLnBrk="0" hangingPunct="1">
+              <a:lnSpc>
+                <a:spcPct val="90000"/>
+              </a:lnSpc>
+              <a:spcBef>
+                <a:spcPts val="500"/>
+              </a:spcBef>
+              <a:buFont typeface="Arial" panose="020B0604020202020204" pitchFamily="34" charset="0"/>
+              <a:buChar char="•"/>
+              <a:defRPr sz="1800" kern="1200">
+                <a:solidFill>
+                  <a:schemeClr val="lt1"/>
+                </a:solidFill>
+                <a:latin typeface="+mn-lt"/>
+                <a:ea typeface="+mn-ea"/>
+                <a:cs typeface="+mn-cs"/>
+              </a:defRPr>
+            </a:lvl6pPr>
+            <a:lvl7pPr marL="2971800" indent="-228600" algn="l" defTabSz="914400" rtl="0" eaLnBrk="1" latinLnBrk="0" hangingPunct="1">
+              <a:lnSpc>
+                <a:spcPct val="90000"/>
+              </a:lnSpc>
+              <a:spcBef>
+                <a:spcPts val="500"/>
+              </a:spcBef>
+              <a:buFont typeface="Arial" panose="020B0604020202020204" pitchFamily="34" charset="0"/>
+              <a:buChar char="•"/>
+              <a:defRPr sz="1800" kern="1200">
+                <a:solidFill>
+                  <a:schemeClr val="lt1"/>
+                </a:solidFill>
+                <a:latin typeface="+mn-lt"/>
+                <a:ea typeface="+mn-ea"/>
+                <a:cs typeface="+mn-cs"/>
+              </a:defRPr>
+            </a:lvl7pPr>
+            <a:lvl8pPr marL="3429000" indent="-228600" algn="l" defTabSz="914400" rtl="0" eaLnBrk="1" latinLnBrk="0" hangingPunct="1">
+              <a:lnSpc>
+                <a:spcPct val="90000"/>
+              </a:lnSpc>
+              <a:spcBef>
+                <a:spcPts val="500"/>
+              </a:spcBef>
+              <a:buFont typeface="Arial" panose="020B0604020202020204" pitchFamily="34" charset="0"/>
+              <a:buChar char="•"/>
+              <a:defRPr sz="1800" kern="1200">
+                <a:solidFill>
+                  <a:schemeClr val="lt1"/>
+                </a:solidFill>
+                <a:latin typeface="+mn-lt"/>
+                <a:ea typeface="+mn-ea"/>
+                <a:cs typeface="+mn-cs"/>
+              </a:defRPr>
+            </a:lvl8pPr>
+            <a:lvl9pPr marL="3886200" indent="-228600" algn="l" defTabSz="914400" rtl="0" eaLnBrk="1" latinLnBrk="0" hangingPunct="1">
+              <a:lnSpc>
+                <a:spcPct val="90000"/>
+              </a:lnSpc>
+              <a:spcBef>
+                <a:spcPts val="500"/>
+              </a:spcBef>
+              <a:buFont typeface="Arial" panose="020B0604020202020204" pitchFamily="34" charset="0"/>
+              <a:buChar char="•"/>
+              <a:defRPr sz="1800" kern="1200">
+                <a:solidFill>
+                  <a:schemeClr val="lt1"/>
+                </a:solidFill>
+                <a:latin typeface="+mn-lt"/>
+                <a:ea typeface="+mn-ea"/>
+                <a:cs typeface="+mn-cs"/>
+              </a:defRPr>
+            </a:lvl9pPr>
+          </a:lstStyle>
+          <a:p>
+            <a:pPr marL="0" indent="0" algn="ctr">
+              <a:buFont typeface="Arial" panose="020B0604020202020204" pitchFamily="34" charset="0"/>
+              <a:buNone/>
+            </a:pPr>
+            <a:r>
+              <a:rPr lang="it-IT" sz="1800" dirty="0">
+                <a:solidFill>
+                  <a:schemeClr val="tx1"/>
+                </a:solidFill>
+              </a:rPr>
+              <a:t>Table2_URI</a:t>
+            </a:r>
+          </a:p>
+        </p:txBody>
+      </p:sp>
+      <p:sp>
+        <p:nvSpPr>
+          <p:cNvPr id="32" name="Content Placeholder 29">
+            <a:extLst>
+              <a:ext uri="{FF2B5EF4-FFF2-40B4-BE49-F238E27FC236}">
+                <a16:creationId xmlns:a16="http://schemas.microsoft.com/office/drawing/2014/main" id="{928BB576-6488-4BF1-AFAE-104444CECEE5}"/>
+              </a:ext>
+            </a:extLst>
+          </p:cNvPr>
+          <p:cNvSpPr txBox="1">
+            <a:spLocks/>
+          </p:cNvSpPr>
+          <p:nvPr/>
+        </p:nvSpPr>
+        <p:spPr>
+          <a:xfrm>
+            <a:off x="2678679" y="3252322"/>
+            <a:ext cx="1342329" cy="373488"/>
+          </a:xfrm>
+          <a:prstGeom prst="rect">
+            <a:avLst/>
+          </a:prstGeom>
+          <a:solidFill>
+            <a:schemeClr val="accent5">
+              <a:lumMod val="40000"/>
+              <a:lumOff val="60000"/>
+            </a:schemeClr>
+          </a:solidFill>
+          <a:ln w="12700" cap="flat" cmpd="sng" algn="ctr">
+            <a:solidFill>
+              <a:schemeClr val="tx1"/>
+            </a:solidFill>
+            <a:prstDash val="solid"/>
+            <a:miter lim="800000"/>
+          </a:ln>
+        </p:spPr>
+        <p:style>
+          <a:lnRef idx="2">
+            <a:schemeClr val="accent1">
+              <a:shade val="50000"/>
+            </a:schemeClr>
+          </a:lnRef>
+          <a:fillRef idx="1">
+            <a:schemeClr val="accent1"/>
+          </a:fillRef>
+          <a:effectRef idx="0">
+            <a:schemeClr val="accent1"/>
+          </a:effectRef>
+          <a:fontRef idx="minor">
+            <a:schemeClr val="lt1"/>
+          </a:fontRef>
+        </p:style>
+        <p:txBody>
+          <a:bodyPr rot="0" spcFirstLastPara="0" vertOverflow="overflow" horzOverflow="overflow" vert="horz" wrap="square" lIns="91440" tIns="45720" rIns="91440" bIns="45720" numCol="1" spcCol="0" rtlCol="0" fromWordArt="0" anchor="ctr" anchorCtr="0" forceAA="0" compatLnSpc="1">
+            <a:prstTxWarp prst="textNoShape">
+              <a:avLst/>
+            </a:prstTxWarp>
+            <a:noAutofit/>
+          </a:bodyPr>
+          <a:lstStyle>
+            <a:lvl1pPr marL="228600" indent="-228600" algn="l" defTabSz="914400" rtl="0" eaLnBrk="1" latinLnBrk="0" hangingPunct="1">
+              <a:lnSpc>
+                <a:spcPct val="90000"/>
+              </a:lnSpc>
+              <a:spcBef>
+                <a:spcPts val="1000"/>
+              </a:spcBef>
+              <a:buFont typeface="Arial" panose="020B0604020202020204" pitchFamily="34" charset="0"/>
+              <a:buChar char="•"/>
+              <a:defRPr sz="2800" kern="1200">
+                <a:solidFill>
+                  <a:schemeClr val="lt1"/>
+                </a:solidFill>
+                <a:latin typeface="+mn-lt"/>
+                <a:ea typeface="+mn-ea"/>
+                <a:cs typeface="+mn-cs"/>
+              </a:defRPr>
+            </a:lvl1pPr>
+            <a:lvl2pPr marL="685800" indent="-228600" algn="l" defTabSz="914400" rtl="0" eaLnBrk="1" latinLnBrk="0" hangingPunct="1">
+              <a:lnSpc>
+                <a:spcPct val="90000"/>
+              </a:lnSpc>
+              <a:spcBef>
+                <a:spcPts val="500"/>
+              </a:spcBef>
+              <a:buFont typeface="Arial" panose="020B0604020202020204" pitchFamily="34" charset="0"/>
+              <a:buChar char="•"/>
+              <a:defRPr sz="2400" kern="1200">
+                <a:solidFill>
+                  <a:schemeClr val="lt1"/>
+                </a:solidFill>
+                <a:latin typeface="+mn-lt"/>
+                <a:ea typeface="+mn-ea"/>
+                <a:cs typeface="+mn-cs"/>
+              </a:defRPr>
+            </a:lvl2pPr>
+            <a:lvl3pPr marL="1143000" indent="-228600" algn="l" defTabSz="914400" rtl="0" eaLnBrk="1" latinLnBrk="0" hangingPunct="1">
+              <a:lnSpc>
+                <a:spcPct val="90000"/>
+              </a:lnSpc>
+              <a:spcBef>
+                <a:spcPts val="500"/>
+              </a:spcBef>
+              <a:buFont typeface="Arial" panose="020B0604020202020204" pitchFamily="34" charset="0"/>
+              <a:buChar char="•"/>
+              <a:defRPr sz="2000" kern="1200">
+                <a:solidFill>
+                  <a:schemeClr val="lt1"/>
+                </a:solidFill>
+                <a:latin typeface="+mn-lt"/>
+                <a:ea typeface="+mn-ea"/>
+                <a:cs typeface="+mn-cs"/>
+              </a:defRPr>
+            </a:lvl3pPr>
+            <a:lvl4pPr marL="1600200" indent="-228600" algn="l" defTabSz="914400" rtl="0" eaLnBrk="1" latinLnBrk="0" hangingPunct="1">
+              <a:lnSpc>
+                <a:spcPct val="90000"/>
+              </a:lnSpc>
+              <a:spcBef>
+                <a:spcPts val="500"/>
+              </a:spcBef>
+              <a:buFont typeface="Arial" panose="020B0604020202020204" pitchFamily="34" charset="0"/>
+              <a:buChar char="•"/>
+              <a:defRPr sz="1800" kern="1200">
+                <a:solidFill>
+                  <a:schemeClr val="lt1"/>
+                </a:solidFill>
+                <a:latin typeface="+mn-lt"/>
+                <a:ea typeface="+mn-ea"/>
+                <a:cs typeface="+mn-cs"/>
+              </a:defRPr>
+            </a:lvl4pPr>
+            <a:lvl5pPr marL="2057400" indent="-228600" algn="l" defTabSz="914400" rtl="0" eaLnBrk="1" latinLnBrk="0" hangingPunct="1">
+              <a:lnSpc>
+                <a:spcPct val="90000"/>
+              </a:lnSpc>
+              <a:spcBef>
+                <a:spcPts val="500"/>
+              </a:spcBef>
+              <a:buFont typeface="Arial" panose="020B0604020202020204" pitchFamily="34" charset="0"/>
+              <a:buChar char="•"/>
+              <a:defRPr sz="1800" kern="1200">
+                <a:solidFill>
+                  <a:schemeClr val="lt1"/>
+                </a:solidFill>
+                <a:latin typeface="+mn-lt"/>
+                <a:ea typeface="+mn-ea"/>
+                <a:cs typeface="+mn-cs"/>
+              </a:defRPr>
+            </a:lvl5pPr>
+            <a:lvl6pPr marL="2514600" indent="-228600" algn="l" defTabSz="914400" rtl="0" eaLnBrk="1" latinLnBrk="0" hangingPunct="1">
+              <a:lnSpc>
+                <a:spcPct val="90000"/>
+              </a:lnSpc>
+              <a:spcBef>
+                <a:spcPts val="500"/>
+              </a:spcBef>
+              <a:buFont typeface="Arial" panose="020B0604020202020204" pitchFamily="34" charset="0"/>
+              <a:buChar char="•"/>
+              <a:defRPr sz="1800" kern="1200">
+                <a:solidFill>
+                  <a:schemeClr val="lt1"/>
+                </a:solidFill>
+                <a:latin typeface="+mn-lt"/>
+                <a:ea typeface="+mn-ea"/>
+                <a:cs typeface="+mn-cs"/>
+              </a:defRPr>
+            </a:lvl6pPr>
+            <a:lvl7pPr marL="2971800" indent="-228600" algn="l" defTabSz="914400" rtl="0" eaLnBrk="1" latinLnBrk="0" hangingPunct="1">
+              <a:lnSpc>
+                <a:spcPct val="90000"/>
+              </a:lnSpc>
+              <a:spcBef>
+                <a:spcPts val="500"/>
+              </a:spcBef>
+              <a:buFont typeface="Arial" panose="020B0604020202020204" pitchFamily="34" charset="0"/>
+              <a:buChar char="•"/>
+              <a:defRPr sz="1800" kern="1200">
+                <a:solidFill>
+                  <a:schemeClr val="lt1"/>
+                </a:solidFill>
+                <a:latin typeface="+mn-lt"/>
+                <a:ea typeface="+mn-ea"/>
+                <a:cs typeface="+mn-cs"/>
+              </a:defRPr>
+            </a:lvl7pPr>
+            <a:lvl8pPr marL="3429000" indent="-228600" algn="l" defTabSz="914400" rtl="0" eaLnBrk="1" latinLnBrk="0" hangingPunct="1">
+              <a:lnSpc>
+                <a:spcPct val="90000"/>
+              </a:lnSpc>
+              <a:spcBef>
+                <a:spcPts val="500"/>
+              </a:spcBef>
+              <a:buFont typeface="Arial" panose="020B0604020202020204" pitchFamily="34" charset="0"/>
+              <a:buChar char="•"/>
+              <a:defRPr sz="1800" kern="1200">
+                <a:solidFill>
+                  <a:schemeClr val="lt1"/>
+                </a:solidFill>
+                <a:latin typeface="+mn-lt"/>
+                <a:ea typeface="+mn-ea"/>
+                <a:cs typeface="+mn-cs"/>
+              </a:defRPr>
+            </a:lvl8pPr>
+            <a:lvl9pPr marL="3886200" indent="-228600" algn="l" defTabSz="914400" rtl="0" eaLnBrk="1" latinLnBrk="0" hangingPunct="1">
+              <a:lnSpc>
+                <a:spcPct val="90000"/>
+              </a:lnSpc>
+              <a:spcBef>
+                <a:spcPts val="500"/>
+              </a:spcBef>
+              <a:buFont typeface="Arial" panose="020B0604020202020204" pitchFamily="34" charset="0"/>
+              <a:buChar char="•"/>
+              <a:defRPr sz="1800" kern="1200">
+                <a:solidFill>
+                  <a:schemeClr val="lt1"/>
+                </a:solidFill>
+                <a:latin typeface="+mn-lt"/>
+                <a:ea typeface="+mn-ea"/>
+                <a:cs typeface="+mn-cs"/>
+              </a:defRPr>
+            </a:lvl9pPr>
+          </a:lstStyle>
+          <a:p>
+            <a:pPr marL="0" indent="0" algn="ctr">
+              <a:buFont typeface="Arial" panose="020B0604020202020204" pitchFamily="34" charset="0"/>
+              <a:buNone/>
+            </a:pPr>
+            <a:r>
+              <a:rPr lang="it-IT" sz="1800" dirty="0">
+                <a:solidFill>
+                  <a:schemeClr val="tx1"/>
+                </a:solidFill>
+              </a:rPr>
+              <a:t>Seat1_URI</a:t>
+            </a:r>
+          </a:p>
+        </p:txBody>
+      </p:sp>
+      <p:sp>
+        <p:nvSpPr>
+          <p:cNvPr id="33" name="Content Placeholder 29">
+            <a:extLst>
+              <a:ext uri="{FF2B5EF4-FFF2-40B4-BE49-F238E27FC236}">
+                <a16:creationId xmlns:a16="http://schemas.microsoft.com/office/drawing/2014/main" id="{DD2E4E91-ABCD-4D5F-8B31-464E304260A4}"/>
+              </a:ext>
+            </a:extLst>
+          </p:cNvPr>
+          <p:cNvSpPr txBox="1">
+            <a:spLocks/>
+          </p:cNvSpPr>
+          <p:nvPr/>
+        </p:nvSpPr>
+        <p:spPr>
+          <a:xfrm>
+            <a:off x="2422515" y="2554706"/>
+            <a:ext cx="1342329" cy="373488"/>
+          </a:xfrm>
+          <a:prstGeom prst="rect">
+            <a:avLst/>
+          </a:prstGeom>
+          <a:solidFill>
+            <a:schemeClr val="accent5">
+              <a:lumMod val="40000"/>
+              <a:lumOff val="60000"/>
+            </a:schemeClr>
+          </a:solidFill>
+          <a:ln w="12700" cap="flat" cmpd="sng" algn="ctr">
+            <a:solidFill>
+              <a:schemeClr val="tx1"/>
+            </a:solidFill>
+            <a:prstDash val="solid"/>
+            <a:miter lim="800000"/>
+          </a:ln>
+        </p:spPr>
+        <p:style>
+          <a:lnRef idx="2">
+            <a:schemeClr val="accent1">
+              <a:shade val="50000"/>
+            </a:schemeClr>
+          </a:lnRef>
+          <a:fillRef idx="1">
+            <a:schemeClr val="accent1"/>
+          </a:fillRef>
+          <a:effectRef idx="0">
+            <a:schemeClr val="accent1"/>
+          </a:effectRef>
+          <a:fontRef idx="minor">
+            <a:schemeClr val="lt1"/>
+          </a:fontRef>
+        </p:style>
+        <p:txBody>
+          <a:bodyPr rot="0" spcFirstLastPara="0" vertOverflow="overflow" horzOverflow="overflow" vert="horz" wrap="square" lIns="91440" tIns="45720" rIns="91440" bIns="45720" numCol="1" spcCol="0" rtlCol="0" fromWordArt="0" anchor="ctr" anchorCtr="0" forceAA="0" compatLnSpc="1">
+            <a:prstTxWarp prst="textNoShape">
+              <a:avLst/>
+            </a:prstTxWarp>
+            <a:noAutofit/>
+          </a:bodyPr>
+          <a:lstStyle>
+            <a:lvl1pPr marL="228600" indent="-228600" algn="l" defTabSz="914400" rtl="0" eaLnBrk="1" latinLnBrk="0" hangingPunct="1">
+              <a:lnSpc>
+                <a:spcPct val="90000"/>
+              </a:lnSpc>
+              <a:spcBef>
+                <a:spcPts val="1000"/>
+              </a:spcBef>
+              <a:buFont typeface="Arial" panose="020B0604020202020204" pitchFamily="34" charset="0"/>
+              <a:buChar char="•"/>
+              <a:defRPr sz="2800" kern="1200">
+                <a:solidFill>
+                  <a:schemeClr val="lt1"/>
+                </a:solidFill>
+                <a:latin typeface="+mn-lt"/>
+                <a:ea typeface="+mn-ea"/>
+                <a:cs typeface="+mn-cs"/>
+              </a:defRPr>
+            </a:lvl1pPr>
+            <a:lvl2pPr marL="685800" indent="-228600" algn="l" defTabSz="914400" rtl="0" eaLnBrk="1" latinLnBrk="0" hangingPunct="1">
+              <a:lnSpc>
+                <a:spcPct val="90000"/>
+              </a:lnSpc>
+              <a:spcBef>
+                <a:spcPts val="500"/>
+              </a:spcBef>
+              <a:buFont typeface="Arial" panose="020B0604020202020204" pitchFamily="34" charset="0"/>
+              <a:buChar char="•"/>
+              <a:defRPr sz="2400" kern="1200">
+                <a:solidFill>
+                  <a:schemeClr val="lt1"/>
+                </a:solidFill>
+                <a:latin typeface="+mn-lt"/>
+                <a:ea typeface="+mn-ea"/>
+                <a:cs typeface="+mn-cs"/>
+              </a:defRPr>
+            </a:lvl2pPr>
+            <a:lvl3pPr marL="1143000" indent="-228600" algn="l" defTabSz="914400" rtl="0" eaLnBrk="1" latinLnBrk="0" hangingPunct="1">
+              <a:lnSpc>
+                <a:spcPct val="90000"/>
+              </a:lnSpc>
+              <a:spcBef>
+                <a:spcPts val="500"/>
+              </a:spcBef>
+              <a:buFont typeface="Arial" panose="020B0604020202020204" pitchFamily="34" charset="0"/>
+              <a:buChar char="•"/>
+              <a:defRPr sz="2000" kern="1200">
+                <a:solidFill>
+                  <a:schemeClr val="lt1"/>
+                </a:solidFill>
+                <a:latin typeface="+mn-lt"/>
+                <a:ea typeface="+mn-ea"/>
+                <a:cs typeface="+mn-cs"/>
+              </a:defRPr>
+            </a:lvl3pPr>
+            <a:lvl4pPr marL="1600200" indent="-228600" algn="l" defTabSz="914400" rtl="0" eaLnBrk="1" latinLnBrk="0" hangingPunct="1">
+              <a:lnSpc>
+                <a:spcPct val="90000"/>
+              </a:lnSpc>
+              <a:spcBef>
+                <a:spcPts val="500"/>
+              </a:spcBef>
+              <a:buFont typeface="Arial" panose="020B0604020202020204" pitchFamily="34" charset="0"/>
+              <a:buChar char="•"/>
+              <a:defRPr sz="1800" kern="1200">
+                <a:solidFill>
+                  <a:schemeClr val="lt1"/>
+                </a:solidFill>
+                <a:latin typeface="+mn-lt"/>
+                <a:ea typeface="+mn-ea"/>
+                <a:cs typeface="+mn-cs"/>
+              </a:defRPr>
+            </a:lvl4pPr>
+            <a:lvl5pPr marL="2057400" indent="-228600" algn="l" defTabSz="914400" rtl="0" eaLnBrk="1" latinLnBrk="0" hangingPunct="1">
+              <a:lnSpc>
+                <a:spcPct val="90000"/>
+              </a:lnSpc>
+              <a:spcBef>
+                <a:spcPts val="500"/>
+              </a:spcBef>
+              <a:buFont typeface="Arial" panose="020B0604020202020204" pitchFamily="34" charset="0"/>
+              <a:buChar char="•"/>
+              <a:defRPr sz="1800" kern="1200">
+                <a:solidFill>
+                  <a:schemeClr val="lt1"/>
+                </a:solidFill>
+                <a:latin typeface="+mn-lt"/>
+                <a:ea typeface="+mn-ea"/>
+                <a:cs typeface="+mn-cs"/>
+              </a:defRPr>
+            </a:lvl5pPr>
+            <a:lvl6pPr marL="2514600" indent="-228600" algn="l" defTabSz="914400" rtl="0" eaLnBrk="1" latinLnBrk="0" hangingPunct="1">
+              <a:lnSpc>
+                <a:spcPct val="90000"/>
+              </a:lnSpc>
+              <a:spcBef>
+                <a:spcPts val="500"/>
+              </a:spcBef>
+              <a:buFont typeface="Arial" panose="020B0604020202020204" pitchFamily="34" charset="0"/>
+              <a:buChar char="•"/>
+              <a:defRPr sz="1800" kern="1200">
+                <a:solidFill>
+                  <a:schemeClr val="lt1"/>
+                </a:solidFill>
+                <a:latin typeface="+mn-lt"/>
+                <a:ea typeface="+mn-ea"/>
+                <a:cs typeface="+mn-cs"/>
+              </a:defRPr>
+            </a:lvl6pPr>
+            <a:lvl7pPr marL="2971800" indent="-228600" algn="l" defTabSz="914400" rtl="0" eaLnBrk="1" latinLnBrk="0" hangingPunct="1">
+              <a:lnSpc>
+                <a:spcPct val="90000"/>
+              </a:lnSpc>
+              <a:spcBef>
+                <a:spcPts val="500"/>
+              </a:spcBef>
+              <a:buFont typeface="Arial" panose="020B0604020202020204" pitchFamily="34" charset="0"/>
+              <a:buChar char="•"/>
+              <a:defRPr sz="1800" kern="1200">
+                <a:solidFill>
+                  <a:schemeClr val="lt1"/>
+                </a:solidFill>
+                <a:latin typeface="+mn-lt"/>
+                <a:ea typeface="+mn-ea"/>
+                <a:cs typeface="+mn-cs"/>
+              </a:defRPr>
+            </a:lvl7pPr>
+            <a:lvl8pPr marL="3429000" indent="-228600" algn="l" defTabSz="914400" rtl="0" eaLnBrk="1" latinLnBrk="0" hangingPunct="1">
+              <a:lnSpc>
+                <a:spcPct val="90000"/>
+              </a:lnSpc>
+              <a:spcBef>
+                <a:spcPts val="500"/>
+              </a:spcBef>
+              <a:buFont typeface="Arial" panose="020B0604020202020204" pitchFamily="34" charset="0"/>
+              <a:buChar char="•"/>
+              <a:defRPr sz="1800" kern="1200">
+                <a:solidFill>
+                  <a:schemeClr val="lt1"/>
+                </a:solidFill>
+                <a:latin typeface="+mn-lt"/>
+                <a:ea typeface="+mn-ea"/>
+                <a:cs typeface="+mn-cs"/>
+              </a:defRPr>
+            </a:lvl8pPr>
+            <a:lvl9pPr marL="3886200" indent="-228600" algn="l" defTabSz="914400" rtl="0" eaLnBrk="1" latinLnBrk="0" hangingPunct="1">
+              <a:lnSpc>
+                <a:spcPct val="90000"/>
+              </a:lnSpc>
+              <a:spcBef>
+                <a:spcPts val="500"/>
+              </a:spcBef>
+              <a:buFont typeface="Arial" panose="020B0604020202020204" pitchFamily="34" charset="0"/>
+              <a:buChar char="•"/>
+              <a:defRPr sz="1800" kern="1200">
+                <a:solidFill>
+                  <a:schemeClr val="lt1"/>
+                </a:solidFill>
+                <a:latin typeface="+mn-lt"/>
+                <a:ea typeface="+mn-ea"/>
+                <a:cs typeface="+mn-cs"/>
+              </a:defRPr>
+            </a:lvl9pPr>
+          </a:lstStyle>
+          <a:p>
+            <a:pPr marL="0" indent="0" algn="ctr">
+              <a:buFont typeface="Arial" panose="020B0604020202020204" pitchFamily="34" charset="0"/>
+              <a:buNone/>
+            </a:pPr>
+            <a:r>
+              <a:rPr lang="it-IT" sz="1800" dirty="0">
+                <a:solidFill>
+                  <a:schemeClr val="tx1"/>
+                </a:solidFill>
+              </a:rPr>
+              <a:t>Seat2_URI</a:t>
+            </a:r>
+          </a:p>
+        </p:txBody>
+      </p:sp>
+      <p:sp>
+        <p:nvSpPr>
+          <p:cNvPr id="34" name="Content Placeholder 29">
+            <a:extLst>
+              <a:ext uri="{FF2B5EF4-FFF2-40B4-BE49-F238E27FC236}">
+                <a16:creationId xmlns:a16="http://schemas.microsoft.com/office/drawing/2014/main" id="{4AC533DE-4517-4A81-A38A-2A33AEC45574}"/>
+              </a:ext>
+            </a:extLst>
+          </p:cNvPr>
+          <p:cNvSpPr txBox="1">
+            <a:spLocks/>
+          </p:cNvSpPr>
+          <p:nvPr/>
+        </p:nvSpPr>
+        <p:spPr>
+          <a:xfrm>
+            <a:off x="2180044" y="1847684"/>
+            <a:ext cx="1342329" cy="373488"/>
+          </a:xfrm>
+          <a:prstGeom prst="rect">
+            <a:avLst/>
+          </a:prstGeom>
+          <a:solidFill>
+            <a:schemeClr val="accent5">
+              <a:lumMod val="40000"/>
+              <a:lumOff val="60000"/>
+            </a:schemeClr>
+          </a:solidFill>
+          <a:ln w="12700" cap="flat" cmpd="sng" algn="ctr">
+            <a:solidFill>
+              <a:schemeClr val="tx1"/>
+            </a:solidFill>
+            <a:prstDash val="solid"/>
+            <a:miter lim="800000"/>
+          </a:ln>
+        </p:spPr>
+        <p:style>
+          <a:lnRef idx="2">
+            <a:schemeClr val="accent1">
+              <a:shade val="50000"/>
+            </a:schemeClr>
+          </a:lnRef>
+          <a:fillRef idx="1">
+            <a:schemeClr val="accent1"/>
+          </a:fillRef>
+          <a:effectRef idx="0">
+            <a:schemeClr val="accent1"/>
+          </a:effectRef>
+          <a:fontRef idx="minor">
+            <a:schemeClr val="lt1"/>
+          </a:fontRef>
+        </p:style>
+        <p:txBody>
+          <a:bodyPr rot="0" spcFirstLastPara="0" vertOverflow="overflow" horzOverflow="overflow" vert="horz" wrap="square" lIns="91440" tIns="45720" rIns="91440" bIns="45720" numCol="1" spcCol="0" rtlCol="0" fromWordArt="0" anchor="ctr" anchorCtr="0" forceAA="0" compatLnSpc="1">
+            <a:prstTxWarp prst="textNoShape">
+              <a:avLst/>
+            </a:prstTxWarp>
+            <a:noAutofit/>
+          </a:bodyPr>
+          <a:lstStyle>
+            <a:lvl1pPr marL="228600" indent="-228600" algn="l" defTabSz="914400" rtl="0" eaLnBrk="1" latinLnBrk="0" hangingPunct="1">
+              <a:lnSpc>
+                <a:spcPct val="90000"/>
+              </a:lnSpc>
+              <a:spcBef>
+                <a:spcPts val="1000"/>
+              </a:spcBef>
+              <a:buFont typeface="Arial" panose="020B0604020202020204" pitchFamily="34" charset="0"/>
+              <a:buChar char="•"/>
+              <a:defRPr sz="2800" kern="1200">
+                <a:solidFill>
+                  <a:schemeClr val="lt1"/>
+                </a:solidFill>
+                <a:latin typeface="+mn-lt"/>
+                <a:ea typeface="+mn-ea"/>
+                <a:cs typeface="+mn-cs"/>
+              </a:defRPr>
+            </a:lvl1pPr>
+            <a:lvl2pPr marL="685800" indent="-228600" algn="l" defTabSz="914400" rtl="0" eaLnBrk="1" latinLnBrk="0" hangingPunct="1">
+              <a:lnSpc>
+                <a:spcPct val="90000"/>
+              </a:lnSpc>
+              <a:spcBef>
+                <a:spcPts val="500"/>
+              </a:spcBef>
+              <a:buFont typeface="Arial" panose="020B0604020202020204" pitchFamily="34" charset="0"/>
+              <a:buChar char="•"/>
+              <a:defRPr sz="2400" kern="1200">
+                <a:solidFill>
+                  <a:schemeClr val="lt1"/>
+                </a:solidFill>
+                <a:latin typeface="+mn-lt"/>
+                <a:ea typeface="+mn-ea"/>
+                <a:cs typeface="+mn-cs"/>
+              </a:defRPr>
+            </a:lvl2pPr>
+            <a:lvl3pPr marL="1143000" indent="-228600" algn="l" defTabSz="914400" rtl="0" eaLnBrk="1" latinLnBrk="0" hangingPunct="1">
+              <a:lnSpc>
+                <a:spcPct val="90000"/>
+              </a:lnSpc>
+              <a:spcBef>
+                <a:spcPts val="500"/>
+              </a:spcBef>
+              <a:buFont typeface="Arial" panose="020B0604020202020204" pitchFamily="34" charset="0"/>
+              <a:buChar char="•"/>
+              <a:defRPr sz="2000" kern="1200">
+                <a:solidFill>
+                  <a:schemeClr val="lt1"/>
+                </a:solidFill>
+                <a:latin typeface="+mn-lt"/>
+                <a:ea typeface="+mn-ea"/>
+                <a:cs typeface="+mn-cs"/>
+              </a:defRPr>
+            </a:lvl3pPr>
+            <a:lvl4pPr marL="1600200" indent="-228600" algn="l" defTabSz="914400" rtl="0" eaLnBrk="1" latinLnBrk="0" hangingPunct="1">
+              <a:lnSpc>
+                <a:spcPct val="90000"/>
+              </a:lnSpc>
+              <a:spcBef>
+                <a:spcPts val="500"/>
+              </a:spcBef>
+              <a:buFont typeface="Arial" panose="020B0604020202020204" pitchFamily="34" charset="0"/>
+              <a:buChar char="•"/>
+              <a:defRPr sz="1800" kern="1200">
+                <a:solidFill>
+                  <a:schemeClr val="lt1"/>
+                </a:solidFill>
+                <a:latin typeface="+mn-lt"/>
+                <a:ea typeface="+mn-ea"/>
+                <a:cs typeface="+mn-cs"/>
+              </a:defRPr>
+            </a:lvl4pPr>
+            <a:lvl5pPr marL="2057400" indent="-228600" algn="l" defTabSz="914400" rtl="0" eaLnBrk="1" latinLnBrk="0" hangingPunct="1">
+              <a:lnSpc>
+                <a:spcPct val="90000"/>
+              </a:lnSpc>
+              <a:spcBef>
+                <a:spcPts val="500"/>
+              </a:spcBef>
+              <a:buFont typeface="Arial" panose="020B0604020202020204" pitchFamily="34" charset="0"/>
+              <a:buChar char="•"/>
+              <a:defRPr sz="1800" kern="1200">
+                <a:solidFill>
+                  <a:schemeClr val="lt1"/>
+                </a:solidFill>
+                <a:latin typeface="+mn-lt"/>
+                <a:ea typeface="+mn-ea"/>
+                <a:cs typeface="+mn-cs"/>
+              </a:defRPr>
+            </a:lvl5pPr>
+            <a:lvl6pPr marL="2514600" indent="-228600" algn="l" defTabSz="914400" rtl="0" eaLnBrk="1" latinLnBrk="0" hangingPunct="1">
+              <a:lnSpc>
+                <a:spcPct val="90000"/>
+              </a:lnSpc>
+              <a:spcBef>
+                <a:spcPts val="500"/>
+              </a:spcBef>
+              <a:buFont typeface="Arial" panose="020B0604020202020204" pitchFamily="34" charset="0"/>
+              <a:buChar char="•"/>
+              <a:defRPr sz="1800" kern="1200">
+                <a:solidFill>
+                  <a:schemeClr val="lt1"/>
+                </a:solidFill>
+                <a:latin typeface="+mn-lt"/>
+                <a:ea typeface="+mn-ea"/>
+                <a:cs typeface="+mn-cs"/>
+              </a:defRPr>
+            </a:lvl6pPr>
+            <a:lvl7pPr marL="2971800" indent="-228600" algn="l" defTabSz="914400" rtl="0" eaLnBrk="1" latinLnBrk="0" hangingPunct="1">
+              <a:lnSpc>
+                <a:spcPct val="90000"/>
+              </a:lnSpc>
+              <a:spcBef>
+                <a:spcPts val="500"/>
+              </a:spcBef>
+              <a:buFont typeface="Arial" panose="020B0604020202020204" pitchFamily="34" charset="0"/>
+              <a:buChar char="•"/>
+              <a:defRPr sz="1800" kern="1200">
+                <a:solidFill>
+                  <a:schemeClr val="lt1"/>
+                </a:solidFill>
+                <a:latin typeface="+mn-lt"/>
+                <a:ea typeface="+mn-ea"/>
+                <a:cs typeface="+mn-cs"/>
+              </a:defRPr>
+            </a:lvl7pPr>
+            <a:lvl8pPr marL="3429000" indent="-228600" algn="l" defTabSz="914400" rtl="0" eaLnBrk="1" latinLnBrk="0" hangingPunct="1">
+              <a:lnSpc>
+                <a:spcPct val="90000"/>
+              </a:lnSpc>
+              <a:spcBef>
+                <a:spcPts val="500"/>
+              </a:spcBef>
+              <a:buFont typeface="Arial" panose="020B0604020202020204" pitchFamily="34" charset="0"/>
+              <a:buChar char="•"/>
+              <a:defRPr sz="1800" kern="1200">
+                <a:solidFill>
+                  <a:schemeClr val="lt1"/>
+                </a:solidFill>
+                <a:latin typeface="+mn-lt"/>
+                <a:ea typeface="+mn-ea"/>
+                <a:cs typeface="+mn-cs"/>
+              </a:defRPr>
+            </a:lvl8pPr>
+            <a:lvl9pPr marL="3886200" indent="-228600" algn="l" defTabSz="914400" rtl="0" eaLnBrk="1" latinLnBrk="0" hangingPunct="1">
+              <a:lnSpc>
+                <a:spcPct val="90000"/>
+              </a:lnSpc>
+              <a:spcBef>
+                <a:spcPts val="500"/>
+              </a:spcBef>
+              <a:buFont typeface="Arial" panose="020B0604020202020204" pitchFamily="34" charset="0"/>
+              <a:buChar char="•"/>
+              <a:defRPr sz="1800" kern="1200">
+                <a:solidFill>
+                  <a:schemeClr val="lt1"/>
+                </a:solidFill>
+                <a:latin typeface="+mn-lt"/>
+                <a:ea typeface="+mn-ea"/>
+                <a:cs typeface="+mn-cs"/>
+              </a:defRPr>
+            </a:lvl9pPr>
+          </a:lstStyle>
+          <a:p>
+            <a:pPr marL="0" indent="0" algn="ctr">
+              <a:buFont typeface="Arial" panose="020B0604020202020204" pitchFamily="34" charset="0"/>
+              <a:buNone/>
+            </a:pPr>
+            <a:r>
+              <a:rPr lang="it-IT" sz="1800" dirty="0">
+                <a:solidFill>
+                  <a:schemeClr val="tx1"/>
+                </a:solidFill>
+              </a:rPr>
+              <a:t>Seat3_URI</a:t>
+            </a:r>
+          </a:p>
+        </p:txBody>
+      </p:sp>
+      <p:sp>
+        <p:nvSpPr>
+          <p:cNvPr id="35" name="Content Placeholder 29">
+            <a:extLst>
+              <a:ext uri="{FF2B5EF4-FFF2-40B4-BE49-F238E27FC236}">
+                <a16:creationId xmlns:a16="http://schemas.microsoft.com/office/drawing/2014/main" id="{6FC9AE52-B244-4DBF-8321-0AA911324CFD}"/>
+              </a:ext>
+            </a:extLst>
+          </p:cNvPr>
+          <p:cNvSpPr txBox="1">
+            <a:spLocks/>
+          </p:cNvSpPr>
+          <p:nvPr/>
+        </p:nvSpPr>
+        <p:spPr>
+          <a:xfrm>
+            <a:off x="10092167" y="2139578"/>
+            <a:ext cx="1648496" cy="373488"/>
+          </a:xfrm>
+          <a:prstGeom prst="rect">
+            <a:avLst/>
+          </a:prstGeom>
+          <a:solidFill>
+            <a:schemeClr val="accent5">
+              <a:lumMod val="40000"/>
+              <a:lumOff val="60000"/>
+            </a:schemeClr>
+          </a:solidFill>
+          <a:ln w="12700" cap="flat" cmpd="sng" algn="ctr">
+            <a:solidFill>
+              <a:schemeClr val="tx1"/>
+            </a:solidFill>
+            <a:prstDash val="solid"/>
+            <a:miter lim="800000"/>
+          </a:ln>
+        </p:spPr>
+        <p:style>
+          <a:lnRef idx="2">
+            <a:schemeClr val="accent1">
+              <a:shade val="50000"/>
+            </a:schemeClr>
+          </a:lnRef>
+          <a:fillRef idx="1">
+            <a:schemeClr val="accent1"/>
+          </a:fillRef>
+          <a:effectRef idx="0">
+            <a:schemeClr val="accent1"/>
+          </a:effectRef>
+          <a:fontRef idx="minor">
+            <a:schemeClr val="lt1"/>
+          </a:fontRef>
+        </p:style>
+        <p:txBody>
+          <a:bodyPr rot="0" spcFirstLastPara="0" vertOverflow="overflow" horzOverflow="overflow" vert="horz" wrap="square" lIns="91440" tIns="45720" rIns="91440" bIns="45720" numCol="1" spcCol="0" rtlCol="0" fromWordArt="0" anchor="ctr" anchorCtr="0" forceAA="0" compatLnSpc="1">
+            <a:prstTxWarp prst="textNoShape">
+              <a:avLst/>
+            </a:prstTxWarp>
+            <a:noAutofit/>
+          </a:bodyPr>
+          <a:lstStyle>
+            <a:lvl1pPr marL="228600" indent="-228600" algn="l" defTabSz="914400" rtl="0" eaLnBrk="1" latinLnBrk="0" hangingPunct="1">
+              <a:lnSpc>
+                <a:spcPct val="90000"/>
+              </a:lnSpc>
+              <a:spcBef>
+                <a:spcPts val="1000"/>
+              </a:spcBef>
+              <a:buFont typeface="Arial" panose="020B0604020202020204" pitchFamily="34" charset="0"/>
+              <a:buChar char="•"/>
+              <a:defRPr sz="2800" kern="1200">
+                <a:solidFill>
+                  <a:schemeClr val="lt1"/>
+                </a:solidFill>
+                <a:latin typeface="+mn-lt"/>
+                <a:ea typeface="+mn-ea"/>
+                <a:cs typeface="+mn-cs"/>
+              </a:defRPr>
+            </a:lvl1pPr>
+            <a:lvl2pPr marL="685800" indent="-228600" algn="l" defTabSz="914400" rtl="0" eaLnBrk="1" latinLnBrk="0" hangingPunct="1">
+              <a:lnSpc>
+                <a:spcPct val="90000"/>
+              </a:lnSpc>
+              <a:spcBef>
+                <a:spcPts val="500"/>
+              </a:spcBef>
+              <a:buFont typeface="Arial" panose="020B0604020202020204" pitchFamily="34" charset="0"/>
+              <a:buChar char="•"/>
+              <a:defRPr sz="2400" kern="1200">
+                <a:solidFill>
+                  <a:schemeClr val="lt1"/>
+                </a:solidFill>
+                <a:latin typeface="+mn-lt"/>
+                <a:ea typeface="+mn-ea"/>
+                <a:cs typeface="+mn-cs"/>
+              </a:defRPr>
+            </a:lvl2pPr>
+            <a:lvl3pPr marL="1143000" indent="-228600" algn="l" defTabSz="914400" rtl="0" eaLnBrk="1" latinLnBrk="0" hangingPunct="1">
+              <a:lnSpc>
+                <a:spcPct val="90000"/>
+              </a:lnSpc>
+              <a:spcBef>
+                <a:spcPts val="500"/>
+              </a:spcBef>
+              <a:buFont typeface="Arial" panose="020B0604020202020204" pitchFamily="34" charset="0"/>
+              <a:buChar char="•"/>
+              <a:defRPr sz="2000" kern="1200">
+                <a:solidFill>
+                  <a:schemeClr val="lt1"/>
+                </a:solidFill>
+                <a:latin typeface="+mn-lt"/>
+                <a:ea typeface="+mn-ea"/>
+                <a:cs typeface="+mn-cs"/>
+              </a:defRPr>
+            </a:lvl3pPr>
+            <a:lvl4pPr marL="1600200" indent="-228600" algn="l" defTabSz="914400" rtl="0" eaLnBrk="1" latinLnBrk="0" hangingPunct="1">
+              <a:lnSpc>
+                <a:spcPct val="90000"/>
+              </a:lnSpc>
+              <a:spcBef>
+                <a:spcPts val="500"/>
+              </a:spcBef>
+              <a:buFont typeface="Arial" panose="020B0604020202020204" pitchFamily="34" charset="0"/>
+              <a:buChar char="•"/>
+              <a:defRPr sz="1800" kern="1200">
+                <a:solidFill>
+                  <a:schemeClr val="lt1"/>
+                </a:solidFill>
+                <a:latin typeface="+mn-lt"/>
+                <a:ea typeface="+mn-ea"/>
+                <a:cs typeface="+mn-cs"/>
+              </a:defRPr>
+            </a:lvl4pPr>
+            <a:lvl5pPr marL="2057400" indent="-228600" algn="l" defTabSz="914400" rtl="0" eaLnBrk="1" latinLnBrk="0" hangingPunct="1">
+              <a:lnSpc>
+                <a:spcPct val="90000"/>
+              </a:lnSpc>
+              <a:spcBef>
+                <a:spcPts val="500"/>
+              </a:spcBef>
+              <a:buFont typeface="Arial" panose="020B0604020202020204" pitchFamily="34" charset="0"/>
+              <a:buChar char="•"/>
+              <a:defRPr sz="1800" kern="1200">
+                <a:solidFill>
+                  <a:schemeClr val="lt1"/>
+                </a:solidFill>
+                <a:latin typeface="+mn-lt"/>
+                <a:ea typeface="+mn-ea"/>
+                <a:cs typeface="+mn-cs"/>
+              </a:defRPr>
+            </a:lvl5pPr>
+            <a:lvl6pPr marL="2514600" indent="-228600" algn="l" defTabSz="914400" rtl="0" eaLnBrk="1" latinLnBrk="0" hangingPunct="1">
+              <a:lnSpc>
+                <a:spcPct val="90000"/>
+              </a:lnSpc>
+              <a:spcBef>
+                <a:spcPts val="500"/>
+              </a:spcBef>
+              <a:buFont typeface="Arial" panose="020B0604020202020204" pitchFamily="34" charset="0"/>
+              <a:buChar char="•"/>
+              <a:defRPr sz="1800" kern="1200">
+                <a:solidFill>
+                  <a:schemeClr val="lt1"/>
+                </a:solidFill>
+                <a:latin typeface="+mn-lt"/>
+                <a:ea typeface="+mn-ea"/>
+                <a:cs typeface="+mn-cs"/>
+              </a:defRPr>
+            </a:lvl6pPr>
+            <a:lvl7pPr marL="2971800" indent="-228600" algn="l" defTabSz="914400" rtl="0" eaLnBrk="1" latinLnBrk="0" hangingPunct="1">
+              <a:lnSpc>
+                <a:spcPct val="90000"/>
+              </a:lnSpc>
+              <a:spcBef>
+                <a:spcPts val="500"/>
+              </a:spcBef>
+              <a:buFont typeface="Arial" panose="020B0604020202020204" pitchFamily="34" charset="0"/>
+              <a:buChar char="•"/>
+              <a:defRPr sz="1800" kern="1200">
+                <a:solidFill>
+                  <a:schemeClr val="lt1"/>
+                </a:solidFill>
+                <a:latin typeface="+mn-lt"/>
+                <a:ea typeface="+mn-ea"/>
+                <a:cs typeface="+mn-cs"/>
+              </a:defRPr>
+            </a:lvl7pPr>
+            <a:lvl8pPr marL="3429000" indent="-228600" algn="l" defTabSz="914400" rtl="0" eaLnBrk="1" latinLnBrk="0" hangingPunct="1">
+              <a:lnSpc>
+                <a:spcPct val="90000"/>
+              </a:lnSpc>
+              <a:spcBef>
+                <a:spcPts val="500"/>
+              </a:spcBef>
+              <a:buFont typeface="Arial" panose="020B0604020202020204" pitchFamily="34" charset="0"/>
+              <a:buChar char="•"/>
+              <a:defRPr sz="1800" kern="1200">
+                <a:solidFill>
+                  <a:schemeClr val="lt1"/>
+                </a:solidFill>
+                <a:latin typeface="+mn-lt"/>
+                <a:ea typeface="+mn-ea"/>
+                <a:cs typeface="+mn-cs"/>
+              </a:defRPr>
+            </a:lvl8pPr>
+            <a:lvl9pPr marL="3886200" indent="-228600" algn="l" defTabSz="914400" rtl="0" eaLnBrk="1" latinLnBrk="0" hangingPunct="1">
+              <a:lnSpc>
+                <a:spcPct val="90000"/>
+              </a:lnSpc>
+              <a:spcBef>
+                <a:spcPts val="500"/>
+              </a:spcBef>
+              <a:buFont typeface="Arial" panose="020B0604020202020204" pitchFamily="34" charset="0"/>
+              <a:buChar char="•"/>
+              <a:defRPr sz="1800" kern="1200">
+                <a:solidFill>
+                  <a:schemeClr val="lt1"/>
+                </a:solidFill>
+                <a:latin typeface="+mn-lt"/>
+                <a:ea typeface="+mn-ea"/>
+                <a:cs typeface="+mn-cs"/>
+              </a:defRPr>
+            </a:lvl9pPr>
+          </a:lstStyle>
+          <a:p>
+            <a:pPr marL="0" indent="0" algn="ctr">
+              <a:buFont typeface="Arial" panose="020B0604020202020204" pitchFamily="34" charset="0"/>
+              <a:buNone/>
+            </a:pPr>
+            <a:r>
+              <a:rPr lang="it-IT" sz="1800" dirty="0">
+                <a:solidFill>
+                  <a:schemeClr val="tx1"/>
+                </a:solidFill>
+              </a:rPr>
+              <a:t>accessibleToilet</a:t>
+            </a:r>
+          </a:p>
+        </p:txBody>
+      </p:sp>
+      <p:sp>
+        <p:nvSpPr>
+          <p:cNvPr id="36" name="Content Placeholder 29">
+            <a:extLst>
+              <a:ext uri="{FF2B5EF4-FFF2-40B4-BE49-F238E27FC236}">
+                <a16:creationId xmlns:a16="http://schemas.microsoft.com/office/drawing/2014/main" id="{D6AED1FA-D6BE-435F-B3AA-E8612AE676C8}"/>
+              </a:ext>
+            </a:extLst>
+          </p:cNvPr>
+          <p:cNvSpPr txBox="1">
+            <a:spLocks/>
+          </p:cNvSpPr>
+          <p:nvPr/>
+        </p:nvSpPr>
+        <p:spPr>
+          <a:xfrm>
+            <a:off x="10092167" y="2962077"/>
+            <a:ext cx="648813" cy="373488"/>
+          </a:xfrm>
+          <a:prstGeom prst="rect">
+            <a:avLst/>
+          </a:prstGeom>
+          <a:solidFill>
+            <a:schemeClr val="accent5">
+              <a:lumMod val="40000"/>
+              <a:lumOff val="60000"/>
+            </a:schemeClr>
+          </a:solidFill>
+          <a:ln w="12700" cap="flat" cmpd="sng" algn="ctr">
+            <a:solidFill>
+              <a:schemeClr val="tx1"/>
+            </a:solidFill>
+            <a:prstDash val="solid"/>
+            <a:miter lim="800000"/>
+          </a:ln>
+        </p:spPr>
+        <p:style>
+          <a:lnRef idx="2">
+            <a:schemeClr val="accent1">
+              <a:shade val="50000"/>
+            </a:schemeClr>
+          </a:lnRef>
+          <a:fillRef idx="1">
+            <a:schemeClr val="accent1"/>
+          </a:fillRef>
+          <a:effectRef idx="0">
+            <a:schemeClr val="accent1"/>
+          </a:effectRef>
+          <a:fontRef idx="minor">
+            <a:schemeClr val="lt1"/>
+          </a:fontRef>
+        </p:style>
+        <p:txBody>
+          <a:bodyPr rot="0" spcFirstLastPara="0" vertOverflow="overflow" horzOverflow="overflow" vert="horz" wrap="square" lIns="91440" tIns="45720" rIns="91440" bIns="45720" numCol="1" spcCol="0" rtlCol="0" fromWordArt="0" anchor="ctr" anchorCtr="0" forceAA="0" compatLnSpc="1">
+            <a:prstTxWarp prst="textNoShape">
+              <a:avLst/>
+            </a:prstTxWarp>
+            <a:noAutofit/>
+          </a:bodyPr>
+          <a:lstStyle>
+            <a:lvl1pPr marL="228600" indent="-228600" algn="l" defTabSz="914400" rtl="0" eaLnBrk="1" latinLnBrk="0" hangingPunct="1">
+              <a:lnSpc>
+                <a:spcPct val="90000"/>
+              </a:lnSpc>
+              <a:spcBef>
+                <a:spcPts val="1000"/>
+              </a:spcBef>
+              <a:buFont typeface="Arial" panose="020B0604020202020204" pitchFamily="34" charset="0"/>
+              <a:buChar char="•"/>
+              <a:defRPr sz="2800" kern="1200">
+                <a:solidFill>
+                  <a:schemeClr val="lt1"/>
+                </a:solidFill>
+                <a:latin typeface="+mn-lt"/>
+                <a:ea typeface="+mn-ea"/>
+                <a:cs typeface="+mn-cs"/>
+              </a:defRPr>
+            </a:lvl1pPr>
+            <a:lvl2pPr marL="685800" indent="-228600" algn="l" defTabSz="914400" rtl="0" eaLnBrk="1" latinLnBrk="0" hangingPunct="1">
+              <a:lnSpc>
+                <a:spcPct val="90000"/>
+              </a:lnSpc>
+              <a:spcBef>
+                <a:spcPts val="500"/>
+              </a:spcBef>
+              <a:buFont typeface="Arial" panose="020B0604020202020204" pitchFamily="34" charset="0"/>
+              <a:buChar char="•"/>
+              <a:defRPr sz="2400" kern="1200">
+                <a:solidFill>
+                  <a:schemeClr val="lt1"/>
+                </a:solidFill>
+                <a:latin typeface="+mn-lt"/>
+                <a:ea typeface="+mn-ea"/>
+                <a:cs typeface="+mn-cs"/>
+              </a:defRPr>
+            </a:lvl2pPr>
+            <a:lvl3pPr marL="1143000" indent="-228600" algn="l" defTabSz="914400" rtl="0" eaLnBrk="1" latinLnBrk="0" hangingPunct="1">
+              <a:lnSpc>
+                <a:spcPct val="90000"/>
+              </a:lnSpc>
+              <a:spcBef>
+                <a:spcPts val="500"/>
+              </a:spcBef>
+              <a:buFont typeface="Arial" panose="020B0604020202020204" pitchFamily="34" charset="0"/>
+              <a:buChar char="•"/>
+              <a:defRPr sz="2000" kern="1200">
+                <a:solidFill>
+                  <a:schemeClr val="lt1"/>
+                </a:solidFill>
+                <a:latin typeface="+mn-lt"/>
+                <a:ea typeface="+mn-ea"/>
+                <a:cs typeface="+mn-cs"/>
+              </a:defRPr>
+            </a:lvl3pPr>
+            <a:lvl4pPr marL="1600200" indent="-228600" algn="l" defTabSz="914400" rtl="0" eaLnBrk="1" latinLnBrk="0" hangingPunct="1">
+              <a:lnSpc>
+                <a:spcPct val="90000"/>
+              </a:lnSpc>
+              <a:spcBef>
+                <a:spcPts val="500"/>
+              </a:spcBef>
+              <a:buFont typeface="Arial" panose="020B0604020202020204" pitchFamily="34" charset="0"/>
+              <a:buChar char="•"/>
+              <a:defRPr sz="1800" kern="1200">
+                <a:solidFill>
+                  <a:schemeClr val="lt1"/>
+                </a:solidFill>
+                <a:latin typeface="+mn-lt"/>
+                <a:ea typeface="+mn-ea"/>
+                <a:cs typeface="+mn-cs"/>
+              </a:defRPr>
+            </a:lvl4pPr>
+            <a:lvl5pPr marL="2057400" indent="-228600" algn="l" defTabSz="914400" rtl="0" eaLnBrk="1" latinLnBrk="0" hangingPunct="1">
+              <a:lnSpc>
+                <a:spcPct val="90000"/>
+              </a:lnSpc>
+              <a:spcBef>
+                <a:spcPts val="500"/>
+              </a:spcBef>
+              <a:buFont typeface="Arial" panose="020B0604020202020204" pitchFamily="34" charset="0"/>
+              <a:buChar char="•"/>
+              <a:defRPr sz="1800" kern="1200">
+                <a:solidFill>
+                  <a:schemeClr val="lt1"/>
+                </a:solidFill>
+                <a:latin typeface="+mn-lt"/>
+                <a:ea typeface="+mn-ea"/>
+                <a:cs typeface="+mn-cs"/>
+              </a:defRPr>
+            </a:lvl5pPr>
+            <a:lvl6pPr marL="2514600" indent="-228600" algn="l" defTabSz="914400" rtl="0" eaLnBrk="1" latinLnBrk="0" hangingPunct="1">
+              <a:lnSpc>
+                <a:spcPct val="90000"/>
+              </a:lnSpc>
+              <a:spcBef>
+                <a:spcPts val="500"/>
+              </a:spcBef>
+              <a:buFont typeface="Arial" panose="020B0604020202020204" pitchFamily="34" charset="0"/>
+              <a:buChar char="•"/>
+              <a:defRPr sz="1800" kern="1200">
+                <a:solidFill>
+                  <a:schemeClr val="lt1"/>
+                </a:solidFill>
+                <a:latin typeface="+mn-lt"/>
+                <a:ea typeface="+mn-ea"/>
+                <a:cs typeface="+mn-cs"/>
+              </a:defRPr>
+            </a:lvl6pPr>
+            <a:lvl7pPr marL="2971800" indent="-228600" algn="l" defTabSz="914400" rtl="0" eaLnBrk="1" latinLnBrk="0" hangingPunct="1">
+              <a:lnSpc>
+                <a:spcPct val="90000"/>
+              </a:lnSpc>
+              <a:spcBef>
+                <a:spcPts val="500"/>
+              </a:spcBef>
+              <a:buFont typeface="Arial" panose="020B0604020202020204" pitchFamily="34" charset="0"/>
+              <a:buChar char="•"/>
+              <a:defRPr sz="1800" kern="1200">
+                <a:solidFill>
+                  <a:schemeClr val="lt1"/>
+                </a:solidFill>
+                <a:latin typeface="+mn-lt"/>
+                <a:ea typeface="+mn-ea"/>
+                <a:cs typeface="+mn-cs"/>
+              </a:defRPr>
+            </a:lvl7pPr>
+            <a:lvl8pPr marL="3429000" indent="-228600" algn="l" defTabSz="914400" rtl="0" eaLnBrk="1" latinLnBrk="0" hangingPunct="1">
+              <a:lnSpc>
+                <a:spcPct val="90000"/>
+              </a:lnSpc>
+              <a:spcBef>
+                <a:spcPts val="500"/>
+              </a:spcBef>
+              <a:buFont typeface="Arial" panose="020B0604020202020204" pitchFamily="34" charset="0"/>
+              <a:buChar char="•"/>
+              <a:defRPr sz="1800" kern="1200">
+                <a:solidFill>
+                  <a:schemeClr val="lt1"/>
+                </a:solidFill>
+                <a:latin typeface="+mn-lt"/>
+                <a:ea typeface="+mn-ea"/>
+                <a:cs typeface="+mn-cs"/>
+              </a:defRPr>
+            </a:lvl8pPr>
+            <a:lvl9pPr marL="3886200" indent="-228600" algn="l" defTabSz="914400" rtl="0" eaLnBrk="1" latinLnBrk="0" hangingPunct="1">
+              <a:lnSpc>
+                <a:spcPct val="90000"/>
+              </a:lnSpc>
+              <a:spcBef>
+                <a:spcPts val="500"/>
+              </a:spcBef>
+              <a:buFont typeface="Arial" panose="020B0604020202020204" pitchFamily="34" charset="0"/>
+              <a:buChar char="•"/>
+              <a:defRPr sz="1800" kern="1200">
+                <a:solidFill>
+                  <a:schemeClr val="lt1"/>
+                </a:solidFill>
+                <a:latin typeface="+mn-lt"/>
+                <a:ea typeface="+mn-ea"/>
+                <a:cs typeface="+mn-cs"/>
+              </a:defRPr>
+            </a:lvl9pPr>
+          </a:lstStyle>
+          <a:p>
+            <a:pPr marL="0" indent="0" algn="ctr">
+              <a:buFont typeface="Arial" panose="020B0604020202020204" pitchFamily="34" charset="0"/>
+              <a:buNone/>
+            </a:pPr>
+            <a:r>
+              <a:rPr lang="it-IT" sz="1800" dirty="0">
+                <a:solidFill>
+                  <a:schemeClr val="tx1"/>
+                </a:solidFill>
+              </a:rPr>
+              <a:t>wifi</a:t>
+            </a:r>
+          </a:p>
+        </p:txBody>
+      </p:sp>
+      <p:sp>
+        <p:nvSpPr>
+          <p:cNvPr id="37" name="Content Placeholder 29">
+            <a:extLst>
+              <a:ext uri="{FF2B5EF4-FFF2-40B4-BE49-F238E27FC236}">
+                <a16:creationId xmlns:a16="http://schemas.microsoft.com/office/drawing/2014/main" id="{31879409-E4AC-4052-81C0-8F5655E50FC8}"/>
+              </a:ext>
+            </a:extLst>
+          </p:cNvPr>
+          <p:cNvSpPr txBox="1">
+            <a:spLocks/>
+          </p:cNvSpPr>
+          <p:nvPr/>
+        </p:nvSpPr>
+        <p:spPr>
+          <a:xfrm>
+            <a:off x="2676244" y="4461988"/>
+            <a:ext cx="1282025" cy="373488"/>
+          </a:xfrm>
+          <a:prstGeom prst="rect">
+            <a:avLst/>
+          </a:prstGeom>
+          <a:solidFill>
+            <a:schemeClr val="accent5">
+              <a:lumMod val="40000"/>
+              <a:lumOff val="60000"/>
+            </a:schemeClr>
+          </a:solidFill>
+          <a:ln w="12700" cap="flat" cmpd="sng" algn="ctr">
+            <a:solidFill>
+              <a:schemeClr val="tx1"/>
+            </a:solidFill>
+            <a:prstDash val="solid"/>
+            <a:miter lim="800000"/>
+          </a:ln>
+        </p:spPr>
+        <p:style>
+          <a:lnRef idx="2">
+            <a:schemeClr val="accent1">
+              <a:shade val="50000"/>
+            </a:schemeClr>
+          </a:lnRef>
+          <a:fillRef idx="1">
+            <a:schemeClr val="accent1"/>
+          </a:fillRef>
+          <a:effectRef idx="0">
+            <a:schemeClr val="accent1"/>
+          </a:effectRef>
+          <a:fontRef idx="minor">
+            <a:schemeClr val="lt1"/>
+          </a:fontRef>
+        </p:style>
+        <p:txBody>
+          <a:bodyPr rot="0" spcFirstLastPara="0" vertOverflow="overflow" horzOverflow="overflow" vert="horz" wrap="square" lIns="91440" tIns="45720" rIns="91440" bIns="45720" numCol="1" spcCol="0" rtlCol="0" fromWordArt="0" anchor="ctr" anchorCtr="0" forceAA="0" compatLnSpc="1">
+            <a:prstTxWarp prst="textNoShape">
+              <a:avLst/>
+            </a:prstTxWarp>
+            <a:noAutofit/>
+          </a:bodyPr>
+          <a:lstStyle>
+            <a:lvl1pPr marL="228600" indent="-228600" algn="l" defTabSz="914400" rtl="0" eaLnBrk="1" latinLnBrk="0" hangingPunct="1">
+              <a:lnSpc>
+                <a:spcPct val="90000"/>
+              </a:lnSpc>
+              <a:spcBef>
+                <a:spcPts val="1000"/>
+              </a:spcBef>
+              <a:buFont typeface="Arial" panose="020B0604020202020204" pitchFamily="34" charset="0"/>
+              <a:buChar char="•"/>
+              <a:defRPr sz="2800" kern="1200">
+                <a:solidFill>
+                  <a:schemeClr val="lt1"/>
+                </a:solidFill>
+                <a:latin typeface="+mn-lt"/>
+                <a:ea typeface="+mn-ea"/>
+                <a:cs typeface="+mn-cs"/>
+              </a:defRPr>
+            </a:lvl1pPr>
+            <a:lvl2pPr marL="685800" indent="-228600" algn="l" defTabSz="914400" rtl="0" eaLnBrk="1" latinLnBrk="0" hangingPunct="1">
+              <a:lnSpc>
+                <a:spcPct val="90000"/>
+              </a:lnSpc>
+              <a:spcBef>
+                <a:spcPts val="500"/>
+              </a:spcBef>
+              <a:buFont typeface="Arial" panose="020B0604020202020204" pitchFamily="34" charset="0"/>
+              <a:buChar char="•"/>
+              <a:defRPr sz="2400" kern="1200">
+                <a:solidFill>
+                  <a:schemeClr val="lt1"/>
+                </a:solidFill>
+                <a:latin typeface="+mn-lt"/>
+                <a:ea typeface="+mn-ea"/>
+                <a:cs typeface="+mn-cs"/>
+              </a:defRPr>
+            </a:lvl2pPr>
+            <a:lvl3pPr marL="1143000" indent="-228600" algn="l" defTabSz="914400" rtl="0" eaLnBrk="1" latinLnBrk="0" hangingPunct="1">
+              <a:lnSpc>
+                <a:spcPct val="90000"/>
+              </a:lnSpc>
+              <a:spcBef>
+                <a:spcPts val="500"/>
+              </a:spcBef>
+              <a:buFont typeface="Arial" panose="020B0604020202020204" pitchFamily="34" charset="0"/>
+              <a:buChar char="•"/>
+              <a:defRPr sz="2000" kern="1200">
+                <a:solidFill>
+                  <a:schemeClr val="lt1"/>
+                </a:solidFill>
+                <a:latin typeface="+mn-lt"/>
+                <a:ea typeface="+mn-ea"/>
+                <a:cs typeface="+mn-cs"/>
+              </a:defRPr>
+            </a:lvl3pPr>
+            <a:lvl4pPr marL="1600200" indent="-228600" algn="l" defTabSz="914400" rtl="0" eaLnBrk="1" latinLnBrk="0" hangingPunct="1">
+              <a:lnSpc>
+                <a:spcPct val="90000"/>
+              </a:lnSpc>
+              <a:spcBef>
+                <a:spcPts val="500"/>
+              </a:spcBef>
+              <a:buFont typeface="Arial" panose="020B0604020202020204" pitchFamily="34" charset="0"/>
+              <a:buChar char="•"/>
+              <a:defRPr sz="1800" kern="1200">
+                <a:solidFill>
+                  <a:schemeClr val="lt1"/>
+                </a:solidFill>
+                <a:latin typeface="+mn-lt"/>
+                <a:ea typeface="+mn-ea"/>
+                <a:cs typeface="+mn-cs"/>
+              </a:defRPr>
+            </a:lvl4pPr>
+            <a:lvl5pPr marL="2057400" indent="-228600" algn="l" defTabSz="914400" rtl="0" eaLnBrk="1" latinLnBrk="0" hangingPunct="1">
+              <a:lnSpc>
+                <a:spcPct val="90000"/>
+              </a:lnSpc>
+              <a:spcBef>
+                <a:spcPts val="500"/>
+              </a:spcBef>
+              <a:buFont typeface="Arial" panose="020B0604020202020204" pitchFamily="34" charset="0"/>
+              <a:buChar char="•"/>
+              <a:defRPr sz="1800" kern="1200">
+                <a:solidFill>
+                  <a:schemeClr val="lt1"/>
+                </a:solidFill>
+                <a:latin typeface="+mn-lt"/>
+                <a:ea typeface="+mn-ea"/>
+                <a:cs typeface="+mn-cs"/>
+              </a:defRPr>
+            </a:lvl5pPr>
+            <a:lvl6pPr marL="2514600" indent="-228600" algn="l" defTabSz="914400" rtl="0" eaLnBrk="1" latinLnBrk="0" hangingPunct="1">
+              <a:lnSpc>
+                <a:spcPct val="90000"/>
+              </a:lnSpc>
+              <a:spcBef>
+                <a:spcPts val="500"/>
+              </a:spcBef>
+              <a:buFont typeface="Arial" panose="020B0604020202020204" pitchFamily="34" charset="0"/>
+              <a:buChar char="•"/>
+              <a:defRPr sz="1800" kern="1200">
+                <a:solidFill>
+                  <a:schemeClr val="lt1"/>
+                </a:solidFill>
+                <a:latin typeface="+mn-lt"/>
+                <a:ea typeface="+mn-ea"/>
+                <a:cs typeface="+mn-cs"/>
+              </a:defRPr>
+            </a:lvl6pPr>
+            <a:lvl7pPr marL="2971800" indent="-228600" algn="l" defTabSz="914400" rtl="0" eaLnBrk="1" latinLnBrk="0" hangingPunct="1">
+              <a:lnSpc>
+                <a:spcPct val="90000"/>
+              </a:lnSpc>
+              <a:spcBef>
+                <a:spcPts val="500"/>
+              </a:spcBef>
+              <a:buFont typeface="Arial" panose="020B0604020202020204" pitchFamily="34" charset="0"/>
+              <a:buChar char="•"/>
+              <a:defRPr sz="1800" kern="1200">
+                <a:solidFill>
+                  <a:schemeClr val="lt1"/>
+                </a:solidFill>
+                <a:latin typeface="+mn-lt"/>
+                <a:ea typeface="+mn-ea"/>
+                <a:cs typeface="+mn-cs"/>
+              </a:defRPr>
+            </a:lvl7pPr>
+            <a:lvl8pPr marL="3429000" indent="-228600" algn="l" defTabSz="914400" rtl="0" eaLnBrk="1" latinLnBrk="0" hangingPunct="1">
+              <a:lnSpc>
+                <a:spcPct val="90000"/>
+              </a:lnSpc>
+              <a:spcBef>
+                <a:spcPts val="500"/>
+              </a:spcBef>
+              <a:buFont typeface="Arial" panose="020B0604020202020204" pitchFamily="34" charset="0"/>
+              <a:buChar char="•"/>
+              <a:defRPr sz="1800" kern="1200">
+                <a:solidFill>
+                  <a:schemeClr val="lt1"/>
+                </a:solidFill>
+                <a:latin typeface="+mn-lt"/>
+                <a:ea typeface="+mn-ea"/>
+                <a:cs typeface="+mn-cs"/>
+              </a:defRPr>
+            </a:lvl8pPr>
+            <a:lvl9pPr marL="3886200" indent="-228600" algn="l" defTabSz="914400" rtl="0" eaLnBrk="1" latinLnBrk="0" hangingPunct="1">
+              <a:lnSpc>
+                <a:spcPct val="90000"/>
+              </a:lnSpc>
+              <a:spcBef>
+                <a:spcPts val="500"/>
+              </a:spcBef>
+              <a:buFont typeface="Arial" panose="020B0604020202020204" pitchFamily="34" charset="0"/>
+              <a:buChar char="•"/>
+              <a:defRPr sz="1800" kern="1200">
+                <a:solidFill>
+                  <a:schemeClr val="lt1"/>
+                </a:solidFill>
+                <a:latin typeface="+mn-lt"/>
+                <a:ea typeface="+mn-ea"/>
+                <a:cs typeface="+mn-cs"/>
+              </a:defRPr>
+            </a:lvl9pPr>
+          </a:lstStyle>
+          <a:p>
+            <a:pPr marL="0" indent="0" algn="ctr">
+              <a:buFont typeface="Arial" panose="020B0604020202020204" pitchFamily="34" charset="0"/>
+              <a:buNone/>
+            </a:pPr>
+            <a:r>
+              <a:rPr lang="it-IT" sz="1800" dirty="0">
+                <a:solidFill>
+                  <a:schemeClr val="tx1"/>
+                </a:solidFill>
+              </a:rPr>
+              <a:t>computer</a:t>
+            </a:r>
+          </a:p>
+        </p:txBody>
+      </p:sp>
+      <p:sp>
+        <p:nvSpPr>
+          <p:cNvPr id="38" name="Content Placeholder 29">
+            <a:extLst>
+              <a:ext uri="{FF2B5EF4-FFF2-40B4-BE49-F238E27FC236}">
+                <a16:creationId xmlns:a16="http://schemas.microsoft.com/office/drawing/2014/main" id="{4F99A068-E6DC-4C4B-9966-91D8CA4C74AF}"/>
+              </a:ext>
+            </a:extLst>
+          </p:cNvPr>
+          <p:cNvSpPr txBox="1">
+            <a:spLocks/>
+          </p:cNvSpPr>
+          <p:nvPr/>
+        </p:nvSpPr>
+        <p:spPr>
+          <a:xfrm>
+            <a:off x="4560489" y="5039989"/>
+            <a:ext cx="1456360" cy="373488"/>
+          </a:xfrm>
+          <a:prstGeom prst="rect">
+            <a:avLst/>
+          </a:prstGeom>
+          <a:solidFill>
+            <a:schemeClr val="accent5">
+              <a:lumMod val="40000"/>
+              <a:lumOff val="60000"/>
+            </a:schemeClr>
+          </a:solidFill>
+          <a:ln w="12700" cap="flat" cmpd="sng" algn="ctr">
+            <a:solidFill>
+              <a:schemeClr val="tx1"/>
+            </a:solidFill>
+            <a:prstDash val="solid"/>
+            <a:miter lim="800000"/>
+          </a:ln>
+        </p:spPr>
+        <p:style>
+          <a:lnRef idx="2">
+            <a:schemeClr val="accent1">
+              <a:shade val="50000"/>
+            </a:schemeClr>
+          </a:lnRef>
+          <a:fillRef idx="1">
+            <a:schemeClr val="accent1"/>
+          </a:fillRef>
+          <a:effectRef idx="0">
+            <a:schemeClr val="accent1"/>
+          </a:effectRef>
+          <a:fontRef idx="minor">
+            <a:schemeClr val="lt1"/>
+          </a:fontRef>
+        </p:style>
+        <p:txBody>
+          <a:bodyPr rot="0" spcFirstLastPara="0" vertOverflow="overflow" horzOverflow="overflow" vert="horz" wrap="square" lIns="91440" tIns="45720" rIns="91440" bIns="45720" numCol="1" spcCol="0" rtlCol="0" fromWordArt="0" anchor="ctr" anchorCtr="0" forceAA="0" compatLnSpc="1">
+            <a:prstTxWarp prst="textNoShape">
+              <a:avLst/>
+            </a:prstTxWarp>
+            <a:noAutofit/>
+          </a:bodyPr>
+          <a:lstStyle>
+            <a:lvl1pPr marL="228600" indent="-228600" algn="l" defTabSz="914400" rtl="0" eaLnBrk="1" latinLnBrk="0" hangingPunct="1">
+              <a:lnSpc>
+                <a:spcPct val="90000"/>
+              </a:lnSpc>
+              <a:spcBef>
+                <a:spcPts val="1000"/>
+              </a:spcBef>
+              <a:buFont typeface="Arial" panose="020B0604020202020204" pitchFamily="34" charset="0"/>
+              <a:buChar char="•"/>
+              <a:defRPr sz="2800" kern="1200">
+                <a:solidFill>
+                  <a:schemeClr val="lt1"/>
+                </a:solidFill>
+                <a:latin typeface="+mn-lt"/>
+                <a:ea typeface="+mn-ea"/>
+                <a:cs typeface="+mn-cs"/>
+              </a:defRPr>
+            </a:lvl1pPr>
+            <a:lvl2pPr marL="685800" indent="-228600" algn="l" defTabSz="914400" rtl="0" eaLnBrk="1" latinLnBrk="0" hangingPunct="1">
+              <a:lnSpc>
+                <a:spcPct val="90000"/>
+              </a:lnSpc>
+              <a:spcBef>
+                <a:spcPts val="500"/>
+              </a:spcBef>
+              <a:buFont typeface="Arial" panose="020B0604020202020204" pitchFamily="34" charset="0"/>
+              <a:buChar char="•"/>
+              <a:defRPr sz="2400" kern="1200">
+                <a:solidFill>
+                  <a:schemeClr val="lt1"/>
+                </a:solidFill>
+                <a:latin typeface="+mn-lt"/>
+                <a:ea typeface="+mn-ea"/>
+                <a:cs typeface="+mn-cs"/>
+              </a:defRPr>
+            </a:lvl2pPr>
+            <a:lvl3pPr marL="1143000" indent="-228600" algn="l" defTabSz="914400" rtl="0" eaLnBrk="1" latinLnBrk="0" hangingPunct="1">
+              <a:lnSpc>
+                <a:spcPct val="90000"/>
+              </a:lnSpc>
+              <a:spcBef>
+                <a:spcPts val="500"/>
+              </a:spcBef>
+              <a:buFont typeface="Arial" panose="020B0604020202020204" pitchFamily="34" charset="0"/>
+              <a:buChar char="•"/>
+              <a:defRPr sz="2000" kern="1200">
+                <a:solidFill>
+                  <a:schemeClr val="lt1"/>
+                </a:solidFill>
+                <a:latin typeface="+mn-lt"/>
+                <a:ea typeface="+mn-ea"/>
+                <a:cs typeface="+mn-cs"/>
+              </a:defRPr>
+            </a:lvl3pPr>
+            <a:lvl4pPr marL="1600200" indent="-228600" algn="l" defTabSz="914400" rtl="0" eaLnBrk="1" latinLnBrk="0" hangingPunct="1">
+              <a:lnSpc>
+                <a:spcPct val="90000"/>
+              </a:lnSpc>
+              <a:spcBef>
+                <a:spcPts val="500"/>
+              </a:spcBef>
+              <a:buFont typeface="Arial" panose="020B0604020202020204" pitchFamily="34" charset="0"/>
+              <a:buChar char="•"/>
+              <a:defRPr sz="1800" kern="1200">
+                <a:solidFill>
+                  <a:schemeClr val="lt1"/>
+                </a:solidFill>
+                <a:latin typeface="+mn-lt"/>
+                <a:ea typeface="+mn-ea"/>
+                <a:cs typeface="+mn-cs"/>
+              </a:defRPr>
+            </a:lvl4pPr>
+            <a:lvl5pPr marL="2057400" indent="-228600" algn="l" defTabSz="914400" rtl="0" eaLnBrk="1" latinLnBrk="0" hangingPunct="1">
+              <a:lnSpc>
+                <a:spcPct val="90000"/>
+              </a:lnSpc>
+              <a:spcBef>
+                <a:spcPts val="500"/>
+              </a:spcBef>
+              <a:buFont typeface="Arial" panose="020B0604020202020204" pitchFamily="34" charset="0"/>
+              <a:buChar char="•"/>
+              <a:defRPr sz="1800" kern="1200">
+                <a:solidFill>
+                  <a:schemeClr val="lt1"/>
+                </a:solidFill>
+                <a:latin typeface="+mn-lt"/>
+                <a:ea typeface="+mn-ea"/>
+                <a:cs typeface="+mn-cs"/>
+              </a:defRPr>
+            </a:lvl5pPr>
+            <a:lvl6pPr marL="2514600" indent="-228600" algn="l" defTabSz="914400" rtl="0" eaLnBrk="1" latinLnBrk="0" hangingPunct="1">
+              <a:lnSpc>
+                <a:spcPct val="90000"/>
+              </a:lnSpc>
+              <a:spcBef>
+                <a:spcPts val="500"/>
+              </a:spcBef>
+              <a:buFont typeface="Arial" panose="020B0604020202020204" pitchFamily="34" charset="0"/>
+              <a:buChar char="•"/>
+              <a:defRPr sz="1800" kern="1200">
+                <a:solidFill>
+                  <a:schemeClr val="lt1"/>
+                </a:solidFill>
+                <a:latin typeface="+mn-lt"/>
+                <a:ea typeface="+mn-ea"/>
+                <a:cs typeface="+mn-cs"/>
+              </a:defRPr>
+            </a:lvl6pPr>
+            <a:lvl7pPr marL="2971800" indent="-228600" algn="l" defTabSz="914400" rtl="0" eaLnBrk="1" latinLnBrk="0" hangingPunct="1">
+              <a:lnSpc>
+                <a:spcPct val="90000"/>
+              </a:lnSpc>
+              <a:spcBef>
+                <a:spcPts val="500"/>
+              </a:spcBef>
+              <a:buFont typeface="Arial" panose="020B0604020202020204" pitchFamily="34" charset="0"/>
+              <a:buChar char="•"/>
+              <a:defRPr sz="1800" kern="1200">
+                <a:solidFill>
+                  <a:schemeClr val="lt1"/>
+                </a:solidFill>
+                <a:latin typeface="+mn-lt"/>
+                <a:ea typeface="+mn-ea"/>
+                <a:cs typeface="+mn-cs"/>
+              </a:defRPr>
+            </a:lvl7pPr>
+            <a:lvl8pPr marL="3429000" indent="-228600" algn="l" defTabSz="914400" rtl="0" eaLnBrk="1" latinLnBrk="0" hangingPunct="1">
+              <a:lnSpc>
+                <a:spcPct val="90000"/>
+              </a:lnSpc>
+              <a:spcBef>
+                <a:spcPts val="500"/>
+              </a:spcBef>
+              <a:buFont typeface="Arial" panose="020B0604020202020204" pitchFamily="34" charset="0"/>
+              <a:buChar char="•"/>
+              <a:defRPr sz="1800" kern="1200">
+                <a:solidFill>
+                  <a:schemeClr val="lt1"/>
+                </a:solidFill>
+                <a:latin typeface="+mn-lt"/>
+                <a:ea typeface="+mn-ea"/>
+                <a:cs typeface="+mn-cs"/>
+              </a:defRPr>
+            </a:lvl8pPr>
+            <a:lvl9pPr marL="3886200" indent="-228600" algn="l" defTabSz="914400" rtl="0" eaLnBrk="1" latinLnBrk="0" hangingPunct="1">
+              <a:lnSpc>
+                <a:spcPct val="90000"/>
+              </a:lnSpc>
+              <a:spcBef>
+                <a:spcPts val="500"/>
+              </a:spcBef>
+              <a:buFont typeface="Arial" panose="020B0604020202020204" pitchFamily="34" charset="0"/>
+              <a:buChar char="•"/>
+              <a:defRPr sz="1800" kern="1200">
+                <a:solidFill>
+                  <a:schemeClr val="lt1"/>
+                </a:solidFill>
+                <a:latin typeface="+mn-lt"/>
+                <a:ea typeface="+mn-ea"/>
+                <a:cs typeface="+mn-cs"/>
+              </a:defRPr>
+            </a:lvl9pPr>
+          </a:lstStyle>
+          <a:p>
+            <a:pPr marL="0" indent="0" algn="ctr">
+              <a:buFont typeface="Arial" panose="020B0604020202020204" pitchFamily="34" charset="0"/>
+              <a:buNone/>
+            </a:pPr>
+            <a:r>
+              <a:rPr lang="it-IT" sz="1800" dirty="0">
+                <a:solidFill>
+                  <a:schemeClr val="tx1"/>
+                </a:solidFill>
+              </a:rPr>
+              <a:t>powerOutlet</a:t>
+            </a:r>
+          </a:p>
+        </p:txBody>
+      </p:sp>
+    </p:spTree>
+    <p:extLst>
+      <p:ext uri="{BB962C8B-B14F-4D97-AF65-F5344CB8AC3E}">
+        <p14:creationId xmlns:p14="http://schemas.microsoft.com/office/powerpoint/2010/main" val="3412366615"/>
+      </p:ext>
+    </p:extLst>
+  </p:cSld>
+  <p:clrMapOvr>
+    <a:masterClrMapping/>
+  </p:clrMapOvr>
+</p:sld>
+</file>
+
+<file path=ppt/slides/slide13.xml><?xml version="1.0" encoding="utf-8"?>
+<p:sld xmlns:a="http://schemas.openxmlformats.org/drawingml/2006/main" xmlns:r="http://schemas.openxmlformats.org/officeDocument/2006/relationships" xmlns:p="http://schemas.openxmlformats.org/presentationml/2006/main">
+  <p:cSld>
+    <p:spTree>
+      <p:nvGrpSpPr>
+        <p:cNvPr id="1" name=""/>
+        <p:cNvGrpSpPr/>
+        <p:nvPr/>
+      </p:nvGrpSpPr>
+      <p:grpSpPr>
+        <a:xfrm>
+          <a:off x="0" y="0"/>
+          <a:ext cx="0" cy="0"/>
+          <a:chOff x="0" y="0"/>
+          <a:chExt cx="0" cy="0"/>
+        </a:xfrm>
+      </p:grpSpPr>
+      <p:grpSp>
+        <p:nvGrpSpPr>
+          <p:cNvPr id="4" name="Group 80"/>
+          <p:cNvGrpSpPr>
+            <a:grpSpLocks/>
+          </p:cNvGrpSpPr>
+          <p:nvPr/>
+        </p:nvGrpSpPr>
+        <p:grpSpPr bwMode="auto">
+          <a:xfrm>
+            <a:off x="75421" y="4700336"/>
+            <a:ext cx="1871662" cy="2089150"/>
+            <a:chOff x="113" y="2704"/>
+            <a:chExt cx="1179" cy="1316"/>
+          </a:xfrm>
+        </p:grpSpPr>
+        <p:sp>
+          <p:nvSpPr>
+            <p:cNvPr id="5" name="Rectangle 1663"/>
+            <p:cNvSpPr>
+              <a:spLocks noChangeArrowheads="1"/>
+            </p:cNvSpPr>
+            <p:nvPr/>
+          </p:nvSpPr>
+          <p:spPr bwMode="auto">
+            <a:xfrm>
+              <a:off x="113" y="2704"/>
+              <a:ext cx="1179" cy="1316"/>
+            </a:xfrm>
+            <a:prstGeom prst="rect">
+              <a:avLst/>
+            </a:prstGeom>
+            <a:noFill/>
+            <a:ln w="25400">
+              <a:solidFill>
+                <a:srgbClr val="000000"/>
+              </a:solidFill>
+              <a:miter lim="800000"/>
+              <a:headEnd/>
+              <a:tailEnd/>
+            </a:ln>
+          </p:spPr>
+          <p:txBody>
+            <a:bodyPr wrap="none" anchor="ctr"/>
+            <a:lstStyle>
+              <a:defPPr>
+                <a:defRPr lang="it-IT"/>
+              </a:defPPr>
+              <a:lvl1pPr algn="l" rtl="0" fontAlgn="base">
+                <a:spcBef>
+                  <a:spcPct val="0"/>
+                </a:spcBef>
+                <a:spcAft>
+                  <a:spcPct val="0"/>
+                </a:spcAft>
+                <a:defRPr u="sng" kern="1200">
+                  <a:solidFill>
+                    <a:schemeClr val="tx1"/>
+                  </a:solidFill>
+                  <a:latin typeface="Arial" panose="020B0604020202020204" pitchFamily="34" charset="0"/>
+                  <a:ea typeface="+mn-ea"/>
+                  <a:cs typeface="+mn-cs"/>
+                </a:defRPr>
+              </a:lvl1pPr>
+              <a:lvl2pPr marL="457200" algn="l" rtl="0" fontAlgn="base">
+                <a:spcBef>
+                  <a:spcPct val="0"/>
+                </a:spcBef>
+                <a:spcAft>
+                  <a:spcPct val="0"/>
+                </a:spcAft>
+                <a:defRPr u="sng" kern="1200">
+                  <a:solidFill>
+                    <a:schemeClr val="tx1"/>
+                  </a:solidFill>
+                  <a:latin typeface="Arial" panose="020B0604020202020204" pitchFamily="34" charset="0"/>
+                  <a:ea typeface="+mn-ea"/>
+                  <a:cs typeface="+mn-cs"/>
+                </a:defRPr>
+              </a:lvl2pPr>
+              <a:lvl3pPr marL="914400" algn="l" rtl="0" fontAlgn="base">
+                <a:spcBef>
+                  <a:spcPct val="0"/>
+                </a:spcBef>
+                <a:spcAft>
+                  <a:spcPct val="0"/>
+                </a:spcAft>
+                <a:defRPr u="sng" kern="1200">
+                  <a:solidFill>
+                    <a:schemeClr val="tx1"/>
+                  </a:solidFill>
+                  <a:latin typeface="Arial" panose="020B0604020202020204" pitchFamily="34" charset="0"/>
+                  <a:ea typeface="+mn-ea"/>
+                  <a:cs typeface="+mn-cs"/>
+                </a:defRPr>
+              </a:lvl3pPr>
+              <a:lvl4pPr marL="1371600" algn="l" rtl="0" fontAlgn="base">
+                <a:spcBef>
+                  <a:spcPct val="0"/>
+                </a:spcBef>
+                <a:spcAft>
+                  <a:spcPct val="0"/>
+                </a:spcAft>
+                <a:defRPr u="sng" kern="1200">
+                  <a:solidFill>
+                    <a:schemeClr val="tx1"/>
+                  </a:solidFill>
+                  <a:latin typeface="Arial" panose="020B0604020202020204" pitchFamily="34" charset="0"/>
+                  <a:ea typeface="+mn-ea"/>
+                  <a:cs typeface="+mn-cs"/>
+                </a:defRPr>
+              </a:lvl4pPr>
+              <a:lvl5pPr marL="1828800" algn="l" rtl="0" fontAlgn="base">
+                <a:spcBef>
+                  <a:spcPct val="0"/>
+                </a:spcBef>
+                <a:spcAft>
+                  <a:spcPct val="0"/>
+                </a:spcAft>
+                <a:defRPr u="sng" kern="1200">
+                  <a:solidFill>
+                    <a:schemeClr val="tx1"/>
+                  </a:solidFill>
+                  <a:latin typeface="Arial" panose="020B0604020202020204" pitchFamily="34" charset="0"/>
+                  <a:ea typeface="+mn-ea"/>
+                  <a:cs typeface="+mn-cs"/>
+                </a:defRPr>
+              </a:lvl5pPr>
+              <a:lvl6pPr marL="2286000" algn="l" defTabSz="914400" rtl="0" eaLnBrk="1" latinLnBrk="0" hangingPunct="1">
+                <a:defRPr u="sng" kern="1200">
+                  <a:solidFill>
+                    <a:schemeClr val="tx1"/>
+                  </a:solidFill>
+                  <a:latin typeface="Arial" panose="020B0604020202020204" pitchFamily="34" charset="0"/>
+                  <a:ea typeface="+mn-ea"/>
+                  <a:cs typeface="+mn-cs"/>
+                </a:defRPr>
+              </a:lvl6pPr>
+              <a:lvl7pPr marL="2743200" algn="l" defTabSz="914400" rtl="0" eaLnBrk="1" latinLnBrk="0" hangingPunct="1">
+                <a:defRPr u="sng" kern="1200">
+                  <a:solidFill>
+                    <a:schemeClr val="tx1"/>
+                  </a:solidFill>
+                  <a:latin typeface="Arial" panose="020B0604020202020204" pitchFamily="34" charset="0"/>
+                  <a:ea typeface="+mn-ea"/>
+                  <a:cs typeface="+mn-cs"/>
+                </a:defRPr>
+              </a:lvl7pPr>
+              <a:lvl8pPr marL="3200400" algn="l" defTabSz="914400" rtl="0" eaLnBrk="1" latinLnBrk="0" hangingPunct="1">
+                <a:defRPr u="sng" kern="1200">
+                  <a:solidFill>
+                    <a:schemeClr val="tx1"/>
+                  </a:solidFill>
+                  <a:latin typeface="Arial" panose="020B0604020202020204" pitchFamily="34" charset="0"/>
+                  <a:ea typeface="+mn-ea"/>
+                  <a:cs typeface="+mn-cs"/>
+                </a:defRPr>
+              </a:lvl8pPr>
+              <a:lvl9pPr marL="3657600" algn="l" defTabSz="914400" rtl="0" eaLnBrk="1" latinLnBrk="0" hangingPunct="1">
+                <a:defRPr u="sng" kern="1200">
+                  <a:solidFill>
+                    <a:schemeClr val="tx1"/>
+                  </a:solidFill>
+                  <a:latin typeface="Arial" panose="020B0604020202020204" pitchFamily="34" charset="0"/>
+                  <a:ea typeface="+mn-ea"/>
+                  <a:cs typeface="+mn-cs"/>
+                </a:defRPr>
+              </a:lvl9pPr>
+            </a:lstStyle>
+            <a:p>
+              <a:pPr fontAlgn="auto">
+                <a:spcBef>
+                  <a:spcPts val="0"/>
+                </a:spcBef>
+                <a:spcAft>
+                  <a:spcPts val="0"/>
+                </a:spcAft>
+                <a:defRPr/>
+              </a:pPr>
+              <a:endParaRPr lang="it-IT" u="none" kern="0">
+                <a:solidFill>
+                  <a:sysClr val="windowText" lastClr="000000"/>
+                </a:solidFill>
+                <a:latin typeface="Calibri" pitchFamily="34" charset="0"/>
+              </a:endParaRPr>
+            </a:p>
+          </p:txBody>
+        </p:sp>
+        <p:sp>
+          <p:nvSpPr>
+            <p:cNvPr id="6" name="Rectangle 1664"/>
+            <p:cNvSpPr>
+              <a:spLocks noChangeArrowheads="1"/>
+            </p:cNvSpPr>
+            <p:nvPr/>
+          </p:nvSpPr>
+          <p:spPr bwMode="auto">
+            <a:xfrm>
+              <a:off x="191" y="3625"/>
+              <a:ext cx="1041" cy="123"/>
+            </a:xfrm>
+            <a:prstGeom prst="rect">
+              <a:avLst/>
+            </a:prstGeom>
+            <a:solidFill>
+              <a:srgbClr val="BBE0E3"/>
+            </a:solidFill>
+            <a:ln w="28575">
+              <a:solidFill>
+                <a:srgbClr val="000000"/>
+              </a:solidFill>
+              <a:miter lim="800000"/>
+              <a:headEnd/>
+              <a:tailEnd/>
+            </a:ln>
+          </p:spPr>
+          <p:txBody>
+            <a:bodyPr wrap="none" anchor="ctr"/>
+            <a:lstStyle>
+              <a:defPPr>
+                <a:defRPr lang="it-IT"/>
+              </a:defPPr>
+              <a:lvl1pPr algn="l" rtl="0" fontAlgn="base">
+                <a:spcBef>
+                  <a:spcPct val="0"/>
+                </a:spcBef>
+                <a:spcAft>
+                  <a:spcPct val="0"/>
+                </a:spcAft>
+                <a:defRPr u="sng" kern="1200">
+                  <a:solidFill>
+                    <a:schemeClr val="tx1"/>
+                  </a:solidFill>
+                  <a:latin typeface="Arial" panose="020B0604020202020204" pitchFamily="34" charset="0"/>
+                  <a:ea typeface="+mn-ea"/>
+                  <a:cs typeface="+mn-cs"/>
+                </a:defRPr>
+              </a:lvl1pPr>
+              <a:lvl2pPr marL="457200" algn="l" rtl="0" fontAlgn="base">
+                <a:spcBef>
+                  <a:spcPct val="0"/>
+                </a:spcBef>
+                <a:spcAft>
+                  <a:spcPct val="0"/>
+                </a:spcAft>
+                <a:defRPr u="sng" kern="1200">
+                  <a:solidFill>
+                    <a:schemeClr val="tx1"/>
+                  </a:solidFill>
+                  <a:latin typeface="Arial" panose="020B0604020202020204" pitchFamily="34" charset="0"/>
+                  <a:ea typeface="+mn-ea"/>
+                  <a:cs typeface="+mn-cs"/>
+                </a:defRPr>
+              </a:lvl2pPr>
+              <a:lvl3pPr marL="914400" algn="l" rtl="0" fontAlgn="base">
+                <a:spcBef>
+                  <a:spcPct val="0"/>
+                </a:spcBef>
+                <a:spcAft>
+                  <a:spcPct val="0"/>
+                </a:spcAft>
+                <a:defRPr u="sng" kern="1200">
+                  <a:solidFill>
+                    <a:schemeClr val="tx1"/>
+                  </a:solidFill>
+                  <a:latin typeface="Arial" panose="020B0604020202020204" pitchFamily="34" charset="0"/>
+                  <a:ea typeface="+mn-ea"/>
+                  <a:cs typeface="+mn-cs"/>
+                </a:defRPr>
+              </a:lvl3pPr>
+              <a:lvl4pPr marL="1371600" algn="l" rtl="0" fontAlgn="base">
+                <a:spcBef>
+                  <a:spcPct val="0"/>
+                </a:spcBef>
+                <a:spcAft>
+                  <a:spcPct val="0"/>
+                </a:spcAft>
+                <a:defRPr u="sng" kern="1200">
+                  <a:solidFill>
+                    <a:schemeClr val="tx1"/>
+                  </a:solidFill>
+                  <a:latin typeface="Arial" panose="020B0604020202020204" pitchFamily="34" charset="0"/>
+                  <a:ea typeface="+mn-ea"/>
+                  <a:cs typeface="+mn-cs"/>
+                </a:defRPr>
+              </a:lvl4pPr>
+              <a:lvl5pPr marL="1828800" algn="l" rtl="0" fontAlgn="base">
+                <a:spcBef>
+                  <a:spcPct val="0"/>
+                </a:spcBef>
+                <a:spcAft>
+                  <a:spcPct val="0"/>
+                </a:spcAft>
+                <a:defRPr u="sng" kern="1200">
+                  <a:solidFill>
+                    <a:schemeClr val="tx1"/>
+                  </a:solidFill>
+                  <a:latin typeface="Arial" panose="020B0604020202020204" pitchFamily="34" charset="0"/>
+                  <a:ea typeface="+mn-ea"/>
+                  <a:cs typeface="+mn-cs"/>
+                </a:defRPr>
+              </a:lvl5pPr>
+              <a:lvl6pPr marL="2286000" algn="l" defTabSz="914400" rtl="0" eaLnBrk="1" latinLnBrk="0" hangingPunct="1">
+                <a:defRPr u="sng" kern="1200">
+                  <a:solidFill>
+                    <a:schemeClr val="tx1"/>
+                  </a:solidFill>
+                  <a:latin typeface="Arial" panose="020B0604020202020204" pitchFamily="34" charset="0"/>
+                  <a:ea typeface="+mn-ea"/>
+                  <a:cs typeface="+mn-cs"/>
+                </a:defRPr>
+              </a:lvl6pPr>
+              <a:lvl7pPr marL="2743200" algn="l" defTabSz="914400" rtl="0" eaLnBrk="1" latinLnBrk="0" hangingPunct="1">
+                <a:defRPr u="sng" kern="1200">
+                  <a:solidFill>
+                    <a:schemeClr val="tx1"/>
+                  </a:solidFill>
+                  <a:latin typeface="Arial" panose="020B0604020202020204" pitchFamily="34" charset="0"/>
+                  <a:ea typeface="+mn-ea"/>
+                  <a:cs typeface="+mn-cs"/>
+                </a:defRPr>
+              </a:lvl7pPr>
+              <a:lvl8pPr marL="3200400" algn="l" defTabSz="914400" rtl="0" eaLnBrk="1" latinLnBrk="0" hangingPunct="1">
+                <a:defRPr u="sng" kern="1200">
+                  <a:solidFill>
+                    <a:schemeClr val="tx1"/>
+                  </a:solidFill>
+                  <a:latin typeface="Arial" panose="020B0604020202020204" pitchFamily="34" charset="0"/>
+                  <a:ea typeface="+mn-ea"/>
+                  <a:cs typeface="+mn-cs"/>
+                </a:defRPr>
+              </a:lvl8pPr>
+              <a:lvl9pPr marL="3657600" algn="l" defTabSz="914400" rtl="0" eaLnBrk="1" latinLnBrk="0" hangingPunct="1">
+                <a:defRPr u="sng" kern="1200">
+                  <a:solidFill>
+                    <a:schemeClr val="tx1"/>
+                  </a:solidFill>
+                  <a:latin typeface="Arial" panose="020B0604020202020204" pitchFamily="34" charset="0"/>
+                  <a:ea typeface="+mn-ea"/>
+                  <a:cs typeface="+mn-cs"/>
+                </a:defRPr>
+              </a:lvl9pPr>
+            </a:lstStyle>
+            <a:p>
+              <a:pPr algn="ctr" fontAlgn="auto">
+                <a:spcBef>
+                  <a:spcPts val="0"/>
+                </a:spcBef>
+                <a:spcAft>
+                  <a:spcPts val="0"/>
+                </a:spcAft>
+                <a:defRPr/>
+              </a:pPr>
+              <a:r>
+                <a:rPr lang="en-US" sz="1200" u="none" kern="0">
+                  <a:solidFill>
+                    <a:sysClr val="windowText" lastClr="000000"/>
+                  </a:solidFill>
+                  <a:latin typeface="Calibri" pitchFamily="34" charset="0"/>
+                </a:rPr>
+                <a:t>Class</a:t>
+              </a:r>
+              <a:r>
+                <a:rPr lang="en-US" sz="800" u="none" kern="0">
+                  <a:solidFill>
+                    <a:sysClr val="windowText" lastClr="000000"/>
+                  </a:solidFill>
+                  <a:latin typeface="Arial" charset="0"/>
+                </a:rPr>
+                <a:t> </a:t>
+              </a:r>
+              <a:r>
+                <a:rPr lang="en-US" sz="1200" u="none" kern="0">
+                  <a:solidFill>
+                    <a:sysClr val="windowText" lastClr="000000"/>
+                  </a:solidFill>
+                  <a:latin typeface="Calibri" pitchFamily="34" charset="0"/>
+                </a:rPr>
+                <a:t>Instance</a:t>
+              </a:r>
+              <a:endParaRPr lang="it-IT" sz="1200" u="none" kern="0">
+                <a:solidFill>
+                  <a:sysClr val="windowText" lastClr="000000"/>
+                </a:solidFill>
+                <a:latin typeface="Calibri" pitchFamily="34" charset="0"/>
+              </a:endParaRPr>
+            </a:p>
+          </p:txBody>
+        </p:sp>
+        <p:sp>
+          <p:nvSpPr>
+            <p:cNvPr id="7" name="Text Box 1665"/>
+            <p:cNvSpPr txBox="1">
+              <a:spLocks noChangeArrowheads="1"/>
+            </p:cNvSpPr>
+            <p:nvPr/>
+          </p:nvSpPr>
+          <p:spPr bwMode="auto">
+            <a:xfrm>
+              <a:off x="238" y="3387"/>
+              <a:ext cx="520" cy="179"/>
+            </a:xfrm>
+            <a:prstGeom prst="rect">
+              <a:avLst/>
+            </a:prstGeom>
+            <a:noFill/>
+            <a:ln w="9525">
+              <a:solidFill>
+                <a:srgbClr val="000000"/>
+              </a:solidFill>
+              <a:prstDash val="lgDash"/>
+              <a:miter lim="800000"/>
+              <a:headEnd/>
+              <a:tailEnd/>
+            </a:ln>
+          </p:spPr>
+          <p:txBody>
+            <a:bodyPr>
+              <a:spAutoFit/>
+            </a:bodyPr>
+            <a:lstStyle>
+              <a:defPPr>
+                <a:defRPr lang="it-IT"/>
+              </a:defPPr>
+              <a:lvl1pPr algn="l" rtl="0" fontAlgn="base">
+                <a:spcBef>
+                  <a:spcPct val="0"/>
+                </a:spcBef>
+                <a:spcAft>
+                  <a:spcPct val="0"/>
+                </a:spcAft>
+                <a:defRPr u="sng" kern="1200">
+                  <a:solidFill>
+                    <a:schemeClr val="tx1"/>
+                  </a:solidFill>
+                  <a:latin typeface="Arial" panose="020B0604020202020204" pitchFamily="34" charset="0"/>
+                  <a:ea typeface="+mn-ea"/>
+                  <a:cs typeface="+mn-cs"/>
+                </a:defRPr>
+              </a:lvl1pPr>
+              <a:lvl2pPr marL="457200" algn="l" rtl="0" fontAlgn="base">
+                <a:spcBef>
+                  <a:spcPct val="0"/>
+                </a:spcBef>
+                <a:spcAft>
+                  <a:spcPct val="0"/>
+                </a:spcAft>
+                <a:defRPr u="sng" kern="1200">
+                  <a:solidFill>
+                    <a:schemeClr val="tx1"/>
+                  </a:solidFill>
+                  <a:latin typeface="Arial" panose="020B0604020202020204" pitchFamily="34" charset="0"/>
+                  <a:ea typeface="+mn-ea"/>
+                  <a:cs typeface="+mn-cs"/>
+                </a:defRPr>
+              </a:lvl2pPr>
+              <a:lvl3pPr marL="914400" algn="l" rtl="0" fontAlgn="base">
+                <a:spcBef>
+                  <a:spcPct val="0"/>
+                </a:spcBef>
+                <a:spcAft>
+                  <a:spcPct val="0"/>
+                </a:spcAft>
+                <a:defRPr u="sng" kern="1200">
+                  <a:solidFill>
+                    <a:schemeClr val="tx1"/>
+                  </a:solidFill>
+                  <a:latin typeface="Arial" panose="020B0604020202020204" pitchFamily="34" charset="0"/>
+                  <a:ea typeface="+mn-ea"/>
+                  <a:cs typeface="+mn-cs"/>
+                </a:defRPr>
+              </a:lvl3pPr>
+              <a:lvl4pPr marL="1371600" algn="l" rtl="0" fontAlgn="base">
+                <a:spcBef>
+                  <a:spcPct val="0"/>
+                </a:spcBef>
+                <a:spcAft>
+                  <a:spcPct val="0"/>
+                </a:spcAft>
+                <a:defRPr u="sng" kern="1200">
+                  <a:solidFill>
+                    <a:schemeClr val="tx1"/>
+                  </a:solidFill>
+                  <a:latin typeface="Arial" panose="020B0604020202020204" pitchFamily="34" charset="0"/>
+                  <a:ea typeface="+mn-ea"/>
+                  <a:cs typeface="+mn-cs"/>
+                </a:defRPr>
+              </a:lvl4pPr>
+              <a:lvl5pPr marL="1828800" algn="l" rtl="0" fontAlgn="base">
+                <a:spcBef>
+                  <a:spcPct val="0"/>
+                </a:spcBef>
+                <a:spcAft>
+                  <a:spcPct val="0"/>
+                </a:spcAft>
+                <a:defRPr u="sng" kern="1200">
+                  <a:solidFill>
+                    <a:schemeClr val="tx1"/>
+                  </a:solidFill>
+                  <a:latin typeface="Arial" panose="020B0604020202020204" pitchFamily="34" charset="0"/>
+                  <a:ea typeface="+mn-ea"/>
+                  <a:cs typeface="+mn-cs"/>
+                </a:defRPr>
+              </a:lvl5pPr>
+              <a:lvl6pPr marL="2286000" algn="l" defTabSz="914400" rtl="0" eaLnBrk="1" latinLnBrk="0" hangingPunct="1">
+                <a:defRPr u="sng" kern="1200">
+                  <a:solidFill>
+                    <a:schemeClr val="tx1"/>
+                  </a:solidFill>
+                  <a:latin typeface="Arial" panose="020B0604020202020204" pitchFamily="34" charset="0"/>
+                  <a:ea typeface="+mn-ea"/>
+                  <a:cs typeface="+mn-cs"/>
+                </a:defRPr>
+              </a:lvl6pPr>
+              <a:lvl7pPr marL="2743200" algn="l" defTabSz="914400" rtl="0" eaLnBrk="1" latinLnBrk="0" hangingPunct="1">
+                <a:defRPr u="sng" kern="1200">
+                  <a:solidFill>
+                    <a:schemeClr val="tx1"/>
+                  </a:solidFill>
+                  <a:latin typeface="Arial" panose="020B0604020202020204" pitchFamily="34" charset="0"/>
+                  <a:ea typeface="+mn-ea"/>
+                  <a:cs typeface="+mn-cs"/>
+                </a:defRPr>
+              </a:lvl7pPr>
+              <a:lvl8pPr marL="3200400" algn="l" defTabSz="914400" rtl="0" eaLnBrk="1" latinLnBrk="0" hangingPunct="1">
+                <a:defRPr u="sng" kern="1200">
+                  <a:solidFill>
+                    <a:schemeClr val="tx1"/>
+                  </a:solidFill>
+                  <a:latin typeface="Arial" panose="020B0604020202020204" pitchFamily="34" charset="0"/>
+                  <a:ea typeface="+mn-ea"/>
+                  <a:cs typeface="+mn-cs"/>
+                </a:defRPr>
+              </a:lvl8pPr>
+              <a:lvl9pPr marL="3657600" algn="l" defTabSz="914400" rtl="0" eaLnBrk="1" latinLnBrk="0" hangingPunct="1">
+                <a:defRPr u="sng" kern="1200">
+                  <a:solidFill>
+                    <a:schemeClr val="tx1"/>
+                  </a:solidFill>
+                  <a:latin typeface="Arial" panose="020B0604020202020204" pitchFamily="34" charset="0"/>
+                  <a:ea typeface="+mn-ea"/>
+                  <a:cs typeface="+mn-cs"/>
+                </a:defRPr>
+              </a:lvl9pPr>
+            </a:lstStyle>
+            <a:p>
+              <a:pPr algn="ctr" fontAlgn="auto">
+                <a:spcBef>
+                  <a:spcPts val="0"/>
+                </a:spcBef>
+                <a:spcAft>
+                  <a:spcPts val="0"/>
+                </a:spcAft>
+                <a:defRPr/>
+              </a:pPr>
+              <a:r>
+                <a:rPr lang="en-US" sz="1200" u="none" kern="0">
+                  <a:solidFill>
+                    <a:sysClr val="windowText" lastClr="000000"/>
+                  </a:solidFill>
+                  <a:latin typeface="Calibri" pitchFamily="34" charset="0"/>
+                </a:rPr>
+                <a:t>Property</a:t>
+              </a:r>
+              <a:endParaRPr lang="it-IT" sz="1200" u="none" kern="0">
+                <a:solidFill>
+                  <a:sysClr val="windowText" lastClr="000000"/>
+                </a:solidFill>
+                <a:latin typeface="Calibri" pitchFamily="34" charset="0"/>
+              </a:endParaRPr>
+            </a:p>
+          </p:txBody>
+        </p:sp>
+        <p:sp>
+          <p:nvSpPr>
+            <p:cNvPr id="8" name="AutoShape 1666"/>
+            <p:cNvSpPr>
+              <a:spLocks noChangeArrowheads="1"/>
+            </p:cNvSpPr>
+            <p:nvPr/>
+          </p:nvSpPr>
+          <p:spPr bwMode="auto">
+            <a:xfrm>
+              <a:off x="191" y="3815"/>
+              <a:ext cx="1041" cy="159"/>
+            </a:xfrm>
+            <a:prstGeom prst="hexagon">
+              <a:avLst>
+                <a:gd name="adj" fmla="val 137845"/>
+                <a:gd name="vf" fmla="val 115470"/>
+              </a:avLst>
+            </a:prstGeom>
+            <a:solidFill>
+              <a:srgbClr val="2D2D8A">
+                <a:lumMod val="40000"/>
+                <a:lumOff val="60000"/>
+              </a:srgbClr>
+            </a:solidFill>
+            <a:ln w="28575">
+              <a:solidFill>
+                <a:srgbClr val="000000"/>
+              </a:solidFill>
+              <a:miter lim="800000"/>
+              <a:headEnd/>
+              <a:tailEnd/>
+            </a:ln>
+            <a:effectLst/>
+          </p:spPr>
+          <p:txBody>
+            <a:bodyPr wrap="none" anchor="ctr"/>
+            <a:lstStyle>
+              <a:defPPr>
+                <a:defRPr lang="it-IT"/>
+              </a:defPPr>
+              <a:lvl1pPr algn="l" rtl="0" fontAlgn="base">
+                <a:spcBef>
+                  <a:spcPct val="0"/>
+                </a:spcBef>
+                <a:spcAft>
+                  <a:spcPct val="0"/>
+                </a:spcAft>
+                <a:defRPr u="sng" kern="1200">
+                  <a:solidFill>
+                    <a:schemeClr val="tx1"/>
+                  </a:solidFill>
+                  <a:latin typeface="Arial" panose="020B0604020202020204" pitchFamily="34" charset="0"/>
+                  <a:ea typeface="+mn-ea"/>
+                  <a:cs typeface="+mn-cs"/>
+                </a:defRPr>
+              </a:lvl1pPr>
+              <a:lvl2pPr marL="457200" algn="l" rtl="0" fontAlgn="base">
+                <a:spcBef>
+                  <a:spcPct val="0"/>
+                </a:spcBef>
+                <a:spcAft>
+                  <a:spcPct val="0"/>
+                </a:spcAft>
+                <a:defRPr u="sng" kern="1200">
+                  <a:solidFill>
+                    <a:schemeClr val="tx1"/>
+                  </a:solidFill>
+                  <a:latin typeface="Arial" panose="020B0604020202020204" pitchFamily="34" charset="0"/>
+                  <a:ea typeface="+mn-ea"/>
+                  <a:cs typeface="+mn-cs"/>
+                </a:defRPr>
+              </a:lvl2pPr>
+              <a:lvl3pPr marL="914400" algn="l" rtl="0" fontAlgn="base">
+                <a:spcBef>
+                  <a:spcPct val="0"/>
+                </a:spcBef>
+                <a:spcAft>
+                  <a:spcPct val="0"/>
+                </a:spcAft>
+                <a:defRPr u="sng" kern="1200">
+                  <a:solidFill>
+                    <a:schemeClr val="tx1"/>
+                  </a:solidFill>
+                  <a:latin typeface="Arial" panose="020B0604020202020204" pitchFamily="34" charset="0"/>
+                  <a:ea typeface="+mn-ea"/>
+                  <a:cs typeface="+mn-cs"/>
+                </a:defRPr>
+              </a:lvl3pPr>
+              <a:lvl4pPr marL="1371600" algn="l" rtl="0" fontAlgn="base">
+                <a:spcBef>
+                  <a:spcPct val="0"/>
+                </a:spcBef>
+                <a:spcAft>
+                  <a:spcPct val="0"/>
+                </a:spcAft>
+                <a:defRPr u="sng" kern="1200">
+                  <a:solidFill>
+                    <a:schemeClr val="tx1"/>
+                  </a:solidFill>
+                  <a:latin typeface="Arial" panose="020B0604020202020204" pitchFamily="34" charset="0"/>
+                  <a:ea typeface="+mn-ea"/>
+                  <a:cs typeface="+mn-cs"/>
+                </a:defRPr>
+              </a:lvl4pPr>
+              <a:lvl5pPr marL="1828800" algn="l" rtl="0" fontAlgn="base">
+                <a:spcBef>
+                  <a:spcPct val="0"/>
+                </a:spcBef>
+                <a:spcAft>
+                  <a:spcPct val="0"/>
+                </a:spcAft>
+                <a:defRPr u="sng" kern="1200">
+                  <a:solidFill>
+                    <a:schemeClr val="tx1"/>
+                  </a:solidFill>
+                  <a:latin typeface="Arial" panose="020B0604020202020204" pitchFamily="34" charset="0"/>
+                  <a:ea typeface="+mn-ea"/>
+                  <a:cs typeface="+mn-cs"/>
+                </a:defRPr>
+              </a:lvl5pPr>
+              <a:lvl6pPr marL="2286000" algn="l" defTabSz="914400" rtl="0" eaLnBrk="1" latinLnBrk="0" hangingPunct="1">
+                <a:defRPr u="sng" kern="1200">
+                  <a:solidFill>
+                    <a:schemeClr val="tx1"/>
+                  </a:solidFill>
+                  <a:latin typeface="Arial" panose="020B0604020202020204" pitchFamily="34" charset="0"/>
+                  <a:ea typeface="+mn-ea"/>
+                  <a:cs typeface="+mn-cs"/>
+                </a:defRPr>
+              </a:lvl6pPr>
+              <a:lvl7pPr marL="2743200" algn="l" defTabSz="914400" rtl="0" eaLnBrk="1" latinLnBrk="0" hangingPunct="1">
+                <a:defRPr u="sng" kern="1200">
+                  <a:solidFill>
+                    <a:schemeClr val="tx1"/>
+                  </a:solidFill>
+                  <a:latin typeface="Arial" panose="020B0604020202020204" pitchFamily="34" charset="0"/>
+                  <a:ea typeface="+mn-ea"/>
+                  <a:cs typeface="+mn-cs"/>
+                </a:defRPr>
+              </a:lvl7pPr>
+              <a:lvl8pPr marL="3200400" algn="l" defTabSz="914400" rtl="0" eaLnBrk="1" latinLnBrk="0" hangingPunct="1">
+                <a:defRPr u="sng" kern="1200">
+                  <a:solidFill>
+                    <a:schemeClr val="tx1"/>
+                  </a:solidFill>
+                  <a:latin typeface="Arial" panose="020B0604020202020204" pitchFamily="34" charset="0"/>
+                  <a:ea typeface="+mn-ea"/>
+                  <a:cs typeface="+mn-cs"/>
+                </a:defRPr>
+              </a:lvl8pPr>
+              <a:lvl9pPr marL="3657600" algn="l" defTabSz="914400" rtl="0" eaLnBrk="1" latinLnBrk="0" hangingPunct="1">
+                <a:defRPr u="sng" kern="1200">
+                  <a:solidFill>
+                    <a:schemeClr val="tx1"/>
+                  </a:solidFill>
+                  <a:latin typeface="Arial" panose="020B0604020202020204" pitchFamily="34" charset="0"/>
+                  <a:ea typeface="+mn-ea"/>
+                  <a:cs typeface="+mn-cs"/>
+                </a:defRPr>
+              </a:lvl9pPr>
+            </a:lstStyle>
+            <a:p>
+              <a:pPr algn="ctr" fontAlgn="auto">
+                <a:spcBef>
+                  <a:spcPts val="0"/>
+                </a:spcBef>
+                <a:spcAft>
+                  <a:spcPts val="0"/>
+                </a:spcAft>
+                <a:defRPr/>
+              </a:pPr>
+              <a:r>
+                <a:rPr lang="en-US" sz="1200" u="none" kern="0">
+                  <a:solidFill>
+                    <a:sysClr val="windowText" lastClr="000000"/>
+                  </a:solidFill>
+                  <a:latin typeface="Calibri" pitchFamily="34" charset="0"/>
+                </a:rPr>
+                <a:t>Literal</a:t>
+              </a:r>
+              <a:endParaRPr lang="it-IT" sz="1200" u="none" kern="0">
+                <a:solidFill>
+                  <a:sysClr val="windowText" lastClr="000000"/>
+                </a:solidFill>
+                <a:latin typeface="Calibri" pitchFamily="34" charset="0"/>
+              </a:endParaRPr>
+            </a:p>
+          </p:txBody>
+        </p:sp>
+        <p:sp>
+          <p:nvSpPr>
+            <p:cNvPr id="9" name="Line 1667"/>
+            <p:cNvSpPr>
+              <a:spLocks noChangeShapeType="1"/>
+            </p:cNvSpPr>
+            <p:nvPr/>
+          </p:nvSpPr>
+          <p:spPr bwMode="auto">
+            <a:xfrm>
+              <a:off x="806" y="3467"/>
+              <a:ext cx="379" cy="2"/>
+            </a:xfrm>
+            <a:prstGeom prst="line">
+              <a:avLst/>
+            </a:prstGeom>
+            <a:noFill/>
+            <a:ln w="12700">
+              <a:solidFill>
+                <a:srgbClr val="000000"/>
+              </a:solidFill>
+              <a:prstDash val="dash"/>
+              <a:round/>
+              <a:headEnd/>
+              <a:tailEnd type="triangle" w="med" len="med"/>
+            </a:ln>
+          </p:spPr>
+          <p:txBody>
+            <a:bodyPr/>
+            <a:lstStyle>
+              <a:defPPr>
+                <a:defRPr lang="it-IT"/>
+              </a:defPPr>
+              <a:lvl1pPr algn="l" rtl="0" fontAlgn="base">
+                <a:spcBef>
+                  <a:spcPct val="0"/>
+                </a:spcBef>
+                <a:spcAft>
+                  <a:spcPct val="0"/>
+                </a:spcAft>
+                <a:defRPr u="sng" kern="1200">
+                  <a:solidFill>
+                    <a:schemeClr val="tx1"/>
+                  </a:solidFill>
+                  <a:latin typeface="Arial" panose="020B0604020202020204" pitchFamily="34" charset="0"/>
+                  <a:ea typeface="+mn-ea"/>
+                  <a:cs typeface="+mn-cs"/>
+                </a:defRPr>
+              </a:lvl1pPr>
+              <a:lvl2pPr marL="457200" algn="l" rtl="0" fontAlgn="base">
+                <a:spcBef>
+                  <a:spcPct val="0"/>
+                </a:spcBef>
+                <a:spcAft>
+                  <a:spcPct val="0"/>
+                </a:spcAft>
+                <a:defRPr u="sng" kern="1200">
+                  <a:solidFill>
+                    <a:schemeClr val="tx1"/>
+                  </a:solidFill>
+                  <a:latin typeface="Arial" panose="020B0604020202020204" pitchFamily="34" charset="0"/>
+                  <a:ea typeface="+mn-ea"/>
+                  <a:cs typeface="+mn-cs"/>
+                </a:defRPr>
+              </a:lvl2pPr>
+              <a:lvl3pPr marL="914400" algn="l" rtl="0" fontAlgn="base">
+                <a:spcBef>
+                  <a:spcPct val="0"/>
+                </a:spcBef>
+                <a:spcAft>
+                  <a:spcPct val="0"/>
+                </a:spcAft>
+                <a:defRPr u="sng" kern="1200">
+                  <a:solidFill>
+                    <a:schemeClr val="tx1"/>
+                  </a:solidFill>
+                  <a:latin typeface="Arial" panose="020B0604020202020204" pitchFamily="34" charset="0"/>
+                  <a:ea typeface="+mn-ea"/>
+                  <a:cs typeface="+mn-cs"/>
+                </a:defRPr>
+              </a:lvl3pPr>
+              <a:lvl4pPr marL="1371600" algn="l" rtl="0" fontAlgn="base">
+                <a:spcBef>
+                  <a:spcPct val="0"/>
+                </a:spcBef>
+                <a:spcAft>
+                  <a:spcPct val="0"/>
+                </a:spcAft>
+                <a:defRPr u="sng" kern="1200">
+                  <a:solidFill>
+                    <a:schemeClr val="tx1"/>
+                  </a:solidFill>
+                  <a:latin typeface="Arial" panose="020B0604020202020204" pitchFamily="34" charset="0"/>
+                  <a:ea typeface="+mn-ea"/>
+                  <a:cs typeface="+mn-cs"/>
+                </a:defRPr>
+              </a:lvl4pPr>
+              <a:lvl5pPr marL="1828800" algn="l" rtl="0" fontAlgn="base">
+                <a:spcBef>
+                  <a:spcPct val="0"/>
+                </a:spcBef>
+                <a:spcAft>
+                  <a:spcPct val="0"/>
+                </a:spcAft>
+                <a:defRPr u="sng" kern="1200">
+                  <a:solidFill>
+                    <a:schemeClr val="tx1"/>
+                  </a:solidFill>
+                  <a:latin typeface="Arial" panose="020B0604020202020204" pitchFamily="34" charset="0"/>
+                  <a:ea typeface="+mn-ea"/>
+                  <a:cs typeface="+mn-cs"/>
+                </a:defRPr>
+              </a:lvl5pPr>
+              <a:lvl6pPr marL="2286000" algn="l" defTabSz="914400" rtl="0" eaLnBrk="1" latinLnBrk="0" hangingPunct="1">
+                <a:defRPr u="sng" kern="1200">
+                  <a:solidFill>
+                    <a:schemeClr val="tx1"/>
+                  </a:solidFill>
+                  <a:latin typeface="Arial" panose="020B0604020202020204" pitchFamily="34" charset="0"/>
+                  <a:ea typeface="+mn-ea"/>
+                  <a:cs typeface="+mn-cs"/>
+                </a:defRPr>
+              </a:lvl6pPr>
+              <a:lvl7pPr marL="2743200" algn="l" defTabSz="914400" rtl="0" eaLnBrk="1" latinLnBrk="0" hangingPunct="1">
+                <a:defRPr u="sng" kern="1200">
+                  <a:solidFill>
+                    <a:schemeClr val="tx1"/>
+                  </a:solidFill>
+                  <a:latin typeface="Arial" panose="020B0604020202020204" pitchFamily="34" charset="0"/>
+                  <a:ea typeface="+mn-ea"/>
+                  <a:cs typeface="+mn-cs"/>
+                </a:defRPr>
+              </a:lvl7pPr>
+              <a:lvl8pPr marL="3200400" algn="l" defTabSz="914400" rtl="0" eaLnBrk="1" latinLnBrk="0" hangingPunct="1">
+                <a:defRPr u="sng" kern="1200">
+                  <a:solidFill>
+                    <a:schemeClr val="tx1"/>
+                  </a:solidFill>
+                  <a:latin typeface="Arial" panose="020B0604020202020204" pitchFamily="34" charset="0"/>
+                  <a:ea typeface="+mn-ea"/>
+                  <a:cs typeface="+mn-cs"/>
+                </a:defRPr>
+              </a:lvl8pPr>
+              <a:lvl9pPr marL="3657600" algn="l" defTabSz="914400" rtl="0" eaLnBrk="1" latinLnBrk="0" hangingPunct="1">
+                <a:defRPr u="sng" kern="1200">
+                  <a:solidFill>
+                    <a:schemeClr val="tx1"/>
+                  </a:solidFill>
+                  <a:latin typeface="Arial" panose="020B0604020202020204" pitchFamily="34" charset="0"/>
+                  <a:ea typeface="+mn-ea"/>
+                  <a:cs typeface="+mn-cs"/>
+                </a:defRPr>
+              </a:lvl9pPr>
+            </a:lstStyle>
+            <a:p>
+              <a:pPr fontAlgn="auto">
+                <a:spcBef>
+                  <a:spcPts val="0"/>
+                </a:spcBef>
+                <a:spcAft>
+                  <a:spcPts val="0"/>
+                </a:spcAft>
+                <a:defRPr/>
+              </a:pPr>
+              <a:endParaRPr lang="it-IT" u="none" kern="0">
+                <a:solidFill>
+                  <a:sysClr val="windowText" lastClr="000000"/>
+                </a:solidFill>
+                <a:latin typeface="Arial" charset="0"/>
+              </a:endParaRPr>
+            </a:p>
+          </p:txBody>
+        </p:sp>
+        <p:sp>
+          <p:nvSpPr>
+            <p:cNvPr id="10" name="Text Box 1680"/>
+            <p:cNvSpPr txBox="1">
+              <a:spLocks noChangeArrowheads="1"/>
+            </p:cNvSpPr>
+            <p:nvPr/>
+          </p:nvSpPr>
+          <p:spPr bwMode="auto">
+            <a:xfrm>
+              <a:off x="249" y="2840"/>
+              <a:ext cx="624" cy="218"/>
+            </a:xfrm>
+            <a:prstGeom prst="rect">
+              <a:avLst/>
+            </a:prstGeom>
+            <a:noFill/>
+            <a:ln w="9525">
+              <a:solidFill>
+                <a:srgbClr val="FF0000"/>
+              </a:solidFill>
+              <a:prstDash val="lgDash"/>
+              <a:miter lim="800000"/>
+              <a:headEnd/>
+              <a:tailEnd/>
+            </a:ln>
+            <a:extLst>
+              <a:ext uri="{909E8E84-426E-40DD-AFC4-6F175D3DCCD1}">
+                <a14:hiddenFill xmlns:a14="http://schemas.microsoft.com/office/drawing/2010/main">
+                  <a:solidFill>
+                    <a:srgbClr val="FFFFFF"/>
+                  </a:solidFill>
+                </a14:hiddenFill>
+              </a:ext>
+            </a:extLst>
+          </p:spPr>
+          <p:txBody>
+            <a:bodyPr>
+              <a:spAutoFit/>
+            </a:bodyPr>
+            <a:lstStyle>
+              <a:defPPr>
+                <a:defRPr lang="it-IT"/>
+              </a:defPPr>
+              <a:lvl1pPr algn="l" rtl="0" fontAlgn="base">
+                <a:spcBef>
+                  <a:spcPct val="0"/>
+                </a:spcBef>
+                <a:spcAft>
+                  <a:spcPct val="0"/>
+                </a:spcAft>
+                <a:defRPr u="sng" kern="1200">
+                  <a:solidFill>
+                    <a:schemeClr val="tx1"/>
+                  </a:solidFill>
+                  <a:latin typeface="Arial" panose="020B0604020202020204" pitchFamily="34" charset="0"/>
+                  <a:ea typeface="+mn-ea"/>
+                  <a:cs typeface="+mn-cs"/>
+                </a:defRPr>
+              </a:lvl1pPr>
+              <a:lvl2pPr marL="457200" algn="l" rtl="0" fontAlgn="base">
+                <a:spcBef>
+                  <a:spcPct val="0"/>
+                </a:spcBef>
+                <a:spcAft>
+                  <a:spcPct val="0"/>
+                </a:spcAft>
+                <a:defRPr u="sng" kern="1200">
+                  <a:solidFill>
+                    <a:schemeClr val="tx1"/>
+                  </a:solidFill>
+                  <a:latin typeface="Arial" panose="020B0604020202020204" pitchFamily="34" charset="0"/>
+                  <a:ea typeface="+mn-ea"/>
+                  <a:cs typeface="+mn-cs"/>
+                </a:defRPr>
+              </a:lvl2pPr>
+              <a:lvl3pPr marL="914400" algn="l" rtl="0" fontAlgn="base">
+                <a:spcBef>
+                  <a:spcPct val="0"/>
+                </a:spcBef>
+                <a:spcAft>
+                  <a:spcPct val="0"/>
+                </a:spcAft>
+                <a:defRPr u="sng" kern="1200">
+                  <a:solidFill>
+                    <a:schemeClr val="tx1"/>
+                  </a:solidFill>
+                  <a:latin typeface="Arial" panose="020B0604020202020204" pitchFamily="34" charset="0"/>
+                  <a:ea typeface="+mn-ea"/>
+                  <a:cs typeface="+mn-cs"/>
+                </a:defRPr>
+              </a:lvl3pPr>
+              <a:lvl4pPr marL="1371600" algn="l" rtl="0" fontAlgn="base">
+                <a:spcBef>
+                  <a:spcPct val="0"/>
+                </a:spcBef>
+                <a:spcAft>
+                  <a:spcPct val="0"/>
+                </a:spcAft>
+                <a:defRPr u="sng" kern="1200">
+                  <a:solidFill>
+                    <a:schemeClr val="tx1"/>
+                  </a:solidFill>
+                  <a:latin typeface="Arial" panose="020B0604020202020204" pitchFamily="34" charset="0"/>
+                  <a:ea typeface="+mn-ea"/>
+                  <a:cs typeface="+mn-cs"/>
+                </a:defRPr>
+              </a:lvl4pPr>
+              <a:lvl5pPr marL="1828800" algn="l" rtl="0" fontAlgn="base">
+                <a:spcBef>
+                  <a:spcPct val="0"/>
+                </a:spcBef>
+                <a:spcAft>
+                  <a:spcPct val="0"/>
+                </a:spcAft>
+                <a:defRPr u="sng" kern="1200">
+                  <a:solidFill>
+                    <a:schemeClr val="tx1"/>
+                  </a:solidFill>
+                  <a:latin typeface="Arial" panose="020B0604020202020204" pitchFamily="34" charset="0"/>
+                  <a:ea typeface="+mn-ea"/>
+                  <a:cs typeface="+mn-cs"/>
+                </a:defRPr>
+              </a:lvl5pPr>
+              <a:lvl6pPr marL="2286000" algn="l" defTabSz="914400" rtl="0" eaLnBrk="1" latinLnBrk="0" hangingPunct="1">
+                <a:defRPr u="sng" kern="1200">
+                  <a:solidFill>
+                    <a:schemeClr val="tx1"/>
+                  </a:solidFill>
+                  <a:latin typeface="Arial" panose="020B0604020202020204" pitchFamily="34" charset="0"/>
+                  <a:ea typeface="+mn-ea"/>
+                  <a:cs typeface="+mn-cs"/>
+                </a:defRPr>
+              </a:lvl6pPr>
+              <a:lvl7pPr marL="2743200" algn="l" defTabSz="914400" rtl="0" eaLnBrk="1" latinLnBrk="0" hangingPunct="1">
+                <a:defRPr u="sng" kern="1200">
+                  <a:solidFill>
+                    <a:schemeClr val="tx1"/>
+                  </a:solidFill>
+                  <a:latin typeface="Arial" panose="020B0604020202020204" pitchFamily="34" charset="0"/>
+                  <a:ea typeface="+mn-ea"/>
+                  <a:cs typeface="+mn-cs"/>
+                </a:defRPr>
+              </a:lvl7pPr>
+              <a:lvl8pPr marL="3200400" algn="l" defTabSz="914400" rtl="0" eaLnBrk="1" latinLnBrk="0" hangingPunct="1">
+                <a:defRPr u="sng" kern="1200">
+                  <a:solidFill>
+                    <a:schemeClr val="tx1"/>
+                  </a:solidFill>
+                  <a:latin typeface="Arial" panose="020B0604020202020204" pitchFamily="34" charset="0"/>
+                  <a:ea typeface="+mn-ea"/>
+                  <a:cs typeface="+mn-cs"/>
+                </a:defRPr>
+              </a:lvl8pPr>
+              <a:lvl9pPr marL="3657600" algn="l" defTabSz="914400" rtl="0" eaLnBrk="1" latinLnBrk="0" hangingPunct="1">
+                <a:defRPr u="sng" kern="1200">
+                  <a:solidFill>
+                    <a:schemeClr val="tx1"/>
+                  </a:solidFill>
+                  <a:latin typeface="Arial" panose="020B0604020202020204" pitchFamily="34" charset="0"/>
+                  <a:ea typeface="+mn-ea"/>
+                  <a:cs typeface="+mn-cs"/>
+                </a:defRPr>
+              </a:lvl9pPr>
+            </a:lstStyle>
+            <a:p>
+              <a:pPr algn="ctr" eaLnBrk="1" hangingPunct="1"/>
+              <a:r>
+                <a:rPr lang="it-IT" altLang="it-IT" sz="1600" u="none">
+                  <a:solidFill>
+                    <a:srgbClr val="FF0000"/>
+                  </a:solidFill>
+                  <a:latin typeface="Calibri" panose="020F0502020204030204" pitchFamily="34" charset="0"/>
+                </a:rPr>
+                <a:t>rdf:type</a:t>
+              </a:r>
+            </a:p>
+          </p:txBody>
+        </p:sp>
+        <p:sp>
+          <p:nvSpPr>
+            <p:cNvPr id="11" name="Rettangolo arrotondato 5"/>
+            <p:cNvSpPr>
+              <a:spLocks noChangeArrowheads="1"/>
+            </p:cNvSpPr>
+            <p:nvPr/>
+          </p:nvSpPr>
+          <p:spPr bwMode="auto">
+            <a:xfrm>
+              <a:off x="249" y="3113"/>
+              <a:ext cx="624" cy="174"/>
+            </a:xfrm>
+            <a:prstGeom prst="roundRect">
+              <a:avLst>
+                <a:gd name="adj" fmla="val 16667"/>
+              </a:avLst>
+            </a:prstGeom>
+            <a:solidFill>
+              <a:srgbClr val="3C8C93"/>
+            </a:solidFill>
+            <a:ln w="25400" algn="ctr">
+              <a:solidFill>
+                <a:srgbClr val="262673"/>
+              </a:solidFill>
+              <a:round/>
+              <a:headEnd/>
+              <a:tailEnd/>
+            </a:ln>
+          </p:spPr>
+          <p:txBody>
+            <a:bodyPr anchor="ctr"/>
+            <a:lstStyle>
+              <a:defPPr>
+                <a:defRPr lang="it-IT"/>
+              </a:defPPr>
+              <a:lvl1pPr algn="l" rtl="0" fontAlgn="base">
+                <a:spcBef>
+                  <a:spcPct val="0"/>
+                </a:spcBef>
+                <a:spcAft>
+                  <a:spcPct val="0"/>
+                </a:spcAft>
+                <a:defRPr u="sng" kern="1200">
+                  <a:solidFill>
+                    <a:schemeClr val="tx1"/>
+                  </a:solidFill>
+                  <a:latin typeface="Arial" panose="020B0604020202020204" pitchFamily="34" charset="0"/>
+                  <a:ea typeface="+mn-ea"/>
+                  <a:cs typeface="+mn-cs"/>
+                </a:defRPr>
+              </a:lvl1pPr>
+              <a:lvl2pPr marL="457200" algn="l" rtl="0" fontAlgn="base">
+                <a:spcBef>
+                  <a:spcPct val="0"/>
+                </a:spcBef>
+                <a:spcAft>
+                  <a:spcPct val="0"/>
+                </a:spcAft>
+                <a:defRPr u="sng" kern="1200">
+                  <a:solidFill>
+                    <a:schemeClr val="tx1"/>
+                  </a:solidFill>
+                  <a:latin typeface="Arial" panose="020B0604020202020204" pitchFamily="34" charset="0"/>
+                  <a:ea typeface="+mn-ea"/>
+                  <a:cs typeface="+mn-cs"/>
+                </a:defRPr>
+              </a:lvl2pPr>
+              <a:lvl3pPr marL="914400" algn="l" rtl="0" fontAlgn="base">
+                <a:spcBef>
+                  <a:spcPct val="0"/>
+                </a:spcBef>
+                <a:spcAft>
+                  <a:spcPct val="0"/>
+                </a:spcAft>
+                <a:defRPr u="sng" kern="1200">
+                  <a:solidFill>
+                    <a:schemeClr val="tx1"/>
+                  </a:solidFill>
+                  <a:latin typeface="Arial" panose="020B0604020202020204" pitchFamily="34" charset="0"/>
+                  <a:ea typeface="+mn-ea"/>
+                  <a:cs typeface="+mn-cs"/>
+                </a:defRPr>
+              </a:lvl3pPr>
+              <a:lvl4pPr marL="1371600" algn="l" rtl="0" fontAlgn="base">
+                <a:spcBef>
+                  <a:spcPct val="0"/>
+                </a:spcBef>
+                <a:spcAft>
+                  <a:spcPct val="0"/>
+                </a:spcAft>
+                <a:defRPr u="sng" kern="1200">
+                  <a:solidFill>
+                    <a:schemeClr val="tx1"/>
+                  </a:solidFill>
+                  <a:latin typeface="Arial" panose="020B0604020202020204" pitchFamily="34" charset="0"/>
+                  <a:ea typeface="+mn-ea"/>
+                  <a:cs typeface="+mn-cs"/>
+                </a:defRPr>
+              </a:lvl4pPr>
+              <a:lvl5pPr marL="1828800" algn="l" rtl="0" fontAlgn="base">
+                <a:spcBef>
+                  <a:spcPct val="0"/>
+                </a:spcBef>
+                <a:spcAft>
+                  <a:spcPct val="0"/>
+                </a:spcAft>
+                <a:defRPr u="sng" kern="1200">
+                  <a:solidFill>
+                    <a:schemeClr val="tx1"/>
+                  </a:solidFill>
+                  <a:latin typeface="Arial" panose="020B0604020202020204" pitchFamily="34" charset="0"/>
+                  <a:ea typeface="+mn-ea"/>
+                  <a:cs typeface="+mn-cs"/>
+                </a:defRPr>
+              </a:lvl5pPr>
+              <a:lvl6pPr marL="2286000" algn="l" defTabSz="914400" rtl="0" eaLnBrk="1" latinLnBrk="0" hangingPunct="1">
+                <a:defRPr u="sng" kern="1200">
+                  <a:solidFill>
+                    <a:schemeClr val="tx1"/>
+                  </a:solidFill>
+                  <a:latin typeface="Arial" panose="020B0604020202020204" pitchFamily="34" charset="0"/>
+                  <a:ea typeface="+mn-ea"/>
+                  <a:cs typeface="+mn-cs"/>
+                </a:defRPr>
+              </a:lvl6pPr>
+              <a:lvl7pPr marL="2743200" algn="l" defTabSz="914400" rtl="0" eaLnBrk="1" latinLnBrk="0" hangingPunct="1">
+                <a:defRPr u="sng" kern="1200">
+                  <a:solidFill>
+                    <a:schemeClr val="tx1"/>
+                  </a:solidFill>
+                  <a:latin typeface="Arial" panose="020B0604020202020204" pitchFamily="34" charset="0"/>
+                  <a:ea typeface="+mn-ea"/>
+                  <a:cs typeface="+mn-cs"/>
+                </a:defRPr>
+              </a:lvl7pPr>
+              <a:lvl8pPr marL="3200400" algn="l" defTabSz="914400" rtl="0" eaLnBrk="1" latinLnBrk="0" hangingPunct="1">
+                <a:defRPr u="sng" kern="1200">
+                  <a:solidFill>
+                    <a:schemeClr val="tx1"/>
+                  </a:solidFill>
+                  <a:latin typeface="Arial" panose="020B0604020202020204" pitchFamily="34" charset="0"/>
+                  <a:ea typeface="+mn-ea"/>
+                  <a:cs typeface="+mn-cs"/>
+                </a:defRPr>
+              </a:lvl8pPr>
+              <a:lvl9pPr marL="3657600" algn="l" defTabSz="914400" rtl="0" eaLnBrk="1" latinLnBrk="0" hangingPunct="1">
+                <a:defRPr u="sng" kern="1200">
+                  <a:solidFill>
+                    <a:schemeClr val="tx1"/>
+                  </a:solidFill>
+                  <a:latin typeface="Arial" panose="020B0604020202020204" pitchFamily="34" charset="0"/>
+                  <a:ea typeface="+mn-ea"/>
+                  <a:cs typeface="+mn-cs"/>
+                </a:defRPr>
+              </a:lvl9pPr>
+            </a:lstStyle>
+            <a:p>
+              <a:pPr algn="ctr" eaLnBrk="1" hangingPunct="1"/>
+              <a:r>
+                <a:rPr lang="it-IT" altLang="it-IT" sz="1400" u="none">
+                  <a:solidFill>
+                    <a:srgbClr val="FFFFFF"/>
+                  </a:solidFill>
+                </a:rPr>
+                <a:t>CLASS</a:t>
+              </a:r>
+            </a:p>
+          </p:txBody>
+        </p:sp>
+      </p:grpSp>
+      <p:sp>
+        <p:nvSpPr>
+          <p:cNvPr id="14" name="Content Placeholder 13">
+            <a:extLst>
+              <a:ext uri="{FF2B5EF4-FFF2-40B4-BE49-F238E27FC236}">
+                <a16:creationId xmlns:a16="http://schemas.microsoft.com/office/drawing/2014/main" id="{90A0DE84-63C3-4664-B47D-F42A14CECB93}"/>
+              </a:ext>
+            </a:extLst>
+          </p:cNvPr>
+          <p:cNvSpPr>
+            <a:spLocks noGrp="1"/>
+          </p:cNvSpPr>
+          <p:nvPr>
+            <p:ph idx="1"/>
+          </p:nvPr>
+        </p:nvSpPr>
+        <p:spPr>
+          <a:xfrm>
+            <a:off x="6400800" y="2279561"/>
+            <a:ext cx="1790164" cy="425002"/>
+          </a:xfrm>
+          <a:prstGeom prst="roundRect">
+            <a:avLst/>
+          </a:prstGeom>
+        </p:spPr>
+        <p:style>
+          <a:lnRef idx="2">
+            <a:schemeClr val="accent1">
+              <a:shade val="50000"/>
+            </a:schemeClr>
+          </a:lnRef>
+          <a:fillRef idx="1">
+            <a:schemeClr val="accent1"/>
+          </a:fillRef>
+          <a:effectRef idx="0">
+            <a:schemeClr val="accent1"/>
+          </a:effectRef>
+          <a:fontRef idx="minor">
+            <a:schemeClr val="lt1"/>
+          </a:fontRef>
+        </p:style>
+        <p:txBody>
+          <a:bodyPr rtlCol="0" anchor="ctr">
+            <a:normAutofit/>
+          </a:bodyPr>
+          <a:lstStyle/>
+          <a:p>
+            <a:pPr marL="0" indent="0" algn="ctr">
+              <a:buNone/>
+            </a:pPr>
+            <a:r>
+              <a:rPr lang="it-IT" sz="1800" dirty="0"/>
+              <a:t>geo:SpatialThing</a:t>
+            </a:r>
+          </a:p>
+        </p:txBody>
+      </p:sp>
+    </p:spTree>
+    <p:extLst>
+      <p:ext uri="{BB962C8B-B14F-4D97-AF65-F5344CB8AC3E}">
+        <p14:creationId xmlns:p14="http://schemas.microsoft.com/office/powerpoint/2010/main" val="2649709279"/>
+      </p:ext>
+    </p:extLst>
+  </p:cSld>
+  <p:clrMapOvr>
+    <a:masterClrMapping/>
+  </p:clrMapOvr>
+</p:sld>
+</file>
+
+<file path=ppt/slides/slide14.xml><?xml version="1.0" encoding="utf-8"?>
+<p:sld xmlns:a="http://schemas.openxmlformats.org/drawingml/2006/main" xmlns:r="http://schemas.openxmlformats.org/officeDocument/2006/relationships" xmlns:p="http://schemas.openxmlformats.org/presentationml/2006/main">
+  <p:cSld>
+    <p:spTree>
+      <p:nvGrpSpPr>
+        <p:cNvPr id="1" name=""/>
+        <p:cNvGrpSpPr/>
+        <p:nvPr/>
+      </p:nvGrpSpPr>
+      <p:grpSpPr>
+        <a:xfrm>
+          <a:off x="0" y="0"/>
+          <a:ext cx="0" cy="0"/>
+          <a:chOff x="0" y="0"/>
+          <a:chExt cx="0" cy="0"/>
+        </a:xfrm>
+      </p:grpSpPr>
+      <p:grpSp>
+        <p:nvGrpSpPr>
+          <p:cNvPr id="4" name="Group 80"/>
+          <p:cNvGrpSpPr>
+            <a:grpSpLocks/>
+          </p:cNvGrpSpPr>
+          <p:nvPr/>
+        </p:nvGrpSpPr>
+        <p:grpSpPr bwMode="auto">
+          <a:xfrm>
+            <a:off x="75421" y="4700336"/>
+            <a:ext cx="1871662" cy="2089150"/>
+            <a:chOff x="113" y="2704"/>
+            <a:chExt cx="1179" cy="1316"/>
+          </a:xfrm>
+        </p:grpSpPr>
+        <p:sp>
+          <p:nvSpPr>
+            <p:cNvPr id="5" name="Rectangle 1663"/>
+            <p:cNvSpPr>
+              <a:spLocks noChangeArrowheads="1"/>
+            </p:cNvSpPr>
+            <p:nvPr/>
+          </p:nvSpPr>
+          <p:spPr bwMode="auto">
+            <a:xfrm>
+              <a:off x="113" y="2704"/>
+              <a:ext cx="1179" cy="1316"/>
+            </a:xfrm>
+            <a:prstGeom prst="rect">
+              <a:avLst/>
+            </a:prstGeom>
+            <a:noFill/>
+            <a:ln w="25400">
+              <a:solidFill>
+                <a:srgbClr val="000000"/>
+              </a:solidFill>
+              <a:miter lim="800000"/>
+              <a:headEnd/>
+              <a:tailEnd/>
+            </a:ln>
+          </p:spPr>
+          <p:txBody>
+            <a:bodyPr wrap="none" anchor="ctr"/>
+            <a:lstStyle>
+              <a:defPPr>
+                <a:defRPr lang="it-IT"/>
+              </a:defPPr>
+              <a:lvl1pPr algn="l" rtl="0" fontAlgn="base">
+                <a:spcBef>
+                  <a:spcPct val="0"/>
+                </a:spcBef>
+                <a:spcAft>
+                  <a:spcPct val="0"/>
+                </a:spcAft>
+                <a:defRPr u="sng" kern="1200">
+                  <a:solidFill>
+                    <a:schemeClr val="tx1"/>
+                  </a:solidFill>
+                  <a:latin typeface="Arial" panose="020B0604020202020204" pitchFamily="34" charset="0"/>
+                  <a:ea typeface="+mn-ea"/>
+                  <a:cs typeface="+mn-cs"/>
+                </a:defRPr>
+              </a:lvl1pPr>
+              <a:lvl2pPr marL="457200" algn="l" rtl="0" fontAlgn="base">
+                <a:spcBef>
+                  <a:spcPct val="0"/>
+                </a:spcBef>
+                <a:spcAft>
+                  <a:spcPct val="0"/>
+                </a:spcAft>
+                <a:defRPr u="sng" kern="1200">
+                  <a:solidFill>
+                    <a:schemeClr val="tx1"/>
+                  </a:solidFill>
+                  <a:latin typeface="Arial" panose="020B0604020202020204" pitchFamily="34" charset="0"/>
+                  <a:ea typeface="+mn-ea"/>
+                  <a:cs typeface="+mn-cs"/>
+                </a:defRPr>
+              </a:lvl2pPr>
+              <a:lvl3pPr marL="914400" algn="l" rtl="0" fontAlgn="base">
+                <a:spcBef>
+                  <a:spcPct val="0"/>
+                </a:spcBef>
+                <a:spcAft>
+                  <a:spcPct val="0"/>
+                </a:spcAft>
+                <a:defRPr u="sng" kern="1200">
+                  <a:solidFill>
+                    <a:schemeClr val="tx1"/>
+                  </a:solidFill>
+                  <a:latin typeface="Arial" panose="020B0604020202020204" pitchFamily="34" charset="0"/>
+                  <a:ea typeface="+mn-ea"/>
+                  <a:cs typeface="+mn-cs"/>
+                </a:defRPr>
+              </a:lvl3pPr>
+              <a:lvl4pPr marL="1371600" algn="l" rtl="0" fontAlgn="base">
+                <a:spcBef>
+                  <a:spcPct val="0"/>
+                </a:spcBef>
+                <a:spcAft>
+                  <a:spcPct val="0"/>
+                </a:spcAft>
+                <a:defRPr u="sng" kern="1200">
+                  <a:solidFill>
+                    <a:schemeClr val="tx1"/>
+                  </a:solidFill>
+                  <a:latin typeface="Arial" panose="020B0604020202020204" pitchFamily="34" charset="0"/>
+                  <a:ea typeface="+mn-ea"/>
+                  <a:cs typeface="+mn-cs"/>
+                </a:defRPr>
+              </a:lvl4pPr>
+              <a:lvl5pPr marL="1828800" algn="l" rtl="0" fontAlgn="base">
+                <a:spcBef>
+                  <a:spcPct val="0"/>
+                </a:spcBef>
+                <a:spcAft>
+                  <a:spcPct val="0"/>
+                </a:spcAft>
+                <a:defRPr u="sng" kern="1200">
+                  <a:solidFill>
+                    <a:schemeClr val="tx1"/>
+                  </a:solidFill>
+                  <a:latin typeface="Arial" panose="020B0604020202020204" pitchFamily="34" charset="0"/>
+                  <a:ea typeface="+mn-ea"/>
+                  <a:cs typeface="+mn-cs"/>
+                </a:defRPr>
+              </a:lvl5pPr>
+              <a:lvl6pPr marL="2286000" algn="l" defTabSz="914400" rtl="0" eaLnBrk="1" latinLnBrk="0" hangingPunct="1">
+                <a:defRPr u="sng" kern="1200">
+                  <a:solidFill>
+                    <a:schemeClr val="tx1"/>
+                  </a:solidFill>
+                  <a:latin typeface="Arial" panose="020B0604020202020204" pitchFamily="34" charset="0"/>
+                  <a:ea typeface="+mn-ea"/>
+                  <a:cs typeface="+mn-cs"/>
+                </a:defRPr>
+              </a:lvl6pPr>
+              <a:lvl7pPr marL="2743200" algn="l" defTabSz="914400" rtl="0" eaLnBrk="1" latinLnBrk="0" hangingPunct="1">
+                <a:defRPr u="sng" kern="1200">
+                  <a:solidFill>
+                    <a:schemeClr val="tx1"/>
+                  </a:solidFill>
+                  <a:latin typeface="Arial" panose="020B0604020202020204" pitchFamily="34" charset="0"/>
+                  <a:ea typeface="+mn-ea"/>
+                  <a:cs typeface="+mn-cs"/>
+                </a:defRPr>
+              </a:lvl7pPr>
+              <a:lvl8pPr marL="3200400" algn="l" defTabSz="914400" rtl="0" eaLnBrk="1" latinLnBrk="0" hangingPunct="1">
+                <a:defRPr u="sng" kern="1200">
+                  <a:solidFill>
+                    <a:schemeClr val="tx1"/>
+                  </a:solidFill>
+                  <a:latin typeface="Arial" panose="020B0604020202020204" pitchFamily="34" charset="0"/>
+                  <a:ea typeface="+mn-ea"/>
+                  <a:cs typeface="+mn-cs"/>
+                </a:defRPr>
+              </a:lvl8pPr>
+              <a:lvl9pPr marL="3657600" algn="l" defTabSz="914400" rtl="0" eaLnBrk="1" latinLnBrk="0" hangingPunct="1">
+                <a:defRPr u="sng" kern="1200">
+                  <a:solidFill>
+                    <a:schemeClr val="tx1"/>
+                  </a:solidFill>
+                  <a:latin typeface="Arial" panose="020B0604020202020204" pitchFamily="34" charset="0"/>
+                  <a:ea typeface="+mn-ea"/>
+                  <a:cs typeface="+mn-cs"/>
+                </a:defRPr>
+              </a:lvl9pPr>
+            </a:lstStyle>
+            <a:p>
+              <a:pPr fontAlgn="auto">
+                <a:spcBef>
+                  <a:spcPts val="0"/>
+                </a:spcBef>
+                <a:spcAft>
+                  <a:spcPts val="0"/>
+                </a:spcAft>
+                <a:defRPr/>
+              </a:pPr>
+              <a:endParaRPr lang="it-IT" u="none" kern="0">
+                <a:solidFill>
+                  <a:sysClr val="windowText" lastClr="000000"/>
+                </a:solidFill>
+                <a:latin typeface="Calibri" pitchFamily="34" charset="0"/>
+              </a:endParaRPr>
+            </a:p>
+          </p:txBody>
+        </p:sp>
+        <p:sp>
+          <p:nvSpPr>
+            <p:cNvPr id="6" name="Rectangle 1664"/>
+            <p:cNvSpPr>
+              <a:spLocks noChangeArrowheads="1"/>
+            </p:cNvSpPr>
+            <p:nvPr/>
+          </p:nvSpPr>
+          <p:spPr bwMode="auto">
+            <a:xfrm>
+              <a:off x="191" y="3625"/>
+              <a:ext cx="1041" cy="123"/>
+            </a:xfrm>
+            <a:prstGeom prst="rect">
+              <a:avLst/>
+            </a:prstGeom>
+            <a:solidFill>
+              <a:srgbClr val="BBE0E3"/>
+            </a:solidFill>
+            <a:ln w="28575">
+              <a:solidFill>
+                <a:srgbClr val="000000"/>
+              </a:solidFill>
+              <a:miter lim="800000"/>
+              <a:headEnd/>
+              <a:tailEnd/>
+            </a:ln>
+          </p:spPr>
+          <p:txBody>
+            <a:bodyPr wrap="none" anchor="ctr"/>
+            <a:lstStyle>
+              <a:defPPr>
+                <a:defRPr lang="it-IT"/>
+              </a:defPPr>
+              <a:lvl1pPr algn="l" rtl="0" fontAlgn="base">
+                <a:spcBef>
+                  <a:spcPct val="0"/>
+                </a:spcBef>
+                <a:spcAft>
+                  <a:spcPct val="0"/>
+                </a:spcAft>
+                <a:defRPr u="sng" kern="1200">
+                  <a:solidFill>
+                    <a:schemeClr val="tx1"/>
+                  </a:solidFill>
+                  <a:latin typeface="Arial" panose="020B0604020202020204" pitchFamily="34" charset="0"/>
+                  <a:ea typeface="+mn-ea"/>
+                  <a:cs typeface="+mn-cs"/>
+                </a:defRPr>
+              </a:lvl1pPr>
+              <a:lvl2pPr marL="457200" algn="l" rtl="0" fontAlgn="base">
+                <a:spcBef>
+                  <a:spcPct val="0"/>
+                </a:spcBef>
+                <a:spcAft>
+                  <a:spcPct val="0"/>
+                </a:spcAft>
+                <a:defRPr u="sng" kern="1200">
+                  <a:solidFill>
+                    <a:schemeClr val="tx1"/>
+                  </a:solidFill>
+                  <a:latin typeface="Arial" panose="020B0604020202020204" pitchFamily="34" charset="0"/>
+                  <a:ea typeface="+mn-ea"/>
+                  <a:cs typeface="+mn-cs"/>
+                </a:defRPr>
+              </a:lvl2pPr>
+              <a:lvl3pPr marL="914400" algn="l" rtl="0" fontAlgn="base">
+                <a:spcBef>
+                  <a:spcPct val="0"/>
+                </a:spcBef>
+                <a:spcAft>
+                  <a:spcPct val="0"/>
+                </a:spcAft>
+                <a:defRPr u="sng" kern="1200">
+                  <a:solidFill>
+                    <a:schemeClr val="tx1"/>
+                  </a:solidFill>
+                  <a:latin typeface="Arial" panose="020B0604020202020204" pitchFamily="34" charset="0"/>
+                  <a:ea typeface="+mn-ea"/>
+                  <a:cs typeface="+mn-cs"/>
+                </a:defRPr>
+              </a:lvl3pPr>
+              <a:lvl4pPr marL="1371600" algn="l" rtl="0" fontAlgn="base">
+                <a:spcBef>
+                  <a:spcPct val="0"/>
+                </a:spcBef>
+                <a:spcAft>
+                  <a:spcPct val="0"/>
+                </a:spcAft>
+                <a:defRPr u="sng" kern="1200">
+                  <a:solidFill>
+                    <a:schemeClr val="tx1"/>
+                  </a:solidFill>
+                  <a:latin typeface="Arial" panose="020B0604020202020204" pitchFamily="34" charset="0"/>
+                  <a:ea typeface="+mn-ea"/>
+                  <a:cs typeface="+mn-cs"/>
+                </a:defRPr>
+              </a:lvl4pPr>
+              <a:lvl5pPr marL="1828800" algn="l" rtl="0" fontAlgn="base">
+                <a:spcBef>
+                  <a:spcPct val="0"/>
+                </a:spcBef>
+                <a:spcAft>
+                  <a:spcPct val="0"/>
+                </a:spcAft>
+                <a:defRPr u="sng" kern="1200">
+                  <a:solidFill>
+                    <a:schemeClr val="tx1"/>
+                  </a:solidFill>
+                  <a:latin typeface="Arial" panose="020B0604020202020204" pitchFamily="34" charset="0"/>
+                  <a:ea typeface="+mn-ea"/>
+                  <a:cs typeface="+mn-cs"/>
+                </a:defRPr>
+              </a:lvl5pPr>
+              <a:lvl6pPr marL="2286000" algn="l" defTabSz="914400" rtl="0" eaLnBrk="1" latinLnBrk="0" hangingPunct="1">
+                <a:defRPr u="sng" kern="1200">
+                  <a:solidFill>
+                    <a:schemeClr val="tx1"/>
+                  </a:solidFill>
+                  <a:latin typeface="Arial" panose="020B0604020202020204" pitchFamily="34" charset="0"/>
+                  <a:ea typeface="+mn-ea"/>
+                  <a:cs typeface="+mn-cs"/>
+                </a:defRPr>
+              </a:lvl6pPr>
+              <a:lvl7pPr marL="2743200" algn="l" defTabSz="914400" rtl="0" eaLnBrk="1" latinLnBrk="0" hangingPunct="1">
+                <a:defRPr u="sng" kern="1200">
+                  <a:solidFill>
+                    <a:schemeClr val="tx1"/>
+                  </a:solidFill>
+                  <a:latin typeface="Arial" panose="020B0604020202020204" pitchFamily="34" charset="0"/>
+                  <a:ea typeface="+mn-ea"/>
+                  <a:cs typeface="+mn-cs"/>
+                </a:defRPr>
+              </a:lvl7pPr>
+              <a:lvl8pPr marL="3200400" algn="l" defTabSz="914400" rtl="0" eaLnBrk="1" latinLnBrk="0" hangingPunct="1">
+                <a:defRPr u="sng" kern="1200">
+                  <a:solidFill>
+                    <a:schemeClr val="tx1"/>
+                  </a:solidFill>
+                  <a:latin typeface="Arial" panose="020B0604020202020204" pitchFamily="34" charset="0"/>
+                  <a:ea typeface="+mn-ea"/>
+                  <a:cs typeface="+mn-cs"/>
+                </a:defRPr>
+              </a:lvl8pPr>
+              <a:lvl9pPr marL="3657600" algn="l" defTabSz="914400" rtl="0" eaLnBrk="1" latinLnBrk="0" hangingPunct="1">
+                <a:defRPr u="sng" kern="1200">
+                  <a:solidFill>
+                    <a:schemeClr val="tx1"/>
+                  </a:solidFill>
+                  <a:latin typeface="Arial" panose="020B0604020202020204" pitchFamily="34" charset="0"/>
+                  <a:ea typeface="+mn-ea"/>
+                  <a:cs typeface="+mn-cs"/>
+                </a:defRPr>
+              </a:lvl9pPr>
+            </a:lstStyle>
+            <a:p>
+              <a:pPr algn="ctr" fontAlgn="auto">
+                <a:spcBef>
+                  <a:spcPts val="0"/>
+                </a:spcBef>
+                <a:spcAft>
+                  <a:spcPts val="0"/>
+                </a:spcAft>
+                <a:defRPr/>
+              </a:pPr>
+              <a:r>
+                <a:rPr lang="en-US" sz="1200" u="none" kern="0">
+                  <a:solidFill>
+                    <a:sysClr val="windowText" lastClr="000000"/>
+                  </a:solidFill>
+                  <a:latin typeface="Calibri" pitchFamily="34" charset="0"/>
+                </a:rPr>
+                <a:t>Class</a:t>
+              </a:r>
+              <a:r>
+                <a:rPr lang="en-US" sz="800" u="none" kern="0">
+                  <a:solidFill>
+                    <a:sysClr val="windowText" lastClr="000000"/>
+                  </a:solidFill>
+                  <a:latin typeface="Arial" charset="0"/>
+                </a:rPr>
+                <a:t> </a:t>
+              </a:r>
+              <a:r>
+                <a:rPr lang="en-US" sz="1200" u="none" kern="0">
+                  <a:solidFill>
+                    <a:sysClr val="windowText" lastClr="000000"/>
+                  </a:solidFill>
+                  <a:latin typeface="Calibri" pitchFamily="34" charset="0"/>
+                </a:rPr>
+                <a:t>Instance</a:t>
+              </a:r>
+              <a:endParaRPr lang="it-IT" sz="1200" u="none" kern="0">
+                <a:solidFill>
+                  <a:sysClr val="windowText" lastClr="000000"/>
+                </a:solidFill>
+                <a:latin typeface="Calibri" pitchFamily="34" charset="0"/>
+              </a:endParaRPr>
+            </a:p>
+          </p:txBody>
+        </p:sp>
+        <p:sp>
+          <p:nvSpPr>
+            <p:cNvPr id="7" name="Text Box 1665"/>
+            <p:cNvSpPr txBox="1">
+              <a:spLocks noChangeArrowheads="1"/>
+            </p:cNvSpPr>
+            <p:nvPr/>
+          </p:nvSpPr>
+          <p:spPr bwMode="auto">
+            <a:xfrm>
+              <a:off x="238" y="3387"/>
+              <a:ext cx="520" cy="179"/>
+            </a:xfrm>
+            <a:prstGeom prst="rect">
+              <a:avLst/>
+            </a:prstGeom>
+            <a:noFill/>
+            <a:ln w="9525">
+              <a:solidFill>
+                <a:srgbClr val="000000"/>
+              </a:solidFill>
+              <a:prstDash val="lgDash"/>
+              <a:miter lim="800000"/>
+              <a:headEnd/>
+              <a:tailEnd/>
+            </a:ln>
+          </p:spPr>
+          <p:txBody>
+            <a:bodyPr>
+              <a:spAutoFit/>
+            </a:bodyPr>
+            <a:lstStyle>
+              <a:defPPr>
+                <a:defRPr lang="it-IT"/>
+              </a:defPPr>
+              <a:lvl1pPr algn="l" rtl="0" fontAlgn="base">
+                <a:spcBef>
+                  <a:spcPct val="0"/>
+                </a:spcBef>
+                <a:spcAft>
+                  <a:spcPct val="0"/>
+                </a:spcAft>
+                <a:defRPr u="sng" kern="1200">
+                  <a:solidFill>
+                    <a:schemeClr val="tx1"/>
+                  </a:solidFill>
+                  <a:latin typeface="Arial" panose="020B0604020202020204" pitchFamily="34" charset="0"/>
+                  <a:ea typeface="+mn-ea"/>
+                  <a:cs typeface="+mn-cs"/>
+                </a:defRPr>
+              </a:lvl1pPr>
+              <a:lvl2pPr marL="457200" algn="l" rtl="0" fontAlgn="base">
+                <a:spcBef>
+                  <a:spcPct val="0"/>
+                </a:spcBef>
+                <a:spcAft>
+                  <a:spcPct val="0"/>
+                </a:spcAft>
+                <a:defRPr u="sng" kern="1200">
+                  <a:solidFill>
+                    <a:schemeClr val="tx1"/>
+                  </a:solidFill>
+                  <a:latin typeface="Arial" panose="020B0604020202020204" pitchFamily="34" charset="0"/>
+                  <a:ea typeface="+mn-ea"/>
+                  <a:cs typeface="+mn-cs"/>
+                </a:defRPr>
+              </a:lvl2pPr>
+              <a:lvl3pPr marL="914400" algn="l" rtl="0" fontAlgn="base">
+                <a:spcBef>
+                  <a:spcPct val="0"/>
+                </a:spcBef>
+                <a:spcAft>
+                  <a:spcPct val="0"/>
+                </a:spcAft>
+                <a:defRPr u="sng" kern="1200">
+                  <a:solidFill>
+                    <a:schemeClr val="tx1"/>
+                  </a:solidFill>
+                  <a:latin typeface="Arial" panose="020B0604020202020204" pitchFamily="34" charset="0"/>
+                  <a:ea typeface="+mn-ea"/>
+                  <a:cs typeface="+mn-cs"/>
+                </a:defRPr>
+              </a:lvl3pPr>
+              <a:lvl4pPr marL="1371600" algn="l" rtl="0" fontAlgn="base">
+                <a:spcBef>
+                  <a:spcPct val="0"/>
+                </a:spcBef>
+                <a:spcAft>
+                  <a:spcPct val="0"/>
+                </a:spcAft>
+                <a:defRPr u="sng" kern="1200">
+                  <a:solidFill>
+                    <a:schemeClr val="tx1"/>
+                  </a:solidFill>
+                  <a:latin typeface="Arial" panose="020B0604020202020204" pitchFamily="34" charset="0"/>
+                  <a:ea typeface="+mn-ea"/>
+                  <a:cs typeface="+mn-cs"/>
+                </a:defRPr>
+              </a:lvl4pPr>
+              <a:lvl5pPr marL="1828800" algn="l" rtl="0" fontAlgn="base">
+                <a:spcBef>
+                  <a:spcPct val="0"/>
+                </a:spcBef>
+                <a:spcAft>
+                  <a:spcPct val="0"/>
+                </a:spcAft>
+                <a:defRPr u="sng" kern="1200">
+                  <a:solidFill>
+                    <a:schemeClr val="tx1"/>
+                  </a:solidFill>
+                  <a:latin typeface="Arial" panose="020B0604020202020204" pitchFamily="34" charset="0"/>
+                  <a:ea typeface="+mn-ea"/>
+                  <a:cs typeface="+mn-cs"/>
+                </a:defRPr>
+              </a:lvl5pPr>
+              <a:lvl6pPr marL="2286000" algn="l" defTabSz="914400" rtl="0" eaLnBrk="1" latinLnBrk="0" hangingPunct="1">
+                <a:defRPr u="sng" kern="1200">
+                  <a:solidFill>
+                    <a:schemeClr val="tx1"/>
+                  </a:solidFill>
+                  <a:latin typeface="Arial" panose="020B0604020202020204" pitchFamily="34" charset="0"/>
+                  <a:ea typeface="+mn-ea"/>
+                  <a:cs typeface="+mn-cs"/>
+                </a:defRPr>
+              </a:lvl6pPr>
+              <a:lvl7pPr marL="2743200" algn="l" defTabSz="914400" rtl="0" eaLnBrk="1" latinLnBrk="0" hangingPunct="1">
+                <a:defRPr u="sng" kern="1200">
+                  <a:solidFill>
+                    <a:schemeClr val="tx1"/>
+                  </a:solidFill>
+                  <a:latin typeface="Arial" panose="020B0604020202020204" pitchFamily="34" charset="0"/>
+                  <a:ea typeface="+mn-ea"/>
+                  <a:cs typeface="+mn-cs"/>
+                </a:defRPr>
+              </a:lvl7pPr>
+              <a:lvl8pPr marL="3200400" algn="l" defTabSz="914400" rtl="0" eaLnBrk="1" latinLnBrk="0" hangingPunct="1">
+                <a:defRPr u="sng" kern="1200">
+                  <a:solidFill>
+                    <a:schemeClr val="tx1"/>
+                  </a:solidFill>
+                  <a:latin typeface="Arial" panose="020B0604020202020204" pitchFamily="34" charset="0"/>
+                  <a:ea typeface="+mn-ea"/>
+                  <a:cs typeface="+mn-cs"/>
+                </a:defRPr>
+              </a:lvl8pPr>
+              <a:lvl9pPr marL="3657600" algn="l" defTabSz="914400" rtl="0" eaLnBrk="1" latinLnBrk="0" hangingPunct="1">
+                <a:defRPr u="sng" kern="1200">
+                  <a:solidFill>
+                    <a:schemeClr val="tx1"/>
+                  </a:solidFill>
+                  <a:latin typeface="Arial" panose="020B0604020202020204" pitchFamily="34" charset="0"/>
+                  <a:ea typeface="+mn-ea"/>
+                  <a:cs typeface="+mn-cs"/>
+                </a:defRPr>
+              </a:lvl9pPr>
+            </a:lstStyle>
+            <a:p>
+              <a:pPr algn="ctr" fontAlgn="auto">
+                <a:spcBef>
+                  <a:spcPts val="0"/>
+                </a:spcBef>
+                <a:spcAft>
+                  <a:spcPts val="0"/>
+                </a:spcAft>
+                <a:defRPr/>
+              </a:pPr>
+              <a:r>
+                <a:rPr lang="en-US" sz="1200" u="none" kern="0">
+                  <a:solidFill>
+                    <a:sysClr val="windowText" lastClr="000000"/>
+                  </a:solidFill>
+                  <a:latin typeface="Calibri" pitchFamily="34" charset="0"/>
+                </a:rPr>
+                <a:t>Property</a:t>
+              </a:r>
+              <a:endParaRPr lang="it-IT" sz="1200" u="none" kern="0">
+                <a:solidFill>
+                  <a:sysClr val="windowText" lastClr="000000"/>
+                </a:solidFill>
+                <a:latin typeface="Calibri" pitchFamily="34" charset="0"/>
+              </a:endParaRPr>
+            </a:p>
+          </p:txBody>
+        </p:sp>
+        <p:sp>
+          <p:nvSpPr>
+            <p:cNvPr id="8" name="AutoShape 1666"/>
+            <p:cNvSpPr>
+              <a:spLocks noChangeArrowheads="1"/>
+            </p:cNvSpPr>
+            <p:nvPr/>
+          </p:nvSpPr>
+          <p:spPr bwMode="auto">
+            <a:xfrm>
+              <a:off x="191" y="3815"/>
+              <a:ext cx="1041" cy="159"/>
+            </a:xfrm>
+            <a:prstGeom prst="hexagon">
+              <a:avLst>
+                <a:gd name="adj" fmla="val 137845"/>
+                <a:gd name="vf" fmla="val 115470"/>
+              </a:avLst>
+            </a:prstGeom>
+            <a:solidFill>
+              <a:srgbClr val="2D2D8A">
+                <a:lumMod val="40000"/>
+                <a:lumOff val="60000"/>
+              </a:srgbClr>
+            </a:solidFill>
+            <a:ln w="28575">
+              <a:solidFill>
+                <a:srgbClr val="000000"/>
+              </a:solidFill>
+              <a:miter lim="800000"/>
+              <a:headEnd/>
+              <a:tailEnd/>
+            </a:ln>
+            <a:effectLst/>
+          </p:spPr>
+          <p:txBody>
+            <a:bodyPr wrap="none" anchor="ctr"/>
+            <a:lstStyle>
+              <a:defPPr>
+                <a:defRPr lang="it-IT"/>
+              </a:defPPr>
+              <a:lvl1pPr algn="l" rtl="0" fontAlgn="base">
+                <a:spcBef>
+                  <a:spcPct val="0"/>
+                </a:spcBef>
+                <a:spcAft>
+                  <a:spcPct val="0"/>
+                </a:spcAft>
+                <a:defRPr u="sng" kern="1200">
+                  <a:solidFill>
+                    <a:schemeClr val="tx1"/>
+                  </a:solidFill>
+                  <a:latin typeface="Arial" panose="020B0604020202020204" pitchFamily="34" charset="0"/>
+                  <a:ea typeface="+mn-ea"/>
+                  <a:cs typeface="+mn-cs"/>
+                </a:defRPr>
+              </a:lvl1pPr>
+              <a:lvl2pPr marL="457200" algn="l" rtl="0" fontAlgn="base">
+                <a:spcBef>
+                  <a:spcPct val="0"/>
+                </a:spcBef>
+                <a:spcAft>
+                  <a:spcPct val="0"/>
+                </a:spcAft>
+                <a:defRPr u="sng" kern="1200">
+                  <a:solidFill>
+                    <a:schemeClr val="tx1"/>
+                  </a:solidFill>
+                  <a:latin typeface="Arial" panose="020B0604020202020204" pitchFamily="34" charset="0"/>
+                  <a:ea typeface="+mn-ea"/>
+                  <a:cs typeface="+mn-cs"/>
+                </a:defRPr>
+              </a:lvl2pPr>
+              <a:lvl3pPr marL="914400" algn="l" rtl="0" fontAlgn="base">
+                <a:spcBef>
+                  <a:spcPct val="0"/>
+                </a:spcBef>
+                <a:spcAft>
+                  <a:spcPct val="0"/>
+                </a:spcAft>
+                <a:defRPr u="sng" kern="1200">
+                  <a:solidFill>
+                    <a:schemeClr val="tx1"/>
+                  </a:solidFill>
+                  <a:latin typeface="Arial" panose="020B0604020202020204" pitchFamily="34" charset="0"/>
+                  <a:ea typeface="+mn-ea"/>
+                  <a:cs typeface="+mn-cs"/>
+                </a:defRPr>
+              </a:lvl3pPr>
+              <a:lvl4pPr marL="1371600" algn="l" rtl="0" fontAlgn="base">
+                <a:spcBef>
+                  <a:spcPct val="0"/>
+                </a:spcBef>
+                <a:spcAft>
+                  <a:spcPct val="0"/>
+                </a:spcAft>
+                <a:defRPr u="sng" kern="1200">
+                  <a:solidFill>
+                    <a:schemeClr val="tx1"/>
+                  </a:solidFill>
+                  <a:latin typeface="Arial" panose="020B0604020202020204" pitchFamily="34" charset="0"/>
+                  <a:ea typeface="+mn-ea"/>
+                  <a:cs typeface="+mn-cs"/>
+                </a:defRPr>
+              </a:lvl4pPr>
+              <a:lvl5pPr marL="1828800" algn="l" rtl="0" fontAlgn="base">
+                <a:spcBef>
+                  <a:spcPct val="0"/>
+                </a:spcBef>
+                <a:spcAft>
+                  <a:spcPct val="0"/>
+                </a:spcAft>
+                <a:defRPr u="sng" kern="1200">
+                  <a:solidFill>
+                    <a:schemeClr val="tx1"/>
+                  </a:solidFill>
+                  <a:latin typeface="Arial" panose="020B0604020202020204" pitchFamily="34" charset="0"/>
+                  <a:ea typeface="+mn-ea"/>
+                  <a:cs typeface="+mn-cs"/>
+                </a:defRPr>
+              </a:lvl5pPr>
+              <a:lvl6pPr marL="2286000" algn="l" defTabSz="914400" rtl="0" eaLnBrk="1" latinLnBrk="0" hangingPunct="1">
+                <a:defRPr u="sng" kern="1200">
+                  <a:solidFill>
+                    <a:schemeClr val="tx1"/>
+                  </a:solidFill>
+                  <a:latin typeface="Arial" panose="020B0604020202020204" pitchFamily="34" charset="0"/>
+                  <a:ea typeface="+mn-ea"/>
+                  <a:cs typeface="+mn-cs"/>
+                </a:defRPr>
+              </a:lvl6pPr>
+              <a:lvl7pPr marL="2743200" algn="l" defTabSz="914400" rtl="0" eaLnBrk="1" latinLnBrk="0" hangingPunct="1">
+                <a:defRPr u="sng" kern="1200">
+                  <a:solidFill>
+                    <a:schemeClr val="tx1"/>
+                  </a:solidFill>
+                  <a:latin typeface="Arial" panose="020B0604020202020204" pitchFamily="34" charset="0"/>
+                  <a:ea typeface="+mn-ea"/>
+                  <a:cs typeface="+mn-cs"/>
+                </a:defRPr>
+              </a:lvl7pPr>
+              <a:lvl8pPr marL="3200400" algn="l" defTabSz="914400" rtl="0" eaLnBrk="1" latinLnBrk="0" hangingPunct="1">
+                <a:defRPr u="sng" kern="1200">
+                  <a:solidFill>
+                    <a:schemeClr val="tx1"/>
+                  </a:solidFill>
+                  <a:latin typeface="Arial" panose="020B0604020202020204" pitchFamily="34" charset="0"/>
+                  <a:ea typeface="+mn-ea"/>
+                  <a:cs typeface="+mn-cs"/>
+                </a:defRPr>
+              </a:lvl8pPr>
+              <a:lvl9pPr marL="3657600" algn="l" defTabSz="914400" rtl="0" eaLnBrk="1" latinLnBrk="0" hangingPunct="1">
+                <a:defRPr u="sng" kern="1200">
+                  <a:solidFill>
+                    <a:schemeClr val="tx1"/>
+                  </a:solidFill>
+                  <a:latin typeface="Arial" panose="020B0604020202020204" pitchFamily="34" charset="0"/>
+                  <a:ea typeface="+mn-ea"/>
+                  <a:cs typeface="+mn-cs"/>
+                </a:defRPr>
+              </a:lvl9pPr>
+            </a:lstStyle>
+            <a:p>
+              <a:pPr algn="ctr" fontAlgn="auto">
+                <a:spcBef>
+                  <a:spcPts val="0"/>
+                </a:spcBef>
+                <a:spcAft>
+                  <a:spcPts val="0"/>
+                </a:spcAft>
+                <a:defRPr/>
+              </a:pPr>
+              <a:r>
+                <a:rPr lang="en-US" sz="1200" u="none" kern="0">
+                  <a:solidFill>
+                    <a:sysClr val="windowText" lastClr="000000"/>
+                  </a:solidFill>
+                  <a:latin typeface="Calibri" pitchFamily="34" charset="0"/>
+                </a:rPr>
+                <a:t>Literal</a:t>
+              </a:r>
+              <a:endParaRPr lang="it-IT" sz="1200" u="none" kern="0">
+                <a:solidFill>
+                  <a:sysClr val="windowText" lastClr="000000"/>
+                </a:solidFill>
+                <a:latin typeface="Calibri" pitchFamily="34" charset="0"/>
+              </a:endParaRPr>
+            </a:p>
+          </p:txBody>
+        </p:sp>
+        <p:sp>
+          <p:nvSpPr>
+            <p:cNvPr id="9" name="Line 1667"/>
+            <p:cNvSpPr>
+              <a:spLocks noChangeShapeType="1"/>
+            </p:cNvSpPr>
+            <p:nvPr/>
+          </p:nvSpPr>
+          <p:spPr bwMode="auto">
+            <a:xfrm>
+              <a:off x="806" y="3467"/>
+              <a:ext cx="379" cy="2"/>
+            </a:xfrm>
+            <a:prstGeom prst="line">
+              <a:avLst/>
+            </a:prstGeom>
+            <a:noFill/>
+            <a:ln w="12700">
+              <a:solidFill>
+                <a:srgbClr val="000000"/>
+              </a:solidFill>
+              <a:prstDash val="dash"/>
+              <a:round/>
+              <a:headEnd/>
+              <a:tailEnd type="triangle" w="med" len="med"/>
+            </a:ln>
+          </p:spPr>
+          <p:txBody>
+            <a:bodyPr/>
+            <a:lstStyle>
+              <a:defPPr>
+                <a:defRPr lang="it-IT"/>
+              </a:defPPr>
+              <a:lvl1pPr algn="l" rtl="0" fontAlgn="base">
+                <a:spcBef>
+                  <a:spcPct val="0"/>
+                </a:spcBef>
+                <a:spcAft>
+                  <a:spcPct val="0"/>
+                </a:spcAft>
+                <a:defRPr u="sng" kern="1200">
+                  <a:solidFill>
+                    <a:schemeClr val="tx1"/>
+                  </a:solidFill>
+                  <a:latin typeface="Arial" panose="020B0604020202020204" pitchFamily="34" charset="0"/>
+                  <a:ea typeface="+mn-ea"/>
+                  <a:cs typeface="+mn-cs"/>
+                </a:defRPr>
+              </a:lvl1pPr>
+              <a:lvl2pPr marL="457200" algn="l" rtl="0" fontAlgn="base">
+                <a:spcBef>
+                  <a:spcPct val="0"/>
+                </a:spcBef>
+                <a:spcAft>
+                  <a:spcPct val="0"/>
+                </a:spcAft>
+                <a:defRPr u="sng" kern="1200">
+                  <a:solidFill>
+                    <a:schemeClr val="tx1"/>
+                  </a:solidFill>
+                  <a:latin typeface="Arial" panose="020B0604020202020204" pitchFamily="34" charset="0"/>
+                  <a:ea typeface="+mn-ea"/>
+                  <a:cs typeface="+mn-cs"/>
+                </a:defRPr>
+              </a:lvl2pPr>
+              <a:lvl3pPr marL="914400" algn="l" rtl="0" fontAlgn="base">
+                <a:spcBef>
+                  <a:spcPct val="0"/>
+                </a:spcBef>
+                <a:spcAft>
+                  <a:spcPct val="0"/>
+                </a:spcAft>
+                <a:defRPr u="sng" kern="1200">
+                  <a:solidFill>
+                    <a:schemeClr val="tx1"/>
+                  </a:solidFill>
+                  <a:latin typeface="Arial" panose="020B0604020202020204" pitchFamily="34" charset="0"/>
+                  <a:ea typeface="+mn-ea"/>
+                  <a:cs typeface="+mn-cs"/>
+                </a:defRPr>
+              </a:lvl3pPr>
+              <a:lvl4pPr marL="1371600" algn="l" rtl="0" fontAlgn="base">
+                <a:spcBef>
+                  <a:spcPct val="0"/>
+                </a:spcBef>
+                <a:spcAft>
+                  <a:spcPct val="0"/>
+                </a:spcAft>
+                <a:defRPr u="sng" kern="1200">
+                  <a:solidFill>
+                    <a:schemeClr val="tx1"/>
+                  </a:solidFill>
+                  <a:latin typeface="Arial" panose="020B0604020202020204" pitchFamily="34" charset="0"/>
+                  <a:ea typeface="+mn-ea"/>
+                  <a:cs typeface="+mn-cs"/>
+                </a:defRPr>
+              </a:lvl4pPr>
+              <a:lvl5pPr marL="1828800" algn="l" rtl="0" fontAlgn="base">
+                <a:spcBef>
+                  <a:spcPct val="0"/>
+                </a:spcBef>
+                <a:spcAft>
+                  <a:spcPct val="0"/>
+                </a:spcAft>
+                <a:defRPr u="sng" kern="1200">
+                  <a:solidFill>
+                    <a:schemeClr val="tx1"/>
+                  </a:solidFill>
+                  <a:latin typeface="Arial" panose="020B0604020202020204" pitchFamily="34" charset="0"/>
+                  <a:ea typeface="+mn-ea"/>
+                  <a:cs typeface="+mn-cs"/>
+                </a:defRPr>
+              </a:lvl5pPr>
+              <a:lvl6pPr marL="2286000" algn="l" defTabSz="914400" rtl="0" eaLnBrk="1" latinLnBrk="0" hangingPunct="1">
+                <a:defRPr u="sng" kern="1200">
+                  <a:solidFill>
+                    <a:schemeClr val="tx1"/>
+                  </a:solidFill>
+                  <a:latin typeface="Arial" panose="020B0604020202020204" pitchFamily="34" charset="0"/>
+                  <a:ea typeface="+mn-ea"/>
+                  <a:cs typeface="+mn-cs"/>
+                </a:defRPr>
+              </a:lvl6pPr>
+              <a:lvl7pPr marL="2743200" algn="l" defTabSz="914400" rtl="0" eaLnBrk="1" latinLnBrk="0" hangingPunct="1">
+                <a:defRPr u="sng" kern="1200">
+                  <a:solidFill>
+                    <a:schemeClr val="tx1"/>
+                  </a:solidFill>
+                  <a:latin typeface="Arial" panose="020B0604020202020204" pitchFamily="34" charset="0"/>
+                  <a:ea typeface="+mn-ea"/>
+                  <a:cs typeface="+mn-cs"/>
+                </a:defRPr>
+              </a:lvl7pPr>
+              <a:lvl8pPr marL="3200400" algn="l" defTabSz="914400" rtl="0" eaLnBrk="1" latinLnBrk="0" hangingPunct="1">
+                <a:defRPr u="sng" kern="1200">
+                  <a:solidFill>
+                    <a:schemeClr val="tx1"/>
+                  </a:solidFill>
+                  <a:latin typeface="Arial" panose="020B0604020202020204" pitchFamily="34" charset="0"/>
+                  <a:ea typeface="+mn-ea"/>
+                  <a:cs typeface="+mn-cs"/>
+                </a:defRPr>
+              </a:lvl8pPr>
+              <a:lvl9pPr marL="3657600" algn="l" defTabSz="914400" rtl="0" eaLnBrk="1" latinLnBrk="0" hangingPunct="1">
+                <a:defRPr u="sng" kern="1200">
+                  <a:solidFill>
+                    <a:schemeClr val="tx1"/>
+                  </a:solidFill>
+                  <a:latin typeface="Arial" panose="020B0604020202020204" pitchFamily="34" charset="0"/>
+                  <a:ea typeface="+mn-ea"/>
+                  <a:cs typeface="+mn-cs"/>
+                </a:defRPr>
+              </a:lvl9pPr>
+            </a:lstStyle>
+            <a:p>
+              <a:pPr fontAlgn="auto">
+                <a:spcBef>
+                  <a:spcPts val="0"/>
+                </a:spcBef>
+                <a:spcAft>
+                  <a:spcPts val="0"/>
+                </a:spcAft>
+                <a:defRPr/>
+              </a:pPr>
+              <a:endParaRPr lang="it-IT" u="none" kern="0">
+                <a:solidFill>
+                  <a:sysClr val="windowText" lastClr="000000"/>
+                </a:solidFill>
+                <a:latin typeface="Arial" charset="0"/>
+              </a:endParaRPr>
+            </a:p>
+          </p:txBody>
+        </p:sp>
+        <p:sp>
+          <p:nvSpPr>
+            <p:cNvPr id="10" name="Text Box 1680"/>
+            <p:cNvSpPr txBox="1">
+              <a:spLocks noChangeArrowheads="1"/>
+            </p:cNvSpPr>
+            <p:nvPr/>
+          </p:nvSpPr>
+          <p:spPr bwMode="auto">
+            <a:xfrm>
+              <a:off x="249" y="2840"/>
+              <a:ext cx="624" cy="218"/>
+            </a:xfrm>
+            <a:prstGeom prst="rect">
+              <a:avLst/>
+            </a:prstGeom>
+            <a:noFill/>
+            <a:ln w="9525">
+              <a:solidFill>
+                <a:srgbClr val="FF0000"/>
+              </a:solidFill>
+              <a:prstDash val="lgDash"/>
+              <a:miter lim="800000"/>
+              <a:headEnd/>
+              <a:tailEnd/>
+            </a:ln>
+            <a:extLst>
+              <a:ext uri="{909E8E84-426E-40DD-AFC4-6F175D3DCCD1}">
+                <a14:hiddenFill xmlns:a14="http://schemas.microsoft.com/office/drawing/2010/main">
+                  <a:solidFill>
+                    <a:srgbClr val="FFFFFF"/>
+                  </a:solidFill>
+                </a14:hiddenFill>
+              </a:ext>
+            </a:extLst>
+          </p:spPr>
+          <p:txBody>
+            <a:bodyPr>
+              <a:spAutoFit/>
+            </a:bodyPr>
+            <a:lstStyle>
+              <a:defPPr>
+                <a:defRPr lang="it-IT"/>
+              </a:defPPr>
+              <a:lvl1pPr algn="l" rtl="0" fontAlgn="base">
+                <a:spcBef>
+                  <a:spcPct val="0"/>
+                </a:spcBef>
+                <a:spcAft>
+                  <a:spcPct val="0"/>
+                </a:spcAft>
+                <a:defRPr u="sng" kern="1200">
+                  <a:solidFill>
+                    <a:schemeClr val="tx1"/>
+                  </a:solidFill>
+                  <a:latin typeface="Arial" panose="020B0604020202020204" pitchFamily="34" charset="0"/>
+                  <a:ea typeface="+mn-ea"/>
+                  <a:cs typeface="+mn-cs"/>
+                </a:defRPr>
+              </a:lvl1pPr>
+              <a:lvl2pPr marL="457200" algn="l" rtl="0" fontAlgn="base">
+                <a:spcBef>
+                  <a:spcPct val="0"/>
+                </a:spcBef>
+                <a:spcAft>
+                  <a:spcPct val="0"/>
+                </a:spcAft>
+                <a:defRPr u="sng" kern="1200">
+                  <a:solidFill>
+                    <a:schemeClr val="tx1"/>
+                  </a:solidFill>
+                  <a:latin typeface="Arial" panose="020B0604020202020204" pitchFamily="34" charset="0"/>
+                  <a:ea typeface="+mn-ea"/>
+                  <a:cs typeface="+mn-cs"/>
+                </a:defRPr>
+              </a:lvl2pPr>
+              <a:lvl3pPr marL="914400" algn="l" rtl="0" fontAlgn="base">
+                <a:spcBef>
+                  <a:spcPct val="0"/>
+                </a:spcBef>
+                <a:spcAft>
+                  <a:spcPct val="0"/>
+                </a:spcAft>
+                <a:defRPr u="sng" kern="1200">
+                  <a:solidFill>
+                    <a:schemeClr val="tx1"/>
+                  </a:solidFill>
+                  <a:latin typeface="Arial" panose="020B0604020202020204" pitchFamily="34" charset="0"/>
+                  <a:ea typeface="+mn-ea"/>
+                  <a:cs typeface="+mn-cs"/>
+                </a:defRPr>
+              </a:lvl3pPr>
+              <a:lvl4pPr marL="1371600" algn="l" rtl="0" fontAlgn="base">
+                <a:spcBef>
+                  <a:spcPct val="0"/>
+                </a:spcBef>
+                <a:spcAft>
+                  <a:spcPct val="0"/>
+                </a:spcAft>
+                <a:defRPr u="sng" kern="1200">
+                  <a:solidFill>
+                    <a:schemeClr val="tx1"/>
+                  </a:solidFill>
+                  <a:latin typeface="Arial" panose="020B0604020202020204" pitchFamily="34" charset="0"/>
+                  <a:ea typeface="+mn-ea"/>
+                  <a:cs typeface="+mn-cs"/>
+                </a:defRPr>
+              </a:lvl4pPr>
+              <a:lvl5pPr marL="1828800" algn="l" rtl="0" fontAlgn="base">
+                <a:spcBef>
+                  <a:spcPct val="0"/>
+                </a:spcBef>
+                <a:spcAft>
+                  <a:spcPct val="0"/>
+                </a:spcAft>
+                <a:defRPr u="sng" kern="1200">
+                  <a:solidFill>
+                    <a:schemeClr val="tx1"/>
+                  </a:solidFill>
+                  <a:latin typeface="Arial" panose="020B0604020202020204" pitchFamily="34" charset="0"/>
+                  <a:ea typeface="+mn-ea"/>
+                  <a:cs typeface="+mn-cs"/>
+                </a:defRPr>
+              </a:lvl5pPr>
+              <a:lvl6pPr marL="2286000" algn="l" defTabSz="914400" rtl="0" eaLnBrk="1" latinLnBrk="0" hangingPunct="1">
+                <a:defRPr u="sng" kern="1200">
+                  <a:solidFill>
+                    <a:schemeClr val="tx1"/>
+                  </a:solidFill>
+                  <a:latin typeface="Arial" panose="020B0604020202020204" pitchFamily="34" charset="0"/>
+                  <a:ea typeface="+mn-ea"/>
+                  <a:cs typeface="+mn-cs"/>
+                </a:defRPr>
+              </a:lvl6pPr>
+              <a:lvl7pPr marL="2743200" algn="l" defTabSz="914400" rtl="0" eaLnBrk="1" latinLnBrk="0" hangingPunct="1">
+                <a:defRPr u="sng" kern="1200">
+                  <a:solidFill>
+                    <a:schemeClr val="tx1"/>
+                  </a:solidFill>
+                  <a:latin typeface="Arial" panose="020B0604020202020204" pitchFamily="34" charset="0"/>
+                  <a:ea typeface="+mn-ea"/>
+                  <a:cs typeface="+mn-cs"/>
+                </a:defRPr>
+              </a:lvl7pPr>
+              <a:lvl8pPr marL="3200400" algn="l" defTabSz="914400" rtl="0" eaLnBrk="1" latinLnBrk="0" hangingPunct="1">
+                <a:defRPr u="sng" kern="1200">
+                  <a:solidFill>
+                    <a:schemeClr val="tx1"/>
+                  </a:solidFill>
+                  <a:latin typeface="Arial" panose="020B0604020202020204" pitchFamily="34" charset="0"/>
+                  <a:ea typeface="+mn-ea"/>
+                  <a:cs typeface="+mn-cs"/>
+                </a:defRPr>
+              </a:lvl8pPr>
+              <a:lvl9pPr marL="3657600" algn="l" defTabSz="914400" rtl="0" eaLnBrk="1" latinLnBrk="0" hangingPunct="1">
+                <a:defRPr u="sng" kern="1200">
+                  <a:solidFill>
+                    <a:schemeClr val="tx1"/>
+                  </a:solidFill>
+                  <a:latin typeface="Arial" panose="020B0604020202020204" pitchFamily="34" charset="0"/>
+                  <a:ea typeface="+mn-ea"/>
+                  <a:cs typeface="+mn-cs"/>
+                </a:defRPr>
+              </a:lvl9pPr>
+            </a:lstStyle>
+            <a:p>
+              <a:pPr algn="ctr" eaLnBrk="1" hangingPunct="1"/>
+              <a:r>
+                <a:rPr lang="it-IT" altLang="it-IT" sz="1600" u="none">
+                  <a:solidFill>
+                    <a:srgbClr val="FF0000"/>
+                  </a:solidFill>
+                  <a:latin typeface="Calibri" panose="020F0502020204030204" pitchFamily="34" charset="0"/>
+                </a:rPr>
+                <a:t>rdf:type</a:t>
+              </a:r>
+            </a:p>
+          </p:txBody>
+        </p:sp>
+        <p:sp>
+          <p:nvSpPr>
+            <p:cNvPr id="11" name="Rettangolo arrotondato 5"/>
+            <p:cNvSpPr>
+              <a:spLocks noChangeArrowheads="1"/>
+            </p:cNvSpPr>
+            <p:nvPr/>
+          </p:nvSpPr>
+          <p:spPr bwMode="auto">
+            <a:xfrm>
+              <a:off x="249" y="3113"/>
+              <a:ext cx="624" cy="174"/>
+            </a:xfrm>
+            <a:prstGeom prst="roundRect">
+              <a:avLst>
+                <a:gd name="adj" fmla="val 16667"/>
+              </a:avLst>
+            </a:prstGeom>
+            <a:solidFill>
+              <a:srgbClr val="3C8C93"/>
+            </a:solidFill>
+            <a:ln w="25400" algn="ctr">
+              <a:solidFill>
+                <a:srgbClr val="262673"/>
+              </a:solidFill>
+              <a:round/>
+              <a:headEnd/>
+              <a:tailEnd/>
+            </a:ln>
+          </p:spPr>
+          <p:txBody>
+            <a:bodyPr anchor="ctr"/>
+            <a:lstStyle>
+              <a:defPPr>
+                <a:defRPr lang="it-IT"/>
+              </a:defPPr>
+              <a:lvl1pPr algn="l" rtl="0" fontAlgn="base">
+                <a:spcBef>
+                  <a:spcPct val="0"/>
+                </a:spcBef>
+                <a:spcAft>
+                  <a:spcPct val="0"/>
+                </a:spcAft>
+                <a:defRPr u="sng" kern="1200">
+                  <a:solidFill>
+                    <a:schemeClr val="tx1"/>
+                  </a:solidFill>
+                  <a:latin typeface="Arial" panose="020B0604020202020204" pitchFamily="34" charset="0"/>
+                  <a:ea typeface="+mn-ea"/>
+                  <a:cs typeface="+mn-cs"/>
+                </a:defRPr>
+              </a:lvl1pPr>
+              <a:lvl2pPr marL="457200" algn="l" rtl="0" fontAlgn="base">
+                <a:spcBef>
+                  <a:spcPct val="0"/>
+                </a:spcBef>
+                <a:spcAft>
+                  <a:spcPct val="0"/>
+                </a:spcAft>
+                <a:defRPr u="sng" kern="1200">
+                  <a:solidFill>
+                    <a:schemeClr val="tx1"/>
+                  </a:solidFill>
+                  <a:latin typeface="Arial" panose="020B0604020202020204" pitchFamily="34" charset="0"/>
+                  <a:ea typeface="+mn-ea"/>
+                  <a:cs typeface="+mn-cs"/>
+                </a:defRPr>
+              </a:lvl2pPr>
+              <a:lvl3pPr marL="914400" algn="l" rtl="0" fontAlgn="base">
+                <a:spcBef>
+                  <a:spcPct val="0"/>
+                </a:spcBef>
+                <a:spcAft>
+                  <a:spcPct val="0"/>
+                </a:spcAft>
+                <a:defRPr u="sng" kern="1200">
+                  <a:solidFill>
+                    <a:schemeClr val="tx1"/>
+                  </a:solidFill>
+                  <a:latin typeface="Arial" panose="020B0604020202020204" pitchFamily="34" charset="0"/>
+                  <a:ea typeface="+mn-ea"/>
+                  <a:cs typeface="+mn-cs"/>
+                </a:defRPr>
+              </a:lvl3pPr>
+              <a:lvl4pPr marL="1371600" algn="l" rtl="0" fontAlgn="base">
+                <a:spcBef>
+                  <a:spcPct val="0"/>
+                </a:spcBef>
+                <a:spcAft>
+                  <a:spcPct val="0"/>
+                </a:spcAft>
+                <a:defRPr u="sng" kern="1200">
+                  <a:solidFill>
+                    <a:schemeClr val="tx1"/>
+                  </a:solidFill>
+                  <a:latin typeface="Arial" panose="020B0604020202020204" pitchFamily="34" charset="0"/>
+                  <a:ea typeface="+mn-ea"/>
+                  <a:cs typeface="+mn-cs"/>
+                </a:defRPr>
+              </a:lvl4pPr>
+              <a:lvl5pPr marL="1828800" algn="l" rtl="0" fontAlgn="base">
+                <a:spcBef>
+                  <a:spcPct val="0"/>
+                </a:spcBef>
+                <a:spcAft>
+                  <a:spcPct val="0"/>
+                </a:spcAft>
+                <a:defRPr u="sng" kern="1200">
+                  <a:solidFill>
+                    <a:schemeClr val="tx1"/>
+                  </a:solidFill>
+                  <a:latin typeface="Arial" panose="020B0604020202020204" pitchFamily="34" charset="0"/>
+                  <a:ea typeface="+mn-ea"/>
+                  <a:cs typeface="+mn-cs"/>
+                </a:defRPr>
+              </a:lvl5pPr>
+              <a:lvl6pPr marL="2286000" algn="l" defTabSz="914400" rtl="0" eaLnBrk="1" latinLnBrk="0" hangingPunct="1">
+                <a:defRPr u="sng" kern="1200">
+                  <a:solidFill>
+                    <a:schemeClr val="tx1"/>
+                  </a:solidFill>
+                  <a:latin typeface="Arial" panose="020B0604020202020204" pitchFamily="34" charset="0"/>
+                  <a:ea typeface="+mn-ea"/>
+                  <a:cs typeface="+mn-cs"/>
+                </a:defRPr>
+              </a:lvl6pPr>
+              <a:lvl7pPr marL="2743200" algn="l" defTabSz="914400" rtl="0" eaLnBrk="1" latinLnBrk="0" hangingPunct="1">
+                <a:defRPr u="sng" kern="1200">
+                  <a:solidFill>
+                    <a:schemeClr val="tx1"/>
+                  </a:solidFill>
+                  <a:latin typeface="Arial" panose="020B0604020202020204" pitchFamily="34" charset="0"/>
+                  <a:ea typeface="+mn-ea"/>
+                  <a:cs typeface="+mn-cs"/>
+                </a:defRPr>
+              </a:lvl7pPr>
+              <a:lvl8pPr marL="3200400" algn="l" defTabSz="914400" rtl="0" eaLnBrk="1" latinLnBrk="0" hangingPunct="1">
+                <a:defRPr u="sng" kern="1200">
+                  <a:solidFill>
+                    <a:schemeClr val="tx1"/>
+                  </a:solidFill>
+                  <a:latin typeface="Arial" panose="020B0604020202020204" pitchFamily="34" charset="0"/>
+                  <a:ea typeface="+mn-ea"/>
+                  <a:cs typeface="+mn-cs"/>
+                </a:defRPr>
+              </a:lvl8pPr>
+              <a:lvl9pPr marL="3657600" algn="l" defTabSz="914400" rtl="0" eaLnBrk="1" latinLnBrk="0" hangingPunct="1">
+                <a:defRPr u="sng" kern="1200">
+                  <a:solidFill>
+                    <a:schemeClr val="tx1"/>
+                  </a:solidFill>
+                  <a:latin typeface="Arial" panose="020B0604020202020204" pitchFamily="34" charset="0"/>
+                  <a:ea typeface="+mn-ea"/>
+                  <a:cs typeface="+mn-cs"/>
+                </a:defRPr>
+              </a:lvl9pPr>
+            </a:lstStyle>
+            <a:p>
+              <a:pPr algn="ctr" eaLnBrk="1" hangingPunct="1"/>
+              <a:r>
+                <a:rPr lang="it-IT" altLang="it-IT" sz="1400" u="none">
+                  <a:solidFill>
+                    <a:srgbClr val="FFFFFF"/>
+                  </a:solidFill>
+                </a:rPr>
+                <a:t>CLASS</a:t>
+              </a:r>
+            </a:p>
+          </p:txBody>
+        </p:sp>
+      </p:grpSp>
+      <p:sp>
+        <p:nvSpPr>
           <p:cNvPr id="13" name="Segnaposto contenuto 12"/>
           <p:cNvSpPr>
             <a:spLocks noGrp="1"/>
@@ -7037,19 +11227,856 @@
             <p:ph idx="1"/>
           </p:nvPr>
         </p:nvSpPr>
-        <p:spPr/>
+        <p:spPr>
+          <a:xfrm>
+            <a:off x="0" y="0"/>
+            <a:ext cx="12192000" cy="6858000"/>
+          </a:xfrm>
+        </p:spPr>
         <p:txBody>
           <a:bodyPr/>
           <a:lstStyle/>
           <a:p>
-            <a:endParaRPr lang="it-IT"/>
+            <a:pPr marL="0" indent="0">
+              <a:buNone/>
+            </a:pPr>
+            <a:r>
+              <a:rPr lang="it-IT" dirty="0">
+                <a:solidFill>
+                  <a:srgbClr val="FF0000"/>
+                </a:solidFill>
+              </a:rPr>
+              <a:t>BACKUP-NON MODIFICARE</a:t>
+            </a:r>
           </a:p>
         </p:txBody>
       </p:sp>
     </p:spTree>
     <p:extLst>
       <p:ext uri="{BB962C8B-B14F-4D97-AF65-F5344CB8AC3E}">
-        <p14:creationId xmlns:p14="http://schemas.microsoft.com/office/powerpoint/2010/main" val="3412366615"/>
+        <p14:creationId xmlns:p14="http://schemas.microsoft.com/office/powerpoint/2010/main" val="347869368"/>
+      </p:ext>
+    </p:extLst>
+  </p:cSld>
+  <p:clrMapOvr>
+    <a:masterClrMapping/>
+  </p:clrMapOvr>
+</p:sld>
+</file>
+
+<file path=ppt/slides/slide15.xml><?xml version="1.0" encoding="utf-8"?>
+<p:sld xmlns:a="http://schemas.openxmlformats.org/drawingml/2006/main" xmlns:r="http://schemas.openxmlformats.org/officeDocument/2006/relationships" xmlns:p="http://schemas.openxmlformats.org/presentationml/2006/main">
+  <p:cSld>
+    <p:spTree>
+      <p:nvGrpSpPr>
+        <p:cNvPr id="1" name=""/>
+        <p:cNvGrpSpPr/>
+        <p:nvPr/>
+      </p:nvGrpSpPr>
+      <p:grpSpPr>
+        <a:xfrm>
+          <a:off x="0" y="0"/>
+          <a:ext cx="0" cy="0"/>
+          <a:chOff x="0" y="0"/>
+          <a:chExt cx="0" cy="0"/>
+        </a:xfrm>
+      </p:grpSpPr>
+      <p:sp>
+        <p:nvSpPr>
+          <p:cNvPr id="6" name="Rectangle: Rounded Corners 5"/>
+          <p:cNvSpPr/>
+          <p:nvPr/>
+        </p:nvSpPr>
+        <p:spPr>
+          <a:xfrm>
+            <a:off x="5163610" y="1227121"/>
+            <a:ext cx="1881810" cy="516835"/>
+          </a:xfrm>
+          <a:prstGeom prst="roundRect">
+            <a:avLst/>
+          </a:prstGeom>
+        </p:spPr>
+        <p:style>
+          <a:lnRef idx="2">
+            <a:schemeClr val="accent1">
+              <a:shade val="50000"/>
+            </a:schemeClr>
+          </a:lnRef>
+          <a:fillRef idx="1">
+            <a:schemeClr val="accent1"/>
+          </a:fillRef>
+          <a:effectRef idx="0">
+            <a:schemeClr val="accent1"/>
+          </a:effectRef>
+          <a:fontRef idx="minor">
+            <a:schemeClr val="lt1"/>
+          </a:fontRef>
+        </p:style>
+        <p:txBody>
+          <a:bodyPr rtlCol="0" anchor="ctr"/>
+          <a:lstStyle/>
+          <a:p>
+            <a:pPr algn="ctr"/>
+            <a:r>
+              <a:rPr lang="it-IT" dirty="0"/>
+              <a:t>sr:Table</a:t>
+            </a:r>
+          </a:p>
+        </p:txBody>
+      </p:sp>
+      <p:sp>
+        <p:nvSpPr>
+          <p:cNvPr id="7" name="Rectangle: Rounded Corners 6"/>
+          <p:cNvSpPr/>
+          <p:nvPr/>
+        </p:nvSpPr>
+        <p:spPr>
+          <a:xfrm>
+            <a:off x="5163610" y="2193478"/>
+            <a:ext cx="1881810" cy="516835"/>
+          </a:xfrm>
+          <a:prstGeom prst="roundRect">
+            <a:avLst/>
+          </a:prstGeom>
+        </p:spPr>
+        <p:style>
+          <a:lnRef idx="2">
+            <a:schemeClr val="accent1">
+              <a:shade val="50000"/>
+            </a:schemeClr>
+          </a:lnRef>
+          <a:fillRef idx="1">
+            <a:schemeClr val="accent1"/>
+          </a:fillRef>
+          <a:effectRef idx="0">
+            <a:schemeClr val="accent1"/>
+          </a:effectRef>
+          <a:fontRef idx="minor">
+            <a:schemeClr val="lt1"/>
+          </a:fontRef>
+        </p:style>
+        <p:txBody>
+          <a:bodyPr rtlCol="0" anchor="ctr"/>
+          <a:lstStyle/>
+          <a:p>
+            <a:pPr algn="ctr"/>
+            <a:r>
+              <a:rPr lang="it-IT" dirty="0"/>
+              <a:t>sr:StudyRoom</a:t>
+            </a:r>
+          </a:p>
+        </p:txBody>
+      </p:sp>
+      <p:sp>
+        <p:nvSpPr>
+          <p:cNvPr id="8" name="Rectangle: Rounded Corners 7"/>
+          <p:cNvSpPr/>
+          <p:nvPr/>
+        </p:nvSpPr>
+        <p:spPr>
+          <a:xfrm>
+            <a:off x="5163610" y="260764"/>
+            <a:ext cx="1881810" cy="516835"/>
+          </a:xfrm>
+          <a:prstGeom prst="roundRect">
+            <a:avLst/>
+          </a:prstGeom>
+        </p:spPr>
+        <p:style>
+          <a:lnRef idx="2">
+            <a:schemeClr val="accent1">
+              <a:shade val="50000"/>
+            </a:schemeClr>
+          </a:lnRef>
+          <a:fillRef idx="1">
+            <a:schemeClr val="accent1"/>
+          </a:fillRef>
+          <a:effectRef idx="0">
+            <a:schemeClr val="accent1"/>
+          </a:effectRef>
+          <a:fontRef idx="minor">
+            <a:schemeClr val="lt1"/>
+          </a:fontRef>
+        </p:style>
+        <p:txBody>
+          <a:bodyPr rtlCol="0" anchor="ctr"/>
+          <a:lstStyle/>
+          <a:p>
+            <a:pPr algn="ctr"/>
+            <a:r>
+              <a:rPr lang="it-IT" dirty="0"/>
+              <a:t>sr:Seat</a:t>
+            </a:r>
+          </a:p>
+        </p:txBody>
+      </p:sp>
+      <p:sp>
+        <p:nvSpPr>
+          <p:cNvPr id="10" name="Rectangle: Rounded Corners 9"/>
+          <p:cNvSpPr/>
+          <p:nvPr/>
+        </p:nvSpPr>
+        <p:spPr>
+          <a:xfrm>
+            <a:off x="5163610" y="3159835"/>
+            <a:ext cx="1881810" cy="516835"/>
+          </a:xfrm>
+          <a:prstGeom prst="roundRect">
+            <a:avLst/>
+          </a:prstGeom>
+        </p:spPr>
+        <p:style>
+          <a:lnRef idx="2">
+            <a:schemeClr val="accent1">
+              <a:shade val="50000"/>
+            </a:schemeClr>
+          </a:lnRef>
+          <a:fillRef idx="1">
+            <a:schemeClr val="accent1"/>
+          </a:fillRef>
+          <a:effectRef idx="0">
+            <a:schemeClr val="accent1"/>
+          </a:effectRef>
+          <a:fontRef idx="minor">
+            <a:schemeClr val="lt1"/>
+          </a:fontRef>
+        </p:style>
+        <p:txBody>
+          <a:bodyPr rtlCol="0" anchor="ctr"/>
+          <a:lstStyle/>
+          <a:p>
+            <a:pPr algn="ctr"/>
+            <a:r>
+              <a:rPr lang="it-IT" dirty="0"/>
+              <a:t>sr:University</a:t>
+            </a:r>
+          </a:p>
+        </p:txBody>
+      </p:sp>
+      <p:sp>
+        <p:nvSpPr>
+          <p:cNvPr id="11" name="Rectangle: Rounded Corners 10"/>
+          <p:cNvSpPr/>
+          <p:nvPr/>
+        </p:nvSpPr>
+        <p:spPr>
+          <a:xfrm>
+            <a:off x="5163610" y="4126192"/>
+            <a:ext cx="1881810" cy="516835"/>
+          </a:xfrm>
+          <a:prstGeom prst="roundRect">
+            <a:avLst/>
+          </a:prstGeom>
+        </p:spPr>
+        <p:style>
+          <a:lnRef idx="2">
+            <a:schemeClr val="accent1">
+              <a:shade val="50000"/>
+            </a:schemeClr>
+          </a:lnRef>
+          <a:fillRef idx="1">
+            <a:schemeClr val="accent1"/>
+          </a:fillRef>
+          <a:effectRef idx="0">
+            <a:schemeClr val="accent1"/>
+          </a:effectRef>
+          <a:fontRef idx="minor">
+            <a:schemeClr val="lt1"/>
+          </a:fontRef>
+        </p:style>
+        <p:txBody>
+          <a:bodyPr rtlCol="0" anchor="ctr"/>
+          <a:lstStyle/>
+          <a:p>
+            <a:pPr algn="ctr"/>
+            <a:r>
+              <a:rPr lang="it-IT" dirty="0"/>
+              <a:t>sr:Feature</a:t>
+            </a:r>
+          </a:p>
+        </p:txBody>
+      </p:sp>
+      <p:sp>
+        <p:nvSpPr>
+          <p:cNvPr id="12" name="Rectangle: Rounded Corners 11"/>
+          <p:cNvSpPr/>
+          <p:nvPr/>
+        </p:nvSpPr>
+        <p:spPr>
+          <a:xfrm>
+            <a:off x="5163610" y="5092549"/>
+            <a:ext cx="1881810" cy="516835"/>
+          </a:xfrm>
+          <a:prstGeom prst="roundRect">
+            <a:avLst/>
+          </a:prstGeom>
+        </p:spPr>
+        <p:style>
+          <a:lnRef idx="2">
+            <a:schemeClr val="accent1">
+              <a:shade val="50000"/>
+            </a:schemeClr>
+          </a:lnRef>
+          <a:fillRef idx="1">
+            <a:schemeClr val="accent1"/>
+          </a:fillRef>
+          <a:effectRef idx="0">
+            <a:schemeClr val="accent1"/>
+          </a:effectRef>
+          <a:fontRef idx="minor">
+            <a:schemeClr val="lt1"/>
+          </a:fontRef>
+        </p:style>
+        <p:txBody>
+          <a:bodyPr rtlCol="0" anchor="ctr"/>
+          <a:lstStyle/>
+          <a:p>
+            <a:pPr algn="ctr"/>
+            <a:r>
+              <a:rPr lang="it-IT" dirty="0"/>
+              <a:t>locn:Address</a:t>
+            </a:r>
+          </a:p>
+        </p:txBody>
+      </p:sp>
+      <p:sp>
+        <p:nvSpPr>
+          <p:cNvPr id="13" name="Rectangle: Rounded Corners 12"/>
+          <p:cNvSpPr/>
+          <p:nvPr/>
+        </p:nvSpPr>
+        <p:spPr>
+          <a:xfrm>
+            <a:off x="5163610" y="6058908"/>
+            <a:ext cx="1881810" cy="516835"/>
+          </a:xfrm>
+          <a:prstGeom prst="roundRect">
+            <a:avLst/>
+          </a:prstGeom>
+        </p:spPr>
+        <p:style>
+          <a:lnRef idx="2">
+            <a:schemeClr val="accent1">
+              <a:shade val="50000"/>
+            </a:schemeClr>
+          </a:lnRef>
+          <a:fillRef idx="1">
+            <a:schemeClr val="accent1"/>
+          </a:fillRef>
+          <a:effectRef idx="0">
+            <a:schemeClr val="accent1"/>
+          </a:effectRef>
+          <a:fontRef idx="minor">
+            <a:schemeClr val="lt1"/>
+          </a:fontRef>
+        </p:style>
+        <p:txBody>
+          <a:bodyPr rtlCol="0" anchor="ctr"/>
+          <a:lstStyle/>
+          <a:p>
+            <a:pPr algn="ctr"/>
+            <a:r>
+              <a:rPr lang="it-IT" dirty="0"/>
+              <a:t>geo:SpatialThing</a:t>
+            </a:r>
+          </a:p>
+        </p:txBody>
+      </p:sp>
+      <p:sp>
+        <p:nvSpPr>
+          <p:cNvPr id="15" name="Rectangle: Rounded Corners 14"/>
+          <p:cNvSpPr/>
+          <p:nvPr/>
+        </p:nvSpPr>
+        <p:spPr>
+          <a:xfrm>
+            <a:off x="2368935" y="3159835"/>
+            <a:ext cx="1882800" cy="516835"/>
+          </a:xfrm>
+          <a:prstGeom prst="roundRect">
+            <a:avLst/>
+          </a:prstGeom>
+        </p:spPr>
+        <p:style>
+          <a:lnRef idx="2">
+            <a:schemeClr val="accent1">
+              <a:shade val="50000"/>
+            </a:schemeClr>
+          </a:lnRef>
+          <a:fillRef idx="1">
+            <a:schemeClr val="accent1"/>
+          </a:fillRef>
+          <a:effectRef idx="0">
+            <a:schemeClr val="accent1"/>
+          </a:effectRef>
+          <a:fontRef idx="minor">
+            <a:schemeClr val="lt1"/>
+          </a:fontRef>
+        </p:style>
+        <p:txBody>
+          <a:bodyPr rtlCol="0" anchor="ctr"/>
+          <a:lstStyle/>
+          <a:p>
+            <a:pPr algn="ctr"/>
+            <a:r>
+              <a:rPr lang="it-IT" dirty="0"/>
+              <a:t>owl:Thing</a:t>
+            </a:r>
+          </a:p>
+        </p:txBody>
+      </p:sp>
+      <p:sp>
+        <p:nvSpPr>
+          <p:cNvPr id="16" name="Rectangle: Rounded Corners 15"/>
+          <p:cNvSpPr/>
+          <p:nvPr/>
+        </p:nvSpPr>
+        <p:spPr>
+          <a:xfrm>
+            <a:off x="7957295" y="6058907"/>
+            <a:ext cx="1881810" cy="516835"/>
+          </a:xfrm>
+          <a:prstGeom prst="roundRect">
+            <a:avLst/>
+          </a:prstGeom>
+        </p:spPr>
+        <p:style>
+          <a:lnRef idx="2">
+            <a:schemeClr val="accent1">
+              <a:shade val="50000"/>
+            </a:schemeClr>
+          </a:lnRef>
+          <a:fillRef idx="1">
+            <a:schemeClr val="accent1"/>
+          </a:fillRef>
+          <a:effectRef idx="0">
+            <a:schemeClr val="accent1"/>
+          </a:effectRef>
+          <a:fontRef idx="minor">
+            <a:schemeClr val="lt1"/>
+          </a:fontRef>
+        </p:style>
+        <p:txBody>
+          <a:bodyPr rtlCol="0" anchor="ctr"/>
+          <a:lstStyle/>
+          <a:p>
+            <a:pPr algn="ctr"/>
+            <a:r>
+              <a:rPr lang="it-IT" dirty="0"/>
+              <a:t>geo:Point</a:t>
+            </a:r>
+          </a:p>
+        </p:txBody>
+      </p:sp>
+      <p:cxnSp>
+        <p:nvCxnSpPr>
+          <p:cNvPr id="18" name="Straight Arrow Connector 17"/>
+          <p:cNvCxnSpPr>
+            <a:cxnSpLocks/>
+            <a:stCxn id="15" idx="3"/>
+          </p:cNvCxnSpPr>
+          <p:nvPr/>
+        </p:nvCxnSpPr>
+        <p:spPr>
+          <a:xfrm>
+            <a:off x="4251735" y="3418253"/>
+            <a:ext cx="932265" cy="0"/>
+          </a:xfrm>
+          <a:prstGeom prst="straightConnector1">
+            <a:avLst/>
+          </a:prstGeom>
+          <a:ln w="38100" cap="flat" cmpd="sng" algn="ctr">
+            <a:solidFill>
+              <a:schemeClr val="dk1"/>
+            </a:solidFill>
+            <a:prstDash val="solid"/>
+            <a:round/>
+            <a:headEnd type="none" w="med" len="med"/>
+            <a:tailEnd type="triangle" w="med" len="med"/>
+          </a:ln>
+        </p:spPr>
+        <p:style>
+          <a:lnRef idx="0">
+            <a:scrgbClr r="0" g="0" b="0"/>
+          </a:lnRef>
+          <a:fillRef idx="0">
+            <a:scrgbClr r="0" g="0" b="0"/>
+          </a:fillRef>
+          <a:effectRef idx="0">
+            <a:scrgbClr r="0" g="0" b="0"/>
+          </a:effectRef>
+          <a:fontRef idx="minor">
+            <a:schemeClr val="tx1"/>
+          </a:fontRef>
+        </p:style>
+      </p:cxnSp>
+      <p:cxnSp>
+        <p:nvCxnSpPr>
+          <p:cNvPr id="20" name="Straight Arrow Connector 19"/>
+          <p:cNvCxnSpPr>
+            <a:cxnSpLocks/>
+          </p:cNvCxnSpPr>
+          <p:nvPr/>
+        </p:nvCxnSpPr>
+        <p:spPr>
+          <a:xfrm>
+            <a:off x="7045420" y="6313853"/>
+            <a:ext cx="911875" cy="0"/>
+          </a:xfrm>
+          <a:prstGeom prst="straightConnector1">
+            <a:avLst/>
+          </a:prstGeom>
+          <a:ln w="38100" cap="flat" cmpd="sng" algn="ctr">
+            <a:solidFill>
+              <a:schemeClr val="dk1"/>
+            </a:solidFill>
+            <a:prstDash val="solid"/>
+            <a:round/>
+            <a:headEnd type="none" w="med" len="med"/>
+            <a:tailEnd type="triangle" w="med" len="med"/>
+          </a:ln>
+        </p:spPr>
+        <p:style>
+          <a:lnRef idx="0">
+            <a:scrgbClr r="0" g="0" b="0"/>
+          </a:lnRef>
+          <a:fillRef idx="0">
+            <a:scrgbClr r="0" g="0" b="0"/>
+          </a:fillRef>
+          <a:effectRef idx="0">
+            <a:scrgbClr r="0" g="0" b="0"/>
+          </a:effectRef>
+          <a:fontRef idx="minor">
+            <a:schemeClr val="tx1"/>
+          </a:fontRef>
+        </p:style>
+      </p:cxnSp>
+      <p:cxnSp>
+        <p:nvCxnSpPr>
+          <p:cNvPr id="21" name="Straight Arrow Connector 20"/>
+          <p:cNvCxnSpPr>
+            <a:cxnSpLocks/>
+          </p:cNvCxnSpPr>
+          <p:nvPr/>
+        </p:nvCxnSpPr>
+        <p:spPr>
+          <a:xfrm>
+            <a:off x="4752000" y="4393130"/>
+            <a:ext cx="432000" cy="0"/>
+          </a:xfrm>
+          <a:prstGeom prst="straightConnector1">
+            <a:avLst/>
+          </a:prstGeom>
+          <a:ln w="38100" cap="flat" cmpd="sng" algn="ctr">
+            <a:solidFill>
+              <a:schemeClr val="dk1"/>
+            </a:solidFill>
+            <a:prstDash val="solid"/>
+            <a:round/>
+            <a:headEnd type="none" w="med" len="med"/>
+            <a:tailEnd type="triangle" w="med" len="med"/>
+          </a:ln>
+        </p:spPr>
+        <p:style>
+          <a:lnRef idx="0">
+            <a:scrgbClr r="0" g="0" b="0"/>
+          </a:lnRef>
+          <a:fillRef idx="0">
+            <a:scrgbClr r="0" g="0" b="0"/>
+          </a:fillRef>
+          <a:effectRef idx="0">
+            <a:scrgbClr r="0" g="0" b="0"/>
+          </a:effectRef>
+          <a:fontRef idx="minor">
+            <a:schemeClr val="tx1"/>
+          </a:fontRef>
+        </p:style>
+      </p:cxnSp>
+      <p:cxnSp>
+        <p:nvCxnSpPr>
+          <p:cNvPr id="22" name="Straight Arrow Connector 21"/>
+          <p:cNvCxnSpPr>
+            <a:cxnSpLocks/>
+          </p:cNvCxnSpPr>
+          <p:nvPr/>
+        </p:nvCxnSpPr>
+        <p:spPr>
+          <a:xfrm>
+            <a:off x="4752000" y="5353492"/>
+            <a:ext cx="432000" cy="0"/>
+          </a:xfrm>
+          <a:prstGeom prst="straightConnector1">
+            <a:avLst/>
+          </a:prstGeom>
+          <a:ln w="38100" cap="flat" cmpd="sng" algn="ctr">
+            <a:solidFill>
+              <a:schemeClr val="dk1"/>
+            </a:solidFill>
+            <a:prstDash val="solid"/>
+            <a:round/>
+            <a:headEnd type="none" w="med" len="med"/>
+            <a:tailEnd type="triangle" w="med" len="med"/>
+          </a:ln>
+        </p:spPr>
+        <p:style>
+          <a:lnRef idx="0">
+            <a:scrgbClr r="0" g="0" b="0"/>
+          </a:lnRef>
+          <a:fillRef idx="0">
+            <a:scrgbClr r="0" g="0" b="0"/>
+          </a:fillRef>
+          <a:effectRef idx="0">
+            <a:scrgbClr r="0" g="0" b="0"/>
+          </a:effectRef>
+          <a:fontRef idx="minor">
+            <a:schemeClr val="tx1"/>
+          </a:fontRef>
+        </p:style>
+      </p:cxnSp>
+      <p:cxnSp>
+        <p:nvCxnSpPr>
+          <p:cNvPr id="23" name="Straight Arrow Connector 22"/>
+          <p:cNvCxnSpPr>
+            <a:cxnSpLocks/>
+          </p:cNvCxnSpPr>
+          <p:nvPr/>
+        </p:nvCxnSpPr>
+        <p:spPr>
+          <a:xfrm>
+            <a:off x="4752000" y="2472406"/>
+            <a:ext cx="432000" cy="0"/>
+          </a:xfrm>
+          <a:prstGeom prst="straightConnector1">
+            <a:avLst/>
+          </a:prstGeom>
+          <a:ln w="38100" cap="flat" cmpd="sng" algn="ctr">
+            <a:solidFill>
+              <a:schemeClr val="dk1"/>
+            </a:solidFill>
+            <a:prstDash val="solid"/>
+            <a:round/>
+            <a:headEnd type="none" w="med" len="med"/>
+            <a:tailEnd type="triangle" w="med" len="med"/>
+          </a:ln>
+        </p:spPr>
+        <p:style>
+          <a:lnRef idx="0">
+            <a:scrgbClr r="0" g="0" b="0"/>
+          </a:lnRef>
+          <a:fillRef idx="0">
+            <a:scrgbClr r="0" g="0" b="0"/>
+          </a:fillRef>
+          <a:effectRef idx="0">
+            <a:scrgbClr r="0" g="0" b="0"/>
+          </a:effectRef>
+          <a:fontRef idx="minor">
+            <a:schemeClr val="tx1"/>
+          </a:fontRef>
+        </p:style>
+      </p:cxnSp>
+      <p:cxnSp>
+        <p:nvCxnSpPr>
+          <p:cNvPr id="24" name="Straight Arrow Connector 23"/>
+          <p:cNvCxnSpPr>
+            <a:cxnSpLocks/>
+          </p:cNvCxnSpPr>
+          <p:nvPr/>
+        </p:nvCxnSpPr>
+        <p:spPr>
+          <a:xfrm>
+            <a:off x="4752000" y="6313853"/>
+            <a:ext cx="432000" cy="0"/>
+          </a:xfrm>
+          <a:prstGeom prst="straightConnector1">
+            <a:avLst/>
+          </a:prstGeom>
+          <a:ln w="38100" cap="flat" cmpd="sng" algn="ctr">
+            <a:solidFill>
+              <a:schemeClr val="dk1"/>
+            </a:solidFill>
+            <a:prstDash val="solid"/>
+            <a:round/>
+            <a:headEnd type="none" w="med" len="med"/>
+            <a:tailEnd type="triangle" w="med" len="med"/>
+          </a:ln>
+        </p:spPr>
+        <p:style>
+          <a:lnRef idx="0">
+            <a:scrgbClr r="0" g="0" b="0"/>
+          </a:lnRef>
+          <a:fillRef idx="0">
+            <a:scrgbClr r="0" g="0" b="0"/>
+          </a:fillRef>
+          <a:effectRef idx="0">
+            <a:scrgbClr r="0" g="0" b="0"/>
+          </a:effectRef>
+          <a:fontRef idx="minor">
+            <a:schemeClr val="tx1"/>
+          </a:fontRef>
+        </p:style>
+      </p:cxnSp>
+      <p:cxnSp>
+        <p:nvCxnSpPr>
+          <p:cNvPr id="25" name="Straight Arrow Connector 24"/>
+          <p:cNvCxnSpPr>
+            <a:cxnSpLocks/>
+          </p:cNvCxnSpPr>
+          <p:nvPr/>
+        </p:nvCxnSpPr>
+        <p:spPr>
+          <a:xfrm>
+            <a:off x="4752000" y="1512044"/>
+            <a:ext cx="432000" cy="0"/>
+          </a:xfrm>
+          <a:prstGeom prst="straightConnector1">
+            <a:avLst/>
+          </a:prstGeom>
+          <a:ln w="38100" cap="flat" cmpd="sng" algn="ctr">
+            <a:solidFill>
+              <a:schemeClr val="dk1"/>
+            </a:solidFill>
+            <a:prstDash val="solid"/>
+            <a:round/>
+            <a:headEnd type="none" w="med" len="med"/>
+            <a:tailEnd type="triangle" w="med" len="med"/>
+          </a:ln>
+        </p:spPr>
+        <p:style>
+          <a:lnRef idx="0">
+            <a:scrgbClr r="0" g="0" b="0"/>
+          </a:lnRef>
+          <a:fillRef idx="0">
+            <a:scrgbClr r="0" g="0" b="0"/>
+          </a:fillRef>
+          <a:effectRef idx="0">
+            <a:scrgbClr r="0" g="0" b="0"/>
+          </a:effectRef>
+          <a:fontRef idx="minor">
+            <a:schemeClr val="tx1"/>
+          </a:fontRef>
+        </p:style>
+      </p:cxnSp>
+      <p:cxnSp>
+        <p:nvCxnSpPr>
+          <p:cNvPr id="26" name="Straight Arrow Connector 25"/>
+          <p:cNvCxnSpPr>
+            <a:cxnSpLocks/>
+          </p:cNvCxnSpPr>
+          <p:nvPr/>
+        </p:nvCxnSpPr>
+        <p:spPr>
+          <a:xfrm>
+            <a:off x="4752000" y="551682"/>
+            <a:ext cx="432000" cy="0"/>
+          </a:xfrm>
+          <a:prstGeom prst="straightConnector1">
+            <a:avLst/>
+          </a:prstGeom>
+          <a:ln w="38100" cap="flat" cmpd="sng" algn="ctr">
+            <a:solidFill>
+              <a:schemeClr val="dk1"/>
+            </a:solidFill>
+            <a:prstDash val="solid"/>
+            <a:round/>
+            <a:headEnd type="none" w="med" len="med"/>
+            <a:tailEnd type="triangle" w="med" len="med"/>
+          </a:ln>
+        </p:spPr>
+        <p:style>
+          <a:lnRef idx="0">
+            <a:scrgbClr r="0" g="0" b="0"/>
+          </a:lnRef>
+          <a:fillRef idx="0">
+            <a:scrgbClr r="0" g="0" b="0"/>
+          </a:fillRef>
+          <a:effectRef idx="0">
+            <a:scrgbClr r="0" g="0" b="0"/>
+          </a:effectRef>
+          <a:fontRef idx="minor">
+            <a:schemeClr val="tx1"/>
+          </a:fontRef>
+        </p:style>
+      </p:cxnSp>
+      <p:cxnSp>
+        <p:nvCxnSpPr>
+          <p:cNvPr id="42" name="Straight Connector 41"/>
+          <p:cNvCxnSpPr>
+            <a:cxnSpLocks/>
+          </p:cNvCxnSpPr>
+          <p:nvPr/>
+        </p:nvCxnSpPr>
+        <p:spPr>
+          <a:xfrm>
+            <a:off x="4752000" y="532630"/>
+            <a:ext cx="0" cy="5799600"/>
+          </a:xfrm>
+          <a:prstGeom prst="line">
+            <a:avLst/>
+          </a:prstGeom>
+          <a:ln w="38100">
+            <a:solidFill>
+              <a:schemeClr val="tx1"/>
+            </a:solidFill>
+          </a:ln>
+        </p:spPr>
+        <p:style>
+          <a:lnRef idx="1">
+            <a:schemeClr val="accent1"/>
+          </a:lnRef>
+          <a:fillRef idx="0">
+            <a:schemeClr val="accent1"/>
+          </a:fillRef>
+          <a:effectRef idx="0">
+            <a:schemeClr val="accent1"/>
+          </a:effectRef>
+          <a:fontRef idx="minor">
+            <a:schemeClr val="tx1"/>
+          </a:fontRef>
+        </p:style>
+      </p:cxnSp>
+      <p:sp>
+        <p:nvSpPr>
+          <p:cNvPr id="2" name="TextBox 1">
+            <a:extLst>
+              <a:ext uri="{FF2B5EF4-FFF2-40B4-BE49-F238E27FC236}">
+                <a16:creationId xmlns:a16="http://schemas.microsoft.com/office/drawing/2014/main" id="{D015BEF2-ED1A-4F8E-8563-15ABF7E60025}"/>
+              </a:ext>
+            </a:extLst>
+          </p:cNvPr>
+          <p:cNvSpPr txBox="1"/>
+          <p:nvPr/>
+        </p:nvSpPr>
+        <p:spPr>
+          <a:xfrm>
+            <a:off x="1197735" y="777599"/>
+            <a:ext cx="2459865" cy="646331"/>
+          </a:xfrm>
+          <a:prstGeom prst="rect">
+            <a:avLst/>
+          </a:prstGeom>
+          <a:noFill/>
+        </p:spPr>
+        <p:txBody>
+          <a:bodyPr wrap="square" rtlCol="0">
+            <a:spAutoFit/>
+          </a:bodyPr>
+          <a:lstStyle/>
+          <a:p>
+            <a:r>
+              <a:rPr lang="it-IT" dirty="0">
+                <a:solidFill>
+                  <a:srgbClr val="FF0000"/>
+                </a:solidFill>
+              </a:rPr>
+              <a:t>BACKUP – NON MODIFICARE</a:t>
+            </a:r>
+          </a:p>
+        </p:txBody>
+      </p:sp>
+    </p:spTree>
+    <p:extLst>
+      <p:ext uri="{BB962C8B-B14F-4D97-AF65-F5344CB8AC3E}">
+        <p14:creationId xmlns:p14="http://schemas.microsoft.com/office/powerpoint/2010/main" val="1807586185"/>
       </p:ext>
     </p:extLst>
   </p:cSld>

--- a/ontologia.pptx
+++ b/ontologia.pptx
@@ -18,8 +18,9 @@
     <p:sldId id="272" r:id="rId12"/>
     <p:sldId id="258" r:id="rId13"/>
     <p:sldId id="274" r:id="rId14"/>
-    <p:sldId id="273" r:id="rId15"/>
-    <p:sldId id="271" r:id="rId16"/>
+    <p:sldId id="275" r:id="rId15"/>
+    <p:sldId id="273" r:id="rId16"/>
+    <p:sldId id="271" r:id="rId17"/>
   </p:sldIdLst>
   <p:sldSz cx="12192000" cy="6858000"/>
   <p:notesSz cx="6858000" cy="9144000"/>
@@ -4951,1292 +4952,6 @@
           <a:chExt cx="0" cy="0"/>
         </a:xfrm>
       </p:grpSpPr>
-      <p:grpSp>
-        <p:nvGrpSpPr>
-          <p:cNvPr id="4" name="Group 80"/>
-          <p:cNvGrpSpPr>
-            <a:grpSpLocks/>
-          </p:cNvGrpSpPr>
-          <p:nvPr/>
-        </p:nvGrpSpPr>
-        <p:grpSpPr bwMode="auto">
-          <a:xfrm>
-            <a:off x="75421" y="4700336"/>
-            <a:ext cx="1871662" cy="2089150"/>
-            <a:chOff x="113" y="2704"/>
-            <a:chExt cx="1179" cy="1316"/>
-          </a:xfrm>
-        </p:grpSpPr>
-        <p:sp>
-          <p:nvSpPr>
-            <p:cNvPr id="5" name="Rectangle 1663"/>
-            <p:cNvSpPr>
-              <a:spLocks noChangeArrowheads="1"/>
-            </p:cNvSpPr>
-            <p:nvPr/>
-          </p:nvSpPr>
-          <p:spPr bwMode="auto">
-            <a:xfrm>
-              <a:off x="113" y="2704"/>
-              <a:ext cx="1179" cy="1316"/>
-            </a:xfrm>
-            <a:prstGeom prst="rect">
-              <a:avLst/>
-            </a:prstGeom>
-            <a:noFill/>
-            <a:ln w="25400">
-              <a:solidFill>
-                <a:srgbClr val="000000"/>
-              </a:solidFill>
-              <a:miter lim="800000"/>
-              <a:headEnd/>
-              <a:tailEnd/>
-            </a:ln>
-          </p:spPr>
-          <p:txBody>
-            <a:bodyPr wrap="none" anchor="ctr"/>
-            <a:lstStyle>
-              <a:defPPr>
-                <a:defRPr lang="it-IT"/>
-              </a:defPPr>
-              <a:lvl1pPr algn="l" rtl="0" fontAlgn="base">
-                <a:spcBef>
-                  <a:spcPct val="0"/>
-                </a:spcBef>
-                <a:spcAft>
-                  <a:spcPct val="0"/>
-                </a:spcAft>
-                <a:defRPr u="sng" kern="1200">
-                  <a:solidFill>
-                    <a:schemeClr val="tx1"/>
-                  </a:solidFill>
-                  <a:latin typeface="Arial" panose="020B0604020202020204" pitchFamily="34" charset="0"/>
-                  <a:ea typeface="+mn-ea"/>
-                  <a:cs typeface="+mn-cs"/>
-                </a:defRPr>
-              </a:lvl1pPr>
-              <a:lvl2pPr marL="457200" algn="l" rtl="0" fontAlgn="base">
-                <a:spcBef>
-                  <a:spcPct val="0"/>
-                </a:spcBef>
-                <a:spcAft>
-                  <a:spcPct val="0"/>
-                </a:spcAft>
-                <a:defRPr u="sng" kern="1200">
-                  <a:solidFill>
-                    <a:schemeClr val="tx1"/>
-                  </a:solidFill>
-                  <a:latin typeface="Arial" panose="020B0604020202020204" pitchFamily="34" charset="0"/>
-                  <a:ea typeface="+mn-ea"/>
-                  <a:cs typeface="+mn-cs"/>
-                </a:defRPr>
-              </a:lvl2pPr>
-              <a:lvl3pPr marL="914400" algn="l" rtl="0" fontAlgn="base">
-                <a:spcBef>
-                  <a:spcPct val="0"/>
-                </a:spcBef>
-                <a:spcAft>
-                  <a:spcPct val="0"/>
-                </a:spcAft>
-                <a:defRPr u="sng" kern="1200">
-                  <a:solidFill>
-                    <a:schemeClr val="tx1"/>
-                  </a:solidFill>
-                  <a:latin typeface="Arial" panose="020B0604020202020204" pitchFamily="34" charset="0"/>
-                  <a:ea typeface="+mn-ea"/>
-                  <a:cs typeface="+mn-cs"/>
-                </a:defRPr>
-              </a:lvl3pPr>
-              <a:lvl4pPr marL="1371600" algn="l" rtl="0" fontAlgn="base">
-                <a:spcBef>
-                  <a:spcPct val="0"/>
-                </a:spcBef>
-                <a:spcAft>
-                  <a:spcPct val="0"/>
-                </a:spcAft>
-                <a:defRPr u="sng" kern="1200">
-                  <a:solidFill>
-                    <a:schemeClr val="tx1"/>
-                  </a:solidFill>
-                  <a:latin typeface="Arial" panose="020B0604020202020204" pitchFamily="34" charset="0"/>
-                  <a:ea typeface="+mn-ea"/>
-                  <a:cs typeface="+mn-cs"/>
-                </a:defRPr>
-              </a:lvl4pPr>
-              <a:lvl5pPr marL="1828800" algn="l" rtl="0" fontAlgn="base">
-                <a:spcBef>
-                  <a:spcPct val="0"/>
-                </a:spcBef>
-                <a:spcAft>
-                  <a:spcPct val="0"/>
-                </a:spcAft>
-                <a:defRPr u="sng" kern="1200">
-                  <a:solidFill>
-                    <a:schemeClr val="tx1"/>
-                  </a:solidFill>
-                  <a:latin typeface="Arial" panose="020B0604020202020204" pitchFamily="34" charset="0"/>
-                  <a:ea typeface="+mn-ea"/>
-                  <a:cs typeface="+mn-cs"/>
-                </a:defRPr>
-              </a:lvl5pPr>
-              <a:lvl6pPr marL="2286000" algn="l" defTabSz="914400" rtl="0" eaLnBrk="1" latinLnBrk="0" hangingPunct="1">
-                <a:defRPr u="sng" kern="1200">
-                  <a:solidFill>
-                    <a:schemeClr val="tx1"/>
-                  </a:solidFill>
-                  <a:latin typeface="Arial" panose="020B0604020202020204" pitchFamily="34" charset="0"/>
-                  <a:ea typeface="+mn-ea"/>
-                  <a:cs typeface="+mn-cs"/>
-                </a:defRPr>
-              </a:lvl6pPr>
-              <a:lvl7pPr marL="2743200" algn="l" defTabSz="914400" rtl="0" eaLnBrk="1" latinLnBrk="0" hangingPunct="1">
-                <a:defRPr u="sng" kern="1200">
-                  <a:solidFill>
-                    <a:schemeClr val="tx1"/>
-                  </a:solidFill>
-                  <a:latin typeface="Arial" panose="020B0604020202020204" pitchFamily="34" charset="0"/>
-                  <a:ea typeface="+mn-ea"/>
-                  <a:cs typeface="+mn-cs"/>
-                </a:defRPr>
-              </a:lvl7pPr>
-              <a:lvl8pPr marL="3200400" algn="l" defTabSz="914400" rtl="0" eaLnBrk="1" latinLnBrk="0" hangingPunct="1">
-                <a:defRPr u="sng" kern="1200">
-                  <a:solidFill>
-                    <a:schemeClr val="tx1"/>
-                  </a:solidFill>
-                  <a:latin typeface="Arial" panose="020B0604020202020204" pitchFamily="34" charset="0"/>
-                  <a:ea typeface="+mn-ea"/>
-                  <a:cs typeface="+mn-cs"/>
-                </a:defRPr>
-              </a:lvl8pPr>
-              <a:lvl9pPr marL="3657600" algn="l" defTabSz="914400" rtl="0" eaLnBrk="1" latinLnBrk="0" hangingPunct="1">
-                <a:defRPr u="sng" kern="1200">
-                  <a:solidFill>
-                    <a:schemeClr val="tx1"/>
-                  </a:solidFill>
-                  <a:latin typeface="Arial" panose="020B0604020202020204" pitchFamily="34" charset="0"/>
-                  <a:ea typeface="+mn-ea"/>
-                  <a:cs typeface="+mn-cs"/>
-                </a:defRPr>
-              </a:lvl9pPr>
-            </a:lstStyle>
-            <a:p>
-              <a:pPr fontAlgn="auto">
-                <a:spcBef>
-                  <a:spcPts val="0"/>
-                </a:spcBef>
-                <a:spcAft>
-                  <a:spcPts val="0"/>
-                </a:spcAft>
-                <a:defRPr/>
-              </a:pPr>
-              <a:endParaRPr lang="it-IT" u="none" kern="0">
-                <a:solidFill>
-                  <a:sysClr val="windowText" lastClr="000000"/>
-                </a:solidFill>
-                <a:latin typeface="Calibri" pitchFamily="34" charset="0"/>
-              </a:endParaRPr>
-            </a:p>
-          </p:txBody>
-        </p:sp>
-        <p:sp>
-          <p:nvSpPr>
-            <p:cNvPr id="6" name="Rectangle 1664"/>
-            <p:cNvSpPr>
-              <a:spLocks noChangeArrowheads="1"/>
-            </p:cNvSpPr>
-            <p:nvPr/>
-          </p:nvSpPr>
-          <p:spPr bwMode="auto">
-            <a:xfrm>
-              <a:off x="191" y="3625"/>
-              <a:ext cx="1041" cy="123"/>
-            </a:xfrm>
-            <a:prstGeom prst="rect">
-              <a:avLst/>
-            </a:prstGeom>
-            <a:solidFill>
-              <a:srgbClr val="BBE0E3"/>
-            </a:solidFill>
-            <a:ln w="28575">
-              <a:solidFill>
-                <a:srgbClr val="000000"/>
-              </a:solidFill>
-              <a:miter lim="800000"/>
-              <a:headEnd/>
-              <a:tailEnd/>
-            </a:ln>
-          </p:spPr>
-          <p:txBody>
-            <a:bodyPr wrap="none" anchor="ctr"/>
-            <a:lstStyle>
-              <a:defPPr>
-                <a:defRPr lang="it-IT"/>
-              </a:defPPr>
-              <a:lvl1pPr algn="l" rtl="0" fontAlgn="base">
-                <a:spcBef>
-                  <a:spcPct val="0"/>
-                </a:spcBef>
-                <a:spcAft>
-                  <a:spcPct val="0"/>
-                </a:spcAft>
-                <a:defRPr u="sng" kern="1200">
-                  <a:solidFill>
-                    <a:schemeClr val="tx1"/>
-                  </a:solidFill>
-                  <a:latin typeface="Arial" panose="020B0604020202020204" pitchFamily="34" charset="0"/>
-                  <a:ea typeface="+mn-ea"/>
-                  <a:cs typeface="+mn-cs"/>
-                </a:defRPr>
-              </a:lvl1pPr>
-              <a:lvl2pPr marL="457200" algn="l" rtl="0" fontAlgn="base">
-                <a:spcBef>
-                  <a:spcPct val="0"/>
-                </a:spcBef>
-                <a:spcAft>
-                  <a:spcPct val="0"/>
-                </a:spcAft>
-                <a:defRPr u="sng" kern="1200">
-                  <a:solidFill>
-                    <a:schemeClr val="tx1"/>
-                  </a:solidFill>
-                  <a:latin typeface="Arial" panose="020B0604020202020204" pitchFamily="34" charset="0"/>
-                  <a:ea typeface="+mn-ea"/>
-                  <a:cs typeface="+mn-cs"/>
-                </a:defRPr>
-              </a:lvl2pPr>
-              <a:lvl3pPr marL="914400" algn="l" rtl="0" fontAlgn="base">
-                <a:spcBef>
-                  <a:spcPct val="0"/>
-                </a:spcBef>
-                <a:spcAft>
-                  <a:spcPct val="0"/>
-                </a:spcAft>
-                <a:defRPr u="sng" kern="1200">
-                  <a:solidFill>
-                    <a:schemeClr val="tx1"/>
-                  </a:solidFill>
-                  <a:latin typeface="Arial" panose="020B0604020202020204" pitchFamily="34" charset="0"/>
-                  <a:ea typeface="+mn-ea"/>
-                  <a:cs typeface="+mn-cs"/>
-                </a:defRPr>
-              </a:lvl3pPr>
-              <a:lvl4pPr marL="1371600" algn="l" rtl="0" fontAlgn="base">
-                <a:spcBef>
-                  <a:spcPct val="0"/>
-                </a:spcBef>
-                <a:spcAft>
-                  <a:spcPct val="0"/>
-                </a:spcAft>
-                <a:defRPr u="sng" kern="1200">
-                  <a:solidFill>
-                    <a:schemeClr val="tx1"/>
-                  </a:solidFill>
-                  <a:latin typeface="Arial" panose="020B0604020202020204" pitchFamily="34" charset="0"/>
-                  <a:ea typeface="+mn-ea"/>
-                  <a:cs typeface="+mn-cs"/>
-                </a:defRPr>
-              </a:lvl4pPr>
-              <a:lvl5pPr marL="1828800" algn="l" rtl="0" fontAlgn="base">
-                <a:spcBef>
-                  <a:spcPct val="0"/>
-                </a:spcBef>
-                <a:spcAft>
-                  <a:spcPct val="0"/>
-                </a:spcAft>
-                <a:defRPr u="sng" kern="1200">
-                  <a:solidFill>
-                    <a:schemeClr val="tx1"/>
-                  </a:solidFill>
-                  <a:latin typeface="Arial" panose="020B0604020202020204" pitchFamily="34" charset="0"/>
-                  <a:ea typeface="+mn-ea"/>
-                  <a:cs typeface="+mn-cs"/>
-                </a:defRPr>
-              </a:lvl5pPr>
-              <a:lvl6pPr marL="2286000" algn="l" defTabSz="914400" rtl="0" eaLnBrk="1" latinLnBrk="0" hangingPunct="1">
-                <a:defRPr u="sng" kern="1200">
-                  <a:solidFill>
-                    <a:schemeClr val="tx1"/>
-                  </a:solidFill>
-                  <a:latin typeface="Arial" panose="020B0604020202020204" pitchFamily="34" charset="0"/>
-                  <a:ea typeface="+mn-ea"/>
-                  <a:cs typeface="+mn-cs"/>
-                </a:defRPr>
-              </a:lvl6pPr>
-              <a:lvl7pPr marL="2743200" algn="l" defTabSz="914400" rtl="0" eaLnBrk="1" latinLnBrk="0" hangingPunct="1">
-                <a:defRPr u="sng" kern="1200">
-                  <a:solidFill>
-                    <a:schemeClr val="tx1"/>
-                  </a:solidFill>
-                  <a:latin typeface="Arial" panose="020B0604020202020204" pitchFamily="34" charset="0"/>
-                  <a:ea typeface="+mn-ea"/>
-                  <a:cs typeface="+mn-cs"/>
-                </a:defRPr>
-              </a:lvl7pPr>
-              <a:lvl8pPr marL="3200400" algn="l" defTabSz="914400" rtl="0" eaLnBrk="1" latinLnBrk="0" hangingPunct="1">
-                <a:defRPr u="sng" kern="1200">
-                  <a:solidFill>
-                    <a:schemeClr val="tx1"/>
-                  </a:solidFill>
-                  <a:latin typeface="Arial" panose="020B0604020202020204" pitchFamily="34" charset="0"/>
-                  <a:ea typeface="+mn-ea"/>
-                  <a:cs typeface="+mn-cs"/>
-                </a:defRPr>
-              </a:lvl8pPr>
-              <a:lvl9pPr marL="3657600" algn="l" defTabSz="914400" rtl="0" eaLnBrk="1" latinLnBrk="0" hangingPunct="1">
-                <a:defRPr u="sng" kern="1200">
-                  <a:solidFill>
-                    <a:schemeClr val="tx1"/>
-                  </a:solidFill>
-                  <a:latin typeface="Arial" panose="020B0604020202020204" pitchFamily="34" charset="0"/>
-                  <a:ea typeface="+mn-ea"/>
-                  <a:cs typeface="+mn-cs"/>
-                </a:defRPr>
-              </a:lvl9pPr>
-            </a:lstStyle>
-            <a:p>
-              <a:pPr algn="ctr" fontAlgn="auto">
-                <a:spcBef>
-                  <a:spcPts val="0"/>
-                </a:spcBef>
-                <a:spcAft>
-                  <a:spcPts val="0"/>
-                </a:spcAft>
-                <a:defRPr/>
-              </a:pPr>
-              <a:r>
-                <a:rPr lang="en-US" sz="1200" u="none" kern="0">
-                  <a:solidFill>
-                    <a:sysClr val="windowText" lastClr="000000"/>
-                  </a:solidFill>
-                  <a:latin typeface="Calibri" pitchFamily="34" charset="0"/>
-                </a:rPr>
-                <a:t>Class</a:t>
-              </a:r>
-              <a:r>
-                <a:rPr lang="en-US" sz="800" u="none" kern="0">
-                  <a:solidFill>
-                    <a:sysClr val="windowText" lastClr="000000"/>
-                  </a:solidFill>
-                  <a:latin typeface="Arial" charset="0"/>
-                </a:rPr>
-                <a:t> </a:t>
-              </a:r>
-              <a:r>
-                <a:rPr lang="en-US" sz="1200" u="none" kern="0">
-                  <a:solidFill>
-                    <a:sysClr val="windowText" lastClr="000000"/>
-                  </a:solidFill>
-                  <a:latin typeface="Calibri" pitchFamily="34" charset="0"/>
-                </a:rPr>
-                <a:t>Instance</a:t>
-              </a:r>
-              <a:endParaRPr lang="it-IT" sz="1200" u="none" kern="0">
-                <a:solidFill>
-                  <a:sysClr val="windowText" lastClr="000000"/>
-                </a:solidFill>
-                <a:latin typeface="Calibri" pitchFamily="34" charset="0"/>
-              </a:endParaRPr>
-            </a:p>
-          </p:txBody>
-        </p:sp>
-        <p:sp>
-          <p:nvSpPr>
-            <p:cNvPr id="7" name="Text Box 1665"/>
-            <p:cNvSpPr txBox="1">
-              <a:spLocks noChangeArrowheads="1"/>
-            </p:cNvSpPr>
-            <p:nvPr/>
-          </p:nvSpPr>
-          <p:spPr bwMode="auto">
-            <a:xfrm>
-              <a:off x="238" y="3387"/>
-              <a:ext cx="520" cy="179"/>
-            </a:xfrm>
-            <a:prstGeom prst="rect">
-              <a:avLst/>
-            </a:prstGeom>
-            <a:noFill/>
-            <a:ln w="9525">
-              <a:solidFill>
-                <a:srgbClr val="000000"/>
-              </a:solidFill>
-              <a:prstDash val="lgDash"/>
-              <a:miter lim="800000"/>
-              <a:headEnd/>
-              <a:tailEnd/>
-            </a:ln>
-          </p:spPr>
-          <p:txBody>
-            <a:bodyPr>
-              <a:spAutoFit/>
-            </a:bodyPr>
-            <a:lstStyle>
-              <a:defPPr>
-                <a:defRPr lang="it-IT"/>
-              </a:defPPr>
-              <a:lvl1pPr algn="l" rtl="0" fontAlgn="base">
-                <a:spcBef>
-                  <a:spcPct val="0"/>
-                </a:spcBef>
-                <a:spcAft>
-                  <a:spcPct val="0"/>
-                </a:spcAft>
-                <a:defRPr u="sng" kern="1200">
-                  <a:solidFill>
-                    <a:schemeClr val="tx1"/>
-                  </a:solidFill>
-                  <a:latin typeface="Arial" panose="020B0604020202020204" pitchFamily="34" charset="0"/>
-                  <a:ea typeface="+mn-ea"/>
-                  <a:cs typeface="+mn-cs"/>
-                </a:defRPr>
-              </a:lvl1pPr>
-              <a:lvl2pPr marL="457200" algn="l" rtl="0" fontAlgn="base">
-                <a:spcBef>
-                  <a:spcPct val="0"/>
-                </a:spcBef>
-                <a:spcAft>
-                  <a:spcPct val="0"/>
-                </a:spcAft>
-                <a:defRPr u="sng" kern="1200">
-                  <a:solidFill>
-                    <a:schemeClr val="tx1"/>
-                  </a:solidFill>
-                  <a:latin typeface="Arial" panose="020B0604020202020204" pitchFamily="34" charset="0"/>
-                  <a:ea typeface="+mn-ea"/>
-                  <a:cs typeface="+mn-cs"/>
-                </a:defRPr>
-              </a:lvl2pPr>
-              <a:lvl3pPr marL="914400" algn="l" rtl="0" fontAlgn="base">
-                <a:spcBef>
-                  <a:spcPct val="0"/>
-                </a:spcBef>
-                <a:spcAft>
-                  <a:spcPct val="0"/>
-                </a:spcAft>
-                <a:defRPr u="sng" kern="1200">
-                  <a:solidFill>
-                    <a:schemeClr val="tx1"/>
-                  </a:solidFill>
-                  <a:latin typeface="Arial" panose="020B0604020202020204" pitchFamily="34" charset="0"/>
-                  <a:ea typeface="+mn-ea"/>
-                  <a:cs typeface="+mn-cs"/>
-                </a:defRPr>
-              </a:lvl3pPr>
-              <a:lvl4pPr marL="1371600" algn="l" rtl="0" fontAlgn="base">
-                <a:spcBef>
-                  <a:spcPct val="0"/>
-                </a:spcBef>
-                <a:spcAft>
-                  <a:spcPct val="0"/>
-                </a:spcAft>
-                <a:defRPr u="sng" kern="1200">
-                  <a:solidFill>
-                    <a:schemeClr val="tx1"/>
-                  </a:solidFill>
-                  <a:latin typeface="Arial" panose="020B0604020202020204" pitchFamily="34" charset="0"/>
-                  <a:ea typeface="+mn-ea"/>
-                  <a:cs typeface="+mn-cs"/>
-                </a:defRPr>
-              </a:lvl4pPr>
-              <a:lvl5pPr marL="1828800" algn="l" rtl="0" fontAlgn="base">
-                <a:spcBef>
-                  <a:spcPct val="0"/>
-                </a:spcBef>
-                <a:spcAft>
-                  <a:spcPct val="0"/>
-                </a:spcAft>
-                <a:defRPr u="sng" kern="1200">
-                  <a:solidFill>
-                    <a:schemeClr val="tx1"/>
-                  </a:solidFill>
-                  <a:latin typeface="Arial" panose="020B0604020202020204" pitchFamily="34" charset="0"/>
-                  <a:ea typeface="+mn-ea"/>
-                  <a:cs typeface="+mn-cs"/>
-                </a:defRPr>
-              </a:lvl5pPr>
-              <a:lvl6pPr marL="2286000" algn="l" defTabSz="914400" rtl="0" eaLnBrk="1" latinLnBrk="0" hangingPunct="1">
-                <a:defRPr u="sng" kern="1200">
-                  <a:solidFill>
-                    <a:schemeClr val="tx1"/>
-                  </a:solidFill>
-                  <a:latin typeface="Arial" panose="020B0604020202020204" pitchFamily="34" charset="0"/>
-                  <a:ea typeface="+mn-ea"/>
-                  <a:cs typeface="+mn-cs"/>
-                </a:defRPr>
-              </a:lvl6pPr>
-              <a:lvl7pPr marL="2743200" algn="l" defTabSz="914400" rtl="0" eaLnBrk="1" latinLnBrk="0" hangingPunct="1">
-                <a:defRPr u="sng" kern="1200">
-                  <a:solidFill>
-                    <a:schemeClr val="tx1"/>
-                  </a:solidFill>
-                  <a:latin typeface="Arial" panose="020B0604020202020204" pitchFamily="34" charset="0"/>
-                  <a:ea typeface="+mn-ea"/>
-                  <a:cs typeface="+mn-cs"/>
-                </a:defRPr>
-              </a:lvl7pPr>
-              <a:lvl8pPr marL="3200400" algn="l" defTabSz="914400" rtl="0" eaLnBrk="1" latinLnBrk="0" hangingPunct="1">
-                <a:defRPr u="sng" kern="1200">
-                  <a:solidFill>
-                    <a:schemeClr val="tx1"/>
-                  </a:solidFill>
-                  <a:latin typeface="Arial" panose="020B0604020202020204" pitchFamily="34" charset="0"/>
-                  <a:ea typeface="+mn-ea"/>
-                  <a:cs typeface="+mn-cs"/>
-                </a:defRPr>
-              </a:lvl8pPr>
-              <a:lvl9pPr marL="3657600" algn="l" defTabSz="914400" rtl="0" eaLnBrk="1" latinLnBrk="0" hangingPunct="1">
-                <a:defRPr u="sng" kern="1200">
-                  <a:solidFill>
-                    <a:schemeClr val="tx1"/>
-                  </a:solidFill>
-                  <a:latin typeface="Arial" panose="020B0604020202020204" pitchFamily="34" charset="0"/>
-                  <a:ea typeface="+mn-ea"/>
-                  <a:cs typeface="+mn-cs"/>
-                </a:defRPr>
-              </a:lvl9pPr>
-            </a:lstStyle>
-            <a:p>
-              <a:pPr algn="ctr" fontAlgn="auto">
-                <a:spcBef>
-                  <a:spcPts val="0"/>
-                </a:spcBef>
-                <a:spcAft>
-                  <a:spcPts val="0"/>
-                </a:spcAft>
-                <a:defRPr/>
-              </a:pPr>
-              <a:r>
-                <a:rPr lang="en-US" sz="1200" u="none" kern="0">
-                  <a:solidFill>
-                    <a:sysClr val="windowText" lastClr="000000"/>
-                  </a:solidFill>
-                  <a:latin typeface="Calibri" pitchFamily="34" charset="0"/>
-                </a:rPr>
-                <a:t>Property</a:t>
-              </a:r>
-              <a:endParaRPr lang="it-IT" sz="1200" u="none" kern="0">
-                <a:solidFill>
-                  <a:sysClr val="windowText" lastClr="000000"/>
-                </a:solidFill>
-                <a:latin typeface="Calibri" pitchFamily="34" charset="0"/>
-              </a:endParaRPr>
-            </a:p>
-          </p:txBody>
-        </p:sp>
-        <p:sp>
-          <p:nvSpPr>
-            <p:cNvPr id="8" name="AutoShape 1666"/>
-            <p:cNvSpPr>
-              <a:spLocks noChangeArrowheads="1"/>
-            </p:cNvSpPr>
-            <p:nvPr/>
-          </p:nvSpPr>
-          <p:spPr bwMode="auto">
-            <a:xfrm>
-              <a:off x="191" y="3815"/>
-              <a:ext cx="1041" cy="159"/>
-            </a:xfrm>
-            <a:prstGeom prst="hexagon">
-              <a:avLst>
-                <a:gd name="adj" fmla="val 137845"/>
-                <a:gd name="vf" fmla="val 115470"/>
-              </a:avLst>
-            </a:prstGeom>
-            <a:solidFill>
-              <a:srgbClr val="2D2D8A">
-                <a:lumMod val="40000"/>
-                <a:lumOff val="60000"/>
-              </a:srgbClr>
-            </a:solidFill>
-            <a:ln w="28575">
-              <a:solidFill>
-                <a:srgbClr val="000000"/>
-              </a:solidFill>
-              <a:miter lim="800000"/>
-              <a:headEnd/>
-              <a:tailEnd/>
-            </a:ln>
-            <a:effectLst/>
-          </p:spPr>
-          <p:txBody>
-            <a:bodyPr wrap="none" anchor="ctr"/>
-            <a:lstStyle>
-              <a:defPPr>
-                <a:defRPr lang="it-IT"/>
-              </a:defPPr>
-              <a:lvl1pPr algn="l" rtl="0" fontAlgn="base">
-                <a:spcBef>
-                  <a:spcPct val="0"/>
-                </a:spcBef>
-                <a:spcAft>
-                  <a:spcPct val="0"/>
-                </a:spcAft>
-                <a:defRPr u="sng" kern="1200">
-                  <a:solidFill>
-                    <a:schemeClr val="tx1"/>
-                  </a:solidFill>
-                  <a:latin typeface="Arial" panose="020B0604020202020204" pitchFamily="34" charset="0"/>
-                  <a:ea typeface="+mn-ea"/>
-                  <a:cs typeface="+mn-cs"/>
-                </a:defRPr>
-              </a:lvl1pPr>
-              <a:lvl2pPr marL="457200" algn="l" rtl="0" fontAlgn="base">
-                <a:spcBef>
-                  <a:spcPct val="0"/>
-                </a:spcBef>
-                <a:spcAft>
-                  <a:spcPct val="0"/>
-                </a:spcAft>
-                <a:defRPr u="sng" kern="1200">
-                  <a:solidFill>
-                    <a:schemeClr val="tx1"/>
-                  </a:solidFill>
-                  <a:latin typeface="Arial" panose="020B0604020202020204" pitchFamily="34" charset="0"/>
-                  <a:ea typeface="+mn-ea"/>
-                  <a:cs typeface="+mn-cs"/>
-                </a:defRPr>
-              </a:lvl2pPr>
-              <a:lvl3pPr marL="914400" algn="l" rtl="0" fontAlgn="base">
-                <a:spcBef>
-                  <a:spcPct val="0"/>
-                </a:spcBef>
-                <a:spcAft>
-                  <a:spcPct val="0"/>
-                </a:spcAft>
-                <a:defRPr u="sng" kern="1200">
-                  <a:solidFill>
-                    <a:schemeClr val="tx1"/>
-                  </a:solidFill>
-                  <a:latin typeface="Arial" panose="020B0604020202020204" pitchFamily="34" charset="0"/>
-                  <a:ea typeface="+mn-ea"/>
-                  <a:cs typeface="+mn-cs"/>
-                </a:defRPr>
-              </a:lvl3pPr>
-              <a:lvl4pPr marL="1371600" algn="l" rtl="0" fontAlgn="base">
-                <a:spcBef>
-                  <a:spcPct val="0"/>
-                </a:spcBef>
-                <a:spcAft>
-                  <a:spcPct val="0"/>
-                </a:spcAft>
-                <a:defRPr u="sng" kern="1200">
-                  <a:solidFill>
-                    <a:schemeClr val="tx1"/>
-                  </a:solidFill>
-                  <a:latin typeface="Arial" panose="020B0604020202020204" pitchFamily="34" charset="0"/>
-                  <a:ea typeface="+mn-ea"/>
-                  <a:cs typeface="+mn-cs"/>
-                </a:defRPr>
-              </a:lvl4pPr>
-              <a:lvl5pPr marL="1828800" algn="l" rtl="0" fontAlgn="base">
-                <a:spcBef>
-                  <a:spcPct val="0"/>
-                </a:spcBef>
-                <a:spcAft>
-                  <a:spcPct val="0"/>
-                </a:spcAft>
-                <a:defRPr u="sng" kern="1200">
-                  <a:solidFill>
-                    <a:schemeClr val="tx1"/>
-                  </a:solidFill>
-                  <a:latin typeface="Arial" panose="020B0604020202020204" pitchFamily="34" charset="0"/>
-                  <a:ea typeface="+mn-ea"/>
-                  <a:cs typeface="+mn-cs"/>
-                </a:defRPr>
-              </a:lvl5pPr>
-              <a:lvl6pPr marL="2286000" algn="l" defTabSz="914400" rtl="0" eaLnBrk="1" latinLnBrk="0" hangingPunct="1">
-                <a:defRPr u="sng" kern="1200">
-                  <a:solidFill>
-                    <a:schemeClr val="tx1"/>
-                  </a:solidFill>
-                  <a:latin typeface="Arial" panose="020B0604020202020204" pitchFamily="34" charset="0"/>
-                  <a:ea typeface="+mn-ea"/>
-                  <a:cs typeface="+mn-cs"/>
-                </a:defRPr>
-              </a:lvl6pPr>
-              <a:lvl7pPr marL="2743200" algn="l" defTabSz="914400" rtl="0" eaLnBrk="1" latinLnBrk="0" hangingPunct="1">
-                <a:defRPr u="sng" kern="1200">
-                  <a:solidFill>
-                    <a:schemeClr val="tx1"/>
-                  </a:solidFill>
-                  <a:latin typeface="Arial" panose="020B0604020202020204" pitchFamily="34" charset="0"/>
-                  <a:ea typeface="+mn-ea"/>
-                  <a:cs typeface="+mn-cs"/>
-                </a:defRPr>
-              </a:lvl7pPr>
-              <a:lvl8pPr marL="3200400" algn="l" defTabSz="914400" rtl="0" eaLnBrk="1" latinLnBrk="0" hangingPunct="1">
-                <a:defRPr u="sng" kern="1200">
-                  <a:solidFill>
-                    <a:schemeClr val="tx1"/>
-                  </a:solidFill>
-                  <a:latin typeface="Arial" panose="020B0604020202020204" pitchFamily="34" charset="0"/>
-                  <a:ea typeface="+mn-ea"/>
-                  <a:cs typeface="+mn-cs"/>
-                </a:defRPr>
-              </a:lvl8pPr>
-              <a:lvl9pPr marL="3657600" algn="l" defTabSz="914400" rtl="0" eaLnBrk="1" latinLnBrk="0" hangingPunct="1">
-                <a:defRPr u="sng" kern="1200">
-                  <a:solidFill>
-                    <a:schemeClr val="tx1"/>
-                  </a:solidFill>
-                  <a:latin typeface="Arial" panose="020B0604020202020204" pitchFamily="34" charset="0"/>
-                  <a:ea typeface="+mn-ea"/>
-                  <a:cs typeface="+mn-cs"/>
-                </a:defRPr>
-              </a:lvl9pPr>
-            </a:lstStyle>
-            <a:p>
-              <a:pPr algn="ctr" fontAlgn="auto">
-                <a:spcBef>
-                  <a:spcPts val="0"/>
-                </a:spcBef>
-                <a:spcAft>
-                  <a:spcPts val="0"/>
-                </a:spcAft>
-                <a:defRPr/>
-              </a:pPr>
-              <a:r>
-                <a:rPr lang="en-US" sz="1200" u="none" kern="0">
-                  <a:solidFill>
-                    <a:sysClr val="windowText" lastClr="000000"/>
-                  </a:solidFill>
-                  <a:latin typeface="Calibri" pitchFamily="34" charset="0"/>
-                </a:rPr>
-                <a:t>Literal</a:t>
-              </a:r>
-              <a:endParaRPr lang="it-IT" sz="1200" u="none" kern="0">
-                <a:solidFill>
-                  <a:sysClr val="windowText" lastClr="000000"/>
-                </a:solidFill>
-                <a:latin typeface="Calibri" pitchFamily="34" charset="0"/>
-              </a:endParaRPr>
-            </a:p>
-          </p:txBody>
-        </p:sp>
-        <p:sp>
-          <p:nvSpPr>
-            <p:cNvPr id="9" name="Line 1667"/>
-            <p:cNvSpPr>
-              <a:spLocks noChangeShapeType="1"/>
-            </p:cNvSpPr>
-            <p:nvPr/>
-          </p:nvSpPr>
-          <p:spPr bwMode="auto">
-            <a:xfrm>
-              <a:off x="806" y="3467"/>
-              <a:ext cx="379" cy="2"/>
-            </a:xfrm>
-            <a:prstGeom prst="line">
-              <a:avLst/>
-            </a:prstGeom>
-            <a:noFill/>
-            <a:ln w="12700">
-              <a:solidFill>
-                <a:srgbClr val="000000"/>
-              </a:solidFill>
-              <a:prstDash val="dash"/>
-              <a:round/>
-              <a:headEnd/>
-              <a:tailEnd type="triangle" w="med" len="med"/>
-            </a:ln>
-          </p:spPr>
-          <p:txBody>
-            <a:bodyPr/>
-            <a:lstStyle>
-              <a:defPPr>
-                <a:defRPr lang="it-IT"/>
-              </a:defPPr>
-              <a:lvl1pPr algn="l" rtl="0" fontAlgn="base">
-                <a:spcBef>
-                  <a:spcPct val="0"/>
-                </a:spcBef>
-                <a:spcAft>
-                  <a:spcPct val="0"/>
-                </a:spcAft>
-                <a:defRPr u="sng" kern="1200">
-                  <a:solidFill>
-                    <a:schemeClr val="tx1"/>
-                  </a:solidFill>
-                  <a:latin typeface="Arial" panose="020B0604020202020204" pitchFamily="34" charset="0"/>
-                  <a:ea typeface="+mn-ea"/>
-                  <a:cs typeface="+mn-cs"/>
-                </a:defRPr>
-              </a:lvl1pPr>
-              <a:lvl2pPr marL="457200" algn="l" rtl="0" fontAlgn="base">
-                <a:spcBef>
-                  <a:spcPct val="0"/>
-                </a:spcBef>
-                <a:spcAft>
-                  <a:spcPct val="0"/>
-                </a:spcAft>
-                <a:defRPr u="sng" kern="1200">
-                  <a:solidFill>
-                    <a:schemeClr val="tx1"/>
-                  </a:solidFill>
-                  <a:latin typeface="Arial" panose="020B0604020202020204" pitchFamily="34" charset="0"/>
-                  <a:ea typeface="+mn-ea"/>
-                  <a:cs typeface="+mn-cs"/>
-                </a:defRPr>
-              </a:lvl2pPr>
-              <a:lvl3pPr marL="914400" algn="l" rtl="0" fontAlgn="base">
-                <a:spcBef>
-                  <a:spcPct val="0"/>
-                </a:spcBef>
-                <a:spcAft>
-                  <a:spcPct val="0"/>
-                </a:spcAft>
-                <a:defRPr u="sng" kern="1200">
-                  <a:solidFill>
-                    <a:schemeClr val="tx1"/>
-                  </a:solidFill>
-                  <a:latin typeface="Arial" panose="020B0604020202020204" pitchFamily="34" charset="0"/>
-                  <a:ea typeface="+mn-ea"/>
-                  <a:cs typeface="+mn-cs"/>
-                </a:defRPr>
-              </a:lvl3pPr>
-              <a:lvl4pPr marL="1371600" algn="l" rtl="0" fontAlgn="base">
-                <a:spcBef>
-                  <a:spcPct val="0"/>
-                </a:spcBef>
-                <a:spcAft>
-                  <a:spcPct val="0"/>
-                </a:spcAft>
-                <a:defRPr u="sng" kern="1200">
-                  <a:solidFill>
-                    <a:schemeClr val="tx1"/>
-                  </a:solidFill>
-                  <a:latin typeface="Arial" panose="020B0604020202020204" pitchFamily="34" charset="0"/>
-                  <a:ea typeface="+mn-ea"/>
-                  <a:cs typeface="+mn-cs"/>
-                </a:defRPr>
-              </a:lvl4pPr>
-              <a:lvl5pPr marL="1828800" algn="l" rtl="0" fontAlgn="base">
-                <a:spcBef>
-                  <a:spcPct val="0"/>
-                </a:spcBef>
-                <a:spcAft>
-                  <a:spcPct val="0"/>
-                </a:spcAft>
-                <a:defRPr u="sng" kern="1200">
-                  <a:solidFill>
-                    <a:schemeClr val="tx1"/>
-                  </a:solidFill>
-                  <a:latin typeface="Arial" panose="020B0604020202020204" pitchFamily="34" charset="0"/>
-                  <a:ea typeface="+mn-ea"/>
-                  <a:cs typeface="+mn-cs"/>
-                </a:defRPr>
-              </a:lvl5pPr>
-              <a:lvl6pPr marL="2286000" algn="l" defTabSz="914400" rtl="0" eaLnBrk="1" latinLnBrk="0" hangingPunct="1">
-                <a:defRPr u="sng" kern="1200">
-                  <a:solidFill>
-                    <a:schemeClr val="tx1"/>
-                  </a:solidFill>
-                  <a:latin typeface="Arial" panose="020B0604020202020204" pitchFamily="34" charset="0"/>
-                  <a:ea typeface="+mn-ea"/>
-                  <a:cs typeface="+mn-cs"/>
-                </a:defRPr>
-              </a:lvl6pPr>
-              <a:lvl7pPr marL="2743200" algn="l" defTabSz="914400" rtl="0" eaLnBrk="1" latinLnBrk="0" hangingPunct="1">
-                <a:defRPr u="sng" kern="1200">
-                  <a:solidFill>
-                    <a:schemeClr val="tx1"/>
-                  </a:solidFill>
-                  <a:latin typeface="Arial" panose="020B0604020202020204" pitchFamily="34" charset="0"/>
-                  <a:ea typeface="+mn-ea"/>
-                  <a:cs typeface="+mn-cs"/>
-                </a:defRPr>
-              </a:lvl7pPr>
-              <a:lvl8pPr marL="3200400" algn="l" defTabSz="914400" rtl="0" eaLnBrk="1" latinLnBrk="0" hangingPunct="1">
-                <a:defRPr u="sng" kern="1200">
-                  <a:solidFill>
-                    <a:schemeClr val="tx1"/>
-                  </a:solidFill>
-                  <a:latin typeface="Arial" panose="020B0604020202020204" pitchFamily="34" charset="0"/>
-                  <a:ea typeface="+mn-ea"/>
-                  <a:cs typeface="+mn-cs"/>
-                </a:defRPr>
-              </a:lvl8pPr>
-              <a:lvl9pPr marL="3657600" algn="l" defTabSz="914400" rtl="0" eaLnBrk="1" latinLnBrk="0" hangingPunct="1">
-                <a:defRPr u="sng" kern="1200">
-                  <a:solidFill>
-                    <a:schemeClr val="tx1"/>
-                  </a:solidFill>
-                  <a:latin typeface="Arial" panose="020B0604020202020204" pitchFamily="34" charset="0"/>
-                  <a:ea typeface="+mn-ea"/>
-                  <a:cs typeface="+mn-cs"/>
-                </a:defRPr>
-              </a:lvl9pPr>
-            </a:lstStyle>
-            <a:p>
-              <a:pPr fontAlgn="auto">
-                <a:spcBef>
-                  <a:spcPts val="0"/>
-                </a:spcBef>
-                <a:spcAft>
-                  <a:spcPts val="0"/>
-                </a:spcAft>
-                <a:defRPr/>
-              </a:pPr>
-              <a:endParaRPr lang="it-IT" u="none" kern="0">
-                <a:solidFill>
-                  <a:sysClr val="windowText" lastClr="000000"/>
-                </a:solidFill>
-                <a:latin typeface="Arial" charset="0"/>
-              </a:endParaRPr>
-            </a:p>
-          </p:txBody>
-        </p:sp>
-        <p:sp>
-          <p:nvSpPr>
-            <p:cNvPr id="10" name="Text Box 1680"/>
-            <p:cNvSpPr txBox="1">
-              <a:spLocks noChangeArrowheads="1"/>
-            </p:cNvSpPr>
-            <p:nvPr/>
-          </p:nvSpPr>
-          <p:spPr bwMode="auto">
-            <a:xfrm>
-              <a:off x="249" y="2840"/>
-              <a:ext cx="624" cy="218"/>
-            </a:xfrm>
-            <a:prstGeom prst="rect">
-              <a:avLst/>
-            </a:prstGeom>
-            <a:noFill/>
-            <a:ln w="9525">
-              <a:solidFill>
-                <a:srgbClr val="FF0000"/>
-              </a:solidFill>
-              <a:prstDash val="lgDash"/>
-              <a:miter lim="800000"/>
-              <a:headEnd/>
-              <a:tailEnd/>
-            </a:ln>
-            <a:extLst>
-              <a:ext uri="{909E8E84-426E-40DD-AFC4-6F175D3DCCD1}">
-                <a14:hiddenFill xmlns:a14="http://schemas.microsoft.com/office/drawing/2010/main">
-                  <a:solidFill>
-                    <a:srgbClr val="FFFFFF"/>
-                  </a:solidFill>
-                </a14:hiddenFill>
-              </a:ext>
-            </a:extLst>
-          </p:spPr>
-          <p:txBody>
-            <a:bodyPr>
-              <a:spAutoFit/>
-            </a:bodyPr>
-            <a:lstStyle>
-              <a:defPPr>
-                <a:defRPr lang="it-IT"/>
-              </a:defPPr>
-              <a:lvl1pPr algn="l" rtl="0" fontAlgn="base">
-                <a:spcBef>
-                  <a:spcPct val="0"/>
-                </a:spcBef>
-                <a:spcAft>
-                  <a:spcPct val="0"/>
-                </a:spcAft>
-                <a:defRPr u="sng" kern="1200">
-                  <a:solidFill>
-                    <a:schemeClr val="tx1"/>
-                  </a:solidFill>
-                  <a:latin typeface="Arial" panose="020B0604020202020204" pitchFamily="34" charset="0"/>
-                  <a:ea typeface="+mn-ea"/>
-                  <a:cs typeface="+mn-cs"/>
-                </a:defRPr>
-              </a:lvl1pPr>
-              <a:lvl2pPr marL="457200" algn="l" rtl="0" fontAlgn="base">
-                <a:spcBef>
-                  <a:spcPct val="0"/>
-                </a:spcBef>
-                <a:spcAft>
-                  <a:spcPct val="0"/>
-                </a:spcAft>
-                <a:defRPr u="sng" kern="1200">
-                  <a:solidFill>
-                    <a:schemeClr val="tx1"/>
-                  </a:solidFill>
-                  <a:latin typeface="Arial" panose="020B0604020202020204" pitchFamily="34" charset="0"/>
-                  <a:ea typeface="+mn-ea"/>
-                  <a:cs typeface="+mn-cs"/>
-                </a:defRPr>
-              </a:lvl2pPr>
-              <a:lvl3pPr marL="914400" algn="l" rtl="0" fontAlgn="base">
-                <a:spcBef>
-                  <a:spcPct val="0"/>
-                </a:spcBef>
-                <a:spcAft>
-                  <a:spcPct val="0"/>
-                </a:spcAft>
-                <a:defRPr u="sng" kern="1200">
-                  <a:solidFill>
-                    <a:schemeClr val="tx1"/>
-                  </a:solidFill>
-                  <a:latin typeface="Arial" panose="020B0604020202020204" pitchFamily="34" charset="0"/>
-                  <a:ea typeface="+mn-ea"/>
-                  <a:cs typeface="+mn-cs"/>
-                </a:defRPr>
-              </a:lvl3pPr>
-              <a:lvl4pPr marL="1371600" algn="l" rtl="0" fontAlgn="base">
-                <a:spcBef>
-                  <a:spcPct val="0"/>
-                </a:spcBef>
-                <a:spcAft>
-                  <a:spcPct val="0"/>
-                </a:spcAft>
-                <a:defRPr u="sng" kern="1200">
-                  <a:solidFill>
-                    <a:schemeClr val="tx1"/>
-                  </a:solidFill>
-                  <a:latin typeface="Arial" panose="020B0604020202020204" pitchFamily="34" charset="0"/>
-                  <a:ea typeface="+mn-ea"/>
-                  <a:cs typeface="+mn-cs"/>
-                </a:defRPr>
-              </a:lvl4pPr>
-              <a:lvl5pPr marL="1828800" algn="l" rtl="0" fontAlgn="base">
-                <a:spcBef>
-                  <a:spcPct val="0"/>
-                </a:spcBef>
-                <a:spcAft>
-                  <a:spcPct val="0"/>
-                </a:spcAft>
-                <a:defRPr u="sng" kern="1200">
-                  <a:solidFill>
-                    <a:schemeClr val="tx1"/>
-                  </a:solidFill>
-                  <a:latin typeface="Arial" panose="020B0604020202020204" pitchFamily="34" charset="0"/>
-                  <a:ea typeface="+mn-ea"/>
-                  <a:cs typeface="+mn-cs"/>
-                </a:defRPr>
-              </a:lvl5pPr>
-              <a:lvl6pPr marL="2286000" algn="l" defTabSz="914400" rtl="0" eaLnBrk="1" latinLnBrk="0" hangingPunct="1">
-                <a:defRPr u="sng" kern="1200">
-                  <a:solidFill>
-                    <a:schemeClr val="tx1"/>
-                  </a:solidFill>
-                  <a:latin typeface="Arial" panose="020B0604020202020204" pitchFamily="34" charset="0"/>
-                  <a:ea typeface="+mn-ea"/>
-                  <a:cs typeface="+mn-cs"/>
-                </a:defRPr>
-              </a:lvl6pPr>
-              <a:lvl7pPr marL="2743200" algn="l" defTabSz="914400" rtl="0" eaLnBrk="1" latinLnBrk="0" hangingPunct="1">
-                <a:defRPr u="sng" kern="1200">
-                  <a:solidFill>
-                    <a:schemeClr val="tx1"/>
-                  </a:solidFill>
-                  <a:latin typeface="Arial" panose="020B0604020202020204" pitchFamily="34" charset="0"/>
-                  <a:ea typeface="+mn-ea"/>
-                  <a:cs typeface="+mn-cs"/>
-                </a:defRPr>
-              </a:lvl7pPr>
-              <a:lvl8pPr marL="3200400" algn="l" defTabSz="914400" rtl="0" eaLnBrk="1" latinLnBrk="0" hangingPunct="1">
-                <a:defRPr u="sng" kern="1200">
-                  <a:solidFill>
-                    <a:schemeClr val="tx1"/>
-                  </a:solidFill>
-                  <a:latin typeface="Arial" panose="020B0604020202020204" pitchFamily="34" charset="0"/>
-                  <a:ea typeface="+mn-ea"/>
-                  <a:cs typeface="+mn-cs"/>
-                </a:defRPr>
-              </a:lvl8pPr>
-              <a:lvl9pPr marL="3657600" algn="l" defTabSz="914400" rtl="0" eaLnBrk="1" latinLnBrk="0" hangingPunct="1">
-                <a:defRPr u="sng" kern="1200">
-                  <a:solidFill>
-                    <a:schemeClr val="tx1"/>
-                  </a:solidFill>
-                  <a:latin typeface="Arial" panose="020B0604020202020204" pitchFamily="34" charset="0"/>
-                  <a:ea typeface="+mn-ea"/>
-                  <a:cs typeface="+mn-cs"/>
-                </a:defRPr>
-              </a:lvl9pPr>
-            </a:lstStyle>
-            <a:p>
-              <a:pPr algn="ctr" eaLnBrk="1" hangingPunct="1"/>
-              <a:r>
-                <a:rPr lang="it-IT" altLang="it-IT" sz="1600" u="none">
-                  <a:solidFill>
-                    <a:srgbClr val="FF0000"/>
-                  </a:solidFill>
-                  <a:latin typeface="Calibri" panose="020F0502020204030204" pitchFamily="34" charset="0"/>
-                </a:rPr>
-                <a:t>rdf:type</a:t>
-              </a:r>
-            </a:p>
-          </p:txBody>
-        </p:sp>
-        <p:sp>
-          <p:nvSpPr>
-            <p:cNvPr id="11" name="Rettangolo arrotondato 5"/>
-            <p:cNvSpPr>
-              <a:spLocks noChangeArrowheads="1"/>
-            </p:cNvSpPr>
-            <p:nvPr/>
-          </p:nvSpPr>
-          <p:spPr bwMode="auto">
-            <a:xfrm>
-              <a:off x="249" y="3113"/>
-              <a:ext cx="624" cy="174"/>
-            </a:xfrm>
-            <a:prstGeom prst="roundRect">
-              <a:avLst>
-                <a:gd name="adj" fmla="val 16667"/>
-              </a:avLst>
-            </a:prstGeom>
-            <a:solidFill>
-              <a:srgbClr val="3C8C93"/>
-            </a:solidFill>
-            <a:ln w="25400" algn="ctr">
-              <a:solidFill>
-                <a:srgbClr val="262673"/>
-              </a:solidFill>
-              <a:round/>
-              <a:headEnd/>
-              <a:tailEnd/>
-            </a:ln>
-          </p:spPr>
-          <p:txBody>
-            <a:bodyPr anchor="ctr"/>
-            <a:lstStyle>
-              <a:defPPr>
-                <a:defRPr lang="it-IT"/>
-              </a:defPPr>
-              <a:lvl1pPr algn="l" rtl="0" fontAlgn="base">
-                <a:spcBef>
-                  <a:spcPct val="0"/>
-                </a:spcBef>
-                <a:spcAft>
-                  <a:spcPct val="0"/>
-                </a:spcAft>
-                <a:defRPr u="sng" kern="1200">
-                  <a:solidFill>
-                    <a:schemeClr val="tx1"/>
-                  </a:solidFill>
-                  <a:latin typeface="Arial" panose="020B0604020202020204" pitchFamily="34" charset="0"/>
-                  <a:ea typeface="+mn-ea"/>
-                  <a:cs typeface="+mn-cs"/>
-                </a:defRPr>
-              </a:lvl1pPr>
-              <a:lvl2pPr marL="457200" algn="l" rtl="0" fontAlgn="base">
-                <a:spcBef>
-                  <a:spcPct val="0"/>
-                </a:spcBef>
-                <a:spcAft>
-                  <a:spcPct val="0"/>
-                </a:spcAft>
-                <a:defRPr u="sng" kern="1200">
-                  <a:solidFill>
-                    <a:schemeClr val="tx1"/>
-                  </a:solidFill>
-                  <a:latin typeface="Arial" panose="020B0604020202020204" pitchFamily="34" charset="0"/>
-                  <a:ea typeface="+mn-ea"/>
-                  <a:cs typeface="+mn-cs"/>
-                </a:defRPr>
-              </a:lvl2pPr>
-              <a:lvl3pPr marL="914400" algn="l" rtl="0" fontAlgn="base">
-                <a:spcBef>
-                  <a:spcPct val="0"/>
-                </a:spcBef>
-                <a:spcAft>
-                  <a:spcPct val="0"/>
-                </a:spcAft>
-                <a:defRPr u="sng" kern="1200">
-                  <a:solidFill>
-                    <a:schemeClr val="tx1"/>
-                  </a:solidFill>
-                  <a:latin typeface="Arial" panose="020B0604020202020204" pitchFamily="34" charset="0"/>
-                  <a:ea typeface="+mn-ea"/>
-                  <a:cs typeface="+mn-cs"/>
-                </a:defRPr>
-              </a:lvl3pPr>
-              <a:lvl4pPr marL="1371600" algn="l" rtl="0" fontAlgn="base">
-                <a:spcBef>
-                  <a:spcPct val="0"/>
-                </a:spcBef>
-                <a:spcAft>
-                  <a:spcPct val="0"/>
-                </a:spcAft>
-                <a:defRPr u="sng" kern="1200">
-                  <a:solidFill>
-                    <a:schemeClr val="tx1"/>
-                  </a:solidFill>
-                  <a:latin typeface="Arial" panose="020B0604020202020204" pitchFamily="34" charset="0"/>
-                  <a:ea typeface="+mn-ea"/>
-                  <a:cs typeface="+mn-cs"/>
-                </a:defRPr>
-              </a:lvl4pPr>
-              <a:lvl5pPr marL="1828800" algn="l" rtl="0" fontAlgn="base">
-                <a:spcBef>
-                  <a:spcPct val="0"/>
-                </a:spcBef>
-                <a:spcAft>
-                  <a:spcPct val="0"/>
-                </a:spcAft>
-                <a:defRPr u="sng" kern="1200">
-                  <a:solidFill>
-                    <a:schemeClr val="tx1"/>
-                  </a:solidFill>
-                  <a:latin typeface="Arial" panose="020B0604020202020204" pitchFamily="34" charset="0"/>
-                  <a:ea typeface="+mn-ea"/>
-                  <a:cs typeface="+mn-cs"/>
-                </a:defRPr>
-              </a:lvl5pPr>
-              <a:lvl6pPr marL="2286000" algn="l" defTabSz="914400" rtl="0" eaLnBrk="1" latinLnBrk="0" hangingPunct="1">
-                <a:defRPr u="sng" kern="1200">
-                  <a:solidFill>
-                    <a:schemeClr val="tx1"/>
-                  </a:solidFill>
-                  <a:latin typeface="Arial" panose="020B0604020202020204" pitchFamily="34" charset="0"/>
-                  <a:ea typeface="+mn-ea"/>
-                  <a:cs typeface="+mn-cs"/>
-                </a:defRPr>
-              </a:lvl6pPr>
-              <a:lvl7pPr marL="2743200" algn="l" defTabSz="914400" rtl="0" eaLnBrk="1" latinLnBrk="0" hangingPunct="1">
-                <a:defRPr u="sng" kern="1200">
-                  <a:solidFill>
-                    <a:schemeClr val="tx1"/>
-                  </a:solidFill>
-                  <a:latin typeface="Arial" panose="020B0604020202020204" pitchFamily="34" charset="0"/>
-                  <a:ea typeface="+mn-ea"/>
-                  <a:cs typeface="+mn-cs"/>
-                </a:defRPr>
-              </a:lvl7pPr>
-              <a:lvl8pPr marL="3200400" algn="l" defTabSz="914400" rtl="0" eaLnBrk="1" latinLnBrk="0" hangingPunct="1">
-                <a:defRPr u="sng" kern="1200">
-                  <a:solidFill>
-                    <a:schemeClr val="tx1"/>
-                  </a:solidFill>
-                  <a:latin typeface="Arial" panose="020B0604020202020204" pitchFamily="34" charset="0"/>
-                  <a:ea typeface="+mn-ea"/>
-                  <a:cs typeface="+mn-cs"/>
-                </a:defRPr>
-              </a:lvl8pPr>
-              <a:lvl9pPr marL="3657600" algn="l" defTabSz="914400" rtl="0" eaLnBrk="1" latinLnBrk="0" hangingPunct="1">
-                <a:defRPr u="sng" kern="1200">
-                  <a:solidFill>
-                    <a:schemeClr val="tx1"/>
-                  </a:solidFill>
-                  <a:latin typeface="Arial" panose="020B0604020202020204" pitchFamily="34" charset="0"/>
-                  <a:ea typeface="+mn-ea"/>
-                  <a:cs typeface="+mn-cs"/>
-                </a:defRPr>
-              </a:lvl9pPr>
-            </a:lstStyle>
-            <a:p>
-              <a:pPr algn="ctr" eaLnBrk="1" hangingPunct="1"/>
-              <a:r>
-                <a:rPr lang="it-IT" altLang="it-IT" sz="1400" u="none">
-                  <a:solidFill>
-                    <a:srgbClr val="FFFFFF"/>
-                  </a:solidFill>
-                </a:rPr>
-                <a:t>CLASS</a:t>
-              </a:r>
-            </a:p>
-          </p:txBody>
-        </p:sp>
-      </p:grpSp>
       <p:sp>
         <p:nvSpPr>
           <p:cNvPr id="16" name="Rectangle: Rounded Corners 15">
@@ -6251,7 +4966,7 @@
         </p:nvSpPr>
         <p:spPr>
           <a:xfrm>
-            <a:off x="298234" y="112955"/>
+            <a:off x="4761520" y="1925420"/>
             <a:ext cx="1881810" cy="516835"/>
           </a:xfrm>
           <a:prstGeom prst="roundRect">
@@ -6300,7 +5015,7 @@
         </p:nvSpPr>
         <p:spPr>
           <a:xfrm>
-            <a:off x="2678679" y="112954"/>
+            <a:off x="1346142" y="6255308"/>
             <a:ext cx="1881810" cy="516835"/>
           </a:xfrm>
           <a:prstGeom prst="roundRect">
@@ -6349,7 +5064,7 @@
         </p:nvSpPr>
         <p:spPr>
           <a:xfrm>
-            <a:off x="5059124" y="112953"/>
+            <a:off x="5132105" y="6220383"/>
             <a:ext cx="1881810" cy="516835"/>
           </a:xfrm>
           <a:prstGeom prst="roundRect">
@@ -6398,7 +5113,7 @@
         </p:nvSpPr>
         <p:spPr>
           <a:xfrm>
-            <a:off x="7439569" y="112952"/>
+            <a:off x="7637038" y="1996163"/>
             <a:ext cx="1881810" cy="516835"/>
           </a:xfrm>
           <a:prstGeom prst="roundRect">
@@ -6447,7 +5162,7 @@
         </p:nvSpPr>
         <p:spPr>
           <a:xfrm>
-            <a:off x="9820014" y="112951"/>
+            <a:off x="10017483" y="1996162"/>
             <a:ext cx="1881810" cy="516835"/>
           </a:xfrm>
           <a:prstGeom prst="roundRect">
@@ -6496,7 +5211,7 @@
         </p:nvSpPr>
         <p:spPr>
           <a:xfrm>
-            <a:off x="7597691" y="2094503"/>
+            <a:off x="7657103" y="3024864"/>
             <a:ext cx="1841679" cy="463639"/>
           </a:xfrm>
           <a:prstGeom prst="rect">
@@ -6564,8 +5279,8 @@
         </p:nvSpPr>
         <p:spPr>
           <a:xfrm>
-            <a:off x="5345685" y="1802174"/>
-            <a:ext cx="1342329" cy="373488"/>
+            <a:off x="4005961" y="4246842"/>
+            <a:ext cx="1240625" cy="373488"/>
           </a:xfrm>
           <a:prstGeom prst="rect">
             <a:avLst/>
@@ -6611,7 +5326,7 @@
                   <a:schemeClr val="tx1"/>
                 </a:solidFill>
               </a:rPr>
-              <a:t>Table1_URI</a:t>
+              <a:t>Table2_URI</a:t>
             </a:r>
           </a:p>
         </p:txBody>
@@ -6632,7 +5347,7 @@
         </p:nvSpPr>
         <p:spPr>
           <a:xfrm>
-            <a:off x="4674520" y="2437095"/>
+            <a:off x="5408942" y="4259451"/>
             <a:ext cx="1342329" cy="373488"/>
           </a:xfrm>
           <a:prstGeom prst="rect">
@@ -6850,7 +5565,7 @@
                   <a:schemeClr val="tx1"/>
                 </a:solidFill>
               </a:rPr>
-              <a:t>Table2_URI</a:t>
+              <a:t>Table1_URI</a:t>
             </a:r>
           </a:p>
         </p:txBody>
@@ -6871,7 +5586,7 @@
         </p:nvSpPr>
         <p:spPr>
           <a:xfrm>
-            <a:off x="2678679" y="3252322"/>
+            <a:off x="3385207" y="5444156"/>
             <a:ext cx="1342329" cy="373488"/>
           </a:xfrm>
           <a:prstGeom prst="rect">
@@ -7110,7 +5825,7 @@
         </p:nvSpPr>
         <p:spPr>
           <a:xfrm>
-            <a:off x="2422515" y="2554706"/>
+            <a:off x="1709281" y="4669667"/>
             <a:ext cx="1342329" cy="373488"/>
           </a:xfrm>
           <a:prstGeom prst="rect">
@@ -7349,7 +6064,7 @@
         </p:nvSpPr>
         <p:spPr>
           <a:xfrm>
-            <a:off x="2180044" y="1847684"/>
+            <a:off x="1735018" y="3820161"/>
             <a:ext cx="1342329" cy="373488"/>
           </a:xfrm>
           <a:prstGeom prst="rect">
@@ -7588,7 +6303,7 @@
         </p:nvSpPr>
         <p:spPr>
           <a:xfrm>
-            <a:off x="10092167" y="2139578"/>
+            <a:off x="10516212" y="4365210"/>
             <a:ext cx="1648496" cy="373488"/>
           </a:xfrm>
           <a:prstGeom prst="rect">
@@ -7827,7 +6542,7 @@
         </p:nvSpPr>
         <p:spPr>
           <a:xfrm>
-            <a:off x="10092167" y="2962077"/>
+            <a:off x="11175479" y="3790148"/>
             <a:ext cx="648813" cy="373488"/>
           </a:xfrm>
           <a:prstGeom prst="rect">
@@ -8052,10 +6767,475 @@
       </p:sp>
       <p:sp>
         <p:nvSpPr>
-          <p:cNvPr id="37" name="Content Placeholder 29">
+          <p:cNvPr id="26" name="Freeform: Shape 25">
             <a:extLst>
               <a:ext uri="{FF2B5EF4-FFF2-40B4-BE49-F238E27FC236}">
-                <a16:creationId xmlns:a16="http://schemas.microsoft.com/office/drawing/2014/main" id="{31879409-E4AC-4052-81C0-8F5655E50FC8}"/>
+                <a16:creationId xmlns:a16="http://schemas.microsoft.com/office/drawing/2014/main" id="{14C8B8C7-BF36-4855-8FF3-DE9808924272}"/>
+              </a:ext>
+            </a:extLst>
+          </p:cNvPr>
+          <p:cNvSpPr/>
+          <p:nvPr/>
+        </p:nvSpPr>
+        <p:spPr>
+          <a:xfrm rot="16200000">
+            <a:off x="3886339" y="6066466"/>
+            <a:ext cx="425004" cy="901523"/>
+          </a:xfrm>
+          <a:custGeom>
+            <a:avLst/>
+            <a:gdLst>
+              <a:gd name="connsiteX0" fmla="*/ 708342 w 708342"/>
+              <a:gd name="connsiteY0" fmla="*/ 811369 h 3245474"/>
+              <a:gd name="connsiteX1" fmla="*/ 708340 w 708342"/>
+              <a:gd name="connsiteY1" fmla="*/ 811369 h 3245474"/>
+              <a:gd name="connsiteX2" fmla="*/ 708340 w 708342"/>
+              <a:gd name="connsiteY2" fmla="*/ 2434106 h 3245474"/>
+              <a:gd name="connsiteX3" fmla="*/ 708340 w 708342"/>
+              <a:gd name="connsiteY3" fmla="*/ 2434106 h 3245474"/>
+              <a:gd name="connsiteX4" fmla="*/ 354170 w 708342"/>
+              <a:gd name="connsiteY4" fmla="*/ 3245474 h 3245474"/>
+              <a:gd name="connsiteX5" fmla="*/ 0 w 708342"/>
+              <a:gd name="connsiteY5" fmla="*/ 2434105 h 3245474"/>
+              <a:gd name="connsiteX6" fmla="*/ 1 w 708342"/>
+              <a:gd name="connsiteY6" fmla="*/ 2434105 h 3245474"/>
+              <a:gd name="connsiteX7" fmla="*/ 1 w 708342"/>
+              <a:gd name="connsiteY7" fmla="*/ 811368 h 3245474"/>
+              <a:gd name="connsiteX8" fmla="*/ 3 w 708342"/>
+              <a:gd name="connsiteY8" fmla="*/ 811368 h 3245474"/>
+              <a:gd name="connsiteX9" fmla="*/ 354172 w 708342"/>
+              <a:gd name="connsiteY9" fmla="*/ 0 h 3245474"/>
+            </a:gdLst>
+            <a:ahLst/>
+            <a:cxnLst>
+              <a:cxn ang="0">
+                <a:pos x="connsiteX0" y="connsiteY0"/>
+              </a:cxn>
+              <a:cxn ang="0">
+                <a:pos x="connsiteX1" y="connsiteY1"/>
+              </a:cxn>
+              <a:cxn ang="0">
+                <a:pos x="connsiteX2" y="connsiteY2"/>
+              </a:cxn>
+              <a:cxn ang="0">
+                <a:pos x="connsiteX3" y="connsiteY3"/>
+              </a:cxn>
+              <a:cxn ang="0">
+                <a:pos x="connsiteX4" y="connsiteY4"/>
+              </a:cxn>
+              <a:cxn ang="0">
+                <a:pos x="connsiteX5" y="connsiteY5"/>
+              </a:cxn>
+              <a:cxn ang="0">
+                <a:pos x="connsiteX6" y="connsiteY6"/>
+              </a:cxn>
+              <a:cxn ang="0">
+                <a:pos x="connsiteX7" y="connsiteY7"/>
+              </a:cxn>
+              <a:cxn ang="0">
+                <a:pos x="connsiteX8" y="connsiteY8"/>
+              </a:cxn>
+              <a:cxn ang="0">
+                <a:pos x="connsiteX9" y="connsiteY9"/>
+              </a:cxn>
+            </a:cxnLst>
+            <a:rect l="l" t="t" r="r" b="b"/>
+            <a:pathLst>
+              <a:path w="708342" h="3245474">
+                <a:moveTo>
+                  <a:pt x="708342" y="811369"/>
+                </a:moveTo>
+                <a:lnTo>
+                  <a:pt x="708340" y="811369"/>
+                </a:lnTo>
+                <a:lnTo>
+                  <a:pt x="708340" y="2434106"/>
+                </a:lnTo>
+                <a:lnTo>
+                  <a:pt x="708340" y="2434106"/>
+                </a:lnTo>
+                <a:lnTo>
+                  <a:pt x="354170" y="3245474"/>
+                </a:lnTo>
+                <a:lnTo>
+                  <a:pt x="0" y="2434105"/>
+                </a:lnTo>
+                <a:lnTo>
+                  <a:pt x="1" y="2434105"/>
+                </a:lnTo>
+                <a:lnTo>
+                  <a:pt x="1" y="811368"/>
+                </a:lnTo>
+                <a:lnTo>
+                  <a:pt x="3" y="811368"/>
+                </a:lnTo>
+                <a:lnTo>
+                  <a:pt x="354172" y="0"/>
+                </a:lnTo>
+                <a:close/>
+              </a:path>
+            </a:pathLst>
+          </a:custGeom>
+          <a:solidFill>
+            <a:schemeClr val="accent1">
+              <a:lumMod val="60000"/>
+              <a:lumOff val="40000"/>
+            </a:schemeClr>
+          </a:solidFill>
+          <a:ln>
+            <a:solidFill>
+              <a:schemeClr val="tx1"/>
+            </a:solidFill>
+          </a:ln>
+        </p:spPr>
+        <p:style>
+          <a:lnRef idx="2">
+            <a:schemeClr val="accent1">
+              <a:shade val="50000"/>
+            </a:schemeClr>
+          </a:lnRef>
+          <a:fillRef idx="1">
+            <a:schemeClr val="accent1"/>
+          </a:fillRef>
+          <a:effectRef idx="0">
+            <a:schemeClr val="accent1"/>
+          </a:effectRef>
+          <a:fontRef idx="minor">
+            <a:schemeClr val="lt1"/>
+          </a:fontRef>
+        </p:style>
+        <p:txBody>
+          <a:bodyPr vert="vert" rtlCol="0" anchor="ctr"/>
+          <a:lstStyle/>
+          <a:p>
+            <a:pPr algn="ctr"/>
+            <a:r>
+              <a:rPr lang="it-IT" dirty="0">
+                <a:solidFill>
+                  <a:schemeClr val="tx1"/>
+                </a:solidFill>
+              </a:rPr>
+              <a:t>true</a:t>
+            </a:r>
+          </a:p>
+        </p:txBody>
+      </p:sp>
+      <p:sp>
+        <p:nvSpPr>
+          <p:cNvPr id="28" name="Freeform: Shape 27">
+            <a:extLst>
+              <a:ext uri="{FF2B5EF4-FFF2-40B4-BE49-F238E27FC236}">
+                <a16:creationId xmlns:a16="http://schemas.microsoft.com/office/drawing/2014/main" id="{29E335A4-957C-48D2-B02E-040FE60801F3}"/>
+              </a:ext>
+            </a:extLst>
+          </p:cNvPr>
+          <p:cNvSpPr/>
+          <p:nvPr/>
+        </p:nvSpPr>
+        <p:spPr>
+          <a:xfrm rot="16200000">
+            <a:off x="2141278" y="2738482"/>
+            <a:ext cx="425004" cy="901523"/>
+          </a:xfrm>
+          <a:custGeom>
+            <a:avLst/>
+            <a:gdLst>
+              <a:gd name="connsiteX0" fmla="*/ 708342 w 708342"/>
+              <a:gd name="connsiteY0" fmla="*/ 811369 h 3245474"/>
+              <a:gd name="connsiteX1" fmla="*/ 708340 w 708342"/>
+              <a:gd name="connsiteY1" fmla="*/ 811369 h 3245474"/>
+              <a:gd name="connsiteX2" fmla="*/ 708340 w 708342"/>
+              <a:gd name="connsiteY2" fmla="*/ 2434106 h 3245474"/>
+              <a:gd name="connsiteX3" fmla="*/ 708340 w 708342"/>
+              <a:gd name="connsiteY3" fmla="*/ 2434106 h 3245474"/>
+              <a:gd name="connsiteX4" fmla="*/ 354170 w 708342"/>
+              <a:gd name="connsiteY4" fmla="*/ 3245474 h 3245474"/>
+              <a:gd name="connsiteX5" fmla="*/ 0 w 708342"/>
+              <a:gd name="connsiteY5" fmla="*/ 2434105 h 3245474"/>
+              <a:gd name="connsiteX6" fmla="*/ 1 w 708342"/>
+              <a:gd name="connsiteY6" fmla="*/ 2434105 h 3245474"/>
+              <a:gd name="connsiteX7" fmla="*/ 1 w 708342"/>
+              <a:gd name="connsiteY7" fmla="*/ 811368 h 3245474"/>
+              <a:gd name="connsiteX8" fmla="*/ 3 w 708342"/>
+              <a:gd name="connsiteY8" fmla="*/ 811368 h 3245474"/>
+              <a:gd name="connsiteX9" fmla="*/ 354172 w 708342"/>
+              <a:gd name="connsiteY9" fmla="*/ 0 h 3245474"/>
+            </a:gdLst>
+            <a:ahLst/>
+            <a:cxnLst>
+              <a:cxn ang="0">
+                <a:pos x="connsiteX0" y="connsiteY0"/>
+              </a:cxn>
+              <a:cxn ang="0">
+                <a:pos x="connsiteX1" y="connsiteY1"/>
+              </a:cxn>
+              <a:cxn ang="0">
+                <a:pos x="connsiteX2" y="connsiteY2"/>
+              </a:cxn>
+              <a:cxn ang="0">
+                <a:pos x="connsiteX3" y="connsiteY3"/>
+              </a:cxn>
+              <a:cxn ang="0">
+                <a:pos x="connsiteX4" y="connsiteY4"/>
+              </a:cxn>
+              <a:cxn ang="0">
+                <a:pos x="connsiteX5" y="connsiteY5"/>
+              </a:cxn>
+              <a:cxn ang="0">
+                <a:pos x="connsiteX6" y="connsiteY6"/>
+              </a:cxn>
+              <a:cxn ang="0">
+                <a:pos x="connsiteX7" y="connsiteY7"/>
+              </a:cxn>
+              <a:cxn ang="0">
+                <a:pos x="connsiteX8" y="connsiteY8"/>
+              </a:cxn>
+              <a:cxn ang="0">
+                <a:pos x="connsiteX9" y="connsiteY9"/>
+              </a:cxn>
+            </a:cxnLst>
+            <a:rect l="l" t="t" r="r" b="b"/>
+            <a:pathLst>
+              <a:path w="708342" h="3245474">
+                <a:moveTo>
+                  <a:pt x="708342" y="811369"/>
+                </a:moveTo>
+                <a:lnTo>
+                  <a:pt x="708340" y="811369"/>
+                </a:lnTo>
+                <a:lnTo>
+                  <a:pt x="708340" y="2434106"/>
+                </a:lnTo>
+                <a:lnTo>
+                  <a:pt x="708340" y="2434106"/>
+                </a:lnTo>
+                <a:lnTo>
+                  <a:pt x="354170" y="3245474"/>
+                </a:lnTo>
+                <a:lnTo>
+                  <a:pt x="0" y="2434105"/>
+                </a:lnTo>
+                <a:lnTo>
+                  <a:pt x="1" y="2434105"/>
+                </a:lnTo>
+                <a:lnTo>
+                  <a:pt x="1" y="811368"/>
+                </a:lnTo>
+                <a:lnTo>
+                  <a:pt x="3" y="811368"/>
+                </a:lnTo>
+                <a:lnTo>
+                  <a:pt x="354172" y="0"/>
+                </a:lnTo>
+                <a:close/>
+              </a:path>
+            </a:pathLst>
+          </a:custGeom>
+          <a:solidFill>
+            <a:schemeClr val="accent1">
+              <a:lumMod val="60000"/>
+              <a:lumOff val="40000"/>
+            </a:schemeClr>
+          </a:solidFill>
+          <a:ln>
+            <a:solidFill>
+              <a:schemeClr val="tx1"/>
+            </a:solidFill>
+          </a:ln>
+        </p:spPr>
+        <p:style>
+          <a:lnRef idx="2">
+            <a:schemeClr val="accent1">
+              <a:shade val="50000"/>
+            </a:schemeClr>
+          </a:lnRef>
+          <a:fillRef idx="1">
+            <a:schemeClr val="accent1"/>
+          </a:fillRef>
+          <a:effectRef idx="0">
+            <a:schemeClr val="accent1"/>
+          </a:effectRef>
+          <a:fontRef idx="minor">
+            <a:schemeClr val="lt1"/>
+          </a:fontRef>
+        </p:style>
+        <p:txBody>
+          <a:bodyPr vert="vert" rtlCol="0" anchor="ctr"/>
+          <a:lstStyle/>
+          <a:p>
+            <a:pPr algn="ctr"/>
+            <a:r>
+              <a:rPr lang="it-IT" dirty="0">
+                <a:solidFill>
+                  <a:schemeClr val="tx1"/>
+                </a:solidFill>
+              </a:rPr>
+              <a:t>true</a:t>
+            </a:r>
+          </a:p>
+        </p:txBody>
+      </p:sp>
+      <p:sp>
+        <p:nvSpPr>
+          <p:cNvPr id="29" name="Freeform: Shape 28">
+            <a:extLst>
+              <a:ext uri="{FF2B5EF4-FFF2-40B4-BE49-F238E27FC236}">
+                <a16:creationId xmlns:a16="http://schemas.microsoft.com/office/drawing/2014/main" id="{40691DD2-DCCF-498B-A1D6-2FA40B9323B2}"/>
+              </a:ext>
+            </a:extLst>
+          </p:cNvPr>
+          <p:cNvSpPr/>
+          <p:nvPr/>
+        </p:nvSpPr>
+        <p:spPr>
+          <a:xfrm rot="16200000">
+            <a:off x="2140939" y="5194183"/>
+            <a:ext cx="425004" cy="901523"/>
+          </a:xfrm>
+          <a:custGeom>
+            <a:avLst/>
+            <a:gdLst>
+              <a:gd name="connsiteX0" fmla="*/ 708342 w 708342"/>
+              <a:gd name="connsiteY0" fmla="*/ 811369 h 3245474"/>
+              <a:gd name="connsiteX1" fmla="*/ 708340 w 708342"/>
+              <a:gd name="connsiteY1" fmla="*/ 811369 h 3245474"/>
+              <a:gd name="connsiteX2" fmla="*/ 708340 w 708342"/>
+              <a:gd name="connsiteY2" fmla="*/ 2434106 h 3245474"/>
+              <a:gd name="connsiteX3" fmla="*/ 708340 w 708342"/>
+              <a:gd name="connsiteY3" fmla="*/ 2434106 h 3245474"/>
+              <a:gd name="connsiteX4" fmla="*/ 354170 w 708342"/>
+              <a:gd name="connsiteY4" fmla="*/ 3245474 h 3245474"/>
+              <a:gd name="connsiteX5" fmla="*/ 0 w 708342"/>
+              <a:gd name="connsiteY5" fmla="*/ 2434105 h 3245474"/>
+              <a:gd name="connsiteX6" fmla="*/ 1 w 708342"/>
+              <a:gd name="connsiteY6" fmla="*/ 2434105 h 3245474"/>
+              <a:gd name="connsiteX7" fmla="*/ 1 w 708342"/>
+              <a:gd name="connsiteY7" fmla="*/ 811368 h 3245474"/>
+              <a:gd name="connsiteX8" fmla="*/ 3 w 708342"/>
+              <a:gd name="connsiteY8" fmla="*/ 811368 h 3245474"/>
+              <a:gd name="connsiteX9" fmla="*/ 354172 w 708342"/>
+              <a:gd name="connsiteY9" fmla="*/ 0 h 3245474"/>
+            </a:gdLst>
+            <a:ahLst/>
+            <a:cxnLst>
+              <a:cxn ang="0">
+                <a:pos x="connsiteX0" y="connsiteY0"/>
+              </a:cxn>
+              <a:cxn ang="0">
+                <a:pos x="connsiteX1" y="connsiteY1"/>
+              </a:cxn>
+              <a:cxn ang="0">
+                <a:pos x="connsiteX2" y="connsiteY2"/>
+              </a:cxn>
+              <a:cxn ang="0">
+                <a:pos x="connsiteX3" y="connsiteY3"/>
+              </a:cxn>
+              <a:cxn ang="0">
+                <a:pos x="connsiteX4" y="connsiteY4"/>
+              </a:cxn>
+              <a:cxn ang="0">
+                <a:pos x="connsiteX5" y="connsiteY5"/>
+              </a:cxn>
+              <a:cxn ang="0">
+                <a:pos x="connsiteX6" y="connsiteY6"/>
+              </a:cxn>
+              <a:cxn ang="0">
+                <a:pos x="connsiteX7" y="connsiteY7"/>
+              </a:cxn>
+              <a:cxn ang="0">
+                <a:pos x="connsiteX8" y="connsiteY8"/>
+              </a:cxn>
+              <a:cxn ang="0">
+                <a:pos x="connsiteX9" y="connsiteY9"/>
+              </a:cxn>
+            </a:cxnLst>
+            <a:rect l="l" t="t" r="r" b="b"/>
+            <a:pathLst>
+              <a:path w="708342" h="3245474">
+                <a:moveTo>
+                  <a:pt x="708342" y="811369"/>
+                </a:moveTo>
+                <a:lnTo>
+                  <a:pt x="708340" y="811369"/>
+                </a:lnTo>
+                <a:lnTo>
+                  <a:pt x="708340" y="2434106"/>
+                </a:lnTo>
+                <a:lnTo>
+                  <a:pt x="708340" y="2434106"/>
+                </a:lnTo>
+                <a:lnTo>
+                  <a:pt x="354170" y="3245474"/>
+                </a:lnTo>
+                <a:lnTo>
+                  <a:pt x="0" y="2434105"/>
+                </a:lnTo>
+                <a:lnTo>
+                  <a:pt x="1" y="2434105"/>
+                </a:lnTo>
+                <a:lnTo>
+                  <a:pt x="1" y="811368"/>
+                </a:lnTo>
+                <a:lnTo>
+                  <a:pt x="3" y="811368"/>
+                </a:lnTo>
+                <a:lnTo>
+                  <a:pt x="354172" y="0"/>
+                </a:lnTo>
+                <a:close/>
+              </a:path>
+            </a:pathLst>
+          </a:custGeom>
+          <a:solidFill>
+            <a:schemeClr val="accent1">
+              <a:lumMod val="60000"/>
+              <a:lumOff val="40000"/>
+            </a:schemeClr>
+          </a:solidFill>
+          <a:ln>
+            <a:solidFill>
+              <a:schemeClr val="tx1"/>
+            </a:solidFill>
+          </a:ln>
+        </p:spPr>
+        <p:style>
+          <a:lnRef idx="2">
+            <a:schemeClr val="accent1">
+              <a:shade val="50000"/>
+            </a:schemeClr>
+          </a:lnRef>
+          <a:fillRef idx="1">
+            <a:schemeClr val="accent1"/>
+          </a:fillRef>
+          <a:effectRef idx="0">
+            <a:schemeClr val="accent1"/>
+          </a:effectRef>
+          <a:fontRef idx="minor">
+            <a:schemeClr val="lt1"/>
+          </a:fontRef>
+        </p:style>
+        <p:txBody>
+          <a:bodyPr vert="vert" rtlCol="0" anchor="ctr"/>
+          <a:lstStyle/>
+          <a:p>
+            <a:pPr algn="ctr"/>
+            <a:r>
+              <a:rPr lang="it-IT" dirty="0">
+                <a:solidFill>
+                  <a:schemeClr val="tx1"/>
+                </a:solidFill>
+              </a:rPr>
+              <a:t>false</a:t>
+            </a:r>
+          </a:p>
+        </p:txBody>
+      </p:sp>
+      <p:sp>
+        <p:nvSpPr>
+          <p:cNvPr id="40" name="Content Placeholder 29">
+            <a:extLst>
+              <a:ext uri="{FF2B5EF4-FFF2-40B4-BE49-F238E27FC236}">
+                <a16:creationId xmlns:a16="http://schemas.microsoft.com/office/drawing/2014/main" id="{DB7AA598-B215-45DE-B6F2-B5717D4A4E29}"/>
               </a:ext>
             </a:extLst>
           </p:cNvPr>
@@ -8066,8 +7246,8 @@
         </p:nvSpPr>
         <p:spPr>
           <a:xfrm>
-            <a:off x="2676244" y="4461988"/>
-            <a:ext cx="1282025" cy="373488"/>
+            <a:off x="4822128" y="2789997"/>
+            <a:ext cx="1760594" cy="373488"/>
           </a:xfrm>
           <a:prstGeom prst="rect">
             <a:avLst/>
@@ -8284,17 +7464,637 @@
                   <a:schemeClr val="tx1"/>
                 </a:solidFill>
               </a:rPr>
-              <a:t>computer</a:t>
+              <a:t>University1_URI</a:t>
             </a:r>
           </a:p>
         </p:txBody>
       </p:sp>
       <p:sp>
         <p:nvSpPr>
-          <p:cNvPr id="38" name="Content Placeholder 29">
+          <p:cNvPr id="41" name="Freeform: Shape 40">
             <a:extLst>
               <a:ext uri="{FF2B5EF4-FFF2-40B4-BE49-F238E27FC236}">
-                <a16:creationId xmlns:a16="http://schemas.microsoft.com/office/drawing/2014/main" id="{4F99A068-E6DC-4C4B-9966-91D8CA4C74AF}"/>
+                <a16:creationId xmlns:a16="http://schemas.microsoft.com/office/drawing/2014/main" id="{8E1B2513-F51E-48A3-A65A-E82218C99ADA}"/>
+              </a:ext>
+            </a:extLst>
+          </p:cNvPr>
+          <p:cNvSpPr/>
+          <p:nvPr/>
+        </p:nvSpPr>
+        <p:spPr>
+          <a:xfrm rot="16200000">
+            <a:off x="8002351" y="5076885"/>
+            <a:ext cx="425004" cy="901523"/>
+          </a:xfrm>
+          <a:custGeom>
+            <a:avLst/>
+            <a:gdLst>
+              <a:gd name="connsiteX0" fmla="*/ 708342 w 708342"/>
+              <a:gd name="connsiteY0" fmla="*/ 811369 h 3245474"/>
+              <a:gd name="connsiteX1" fmla="*/ 708340 w 708342"/>
+              <a:gd name="connsiteY1" fmla="*/ 811369 h 3245474"/>
+              <a:gd name="connsiteX2" fmla="*/ 708340 w 708342"/>
+              <a:gd name="connsiteY2" fmla="*/ 2434106 h 3245474"/>
+              <a:gd name="connsiteX3" fmla="*/ 708340 w 708342"/>
+              <a:gd name="connsiteY3" fmla="*/ 2434106 h 3245474"/>
+              <a:gd name="connsiteX4" fmla="*/ 354170 w 708342"/>
+              <a:gd name="connsiteY4" fmla="*/ 3245474 h 3245474"/>
+              <a:gd name="connsiteX5" fmla="*/ 0 w 708342"/>
+              <a:gd name="connsiteY5" fmla="*/ 2434105 h 3245474"/>
+              <a:gd name="connsiteX6" fmla="*/ 1 w 708342"/>
+              <a:gd name="connsiteY6" fmla="*/ 2434105 h 3245474"/>
+              <a:gd name="connsiteX7" fmla="*/ 1 w 708342"/>
+              <a:gd name="connsiteY7" fmla="*/ 811368 h 3245474"/>
+              <a:gd name="connsiteX8" fmla="*/ 3 w 708342"/>
+              <a:gd name="connsiteY8" fmla="*/ 811368 h 3245474"/>
+              <a:gd name="connsiteX9" fmla="*/ 354172 w 708342"/>
+              <a:gd name="connsiteY9" fmla="*/ 0 h 3245474"/>
+            </a:gdLst>
+            <a:ahLst/>
+            <a:cxnLst>
+              <a:cxn ang="0">
+                <a:pos x="connsiteX0" y="connsiteY0"/>
+              </a:cxn>
+              <a:cxn ang="0">
+                <a:pos x="connsiteX1" y="connsiteY1"/>
+              </a:cxn>
+              <a:cxn ang="0">
+                <a:pos x="connsiteX2" y="connsiteY2"/>
+              </a:cxn>
+              <a:cxn ang="0">
+                <a:pos x="connsiteX3" y="connsiteY3"/>
+              </a:cxn>
+              <a:cxn ang="0">
+                <a:pos x="connsiteX4" y="connsiteY4"/>
+              </a:cxn>
+              <a:cxn ang="0">
+                <a:pos x="connsiteX5" y="connsiteY5"/>
+              </a:cxn>
+              <a:cxn ang="0">
+                <a:pos x="connsiteX6" y="connsiteY6"/>
+              </a:cxn>
+              <a:cxn ang="0">
+                <a:pos x="connsiteX7" y="connsiteY7"/>
+              </a:cxn>
+              <a:cxn ang="0">
+                <a:pos x="connsiteX8" y="connsiteY8"/>
+              </a:cxn>
+              <a:cxn ang="0">
+                <a:pos x="connsiteX9" y="connsiteY9"/>
+              </a:cxn>
+            </a:cxnLst>
+            <a:rect l="l" t="t" r="r" b="b"/>
+            <a:pathLst>
+              <a:path w="708342" h="3245474">
+                <a:moveTo>
+                  <a:pt x="708342" y="811369"/>
+                </a:moveTo>
+                <a:lnTo>
+                  <a:pt x="708340" y="811369"/>
+                </a:lnTo>
+                <a:lnTo>
+                  <a:pt x="708340" y="2434106"/>
+                </a:lnTo>
+                <a:lnTo>
+                  <a:pt x="708340" y="2434106"/>
+                </a:lnTo>
+                <a:lnTo>
+                  <a:pt x="354170" y="3245474"/>
+                </a:lnTo>
+                <a:lnTo>
+                  <a:pt x="0" y="2434105"/>
+                </a:lnTo>
+                <a:lnTo>
+                  <a:pt x="1" y="2434105"/>
+                </a:lnTo>
+                <a:lnTo>
+                  <a:pt x="1" y="811368"/>
+                </a:lnTo>
+                <a:lnTo>
+                  <a:pt x="3" y="811368"/>
+                </a:lnTo>
+                <a:lnTo>
+                  <a:pt x="354172" y="0"/>
+                </a:lnTo>
+                <a:close/>
+              </a:path>
+            </a:pathLst>
+          </a:custGeom>
+          <a:solidFill>
+            <a:schemeClr val="accent1">
+              <a:lumMod val="60000"/>
+              <a:lumOff val="40000"/>
+            </a:schemeClr>
+          </a:solidFill>
+          <a:ln>
+            <a:solidFill>
+              <a:schemeClr val="tx1"/>
+            </a:solidFill>
+          </a:ln>
+        </p:spPr>
+        <p:style>
+          <a:lnRef idx="2">
+            <a:schemeClr val="accent1">
+              <a:shade val="50000"/>
+            </a:schemeClr>
+          </a:lnRef>
+          <a:fillRef idx="1">
+            <a:schemeClr val="accent1"/>
+          </a:fillRef>
+          <a:effectRef idx="0">
+            <a:schemeClr val="accent1"/>
+          </a:effectRef>
+          <a:fontRef idx="minor">
+            <a:schemeClr val="lt1"/>
+          </a:fontRef>
+        </p:style>
+        <p:txBody>
+          <a:bodyPr vert="vert" rtlCol="0" anchor="ctr"/>
+          <a:lstStyle/>
+          <a:p>
+            <a:pPr algn="ctr"/>
+            <a:r>
+              <a:rPr lang="it-IT" dirty="0">
+                <a:solidFill>
+                  <a:schemeClr val="tx1"/>
+                </a:solidFill>
+              </a:rPr>
+              <a:t>2</a:t>
+            </a:r>
+          </a:p>
+        </p:txBody>
+      </p:sp>
+      <p:sp>
+        <p:nvSpPr>
+          <p:cNvPr id="42" name="Freeform: Shape 41">
+            <a:extLst>
+              <a:ext uri="{FF2B5EF4-FFF2-40B4-BE49-F238E27FC236}">
+                <a16:creationId xmlns:a16="http://schemas.microsoft.com/office/drawing/2014/main" id="{9827EF34-65CA-4308-98CD-33EC75B9AF3B}"/>
+              </a:ext>
+            </a:extLst>
+          </p:cNvPr>
+          <p:cNvSpPr/>
+          <p:nvPr/>
+        </p:nvSpPr>
+        <p:spPr>
+          <a:xfrm rot="16200000">
+            <a:off x="8541695" y="6140170"/>
+            <a:ext cx="425004" cy="901523"/>
+          </a:xfrm>
+          <a:custGeom>
+            <a:avLst/>
+            <a:gdLst>
+              <a:gd name="connsiteX0" fmla="*/ 708342 w 708342"/>
+              <a:gd name="connsiteY0" fmla="*/ 811369 h 3245474"/>
+              <a:gd name="connsiteX1" fmla="*/ 708340 w 708342"/>
+              <a:gd name="connsiteY1" fmla="*/ 811369 h 3245474"/>
+              <a:gd name="connsiteX2" fmla="*/ 708340 w 708342"/>
+              <a:gd name="connsiteY2" fmla="*/ 2434106 h 3245474"/>
+              <a:gd name="connsiteX3" fmla="*/ 708340 w 708342"/>
+              <a:gd name="connsiteY3" fmla="*/ 2434106 h 3245474"/>
+              <a:gd name="connsiteX4" fmla="*/ 354170 w 708342"/>
+              <a:gd name="connsiteY4" fmla="*/ 3245474 h 3245474"/>
+              <a:gd name="connsiteX5" fmla="*/ 0 w 708342"/>
+              <a:gd name="connsiteY5" fmla="*/ 2434105 h 3245474"/>
+              <a:gd name="connsiteX6" fmla="*/ 1 w 708342"/>
+              <a:gd name="connsiteY6" fmla="*/ 2434105 h 3245474"/>
+              <a:gd name="connsiteX7" fmla="*/ 1 w 708342"/>
+              <a:gd name="connsiteY7" fmla="*/ 811368 h 3245474"/>
+              <a:gd name="connsiteX8" fmla="*/ 3 w 708342"/>
+              <a:gd name="connsiteY8" fmla="*/ 811368 h 3245474"/>
+              <a:gd name="connsiteX9" fmla="*/ 354172 w 708342"/>
+              <a:gd name="connsiteY9" fmla="*/ 0 h 3245474"/>
+            </a:gdLst>
+            <a:ahLst/>
+            <a:cxnLst>
+              <a:cxn ang="0">
+                <a:pos x="connsiteX0" y="connsiteY0"/>
+              </a:cxn>
+              <a:cxn ang="0">
+                <a:pos x="connsiteX1" y="connsiteY1"/>
+              </a:cxn>
+              <a:cxn ang="0">
+                <a:pos x="connsiteX2" y="connsiteY2"/>
+              </a:cxn>
+              <a:cxn ang="0">
+                <a:pos x="connsiteX3" y="connsiteY3"/>
+              </a:cxn>
+              <a:cxn ang="0">
+                <a:pos x="connsiteX4" y="connsiteY4"/>
+              </a:cxn>
+              <a:cxn ang="0">
+                <a:pos x="connsiteX5" y="connsiteY5"/>
+              </a:cxn>
+              <a:cxn ang="0">
+                <a:pos x="connsiteX6" y="connsiteY6"/>
+              </a:cxn>
+              <a:cxn ang="0">
+                <a:pos x="connsiteX7" y="connsiteY7"/>
+              </a:cxn>
+              <a:cxn ang="0">
+                <a:pos x="connsiteX8" y="connsiteY8"/>
+              </a:cxn>
+              <a:cxn ang="0">
+                <a:pos x="connsiteX9" y="connsiteY9"/>
+              </a:cxn>
+            </a:cxnLst>
+            <a:rect l="l" t="t" r="r" b="b"/>
+            <a:pathLst>
+              <a:path w="708342" h="3245474">
+                <a:moveTo>
+                  <a:pt x="708342" y="811369"/>
+                </a:moveTo>
+                <a:lnTo>
+                  <a:pt x="708340" y="811369"/>
+                </a:lnTo>
+                <a:lnTo>
+                  <a:pt x="708340" y="2434106"/>
+                </a:lnTo>
+                <a:lnTo>
+                  <a:pt x="708340" y="2434106"/>
+                </a:lnTo>
+                <a:lnTo>
+                  <a:pt x="354170" y="3245474"/>
+                </a:lnTo>
+                <a:lnTo>
+                  <a:pt x="0" y="2434105"/>
+                </a:lnTo>
+                <a:lnTo>
+                  <a:pt x="1" y="2434105"/>
+                </a:lnTo>
+                <a:lnTo>
+                  <a:pt x="1" y="811368"/>
+                </a:lnTo>
+                <a:lnTo>
+                  <a:pt x="3" y="811368"/>
+                </a:lnTo>
+                <a:lnTo>
+                  <a:pt x="354172" y="0"/>
+                </a:lnTo>
+                <a:close/>
+              </a:path>
+            </a:pathLst>
+          </a:custGeom>
+          <a:solidFill>
+            <a:schemeClr val="accent1">
+              <a:lumMod val="60000"/>
+              <a:lumOff val="40000"/>
+            </a:schemeClr>
+          </a:solidFill>
+          <a:ln>
+            <a:solidFill>
+              <a:schemeClr val="tx1"/>
+            </a:solidFill>
+          </a:ln>
+        </p:spPr>
+        <p:style>
+          <a:lnRef idx="2">
+            <a:schemeClr val="accent1">
+              <a:shade val="50000"/>
+            </a:schemeClr>
+          </a:lnRef>
+          <a:fillRef idx="1">
+            <a:schemeClr val="accent1"/>
+          </a:fillRef>
+          <a:effectRef idx="0">
+            <a:schemeClr val="accent1"/>
+          </a:effectRef>
+          <a:fontRef idx="minor">
+            <a:schemeClr val="lt1"/>
+          </a:fontRef>
+        </p:style>
+        <p:txBody>
+          <a:bodyPr vert="vert" rtlCol="0" anchor="ctr"/>
+          <a:lstStyle/>
+          <a:p>
+            <a:pPr algn="ctr"/>
+            <a:r>
+              <a:rPr lang="it-IT" dirty="0">
+                <a:solidFill>
+                  <a:schemeClr val="tx1"/>
+                </a:solidFill>
+              </a:rPr>
+              <a:t>3</a:t>
+            </a:r>
+          </a:p>
+        </p:txBody>
+      </p:sp>
+      <p:sp>
+        <p:nvSpPr>
+          <p:cNvPr id="43" name="Freeform: Shape 42">
+            <a:extLst>
+              <a:ext uri="{FF2B5EF4-FFF2-40B4-BE49-F238E27FC236}">
+                <a16:creationId xmlns:a16="http://schemas.microsoft.com/office/drawing/2014/main" id="{C4778ACF-F454-4241-A2F2-993C2D8FF530}"/>
+              </a:ext>
+            </a:extLst>
+          </p:cNvPr>
+          <p:cNvSpPr/>
+          <p:nvPr/>
+        </p:nvSpPr>
+        <p:spPr>
+          <a:xfrm rot="16200000">
+            <a:off x="10634990" y="5284602"/>
+            <a:ext cx="598327" cy="2310111"/>
+          </a:xfrm>
+          <a:custGeom>
+            <a:avLst/>
+            <a:gdLst>
+              <a:gd name="connsiteX0" fmla="*/ 708342 w 708342"/>
+              <a:gd name="connsiteY0" fmla="*/ 811369 h 3245474"/>
+              <a:gd name="connsiteX1" fmla="*/ 708340 w 708342"/>
+              <a:gd name="connsiteY1" fmla="*/ 811369 h 3245474"/>
+              <a:gd name="connsiteX2" fmla="*/ 708340 w 708342"/>
+              <a:gd name="connsiteY2" fmla="*/ 2434106 h 3245474"/>
+              <a:gd name="connsiteX3" fmla="*/ 708340 w 708342"/>
+              <a:gd name="connsiteY3" fmla="*/ 2434106 h 3245474"/>
+              <a:gd name="connsiteX4" fmla="*/ 354170 w 708342"/>
+              <a:gd name="connsiteY4" fmla="*/ 3245474 h 3245474"/>
+              <a:gd name="connsiteX5" fmla="*/ 0 w 708342"/>
+              <a:gd name="connsiteY5" fmla="*/ 2434105 h 3245474"/>
+              <a:gd name="connsiteX6" fmla="*/ 1 w 708342"/>
+              <a:gd name="connsiteY6" fmla="*/ 2434105 h 3245474"/>
+              <a:gd name="connsiteX7" fmla="*/ 1 w 708342"/>
+              <a:gd name="connsiteY7" fmla="*/ 811368 h 3245474"/>
+              <a:gd name="connsiteX8" fmla="*/ 3 w 708342"/>
+              <a:gd name="connsiteY8" fmla="*/ 811368 h 3245474"/>
+              <a:gd name="connsiteX9" fmla="*/ 354172 w 708342"/>
+              <a:gd name="connsiteY9" fmla="*/ 0 h 3245474"/>
+            </a:gdLst>
+            <a:ahLst/>
+            <a:cxnLst>
+              <a:cxn ang="0">
+                <a:pos x="connsiteX0" y="connsiteY0"/>
+              </a:cxn>
+              <a:cxn ang="0">
+                <a:pos x="connsiteX1" y="connsiteY1"/>
+              </a:cxn>
+              <a:cxn ang="0">
+                <a:pos x="connsiteX2" y="connsiteY2"/>
+              </a:cxn>
+              <a:cxn ang="0">
+                <a:pos x="connsiteX3" y="connsiteY3"/>
+              </a:cxn>
+              <a:cxn ang="0">
+                <a:pos x="connsiteX4" y="connsiteY4"/>
+              </a:cxn>
+              <a:cxn ang="0">
+                <a:pos x="connsiteX5" y="connsiteY5"/>
+              </a:cxn>
+              <a:cxn ang="0">
+                <a:pos x="connsiteX6" y="connsiteY6"/>
+              </a:cxn>
+              <a:cxn ang="0">
+                <a:pos x="connsiteX7" y="connsiteY7"/>
+              </a:cxn>
+              <a:cxn ang="0">
+                <a:pos x="connsiteX8" y="connsiteY8"/>
+              </a:cxn>
+              <a:cxn ang="0">
+                <a:pos x="connsiteX9" y="connsiteY9"/>
+              </a:cxn>
+            </a:cxnLst>
+            <a:rect l="l" t="t" r="r" b="b"/>
+            <a:pathLst>
+              <a:path w="708342" h="3245474">
+                <a:moveTo>
+                  <a:pt x="708342" y="811369"/>
+                </a:moveTo>
+                <a:lnTo>
+                  <a:pt x="708340" y="811369"/>
+                </a:lnTo>
+                <a:lnTo>
+                  <a:pt x="708340" y="2434106"/>
+                </a:lnTo>
+                <a:lnTo>
+                  <a:pt x="708340" y="2434106"/>
+                </a:lnTo>
+                <a:lnTo>
+                  <a:pt x="354170" y="3245474"/>
+                </a:lnTo>
+                <a:lnTo>
+                  <a:pt x="0" y="2434105"/>
+                </a:lnTo>
+                <a:lnTo>
+                  <a:pt x="1" y="2434105"/>
+                </a:lnTo>
+                <a:lnTo>
+                  <a:pt x="1" y="811368"/>
+                </a:lnTo>
+                <a:lnTo>
+                  <a:pt x="3" y="811368"/>
+                </a:lnTo>
+                <a:lnTo>
+                  <a:pt x="354172" y="0"/>
+                </a:lnTo>
+                <a:close/>
+              </a:path>
+            </a:pathLst>
+          </a:custGeom>
+          <a:solidFill>
+            <a:schemeClr val="accent1">
+              <a:lumMod val="60000"/>
+              <a:lumOff val="40000"/>
+            </a:schemeClr>
+          </a:solidFill>
+          <a:ln>
+            <a:solidFill>
+              <a:schemeClr val="tx1"/>
+            </a:solidFill>
+          </a:ln>
+        </p:spPr>
+        <p:style>
+          <a:lnRef idx="2">
+            <a:schemeClr val="accent1">
+              <a:shade val="50000"/>
+            </a:schemeClr>
+          </a:lnRef>
+          <a:fillRef idx="1">
+            <a:schemeClr val="accent1"/>
+          </a:fillRef>
+          <a:effectRef idx="0">
+            <a:schemeClr val="accent1"/>
+          </a:effectRef>
+          <a:fontRef idx="minor">
+            <a:schemeClr val="lt1"/>
+          </a:fontRef>
+        </p:style>
+        <p:txBody>
+          <a:bodyPr vert="vert" rtlCol="0" anchor="ctr"/>
+          <a:lstStyle/>
+          <a:p>
+            <a:pPr algn="ctr"/>
+            <a:r>
+              <a:rPr lang="it-IT" dirty="0">
+                <a:solidFill>
+                  <a:schemeClr val="tx1"/>
+                </a:solidFill>
+              </a:rPr>
+              <a:t>StudyRoom1_Name</a:t>
+            </a:r>
+          </a:p>
+        </p:txBody>
+      </p:sp>
+      <p:sp>
+        <p:nvSpPr>
+          <p:cNvPr id="44" name="Freeform: Shape 43">
+            <a:extLst>
+              <a:ext uri="{FF2B5EF4-FFF2-40B4-BE49-F238E27FC236}">
+                <a16:creationId xmlns:a16="http://schemas.microsoft.com/office/drawing/2014/main" id="{51ABA6D0-438E-4530-81ED-41866B23B43F}"/>
+              </a:ext>
+            </a:extLst>
+          </p:cNvPr>
+          <p:cNvSpPr/>
+          <p:nvPr/>
+        </p:nvSpPr>
+        <p:spPr>
+          <a:xfrm rot="16200000">
+            <a:off x="11150395" y="5090559"/>
+            <a:ext cx="425004" cy="901523"/>
+          </a:xfrm>
+          <a:custGeom>
+            <a:avLst/>
+            <a:gdLst>
+              <a:gd name="connsiteX0" fmla="*/ 708342 w 708342"/>
+              <a:gd name="connsiteY0" fmla="*/ 811369 h 3245474"/>
+              <a:gd name="connsiteX1" fmla="*/ 708340 w 708342"/>
+              <a:gd name="connsiteY1" fmla="*/ 811369 h 3245474"/>
+              <a:gd name="connsiteX2" fmla="*/ 708340 w 708342"/>
+              <a:gd name="connsiteY2" fmla="*/ 2434106 h 3245474"/>
+              <a:gd name="connsiteX3" fmla="*/ 708340 w 708342"/>
+              <a:gd name="connsiteY3" fmla="*/ 2434106 h 3245474"/>
+              <a:gd name="connsiteX4" fmla="*/ 354170 w 708342"/>
+              <a:gd name="connsiteY4" fmla="*/ 3245474 h 3245474"/>
+              <a:gd name="connsiteX5" fmla="*/ 0 w 708342"/>
+              <a:gd name="connsiteY5" fmla="*/ 2434105 h 3245474"/>
+              <a:gd name="connsiteX6" fmla="*/ 1 w 708342"/>
+              <a:gd name="connsiteY6" fmla="*/ 2434105 h 3245474"/>
+              <a:gd name="connsiteX7" fmla="*/ 1 w 708342"/>
+              <a:gd name="connsiteY7" fmla="*/ 811368 h 3245474"/>
+              <a:gd name="connsiteX8" fmla="*/ 3 w 708342"/>
+              <a:gd name="connsiteY8" fmla="*/ 811368 h 3245474"/>
+              <a:gd name="connsiteX9" fmla="*/ 354172 w 708342"/>
+              <a:gd name="connsiteY9" fmla="*/ 0 h 3245474"/>
+            </a:gdLst>
+            <a:ahLst/>
+            <a:cxnLst>
+              <a:cxn ang="0">
+                <a:pos x="connsiteX0" y="connsiteY0"/>
+              </a:cxn>
+              <a:cxn ang="0">
+                <a:pos x="connsiteX1" y="connsiteY1"/>
+              </a:cxn>
+              <a:cxn ang="0">
+                <a:pos x="connsiteX2" y="connsiteY2"/>
+              </a:cxn>
+              <a:cxn ang="0">
+                <a:pos x="connsiteX3" y="connsiteY3"/>
+              </a:cxn>
+              <a:cxn ang="0">
+                <a:pos x="connsiteX4" y="connsiteY4"/>
+              </a:cxn>
+              <a:cxn ang="0">
+                <a:pos x="connsiteX5" y="connsiteY5"/>
+              </a:cxn>
+              <a:cxn ang="0">
+                <a:pos x="connsiteX6" y="connsiteY6"/>
+              </a:cxn>
+              <a:cxn ang="0">
+                <a:pos x="connsiteX7" y="connsiteY7"/>
+              </a:cxn>
+              <a:cxn ang="0">
+                <a:pos x="connsiteX8" y="connsiteY8"/>
+              </a:cxn>
+              <a:cxn ang="0">
+                <a:pos x="connsiteX9" y="connsiteY9"/>
+              </a:cxn>
+            </a:cxnLst>
+            <a:rect l="l" t="t" r="r" b="b"/>
+            <a:pathLst>
+              <a:path w="708342" h="3245474">
+                <a:moveTo>
+                  <a:pt x="708342" y="811369"/>
+                </a:moveTo>
+                <a:lnTo>
+                  <a:pt x="708340" y="811369"/>
+                </a:lnTo>
+                <a:lnTo>
+                  <a:pt x="708340" y="2434106"/>
+                </a:lnTo>
+                <a:lnTo>
+                  <a:pt x="708340" y="2434106"/>
+                </a:lnTo>
+                <a:lnTo>
+                  <a:pt x="354170" y="3245474"/>
+                </a:lnTo>
+                <a:lnTo>
+                  <a:pt x="0" y="2434105"/>
+                </a:lnTo>
+                <a:lnTo>
+                  <a:pt x="1" y="2434105"/>
+                </a:lnTo>
+                <a:lnTo>
+                  <a:pt x="1" y="811368"/>
+                </a:lnTo>
+                <a:lnTo>
+                  <a:pt x="3" y="811368"/>
+                </a:lnTo>
+                <a:lnTo>
+                  <a:pt x="354172" y="0"/>
+                </a:lnTo>
+                <a:close/>
+              </a:path>
+            </a:pathLst>
+          </a:custGeom>
+          <a:solidFill>
+            <a:schemeClr val="accent1">
+              <a:lumMod val="60000"/>
+              <a:lumOff val="40000"/>
+            </a:schemeClr>
+          </a:solidFill>
+          <a:ln>
+            <a:solidFill>
+              <a:schemeClr val="tx1"/>
+            </a:solidFill>
+          </a:ln>
+        </p:spPr>
+        <p:style>
+          <a:lnRef idx="2">
+            <a:schemeClr val="accent1">
+              <a:shade val="50000"/>
+            </a:schemeClr>
+          </a:lnRef>
+          <a:fillRef idx="1">
+            <a:schemeClr val="accent1"/>
+          </a:fillRef>
+          <a:effectRef idx="0">
+            <a:schemeClr val="accent1"/>
+          </a:effectRef>
+          <a:fontRef idx="minor">
+            <a:schemeClr val="lt1"/>
+          </a:fontRef>
+        </p:style>
+        <p:txBody>
+          <a:bodyPr vert="vert" rtlCol="0" anchor="ctr"/>
+          <a:lstStyle/>
+          <a:p>
+            <a:pPr algn="ctr"/>
+            <a:r>
+              <a:rPr lang="it-IT" dirty="0">
+                <a:solidFill>
+                  <a:schemeClr val="tx1"/>
+                </a:solidFill>
+              </a:rPr>
+              <a:t>True</a:t>
+            </a:r>
+          </a:p>
+        </p:txBody>
+      </p:sp>
+      <p:sp>
+        <p:nvSpPr>
+          <p:cNvPr id="45" name="Title 1">
+            <a:extLst>
+              <a:ext uri="{FF2B5EF4-FFF2-40B4-BE49-F238E27FC236}">
+                <a16:creationId xmlns:a16="http://schemas.microsoft.com/office/drawing/2014/main" id="{B7C91338-91B4-4C80-B8A0-D6F713DEE2F3}"/>
               </a:ext>
             </a:extLst>
           </p:cNvPr>
@@ -8305,8 +8105,1842 @@
         </p:nvSpPr>
         <p:spPr>
           <a:xfrm>
-            <a:off x="4560489" y="5039989"/>
-            <a:ext cx="1456360" cy="373488"/>
+            <a:off x="0" y="0"/>
+            <a:ext cx="12192000" cy="1690689"/>
+          </a:xfrm>
+          <a:prstGeom prst="rect">
+            <a:avLst/>
+          </a:prstGeom>
+          <a:solidFill>
+            <a:schemeClr val="accent1">
+              <a:lumMod val="40000"/>
+              <a:lumOff val="60000"/>
+            </a:schemeClr>
+          </a:solidFill>
+        </p:spPr>
+        <p:txBody>
+          <a:bodyPr vert="horz" lIns="91440" tIns="45720" rIns="91440" bIns="45720" rtlCol="0" anchor="ctr">
+            <a:normAutofit/>
+          </a:bodyPr>
+          <a:lstStyle>
+            <a:lvl1pPr algn="ctr" defTabSz="914400" rtl="0" eaLnBrk="1" latinLnBrk="0" hangingPunct="1">
+              <a:lnSpc>
+                <a:spcPct val="90000"/>
+              </a:lnSpc>
+              <a:spcBef>
+                <a:spcPct val="0"/>
+              </a:spcBef>
+              <a:buNone/>
+              <a:defRPr sz="6000" kern="1200">
+                <a:solidFill>
+                  <a:schemeClr val="tx1"/>
+                </a:solidFill>
+                <a:latin typeface="+mj-lt"/>
+                <a:ea typeface="+mj-ea"/>
+                <a:cs typeface="+mj-cs"/>
+              </a:defRPr>
+            </a:lvl1pPr>
+          </a:lstStyle>
+          <a:p>
+            <a:r>
+              <a:rPr lang="it-IT" sz="4400" b="1" dirty="0"/>
+              <a:t>Esempio di ontologia</a:t>
+            </a:r>
+          </a:p>
+        </p:txBody>
+      </p:sp>
+      <p:cxnSp>
+        <p:nvCxnSpPr>
+          <p:cNvPr id="3" name="Straight Arrow Connector 2">
+            <a:extLst>
+              <a:ext uri="{FF2B5EF4-FFF2-40B4-BE49-F238E27FC236}">
+                <a16:creationId xmlns:a16="http://schemas.microsoft.com/office/drawing/2014/main" id="{9E0F9298-7D28-4C49-A5DC-649889A26242}"/>
+              </a:ext>
+            </a:extLst>
+          </p:cNvPr>
+          <p:cNvCxnSpPr>
+            <a:cxnSpLocks/>
+            <a:endCxn id="44" idx="9"/>
+          </p:cNvCxnSpPr>
+          <p:nvPr/>
+        </p:nvCxnSpPr>
+        <p:spPr>
+          <a:xfrm>
+            <a:off x="9259910" y="5541320"/>
+            <a:ext cx="1652226" cy="0"/>
+          </a:xfrm>
+          <a:prstGeom prst="straightConnector1">
+            <a:avLst/>
+          </a:prstGeom>
+          <a:ln w="12700">
+            <a:solidFill>
+              <a:schemeClr val="tx1"/>
+            </a:solidFill>
+            <a:prstDash val="dash"/>
+            <a:tailEnd type="triangle"/>
+          </a:ln>
+        </p:spPr>
+        <p:style>
+          <a:lnRef idx="1">
+            <a:schemeClr val="accent1"/>
+          </a:lnRef>
+          <a:fillRef idx="0">
+            <a:schemeClr val="accent1"/>
+          </a:fillRef>
+          <a:effectRef idx="0">
+            <a:schemeClr val="accent1"/>
+          </a:effectRef>
+          <a:fontRef idx="minor">
+            <a:schemeClr val="tx1"/>
+          </a:fontRef>
+        </p:style>
+      </p:cxnSp>
+      <p:cxnSp>
+        <p:nvCxnSpPr>
+          <p:cNvPr id="46" name="Straight Arrow Connector 45">
+            <a:extLst>
+              <a:ext uri="{FF2B5EF4-FFF2-40B4-BE49-F238E27FC236}">
+                <a16:creationId xmlns:a16="http://schemas.microsoft.com/office/drawing/2014/main" id="{49A40D9E-1EFC-452B-9C63-3C7B587346CA}"/>
+              </a:ext>
+            </a:extLst>
+          </p:cNvPr>
+          <p:cNvCxnSpPr>
+            <a:cxnSpLocks/>
+            <a:stCxn id="25" idx="0"/>
+            <a:endCxn id="22" idx="2"/>
+          </p:cNvCxnSpPr>
+          <p:nvPr/>
+        </p:nvCxnSpPr>
+        <p:spPr>
+          <a:xfrm flipV="1">
+            <a:off x="8577943" y="2512998"/>
+            <a:ext cx="0" cy="511866"/>
+          </a:xfrm>
+          <a:prstGeom prst="straightConnector1">
+            <a:avLst/>
+          </a:prstGeom>
+          <a:ln w="12700">
+            <a:solidFill>
+              <a:srgbClr val="FF0000"/>
+            </a:solidFill>
+            <a:prstDash val="dash"/>
+            <a:tailEnd type="triangle"/>
+          </a:ln>
+        </p:spPr>
+        <p:style>
+          <a:lnRef idx="1">
+            <a:schemeClr val="accent1"/>
+          </a:lnRef>
+          <a:fillRef idx="0">
+            <a:schemeClr val="accent1"/>
+          </a:fillRef>
+          <a:effectRef idx="0">
+            <a:schemeClr val="accent1"/>
+          </a:effectRef>
+          <a:fontRef idx="minor">
+            <a:schemeClr val="tx1"/>
+          </a:fontRef>
+        </p:style>
+      </p:cxnSp>
+      <p:cxnSp>
+        <p:nvCxnSpPr>
+          <p:cNvPr id="62" name="Straight Arrow Connector 61">
+            <a:extLst>
+              <a:ext uri="{FF2B5EF4-FFF2-40B4-BE49-F238E27FC236}">
+                <a16:creationId xmlns:a16="http://schemas.microsoft.com/office/drawing/2014/main" id="{9A4E10F2-C39A-4BC0-9C7E-DC9FE2EC92E5}"/>
+              </a:ext>
+            </a:extLst>
+          </p:cNvPr>
+          <p:cNvCxnSpPr>
+            <a:cxnSpLocks/>
+          </p:cNvCxnSpPr>
+          <p:nvPr/>
+        </p:nvCxnSpPr>
+        <p:spPr>
+          <a:xfrm flipH="1" flipV="1">
+            <a:off x="11479375" y="2500369"/>
+            <a:ext cx="7836" cy="1260852"/>
+          </a:xfrm>
+          <a:prstGeom prst="straightConnector1">
+            <a:avLst/>
+          </a:prstGeom>
+          <a:ln w="12700">
+            <a:solidFill>
+              <a:srgbClr val="FF0000"/>
+            </a:solidFill>
+            <a:prstDash val="dash"/>
+            <a:tailEnd type="triangle"/>
+          </a:ln>
+        </p:spPr>
+        <p:style>
+          <a:lnRef idx="1">
+            <a:schemeClr val="accent1"/>
+          </a:lnRef>
+          <a:fillRef idx="0">
+            <a:schemeClr val="accent1"/>
+          </a:fillRef>
+          <a:effectRef idx="0">
+            <a:schemeClr val="accent1"/>
+          </a:effectRef>
+          <a:fontRef idx="minor">
+            <a:schemeClr val="tx1"/>
+          </a:fontRef>
+        </p:style>
+      </p:cxnSp>
+      <p:cxnSp>
+        <p:nvCxnSpPr>
+          <p:cNvPr id="69" name="Connector: Elbow 68">
+            <a:extLst>
+              <a:ext uri="{FF2B5EF4-FFF2-40B4-BE49-F238E27FC236}">
+                <a16:creationId xmlns:a16="http://schemas.microsoft.com/office/drawing/2014/main" id="{0AE911CD-D4DA-4D29-B457-04B2F1D39D50}"/>
+              </a:ext>
+            </a:extLst>
+          </p:cNvPr>
+          <p:cNvCxnSpPr>
+            <a:cxnSpLocks/>
+          </p:cNvCxnSpPr>
+          <p:nvPr/>
+        </p:nvCxnSpPr>
+        <p:spPr>
+          <a:xfrm rot="16200000" flipV="1">
+            <a:off x="10961161" y="3337344"/>
+            <a:ext cx="1560065" cy="522316"/>
+          </a:xfrm>
+          <a:prstGeom prst="bentConnector3">
+            <a:avLst>
+              <a:gd name="adj1" fmla="val 70638"/>
+            </a:avLst>
+          </a:prstGeom>
+          <a:ln w="12700">
+            <a:solidFill>
+              <a:srgbClr val="FF0000"/>
+            </a:solidFill>
+            <a:prstDash val="dash"/>
+          </a:ln>
+        </p:spPr>
+        <p:style>
+          <a:lnRef idx="1">
+            <a:schemeClr val="accent1"/>
+          </a:lnRef>
+          <a:fillRef idx="0">
+            <a:schemeClr val="accent1"/>
+          </a:fillRef>
+          <a:effectRef idx="0">
+            <a:schemeClr val="accent1"/>
+          </a:effectRef>
+          <a:fontRef idx="minor">
+            <a:schemeClr val="tx1"/>
+          </a:fontRef>
+        </p:style>
+      </p:cxnSp>
+      <p:cxnSp>
+        <p:nvCxnSpPr>
+          <p:cNvPr id="87" name="Connector: Elbow 86">
+            <a:extLst>
+              <a:ext uri="{FF2B5EF4-FFF2-40B4-BE49-F238E27FC236}">
+                <a16:creationId xmlns:a16="http://schemas.microsoft.com/office/drawing/2014/main" id="{C530236C-51A2-475B-A83A-1D6F15F7D534}"/>
+              </a:ext>
+            </a:extLst>
+          </p:cNvPr>
+          <p:cNvCxnSpPr>
+            <a:cxnSpLocks/>
+            <a:endCxn id="43" idx="9"/>
+          </p:cNvCxnSpPr>
+          <p:nvPr/>
+        </p:nvCxnSpPr>
+        <p:spPr>
+          <a:xfrm rot="16200000" flipH="1">
+            <a:off x="8043927" y="4704486"/>
+            <a:ext cx="2951154" cy="519188"/>
+          </a:xfrm>
+          <a:prstGeom prst="bentConnector3">
+            <a:avLst>
+              <a:gd name="adj1" fmla="val 99749"/>
+            </a:avLst>
+          </a:prstGeom>
+          <a:ln w="12700">
+            <a:solidFill>
+              <a:schemeClr val="tx1"/>
+            </a:solidFill>
+            <a:prstDash val="dash"/>
+            <a:tailEnd type="triangle"/>
+          </a:ln>
+        </p:spPr>
+        <p:style>
+          <a:lnRef idx="1">
+            <a:schemeClr val="accent1"/>
+          </a:lnRef>
+          <a:fillRef idx="0">
+            <a:schemeClr val="accent1"/>
+          </a:fillRef>
+          <a:effectRef idx="0">
+            <a:schemeClr val="accent1"/>
+          </a:effectRef>
+          <a:fontRef idx="minor">
+            <a:schemeClr val="tx1"/>
+          </a:fontRef>
+        </p:style>
+      </p:cxnSp>
+      <p:sp>
+        <p:nvSpPr>
+          <p:cNvPr id="116" name="TextBox 115">
+            <a:extLst>
+              <a:ext uri="{FF2B5EF4-FFF2-40B4-BE49-F238E27FC236}">
+                <a16:creationId xmlns:a16="http://schemas.microsoft.com/office/drawing/2014/main" id="{47682AC7-9F02-46C9-B53E-42CF3650A65F}"/>
+              </a:ext>
+            </a:extLst>
+          </p:cNvPr>
+          <p:cNvSpPr txBox="1"/>
+          <p:nvPr/>
+        </p:nvSpPr>
+        <p:spPr>
+          <a:xfrm>
+            <a:off x="9289701" y="5821854"/>
+            <a:ext cx="1325164" cy="369332"/>
+          </a:xfrm>
+          <a:prstGeom prst="rect">
+            <a:avLst/>
+          </a:prstGeom>
+          <a:noFill/>
+        </p:spPr>
+        <p:txBody>
+          <a:bodyPr wrap="square" rtlCol="0">
+            <a:spAutoFit/>
+          </a:bodyPr>
+          <a:lstStyle/>
+          <a:p>
+            <a:r>
+              <a:rPr lang="it-IT" dirty="0"/>
+              <a:t>sr:hasName</a:t>
+            </a:r>
+          </a:p>
+        </p:txBody>
+      </p:sp>
+      <p:sp>
+        <p:nvSpPr>
+          <p:cNvPr id="120" name="TextBox 119">
+            <a:extLst>
+              <a:ext uri="{FF2B5EF4-FFF2-40B4-BE49-F238E27FC236}">
+                <a16:creationId xmlns:a16="http://schemas.microsoft.com/office/drawing/2014/main" id="{01AA8F09-B349-4B9E-88D6-D469EFBE167E}"/>
+              </a:ext>
+            </a:extLst>
+          </p:cNvPr>
+          <p:cNvSpPr txBox="1"/>
+          <p:nvPr/>
+        </p:nvSpPr>
+        <p:spPr>
+          <a:xfrm>
+            <a:off x="9584690" y="5185030"/>
+            <a:ext cx="1325164" cy="369332"/>
+          </a:xfrm>
+          <a:prstGeom prst="rect">
+            <a:avLst/>
+          </a:prstGeom>
+          <a:noFill/>
+        </p:spPr>
+        <p:txBody>
+          <a:bodyPr wrap="square" rtlCol="0">
+            <a:spAutoFit/>
+          </a:bodyPr>
+          <a:lstStyle/>
+          <a:p>
+            <a:r>
+              <a:rPr lang="it-IT" dirty="0"/>
+              <a:t>sr:isOpen</a:t>
+            </a:r>
+          </a:p>
+        </p:txBody>
+      </p:sp>
+      <p:cxnSp>
+        <p:nvCxnSpPr>
+          <p:cNvPr id="125" name="Connector: Elbow 124">
+            <a:extLst>
+              <a:ext uri="{FF2B5EF4-FFF2-40B4-BE49-F238E27FC236}">
+                <a16:creationId xmlns:a16="http://schemas.microsoft.com/office/drawing/2014/main" id="{6070FD49-2A77-4D88-ABC8-3084B709EB81}"/>
+              </a:ext>
+            </a:extLst>
+          </p:cNvPr>
+          <p:cNvCxnSpPr>
+            <a:stCxn id="25" idx="3"/>
+            <a:endCxn id="35" idx="1"/>
+          </p:cNvCxnSpPr>
+          <p:nvPr/>
+        </p:nvCxnSpPr>
+        <p:spPr>
+          <a:xfrm>
+            <a:off x="9498782" y="3256684"/>
+            <a:ext cx="1017430" cy="1295270"/>
+          </a:xfrm>
+          <a:prstGeom prst="bentConnector3">
+            <a:avLst/>
+          </a:prstGeom>
+          <a:ln w="12700">
+            <a:solidFill>
+              <a:schemeClr val="tx1"/>
+            </a:solidFill>
+            <a:prstDash val="dash"/>
+            <a:tailEnd type="triangle"/>
+          </a:ln>
+        </p:spPr>
+        <p:style>
+          <a:lnRef idx="1">
+            <a:schemeClr val="accent1"/>
+          </a:lnRef>
+          <a:fillRef idx="0">
+            <a:schemeClr val="accent1"/>
+          </a:fillRef>
+          <a:effectRef idx="0">
+            <a:schemeClr val="accent1"/>
+          </a:effectRef>
+          <a:fontRef idx="minor">
+            <a:schemeClr val="tx1"/>
+          </a:fontRef>
+        </p:style>
+      </p:cxnSp>
+      <p:cxnSp>
+        <p:nvCxnSpPr>
+          <p:cNvPr id="126" name="Straight Arrow Connector 125">
+            <a:extLst>
+              <a:ext uri="{FF2B5EF4-FFF2-40B4-BE49-F238E27FC236}">
+                <a16:creationId xmlns:a16="http://schemas.microsoft.com/office/drawing/2014/main" id="{A9C16FDA-97B8-47A0-9533-1D17F3F39C6E}"/>
+              </a:ext>
+            </a:extLst>
+          </p:cNvPr>
+          <p:cNvCxnSpPr>
+            <a:cxnSpLocks/>
+            <a:endCxn id="36" idx="1"/>
+          </p:cNvCxnSpPr>
+          <p:nvPr/>
+        </p:nvCxnSpPr>
+        <p:spPr>
+          <a:xfrm>
+            <a:off x="10017483" y="3976892"/>
+            <a:ext cx="1157996" cy="0"/>
+          </a:xfrm>
+          <a:prstGeom prst="straightConnector1">
+            <a:avLst/>
+          </a:prstGeom>
+          <a:ln w="12700">
+            <a:solidFill>
+              <a:schemeClr val="tx1"/>
+            </a:solidFill>
+            <a:prstDash val="dash"/>
+            <a:tailEnd type="triangle"/>
+          </a:ln>
+        </p:spPr>
+        <p:style>
+          <a:lnRef idx="1">
+            <a:schemeClr val="accent1"/>
+          </a:lnRef>
+          <a:fillRef idx="0">
+            <a:schemeClr val="accent1"/>
+          </a:fillRef>
+          <a:effectRef idx="0">
+            <a:schemeClr val="accent1"/>
+          </a:effectRef>
+          <a:fontRef idx="minor">
+            <a:schemeClr val="tx1"/>
+          </a:fontRef>
+        </p:style>
+      </p:cxnSp>
+      <p:sp>
+        <p:nvSpPr>
+          <p:cNvPr id="128" name="TextBox 127">
+            <a:extLst>
+              <a:ext uri="{FF2B5EF4-FFF2-40B4-BE49-F238E27FC236}">
+                <a16:creationId xmlns:a16="http://schemas.microsoft.com/office/drawing/2014/main" id="{C2AF9CEA-58C7-47C8-BC2D-40C62DA8C4D9}"/>
+              </a:ext>
+            </a:extLst>
+          </p:cNvPr>
+          <p:cNvSpPr txBox="1"/>
+          <p:nvPr/>
+        </p:nvSpPr>
+        <p:spPr>
+          <a:xfrm>
+            <a:off x="9952283" y="3375844"/>
+            <a:ext cx="1471361" cy="369332"/>
+          </a:xfrm>
+          <a:prstGeom prst="rect">
+            <a:avLst/>
+          </a:prstGeom>
+          <a:noFill/>
+        </p:spPr>
+        <p:txBody>
+          <a:bodyPr wrap="square" rtlCol="0">
+            <a:spAutoFit/>
+          </a:bodyPr>
+          <a:lstStyle/>
+          <a:p>
+            <a:r>
+              <a:rPr lang="it-IT" dirty="0"/>
+              <a:t>sr:hasFeature</a:t>
+            </a:r>
+          </a:p>
+        </p:txBody>
+      </p:sp>
+      <p:cxnSp>
+        <p:nvCxnSpPr>
+          <p:cNvPr id="138" name="Straight Arrow Connector 137">
+            <a:extLst>
+              <a:ext uri="{FF2B5EF4-FFF2-40B4-BE49-F238E27FC236}">
+                <a16:creationId xmlns:a16="http://schemas.microsoft.com/office/drawing/2014/main" id="{3B09651D-AD95-4CCC-BF86-3F841AB3D7A1}"/>
+              </a:ext>
+            </a:extLst>
+          </p:cNvPr>
+          <p:cNvCxnSpPr>
+            <a:cxnSpLocks/>
+          </p:cNvCxnSpPr>
+          <p:nvPr/>
+        </p:nvCxnSpPr>
+        <p:spPr>
+          <a:xfrm>
+            <a:off x="8763359" y="3488502"/>
+            <a:ext cx="13942" cy="2889927"/>
+          </a:xfrm>
+          <a:prstGeom prst="straightConnector1">
+            <a:avLst/>
+          </a:prstGeom>
+          <a:ln w="12700">
+            <a:solidFill>
+              <a:schemeClr val="tx1"/>
+            </a:solidFill>
+            <a:prstDash val="dash"/>
+            <a:tailEnd type="triangle"/>
+          </a:ln>
+        </p:spPr>
+        <p:style>
+          <a:lnRef idx="1">
+            <a:schemeClr val="accent1"/>
+          </a:lnRef>
+          <a:fillRef idx="0">
+            <a:schemeClr val="accent1"/>
+          </a:fillRef>
+          <a:effectRef idx="0">
+            <a:schemeClr val="accent1"/>
+          </a:effectRef>
+          <a:fontRef idx="minor">
+            <a:schemeClr val="tx1"/>
+          </a:fontRef>
+        </p:style>
+      </p:cxnSp>
+      <p:sp>
+        <p:nvSpPr>
+          <p:cNvPr id="144" name="TextBox 143">
+            <a:extLst>
+              <a:ext uri="{FF2B5EF4-FFF2-40B4-BE49-F238E27FC236}">
+                <a16:creationId xmlns:a16="http://schemas.microsoft.com/office/drawing/2014/main" id="{4E581D12-2292-4830-984C-CBBF1C74BAF6}"/>
+              </a:ext>
+            </a:extLst>
+          </p:cNvPr>
+          <p:cNvSpPr txBox="1"/>
+          <p:nvPr/>
+        </p:nvSpPr>
+        <p:spPr>
+          <a:xfrm>
+            <a:off x="7273509" y="5914790"/>
+            <a:ext cx="1699332" cy="369332"/>
+          </a:xfrm>
+          <a:prstGeom prst="rect">
+            <a:avLst/>
+          </a:prstGeom>
+          <a:noFill/>
+        </p:spPr>
+        <p:txBody>
+          <a:bodyPr wrap="square" rtlCol="0">
+            <a:spAutoFit/>
+          </a:bodyPr>
+          <a:lstStyle/>
+          <a:p>
+            <a:r>
+              <a:rPr lang="it-IT" dirty="0"/>
+              <a:t>sr:hasCapacity</a:t>
+            </a:r>
+          </a:p>
+        </p:txBody>
+      </p:sp>
+      <p:cxnSp>
+        <p:nvCxnSpPr>
+          <p:cNvPr id="153" name="Straight Arrow Connector 152">
+            <a:extLst>
+              <a:ext uri="{FF2B5EF4-FFF2-40B4-BE49-F238E27FC236}">
+                <a16:creationId xmlns:a16="http://schemas.microsoft.com/office/drawing/2014/main" id="{934E6D94-DD4E-445A-ADA0-C3ECD534C293}"/>
+              </a:ext>
+            </a:extLst>
+          </p:cNvPr>
+          <p:cNvCxnSpPr>
+            <a:cxnSpLocks/>
+          </p:cNvCxnSpPr>
+          <p:nvPr/>
+        </p:nvCxnSpPr>
+        <p:spPr>
+          <a:xfrm flipH="1">
+            <a:off x="8193574" y="3487635"/>
+            <a:ext cx="595" cy="1798683"/>
+          </a:xfrm>
+          <a:prstGeom prst="straightConnector1">
+            <a:avLst/>
+          </a:prstGeom>
+          <a:ln w="12700">
+            <a:solidFill>
+              <a:schemeClr val="tx1"/>
+            </a:solidFill>
+            <a:prstDash val="dash"/>
+            <a:tailEnd type="triangle"/>
+          </a:ln>
+        </p:spPr>
+        <p:style>
+          <a:lnRef idx="1">
+            <a:schemeClr val="accent1"/>
+          </a:lnRef>
+          <a:fillRef idx="0">
+            <a:schemeClr val="accent1"/>
+          </a:fillRef>
+          <a:effectRef idx="0">
+            <a:schemeClr val="accent1"/>
+          </a:effectRef>
+          <a:fontRef idx="minor">
+            <a:schemeClr val="tx1"/>
+          </a:fontRef>
+        </p:style>
+      </p:cxnSp>
+      <p:sp>
+        <p:nvSpPr>
+          <p:cNvPr id="156" name="TextBox 155">
+            <a:extLst>
+              <a:ext uri="{FF2B5EF4-FFF2-40B4-BE49-F238E27FC236}">
+                <a16:creationId xmlns:a16="http://schemas.microsoft.com/office/drawing/2014/main" id="{637E64B0-37EF-4A18-8B1D-4719E9FD0B83}"/>
+              </a:ext>
+            </a:extLst>
+          </p:cNvPr>
+          <p:cNvSpPr txBox="1"/>
+          <p:nvPr/>
+        </p:nvSpPr>
+        <p:spPr>
+          <a:xfrm>
+            <a:off x="6493881" y="3567753"/>
+            <a:ext cx="911835" cy="369332"/>
+          </a:xfrm>
+          <a:prstGeom prst="rect">
+            <a:avLst/>
+          </a:prstGeom>
+          <a:noFill/>
+        </p:spPr>
+        <p:txBody>
+          <a:bodyPr wrap="square" rtlCol="0">
+            <a:spAutoFit/>
+          </a:bodyPr>
+          <a:lstStyle/>
+          <a:p>
+            <a:r>
+              <a:rPr lang="it-IT" dirty="0"/>
+              <a:t>sr:table</a:t>
+            </a:r>
+          </a:p>
+        </p:txBody>
+      </p:sp>
+      <p:sp>
+        <p:nvSpPr>
+          <p:cNvPr id="157" name="TextBox 156">
+            <a:extLst>
+              <a:ext uri="{FF2B5EF4-FFF2-40B4-BE49-F238E27FC236}">
+                <a16:creationId xmlns:a16="http://schemas.microsoft.com/office/drawing/2014/main" id="{D88E947A-ACEE-480D-AFA3-1DFA76935AF5}"/>
+              </a:ext>
+            </a:extLst>
+          </p:cNvPr>
+          <p:cNvSpPr txBox="1"/>
+          <p:nvPr/>
+        </p:nvSpPr>
+        <p:spPr>
+          <a:xfrm>
+            <a:off x="6545463" y="2637958"/>
+            <a:ext cx="1589951" cy="369332"/>
+          </a:xfrm>
+          <a:prstGeom prst="rect">
+            <a:avLst/>
+          </a:prstGeom>
+          <a:noFill/>
+        </p:spPr>
+        <p:txBody>
+          <a:bodyPr wrap="square" rtlCol="0">
+            <a:spAutoFit/>
+          </a:bodyPr>
+          <a:lstStyle/>
+          <a:p>
+            <a:r>
+              <a:rPr lang="it-IT" dirty="0"/>
+              <a:t>sr:inUniversity</a:t>
+            </a:r>
+          </a:p>
+        </p:txBody>
+      </p:sp>
+      <p:cxnSp>
+        <p:nvCxnSpPr>
+          <p:cNvPr id="158" name="Straight Arrow Connector 157">
+            <a:extLst>
+              <a:ext uri="{FF2B5EF4-FFF2-40B4-BE49-F238E27FC236}">
+                <a16:creationId xmlns:a16="http://schemas.microsoft.com/office/drawing/2014/main" id="{8DA2F7FC-B775-48B7-9462-75DA469AE957}"/>
+              </a:ext>
+            </a:extLst>
+          </p:cNvPr>
+          <p:cNvCxnSpPr>
+            <a:cxnSpLocks/>
+            <a:stCxn id="40" idx="0"/>
+            <a:endCxn id="16" idx="2"/>
+          </p:cNvCxnSpPr>
+          <p:nvPr/>
+        </p:nvCxnSpPr>
+        <p:spPr>
+          <a:xfrm flipV="1">
+            <a:off x="5702425" y="2442255"/>
+            <a:ext cx="0" cy="347742"/>
+          </a:xfrm>
+          <a:prstGeom prst="straightConnector1">
+            <a:avLst/>
+          </a:prstGeom>
+          <a:ln w="12700">
+            <a:solidFill>
+              <a:srgbClr val="FF0000"/>
+            </a:solidFill>
+            <a:prstDash val="dash"/>
+            <a:tailEnd type="triangle"/>
+          </a:ln>
+        </p:spPr>
+        <p:style>
+          <a:lnRef idx="1">
+            <a:schemeClr val="accent1"/>
+          </a:lnRef>
+          <a:fillRef idx="0">
+            <a:schemeClr val="accent1"/>
+          </a:fillRef>
+          <a:effectRef idx="0">
+            <a:schemeClr val="accent1"/>
+          </a:effectRef>
+          <a:fontRef idx="minor">
+            <a:schemeClr val="tx1"/>
+          </a:fontRef>
+        </p:style>
+      </p:cxnSp>
+      <p:cxnSp>
+        <p:nvCxnSpPr>
+          <p:cNvPr id="177" name="Connector: Elbow 176">
+            <a:extLst>
+              <a:ext uri="{FF2B5EF4-FFF2-40B4-BE49-F238E27FC236}">
+                <a16:creationId xmlns:a16="http://schemas.microsoft.com/office/drawing/2014/main" id="{6641515A-6924-44B0-8B56-40973EC04A02}"/>
+              </a:ext>
+            </a:extLst>
+          </p:cNvPr>
+          <p:cNvCxnSpPr>
+            <a:stCxn id="25" idx="1"/>
+            <a:endCxn id="40" idx="3"/>
+          </p:cNvCxnSpPr>
+          <p:nvPr/>
+        </p:nvCxnSpPr>
+        <p:spPr>
+          <a:xfrm rot="10800000">
+            <a:off x="6582723" y="2976742"/>
+            <a:ext cx="1074381" cy="279943"/>
+          </a:xfrm>
+          <a:prstGeom prst="bentConnector3">
+            <a:avLst/>
+          </a:prstGeom>
+          <a:ln w="12700">
+            <a:solidFill>
+              <a:schemeClr val="tx1"/>
+            </a:solidFill>
+            <a:prstDash val="dash"/>
+            <a:tailEnd type="triangle"/>
+          </a:ln>
+        </p:spPr>
+        <p:style>
+          <a:lnRef idx="1">
+            <a:schemeClr val="accent1"/>
+          </a:lnRef>
+          <a:fillRef idx="0">
+            <a:schemeClr val="accent1"/>
+          </a:fillRef>
+          <a:effectRef idx="0">
+            <a:schemeClr val="accent1"/>
+          </a:effectRef>
+          <a:fontRef idx="minor">
+            <a:schemeClr val="tx1"/>
+          </a:fontRef>
+        </p:style>
+      </p:cxnSp>
+      <p:cxnSp>
+        <p:nvCxnSpPr>
+          <p:cNvPr id="182" name="Connector: Elbow 181">
+            <a:extLst>
+              <a:ext uri="{FF2B5EF4-FFF2-40B4-BE49-F238E27FC236}">
+                <a16:creationId xmlns:a16="http://schemas.microsoft.com/office/drawing/2014/main" id="{412178D5-CB21-47EE-A426-54CB5FCF2EA6}"/>
+              </a:ext>
+            </a:extLst>
+          </p:cNvPr>
+          <p:cNvCxnSpPr>
+            <a:cxnSpLocks/>
+            <a:endCxn id="31" idx="3"/>
+          </p:cNvCxnSpPr>
+          <p:nvPr/>
+        </p:nvCxnSpPr>
+        <p:spPr>
+          <a:xfrm rot="10800000" flipV="1">
+            <a:off x="6751272" y="3487635"/>
+            <a:ext cx="1212525" cy="958560"/>
+          </a:xfrm>
+          <a:prstGeom prst="bentConnector3">
+            <a:avLst>
+              <a:gd name="adj1" fmla="val 50000"/>
+            </a:avLst>
+          </a:prstGeom>
+          <a:ln w="12700">
+            <a:solidFill>
+              <a:schemeClr val="tx1"/>
+            </a:solidFill>
+            <a:prstDash val="dash"/>
+            <a:tailEnd type="triangle"/>
+          </a:ln>
+        </p:spPr>
+        <p:style>
+          <a:lnRef idx="1">
+            <a:schemeClr val="accent1"/>
+          </a:lnRef>
+          <a:fillRef idx="0">
+            <a:schemeClr val="accent1"/>
+          </a:fillRef>
+          <a:effectRef idx="0">
+            <a:schemeClr val="accent1"/>
+          </a:effectRef>
+          <a:fontRef idx="minor">
+            <a:schemeClr val="tx1"/>
+          </a:fontRef>
+        </p:style>
+      </p:cxnSp>
+      <p:sp>
+        <p:nvSpPr>
+          <p:cNvPr id="195" name="TextBox 194">
+            <a:extLst>
+              <a:ext uri="{FF2B5EF4-FFF2-40B4-BE49-F238E27FC236}">
+                <a16:creationId xmlns:a16="http://schemas.microsoft.com/office/drawing/2014/main" id="{C4DB5D47-6BEA-41BD-BE81-29A41181EE34}"/>
+              </a:ext>
+            </a:extLst>
+          </p:cNvPr>
+          <p:cNvSpPr txBox="1"/>
+          <p:nvPr/>
+        </p:nvSpPr>
+        <p:spPr>
+          <a:xfrm>
+            <a:off x="6529462" y="4916986"/>
+            <a:ext cx="1804539" cy="369332"/>
+          </a:xfrm>
+          <a:prstGeom prst="rect">
+            <a:avLst/>
+          </a:prstGeom>
+          <a:noFill/>
+        </p:spPr>
+        <p:txBody>
+          <a:bodyPr wrap="square" rtlCol="0">
+            <a:spAutoFit/>
+          </a:bodyPr>
+          <a:lstStyle/>
+          <a:p>
+            <a:r>
+              <a:rPr lang="it-IT" dirty="0"/>
+              <a:t>sr:availableSeats</a:t>
+            </a:r>
+          </a:p>
+        </p:txBody>
+      </p:sp>
+      <p:cxnSp>
+        <p:nvCxnSpPr>
+          <p:cNvPr id="197" name="Straight Arrow Connector 196">
+            <a:extLst>
+              <a:ext uri="{FF2B5EF4-FFF2-40B4-BE49-F238E27FC236}">
+                <a16:creationId xmlns:a16="http://schemas.microsoft.com/office/drawing/2014/main" id="{0EF0039E-206D-4A7A-8AA2-8D0F8E256F3F}"/>
+              </a:ext>
+            </a:extLst>
+          </p:cNvPr>
+          <p:cNvCxnSpPr>
+            <a:cxnSpLocks/>
+            <a:endCxn id="21" idx="0"/>
+          </p:cNvCxnSpPr>
+          <p:nvPr/>
+        </p:nvCxnSpPr>
+        <p:spPr>
+          <a:xfrm>
+            <a:off x="6057586" y="4675301"/>
+            <a:ext cx="15424" cy="1545082"/>
+          </a:xfrm>
+          <a:prstGeom prst="straightConnector1">
+            <a:avLst/>
+          </a:prstGeom>
+          <a:ln w="12700">
+            <a:solidFill>
+              <a:srgbClr val="FF0000"/>
+            </a:solidFill>
+            <a:prstDash val="dash"/>
+            <a:tailEnd type="triangle"/>
+          </a:ln>
+        </p:spPr>
+        <p:style>
+          <a:lnRef idx="1">
+            <a:schemeClr val="accent1"/>
+          </a:lnRef>
+          <a:fillRef idx="0">
+            <a:schemeClr val="accent1"/>
+          </a:fillRef>
+          <a:effectRef idx="0">
+            <a:schemeClr val="accent1"/>
+          </a:effectRef>
+          <a:fontRef idx="minor">
+            <a:schemeClr val="tx1"/>
+          </a:fontRef>
+        </p:style>
+      </p:cxnSp>
+      <p:cxnSp>
+        <p:nvCxnSpPr>
+          <p:cNvPr id="207" name="Connector: Elbow 206">
+            <a:extLst>
+              <a:ext uri="{FF2B5EF4-FFF2-40B4-BE49-F238E27FC236}">
+                <a16:creationId xmlns:a16="http://schemas.microsoft.com/office/drawing/2014/main" id="{95E226FD-D0FF-42A9-8D4F-DB40363200A8}"/>
+              </a:ext>
+            </a:extLst>
+          </p:cNvPr>
+          <p:cNvCxnSpPr>
+            <a:stCxn id="30" idx="2"/>
+          </p:cNvCxnSpPr>
+          <p:nvPr/>
+        </p:nvCxnSpPr>
+        <p:spPr>
+          <a:xfrm rot="16200000" flipH="1">
+            <a:off x="5193602" y="4053002"/>
+            <a:ext cx="296656" cy="1431312"/>
+          </a:xfrm>
+          <a:prstGeom prst="bentConnector2">
+            <a:avLst/>
+          </a:prstGeom>
+          <a:ln>
+            <a:solidFill>
+              <a:srgbClr val="FF0000"/>
+            </a:solidFill>
+            <a:prstDash val="dash"/>
+          </a:ln>
+        </p:spPr>
+        <p:style>
+          <a:lnRef idx="1">
+            <a:schemeClr val="accent1"/>
+          </a:lnRef>
+          <a:fillRef idx="0">
+            <a:schemeClr val="accent1"/>
+          </a:fillRef>
+          <a:effectRef idx="0">
+            <a:schemeClr val="accent1"/>
+          </a:effectRef>
+          <a:fontRef idx="minor">
+            <a:schemeClr val="tx1"/>
+          </a:fontRef>
+        </p:style>
+      </p:cxnSp>
+      <p:cxnSp>
+        <p:nvCxnSpPr>
+          <p:cNvPr id="209" name="Connector: Elbow 208">
+            <a:extLst>
+              <a:ext uri="{FF2B5EF4-FFF2-40B4-BE49-F238E27FC236}">
+                <a16:creationId xmlns:a16="http://schemas.microsoft.com/office/drawing/2014/main" id="{B06F013D-9FB8-4ECC-B36B-7D3AABF285A5}"/>
+              </a:ext>
+            </a:extLst>
+          </p:cNvPr>
+          <p:cNvCxnSpPr>
+            <a:cxnSpLocks/>
+            <a:endCxn id="30" idx="0"/>
+          </p:cNvCxnSpPr>
+          <p:nvPr/>
+        </p:nvCxnSpPr>
+        <p:spPr>
+          <a:xfrm rot="10800000" flipV="1">
+            <a:off x="4626274" y="3935300"/>
+            <a:ext cx="2711104" cy="311541"/>
+          </a:xfrm>
+          <a:prstGeom prst="bentConnector2">
+            <a:avLst/>
+          </a:prstGeom>
+          <a:ln w="12700">
+            <a:solidFill>
+              <a:schemeClr val="tx1"/>
+            </a:solidFill>
+            <a:prstDash val="dash"/>
+            <a:tailEnd type="triangle"/>
+          </a:ln>
+        </p:spPr>
+        <p:style>
+          <a:lnRef idx="1">
+            <a:schemeClr val="accent1"/>
+          </a:lnRef>
+          <a:fillRef idx="0">
+            <a:schemeClr val="accent1"/>
+          </a:fillRef>
+          <a:effectRef idx="0">
+            <a:schemeClr val="accent1"/>
+          </a:effectRef>
+          <a:fontRef idx="minor">
+            <a:schemeClr val="tx1"/>
+          </a:fontRef>
+        </p:style>
+      </p:cxnSp>
+      <p:cxnSp>
+        <p:nvCxnSpPr>
+          <p:cNvPr id="217" name="Straight Connector 216">
+            <a:extLst>
+              <a:ext uri="{FF2B5EF4-FFF2-40B4-BE49-F238E27FC236}">
+                <a16:creationId xmlns:a16="http://schemas.microsoft.com/office/drawing/2014/main" id="{C709F149-D39F-4CF1-B952-2A234FB2D3D8}"/>
+              </a:ext>
+            </a:extLst>
+          </p:cNvPr>
+          <p:cNvCxnSpPr>
+            <a:cxnSpLocks/>
+          </p:cNvCxnSpPr>
+          <p:nvPr/>
+        </p:nvCxnSpPr>
+        <p:spPr>
+          <a:xfrm>
+            <a:off x="5589431" y="4632939"/>
+            <a:ext cx="0" cy="1033178"/>
+          </a:xfrm>
+          <a:prstGeom prst="line">
+            <a:avLst/>
+          </a:prstGeom>
+          <a:ln w="12700">
+            <a:solidFill>
+              <a:schemeClr val="tx1"/>
+            </a:solidFill>
+            <a:prstDash val="dash"/>
+          </a:ln>
+        </p:spPr>
+        <p:style>
+          <a:lnRef idx="1">
+            <a:schemeClr val="accent1"/>
+          </a:lnRef>
+          <a:fillRef idx="0">
+            <a:schemeClr val="accent1"/>
+          </a:fillRef>
+          <a:effectRef idx="0">
+            <a:schemeClr val="accent1"/>
+          </a:effectRef>
+          <a:fontRef idx="minor">
+            <a:schemeClr val="tx1"/>
+          </a:fontRef>
+        </p:style>
+      </p:cxnSp>
+      <p:sp>
+        <p:nvSpPr>
+          <p:cNvPr id="219" name="TextBox 218">
+            <a:extLst>
+              <a:ext uri="{FF2B5EF4-FFF2-40B4-BE49-F238E27FC236}">
+                <a16:creationId xmlns:a16="http://schemas.microsoft.com/office/drawing/2014/main" id="{6344E27F-2A15-49CE-9566-127E2933FBA5}"/>
+              </a:ext>
+            </a:extLst>
+          </p:cNvPr>
+          <p:cNvSpPr txBox="1"/>
+          <p:nvPr/>
+        </p:nvSpPr>
+        <p:spPr>
+          <a:xfrm>
+            <a:off x="4772061" y="5287294"/>
+            <a:ext cx="824179" cy="369332"/>
+          </a:xfrm>
+          <a:prstGeom prst="rect">
+            <a:avLst/>
+          </a:prstGeom>
+          <a:noFill/>
+        </p:spPr>
+        <p:txBody>
+          <a:bodyPr wrap="square" rtlCol="0">
+            <a:spAutoFit/>
+          </a:bodyPr>
+          <a:lstStyle/>
+          <a:p>
+            <a:r>
+              <a:rPr lang="it-IT" dirty="0"/>
+              <a:t>sr:seat</a:t>
+            </a:r>
+          </a:p>
+        </p:txBody>
+      </p:sp>
+      <p:sp>
+        <p:nvSpPr>
+          <p:cNvPr id="220" name="TextBox 219">
+            <a:extLst>
+              <a:ext uri="{FF2B5EF4-FFF2-40B4-BE49-F238E27FC236}">
+                <a16:creationId xmlns:a16="http://schemas.microsoft.com/office/drawing/2014/main" id="{BAE1DFE3-7F09-42E1-BB97-EF6A4D956038}"/>
+              </a:ext>
+            </a:extLst>
+          </p:cNvPr>
+          <p:cNvSpPr txBox="1"/>
+          <p:nvPr/>
+        </p:nvSpPr>
+        <p:spPr>
+          <a:xfrm>
+            <a:off x="3278799" y="4091070"/>
+            <a:ext cx="824179" cy="369332"/>
+          </a:xfrm>
+          <a:prstGeom prst="rect">
+            <a:avLst/>
+          </a:prstGeom>
+          <a:noFill/>
+        </p:spPr>
+        <p:txBody>
+          <a:bodyPr wrap="square" rtlCol="0">
+            <a:spAutoFit/>
+          </a:bodyPr>
+          <a:lstStyle/>
+          <a:p>
+            <a:r>
+              <a:rPr lang="it-IT" dirty="0"/>
+              <a:t>sr:seat</a:t>
+            </a:r>
+          </a:p>
+        </p:txBody>
+      </p:sp>
+      <p:sp>
+        <p:nvSpPr>
+          <p:cNvPr id="221" name="TextBox 220">
+            <a:extLst>
+              <a:ext uri="{FF2B5EF4-FFF2-40B4-BE49-F238E27FC236}">
+                <a16:creationId xmlns:a16="http://schemas.microsoft.com/office/drawing/2014/main" id="{C4F11E80-75CD-4F13-9698-A13AA9469C1C}"/>
+              </a:ext>
+            </a:extLst>
+          </p:cNvPr>
+          <p:cNvSpPr txBox="1"/>
+          <p:nvPr/>
+        </p:nvSpPr>
+        <p:spPr>
+          <a:xfrm>
+            <a:off x="1981435" y="4247268"/>
+            <a:ext cx="911173" cy="369332"/>
+          </a:xfrm>
+          <a:prstGeom prst="rect">
+            <a:avLst/>
+          </a:prstGeom>
+          <a:noFill/>
+        </p:spPr>
+        <p:txBody>
+          <a:bodyPr wrap="square" rtlCol="0">
+            <a:spAutoFit/>
+          </a:bodyPr>
+          <a:lstStyle/>
+          <a:p>
+            <a:r>
+              <a:rPr lang="it-IT" dirty="0"/>
+              <a:t>sr:near</a:t>
+            </a:r>
+          </a:p>
+        </p:txBody>
+      </p:sp>
+      <p:cxnSp>
+        <p:nvCxnSpPr>
+          <p:cNvPr id="224" name="Straight Arrow Connector 223">
+            <a:extLst>
+              <a:ext uri="{FF2B5EF4-FFF2-40B4-BE49-F238E27FC236}">
+                <a16:creationId xmlns:a16="http://schemas.microsoft.com/office/drawing/2014/main" id="{7B1A1C4B-727A-41DC-B12A-BA01B844F136}"/>
+              </a:ext>
+            </a:extLst>
+          </p:cNvPr>
+          <p:cNvCxnSpPr>
+            <a:cxnSpLocks/>
+          </p:cNvCxnSpPr>
+          <p:nvPr/>
+        </p:nvCxnSpPr>
+        <p:spPr>
+          <a:xfrm flipH="1">
+            <a:off x="4721534" y="5656626"/>
+            <a:ext cx="879600" cy="0"/>
+          </a:xfrm>
+          <a:prstGeom prst="straightConnector1">
+            <a:avLst/>
+          </a:prstGeom>
+          <a:ln w="12700">
+            <a:solidFill>
+              <a:schemeClr val="tx1"/>
+            </a:solidFill>
+            <a:prstDash val="dash"/>
+            <a:tailEnd type="triangle"/>
+          </a:ln>
+        </p:spPr>
+        <p:style>
+          <a:lnRef idx="1">
+            <a:schemeClr val="accent1"/>
+          </a:lnRef>
+          <a:fillRef idx="0">
+            <a:schemeClr val="accent1"/>
+          </a:fillRef>
+          <a:effectRef idx="0">
+            <a:schemeClr val="accent1"/>
+          </a:effectRef>
+          <a:fontRef idx="minor">
+            <a:schemeClr val="tx1"/>
+          </a:fontRef>
+        </p:style>
+      </p:cxnSp>
+      <p:cxnSp>
+        <p:nvCxnSpPr>
+          <p:cNvPr id="234" name="Straight Arrow Connector 233">
+            <a:extLst>
+              <a:ext uri="{FF2B5EF4-FFF2-40B4-BE49-F238E27FC236}">
+                <a16:creationId xmlns:a16="http://schemas.microsoft.com/office/drawing/2014/main" id="{474E24AC-FB1E-494E-9075-006494F11E68}"/>
+              </a:ext>
+            </a:extLst>
+          </p:cNvPr>
+          <p:cNvCxnSpPr>
+            <a:cxnSpLocks/>
+          </p:cNvCxnSpPr>
+          <p:nvPr/>
+        </p:nvCxnSpPr>
+        <p:spPr>
+          <a:xfrm flipV="1">
+            <a:off x="2811796" y="4208783"/>
+            <a:ext cx="76" cy="435973"/>
+          </a:xfrm>
+          <a:prstGeom prst="straightConnector1">
+            <a:avLst/>
+          </a:prstGeom>
+          <a:ln w="12700">
+            <a:solidFill>
+              <a:schemeClr val="tx1"/>
+            </a:solidFill>
+            <a:prstDash val="dash"/>
+            <a:tailEnd type="triangle"/>
+          </a:ln>
+        </p:spPr>
+        <p:style>
+          <a:lnRef idx="1">
+            <a:schemeClr val="accent1"/>
+          </a:lnRef>
+          <a:fillRef idx="0">
+            <a:schemeClr val="accent1"/>
+          </a:fillRef>
+          <a:effectRef idx="0">
+            <a:schemeClr val="accent1"/>
+          </a:effectRef>
+          <a:fontRef idx="minor">
+            <a:schemeClr val="tx1"/>
+          </a:fontRef>
+        </p:style>
+      </p:cxnSp>
+      <p:cxnSp>
+        <p:nvCxnSpPr>
+          <p:cNvPr id="235" name="Straight Arrow Connector 234">
+            <a:extLst>
+              <a:ext uri="{FF2B5EF4-FFF2-40B4-BE49-F238E27FC236}">
+                <a16:creationId xmlns:a16="http://schemas.microsoft.com/office/drawing/2014/main" id="{A0F04A64-E68B-4244-B192-D697EAAC8E44}"/>
+              </a:ext>
+            </a:extLst>
+          </p:cNvPr>
+          <p:cNvCxnSpPr>
+            <a:cxnSpLocks/>
+          </p:cNvCxnSpPr>
+          <p:nvPr/>
+        </p:nvCxnSpPr>
+        <p:spPr>
+          <a:xfrm>
+            <a:off x="1943559" y="4202452"/>
+            <a:ext cx="0" cy="457434"/>
+          </a:xfrm>
+          <a:prstGeom prst="straightConnector1">
+            <a:avLst/>
+          </a:prstGeom>
+          <a:ln w="12700">
+            <a:solidFill>
+              <a:schemeClr val="tx1"/>
+            </a:solidFill>
+            <a:prstDash val="dash"/>
+            <a:tailEnd type="triangle"/>
+          </a:ln>
+        </p:spPr>
+        <p:style>
+          <a:lnRef idx="1">
+            <a:schemeClr val="accent1"/>
+          </a:lnRef>
+          <a:fillRef idx="0">
+            <a:schemeClr val="accent1"/>
+          </a:fillRef>
+          <a:effectRef idx="0">
+            <a:schemeClr val="accent1"/>
+          </a:effectRef>
+          <a:fontRef idx="minor">
+            <a:schemeClr val="tx1"/>
+          </a:fontRef>
+        </p:style>
+      </p:cxnSp>
+      <p:cxnSp>
+        <p:nvCxnSpPr>
+          <p:cNvPr id="246" name="Straight Connector 245">
+            <a:extLst>
+              <a:ext uri="{FF2B5EF4-FFF2-40B4-BE49-F238E27FC236}">
+                <a16:creationId xmlns:a16="http://schemas.microsoft.com/office/drawing/2014/main" id="{D47ECFBA-91D1-4EE6-B8B4-9DB1B67B5BC6}"/>
+              </a:ext>
+            </a:extLst>
+          </p:cNvPr>
+          <p:cNvCxnSpPr>
+            <a:cxnSpLocks/>
+          </p:cNvCxnSpPr>
+          <p:nvPr/>
+        </p:nvCxnSpPr>
+        <p:spPr>
+          <a:xfrm flipH="1" flipV="1">
+            <a:off x="3322414" y="4446195"/>
+            <a:ext cx="656073" cy="4"/>
+          </a:xfrm>
+          <a:prstGeom prst="line">
+            <a:avLst/>
+          </a:prstGeom>
+          <a:ln w="12700">
+            <a:solidFill>
+              <a:schemeClr val="tx1"/>
+            </a:solidFill>
+            <a:prstDash val="dash"/>
+          </a:ln>
+        </p:spPr>
+        <p:style>
+          <a:lnRef idx="1">
+            <a:schemeClr val="accent1"/>
+          </a:lnRef>
+          <a:fillRef idx="0">
+            <a:schemeClr val="accent1"/>
+          </a:fillRef>
+          <a:effectRef idx="0">
+            <a:schemeClr val="accent1"/>
+          </a:effectRef>
+          <a:fontRef idx="minor">
+            <a:schemeClr val="tx1"/>
+          </a:fontRef>
+        </p:style>
+      </p:cxnSp>
+      <p:cxnSp>
+        <p:nvCxnSpPr>
+          <p:cNvPr id="254" name="Straight Connector 253">
+            <a:extLst>
+              <a:ext uri="{FF2B5EF4-FFF2-40B4-BE49-F238E27FC236}">
+                <a16:creationId xmlns:a16="http://schemas.microsoft.com/office/drawing/2014/main" id="{F737E3E1-19F5-48F4-B878-510A145EBB80}"/>
+              </a:ext>
+            </a:extLst>
+          </p:cNvPr>
+          <p:cNvCxnSpPr>
+            <a:cxnSpLocks/>
+          </p:cNvCxnSpPr>
+          <p:nvPr/>
+        </p:nvCxnSpPr>
+        <p:spPr>
+          <a:xfrm flipH="1" flipV="1">
+            <a:off x="3298265" y="4024673"/>
+            <a:ext cx="1" cy="806273"/>
+          </a:xfrm>
+          <a:prstGeom prst="line">
+            <a:avLst/>
+          </a:prstGeom>
+          <a:ln w="12700">
+            <a:solidFill>
+              <a:schemeClr val="tx1"/>
+            </a:solidFill>
+            <a:prstDash val="dash"/>
+          </a:ln>
+        </p:spPr>
+        <p:style>
+          <a:lnRef idx="1">
+            <a:schemeClr val="accent1"/>
+          </a:lnRef>
+          <a:fillRef idx="0">
+            <a:schemeClr val="accent1"/>
+          </a:fillRef>
+          <a:effectRef idx="0">
+            <a:schemeClr val="accent1"/>
+          </a:effectRef>
+          <a:fontRef idx="minor">
+            <a:schemeClr val="tx1"/>
+          </a:fontRef>
+        </p:style>
+      </p:cxnSp>
+      <p:cxnSp>
+        <p:nvCxnSpPr>
+          <p:cNvPr id="260" name="Straight Arrow Connector 259">
+            <a:extLst>
+              <a:ext uri="{FF2B5EF4-FFF2-40B4-BE49-F238E27FC236}">
+                <a16:creationId xmlns:a16="http://schemas.microsoft.com/office/drawing/2014/main" id="{07481B38-40DA-4E3C-8008-8A50AE185D7D}"/>
+              </a:ext>
+            </a:extLst>
+          </p:cNvPr>
+          <p:cNvCxnSpPr>
+            <a:cxnSpLocks/>
+          </p:cNvCxnSpPr>
+          <p:nvPr/>
+        </p:nvCxnSpPr>
+        <p:spPr>
+          <a:xfrm flipH="1">
+            <a:off x="3056470" y="4830945"/>
+            <a:ext cx="223837" cy="0"/>
+          </a:xfrm>
+          <a:prstGeom prst="straightConnector1">
+            <a:avLst/>
+          </a:prstGeom>
+          <a:ln w="12700">
+            <a:solidFill>
+              <a:schemeClr val="tx1"/>
+            </a:solidFill>
+            <a:prstDash val="dash"/>
+            <a:tailEnd type="triangle"/>
+          </a:ln>
+        </p:spPr>
+        <p:style>
+          <a:lnRef idx="1">
+            <a:schemeClr val="accent1"/>
+          </a:lnRef>
+          <a:fillRef idx="0">
+            <a:schemeClr val="accent1"/>
+          </a:fillRef>
+          <a:effectRef idx="0">
+            <a:schemeClr val="accent1"/>
+          </a:effectRef>
+          <a:fontRef idx="minor">
+            <a:schemeClr val="tx1"/>
+          </a:fontRef>
+        </p:style>
+      </p:cxnSp>
+      <p:cxnSp>
+        <p:nvCxnSpPr>
+          <p:cNvPr id="264" name="Straight Arrow Connector 263">
+            <a:extLst>
+              <a:ext uri="{FF2B5EF4-FFF2-40B4-BE49-F238E27FC236}">
+                <a16:creationId xmlns:a16="http://schemas.microsoft.com/office/drawing/2014/main" id="{0C182904-442D-4DA3-B732-411E771FD469}"/>
+              </a:ext>
+            </a:extLst>
+          </p:cNvPr>
+          <p:cNvCxnSpPr>
+            <a:cxnSpLocks/>
+          </p:cNvCxnSpPr>
+          <p:nvPr/>
+        </p:nvCxnSpPr>
+        <p:spPr>
+          <a:xfrm flipH="1">
+            <a:off x="3077347" y="4024673"/>
+            <a:ext cx="223837" cy="0"/>
+          </a:xfrm>
+          <a:prstGeom prst="straightConnector1">
+            <a:avLst/>
+          </a:prstGeom>
+          <a:ln w="12700">
+            <a:solidFill>
+              <a:schemeClr val="tx1"/>
+            </a:solidFill>
+            <a:prstDash val="dash"/>
+            <a:tailEnd type="triangle"/>
+          </a:ln>
+        </p:spPr>
+        <p:style>
+          <a:lnRef idx="1">
+            <a:schemeClr val="accent1"/>
+          </a:lnRef>
+          <a:fillRef idx="0">
+            <a:schemeClr val="accent1"/>
+          </a:fillRef>
+          <a:effectRef idx="0">
+            <a:schemeClr val="accent1"/>
+          </a:effectRef>
+          <a:fontRef idx="minor">
+            <a:schemeClr val="tx1"/>
+          </a:fontRef>
+        </p:style>
+      </p:cxnSp>
+      <p:sp>
+        <p:nvSpPr>
+          <p:cNvPr id="266" name="TextBox 265">
+            <a:extLst>
+              <a:ext uri="{FF2B5EF4-FFF2-40B4-BE49-F238E27FC236}">
+                <a16:creationId xmlns:a16="http://schemas.microsoft.com/office/drawing/2014/main" id="{37AEB231-7D72-48E9-98F5-96A5D0761120}"/>
+              </a:ext>
+            </a:extLst>
+          </p:cNvPr>
+          <p:cNvSpPr txBox="1"/>
+          <p:nvPr/>
+        </p:nvSpPr>
+        <p:spPr>
+          <a:xfrm>
+            <a:off x="4087353" y="5851051"/>
+            <a:ext cx="1295172" cy="369332"/>
+          </a:xfrm>
+          <a:prstGeom prst="rect">
+            <a:avLst/>
+          </a:prstGeom>
+          <a:noFill/>
+        </p:spPr>
+        <p:txBody>
+          <a:bodyPr wrap="square" rtlCol="0">
+            <a:spAutoFit/>
+          </a:bodyPr>
+          <a:lstStyle/>
+          <a:p>
+            <a:r>
+              <a:rPr lang="it-IT" dirty="0"/>
+              <a:t>sr:available</a:t>
+            </a:r>
+          </a:p>
+        </p:txBody>
+      </p:sp>
+      <p:cxnSp>
+        <p:nvCxnSpPr>
+          <p:cNvPr id="267" name="Straight Arrow Connector 266">
+            <a:extLst>
+              <a:ext uri="{FF2B5EF4-FFF2-40B4-BE49-F238E27FC236}">
+                <a16:creationId xmlns:a16="http://schemas.microsoft.com/office/drawing/2014/main" id="{81E8BD95-BF85-4029-90D1-F9E87B9879F2}"/>
+              </a:ext>
+            </a:extLst>
+          </p:cNvPr>
+          <p:cNvCxnSpPr>
+            <a:cxnSpLocks/>
+          </p:cNvCxnSpPr>
+          <p:nvPr/>
+        </p:nvCxnSpPr>
+        <p:spPr>
+          <a:xfrm>
+            <a:off x="4090438" y="5832468"/>
+            <a:ext cx="0" cy="457434"/>
+          </a:xfrm>
+          <a:prstGeom prst="straightConnector1">
+            <a:avLst/>
+          </a:prstGeom>
+          <a:ln w="12700">
+            <a:solidFill>
+              <a:schemeClr val="tx1"/>
+            </a:solidFill>
+            <a:prstDash val="dash"/>
+            <a:tailEnd type="triangle"/>
+          </a:ln>
+        </p:spPr>
+        <p:style>
+          <a:lnRef idx="1">
+            <a:schemeClr val="accent1"/>
+          </a:lnRef>
+          <a:fillRef idx="0">
+            <a:schemeClr val="accent1"/>
+          </a:fillRef>
+          <a:effectRef idx="0">
+            <a:schemeClr val="accent1"/>
+          </a:effectRef>
+          <a:fontRef idx="minor">
+            <a:schemeClr val="tx1"/>
+          </a:fontRef>
+        </p:style>
+      </p:cxnSp>
+      <p:sp>
+        <p:nvSpPr>
+          <p:cNvPr id="268" name="TextBox 267">
+            <a:extLst>
+              <a:ext uri="{FF2B5EF4-FFF2-40B4-BE49-F238E27FC236}">
+                <a16:creationId xmlns:a16="http://schemas.microsoft.com/office/drawing/2014/main" id="{D8FF28C5-55CC-4E9D-B89E-C9501E75EBAC}"/>
+              </a:ext>
+            </a:extLst>
+          </p:cNvPr>
+          <p:cNvSpPr txBox="1"/>
+          <p:nvPr/>
+        </p:nvSpPr>
+        <p:spPr>
+          <a:xfrm>
+            <a:off x="2325628" y="5063110"/>
+            <a:ext cx="1295172" cy="369332"/>
+          </a:xfrm>
+          <a:prstGeom prst="rect">
+            <a:avLst/>
+          </a:prstGeom>
+          <a:noFill/>
+        </p:spPr>
+        <p:txBody>
+          <a:bodyPr wrap="square" rtlCol="0">
+            <a:spAutoFit/>
+          </a:bodyPr>
+          <a:lstStyle/>
+          <a:p>
+            <a:r>
+              <a:rPr lang="it-IT" dirty="0"/>
+              <a:t>sr:available</a:t>
+            </a:r>
+          </a:p>
+        </p:txBody>
+      </p:sp>
+      <p:cxnSp>
+        <p:nvCxnSpPr>
+          <p:cNvPr id="269" name="Straight Arrow Connector 268">
+            <a:extLst>
+              <a:ext uri="{FF2B5EF4-FFF2-40B4-BE49-F238E27FC236}">
+                <a16:creationId xmlns:a16="http://schemas.microsoft.com/office/drawing/2014/main" id="{B3288E13-5D00-4561-A49D-A13CCB9B163B}"/>
+              </a:ext>
+            </a:extLst>
+          </p:cNvPr>
+          <p:cNvCxnSpPr>
+            <a:cxnSpLocks/>
+          </p:cNvCxnSpPr>
+          <p:nvPr/>
+        </p:nvCxnSpPr>
+        <p:spPr>
+          <a:xfrm>
+            <a:off x="2353441" y="5048567"/>
+            <a:ext cx="0" cy="383875"/>
+          </a:xfrm>
+          <a:prstGeom prst="straightConnector1">
+            <a:avLst/>
+          </a:prstGeom>
+          <a:ln w="12700">
+            <a:solidFill>
+              <a:schemeClr val="tx1"/>
+            </a:solidFill>
+            <a:prstDash val="dash"/>
+            <a:tailEnd type="triangle"/>
+          </a:ln>
+        </p:spPr>
+        <p:style>
+          <a:lnRef idx="1">
+            <a:schemeClr val="accent1"/>
+          </a:lnRef>
+          <a:fillRef idx="0">
+            <a:schemeClr val="accent1"/>
+          </a:fillRef>
+          <a:effectRef idx="0">
+            <a:schemeClr val="accent1"/>
+          </a:effectRef>
+          <a:fontRef idx="minor">
+            <a:schemeClr val="tx1"/>
+          </a:fontRef>
+        </p:style>
+      </p:cxnSp>
+      <p:sp>
+        <p:nvSpPr>
+          <p:cNvPr id="271" name="TextBox 270">
+            <a:extLst>
+              <a:ext uri="{FF2B5EF4-FFF2-40B4-BE49-F238E27FC236}">
+                <a16:creationId xmlns:a16="http://schemas.microsoft.com/office/drawing/2014/main" id="{BDD59684-8075-4B58-AA65-65705FFE07C7}"/>
+              </a:ext>
+            </a:extLst>
+          </p:cNvPr>
+          <p:cNvSpPr txBox="1"/>
+          <p:nvPr/>
+        </p:nvSpPr>
+        <p:spPr>
+          <a:xfrm>
+            <a:off x="2298617" y="3444705"/>
+            <a:ext cx="1295172" cy="369332"/>
+          </a:xfrm>
+          <a:prstGeom prst="rect">
+            <a:avLst/>
+          </a:prstGeom>
+          <a:noFill/>
+        </p:spPr>
+        <p:txBody>
+          <a:bodyPr wrap="square" rtlCol="0">
+            <a:spAutoFit/>
+          </a:bodyPr>
+          <a:lstStyle/>
+          <a:p>
+            <a:r>
+              <a:rPr lang="it-IT" dirty="0"/>
+              <a:t>sr:available</a:t>
+            </a:r>
+          </a:p>
+        </p:txBody>
+      </p:sp>
+      <p:cxnSp>
+        <p:nvCxnSpPr>
+          <p:cNvPr id="272" name="Straight Arrow Connector 271">
+            <a:extLst>
+              <a:ext uri="{FF2B5EF4-FFF2-40B4-BE49-F238E27FC236}">
+                <a16:creationId xmlns:a16="http://schemas.microsoft.com/office/drawing/2014/main" id="{1B674977-3696-4D1D-976F-327034F1BD07}"/>
+              </a:ext>
+            </a:extLst>
+          </p:cNvPr>
+          <p:cNvCxnSpPr>
+            <a:cxnSpLocks/>
+          </p:cNvCxnSpPr>
+          <p:nvPr/>
+        </p:nvCxnSpPr>
+        <p:spPr>
+          <a:xfrm flipV="1">
+            <a:off x="2356661" y="3414372"/>
+            <a:ext cx="0" cy="378793"/>
+          </a:xfrm>
+          <a:prstGeom prst="straightConnector1">
+            <a:avLst/>
+          </a:prstGeom>
+          <a:ln w="12700">
+            <a:solidFill>
+              <a:schemeClr val="tx1"/>
+            </a:solidFill>
+            <a:prstDash val="dash"/>
+            <a:tailEnd type="triangle"/>
+          </a:ln>
+        </p:spPr>
+        <p:style>
+          <a:lnRef idx="1">
+            <a:schemeClr val="accent1"/>
+          </a:lnRef>
+          <a:fillRef idx="0">
+            <a:schemeClr val="accent1"/>
+          </a:fillRef>
+          <a:effectRef idx="0">
+            <a:schemeClr val="accent1"/>
+          </a:effectRef>
+          <a:fontRef idx="minor">
+            <a:schemeClr val="tx1"/>
+          </a:fontRef>
+        </p:style>
+      </p:cxnSp>
+      <p:cxnSp>
+        <p:nvCxnSpPr>
+          <p:cNvPr id="278" name="Straight Arrow Connector 277">
+            <a:extLst>
+              <a:ext uri="{FF2B5EF4-FFF2-40B4-BE49-F238E27FC236}">
+                <a16:creationId xmlns:a16="http://schemas.microsoft.com/office/drawing/2014/main" id="{44290A89-C790-43D6-AB4B-4E869E5FDC55}"/>
+              </a:ext>
+            </a:extLst>
+          </p:cNvPr>
+          <p:cNvCxnSpPr>
+            <a:cxnSpLocks/>
+          </p:cNvCxnSpPr>
+          <p:nvPr/>
+        </p:nvCxnSpPr>
+        <p:spPr>
+          <a:xfrm>
+            <a:off x="1844050" y="5043155"/>
+            <a:ext cx="8294" cy="1212153"/>
+          </a:xfrm>
+          <a:prstGeom prst="straightConnector1">
+            <a:avLst/>
+          </a:prstGeom>
+          <a:ln w="12700">
+            <a:solidFill>
+              <a:srgbClr val="FF0000"/>
+            </a:solidFill>
+            <a:prstDash val="dash"/>
+            <a:tailEnd type="triangle"/>
+          </a:ln>
+        </p:spPr>
+        <p:style>
+          <a:lnRef idx="1">
+            <a:schemeClr val="accent1"/>
+          </a:lnRef>
+          <a:fillRef idx="0">
+            <a:schemeClr val="accent1"/>
+          </a:fillRef>
+          <a:effectRef idx="0">
+            <a:schemeClr val="accent1"/>
+          </a:effectRef>
+          <a:fontRef idx="minor">
+            <a:schemeClr val="tx1"/>
+          </a:fontRef>
+        </p:style>
+      </p:cxnSp>
+      <p:cxnSp>
+        <p:nvCxnSpPr>
+          <p:cNvPr id="286" name="Connector: Elbow 285">
+            <a:extLst>
+              <a:ext uri="{FF2B5EF4-FFF2-40B4-BE49-F238E27FC236}">
+                <a16:creationId xmlns:a16="http://schemas.microsoft.com/office/drawing/2014/main" id="{A4E95A0F-8B0C-49E4-80D3-9A65408845BE}"/>
+              </a:ext>
+            </a:extLst>
+          </p:cNvPr>
+          <p:cNvCxnSpPr>
+            <a:stCxn id="32" idx="1"/>
+          </p:cNvCxnSpPr>
+          <p:nvPr/>
+        </p:nvCxnSpPr>
+        <p:spPr>
+          <a:xfrm rot="10800000" flipV="1">
+            <a:off x="3036007" y="5630900"/>
+            <a:ext cx="349200" cy="653222"/>
+          </a:xfrm>
+          <a:prstGeom prst="bentConnector2">
+            <a:avLst/>
+          </a:prstGeom>
+          <a:ln w="12700">
+            <a:solidFill>
+              <a:srgbClr val="FF0000"/>
+            </a:solidFill>
+            <a:prstDash val="dash"/>
+            <a:tailEnd type="triangle"/>
+          </a:ln>
+        </p:spPr>
+        <p:style>
+          <a:lnRef idx="1">
+            <a:schemeClr val="accent1"/>
+          </a:lnRef>
+          <a:fillRef idx="0">
+            <a:schemeClr val="accent1"/>
+          </a:fillRef>
+          <a:effectRef idx="0">
+            <a:schemeClr val="accent1"/>
+          </a:effectRef>
+          <a:fontRef idx="minor">
+            <a:schemeClr val="tx1"/>
+          </a:fontRef>
+        </p:style>
+      </p:cxnSp>
+      <p:cxnSp>
+        <p:nvCxnSpPr>
+          <p:cNvPr id="288" name="Connector: Elbow 287">
+            <a:extLst>
+              <a:ext uri="{FF2B5EF4-FFF2-40B4-BE49-F238E27FC236}">
+                <a16:creationId xmlns:a16="http://schemas.microsoft.com/office/drawing/2014/main" id="{8D5A9BD3-1E51-4DF2-B7A1-68ADC49A2212}"/>
+              </a:ext>
+            </a:extLst>
+          </p:cNvPr>
+          <p:cNvCxnSpPr>
+            <a:cxnSpLocks/>
+            <a:stCxn id="34" idx="1"/>
+          </p:cNvCxnSpPr>
+          <p:nvPr/>
+        </p:nvCxnSpPr>
+        <p:spPr>
+          <a:xfrm rot="10800000" flipV="1">
+            <a:off x="1544672" y="4006904"/>
+            <a:ext cx="190347" cy="2277217"/>
+          </a:xfrm>
+          <a:prstGeom prst="bentConnector2">
+            <a:avLst/>
+          </a:prstGeom>
+          <a:ln w="12700">
+            <a:solidFill>
+              <a:srgbClr val="FF0000"/>
+            </a:solidFill>
+            <a:prstDash val="dash"/>
+            <a:tailEnd type="triangle"/>
+          </a:ln>
+        </p:spPr>
+        <p:style>
+          <a:lnRef idx="1">
+            <a:schemeClr val="accent1"/>
+          </a:lnRef>
+          <a:fillRef idx="0">
+            <a:schemeClr val="accent1"/>
+          </a:fillRef>
+          <a:effectRef idx="0">
+            <a:schemeClr val="accent1"/>
+          </a:effectRef>
+          <a:fontRef idx="minor">
+            <a:schemeClr val="tx1"/>
+          </a:fontRef>
+        </p:style>
+      </p:cxnSp>
+      <p:sp>
+        <p:nvSpPr>
+          <p:cNvPr id="290" name="Content Placeholder 29">
+            <a:extLst>
+              <a:ext uri="{FF2B5EF4-FFF2-40B4-BE49-F238E27FC236}">
+                <a16:creationId xmlns:a16="http://schemas.microsoft.com/office/drawing/2014/main" id="{2B2E6D9B-F00E-4032-943D-3CA08FBB1CFA}"/>
+              </a:ext>
+            </a:extLst>
+          </p:cNvPr>
+          <p:cNvSpPr txBox="1">
+            <a:spLocks/>
+          </p:cNvSpPr>
+          <p:nvPr/>
+        </p:nvSpPr>
+        <p:spPr>
+          <a:xfrm>
+            <a:off x="4388891" y="3369128"/>
+            <a:ext cx="1282025" cy="373488"/>
           </a:xfrm>
           <a:prstGeom prst="rect">
             <a:avLst/>
@@ -8523,7 +10157,371 @@
                   <a:schemeClr val="tx1"/>
                 </a:solidFill>
               </a:rPr>
+              <a:t>computer</a:t>
+            </a:r>
+          </a:p>
+        </p:txBody>
+      </p:sp>
+      <p:sp>
+        <p:nvSpPr>
+          <p:cNvPr id="291" name="Content Placeholder 29">
+            <a:extLst>
+              <a:ext uri="{FF2B5EF4-FFF2-40B4-BE49-F238E27FC236}">
+                <a16:creationId xmlns:a16="http://schemas.microsoft.com/office/drawing/2014/main" id="{9A92EEF7-4DDE-4502-BFB8-916A8F1BF11F}"/>
+              </a:ext>
+            </a:extLst>
+          </p:cNvPr>
+          <p:cNvSpPr txBox="1">
+            <a:spLocks/>
+          </p:cNvSpPr>
+          <p:nvPr/>
+        </p:nvSpPr>
+        <p:spPr>
+          <a:xfrm>
+            <a:off x="3234102" y="2585868"/>
+            <a:ext cx="1456360" cy="373488"/>
+          </a:xfrm>
+          <a:prstGeom prst="rect">
+            <a:avLst/>
+          </a:prstGeom>
+          <a:solidFill>
+            <a:schemeClr val="accent5">
+              <a:lumMod val="40000"/>
+              <a:lumOff val="60000"/>
+            </a:schemeClr>
+          </a:solidFill>
+          <a:ln w="12700" cap="flat" cmpd="sng" algn="ctr">
+            <a:solidFill>
+              <a:schemeClr val="tx1"/>
+            </a:solidFill>
+            <a:prstDash val="solid"/>
+            <a:miter lim="800000"/>
+          </a:ln>
+        </p:spPr>
+        <p:style>
+          <a:lnRef idx="2">
+            <a:schemeClr val="accent1">
+              <a:shade val="50000"/>
+            </a:schemeClr>
+          </a:lnRef>
+          <a:fillRef idx="1">
+            <a:schemeClr val="accent1"/>
+          </a:fillRef>
+          <a:effectRef idx="0">
+            <a:schemeClr val="accent1"/>
+          </a:effectRef>
+          <a:fontRef idx="minor">
+            <a:schemeClr val="lt1"/>
+          </a:fontRef>
+        </p:style>
+        <p:txBody>
+          <a:bodyPr rot="0" spcFirstLastPara="0" vertOverflow="overflow" horzOverflow="overflow" vert="horz" wrap="square" lIns="91440" tIns="45720" rIns="91440" bIns="45720" numCol="1" spcCol="0" rtlCol="0" fromWordArt="0" anchor="ctr" anchorCtr="0" forceAA="0" compatLnSpc="1">
+            <a:prstTxWarp prst="textNoShape">
+              <a:avLst/>
+            </a:prstTxWarp>
+            <a:noAutofit/>
+          </a:bodyPr>
+          <a:lstStyle>
+            <a:lvl1pPr marL="228600" indent="-228600" algn="l" defTabSz="914400" rtl="0" eaLnBrk="1" latinLnBrk="0" hangingPunct="1">
+              <a:lnSpc>
+                <a:spcPct val="90000"/>
+              </a:lnSpc>
+              <a:spcBef>
+                <a:spcPts val="1000"/>
+              </a:spcBef>
+              <a:buFont typeface="Arial" panose="020B0604020202020204" pitchFamily="34" charset="0"/>
+              <a:buChar char="•"/>
+              <a:defRPr sz="2800" kern="1200">
+                <a:solidFill>
+                  <a:schemeClr val="lt1"/>
+                </a:solidFill>
+                <a:latin typeface="+mn-lt"/>
+                <a:ea typeface="+mn-ea"/>
+                <a:cs typeface="+mn-cs"/>
+              </a:defRPr>
+            </a:lvl1pPr>
+            <a:lvl2pPr marL="685800" indent="-228600" algn="l" defTabSz="914400" rtl="0" eaLnBrk="1" latinLnBrk="0" hangingPunct="1">
+              <a:lnSpc>
+                <a:spcPct val="90000"/>
+              </a:lnSpc>
+              <a:spcBef>
+                <a:spcPts val="500"/>
+              </a:spcBef>
+              <a:buFont typeface="Arial" panose="020B0604020202020204" pitchFamily="34" charset="0"/>
+              <a:buChar char="•"/>
+              <a:defRPr sz="2400" kern="1200">
+                <a:solidFill>
+                  <a:schemeClr val="lt1"/>
+                </a:solidFill>
+                <a:latin typeface="+mn-lt"/>
+                <a:ea typeface="+mn-ea"/>
+                <a:cs typeface="+mn-cs"/>
+              </a:defRPr>
+            </a:lvl2pPr>
+            <a:lvl3pPr marL="1143000" indent="-228600" algn="l" defTabSz="914400" rtl="0" eaLnBrk="1" latinLnBrk="0" hangingPunct="1">
+              <a:lnSpc>
+                <a:spcPct val="90000"/>
+              </a:lnSpc>
+              <a:spcBef>
+                <a:spcPts val="500"/>
+              </a:spcBef>
+              <a:buFont typeface="Arial" panose="020B0604020202020204" pitchFamily="34" charset="0"/>
+              <a:buChar char="•"/>
+              <a:defRPr sz="2000" kern="1200">
+                <a:solidFill>
+                  <a:schemeClr val="lt1"/>
+                </a:solidFill>
+                <a:latin typeface="+mn-lt"/>
+                <a:ea typeface="+mn-ea"/>
+                <a:cs typeface="+mn-cs"/>
+              </a:defRPr>
+            </a:lvl3pPr>
+            <a:lvl4pPr marL="1600200" indent="-228600" algn="l" defTabSz="914400" rtl="0" eaLnBrk="1" latinLnBrk="0" hangingPunct="1">
+              <a:lnSpc>
+                <a:spcPct val="90000"/>
+              </a:lnSpc>
+              <a:spcBef>
+                <a:spcPts val="500"/>
+              </a:spcBef>
+              <a:buFont typeface="Arial" panose="020B0604020202020204" pitchFamily="34" charset="0"/>
+              <a:buChar char="•"/>
+              <a:defRPr sz="1800" kern="1200">
+                <a:solidFill>
+                  <a:schemeClr val="lt1"/>
+                </a:solidFill>
+                <a:latin typeface="+mn-lt"/>
+                <a:ea typeface="+mn-ea"/>
+                <a:cs typeface="+mn-cs"/>
+              </a:defRPr>
+            </a:lvl4pPr>
+            <a:lvl5pPr marL="2057400" indent="-228600" algn="l" defTabSz="914400" rtl="0" eaLnBrk="1" latinLnBrk="0" hangingPunct="1">
+              <a:lnSpc>
+                <a:spcPct val="90000"/>
+              </a:lnSpc>
+              <a:spcBef>
+                <a:spcPts val="500"/>
+              </a:spcBef>
+              <a:buFont typeface="Arial" panose="020B0604020202020204" pitchFamily="34" charset="0"/>
+              <a:buChar char="•"/>
+              <a:defRPr sz="1800" kern="1200">
+                <a:solidFill>
+                  <a:schemeClr val="lt1"/>
+                </a:solidFill>
+                <a:latin typeface="+mn-lt"/>
+                <a:ea typeface="+mn-ea"/>
+                <a:cs typeface="+mn-cs"/>
+              </a:defRPr>
+            </a:lvl5pPr>
+            <a:lvl6pPr marL="2514600" indent="-228600" algn="l" defTabSz="914400" rtl="0" eaLnBrk="1" latinLnBrk="0" hangingPunct="1">
+              <a:lnSpc>
+                <a:spcPct val="90000"/>
+              </a:lnSpc>
+              <a:spcBef>
+                <a:spcPts val="500"/>
+              </a:spcBef>
+              <a:buFont typeface="Arial" panose="020B0604020202020204" pitchFamily="34" charset="0"/>
+              <a:buChar char="•"/>
+              <a:defRPr sz="1800" kern="1200">
+                <a:solidFill>
+                  <a:schemeClr val="lt1"/>
+                </a:solidFill>
+                <a:latin typeface="+mn-lt"/>
+                <a:ea typeface="+mn-ea"/>
+                <a:cs typeface="+mn-cs"/>
+              </a:defRPr>
+            </a:lvl6pPr>
+            <a:lvl7pPr marL="2971800" indent="-228600" algn="l" defTabSz="914400" rtl="0" eaLnBrk="1" latinLnBrk="0" hangingPunct="1">
+              <a:lnSpc>
+                <a:spcPct val="90000"/>
+              </a:lnSpc>
+              <a:spcBef>
+                <a:spcPts val="500"/>
+              </a:spcBef>
+              <a:buFont typeface="Arial" panose="020B0604020202020204" pitchFamily="34" charset="0"/>
+              <a:buChar char="•"/>
+              <a:defRPr sz="1800" kern="1200">
+                <a:solidFill>
+                  <a:schemeClr val="lt1"/>
+                </a:solidFill>
+                <a:latin typeface="+mn-lt"/>
+                <a:ea typeface="+mn-ea"/>
+                <a:cs typeface="+mn-cs"/>
+              </a:defRPr>
+            </a:lvl7pPr>
+            <a:lvl8pPr marL="3429000" indent="-228600" algn="l" defTabSz="914400" rtl="0" eaLnBrk="1" latinLnBrk="0" hangingPunct="1">
+              <a:lnSpc>
+                <a:spcPct val="90000"/>
+              </a:lnSpc>
+              <a:spcBef>
+                <a:spcPts val="500"/>
+              </a:spcBef>
+              <a:buFont typeface="Arial" panose="020B0604020202020204" pitchFamily="34" charset="0"/>
+              <a:buChar char="•"/>
+              <a:defRPr sz="1800" kern="1200">
+                <a:solidFill>
+                  <a:schemeClr val="lt1"/>
+                </a:solidFill>
+                <a:latin typeface="+mn-lt"/>
+                <a:ea typeface="+mn-ea"/>
+                <a:cs typeface="+mn-cs"/>
+              </a:defRPr>
+            </a:lvl8pPr>
+            <a:lvl9pPr marL="3886200" indent="-228600" algn="l" defTabSz="914400" rtl="0" eaLnBrk="1" latinLnBrk="0" hangingPunct="1">
+              <a:lnSpc>
+                <a:spcPct val="90000"/>
+              </a:lnSpc>
+              <a:spcBef>
+                <a:spcPts val="500"/>
+              </a:spcBef>
+              <a:buFont typeface="Arial" panose="020B0604020202020204" pitchFamily="34" charset="0"/>
+              <a:buChar char="•"/>
+              <a:defRPr sz="1800" kern="1200">
+                <a:solidFill>
+                  <a:schemeClr val="lt1"/>
+                </a:solidFill>
+                <a:latin typeface="+mn-lt"/>
+                <a:ea typeface="+mn-ea"/>
+                <a:cs typeface="+mn-cs"/>
+              </a:defRPr>
+            </a:lvl9pPr>
+          </a:lstStyle>
+          <a:p>
+            <a:pPr marL="0" indent="0" algn="ctr">
+              <a:buFont typeface="Arial" panose="020B0604020202020204" pitchFamily="34" charset="0"/>
+              <a:buNone/>
+            </a:pPr>
+            <a:r>
+              <a:rPr lang="it-IT" sz="1800" dirty="0">
+                <a:solidFill>
+                  <a:schemeClr val="tx1"/>
+                </a:solidFill>
+              </a:rPr>
               <a:t>powerOutlet</a:t>
+            </a:r>
+          </a:p>
+        </p:txBody>
+      </p:sp>
+      <p:cxnSp>
+        <p:nvCxnSpPr>
+          <p:cNvPr id="292" name="Straight Arrow Connector 291">
+            <a:extLst>
+              <a:ext uri="{FF2B5EF4-FFF2-40B4-BE49-F238E27FC236}">
+                <a16:creationId xmlns:a16="http://schemas.microsoft.com/office/drawing/2014/main" id="{37B0A3EB-F2AD-4EC9-A67B-C5CDD77B3863}"/>
+              </a:ext>
+            </a:extLst>
+          </p:cNvPr>
+          <p:cNvCxnSpPr>
+            <a:cxnSpLocks/>
+          </p:cNvCxnSpPr>
+          <p:nvPr/>
+        </p:nvCxnSpPr>
+        <p:spPr>
+          <a:xfrm flipV="1">
+            <a:off x="4222073" y="2976741"/>
+            <a:ext cx="0" cy="1260810"/>
+          </a:xfrm>
+          <a:prstGeom prst="straightConnector1">
+            <a:avLst/>
+          </a:prstGeom>
+          <a:ln w="12700">
+            <a:solidFill>
+              <a:schemeClr val="tx1"/>
+            </a:solidFill>
+            <a:prstDash val="dash"/>
+            <a:tailEnd type="triangle"/>
+          </a:ln>
+        </p:spPr>
+        <p:style>
+          <a:lnRef idx="1">
+            <a:schemeClr val="accent1"/>
+          </a:lnRef>
+          <a:fillRef idx="0">
+            <a:schemeClr val="accent1"/>
+          </a:fillRef>
+          <a:effectRef idx="0">
+            <a:schemeClr val="accent1"/>
+          </a:effectRef>
+          <a:fontRef idx="minor">
+            <a:schemeClr val="tx1"/>
+          </a:fontRef>
+        </p:style>
+      </p:cxnSp>
+      <p:cxnSp>
+        <p:nvCxnSpPr>
+          <p:cNvPr id="301" name="Straight Arrow Connector 300">
+            <a:extLst>
+              <a:ext uri="{FF2B5EF4-FFF2-40B4-BE49-F238E27FC236}">
+                <a16:creationId xmlns:a16="http://schemas.microsoft.com/office/drawing/2014/main" id="{6557567A-3CD4-4790-9B1D-F9BBF60A7D8D}"/>
+              </a:ext>
+            </a:extLst>
+          </p:cNvPr>
+          <p:cNvCxnSpPr>
+            <a:cxnSpLocks/>
+          </p:cNvCxnSpPr>
+          <p:nvPr/>
+        </p:nvCxnSpPr>
+        <p:spPr>
+          <a:xfrm>
+            <a:off x="4222073" y="3555872"/>
+            <a:ext cx="166818" cy="1"/>
+          </a:xfrm>
+          <a:prstGeom prst="straightConnector1">
+            <a:avLst/>
+          </a:prstGeom>
+          <a:ln w="12700">
+            <a:solidFill>
+              <a:schemeClr val="tx1"/>
+            </a:solidFill>
+            <a:prstDash val="dash"/>
+            <a:tailEnd type="triangle"/>
+          </a:ln>
+        </p:spPr>
+        <p:style>
+          <a:lnRef idx="1">
+            <a:schemeClr val="accent1"/>
+          </a:lnRef>
+          <a:fillRef idx="0">
+            <a:schemeClr val="accent1"/>
+          </a:fillRef>
+          <a:effectRef idx="0">
+            <a:schemeClr val="accent1"/>
+          </a:effectRef>
+          <a:fontRef idx="minor">
+            <a:schemeClr val="tx1"/>
+          </a:fontRef>
+        </p:style>
+      </p:cxnSp>
+      <p:sp>
+        <p:nvSpPr>
+          <p:cNvPr id="312" name="TextBox 311">
+            <a:extLst>
+              <a:ext uri="{FF2B5EF4-FFF2-40B4-BE49-F238E27FC236}">
+                <a16:creationId xmlns:a16="http://schemas.microsoft.com/office/drawing/2014/main" id="{C0070507-BAD7-4F0E-B02B-E9CEEF5D4D55}"/>
+              </a:ext>
+            </a:extLst>
+          </p:cNvPr>
+          <p:cNvSpPr txBox="1"/>
+          <p:nvPr/>
+        </p:nvSpPr>
+        <p:spPr>
+          <a:xfrm>
+            <a:off x="2868592" y="3035073"/>
+            <a:ext cx="1536387" cy="369332"/>
+          </a:xfrm>
+          <a:prstGeom prst="rect">
+            <a:avLst/>
+          </a:prstGeom>
+          <a:noFill/>
+        </p:spPr>
+        <p:txBody>
+          <a:bodyPr wrap="square" rtlCol="0">
+            <a:spAutoFit/>
+          </a:bodyPr>
+          <a:lstStyle/>
+          <a:p>
+            <a:r>
+              <a:rPr lang="it-IT" dirty="0"/>
+              <a:t>sr:hasFeature</a:t>
             </a:r>
           </a:p>
         </p:txBody>
@@ -9862,7 +11860,7 @@
         </p:nvSpPr>
         <p:spPr>
           <a:xfrm>
-            <a:off x="6400800" y="2279561"/>
+            <a:off x="882138" y="2369023"/>
             <a:ext cx="1790164" cy="425002"/>
           </a:xfrm>
           <a:prstGeom prst="roundRect">
@@ -9898,6 +11896,1889 @@
               <a:rPr lang="it-IT" sz="1800" dirty="0"/>
               <a:t>geo:SpatialThing</a:t>
             </a:r>
+          </a:p>
+        </p:txBody>
+      </p:sp>
+      <p:sp>
+        <p:nvSpPr>
+          <p:cNvPr id="12" name="Rectangle 1664">
+            <a:extLst>
+              <a:ext uri="{FF2B5EF4-FFF2-40B4-BE49-F238E27FC236}">
+                <a16:creationId xmlns:a16="http://schemas.microsoft.com/office/drawing/2014/main" id="{36AFD9FD-385F-4549-906B-7A96109CEF58}"/>
+              </a:ext>
+            </a:extLst>
+          </p:cNvPr>
+          <p:cNvSpPr>
+            <a:spLocks noChangeArrowheads="1"/>
+          </p:cNvSpPr>
+          <p:nvPr/>
+        </p:nvSpPr>
+        <p:spPr bwMode="auto">
+          <a:xfrm>
+            <a:off x="5619267" y="4380931"/>
+            <a:ext cx="1248999" cy="324019"/>
+          </a:xfrm>
+          <a:prstGeom prst="rect">
+            <a:avLst/>
+          </a:prstGeom>
+          <a:solidFill>
+            <a:srgbClr val="BBE0E3"/>
+          </a:solidFill>
+          <a:ln w="28575">
+            <a:solidFill>
+              <a:srgbClr val="000000"/>
+            </a:solidFill>
+            <a:miter lim="800000"/>
+            <a:headEnd/>
+            <a:tailEnd/>
+          </a:ln>
+        </p:spPr>
+        <p:txBody>
+          <a:bodyPr wrap="none" anchor="ctr"/>
+          <a:lstStyle>
+            <a:defPPr>
+              <a:defRPr lang="it-IT"/>
+            </a:defPPr>
+            <a:lvl1pPr algn="l" rtl="0" fontAlgn="base">
+              <a:spcBef>
+                <a:spcPct val="0"/>
+              </a:spcBef>
+              <a:spcAft>
+                <a:spcPct val="0"/>
+              </a:spcAft>
+              <a:defRPr u="sng" kern="1200">
+                <a:solidFill>
+                  <a:schemeClr val="tx1"/>
+                </a:solidFill>
+                <a:latin typeface="Arial" panose="020B0604020202020204" pitchFamily="34" charset="0"/>
+                <a:ea typeface="+mn-ea"/>
+                <a:cs typeface="+mn-cs"/>
+              </a:defRPr>
+            </a:lvl1pPr>
+            <a:lvl2pPr marL="457200" algn="l" rtl="0" fontAlgn="base">
+              <a:spcBef>
+                <a:spcPct val="0"/>
+              </a:spcBef>
+              <a:spcAft>
+                <a:spcPct val="0"/>
+              </a:spcAft>
+              <a:defRPr u="sng" kern="1200">
+                <a:solidFill>
+                  <a:schemeClr val="tx1"/>
+                </a:solidFill>
+                <a:latin typeface="Arial" panose="020B0604020202020204" pitchFamily="34" charset="0"/>
+                <a:ea typeface="+mn-ea"/>
+                <a:cs typeface="+mn-cs"/>
+              </a:defRPr>
+            </a:lvl2pPr>
+            <a:lvl3pPr marL="914400" algn="l" rtl="0" fontAlgn="base">
+              <a:spcBef>
+                <a:spcPct val="0"/>
+              </a:spcBef>
+              <a:spcAft>
+                <a:spcPct val="0"/>
+              </a:spcAft>
+              <a:defRPr u="sng" kern="1200">
+                <a:solidFill>
+                  <a:schemeClr val="tx1"/>
+                </a:solidFill>
+                <a:latin typeface="Arial" panose="020B0604020202020204" pitchFamily="34" charset="0"/>
+                <a:ea typeface="+mn-ea"/>
+                <a:cs typeface="+mn-cs"/>
+              </a:defRPr>
+            </a:lvl3pPr>
+            <a:lvl4pPr marL="1371600" algn="l" rtl="0" fontAlgn="base">
+              <a:spcBef>
+                <a:spcPct val="0"/>
+              </a:spcBef>
+              <a:spcAft>
+                <a:spcPct val="0"/>
+              </a:spcAft>
+              <a:defRPr u="sng" kern="1200">
+                <a:solidFill>
+                  <a:schemeClr val="tx1"/>
+                </a:solidFill>
+                <a:latin typeface="Arial" panose="020B0604020202020204" pitchFamily="34" charset="0"/>
+                <a:ea typeface="+mn-ea"/>
+                <a:cs typeface="+mn-cs"/>
+              </a:defRPr>
+            </a:lvl4pPr>
+            <a:lvl5pPr marL="1828800" algn="l" rtl="0" fontAlgn="base">
+              <a:spcBef>
+                <a:spcPct val="0"/>
+              </a:spcBef>
+              <a:spcAft>
+                <a:spcPct val="0"/>
+              </a:spcAft>
+              <a:defRPr u="sng" kern="1200">
+                <a:solidFill>
+                  <a:schemeClr val="tx1"/>
+                </a:solidFill>
+                <a:latin typeface="Arial" panose="020B0604020202020204" pitchFamily="34" charset="0"/>
+                <a:ea typeface="+mn-ea"/>
+                <a:cs typeface="+mn-cs"/>
+              </a:defRPr>
+            </a:lvl5pPr>
+            <a:lvl6pPr marL="2286000" algn="l" defTabSz="914400" rtl="0" eaLnBrk="1" latinLnBrk="0" hangingPunct="1">
+              <a:defRPr u="sng" kern="1200">
+                <a:solidFill>
+                  <a:schemeClr val="tx1"/>
+                </a:solidFill>
+                <a:latin typeface="Arial" panose="020B0604020202020204" pitchFamily="34" charset="0"/>
+                <a:ea typeface="+mn-ea"/>
+                <a:cs typeface="+mn-cs"/>
+              </a:defRPr>
+            </a:lvl6pPr>
+            <a:lvl7pPr marL="2743200" algn="l" defTabSz="914400" rtl="0" eaLnBrk="1" latinLnBrk="0" hangingPunct="1">
+              <a:defRPr u="sng" kern="1200">
+                <a:solidFill>
+                  <a:schemeClr val="tx1"/>
+                </a:solidFill>
+                <a:latin typeface="Arial" panose="020B0604020202020204" pitchFamily="34" charset="0"/>
+                <a:ea typeface="+mn-ea"/>
+                <a:cs typeface="+mn-cs"/>
+              </a:defRPr>
+            </a:lvl7pPr>
+            <a:lvl8pPr marL="3200400" algn="l" defTabSz="914400" rtl="0" eaLnBrk="1" latinLnBrk="0" hangingPunct="1">
+              <a:defRPr u="sng" kern="1200">
+                <a:solidFill>
+                  <a:schemeClr val="tx1"/>
+                </a:solidFill>
+                <a:latin typeface="Arial" panose="020B0604020202020204" pitchFamily="34" charset="0"/>
+                <a:ea typeface="+mn-ea"/>
+                <a:cs typeface="+mn-cs"/>
+              </a:defRPr>
+            </a:lvl8pPr>
+            <a:lvl9pPr marL="3657600" algn="l" defTabSz="914400" rtl="0" eaLnBrk="1" latinLnBrk="0" hangingPunct="1">
+              <a:defRPr u="sng" kern="1200">
+                <a:solidFill>
+                  <a:schemeClr val="tx1"/>
+                </a:solidFill>
+                <a:latin typeface="Arial" panose="020B0604020202020204" pitchFamily="34" charset="0"/>
+                <a:ea typeface="+mn-ea"/>
+                <a:cs typeface="+mn-cs"/>
+              </a:defRPr>
+            </a:lvl9pPr>
+          </a:lstStyle>
+          <a:p>
+            <a:pPr algn="ctr" fontAlgn="auto">
+              <a:spcBef>
+                <a:spcPts val="0"/>
+              </a:spcBef>
+              <a:spcAft>
+                <a:spcPts val="0"/>
+              </a:spcAft>
+              <a:defRPr/>
+            </a:pPr>
+            <a:r>
+              <a:rPr lang="en-US" sz="1200" u="none" kern="0" dirty="0">
+                <a:solidFill>
+                  <a:sysClr val="windowText" lastClr="000000"/>
+                </a:solidFill>
+                <a:latin typeface="Calibri" pitchFamily="34" charset="0"/>
+              </a:rPr>
+              <a:t>Class</a:t>
+            </a:r>
+            <a:r>
+              <a:rPr lang="en-US" sz="800" u="none" kern="0" dirty="0">
+                <a:solidFill>
+                  <a:sysClr val="windowText" lastClr="000000"/>
+                </a:solidFill>
+                <a:latin typeface="Arial" charset="0"/>
+              </a:rPr>
+              <a:t> </a:t>
+            </a:r>
+            <a:r>
+              <a:rPr lang="en-US" sz="1200" u="none" kern="0" dirty="0">
+                <a:solidFill>
+                  <a:sysClr val="windowText" lastClr="000000"/>
+                </a:solidFill>
+                <a:latin typeface="Calibri" pitchFamily="34" charset="0"/>
+              </a:rPr>
+              <a:t>Instance</a:t>
+            </a:r>
+            <a:endParaRPr lang="it-IT" sz="1200" u="none" kern="0" dirty="0">
+              <a:solidFill>
+                <a:sysClr val="windowText" lastClr="000000"/>
+              </a:solidFill>
+              <a:latin typeface="Calibri" pitchFamily="34" charset="0"/>
+            </a:endParaRPr>
+          </a:p>
+        </p:txBody>
+      </p:sp>
+      <p:sp>
+        <p:nvSpPr>
+          <p:cNvPr id="16" name="AutoShape 1666">
+            <a:extLst>
+              <a:ext uri="{FF2B5EF4-FFF2-40B4-BE49-F238E27FC236}">
+                <a16:creationId xmlns:a16="http://schemas.microsoft.com/office/drawing/2014/main" id="{B46012D6-D31C-4939-A11C-316567C2C618}"/>
+              </a:ext>
+            </a:extLst>
+          </p:cNvPr>
+          <p:cNvSpPr>
+            <a:spLocks noChangeArrowheads="1"/>
+          </p:cNvSpPr>
+          <p:nvPr/>
+        </p:nvSpPr>
+        <p:spPr bwMode="auto">
+          <a:xfrm>
+            <a:off x="5494842" y="4774560"/>
+            <a:ext cx="1662670" cy="418853"/>
+          </a:xfrm>
+          <a:prstGeom prst="hexagon">
+            <a:avLst>
+              <a:gd name="adj" fmla="val 137845"/>
+              <a:gd name="vf" fmla="val 115470"/>
+            </a:avLst>
+          </a:prstGeom>
+          <a:solidFill>
+            <a:srgbClr val="2D2D8A">
+              <a:lumMod val="40000"/>
+              <a:lumOff val="60000"/>
+            </a:srgbClr>
+          </a:solidFill>
+          <a:ln w="28575">
+            <a:solidFill>
+              <a:srgbClr val="000000"/>
+            </a:solidFill>
+            <a:miter lim="800000"/>
+            <a:headEnd/>
+            <a:tailEnd/>
+          </a:ln>
+          <a:effectLst/>
+        </p:spPr>
+        <p:txBody>
+          <a:bodyPr wrap="none" anchor="ctr"/>
+          <a:lstStyle>
+            <a:defPPr>
+              <a:defRPr lang="it-IT"/>
+            </a:defPPr>
+            <a:lvl1pPr algn="l" rtl="0" fontAlgn="base">
+              <a:spcBef>
+                <a:spcPct val="0"/>
+              </a:spcBef>
+              <a:spcAft>
+                <a:spcPct val="0"/>
+              </a:spcAft>
+              <a:defRPr u="sng" kern="1200">
+                <a:solidFill>
+                  <a:schemeClr val="tx1"/>
+                </a:solidFill>
+                <a:latin typeface="Arial" panose="020B0604020202020204" pitchFamily="34" charset="0"/>
+                <a:ea typeface="+mn-ea"/>
+                <a:cs typeface="+mn-cs"/>
+              </a:defRPr>
+            </a:lvl1pPr>
+            <a:lvl2pPr marL="457200" algn="l" rtl="0" fontAlgn="base">
+              <a:spcBef>
+                <a:spcPct val="0"/>
+              </a:spcBef>
+              <a:spcAft>
+                <a:spcPct val="0"/>
+              </a:spcAft>
+              <a:defRPr u="sng" kern="1200">
+                <a:solidFill>
+                  <a:schemeClr val="tx1"/>
+                </a:solidFill>
+                <a:latin typeface="Arial" panose="020B0604020202020204" pitchFamily="34" charset="0"/>
+                <a:ea typeface="+mn-ea"/>
+                <a:cs typeface="+mn-cs"/>
+              </a:defRPr>
+            </a:lvl2pPr>
+            <a:lvl3pPr marL="914400" algn="l" rtl="0" fontAlgn="base">
+              <a:spcBef>
+                <a:spcPct val="0"/>
+              </a:spcBef>
+              <a:spcAft>
+                <a:spcPct val="0"/>
+              </a:spcAft>
+              <a:defRPr u="sng" kern="1200">
+                <a:solidFill>
+                  <a:schemeClr val="tx1"/>
+                </a:solidFill>
+                <a:latin typeface="Arial" panose="020B0604020202020204" pitchFamily="34" charset="0"/>
+                <a:ea typeface="+mn-ea"/>
+                <a:cs typeface="+mn-cs"/>
+              </a:defRPr>
+            </a:lvl3pPr>
+            <a:lvl4pPr marL="1371600" algn="l" rtl="0" fontAlgn="base">
+              <a:spcBef>
+                <a:spcPct val="0"/>
+              </a:spcBef>
+              <a:spcAft>
+                <a:spcPct val="0"/>
+              </a:spcAft>
+              <a:defRPr u="sng" kern="1200">
+                <a:solidFill>
+                  <a:schemeClr val="tx1"/>
+                </a:solidFill>
+                <a:latin typeface="Arial" panose="020B0604020202020204" pitchFamily="34" charset="0"/>
+                <a:ea typeface="+mn-ea"/>
+                <a:cs typeface="+mn-cs"/>
+              </a:defRPr>
+            </a:lvl4pPr>
+            <a:lvl5pPr marL="1828800" algn="l" rtl="0" fontAlgn="base">
+              <a:spcBef>
+                <a:spcPct val="0"/>
+              </a:spcBef>
+              <a:spcAft>
+                <a:spcPct val="0"/>
+              </a:spcAft>
+              <a:defRPr u="sng" kern="1200">
+                <a:solidFill>
+                  <a:schemeClr val="tx1"/>
+                </a:solidFill>
+                <a:latin typeface="Arial" panose="020B0604020202020204" pitchFamily="34" charset="0"/>
+                <a:ea typeface="+mn-ea"/>
+                <a:cs typeface="+mn-cs"/>
+              </a:defRPr>
+            </a:lvl5pPr>
+            <a:lvl6pPr marL="2286000" algn="l" defTabSz="914400" rtl="0" eaLnBrk="1" latinLnBrk="0" hangingPunct="1">
+              <a:defRPr u="sng" kern="1200">
+                <a:solidFill>
+                  <a:schemeClr val="tx1"/>
+                </a:solidFill>
+                <a:latin typeface="Arial" panose="020B0604020202020204" pitchFamily="34" charset="0"/>
+                <a:ea typeface="+mn-ea"/>
+                <a:cs typeface="+mn-cs"/>
+              </a:defRPr>
+            </a:lvl6pPr>
+            <a:lvl7pPr marL="2743200" algn="l" defTabSz="914400" rtl="0" eaLnBrk="1" latinLnBrk="0" hangingPunct="1">
+              <a:defRPr u="sng" kern="1200">
+                <a:solidFill>
+                  <a:schemeClr val="tx1"/>
+                </a:solidFill>
+                <a:latin typeface="Arial" panose="020B0604020202020204" pitchFamily="34" charset="0"/>
+                <a:ea typeface="+mn-ea"/>
+                <a:cs typeface="+mn-cs"/>
+              </a:defRPr>
+            </a:lvl7pPr>
+            <a:lvl8pPr marL="3200400" algn="l" defTabSz="914400" rtl="0" eaLnBrk="1" latinLnBrk="0" hangingPunct="1">
+              <a:defRPr u="sng" kern="1200">
+                <a:solidFill>
+                  <a:schemeClr val="tx1"/>
+                </a:solidFill>
+                <a:latin typeface="Arial" panose="020B0604020202020204" pitchFamily="34" charset="0"/>
+                <a:ea typeface="+mn-ea"/>
+                <a:cs typeface="+mn-cs"/>
+              </a:defRPr>
+            </a:lvl8pPr>
+            <a:lvl9pPr marL="3657600" algn="l" defTabSz="914400" rtl="0" eaLnBrk="1" latinLnBrk="0" hangingPunct="1">
+              <a:defRPr u="sng" kern="1200">
+                <a:solidFill>
+                  <a:schemeClr val="tx1"/>
+                </a:solidFill>
+                <a:latin typeface="Arial" panose="020B0604020202020204" pitchFamily="34" charset="0"/>
+                <a:ea typeface="+mn-ea"/>
+                <a:cs typeface="+mn-cs"/>
+              </a:defRPr>
+            </a:lvl9pPr>
+          </a:lstStyle>
+          <a:p>
+            <a:pPr algn="ctr" fontAlgn="auto">
+              <a:spcBef>
+                <a:spcPts val="0"/>
+              </a:spcBef>
+              <a:spcAft>
+                <a:spcPts val="0"/>
+              </a:spcAft>
+              <a:defRPr/>
+            </a:pPr>
+            <a:r>
+              <a:rPr lang="en-US" sz="1200" u="none" kern="0" dirty="0">
+                <a:solidFill>
+                  <a:sysClr val="windowText" lastClr="000000"/>
+                </a:solidFill>
+                <a:latin typeface="Calibri" pitchFamily="34" charset="0"/>
+              </a:rPr>
+              <a:t>Literal</a:t>
+            </a:r>
+            <a:endParaRPr lang="it-IT" sz="1200" u="none" kern="0" dirty="0">
+              <a:solidFill>
+                <a:sysClr val="windowText" lastClr="000000"/>
+              </a:solidFill>
+              <a:latin typeface="Calibri" pitchFamily="34" charset="0"/>
+            </a:endParaRPr>
+          </a:p>
+        </p:txBody>
+      </p:sp>
+      <p:sp>
+        <p:nvSpPr>
+          <p:cNvPr id="17" name="Text Box 1665">
+            <a:extLst>
+              <a:ext uri="{FF2B5EF4-FFF2-40B4-BE49-F238E27FC236}">
+                <a16:creationId xmlns:a16="http://schemas.microsoft.com/office/drawing/2014/main" id="{2B225A69-4345-40BB-8F65-97D273C799B4}"/>
+              </a:ext>
+            </a:extLst>
+          </p:cNvPr>
+          <p:cNvSpPr txBox="1">
+            <a:spLocks noChangeArrowheads="1"/>
+          </p:cNvSpPr>
+          <p:nvPr/>
+        </p:nvSpPr>
+        <p:spPr bwMode="auto">
+          <a:xfrm>
+            <a:off x="5714850" y="3842354"/>
+            <a:ext cx="760034" cy="461665"/>
+          </a:xfrm>
+          <a:prstGeom prst="rect">
+            <a:avLst/>
+          </a:prstGeom>
+          <a:noFill/>
+          <a:ln w="9525">
+            <a:solidFill>
+              <a:schemeClr val="accent1">
+                <a:lumMod val="75000"/>
+              </a:schemeClr>
+            </a:solidFill>
+            <a:prstDash val="lgDash"/>
+            <a:miter lim="800000"/>
+            <a:headEnd/>
+            <a:tailEnd/>
+          </a:ln>
+        </p:spPr>
+        <p:txBody>
+          <a:bodyPr wrap="square">
+            <a:spAutoFit/>
+          </a:bodyPr>
+          <a:lstStyle>
+            <a:defPPr>
+              <a:defRPr lang="it-IT"/>
+            </a:defPPr>
+            <a:lvl1pPr algn="l" rtl="0" fontAlgn="base">
+              <a:spcBef>
+                <a:spcPct val="0"/>
+              </a:spcBef>
+              <a:spcAft>
+                <a:spcPct val="0"/>
+              </a:spcAft>
+              <a:defRPr u="sng" kern="1200">
+                <a:solidFill>
+                  <a:schemeClr val="tx1"/>
+                </a:solidFill>
+                <a:latin typeface="Arial" panose="020B0604020202020204" pitchFamily="34" charset="0"/>
+                <a:ea typeface="+mn-ea"/>
+                <a:cs typeface="+mn-cs"/>
+              </a:defRPr>
+            </a:lvl1pPr>
+            <a:lvl2pPr marL="457200" algn="l" rtl="0" fontAlgn="base">
+              <a:spcBef>
+                <a:spcPct val="0"/>
+              </a:spcBef>
+              <a:spcAft>
+                <a:spcPct val="0"/>
+              </a:spcAft>
+              <a:defRPr u="sng" kern="1200">
+                <a:solidFill>
+                  <a:schemeClr val="tx1"/>
+                </a:solidFill>
+                <a:latin typeface="Arial" panose="020B0604020202020204" pitchFamily="34" charset="0"/>
+                <a:ea typeface="+mn-ea"/>
+                <a:cs typeface="+mn-cs"/>
+              </a:defRPr>
+            </a:lvl2pPr>
+            <a:lvl3pPr marL="914400" algn="l" rtl="0" fontAlgn="base">
+              <a:spcBef>
+                <a:spcPct val="0"/>
+              </a:spcBef>
+              <a:spcAft>
+                <a:spcPct val="0"/>
+              </a:spcAft>
+              <a:defRPr u="sng" kern="1200">
+                <a:solidFill>
+                  <a:schemeClr val="tx1"/>
+                </a:solidFill>
+                <a:latin typeface="Arial" panose="020B0604020202020204" pitchFamily="34" charset="0"/>
+                <a:ea typeface="+mn-ea"/>
+                <a:cs typeface="+mn-cs"/>
+              </a:defRPr>
+            </a:lvl3pPr>
+            <a:lvl4pPr marL="1371600" algn="l" rtl="0" fontAlgn="base">
+              <a:spcBef>
+                <a:spcPct val="0"/>
+              </a:spcBef>
+              <a:spcAft>
+                <a:spcPct val="0"/>
+              </a:spcAft>
+              <a:defRPr u="sng" kern="1200">
+                <a:solidFill>
+                  <a:schemeClr val="tx1"/>
+                </a:solidFill>
+                <a:latin typeface="Arial" panose="020B0604020202020204" pitchFamily="34" charset="0"/>
+                <a:ea typeface="+mn-ea"/>
+                <a:cs typeface="+mn-cs"/>
+              </a:defRPr>
+            </a:lvl4pPr>
+            <a:lvl5pPr marL="1828800" algn="l" rtl="0" fontAlgn="base">
+              <a:spcBef>
+                <a:spcPct val="0"/>
+              </a:spcBef>
+              <a:spcAft>
+                <a:spcPct val="0"/>
+              </a:spcAft>
+              <a:defRPr u="sng" kern="1200">
+                <a:solidFill>
+                  <a:schemeClr val="tx1"/>
+                </a:solidFill>
+                <a:latin typeface="Arial" panose="020B0604020202020204" pitchFamily="34" charset="0"/>
+                <a:ea typeface="+mn-ea"/>
+                <a:cs typeface="+mn-cs"/>
+              </a:defRPr>
+            </a:lvl5pPr>
+            <a:lvl6pPr marL="2286000" algn="l" defTabSz="914400" rtl="0" eaLnBrk="1" latinLnBrk="0" hangingPunct="1">
+              <a:defRPr u="sng" kern="1200">
+                <a:solidFill>
+                  <a:schemeClr val="tx1"/>
+                </a:solidFill>
+                <a:latin typeface="Arial" panose="020B0604020202020204" pitchFamily="34" charset="0"/>
+                <a:ea typeface="+mn-ea"/>
+                <a:cs typeface="+mn-cs"/>
+              </a:defRPr>
+            </a:lvl6pPr>
+            <a:lvl7pPr marL="2743200" algn="l" defTabSz="914400" rtl="0" eaLnBrk="1" latinLnBrk="0" hangingPunct="1">
+              <a:defRPr u="sng" kern="1200">
+                <a:solidFill>
+                  <a:schemeClr val="tx1"/>
+                </a:solidFill>
+                <a:latin typeface="Arial" panose="020B0604020202020204" pitchFamily="34" charset="0"/>
+                <a:ea typeface="+mn-ea"/>
+                <a:cs typeface="+mn-cs"/>
+              </a:defRPr>
+            </a:lvl7pPr>
+            <a:lvl8pPr marL="3200400" algn="l" defTabSz="914400" rtl="0" eaLnBrk="1" latinLnBrk="0" hangingPunct="1">
+              <a:defRPr u="sng" kern="1200">
+                <a:solidFill>
+                  <a:schemeClr val="tx1"/>
+                </a:solidFill>
+                <a:latin typeface="Arial" panose="020B0604020202020204" pitchFamily="34" charset="0"/>
+                <a:ea typeface="+mn-ea"/>
+                <a:cs typeface="+mn-cs"/>
+              </a:defRPr>
+            </a:lvl8pPr>
+            <a:lvl9pPr marL="3657600" algn="l" defTabSz="914400" rtl="0" eaLnBrk="1" latinLnBrk="0" hangingPunct="1">
+              <a:defRPr u="sng" kern="1200">
+                <a:solidFill>
+                  <a:schemeClr val="tx1"/>
+                </a:solidFill>
+                <a:latin typeface="Arial" panose="020B0604020202020204" pitchFamily="34" charset="0"/>
+                <a:ea typeface="+mn-ea"/>
+                <a:cs typeface="+mn-cs"/>
+              </a:defRPr>
+            </a:lvl9pPr>
+          </a:lstStyle>
+          <a:p>
+            <a:pPr algn="ctr" fontAlgn="auto">
+              <a:spcBef>
+                <a:spcPts val="0"/>
+              </a:spcBef>
+              <a:spcAft>
+                <a:spcPts val="0"/>
+              </a:spcAft>
+              <a:defRPr/>
+            </a:pPr>
+            <a:r>
+              <a:rPr lang="en-US" sz="1200" u="none" kern="0" dirty="0">
+                <a:solidFill>
+                  <a:sysClr val="windowText" lastClr="000000"/>
+                </a:solidFill>
+                <a:latin typeface="Calibri" pitchFamily="34" charset="0"/>
+              </a:rPr>
+              <a:t>Datatype property</a:t>
+            </a:r>
+            <a:endParaRPr lang="it-IT" sz="1200" u="none" kern="0" dirty="0">
+              <a:solidFill>
+                <a:sysClr val="windowText" lastClr="000000"/>
+              </a:solidFill>
+              <a:latin typeface="Calibri" pitchFamily="34" charset="0"/>
+            </a:endParaRPr>
+          </a:p>
+        </p:txBody>
+      </p:sp>
+      <p:sp>
+        <p:nvSpPr>
+          <p:cNvPr id="18" name="Line 1667">
+            <a:extLst>
+              <a:ext uri="{FF2B5EF4-FFF2-40B4-BE49-F238E27FC236}">
+                <a16:creationId xmlns:a16="http://schemas.microsoft.com/office/drawing/2014/main" id="{ED1497FE-F758-4080-A3A8-DA49FB669DAB}"/>
+              </a:ext>
+            </a:extLst>
+          </p:cNvPr>
+          <p:cNvSpPr>
+            <a:spLocks noChangeShapeType="1"/>
+          </p:cNvSpPr>
+          <p:nvPr/>
+        </p:nvSpPr>
+        <p:spPr bwMode="auto">
+          <a:xfrm>
+            <a:off x="6474883" y="4093889"/>
+            <a:ext cx="605127" cy="8005"/>
+          </a:xfrm>
+          <a:prstGeom prst="line">
+            <a:avLst/>
+          </a:prstGeom>
+          <a:noFill/>
+          <a:ln w="12700">
+            <a:solidFill>
+              <a:schemeClr val="accent1">
+                <a:lumMod val="75000"/>
+              </a:schemeClr>
+            </a:solidFill>
+            <a:prstDash val="dash"/>
+            <a:round/>
+            <a:headEnd/>
+            <a:tailEnd type="triangle" w="med" len="med"/>
+          </a:ln>
+        </p:spPr>
+        <p:txBody>
+          <a:bodyPr/>
+          <a:lstStyle>
+            <a:defPPr>
+              <a:defRPr lang="it-IT"/>
+            </a:defPPr>
+            <a:lvl1pPr algn="l" rtl="0" fontAlgn="base">
+              <a:spcBef>
+                <a:spcPct val="0"/>
+              </a:spcBef>
+              <a:spcAft>
+                <a:spcPct val="0"/>
+              </a:spcAft>
+              <a:defRPr u="sng" kern="1200">
+                <a:solidFill>
+                  <a:schemeClr val="tx1"/>
+                </a:solidFill>
+                <a:latin typeface="Arial" panose="020B0604020202020204" pitchFamily="34" charset="0"/>
+                <a:ea typeface="+mn-ea"/>
+                <a:cs typeface="+mn-cs"/>
+              </a:defRPr>
+            </a:lvl1pPr>
+            <a:lvl2pPr marL="457200" algn="l" rtl="0" fontAlgn="base">
+              <a:spcBef>
+                <a:spcPct val="0"/>
+              </a:spcBef>
+              <a:spcAft>
+                <a:spcPct val="0"/>
+              </a:spcAft>
+              <a:defRPr u="sng" kern="1200">
+                <a:solidFill>
+                  <a:schemeClr val="tx1"/>
+                </a:solidFill>
+                <a:latin typeface="Arial" panose="020B0604020202020204" pitchFamily="34" charset="0"/>
+                <a:ea typeface="+mn-ea"/>
+                <a:cs typeface="+mn-cs"/>
+              </a:defRPr>
+            </a:lvl2pPr>
+            <a:lvl3pPr marL="914400" algn="l" rtl="0" fontAlgn="base">
+              <a:spcBef>
+                <a:spcPct val="0"/>
+              </a:spcBef>
+              <a:spcAft>
+                <a:spcPct val="0"/>
+              </a:spcAft>
+              <a:defRPr u="sng" kern="1200">
+                <a:solidFill>
+                  <a:schemeClr val="tx1"/>
+                </a:solidFill>
+                <a:latin typeface="Arial" panose="020B0604020202020204" pitchFamily="34" charset="0"/>
+                <a:ea typeface="+mn-ea"/>
+                <a:cs typeface="+mn-cs"/>
+              </a:defRPr>
+            </a:lvl3pPr>
+            <a:lvl4pPr marL="1371600" algn="l" rtl="0" fontAlgn="base">
+              <a:spcBef>
+                <a:spcPct val="0"/>
+              </a:spcBef>
+              <a:spcAft>
+                <a:spcPct val="0"/>
+              </a:spcAft>
+              <a:defRPr u="sng" kern="1200">
+                <a:solidFill>
+                  <a:schemeClr val="tx1"/>
+                </a:solidFill>
+                <a:latin typeface="Arial" panose="020B0604020202020204" pitchFamily="34" charset="0"/>
+                <a:ea typeface="+mn-ea"/>
+                <a:cs typeface="+mn-cs"/>
+              </a:defRPr>
+            </a:lvl4pPr>
+            <a:lvl5pPr marL="1828800" algn="l" rtl="0" fontAlgn="base">
+              <a:spcBef>
+                <a:spcPct val="0"/>
+              </a:spcBef>
+              <a:spcAft>
+                <a:spcPct val="0"/>
+              </a:spcAft>
+              <a:defRPr u="sng" kern="1200">
+                <a:solidFill>
+                  <a:schemeClr val="tx1"/>
+                </a:solidFill>
+                <a:latin typeface="Arial" panose="020B0604020202020204" pitchFamily="34" charset="0"/>
+                <a:ea typeface="+mn-ea"/>
+                <a:cs typeface="+mn-cs"/>
+              </a:defRPr>
+            </a:lvl5pPr>
+            <a:lvl6pPr marL="2286000" algn="l" defTabSz="914400" rtl="0" eaLnBrk="1" latinLnBrk="0" hangingPunct="1">
+              <a:defRPr u="sng" kern="1200">
+                <a:solidFill>
+                  <a:schemeClr val="tx1"/>
+                </a:solidFill>
+                <a:latin typeface="Arial" panose="020B0604020202020204" pitchFamily="34" charset="0"/>
+                <a:ea typeface="+mn-ea"/>
+                <a:cs typeface="+mn-cs"/>
+              </a:defRPr>
+            </a:lvl6pPr>
+            <a:lvl7pPr marL="2743200" algn="l" defTabSz="914400" rtl="0" eaLnBrk="1" latinLnBrk="0" hangingPunct="1">
+              <a:defRPr u="sng" kern="1200">
+                <a:solidFill>
+                  <a:schemeClr val="tx1"/>
+                </a:solidFill>
+                <a:latin typeface="Arial" panose="020B0604020202020204" pitchFamily="34" charset="0"/>
+                <a:ea typeface="+mn-ea"/>
+                <a:cs typeface="+mn-cs"/>
+              </a:defRPr>
+            </a:lvl7pPr>
+            <a:lvl8pPr marL="3200400" algn="l" defTabSz="914400" rtl="0" eaLnBrk="1" latinLnBrk="0" hangingPunct="1">
+              <a:defRPr u="sng" kern="1200">
+                <a:solidFill>
+                  <a:schemeClr val="tx1"/>
+                </a:solidFill>
+                <a:latin typeface="Arial" panose="020B0604020202020204" pitchFamily="34" charset="0"/>
+                <a:ea typeface="+mn-ea"/>
+                <a:cs typeface="+mn-cs"/>
+              </a:defRPr>
+            </a:lvl8pPr>
+            <a:lvl9pPr marL="3657600" algn="l" defTabSz="914400" rtl="0" eaLnBrk="1" latinLnBrk="0" hangingPunct="1">
+              <a:defRPr u="sng" kern="1200">
+                <a:solidFill>
+                  <a:schemeClr val="tx1"/>
+                </a:solidFill>
+                <a:latin typeface="Arial" panose="020B0604020202020204" pitchFamily="34" charset="0"/>
+                <a:ea typeface="+mn-ea"/>
+                <a:cs typeface="+mn-cs"/>
+              </a:defRPr>
+            </a:lvl9pPr>
+          </a:lstStyle>
+          <a:p>
+            <a:pPr fontAlgn="auto">
+              <a:spcBef>
+                <a:spcPts val="0"/>
+              </a:spcBef>
+              <a:spcAft>
+                <a:spcPts val="0"/>
+              </a:spcAft>
+              <a:defRPr/>
+            </a:pPr>
+            <a:endParaRPr lang="it-IT" u="none" kern="0">
+              <a:solidFill>
+                <a:sysClr val="windowText" lastClr="000000"/>
+              </a:solidFill>
+              <a:latin typeface="Arial" charset="0"/>
+            </a:endParaRPr>
+          </a:p>
+        </p:txBody>
+      </p:sp>
+      <p:sp>
+        <p:nvSpPr>
+          <p:cNvPr id="19" name="Text Box 1665">
+            <a:extLst>
+              <a:ext uri="{FF2B5EF4-FFF2-40B4-BE49-F238E27FC236}">
+                <a16:creationId xmlns:a16="http://schemas.microsoft.com/office/drawing/2014/main" id="{E3165086-2A1D-4D57-9921-D1964E89C73F}"/>
+              </a:ext>
+            </a:extLst>
+          </p:cNvPr>
+          <p:cNvSpPr txBox="1">
+            <a:spLocks noChangeArrowheads="1"/>
+          </p:cNvSpPr>
+          <p:nvPr/>
+        </p:nvSpPr>
+        <p:spPr bwMode="auto">
+          <a:xfrm>
+            <a:off x="5714850" y="3303777"/>
+            <a:ext cx="734846" cy="461665"/>
+          </a:xfrm>
+          <a:prstGeom prst="rect">
+            <a:avLst/>
+          </a:prstGeom>
+          <a:noFill/>
+          <a:ln w="9525">
+            <a:solidFill>
+              <a:srgbClr val="00B050"/>
+            </a:solidFill>
+            <a:prstDash val="lgDash"/>
+            <a:miter lim="800000"/>
+            <a:headEnd/>
+            <a:tailEnd/>
+          </a:ln>
+        </p:spPr>
+        <p:txBody>
+          <a:bodyPr wrap="square">
+            <a:spAutoFit/>
+          </a:bodyPr>
+          <a:lstStyle>
+            <a:defPPr>
+              <a:defRPr lang="it-IT"/>
+            </a:defPPr>
+            <a:lvl1pPr algn="l" rtl="0" fontAlgn="base">
+              <a:spcBef>
+                <a:spcPct val="0"/>
+              </a:spcBef>
+              <a:spcAft>
+                <a:spcPct val="0"/>
+              </a:spcAft>
+              <a:defRPr u="sng" kern="1200">
+                <a:solidFill>
+                  <a:schemeClr val="tx1"/>
+                </a:solidFill>
+                <a:latin typeface="Arial" panose="020B0604020202020204" pitchFamily="34" charset="0"/>
+                <a:ea typeface="+mn-ea"/>
+                <a:cs typeface="+mn-cs"/>
+              </a:defRPr>
+            </a:lvl1pPr>
+            <a:lvl2pPr marL="457200" algn="l" rtl="0" fontAlgn="base">
+              <a:spcBef>
+                <a:spcPct val="0"/>
+              </a:spcBef>
+              <a:spcAft>
+                <a:spcPct val="0"/>
+              </a:spcAft>
+              <a:defRPr u="sng" kern="1200">
+                <a:solidFill>
+                  <a:schemeClr val="tx1"/>
+                </a:solidFill>
+                <a:latin typeface="Arial" panose="020B0604020202020204" pitchFamily="34" charset="0"/>
+                <a:ea typeface="+mn-ea"/>
+                <a:cs typeface="+mn-cs"/>
+              </a:defRPr>
+            </a:lvl2pPr>
+            <a:lvl3pPr marL="914400" algn="l" rtl="0" fontAlgn="base">
+              <a:spcBef>
+                <a:spcPct val="0"/>
+              </a:spcBef>
+              <a:spcAft>
+                <a:spcPct val="0"/>
+              </a:spcAft>
+              <a:defRPr u="sng" kern="1200">
+                <a:solidFill>
+                  <a:schemeClr val="tx1"/>
+                </a:solidFill>
+                <a:latin typeface="Arial" panose="020B0604020202020204" pitchFamily="34" charset="0"/>
+                <a:ea typeface="+mn-ea"/>
+                <a:cs typeface="+mn-cs"/>
+              </a:defRPr>
+            </a:lvl3pPr>
+            <a:lvl4pPr marL="1371600" algn="l" rtl="0" fontAlgn="base">
+              <a:spcBef>
+                <a:spcPct val="0"/>
+              </a:spcBef>
+              <a:spcAft>
+                <a:spcPct val="0"/>
+              </a:spcAft>
+              <a:defRPr u="sng" kern="1200">
+                <a:solidFill>
+                  <a:schemeClr val="tx1"/>
+                </a:solidFill>
+                <a:latin typeface="Arial" panose="020B0604020202020204" pitchFamily="34" charset="0"/>
+                <a:ea typeface="+mn-ea"/>
+                <a:cs typeface="+mn-cs"/>
+              </a:defRPr>
+            </a:lvl4pPr>
+            <a:lvl5pPr marL="1828800" algn="l" rtl="0" fontAlgn="base">
+              <a:spcBef>
+                <a:spcPct val="0"/>
+              </a:spcBef>
+              <a:spcAft>
+                <a:spcPct val="0"/>
+              </a:spcAft>
+              <a:defRPr u="sng" kern="1200">
+                <a:solidFill>
+                  <a:schemeClr val="tx1"/>
+                </a:solidFill>
+                <a:latin typeface="Arial" panose="020B0604020202020204" pitchFamily="34" charset="0"/>
+                <a:ea typeface="+mn-ea"/>
+                <a:cs typeface="+mn-cs"/>
+              </a:defRPr>
+            </a:lvl5pPr>
+            <a:lvl6pPr marL="2286000" algn="l" defTabSz="914400" rtl="0" eaLnBrk="1" latinLnBrk="0" hangingPunct="1">
+              <a:defRPr u="sng" kern="1200">
+                <a:solidFill>
+                  <a:schemeClr val="tx1"/>
+                </a:solidFill>
+                <a:latin typeface="Arial" panose="020B0604020202020204" pitchFamily="34" charset="0"/>
+                <a:ea typeface="+mn-ea"/>
+                <a:cs typeface="+mn-cs"/>
+              </a:defRPr>
+            </a:lvl6pPr>
+            <a:lvl7pPr marL="2743200" algn="l" defTabSz="914400" rtl="0" eaLnBrk="1" latinLnBrk="0" hangingPunct="1">
+              <a:defRPr u="sng" kern="1200">
+                <a:solidFill>
+                  <a:schemeClr val="tx1"/>
+                </a:solidFill>
+                <a:latin typeface="Arial" panose="020B0604020202020204" pitchFamily="34" charset="0"/>
+                <a:ea typeface="+mn-ea"/>
+                <a:cs typeface="+mn-cs"/>
+              </a:defRPr>
+            </a:lvl7pPr>
+            <a:lvl8pPr marL="3200400" algn="l" defTabSz="914400" rtl="0" eaLnBrk="1" latinLnBrk="0" hangingPunct="1">
+              <a:defRPr u="sng" kern="1200">
+                <a:solidFill>
+                  <a:schemeClr val="tx1"/>
+                </a:solidFill>
+                <a:latin typeface="Arial" panose="020B0604020202020204" pitchFamily="34" charset="0"/>
+                <a:ea typeface="+mn-ea"/>
+                <a:cs typeface="+mn-cs"/>
+              </a:defRPr>
+            </a:lvl8pPr>
+            <a:lvl9pPr marL="3657600" algn="l" defTabSz="914400" rtl="0" eaLnBrk="1" latinLnBrk="0" hangingPunct="1">
+              <a:defRPr u="sng" kern="1200">
+                <a:solidFill>
+                  <a:schemeClr val="tx1"/>
+                </a:solidFill>
+                <a:latin typeface="Arial" panose="020B0604020202020204" pitchFamily="34" charset="0"/>
+                <a:ea typeface="+mn-ea"/>
+                <a:cs typeface="+mn-cs"/>
+              </a:defRPr>
+            </a:lvl9pPr>
+          </a:lstStyle>
+          <a:p>
+            <a:pPr algn="ctr" fontAlgn="auto">
+              <a:spcBef>
+                <a:spcPts val="0"/>
+              </a:spcBef>
+              <a:spcAft>
+                <a:spcPts val="0"/>
+              </a:spcAft>
+              <a:defRPr/>
+            </a:pPr>
+            <a:r>
+              <a:rPr lang="en-US" sz="1200" u="none" kern="0" dirty="0">
+                <a:solidFill>
+                  <a:sysClr val="windowText" lastClr="000000"/>
+                </a:solidFill>
+                <a:latin typeface="Calibri" pitchFamily="34" charset="0"/>
+              </a:rPr>
+              <a:t>Object</a:t>
+            </a:r>
+          </a:p>
+          <a:p>
+            <a:pPr algn="ctr" fontAlgn="auto">
+              <a:spcBef>
+                <a:spcPts val="0"/>
+              </a:spcBef>
+              <a:spcAft>
+                <a:spcPts val="0"/>
+              </a:spcAft>
+              <a:defRPr/>
+            </a:pPr>
+            <a:r>
+              <a:rPr lang="en-US" sz="1200" u="none" kern="0" dirty="0">
+                <a:solidFill>
+                  <a:sysClr val="windowText" lastClr="000000"/>
+                </a:solidFill>
+                <a:latin typeface="Calibri" pitchFamily="34" charset="0"/>
+              </a:rPr>
+              <a:t>property</a:t>
+            </a:r>
+            <a:endParaRPr lang="it-IT" sz="1200" u="none" kern="0" dirty="0">
+              <a:solidFill>
+                <a:sysClr val="windowText" lastClr="000000"/>
+              </a:solidFill>
+              <a:latin typeface="Calibri" pitchFamily="34" charset="0"/>
+            </a:endParaRPr>
+          </a:p>
+        </p:txBody>
+      </p:sp>
+      <p:sp>
+        <p:nvSpPr>
+          <p:cNvPr id="20" name="Line 1667">
+            <a:extLst>
+              <a:ext uri="{FF2B5EF4-FFF2-40B4-BE49-F238E27FC236}">
+                <a16:creationId xmlns:a16="http://schemas.microsoft.com/office/drawing/2014/main" id="{4DD5DA95-A11F-44A7-AB39-602E0A22BC01}"/>
+              </a:ext>
+            </a:extLst>
+          </p:cNvPr>
+          <p:cNvSpPr>
+            <a:spLocks noChangeShapeType="1"/>
+          </p:cNvSpPr>
+          <p:nvPr/>
+        </p:nvSpPr>
+        <p:spPr bwMode="auto">
+          <a:xfrm>
+            <a:off x="6449696" y="3483094"/>
+            <a:ext cx="605630" cy="7891"/>
+          </a:xfrm>
+          <a:prstGeom prst="line">
+            <a:avLst/>
+          </a:prstGeom>
+          <a:noFill/>
+          <a:ln w="12700">
+            <a:solidFill>
+              <a:srgbClr val="00B050"/>
+            </a:solidFill>
+            <a:prstDash val="dash"/>
+            <a:round/>
+            <a:headEnd/>
+            <a:tailEnd type="triangle" w="med" len="med"/>
+          </a:ln>
+        </p:spPr>
+        <p:txBody>
+          <a:bodyPr/>
+          <a:lstStyle>
+            <a:defPPr>
+              <a:defRPr lang="it-IT"/>
+            </a:defPPr>
+            <a:lvl1pPr algn="l" rtl="0" fontAlgn="base">
+              <a:spcBef>
+                <a:spcPct val="0"/>
+              </a:spcBef>
+              <a:spcAft>
+                <a:spcPct val="0"/>
+              </a:spcAft>
+              <a:defRPr u="sng" kern="1200">
+                <a:solidFill>
+                  <a:schemeClr val="tx1"/>
+                </a:solidFill>
+                <a:latin typeface="Arial" panose="020B0604020202020204" pitchFamily="34" charset="0"/>
+                <a:ea typeface="+mn-ea"/>
+                <a:cs typeface="+mn-cs"/>
+              </a:defRPr>
+            </a:lvl1pPr>
+            <a:lvl2pPr marL="457200" algn="l" rtl="0" fontAlgn="base">
+              <a:spcBef>
+                <a:spcPct val="0"/>
+              </a:spcBef>
+              <a:spcAft>
+                <a:spcPct val="0"/>
+              </a:spcAft>
+              <a:defRPr u="sng" kern="1200">
+                <a:solidFill>
+                  <a:schemeClr val="tx1"/>
+                </a:solidFill>
+                <a:latin typeface="Arial" panose="020B0604020202020204" pitchFamily="34" charset="0"/>
+                <a:ea typeface="+mn-ea"/>
+                <a:cs typeface="+mn-cs"/>
+              </a:defRPr>
+            </a:lvl2pPr>
+            <a:lvl3pPr marL="914400" algn="l" rtl="0" fontAlgn="base">
+              <a:spcBef>
+                <a:spcPct val="0"/>
+              </a:spcBef>
+              <a:spcAft>
+                <a:spcPct val="0"/>
+              </a:spcAft>
+              <a:defRPr u="sng" kern="1200">
+                <a:solidFill>
+                  <a:schemeClr val="tx1"/>
+                </a:solidFill>
+                <a:latin typeface="Arial" panose="020B0604020202020204" pitchFamily="34" charset="0"/>
+                <a:ea typeface="+mn-ea"/>
+                <a:cs typeface="+mn-cs"/>
+              </a:defRPr>
+            </a:lvl3pPr>
+            <a:lvl4pPr marL="1371600" algn="l" rtl="0" fontAlgn="base">
+              <a:spcBef>
+                <a:spcPct val="0"/>
+              </a:spcBef>
+              <a:spcAft>
+                <a:spcPct val="0"/>
+              </a:spcAft>
+              <a:defRPr u="sng" kern="1200">
+                <a:solidFill>
+                  <a:schemeClr val="tx1"/>
+                </a:solidFill>
+                <a:latin typeface="Arial" panose="020B0604020202020204" pitchFamily="34" charset="0"/>
+                <a:ea typeface="+mn-ea"/>
+                <a:cs typeface="+mn-cs"/>
+              </a:defRPr>
+            </a:lvl4pPr>
+            <a:lvl5pPr marL="1828800" algn="l" rtl="0" fontAlgn="base">
+              <a:spcBef>
+                <a:spcPct val="0"/>
+              </a:spcBef>
+              <a:spcAft>
+                <a:spcPct val="0"/>
+              </a:spcAft>
+              <a:defRPr u="sng" kern="1200">
+                <a:solidFill>
+                  <a:schemeClr val="tx1"/>
+                </a:solidFill>
+                <a:latin typeface="Arial" panose="020B0604020202020204" pitchFamily="34" charset="0"/>
+                <a:ea typeface="+mn-ea"/>
+                <a:cs typeface="+mn-cs"/>
+              </a:defRPr>
+            </a:lvl5pPr>
+            <a:lvl6pPr marL="2286000" algn="l" defTabSz="914400" rtl="0" eaLnBrk="1" latinLnBrk="0" hangingPunct="1">
+              <a:defRPr u="sng" kern="1200">
+                <a:solidFill>
+                  <a:schemeClr val="tx1"/>
+                </a:solidFill>
+                <a:latin typeface="Arial" panose="020B0604020202020204" pitchFamily="34" charset="0"/>
+                <a:ea typeface="+mn-ea"/>
+                <a:cs typeface="+mn-cs"/>
+              </a:defRPr>
+            </a:lvl6pPr>
+            <a:lvl7pPr marL="2743200" algn="l" defTabSz="914400" rtl="0" eaLnBrk="1" latinLnBrk="0" hangingPunct="1">
+              <a:defRPr u="sng" kern="1200">
+                <a:solidFill>
+                  <a:schemeClr val="tx1"/>
+                </a:solidFill>
+                <a:latin typeface="Arial" panose="020B0604020202020204" pitchFamily="34" charset="0"/>
+                <a:ea typeface="+mn-ea"/>
+                <a:cs typeface="+mn-cs"/>
+              </a:defRPr>
+            </a:lvl7pPr>
+            <a:lvl8pPr marL="3200400" algn="l" defTabSz="914400" rtl="0" eaLnBrk="1" latinLnBrk="0" hangingPunct="1">
+              <a:defRPr u="sng" kern="1200">
+                <a:solidFill>
+                  <a:schemeClr val="tx1"/>
+                </a:solidFill>
+                <a:latin typeface="Arial" panose="020B0604020202020204" pitchFamily="34" charset="0"/>
+                <a:ea typeface="+mn-ea"/>
+                <a:cs typeface="+mn-cs"/>
+              </a:defRPr>
+            </a:lvl8pPr>
+            <a:lvl9pPr marL="3657600" algn="l" defTabSz="914400" rtl="0" eaLnBrk="1" latinLnBrk="0" hangingPunct="1">
+              <a:defRPr u="sng" kern="1200">
+                <a:solidFill>
+                  <a:schemeClr val="tx1"/>
+                </a:solidFill>
+                <a:latin typeface="Arial" panose="020B0604020202020204" pitchFamily="34" charset="0"/>
+                <a:ea typeface="+mn-ea"/>
+                <a:cs typeface="+mn-cs"/>
+              </a:defRPr>
+            </a:lvl9pPr>
+          </a:lstStyle>
+          <a:p>
+            <a:pPr fontAlgn="auto">
+              <a:spcBef>
+                <a:spcPts val="0"/>
+              </a:spcBef>
+              <a:spcAft>
+                <a:spcPts val="0"/>
+              </a:spcAft>
+              <a:defRPr/>
+            </a:pPr>
+            <a:endParaRPr lang="it-IT" u="none" kern="0">
+              <a:solidFill>
+                <a:sysClr val="windowText" lastClr="000000"/>
+              </a:solidFill>
+              <a:latin typeface="Arial" charset="0"/>
+            </a:endParaRPr>
+          </a:p>
+        </p:txBody>
+      </p:sp>
+      <p:sp>
+        <p:nvSpPr>
+          <p:cNvPr id="21" name="Rettangolo arrotondato 5">
+            <a:extLst>
+              <a:ext uri="{FF2B5EF4-FFF2-40B4-BE49-F238E27FC236}">
+                <a16:creationId xmlns:a16="http://schemas.microsoft.com/office/drawing/2014/main" id="{F2CDA030-44BE-4C45-8304-B7114913B01D}"/>
+              </a:ext>
+            </a:extLst>
+          </p:cNvPr>
+          <p:cNvSpPr>
+            <a:spLocks noChangeArrowheads="1"/>
+          </p:cNvSpPr>
+          <p:nvPr/>
+        </p:nvSpPr>
+        <p:spPr bwMode="auto">
+          <a:xfrm>
+            <a:off x="5714850" y="2454454"/>
+            <a:ext cx="878361" cy="327261"/>
+          </a:xfrm>
+          <a:prstGeom prst="roundRect">
+            <a:avLst>
+              <a:gd name="adj" fmla="val 16667"/>
+            </a:avLst>
+          </a:prstGeom>
+          <a:solidFill>
+            <a:schemeClr val="accent1"/>
+          </a:solidFill>
+          <a:ln w="25400" algn="ctr">
+            <a:solidFill>
+              <a:schemeClr val="accent1"/>
+            </a:solidFill>
+            <a:round/>
+            <a:headEnd/>
+            <a:tailEnd/>
+          </a:ln>
+        </p:spPr>
+        <p:txBody>
+          <a:bodyPr anchor="ctr"/>
+          <a:lstStyle>
+            <a:defPPr>
+              <a:defRPr lang="it-IT"/>
+            </a:defPPr>
+            <a:lvl1pPr algn="l" rtl="0" fontAlgn="base">
+              <a:spcBef>
+                <a:spcPct val="0"/>
+              </a:spcBef>
+              <a:spcAft>
+                <a:spcPct val="0"/>
+              </a:spcAft>
+              <a:defRPr u="sng" kern="1200">
+                <a:solidFill>
+                  <a:schemeClr val="tx1"/>
+                </a:solidFill>
+                <a:latin typeface="Arial" panose="020B0604020202020204" pitchFamily="34" charset="0"/>
+                <a:ea typeface="+mn-ea"/>
+                <a:cs typeface="+mn-cs"/>
+              </a:defRPr>
+            </a:lvl1pPr>
+            <a:lvl2pPr marL="457200" algn="l" rtl="0" fontAlgn="base">
+              <a:spcBef>
+                <a:spcPct val="0"/>
+              </a:spcBef>
+              <a:spcAft>
+                <a:spcPct val="0"/>
+              </a:spcAft>
+              <a:defRPr u="sng" kern="1200">
+                <a:solidFill>
+                  <a:schemeClr val="tx1"/>
+                </a:solidFill>
+                <a:latin typeface="Arial" panose="020B0604020202020204" pitchFamily="34" charset="0"/>
+                <a:ea typeface="+mn-ea"/>
+                <a:cs typeface="+mn-cs"/>
+              </a:defRPr>
+            </a:lvl2pPr>
+            <a:lvl3pPr marL="914400" algn="l" rtl="0" fontAlgn="base">
+              <a:spcBef>
+                <a:spcPct val="0"/>
+              </a:spcBef>
+              <a:spcAft>
+                <a:spcPct val="0"/>
+              </a:spcAft>
+              <a:defRPr u="sng" kern="1200">
+                <a:solidFill>
+                  <a:schemeClr val="tx1"/>
+                </a:solidFill>
+                <a:latin typeface="Arial" panose="020B0604020202020204" pitchFamily="34" charset="0"/>
+                <a:ea typeface="+mn-ea"/>
+                <a:cs typeface="+mn-cs"/>
+              </a:defRPr>
+            </a:lvl3pPr>
+            <a:lvl4pPr marL="1371600" algn="l" rtl="0" fontAlgn="base">
+              <a:spcBef>
+                <a:spcPct val="0"/>
+              </a:spcBef>
+              <a:spcAft>
+                <a:spcPct val="0"/>
+              </a:spcAft>
+              <a:defRPr u="sng" kern="1200">
+                <a:solidFill>
+                  <a:schemeClr val="tx1"/>
+                </a:solidFill>
+                <a:latin typeface="Arial" panose="020B0604020202020204" pitchFamily="34" charset="0"/>
+                <a:ea typeface="+mn-ea"/>
+                <a:cs typeface="+mn-cs"/>
+              </a:defRPr>
+            </a:lvl4pPr>
+            <a:lvl5pPr marL="1828800" algn="l" rtl="0" fontAlgn="base">
+              <a:spcBef>
+                <a:spcPct val="0"/>
+              </a:spcBef>
+              <a:spcAft>
+                <a:spcPct val="0"/>
+              </a:spcAft>
+              <a:defRPr u="sng" kern="1200">
+                <a:solidFill>
+                  <a:schemeClr val="tx1"/>
+                </a:solidFill>
+                <a:latin typeface="Arial" panose="020B0604020202020204" pitchFamily="34" charset="0"/>
+                <a:ea typeface="+mn-ea"/>
+                <a:cs typeface="+mn-cs"/>
+              </a:defRPr>
+            </a:lvl5pPr>
+            <a:lvl6pPr marL="2286000" algn="l" defTabSz="914400" rtl="0" eaLnBrk="1" latinLnBrk="0" hangingPunct="1">
+              <a:defRPr u="sng" kern="1200">
+                <a:solidFill>
+                  <a:schemeClr val="tx1"/>
+                </a:solidFill>
+                <a:latin typeface="Arial" panose="020B0604020202020204" pitchFamily="34" charset="0"/>
+                <a:ea typeface="+mn-ea"/>
+                <a:cs typeface="+mn-cs"/>
+              </a:defRPr>
+            </a:lvl6pPr>
+            <a:lvl7pPr marL="2743200" algn="l" defTabSz="914400" rtl="0" eaLnBrk="1" latinLnBrk="0" hangingPunct="1">
+              <a:defRPr u="sng" kern="1200">
+                <a:solidFill>
+                  <a:schemeClr val="tx1"/>
+                </a:solidFill>
+                <a:latin typeface="Arial" panose="020B0604020202020204" pitchFamily="34" charset="0"/>
+                <a:ea typeface="+mn-ea"/>
+                <a:cs typeface="+mn-cs"/>
+              </a:defRPr>
+            </a:lvl7pPr>
+            <a:lvl8pPr marL="3200400" algn="l" defTabSz="914400" rtl="0" eaLnBrk="1" latinLnBrk="0" hangingPunct="1">
+              <a:defRPr u="sng" kern="1200">
+                <a:solidFill>
+                  <a:schemeClr val="tx1"/>
+                </a:solidFill>
+                <a:latin typeface="Arial" panose="020B0604020202020204" pitchFamily="34" charset="0"/>
+                <a:ea typeface="+mn-ea"/>
+                <a:cs typeface="+mn-cs"/>
+              </a:defRPr>
+            </a:lvl8pPr>
+            <a:lvl9pPr marL="3657600" algn="l" defTabSz="914400" rtl="0" eaLnBrk="1" latinLnBrk="0" hangingPunct="1">
+              <a:defRPr u="sng" kern="1200">
+                <a:solidFill>
+                  <a:schemeClr val="tx1"/>
+                </a:solidFill>
+                <a:latin typeface="Arial" panose="020B0604020202020204" pitchFamily="34" charset="0"/>
+                <a:ea typeface="+mn-ea"/>
+                <a:cs typeface="+mn-cs"/>
+              </a:defRPr>
+            </a:lvl9pPr>
+          </a:lstStyle>
+          <a:p>
+            <a:pPr algn="ctr" eaLnBrk="1" hangingPunct="1"/>
+            <a:r>
+              <a:rPr lang="it-IT" altLang="it-IT" sz="1400" u="none" dirty="0">
+                <a:solidFill>
+                  <a:srgbClr val="FFFFFF"/>
+                </a:solidFill>
+              </a:rPr>
+              <a:t>CLASS</a:t>
+            </a:r>
+          </a:p>
+        </p:txBody>
+      </p:sp>
+      <p:sp>
+        <p:nvSpPr>
+          <p:cNvPr id="22" name="Text Box 1680">
+            <a:extLst>
+              <a:ext uri="{FF2B5EF4-FFF2-40B4-BE49-F238E27FC236}">
+                <a16:creationId xmlns:a16="http://schemas.microsoft.com/office/drawing/2014/main" id="{3A69B1D1-C1A7-45FC-992F-FFFB82AA3617}"/>
+              </a:ext>
+            </a:extLst>
+          </p:cNvPr>
+          <p:cNvSpPr txBox="1">
+            <a:spLocks noChangeArrowheads="1"/>
+          </p:cNvSpPr>
+          <p:nvPr/>
+        </p:nvSpPr>
+        <p:spPr bwMode="auto">
+          <a:xfrm>
+            <a:off x="5714850" y="2879869"/>
+            <a:ext cx="1026228" cy="338554"/>
+          </a:xfrm>
+          <a:prstGeom prst="rect">
+            <a:avLst/>
+          </a:prstGeom>
+          <a:noFill/>
+          <a:ln w="9525">
+            <a:solidFill>
+              <a:srgbClr val="FF0000"/>
+            </a:solidFill>
+            <a:prstDash val="lgDash"/>
+            <a:miter lim="800000"/>
+            <a:headEnd/>
+            <a:tailEnd/>
+          </a:ln>
+          <a:extLst>
+            <a:ext uri="{909E8E84-426E-40DD-AFC4-6F175D3DCCD1}">
+              <a14:hiddenFill xmlns:a14="http://schemas.microsoft.com/office/drawing/2010/main">
+                <a:solidFill>
+                  <a:srgbClr val="FFFFFF"/>
+                </a:solidFill>
+              </a14:hiddenFill>
+            </a:ext>
+          </a:extLst>
+        </p:spPr>
+        <p:txBody>
+          <a:bodyPr wrap="square">
+            <a:spAutoFit/>
+          </a:bodyPr>
+          <a:lstStyle>
+            <a:defPPr>
+              <a:defRPr lang="it-IT"/>
+            </a:defPPr>
+            <a:lvl1pPr algn="l" rtl="0" fontAlgn="base">
+              <a:spcBef>
+                <a:spcPct val="0"/>
+              </a:spcBef>
+              <a:spcAft>
+                <a:spcPct val="0"/>
+              </a:spcAft>
+              <a:defRPr u="sng" kern="1200">
+                <a:solidFill>
+                  <a:schemeClr val="tx1"/>
+                </a:solidFill>
+                <a:latin typeface="Arial" panose="020B0604020202020204" pitchFamily="34" charset="0"/>
+                <a:ea typeface="+mn-ea"/>
+                <a:cs typeface="+mn-cs"/>
+              </a:defRPr>
+            </a:lvl1pPr>
+            <a:lvl2pPr marL="457200" algn="l" rtl="0" fontAlgn="base">
+              <a:spcBef>
+                <a:spcPct val="0"/>
+              </a:spcBef>
+              <a:spcAft>
+                <a:spcPct val="0"/>
+              </a:spcAft>
+              <a:defRPr u="sng" kern="1200">
+                <a:solidFill>
+                  <a:schemeClr val="tx1"/>
+                </a:solidFill>
+                <a:latin typeface="Arial" panose="020B0604020202020204" pitchFamily="34" charset="0"/>
+                <a:ea typeface="+mn-ea"/>
+                <a:cs typeface="+mn-cs"/>
+              </a:defRPr>
+            </a:lvl2pPr>
+            <a:lvl3pPr marL="914400" algn="l" rtl="0" fontAlgn="base">
+              <a:spcBef>
+                <a:spcPct val="0"/>
+              </a:spcBef>
+              <a:spcAft>
+                <a:spcPct val="0"/>
+              </a:spcAft>
+              <a:defRPr u="sng" kern="1200">
+                <a:solidFill>
+                  <a:schemeClr val="tx1"/>
+                </a:solidFill>
+                <a:latin typeface="Arial" panose="020B0604020202020204" pitchFamily="34" charset="0"/>
+                <a:ea typeface="+mn-ea"/>
+                <a:cs typeface="+mn-cs"/>
+              </a:defRPr>
+            </a:lvl3pPr>
+            <a:lvl4pPr marL="1371600" algn="l" rtl="0" fontAlgn="base">
+              <a:spcBef>
+                <a:spcPct val="0"/>
+              </a:spcBef>
+              <a:spcAft>
+                <a:spcPct val="0"/>
+              </a:spcAft>
+              <a:defRPr u="sng" kern="1200">
+                <a:solidFill>
+                  <a:schemeClr val="tx1"/>
+                </a:solidFill>
+                <a:latin typeface="Arial" panose="020B0604020202020204" pitchFamily="34" charset="0"/>
+                <a:ea typeface="+mn-ea"/>
+                <a:cs typeface="+mn-cs"/>
+              </a:defRPr>
+            </a:lvl4pPr>
+            <a:lvl5pPr marL="1828800" algn="l" rtl="0" fontAlgn="base">
+              <a:spcBef>
+                <a:spcPct val="0"/>
+              </a:spcBef>
+              <a:spcAft>
+                <a:spcPct val="0"/>
+              </a:spcAft>
+              <a:defRPr u="sng" kern="1200">
+                <a:solidFill>
+                  <a:schemeClr val="tx1"/>
+                </a:solidFill>
+                <a:latin typeface="Arial" panose="020B0604020202020204" pitchFamily="34" charset="0"/>
+                <a:ea typeface="+mn-ea"/>
+                <a:cs typeface="+mn-cs"/>
+              </a:defRPr>
+            </a:lvl5pPr>
+            <a:lvl6pPr marL="2286000" algn="l" defTabSz="914400" rtl="0" eaLnBrk="1" latinLnBrk="0" hangingPunct="1">
+              <a:defRPr u="sng" kern="1200">
+                <a:solidFill>
+                  <a:schemeClr val="tx1"/>
+                </a:solidFill>
+                <a:latin typeface="Arial" panose="020B0604020202020204" pitchFamily="34" charset="0"/>
+                <a:ea typeface="+mn-ea"/>
+                <a:cs typeface="+mn-cs"/>
+              </a:defRPr>
+            </a:lvl6pPr>
+            <a:lvl7pPr marL="2743200" algn="l" defTabSz="914400" rtl="0" eaLnBrk="1" latinLnBrk="0" hangingPunct="1">
+              <a:defRPr u="sng" kern="1200">
+                <a:solidFill>
+                  <a:schemeClr val="tx1"/>
+                </a:solidFill>
+                <a:latin typeface="Arial" panose="020B0604020202020204" pitchFamily="34" charset="0"/>
+                <a:ea typeface="+mn-ea"/>
+                <a:cs typeface="+mn-cs"/>
+              </a:defRPr>
+            </a:lvl7pPr>
+            <a:lvl8pPr marL="3200400" algn="l" defTabSz="914400" rtl="0" eaLnBrk="1" latinLnBrk="0" hangingPunct="1">
+              <a:defRPr u="sng" kern="1200">
+                <a:solidFill>
+                  <a:schemeClr val="tx1"/>
+                </a:solidFill>
+                <a:latin typeface="Arial" panose="020B0604020202020204" pitchFamily="34" charset="0"/>
+                <a:ea typeface="+mn-ea"/>
+                <a:cs typeface="+mn-cs"/>
+              </a:defRPr>
+            </a:lvl8pPr>
+            <a:lvl9pPr marL="3657600" algn="l" defTabSz="914400" rtl="0" eaLnBrk="1" latinLnBrk="0" hangingPunct="1">
+              <a:defRPr u="sng" kern="1200">
+                <a:solidFill>
+                  <a:schemeClr val="tx1"/>
+                </a:solidFill>
+                <a:latin typeface="Arial" panose="020B0604020202020204" pitchFamily="34" charset="0"/>
+                <a:ea typeface="+mn-ea"/>
+                <a:cs typeface="+mn-cs"/>
+              </a:defRPr>
+            </a:lvl9pPr>
+          </a:lstStyle>
+          <a:p>
+            <a:pPr algn="ctr" eaLnBrk="1" hangingPunct="1"/>
+            <a:r>
+              <a:rPr lang="it-IT" altLang="it-IT" sz="1600" u="none" dirty="0">
+                <a:solidFill>
+                  <a:srgbClr val="FF0000"/>
+                </a:solidFill>
+                <a:latin typeface="Calibri" panose="020F0502020204030204" pitchFamily="34" charset="0"/>
+              </a:rPr>
+              <a:t>rdf:type</a:t>
+            </a:r>
+          </a:p>
+        </p:txBody>
+      </p:sp>
+      <p:sp>
+        <p:nvSpPr>
+          <p:cNvPr id="23" name="Line 1667">
+            <a:extLst>
+              <a:ext uri="{FF2B5EF4-FFF2-40B4-BE49-F238E27FC236}">
+                <a16:creationId xmlns:a16="http://schemas.microsoft.com/office/drawing/2014/main" id="{7AB5C515-A6E9-48B9-BB7C-1A819146B871}"/>
+              </a:ext>
+            </a:extLst>
+          </p:cNvPr>
+          <p:cNvSpPr>
+            <a:spLocks noChangeShapeType="1"/>
+          </p:cNvSpPr>
+          <p:nvPr/>
+        </p:nvSpPr>
+        <p:spPr bwMode="auto">
+          <a:xfrm>
+            <a:off x="6752511" y="3068045"/>
+            <a:ext cx="275955" cy="0"/>
+          </a:xfrm>
+          <a:prstGeom prst="line">
+            <a:avLst/>
+          </a:prstGeom>
+          <a:noFill/>
+          <a:ln w="12700">
+            <a:solidFill>
+              <a:srgbClr val="FF0000"/>
+            </a:solidFill>
+            <a:prstDash val="dash"/>
+            <a:round/>
+            <a:headEnd/>
+            <a:tailEnd type="triangle" w="med" len="med"/>
+          </a:ln>
+        </p:spPr>
+        <p:txBody>
+          <a:bodyPr/>
+          <a:lstStyle>
+            <a:defPPr>
+              <a:defRPr lang="it-IT"/>
+            </a:defPPr>
+            <a:lvl1pPr algn="l" rtl="0" fontAlgn="base">
+              <a:spcBef>
+                <a:spcPct val="0"/>
+              </a:spcBef>
+              <a:spcAft>
+                <a:spcPct val="0"/>
+              </a:spcAft>
+              <a:defRPr u="sng" kern="1200">
+                <a:solidFill>
+                  <a:schemeClr val="tx1"/>
+                </a:solidFill>
+                <a:latin typeface="Arial" panose="020B0604020202020204" pitchFamily="34" charset="0"/>
+                <a:ea typeface="+mn-ea"/>
+                <a:cs typeface="+mn-cs"/>
+              </a:defRPr>
+            </a:lvl1pPr>
+            <a:lvl2pPr marL="457200" algn="l" rtl="0" fontAlgn="base">
+              <a:spcBef>
+                <a:spcPct val="0"/>
+              </a:spcBef>
+              <a:spcAft>
+                <a:spcPct val="0"/>
+              </a:spcAft>
+              <a:defRPr u="sng" kern="1200">
+                <a:solidFill>
+                  <a:schemeClr val="tx1"/>
+                </a:solidFill>
+                <a:latin typeface="Arial" panose="020B0604020202020204" pitchFamily="34" charset="0"/>
+                <a:ea typeface="+mn-ea"/>
+                <a:cs typeface="+mn-cs"/>
+              </a:defRPr>
+            </a:lvl2pPr>
+            <a:lvl3pPr marL="914400" algn="l" rtl="0" fontAlgn="base">
+              <a:spcBef>
+                <a:spcPct val="0"/>
+              </a:spcBef>
+              <a:spcAft>
+                <a:spcPct val="0"/>
+              </a:spcAft>
+              <a:defRPr u="sng" kern="1200">
+                <a:solidFill>
+                  <a:schemeClr val="tx1"/>
+                </a:solidFill>
+                <a:latin typeface="Arial" panose="020B0604020202020204" pitchFamily="34" charset="0"/>
+                <a:ea typeface="+mn-ea"/>
+                <a:cs typeface="+mn-cs"/>
+              </a:defRPr>
+            </a:lvl3pPr>
+            <a:lvl4pPr marL="1371600" algn="l" rtl="0" fontAlgn="base">
+              <a:spcBef>
+                <a:spcPct val="0"/>
+              </a:spcBef>
+              <a:spcAft>
+                <a:spcPct val="0"/>
+              </a:spcAft>
+              <a:defRPr u="sng" kern="1200">
+                <a:solidFill>
+                  <a:schemeClr val="tx1"/>
+                </a:solidFill>
+                <a:latin typeface="Arial" panose="020B0604020202020204" pitchFamily="34" charset="0"/>
+                <a:ea typeface="+mn-ea"/>
+                <a:cs typeface="+mn-cs"/>
+              </a:defRPr>
+            </a:lvl4pPr>
+            <a:lvl5pPr marL="1828800" algn="l" rtl="0" fontAlgn="base">
+              <a:spcBef>
+                <a:spcPct val="0"/>
+              </a:spcBef>
+              <a:spcAft>
+                <a:spcPct val="0"/>
+              </a:spcAft>
+              <a:defRPr u="sng" kern="1200">
+                <a:solidFill>
+                  <a:schemeClr val="tx1"/>
+                </a:solidFill>
+                <a:latin typeface="Arial" panose="020B0604020202020204" pitchFamily="34" charset="0"/>
+                <a:ea typeface="+mn-ea"/>
+                <a:cs typeface="+mn-cs"/>
+              </a:defRPr>
+            </a:lvl5pPr>
+            <a:lvl6pPr marL="2286000" algn="l" defTabSz="914400" rtl="0" eaLnBrk="1" latinLnBrk="0" hangingPunct="1">
+              <a:defRPr u="sng" kern="1200">
+                <a:solidFill>
+                  <a:schemeClr val="tx1"/>
+                </a:solidFill>
+                <a:latin typeface="Arial" panose="020B0604020202020204" pitchFamily="34" charset="0"/>
+                <a:ea typeface="+mn-ea"/>
+                <a:cs typeface="+mn-cs"/>
+              </a:defRPr>
+            </a:lvl6pPr>
+            <a:lvl7pPr marL="2743200" algn="l" defTabSz="914400" rtl="0" eaLnBrk="1" latinLnBrk="0" hangingPunct="1">
+              <a:defRPr u="sng" kern="1200">
+                <a:solidFill>
+                  <a:schemeClr val="tx1"/>
+                </a:solidFill>
+                <a:latin typeface="Arial" panose="020B0604020202020204" pitchFamily="34" charset="0"/>
+                <a:ea typeface="+mn-ea"/>
+                <a:cs typeface="+mn-cs"/>
+              </a:defRPr>
+            </a:lvl7pPr>
+            <a:lvl8pPr marL="3200400" algn="l" defTabSz="914400" rtl="0" eaLnBrk="1" latinLnBrk="0" hangingPunct="1">
+              <a:defRPr u="sng" kern="1200">
+                <a:solidFill>
+                  <a:schemeClr val="tx1"/>
+                </a:solidFill>
+                <a:latin typeface="Arial" panose="020B0604020202020204" pitchFamily="34" charset="0"/>
+                <a:ea typeface="+mn-ea"/>
+                <a:cs typeface="+mn-cs"/>
+              </a:defRPr>
+            </a:lvl8pPr>
+            <a:lvl9pPr marL="3657600" algn="l" defTabSz="914400" rtl="0" eaLnBrk="1" latinLnBrk="0" hangingPunct="1">
+              <a:defRPr u="sng" kern="1200">
+                <a:solidFill>
+                  <a:schemeClr val="tx1"/>
+                </a:solidFill>
+                <a:latin typeface="Arial" panose="020B0604020202020204" pitchFamily="34" charset="0"/>
+                <a:ea typeface="+mn-ea"/>
+                <a:cs typeface="+mn-cs"/>
+              </a:defRPr>
+            </a:lvl9pPr>
+          </a:lstStyle>
+          <a:p>
+            <a:pPr fontAlgn="auto">
+              <a:spcBef>
+                <a:spcPts val="0"/>
+              </a:spcBef>
+              <a:spcAft>
+                <a:spcPts val="0"/>
+              </a:spcAft>
+              <a:defRPr/>
+            </a:pPr>
+            <a:endParaRPr lang="it-IT" u="none" kern="0">
+              <a:solidFill>
+                <a:sysClr val="windowText" lastClr="000000"/>
+              </a:solidFill>
+              <a:latin typeface="Arial" charset="0"/>
+            </a:endParaRPr>
+          </a:p>
+        </p:txBody>
+      </p:sp>
+      <p:sp>
+        <p:nvSpPr>
+          <p:cNvPr id="24" name="Rectangle 1663">
+            <a:extLst>
+              <a:ext uri="{FF2B5EF4-FFF2-40B4-BE49-F238E27FC236}">
+                <a16:creationId xmlns:a16="http://schemas.microsoft.com/office/drawing/2014/main" id="{155D62D2-4E5C-41FC-AF98-5BC0E74FAD3F}"/>
+              </a:ext>
+            </a:extLst>
+          </p:cNvPr>
+          <p:cNvSpPr>
+            <a:spLocks noChangeArrowheads="1"/>
+          </p:cNvSpPr>
+          <p:nvPr/>
+        </p:nvSpPr>
+        <p:spPr bwMode="auto">
+          <a:xfrm>
+            <a:off x="5451068" y="2369024"/>
+            <a:ext cx="1750218" cy="2893288"/>
+          </a:xfrm>
+          <a:prstGeom prst="rect">
+            <a:avLst/>
+          </a:prstGeom>
+          <a:noFill/>
+          <a:ln w="25400">
+            <a:solidFill>
+              <a:srgbClr val="000000"/>
+            </a:solidFill>
+            <a:miter lim="800000"/>
+            <a:headEnd/>
+            <a:tailEnd/>
+          </a:ln>
+        </p:spPr>
+        <p:txBody>
+          <a:bodyPr wrap="none" anchor="ctr"/>
+          <a:lstStyle>
+            <a:defPPr>
+              <a:defRPr lang="it-IT"/>
+            </a:defPPr>
+            <a:lvl1pPr algn="l" rtl="0" fontAlgn="base">
+              <a:spcBef>
+                <a:spcPct val="0"/>
+              </a:spcBef>
+              <a:spcAft>
+                <a:spcPct val="0"/>
+              </a:spcAft>
+              <a:defRPr u="sng" kern="1200">
+                <a:solidFill>
+                  <a:schemeClr val="tx1"/>
+                </a:solidFill>
+                <a:latin typeface="Arial" panose="020B0604020202020204" pitchFamily="34" charset="0"/>
+                <a:ea typeface="+mn-ea"/>
+                <a:cs typeface="+mn-cs"/>
+              </a:defRPr>
+            </a:lvl1pPr>
+            <a:lvl2pPr marL="457200" algn="l" rtl="0" fontAlgn="base">
+              <a:spcBef>
+                <a:spcPct val="0"/>
+              </a:spcBef>
+              <a:spcAft>
+                <a:spcPct val="0"/>
+              </a:spcAft>
+              <a:defRPr u="sng" kern="1200">
+                <a:solidFill>
+                  <a:schemeClr val="tx1"/>
+                </a:solidFill>
+                <a:latin typeface="Arial" panose="020B0604020202020204" pitchFamily="34" charset="0"/>
+                <a:ea typeface="+mn-ea"/>
+                <a:cs typeface="+mn-cs"/>
+              </a:defRPr>
+            </a:lvl2pPr>
+            <a:lvl3pPr marL="914400" algn="l" rtl="0" fontAlgn="base">
+              <a:spcBef>
+                <a:spcPct val="0"/>
+              </a:spcBef>
+              <a:spcAft>
+                <a:spcPct val="0"/>
+              </a:spcAft>
+              <a:defRPr u="sng" kern="1200">
+                <a:solidFill>
+                  <a:schemeClr val="tx1"/>
+                </a:solidFill>
+                <a:latin typeface="Arial" panose="020B0604020202020204" pitchFamily="34" charset="0"/>
+                <a:ea typeface="+mn-ea"/>
+                <a:cs typeface="+mn-cs"/>
+              </a:defRPr>
+            </a:lvl3pPr>
+            <a:lvl4pPr marL="1371600" algn="l" rtl="0" fontAlgn="base">
+              <a:spcBef>
+                <a:spcPct val="0"/>
+              </a:spcBef>
+              <a:spcAft>
+                <a:spcPct val="0"/>
+              </a:spcAft>
+              <a:defRPr u="sng" kern="1200">
+                <a:solidFill>
+                  <a:schemeClr val="tx1"/>
+                </a:solidFill>
+                <a:latin typeface="Arial" panose="020B0604020202020204" pitchFamily="34" charset="0"/>
+                <a:ea typeface="+mn-ea"/>
+                <a:cs typeface="+mn-cs"/>
+              </a:defRPr>
+            </a:lvl4pPr>
+            <a:lvl5pPr marL="1828800" algn="l" rtl="0" fontAlgn="base">
+              <a:spcBef>
+                <a:spcPct val="0"/>
+              </a:spcBef>
+              <a:spcAft>
+                <a:spcPct val="0"/>
+              </a:spcAft>
+              <a:defRPr u="sng" kern="1200">
+                <a:solidFill>
+                  <a:schemeClr val="tx1"/>
+                </a:solidFill>
+                <a:latin typeface="Arial" panose="020B0604020202020204" pitchFamily="34" charset="0"/>
+                <a:ea typeface="+mn-ea"/>
+                <a:cs typeface="+mn-cs"/>
+              </a:defRPr>
+            </a:lvl5pPr>
+            <a:lvl6pPr marL="2286000" algn="l" defTabSz="914400" rtl="0" eaLnBrk="1" latinLnBrk="0" hangingPunct="1">
+              <a:defRPr u="sng" kern="1200">
+                <a:solidFill>
+                  <a:schemeClr val="tx1"/>
+                </a:solidFill>
+                <a:latin typeface="Arial" panose="020B0604020202020204" pitchFamily="34" charset="0"/>
+                <a:ea typeface="+mn-ea"/>
+                <a:cs typeface="+mn-cs"/>
+              </a:defRPr>
+            </a:lvl6pPr>
+            <a:lvl7pPr marL="2743200" algn="l" defTabSz="914400" rtl="0" eaLnBrk="1" latinLnBrk="0" hangingPunct="1">
+              <a:defRPr u="sng" kern="1200">
+                <a:solidFill>
+                  <a:schemeClr val="tx1"/>
+                </a:solidFill>
+                <a:latin typeface="Arial" panose="020B0604020202020204" pitchFamily="34" charset="0"/>
+                <a:ea typeface="+mn-ea"/>
+                <a:cs typeface="+mn-cs"/>
+              </a:defRPr>
+            </a:lvl7pPr>
+            <a:lvl8pPr marL="3200400" algn="l" defTabSz="914400" rtl="0" eaLnBrk="1" latinLnBrk="0" hangingPunct="1">
+              <a:defRPr u="sng" kern="1200">
+                <a:solidFill>
+                  <a:schemeClr val="tx1"/>
+                </a:solidFill>
+                <a:latin typeface="Arial" panose="020B0604020202020204" pitchFamily="34" charset="0"/>
+                <a:ea typeface="+mn-ea"/>
+                <a:cs typeface="+mn-cs"/>
+              </a:defRPr>
+            </a:lvl8pPr>
+            <a:lvl9pPr marL="3657600" algn="l" defTabSz="914400" rtl="0" eaLnBrk="1" latinLnBrk="0" hangingPunct="1">
+              <a:defRPr u="sng" kern="1200">
+                <a:solidFill>
+                  <a:schemeClr val="tx1"/>
+                </a:solidFill>
+                <a:latin typeface="Arial" panose="020B0604020202020204" pitchFamily="34" charset="0"/>
+                <a:ea typeface="+mn-ea"/>
+                <a:cs typeface="+mn-cs"/>
+              </a:defRPr>
+            </a:lvl9pPr>
+          </a:lstStyle>
+          <a:p>
+            <a:pPr fontAlgn="auto">
+              <a:spcBef>
+                <a:spcPts val="0"/>
+              </a:spcBef>
+              <a:spcAft>
+                <a:spcPts val="0"/>
+              </a:spcAft>
+              <a:defRPr/>
+            </a:pPr>
+            <a:endParaRPr lang="it-IT" u="none" kern="0">
+              <a:solidFill>
+                <a:sysClr val="windowText" lastClr="000000"/>
+              </a:solidFill>
+              <a:latin typeface="Calibri" pitchFamily="34" charset="0"/>
+            </a:endParaRPr>
           </a:p>
         </p:txBody>
       </p:sp>
@@ -9915,6 +13796,2987 @@
 </file>
 
 <file path=ppt/slides/slide14.xml><?xml version="1.0" encoding="utf-8"?>
+<p:sld xmlns:a="http://schemas.openxmlformats.org/drawingml/2006/main" xmlns:r="http://schemas.openxmlformats.org/officeDocument/2006/relationships" xmlns:p="http://schemas.openxmlformats.org/presentationml/2006/main">
+  <p:cSld>
+    <p:spTree>
+      <p:nvGrpSpPr>
+        <p:cNvPr id="1" name=""/>
+        <p:cNvGrpSpPr/>
+        <p:nvPr/>
+      </p:nvGrpSpPr>
+      <p:grpSpPr>
+        <a:xfrm>
+          <a:off x="0" y="0"/>
+          <a:ext cx="0" cy="0"/>
+          <a:chOff x="0" y="0"/>
+          <a:chExt cx="0" cy="0"/>
+        </a:xfrm>
+      </p:grpSpPr>
+      <p:sp>
+        <p:nvSpPr>
+          <p:cNvPr id="13" name="Freeform: Shape 12">
+            <a:extLst>
+              <a:ext uri="{FF2B5EF4-FFF2-40B4-BE49-F238E27FC236}">
+                <a16:creationId xmlns:a16="http://schemas.microsoft.com/office/drawing/2014/main" id="{0831122E-1AFE-4B4B-A060-C41665EDE559}"/>
+              </a:ext>
+            </a:extLst>
+          </p:cNvPr>
+          <p:cNvSpPr/>
+          <p:nvPr/>
+        </p:nvSpPr>
+        <p:spPr>
+          <a:xfrm rot="16200000">
+            <a:off x="6007997" y="-96592"/>
+            <a:ext cx="425004" cy="2884869"/>
+          </a:xfrm>
+          <a:custGeom>
+            <a:avLst/>
+            <a:gdLst>
+              <a:gd name="connsiteX0" fmla="*/ 708342 w 708342"/>
+              <a:gd name="connsiteY0" fmla="*/ 811369 h 3245474"/>
+              <a:gd name="connsiteX1" fmla="*/ 708340 w 708342"/>
+              <a:gd name="connsiteY1" fmla="*/ 811369 h 3245474"/>
+              <a:gd name="connsiteX2" fmla="*/ 708340 w 708342"/>
+              <a:gd name="connsiteY2" fmla="*/ 2434106 h 3245474"/>
+              <a:gd name="connsiteX3" fmla="*/ 708340 w 708342"/>
+              <a:gd name="connsiteY3" fmla="*/ 2434106 h 3245474"/>
+              <a:gd name="connsiteX4" fmla="*/ 354170 w 708342"/>
+              <a:gd name="connsiteY4" fmla="*/ 3245474 h 3245474"/>
+              <a:gd name="connsiteX5" fmla="*/ 0 w 708342"/>
+              <a:gd name="connsiteY5" fmla="*/ 2434105 h 3245474"/>
+              <a:gd name="connsiteX6" fmla="*/ 1 w 708342"/>
+              <a:gd name="connsiteY6" fmla="*/ 2434105 h 3245474"/>
+              <a:gd name="connsiteX7" fmla="*/ 1 w 708342"/>
+              <a:gd name="connsiteY7" fmla="*/ 811368 h 3245474"/>
+              <a:gd name="connsiteX8" fmla="*/ 3 w 708342"/>
+              <a:gd name="connsiteY8" fmla="*/ 811368 h 3245474"/>
+              <a:gd name="connsiteX9" fmla="*/ 354172 w 708342"/>
+              <a:gd name="connsiteY9" fmla="*/ 0 h 3245474"/>
+            </a:gdLst>
+            <a:ahLst/>
+            <a:cxnLst>
+              <a:cxn ang="0">
+                <a:pos x="connsiteX0" y="connsiteY0"/>
+              </a:cxn>
+              <a:cxn ang="0">
+                <a:pos x="connsiteX1" y="connsiteY1"/>
+              </a:cxn>
+              <a:cxn ang="0">
+                <a:pos x="connsiteX2" y="connsiteY2"/>
+              </a:cxn>
+              <a:cxn ang="0">
+                <a:pos x="connsiteX3" y="connsiteY3"/>
+              </a:cxn>
+              <a:cxn ang="0">
+                <a:pos x="connsiteX4" y="connsiteY4"/>
+              </a:cxn>
+              <a:cxn ang="0">
+                <a:pos x="connsiteX5" y="connsiteY5"/>
+              </a:cxn>
+              <a:cxn ang="0">
+                <a:pos x="connsiteX6" y="connsiteY6"/>
+              </a:cxn>
+              <a:cxn ang="0">
+                <a:pos x="connsiteX7" y="connsiteY7"/>
+              </a:cxn>
+              <a:cxn ang="0">
+                <a:pos x="connsiteX8" y="connsiteY8"/>
+              </a:cxn>
+              <a:cxn ang="0">
+                <a:pos x="connsiteX9" y="connsiteY9"/>
+              </a:cxn>
+            </a:cxnLst>
+            <a:rect l="l" t="t" r="r" b="b"/>
+            <a:pathLst>
+              <a:path w="708342" h="3245474">
+                <a:moveTo>
+                  <a:pt x="708342" y="811369"/>
+                </a:moveTo>
+                <a:lnTo>
+                  <a:pt x="708340" y="811369"/>
+                </a:lnTo>
+                <a:lnTo>
+                  <a:pt x="708340" y="2434106"/>
+                </a:lnTo>
+                <a:lnTo>
+                  <a:pt x="708340" y="2434106"/>
+                </a:lnTo>
+                <a:lnTo>
+                  <a:pt x="354170" y="3245474"/>
+                </a:lnTo>
+                <a:lnTo>
+                  <a:pt x="0" y="2434105"/>
+                </a:lnTo>
+                <a:lnTo>
+                  <a:pt x="1" y="2434105"/>
+                </a:lnTo>
+                <a:lnTo>
+                  <a:pt x="1" y="811368"/>
+                </a:lnTo>
+                <a:lnTo>
+                  <a:pt x="3" y="811368"/>
+                </a:lnTo>
+                <a:lnTo>
+                  <a:pt x="354172" y="0"/>
+                </a:lnTo>
+                <a:close/>
+              </a:path>
+            </a:pathLst>
+          </a:custGeom>
+        </p:spPr>
+        <p:style>
+          <a:lnRef idx="2">
+            <a:schemeClr val="accent1">
+              <a:shade val="50000"/>
+            </a:schemeClr>
+          </a:lnRef>
+          <a:fillRef idx="1">
+            <a:schemeClr val="accent1"/>
+          </a:fillRef>
+          <a:effectRef idx="0">
+            <a:schemeClr val="accent1"/>
+          </a:effectRef>
+          <a:fontRef idx="minor">
+            <a:schemeClr val="lt1"/>
+          </a:fontRef>
+        </p:style>
+        <p:txBody>
+          <a:bodyPr rtlCol="0" anchor="ctr"/>
+          <a:lstStyle/>
+          <a:p>
+            <a:pPr algn="ctr"/>
+            <a:endParaRPr lang="it-IT"/>
+          </a:p>
+        </p:txBody>
+      </p:sp>
+      <p:grpSp>
+        <p:nvGrpSpPr>
+          <p:cNvPr id="16" name="Group 80">
+            <a:extLst>
+              <a:ext uri="{FF2B5EF4-FFF2-40B4-BE49-F238E27FC236}">
+                <a16:creationId xmlns:a16="http://schemas.microsoft.com/office/drawing/2014/main" id="{560E2D54-BBFF-4299-AB62-8F910299B9E8}"/>
+              </a:ext>
+            </a:extLst>
+          </p:cNvPr>
+          <p:cNvGrpSpPr>
+            <a:grpSpLocks/>
+          </p:cNvGrpSpPr>
+          <p:nvPr/>
+        </p:nvGrpSpPr>
+        <p:grpSpPr bwMode="auto">
+          <a:xfrm>
+            <a:off x="1464582" y="2112135"/>
+            <a:ext cx="6371172" cy="3466737"/>
+            <a:chOff x="113" y="2704"/>
+            <a:chExt cx="3989" cy="1316"/>
+          </a:xfrm>
+        </p:grpSpPr>
+        <p:sp>
+          <p:nvSpPr>
+            <p:cNvPr id="17" name="Rectangle 1663">
+              <a:extLst>
+                <a:ext uri="{FF2B5EF4-FFF2-40B4-BE49-F238E27FC236}">
+                  <a16:creationId xmlns:a16="http://schemas.microsoft.com/office/drawing/2014/main" id="{D47688A7-B0DD-44EC-8F8E-8A39C95259F6}"/>
+                </a:ext>
+              </a:extLst>
+            </p:cNvPr>
+            <p:cNvSpPr>
+              <a:spLocks noChangeArrowheads="1"/>
+            </p:cNvSpPr>
+            <p:nvPr/>
+          </p:nvSpPr>
+          <p:spPr bwMode="auto">
+            <a:xfrm>
+              <a:off x="113" y="2704"/>
+              <a:ext cx="1179" cy="1316"/>
+            </a:xfrm>
+            <a:prstGeom prst="rect">
+              <a:avLst/>
+            </a:prstGeom>
+            <a:noFill/>
+            <a:ln w="25400">
+              <a:solidFill>
+                <a:srgbClr val="000000"/>
+              </a:solidFill>
+              <a:miter lim="800000"/>
+              <a:headEnd/>
+              <a:tailEnd/>
+            </a:ln>
+          </p:spPr>
+          <p:txBody>
+            <a:bodyPr wrap="none" anchor="ctr"/>
+            <a:lstStyle>
+              <a:defPPr>
+                <a:defRPr lang="it-IT"/>
+              </a:defPPr>
+              <a:lvl1pPr algn="l" rtl="0" fontAlgn="base">
+                <a:spcBef>
+                  <a:spcPct val="0"/>
+                </a:spcBef>
+                <a:spcAft>
+                  <a:spcPct val="0"/>
+                </a:spcAft>
+                <a:defRPr u="sng" kern="1200">
+                  <a:solidFill>
+                    <a:schemeClr val="tx1"/>
+                  </a:solidFill>
+                  <a:latin typeface="Arial" panose="020B0604020202020204" pitchFamily="34" charset="0"/>
+                  <a:ea typeface="+mn-ea"/>
+                  <a:cs typeface="+mn-cs"/>
+                </a:defRPr>
+              </a:lvl1pPr>
+              <a:lvl2pPr marL="457200" algn="l" rtl="0" fontAlgn="base">
+                <a:spcBef>
+                  <a:spcPct val="0"/>
+                </a:spcBef>
+                <a:spcAft>
+                  <a:spcPct val="0"/>
+                </a:spcAft>
+                <a:defRPr u="sng" kern="1200">
+                  <a:solidFill>
+                    <a:schemeClr val="tx1"/>
+                  </a:solidFill>
+                  <a:latin typeface="Arial" panose="020B0604020202020204" pitchFamily="34" charset="0"/>
+                  <a:ea typeface="+mn-ea"/>
+                  <a:cs typeface="+mn-cs"/>
+                </a:defRPr>
+              </a:lvl2pPr>
+              <a:lvl3pPr marL="914400" algn="l" rtl="0" fontAlgn="base">
+                <a:spcBef>
+                  <a:spcPct val="0"/>
+                </a:spcBef>
+                <a:spcAft>
+                  <a:spcPct val="0"/>
+                </a:spcAft>
+                <a:defRPr u="sng" kern="1200">
+                  <a:solidFill>
+                    <a:schemeClr val="tx1"/>
+                  </a:solidFill>
+                  <a:latin typeface="Arial" panose="020B0604020202020204" pitchFamily="34" charset="0"/>
+                  <a:ea typeface="+mn-ea"/>
+                  <a:cs typeface="+mn-cs"/>
+                </a:defRPr>
+              </a:lvl3pPr>
+              <a:lvl4pPr marL="1371600" algn="l" rtl="0" fontAlgn="base">
+                <a:spcBef>
+                  <a:spcPct val="0"/>
+                </a:spcBef>
+                <a:spcAft>
+                  <a:spcPct val="0"/>
+                </a:spcAft>
+                <a:defRPr u="sng" kern="1200">
+                  <a:solidFill>
+                    <a:schemeClr val="tx1"/>
+                  </a:solidFill>
+                  <a:latin typeface="Arial" panose="020B0604020202020204" pitchFamily="34" charset="0"/>
+                  <a:ea typeface="+mn-ea"/>
+                  <a:cs typeface="+mn-cs"/>
+                </a:defRPr>
+              </a:lvl4pPr>
+              <a:lvl5pPr marL="1828800" algn="l" rtl="0" fontAlgn="base">
+                <a:spcBef>
+                  <a:spcPct val="0"/>
+                </a:spcBef>
+                <a:spcAft>
+                  <a:spcPct val="0"/>
+                </a:spcAft>
+                <a:defRPr u="sng" kern="1200">
+                  <a:solidFill>
+                    <a:schemeClr val="tx1"/>
+                  </a:solidFill>
+                  <a:latin typeface="Arial" panose="020B0604020202020204" pitchFamily="34" charset="0"/>
+                  <a:ea typeface="+mn-ea"/>
+                  <a:cs typeface="+mn-cs"/>
+                </a:defRPr>
+              </a:lvl5pPr>
+              <a:lvl6pPr marL="2286000" algn="l" defTabSz="914400" rtl="0" eaLnBrk="1" latinLnBrk="0" hangingPunct="1">
+                <a:defRPr u="sng" kern="1200">
+                  <a:solidFill>
+                    <a:schemeClr val="tx1"/>
+                  </a:solidFill>
+                  <a:latin typeface="Arial" panose="020B0604020202020204" pitchFamily="34" charset="0"/>
+                  <a:ea typeface="+mn-ea"/>
+                  <a:cs typeface="+mn-cs"/>
+                </a:defRPr>
+              </a:lvl6pPr>
+              <a:lvl7pPr marL="2743200" algn="l" defTabSz="914400" rtl="0" eaLnBrk="1" latinLnBrk="0" hangingPunct="1">
+                <a:defRPr u="sng" kern="1200">
+                  <a:solidFill>
+                    <a:schemeClr val="tx1"/>
+                  </a:solidFill>
+                  <a:latin typeface="Arial" panose="020B0604020202020204" pitchFamily="34" charset="0"/>
+                  <a:ea typeface="+mn-ea"/>
+                  <a:cs typeface="+mn-cs"/>
+                </a:defRPr>
+              </a:lvl7pPr>
+              <a:lvl8pPr marL="3200400" algn="l" defTabSz="914400" rtl="0" eaLnBrk="1" latinLnBrk="0" hangingPunct="1">
+                <a:defRPr u="sng" kern="1200">
+                  <a:solidFill>
+                    <a:schemeClr val="tx1"/>
+                  </a:solidFill>
+                  <a:latin typeface="Arial" panose="020B0604020202020204" pitchFamily="34" charset="0"/>
+                  <a:ea typeface="+mn-ea"/>
+                  <a:cs typeface="+mn-cs"/>
+                </a:defRPr>
+              </a:lvl8pPr>
+              <a:lvl9pPr marL="3657600" algn="l" defTabSz="914400" rtl="0" eaLnBrk="1" latinLnBrk="0" hangingPunct="1">
+                <a:defRPr u="sng" kern="1200">
+                  <a:solidFill>
+                    <a:schemeClr val="tx1"/>
+                  </a:solidFill>
+                  <a:latin typeface="Arial" panose="020B0604020202020204" pitchFamily="34" charset="0"/>
+                  <a:ea typeface="+mn-ea"/>
+                  <a:cs typeface="+mn-cs"/>
+                </a:defRPr>
+              </a:lvl9pPr>
+            </a:lstStyle>
+            <a:p>
+              <a:pPr fontAlgn="auto">
+                <a:spcBef>
+                  <a:spcPts val="0"/>
+                </a:spcBef>
+                <a:spcAft>
+                  <a:spcPts val="0"/>
+                </a:spcAft>
+                <a:defRPr/>
+              </a:pPr>
+              <a:endParaRPr lang="it-IT" u="none" kern="0">
+                <a:solidFill>
+                  <a:sysClr val="windowText" lastClr="000000"/>
+                </a:solidFill>
+                <a:latin typeface="Calibri" pitchFamily="34" charset="0"/>
+              </a:endParaRPr>
+            </a:p>
+          </p:txBody>
+        </p:sp>
+        <p:sp>
+          <p:nvSpPr>
+            <p:cNvPr id="18" name="Rectangle 1664">
+              <a:extLst>
+                <a:ext uri="{FF2B5EF4-FFF2-40B4-BE49-F238E27FC236}">
+                  <a16:creationId xmlns:a16="http://schemas.microsoft.com/office/drawing/2014/main" id="{CA174078-2D6B-43FB-97C2-03A4A0C5E9D1}"/>
+                </a:ext>
+              </a:extLst>
+            </p:cNvPr>
+            <p:cNvSpPr>
+              <a:spLocks noChangeArrowheads="1"/>
+            </p:cNvSpPr>
+            <p:nvPr/>
+          </p:nvSpPr>
+          <p:spPr bwMode="auto">
+            <a:xfrm>
+              <a:off x="3190" y="3690"/>
+              <a:ext cx="782" cy="123"/>
+            </a:xfrm>
+            <a:prstGeom prst="rect">
+              <a:avLst/>
+            </a:prstGeom>
+            <a:solidFill>
+              <a:srgbClr val="BBE0E3"/>
+            </a:solidFill>
+            <a:ln w="28575">
+              <a:solidFill>
+                <a:srgbClr val="000000"/>
+              </a:solidFill>
+              <a:miter lim="800000"/>
+              <a:headEnd/>
+              <a:tailEnd/>
+            </a:ln>
+          </p:spPr>
+          <p:txBody>
+            <a:bodyPr wrap="none" anchor="ctr"/>
+            <a:lstStyle>
+              <a:defPPr>
+                <a:defRPr lang="it-IT"/>
+              </a:defPPr>
+              <a:lvl1pPr algn="l" rtl="0" fontAlgn="base">
+                <a:spcBef>
+                  <a:spcPct val="0"/>
+                </a:spcBef>
+                <a:spcAft>
+                  <a:spcPct val="0"/>
+                </a:spcAft>
+                <a:defRPr u="sng" kern="1200">
+                  <a:solidFill>
+                    <a:schemeClr val="tx1"/>
+                  </a:solidFill>
+                  <a:latin typeface="Arial" panose="020B0604020202020204" pitchFamily="34" charset="0"/>
+                  <a:ea typeface="+mn-ea"/>
+                  <a:cs typeface="+mn-cs"/>
+                </a:defRPr>
+              </a:lvl1pPr>
+              <a:lvl2pPr marL="457200" algn="l" rtl="0" fontAlgn="base">
+                <a:spcBef>
+                  <a:spcPct val="0"/>
+                </a:spcBef>
+                <a:spcAft>
+                  <a:spcPct val="0"/>
+                </a:spcAft>
+                <a:defRPr u="sng" kern="1200">
+                  <a:solidFill>
+                    <a:schemeClr val="tx1"/>
+                  </a:solidFill>
+                  <a:latin typeface="Arial" panose="020B0604020202020204" pitchFamily="34" charset="0"/>
+                  <a:ea typeface="+mn-ea"/>
+                  <a:cs typeface="+mn-cs"/>
+                </a:defRPr>
+              </a:lvl2pPr>
+              <a:lvl3pPr marL="914400" algn="l" rtl="0" fontAlgn="base">
+                <a:spcBef>
+                  <a:spcPct val="0"/>
+                </a:spcBef>
+                <a:spcAft>
+                  <a:spcPct val="0"/>
+                </a:spcAft>
+                <a:defRPr u="sng" kern="1200">
+                  <a:solidFill>
+                    <a:schemeClr val="tx1"/>
+                  </a:solidFill>
+                  <a:latin typeface="Arial" panose="020B0604020202020204" pitchFamily="34" charset="0"/>
+                  <a:ea typeface="+mn-ea"/>
+                  <a:cs typeface="+mn-cs"/>
+                </a:defRPr>
+              </a:lvl3pPr>
+              <a:lvl4pPr marL="1371600" algn="l" rtl="0" fontAlgn="base">
+                <a:spcBef>
+                  <a:spcPct val="0"/>
+                </a:spcBef>
+                <a:spcAft>
+                  <a:spcPct val="0"/>
+                </a:spcAft>
+                <a:defRPr u="sng" kern="1200">
+                  <a:solidFill>
+                    <a:schemeClr val="tx1"/>
+                  </a:solidFill>
+                  <a:latin typeface="Arial" panose="020B0604020202020204" pitchFamily="34" charset="0"/>
+                  <a:ea typeface="+mn-ea"/>
+                  <a:cs typeface="+mn-cs"/>
+                </a:defRPr>
+              </a:lvl4pPr>
+              <a:lvl5pPr marL="1828800" algn="l" rtl="0" fontAlgn="base">
+                <a:spcBef>
+                  <a:spcPct val="0"/>
+                </a:spcBef>
+                <a:spcAft>
+                  <a:spcPct val="0"/>
+                </a:spcAft>
+                <a:defRPr u="sng" kern="1200">
+                  <a:solidFill>
+                    <a:schemeClr val="tx1"/>
+                  </a:solidFill>
+                  <a:latin typeface="Arial" panose="020B0604020202020204" pitchFamily="34" charset="0"/>
+                  <a:ea typeface="+mn-ea"/>
+                  <a:cs typeface="+mn-cs"/>
+                </a:defRPr>
+              </a:lvl5pPr>
+              <a:lvl6pPr marL="2286000" algn="l" defTabSz="914400" rtl="0" eaLnBrk="1" latinLnBrk="0" hangingPunct="1">
+                <a:defRPr u="sng" kern="1200">
+                  <a:solidFill>
+                    <a:schemeClr val="tx1"/>
+                  </a:solidFill>
+                  <a:latin typeface="Arial" panose="020B0604020202020204" pitchFamily="34" charset="0"/>
+                  <a:ea typeface="+mn-ea"/>
+                  <a:cs typeface="+mn-cs"/>
+                </a:defRPr>
+              </a:lvl6pPr>
+              <a:lvl7pPr marL="2743200" algn="l" defTabSz="914400" rtl="0" eaLnBrk="1" latinLnBrk="0" hangingPunct="1">
+                <a:defRPr u="sng" kern="1200">
+                  <a:solidFill>
+                    <a:schemeClr val="tx1"/>
+                  </a:solidFill>
+                  <a:latin typeface="Arial" panose="020B0604020202020204" pitchFamily="34" charset="0"/>
+                  <a:ea typeface="+mn-ea"/>
+                  <a:cs typeface="+mn-cs"/>
+                </a:defRPr>
+              </a:lvl7pPr>
+              <a:lvl8pPr marL="3200400" algn="l" defTabSz="914400" rtl="0" eaLnBrk="1" latinLnBrk="0" hangingPunct="1">
+                <a:defRPr u="sng" kern="1200">
+                  <a:solidFill>
+                    <a:schemeClr val="tx1"/>
+                  </a:solidFill>
+                  <a:latin typeface="Arial" panose="020B0604020202020204" pitchFamily="34" charset="0"/>
+                  <a:ea typeface="+mn-ea"/>
+                  <a:cs typeface="+mn-cs"/>
+                </a:defRPr>
+              </a:lvl8pPr>
+              <a:lvl9pPr marL="3657600" algn="l" defTabSz="914400" rtl="0" eaLnBrk="1" latinLnBrk="0" hangingPunct="1">
+                <a:defRPr u="sng" kern="1200">
+                  <a:solidFill>
+                    <a:schemeClr val="tx1"/>
+                  </a:solidFill>
+                  <a:latin typeface="Arial" panose="020B0604020202020204" pitchFamily="34" charset="0"/>
+                  <a:ea typeface="+mn-ea"/>
+                  <a:cs typeface="+mn-cs"/>
+                </a:defRPr>
+              </a:lvl9pPr>
+            </a:lstStyle>
+            <a:p>
+              <a:pPr algn="ctr" fontAlgn="auto">
+                <a:spcBef>
+                  <a:spcPts val="0"/>
+                </a:spcBef>
+                <a:spcAft>
+                  <a:spcPts val="0"/>
+                </a:spcAft>
+                <a:defRPr/>
+              </a:pPr>
+              <a:r>
+                <a:rPr lang="en-US" sz="1200" u="none" kern="0" dirty="0">
+                  <a:solidFill>
+                    <a:sysClr val="windowText" lastClr="000000"/>
+                  </a:solidFill>
+                  <a:latin typeface="Calibri" pitchFamily="34" charset="0"/>
+                </a:rPr>
+                <a:t>Class</a:t>
+              </a:r>
+              <a:r>
+                <a:rPr lang="en-US" sz="800" u="none" kern="0" dirty="0">
+                  <a:solidFill>
+                    <a:sysClr val="windowText" lastClr="000000"/>
+                  </a:solidFill>
+                  <a:latin typeface="Arial" charset="0"/>
+                </a:rPr>
+                <a:t> </a:t>
+              </a:r>
+              <a:r>
+                <a:rPr lang="en-US" sz="1200" u="none" kern="0" dirty="0">
+                  <a:solidFill>
+                    <a:sysClr val="windowText" lastClr="000000"/>
+                  </a:solidFill>
+                  <a:latin typeface="Calibri" pitchFamily="34" charset="0"/>
+                </a:rPr>
+                <a:t>Instance</a:t>
+              </a:r>
+              <a:endParaRPr lang="it-IT" sz="1200" u="none" kern="0" dirty="0">
+                <a:solidFill>
+                  <a:sysClr val="windowText" lastClr="000000"/>
+                </a:solidFill>
+                <a:latin typeface="Calibri" pitchFamily="34" charset="0"/>
+              </a:endParaRPr>
+            </a:p>
+          </p:txBody>
+        </p:sp>
+        <p:sp>
+          <p:nvSpPr>
+            <p:cNvPr id="19" name="Text Box 1665">
+              <a:extLst>
+                <a:ext uri="{FF2B5EF4-FFF2-40B4-BE49-F238E27FC236}">
+                  <a16:creationId xmlns:a16="http://schemas.microsoft.com/office/drawing/2014/main" id="{56D157B6-1983-41D5-98B2-0D57A0DEB190}"/>
+                </a:ext>
+              </a:extLst>
+            </p:cNvPr>
+            <p:cNvSpPr txBox="1">
+              <a:spLocks noChangeArrowheads="1"/>
+            </p:cNvSpPr>
+            <p:nvPr/>
+          </p:nvSpPr>
+          <p:spPr bwMode="auto">
+            <a:xfrm>
+              <a:off x="238" y="3387"/>
+              <a:ext cx="520" cy="179"/>
+            </a:xfrm>
+            <a:prstGeom prst="rect">
+              <a:avLst/>
+            </a:prstGeom>
+            <a:noFill/>
+            <a:ln w="9525">
+              <a:solidFill>
+                <a:srgbClr val="000000"/>
+              </a:solidFill>
+              <a:prstDash val="lgDash"/>
+              <a:miter lim="800000"/>
+              <a:headEnd/>
+              <a:tailEnd/>
+            </a:ln>
+          </p:spPr>
+          <p:txBody>
+            <a:bodyPr>
+              <a:spAutoFit/>
+            </a:bodyPr>
+            <a:lstStyle>
+              <a:defPPr>
+                <a:defRPr lang="it-IT"/>
+              </a:defPPr>
+              <a:lvl1pPr algn="l" rtl="0" fontAlgn="base">
+                <a:spcBef>
+                  <a:spcPct val="0"/>
+                </a:spcBef>
+                <a:spcAft>
+                  <a:spcPct val="0"/>
+                </a:spcAft>
+                <a:defRPr u="sng" kern="1200">
+                  <a:solidFill>
+                    <a:schemeClr val="tx1"/>
+                  </a:solidFill>
+                  <a:latin typeface="Arial" panose="020B0604020202020204" pitchFamily="34" charset="0"/>
+                  <a:ea typeface="+mn-ea"/>
+                  <a:cs typeface="+mn-cs"/>
+                </a:defRPr>
+              </a:lvl1pPr>
+              <a:lvl2pPr marL="457200" algn="l" rtl="0" fontAlgn="base">
+                <a:spcBef>
+                  <a:spcPct val="0"/>
+                </a:spcBef>
+                <a:spcAft>
+                  <a:spcPct val="0"/>
+                </a:spcAft>
+                <a:defRPr u="sng" kern="1200">
+                  <a:solidFill>
+                    <a:schemeClr val="tx1"/>
+                  </a:solidFill>
+                  <a:latin typeface="Arial" panose="020B0604020202020204" pitchFamily="34" charset="0"/>
+                  <a:ea typeface="+mn-ea"/>
+                  <a:cs typeface="+mn-cs"/>
+                </a:defRPr>
+              </a:lvl2pPr>
+              <a:lvl3pPr marL="914400" algn="l" rtl="0" fontAlgn="base">
+                <a:spcBef>
+                  <a:spcPct val="0"/>
+                </a:spcBef>
+                <a:spcAft>
+                  <a:spcPct val="0"/>
+                </a:spcAft>
+                <a:defRPr u="sng" kern="1200">
+                  <a:solidFill>
+                    <a:schemeClr val="tx1"/>
+                  </a:solidFill>
+                  <a:latin typeface="Arial" panose="020B0604020202020204" pitchFamily="34" charset="0"/>
+                  <a:ea typeface="+mn-ea"/>
+                  <a:cs typeface="+mn-cs"/>
+                </a:defRPr>
+              </a:lvl3pPr>
+              <a:lvl4pPr marL="1371600" algn="l" rtl="0" fontAlgn="base">
+                <a:spcBef>
+                  <a:spcPct val="0"/>
+                </a:spcBef>
+                <a:spcAft>
+                  <a:spcPct val="0"/>
+                </a:spcAft>
+                <a:defRPr u="sng" kern="1200">
+                  <a:solidFill>
+                    <a:schemeClr val="tx1"/>
+                  </a:solidFill>
+                  <a:latin typeface="Arial" panose="020B0604020202020204" pitchFamily="34" charset="0"/>
+                  <a:ea typeface="+mn-ea"/>
+                  <a:cs typeface="+mn-cs"/>
+                </a:defRPr>
+              </a:lvl4pPr>
+              <a:lvl5pPr marL="1828800" algn="l" rtl="0" fontAlgn="base">
+                <a:spcBef>
+                  <a:spcPct val="0"/>
+                </a:spcBef>
+                <a:spcAft>
+                  <a:spcPct val="0"/>
+                </a:spcAft>
+                <a:defRPr u="sng" kern="1200">
+                  <a:solidFill>
+                    <a:schemeClr val="tx1"/>
+                  </a:solidFill>
+                  <a:latin typeface="Arial" panose="020B0604020202020204" pitchFamily="34" charset="0"/>
+                  <a:ea typeface="+mn-ea"/>
+                  <a:cs typeface="+mn-cs"/>
+                </a:defRPr>
+              </a:lvl5pPr>
+              <a:lvl6pPr marL="2286000" algn="l" defTabSz="914400" rtl="0" eaLnBrk="1" latinLnBrk="0" hangingPunct="1">
+                <a:defRPr u="sng" kern="1200">
+                  <a:solidFill>
+                    <a:schemeClr val="tx1"/>
+                  </a:solidFill>
+                  <a:latin typeface="Arial" panose="020B0604020202020204" pitchFamily="34" charset="0"/>
+                  <a:ea typeface="+mn-ea"/>
+                  <a:cs typeface="+mn-cs"/>
+                </a:defRPr>
+              </a:lvl6pPr>
+              <a:lvl7pPr marL="2743200" algn="l" defTabSz="914400" rtl="0" eaLnBrk="1" latinLnBrk="0" hangingPunct="1">
+                <a:defRPr u="sng" kern="1200">
+                  <a:solidFill>
+                    <a:schemeClr val="tx1"/>
+                  </a:solidFill>
+                  <a:latin typeface="Arial" panose="020B0604020202020204" pitchFamily="34" charset="0"/>
+                  <a:ea typeface="+mn-ea"/>
+                  <a:cs typeface="+mn-cs"/>
+                </a:defRPr>
+              </a:lvl7pPr>
+              <a:lvl8pPr marL="3200400" algn="l" defTabSz="914400" rtl="0" eaLnBrk="1" latinLnBrk="0" hangingPunct="1">
+                <a:defRPr u="sng" kern="1200">
+                  <a:solidFill>
+                    <a:schemeClr val="tx1"/>
+                  </a:solidFill>
+                  <a:latin typeface="Arial" panose="020B0604020202020204" pitchFamily="34" charset="0"/>
+                  <a:ea typeface="+mn-ea"/>
+                  <a:cs typeface="+mn-cs"/>
+                </a:defRPr>
+              </a:lvl8pPr>
+              <a:lvl9pPr marL="3657600" algn="l" defTabSz="914400" rtl="0" eaLnBrk="1" latinLnBrk="0" hangingPunct="1">
+                <a:defRPr u="sng" kern="1200">
+                  <a:solidFill>
+                    <a:schemeClr val="tx1"/>
+                  </a:solidFill>
+                  <a:latin typeface="Arial" panose="020B0604020202020204" pitchFamily="34" charset="0"/>
+                  <a:ea typeface="+mn-ea"/>
+                  <a:cs typeface="+mn-cs"/>
+                </a:defRPr>
+              </a:lvl9pPr>
+            </a:lstStyle>
+            <a:p>
+              <a:pPr algn="ctr" fontAlgn="auto">
+                <a:spcBef>
+                  <a:spcPts val="0"/>
+                </a:spcBef>
+                <a:spcAft>
+                  <a:spcPts val="0"/>
+                </a:spcAft>
+                <a:defRPr/>
+              </a:pPr>
+              <a:r>
+                <a:rPr lang="en-US" sz="1200" u="none" kern="0" dirty="0">
+                  <a:solidFill>
+                    <a:sysClr val="windowText" lastClr="000000"/>
+                  </a:solidFill>
+                  <a:latin typeface="Calibri" pitchFamily="34" charset="0"/>
+                </a:rPr>
+                <a:t>Property</a:t>
+              </a:r>
+              <a:endParaRPr lang="it-IT" sz="1200" u="none" kern="0" dirty="0">
+                <a:solidFill>
+                  <a:sysClr val="windowText" lastClr="000000"/>
+                </a:solidFill>
+                <a:latin typeface="Calibri" pitchFamily="34" charset="0"/>
+              </a:endParaRPr>
+            </a:p>
+          </p:txBody>
+        </p:sp>
+        <p:sp>
+          <p:nvSpPr>
+            <p:cNvPr id="20" name="AutoShape 1666">
+              <a:extLst>
+                <a:ext uri="{FF2B5EF4-FFF2-40B4-BE49-F238E27FC236}">
+                  <a16:creationId xmlns:a16="http://schemas.microsoft.com/office/drawing/2014/main" id="{7559C412-2670-40BC-8094-BBE24540BB20}"/>
+                </a:ext>
+              </a:extLst>
+            </p:cNvPr>
+            <p:cNvSpPr>
+              <a:spLocks noChangeArrowheads="1"/>
+            </p:cNvSpPr>
+            <p:nvPr/>
+          </p:nvSpPr>
+          <p:spPr bwMode="auto">
+            <a:xfrm>
+              <a:off x="3061" y="3861"/>
+              <a:ext cx="1041" cy="159"/>
+            </a:xfrm>
+            <a:prstGeom prst="hexagon">
+              <a:avLst>
+                <a:gd name="adj" fmla="val 137845"/>
+                <a:gd name="vf" fmla="val 115470"/>
+              </a:avLst>
+            </a:prstGeom>
+            <a:solidFill>
+              <a:srgbClr val="2D2D8A">
+                <a:lumMod val="40000"/>
+                <a:lumOff val="60000"/>
+              </a:srgbClr>
+            </a:solidFill>
+            <a:ln w="28575">
+              <a:solidFill>
+                <a:srgbClr val="000000"/>
+              </a:solidFill>
+              <a:miter lim="800000"/>
+              <a:headEnd/>
+              <a:tailEnd/>
+            </a:ln>
+            <a:effectLst/>
+          </p:spPr>
+          <p:txBody>
+            <a:bodyPr wrap="none" anchor="ctr"/>
+            <a:lstStyle>
+              <a:defPPr>
+                <a:defRPr lang="it-IT"/>
+              </a:defPPr>
+              <a:lvl1pPr algn="l" rtl="0" fontAlgn="base">
+                <a:spcBef>
+                  <a:spcPct val="0"/>
+                </a:spcBef>
+                <a:spcAft>
+                  <a:spcPct val="0"/>
+                </a:spcAft>
+                <a:defRPr u="sng" kern="1200">
+                  <a:solidFill>
+                    <a:schemeClr val="tx1"/>
+                  </a:solidFill>
+                  <a:latin typeface="Arial" panose="020B0604020202020204" pitchFamily="34" charset="0"/>
+                  <a:ea typeface="+mn-ea"/>
+                  <a:cs typeface="+mn-cs"/>
+                </a:defRPr>
+              </a:lvl1pPr>
+              <a:lvl2pPr marL="457200" algn="l" rtl="0" fontAlgn="base">
+                <a:spcBef>
+                  <a:spcPct val="0"/>
+                </a:spcBef>
+                <a:spcAft>
+                  <a:spcPct val="0"/>
+                </a:spcAft>
+                <a:defRPr u="sng" kern="1200">
+                  <a:solidFill>
+                    <a:schemeClr val="tx1"/>
+                  </a:solidFill>
+                  <a:latin typeface="Arial" panose="020B0604020202020204" pitchFamily="34" charset="0"/>
+                  <a:ea typeface="+mn-ea"/>
+                  <a:cs typeface="+mn-cs"/>
+                </a:defRPr>
+              </a:lvl2pPr>
+              <a:lvl3pPr marL="914400" algn="l" rtl="0" fontAlgn="base">
+                <a:spcBef>
+                  <a:spcPct val="0"/>
+                </a:spcBef>
+                <a:spcAft>
+                  <a:spcPct val="0"/>
+                </a:spcAft>
+                <a:defRPr u="sng" kern="1200">
+                  <a:solidFill>
+                    <a:schemeClr val="tx1"/>
+                  </a:solidFill>
+                  <a:latin typeface="Arial" panose="020B0604020202020204" pitchFamily="34" charset="0"/>
+                  <a:ea typeface="+mn-ea"/>
+                  <a:cs typeface="+mn-cs"/>
+                </a:defRPr>
+              </a:lvl3pPr>
+              <a:lvl4pPr marL="1371600" algn="l" rtl="0" fontAlgn="base">
+                <a:spcBef>
+                  <a:spcPct val="0"/>
+                </a:spcBef>
+                <a:spcAft>
+                  <a:spcPct val="0"/>
+                </a:spcAft>
+                <a:defRPr u="sng" kern="1200">
+                  <a:solidFill>
+                    <a:schemeClr val="tx1"/>
+                  </a:solidFill>
+                  <a:latin typeface="Arial" panose="020B0604020202020204" pitchFamily="34" charset="0"/>
+                  <a:ea typeface="+mn-ea"/>
+                  <a:cs typeface="+mn-cs"/>
+                </a:defRPr>
+              </a:lvl4pPr>
+              <a:lvl5pPr marL="1828800" algn="l" rtl="0" fontAlgn="base">
+                <a:spcBef>
+                  <a:spcPct val="0"/>
+                </a:spcBef>
+                <a:spcAft>
+                  <a:spcPct val="0"/>
+                </a:spcAft>
+                <a:defRPr u="sng" kern="1200">
+                  <a:solidFill>
+                    <a:schemeClr val="tx1"/>
+                  </a:solidFill>
+                  <a:latin typeface="Arial" panose="020B0604020202020204" pitchFamily="34" charset="0"/>
+                  <a:ea typeface="+mn-ea"/>
+                  <a:cs typeface="+mn-cs"/>
+                </a:defRPr>
+              </a:lvl5pPr>
+              <a:lvl6pPr marL="2286000" algn="l" defTabSz="914400" rtl="0" eaLnBrk="1" latinLnBrk="0" hangingPunct="1">
+                <a:defRPr u="sng" kern="1200">
+                  <a:solidFill>
+                    <a:schemeClr val="tx1"/>
+                  </a:solidFill>
+                  <a:latin typeface="Arial" panose="020B0604020202020204" pitchFamily="34" charset="0"/>
+                  <a:ea typeface="+mn-ea"/>
+                  <a:cs typeface="+mn-cs"/>
+                </a:defRPr>
+              </a:lvl6pPr>
+              <a:lvl7pPr marL="2743200" algn="l" defTabSz="914400" rtl="0" eaLnBrk="1" latinLnBrk="0" hangingPunct="1">
+                <a:defRPr u="sng" kern="1200">
+                  <a:solidFill>
+                    <a:schemeClr val="tx1"/>
+                  </a:solidFill>
+                  <a:latin typeface="Arial" panose="020B0604020202020204" pitchFamily="34" charset="0"/>
+                  <a:ea typeface="+mn-ea"/>
+                  <a:cs typeface="+mn-cs"/>
+                </a:defRPr>
+              </a:lvl7pPr>
+              <a:lvl8pPr marL="3200400" algn="l" defTabSz="914400" rtl="0" eaLnBrk="1" latinLnBrk="0" hangingPunct="1">
+                <a:defRPr u="sng" kern="1200">
+                  <a:solidFill>
+                    <a:schemeClr val="tx1"/>
+                  </a:solidFill>
+                  <a:latin typeface="Arial" panose="020B0604020202020204" pitchFamily="34" charset="0"/>
+                  <a:ea typeface="+mn-ea"/>
+                  <a:cs typeface="+mn-cs"/>
+                </a:defRPr>
+              </a:lvl8pPr>
+              <a:lvl9pPr marL="3657600" algn="l" defTabSz="914400" rtl="0" eaLnBrk="1" latinLnBrk="0" hangingPunct="1">
+                <a:defRPr u="sng" kern="1200">
+                  <a:solidFill>
+                    <a:schemeClr val="tx1"/>
+                  </a:solidFill>
+                  <a:latin typeface="Arial" panose="020B0604020202020204" pitchFamily="34" charset="0"/>
+                  <a:ea typeface="+mn-ea"/>
+                  <a:cs typeface="+mn-cs"/>
+                </a:defRPr>
+              </a:lvl9pPr>
+            </a:lstStyle>
+            <a:p>
+              <a:pPr algn="ctr" fontAlgn="auto">
+                <a:spcBef>
+                  <a:spcPts val="0"/>
+                </a:spcBef>
+                <a:spcAft>
+                  <a:spcPts val="0"/>
+                </a:spcAft>
+                <a:defRPr/>
+              </a:pPr>
+              <a:r>
+                <a:rPr lang="en-US" sz="1200" u="none" kern="0" dirty="0">
+                  <a:solidFill>
+                    <a:sysClr val="windowText" lastClr="000000"/>
+                  </a:solidFill>
+                  <a:latin typeface="Calibri" pitchFamily="34" charset="0"/>
+                </a:rPr>
+                <a:t>Literal</a:t>
+              </a:r>
+              <a:endParaRPr lang="it-IT" sz="1200" u="none" kern="0" dirty="0">
+                <a:solidFill>
+                  <a:sysClr val="windowText" lastClr="000000"/>
+                </a:solidFill>
+                <a:latin typeface="Calibri" pitchFamily="34" charset="0"/>
+              </a:endParaRPr>
+            </a:p>
+          </p:txBody>
+        </p:sp>
+        <p:sp>
+          <p:nvSpPr>
+            <p:cNvPr id="21" name="Line 1667">
+              <a:extLst>
+                <a:ext uri="{FF2B5EF4-FFF2-40B4-BE49-F238E27FC236}">
+                  <a16:creationId xmlns:a16="http://schemas.microsoft.com/office/drawing/2014/main" id="{8DF846F1-683E-464A-9CEE-92954901BF10}"/>
+                </a:ext>
+              </a:extLst>
+            </p:cNvPr>
+            <p:cNvSpPr>
+              <a:spLocks noChangeShapeType="1"/>
+            </p:cNvSpPr>
+            <p:nvPr/>
+          </p:nvSpPr>
+          <p:spPr bwMode="auto">
+            <a:xfrm>
+              <a:off x="806" y="3467"/>
+              <a:ext cx="379" cy="2"/>
+            </a:xfrm>
+            <a:prstGeom prst="line">
+              <a:avLst/>
+            </a:prstGeom>
+            <a:noFill/>
+            <a:ln w="12700">
+              <a:solidFill>
+                <a:srgbClr val="000000"/>
+              </a:solidFill>
+              <a:prstDash val="dash"/>
+              <a:round/>
+              <a:headEnd/>
+              <a:tailEnd type="triangle" w="med" len="med"/>
+            </a:ln>
+          </p:spPr>
+          <p:txBody>
+            <a:bodyPr/>
+            <a:lstStyle>
+              <a:defPPr>
+                <a:defRPr lang="it-IT"/>
+              </a:defPPr>
+              <a:lvl1pPr algn="l" rtl="0" fontAlgn="base">
+                <a:spcBef>
+                  <a:spcPct val="0"/>
+                </a:spcBef>
+                <a:spcAft>
+                  <a:spcPct val="0"/>
+                </a:spcAft>
+                <a:defRPr u="sng" kern="1200">
+                  <a:solidFill>
+                    <a:schemeClr val="tx1"/>
+                  </a:solidFill>
+                  <a:latin typeface="Arial" panose="020B0604020202020204" pitchFamily="34" charset="0"/>
+                  <a:ea typeface="+mn-ea"/>
+                  <a:cs typeface="+mn-cs"/>
+                </a:defRPr>
+              </a:lvl1pPr>
+              <a:lvl2pPr marL="457200" algn="l" rtl="0" fontAlgn="base">
+                <a:spcBef>
+                  <a:spcPct val="0"/>
+                </a:spcBef>
+                <a:spcAft>
+                  <a:spcPct val="0"/>
+                </a:spcAft>
+                <a:defRPr u="sng" kern="1200">
+                  <a:solidFill>
+                    <a:schemeClr val="tx1"/>
+                  </a:solidFill>
+                  <a:latin typeface="Arial" panose="020B0604020202020204" pitchFamily="34" charset="0"/>
+                  <a:ea typeface="+mn-ea"/>
+                  <a:cs typeface="+mn-cs"/>
+                </a:defRPr>
+              </a:lvl2pPr>
+              <a:lvl3pPr marL="914400" algn="l" rtl="0" fontAlgn="base">
+                <a:spcBef>
+                  <a:spcPct val="0"/>
+                </a:spcBef>
+                <a:spcAft>
+                  <a:spcPct val="0"/>
+                </a:spcAft>
+                <a:defRPr u="sng" kern="1200">
+                  <a:solidFill>
+                    <a:schemeClr val="tx1"/>
+                  </a:solidFill>
+                  <a:latin typeface="Arial" panose="020B0604020202020204" pitchFamily="34" charset="0"/>
+                  <a:ea typeface="+mn-ea"/>
+                  <a:cs typeface="+mn-cs"/>
+                </a:defRPr>
+              </a:lvl3pPr>
+              <a:lvl4pPr marL="1371600" algn="l" rtl="0" fontAlgn="base">
+                <a:spcBef>
+                  <a:spcPct val="0"/>
+                </a:spcBef>
+                <a:spcAft>
+                  <a:spcPct val="0"/>
+                </a:spcAft>
+                <a:defRPr u="sng" kern="1200">
+                  <a:solidFill>
+                    <a:schemeClr val="tx1"/>
+                  </a:solidFill>
+                  <a:latin typeface="Arial" panose="020B0604020202020204" pitchFamily="34" charset="0"/>
+                  <a:ea typeface="+mn-ea"/>
+                  <a:cs typeface="+mn-cs"/>
+                </a:defRPr>
+              </a:lvl4pPr>
+              <a:lvl5pPr marL="1828800" algn="l" rtl="0" fontAlgn="base">
+                <a:spcBef>
+                  <a:spcPct val="0"/>
+                </a:spcBef>
+                <a:spcAft>
+                  <a:spcPct val="0"/>
+                </a:spcAft>
+                <a:defRPr u="sng" kern="1200">
+                  <a:solidFill>
+                    <a:schemeClr val="tx1"/>
+                  </a:solidFill>
+                  <a:latin typeface="Arial" panose="020B0604020202020204" pitchFamily="34" charset="0"/>
+                  <a:ea typeface="+mn-ea"/>
+                  <a:cs typeface="+mn-cs"/>
+                </a:defRPr>
+              </a:lvl5pPr>
+              <a:lvl6pPr marL="2286000" algn="l" defTabSz="914400" rtl="0" eaLnBrk="1" latinLnBrk="0" hangingPunct="1">
+                <a:defRPr u="sng" kern="1200">
+                  <a:solidFill>
+                    <a:schemeClr val="tx1"/>
+                  </a:solidFill>
+                  <a:latin typeface="Arial" panose="020B0604020202020204" pitchFamily="34" charset="0"/>
+                  <a:ea typeface="+mn-ea"/>
+                  <a:cs typeface="+mn-cs"/>
+                </a:defRPr>
+              </a:lvl6pPr>
+              <a:lvl7pPr marL="2743200" algn="l" defTabSz="914400" rtl="0" eaLnBrk="1" latinLnBrk="0" hangingPunct="1">
+                <a:defRPr u="sng" kern="1200">
+                  <a:solidFill>
+                    <a:schemeClr val="tx1"/>
+                  </a:solidFill>
+                  <a:latin typeface="Arial" panose="020B0604020202020204" pitchFamily="34" charset="0"/>
+                  <a:ea typeface="+mn-ea"/>
+                  <a:cs typeface="+mn-cs"/>
+                </a:defRPr>
+              </a:lvl7pPr>
+              <a:lvl8pPr marL="3200400" algn="l" defTabSz="914400" rtl="0" eaLnBrk="1" latinLnBrk="0" hangingPunct="1">
+                <a:defRPr u="sng" kern="1200">
+                  <a:solidFill>
+                    <a:schemeClr val="tx1"/>
+                  </a:solidFill>
+                  <a:latin typeface="Arial" panose="020B0604020202020204" pitchFamily="34" charset="0"/>
+                  <a:ea typeface="+mn-ea"/>
+                  <a:cs typeface="+mn-cs"/>
+                </a:defRPr>
+              </a:lvl8pPr>
+              <a:lvl9pPr marL="3657600" algn="l" defTabSz="914400" rtl="0" eaLnBrk="1" latinLnBrk="0" hangingPunct="1">
+                <a:defRPr u="sng" kern="1200">
+                  <a:solidFill>
+                    <a:schemeClr val="tx1"/>
+                  </a:solidFill>
+                  <a:latin typeface="Arial" panose="020B0604020202020204" pitchFamily="34" charset="0"/>
+                  <a:ea typeface="+mn-ea"/>
+                  <a:cs typeface="+mn-cs"/>
+                </a:defRPr>
+              </a:lvl9pPr>
+            </a:lstStyle>
+            <a:p>
+              <a:pPr fontAlgn="auto">
+                <a:spcBef>
+                  <a:spcPts val="0"/>
+                </a:spcBef>
+                <a:spcAft>
+                  <a:spcPts val="0"/>
+                </a:spcAft>
+                <a:defRPr/>
+              </a:pPr>
+              <a:endParaRPr lang="it-IT" u="none" kern="0">
+                <a:solidFill>
+                  <a:sysClr val="windowText" lastClr="000000"/>
+                </a:solidFill>
+                <a:latin typeface="Arial" charset="0"/>
+              </a:endParaRPr>
+            </a:p>
+          </p:txBody>
+        </p:sp>
+        <p:sp>
+          <p:nvSpPr>
+            <p:cNvPr id="22" name="Text Box 1680">
+              <a:extLst>
+                <a:ext uri="{FF2B5EF4-FFF2-40B4-BE49-F238E27FC236}">
+                  <a16:creationId xmlns:a16="http://schemas.microsoft.com/office/drawing/2014/main" id="{E1F4D4CA-7234-4DAF-A91D-BADB22DFDBEE}"/>
+                </a:ext>
+              </a:extLst>
+            </p:cNvPr>
+            <p:cNvSpPr txBox="1">
+              <a:spLocks noChangeArrowheads="1"/>
+            </p:cNvSpPr>
+            <p:nvPr/>
+          </p:nvSpPr>
+          <p:spPr bwMode="auto">
+            <a:xfrm>
+              <a:off x="249" y="2840"/>
+              <a:ext cx="624" cy="218"/>
+            </a:xfrm>
+            <a:prstGeom prst="rect">
+              <a:avLst/>
+            </a:prstGeom>
+            <a:noFill/>
+            <a:ln w="9525">
+              <a:solidFill>
+                <a:srgbClr val="FF0000"/>
+              </a:solidFill>
+              <a:prstDash val="lgDash"/>
+              <a:miter lim="800000"/>
+              <a:headEnd/>
+              <a:tailEnd/>
+            </a:ln>
+            <a:extLst>
+              <a:ext uri="{909E8E84-426E-40DD-AFC4-6F175D3DCCD1}">
+                <a14:hiddenFill xmlns:a14="http://schemas.microsoft.com/office/drawing/2010/main">
+                  <a:solidFill>
+                    <a:srgbClr val="FFFFFF"/>
+                  </a:solidFill>
+                </a14:hiddenFill>
+              </a:ext>
+            </a:extLst>
+          </p:spPr>
+          <p:txBody>
+            <a:bodyPr>
+              <a:spAutoFit/>
+            </a:bodyPr>
+            <a:lstStyle>
+              <a:defPPr>
+                <a:defRPr lang="it-IT"/>
+              </a:defPPr>
+              <a:lvl1pPr algn="l" rtl="0" fontAlgn="base">
+                <a:spcBef>
+                  <a:spcPct val="0"/>
+                </a:spcBef>
+                <a:spcAft>
+                  <a:spcPct val="0"/>
+                </a:spcAft>
+                <a:defRPr u="sng" kern="1200">
+                  <a:solidFill>
+                    <a:schemeClr val="tx1"/>
+                  </a:solidFill>
+                  <a:latin typeface="Arial" panose="020B0604020202020204" pitchFamily="34" charset="0"/>
+                  <a:ea typeface="+mn-ea"/>
+                  <a:cs typeface="+mn-cs"/>
+                </a:defRPr>
+              </a:lvl1pPr>
+              <a:lvl2pPr marL="457200" algn="l" rtl="0" fontAlgn="base">
+                <a:spcBef>
+                  <a:spcPct val="0"/>
+                </a:spcBef>
+                <a:spcAft>
+                  <a:spcPct val="0"/>
+                </a:spcAft>
+                <a:defRPr u="sng" kern="1200">
+                  <a:solidFill>
+                    <a:schemeClr val="tx1"/>
+                  </a:solidFill>
+                  <a:latin typeface="Arial" panose="020B0604020202020204" pitchFamily="34" charset="0"/>
+                  <a:ea typeface="+mn-ea"/>
+                  <a:cs typeface="+mn-cs"/>
+                </a:defRPr>
+              </a:lvl2pPr>
+              <a:lvl3pPr marL="914400" algn="l" rtl="0" fontAlgn="base">
+                <a:spcBef>
+                  <a:spcPct val="0"/>
+                </a:spcBef>
+                <a:spcAft>
+                  <a:spcPct val="0"/>
+                </a:spcAft>
+                <a:defRPr u="sng" kern="1200">
+                  <a:solidFill>
+                    <a:schemeClr val="tx1"/>
+                  </a:solidFill>
+                  <a:latin typeface="Arial" panose="020B0604020202020204" pitchFamily="34" charset="0"/>
+                  <a:ea typeface="+mn-ea"/>
+                  <a:cs typeface="+mn-cs"/>
+                </a:defRPr>
+              </a:lvl3pPr>
+              <a:lvl4pPr marL="1371600" algn="l" rtl="0" fontAlgn="base">
+                <a:spcBef>
+                  <a:spcPct val="0"/>
+                </a:spcBef>
+                <a:spcAft>
+                  <a:spcPct val="0"/>
+                </a:spcAft>
+                <a:defRPr u="sng" kern="1200">
+                  <a:solidFill>
+                    <a:schemeClr val="tx1"/>
+                  </a:solidFill>
+                  <a:latin typeface="Arial" panose="020B0604020202020204" pitchFamily="34" charset="0"/>
+                  <a:ea typeface="+mn-ea"/>
+                  <a:cs typeface="+mn-cs"/>
+                </a:defRPr>
+              </a:lvl4pPr>
+              <a:lvl5pPr marL="1828800" algn="l" rtl="0" fontAlgn="base">
+                <a:spcBef>
+                  <a:spcPct val="0"/>
+                </a:spcBef>
+                <a:spcAft>
+                  <a:spcPct val="0"/>
+                </a:spcAft>
+                <a:defRPr u="sng" kern="1200">
+                  <a:solidFill>
+                    <a:schemeClr val="tx1"/>
+                  </a:solidFill>
+                  <a:latin typeface="Arial" panose="020B0604020202020204" pitchFamily="34" charset="0"/>
+                  <a:ea typeface="+mn-ea"/>
+                  <a:cs typeface="+mn-cs"/>
+                </a:defRPr>
+              </a:lvl5pPr>
+              <a:lvl6pPr marL="2286000" algn="l" defTabSz="914400" rtl="0" eaLnBrk="1" latinLnBrk="0" hangingPunct="1">
+                <a:defRPr u="sng" kern="1200">
+                  <a:solidFill>
+                    <a:schemeClr val="tx1"/>
+                  </a:solidFill>
+                  <a:latin typeface="Arial" panose="020B0604020202020204" pitchFamily="34" charset="0"/>
+                  <a:ea typeface="+mn-ea"/>
+                  <a:cs typeface="+mn-cs"/>
+                </a:defRPr>
+              </a:lvl6pPr>
+              <a:lvl7pPr marL="2743200" algn="l" defTabSz="914400" rtl="0" eaLnBrk="1" latinLnBrk="0" hangingPunct="1">
+                <a:defRPr u="sng" kern="1200">
+                  <a:solidFill>
+                    <a:schemeClr val="tx1"/>
+                  </a:solidFill>
+                  <a:latin typeface="Arial" panose="020B0604020202020204" pitchFamily="34" charset="0"/>
+                  <a:ea typeface="+mn-ea"/>
+                  <a:cs typeface="+mn-cs"/>
+                </a:defRPr>
+              </a:lvl7pPr>
+              <a:lvl8pPr marL="3200400" algn="l" defTabSz="914400" rtl="0" eaLnBrk="1" latinLnBrk="0" hangingPunct="1">
+                <a:defRPr u="sng" kern="1200">
+                  <a:solidFill>
+                    <a:schemeClr val="tx1"/>
+                  </a:solidFill>
+                  <a:latin typeface="Arial" panose="020B0604020202020204" pitchFamily="34" charset="0"/>
+                  <a:ea typeface="+mn-ea"/>
+                  <a:cs typeface="+mn-cs"/>
+                </a:defRPr>
+              </a:lvl8pPr>
+              <a:lvl9pPr marL="3657600" algn="l" defTabSz="914400" rtl="0" eaLnBrk="1" latinLnBrk="0" hangingPunct="1">
+                <a:defRPr u="sng" kern="1200">
+                  <a:solidFill>
+                    <a:schemeClr val="tx1"/>
+                  </a:solidFill>
+                  <a:latin typeface="Arial" panose="020B0604020202020204" pitchFamily="34" charset="0"/>
+                  <a:ea typeface="+mn-ea"/>
+                  <a:cs typeface="+mn-cs"/>
+                </a:defRPr>
+              </a:lvl9pPr>
+            </a:lstStyle>
+            <a:p>
+              <a:pPr algn="ctr" eaLnBrk="1" hangingPunct="1"/>
+              <a:r>
+                <a:rPr lang="it-IT" altLang="it-IT" sz="1600" u="none" dirty="0">
+                  <a:solidFill>
+                    <a:srgbClr val="FF0000"/>
+                  </a:solidFill>
+                  <a:latin typeface="Calibri" panose="020F0502020204030204" pitchFamily="34" charset="0"/>
+                </a:rPr>
+                <a:t>rdf:type</a:t>
+              </a:r>
+            </a:p>
+          </p:txBody>
+        </p:sp>
+        <p:sp>
+          <p:nvSpPr>
+            <p:cNvPr id="23" name="Rettangolo arrotondato 5">
+              <a:extLst>
+                <a:ext uri="{FF2B5EF4-FFF2-40B4-BE49-F238E27FC236}">
+                  <a16:creationId xmlns:a16="http://schemas.microsoft.com/office/drawing/2014/main" id="{C308029D-F915-41FE-96FA-BFF7D23F560C}"/>
+                </a:ext>
+              </a:extLst>
+            </p:cNvPr>
+            <p:cNvSpPr>
+              <a:spLocks noChangeArrowheads="1"/>
+            </p:cNvSpPr>
+            <p:nvPr/>
+          </p:nvSpPr>
+          <p:spPr bwMode="auto">
+            <a:xfrm>
+              <a:off x="249" y="3144"/>
+              <a:ext cx="624" cy="174"/>
+            </a:xfrm>
+            <a:prstGeom prst="roundRect">
+              <a:avLst>
+                <a:gd name="adj" fmla="val 16667"/>
+              </a:avLst>
+            </a:prstGeom>
+            <a:solidFill>
+              <a:srgbClr val="3C8C93"/>
+            </a:solidFill>
+            <a:ln w="25400" algn="ctr">
+              <a:solidFill>
+                <a:srgbClr val="262673"/>
+              </a:solidFill>
+              <a:round/>
+              <a:headEnd/>
+              <a:tailEnd/>
+            </a:ln>
+          </p:spPr>
+          <p:txBody>
+            <a:bodyPr anchor="ctr"/>
+            <a:lstStyle>
+              <a:defPPr>
+                <a:defRPr lang="it-IT"/>
+              </a:defPPr>
+              <a:lvl1pPr algn="l" rtl="0" fontAlgn="base">
+                <a:spcBef>
+                  <a:spcPct val="0"/>
+                </a:spcBef>
+                <a:spcAft>
+                  <a:spcPct val="0"/>
+                </a:spcAft>
+                <a:defRPr u="sng" kern="1200">
+                  <a:solidFill>
+                    <a:schemeClr val="tx1"/>
+                  </a:solidFill>
+                  <a:latin typeface="Arial" panose="020B0604020202020204" pitchFamily="34" charset="0"/>
+                  <a:ea typeface="+mn-ea"/>
+                  <a:cs typeface="+mn-cs"/>
+                </a:defRPr>
+              </a:lvl1pPr>
+              <a:lvl2pPr marL="457200" algn="l" rtl="0" fontAlgn="base">
+                <a:spcBef>
+                  <a:spcPct val="0"/>
+                </a:spcBef>
+                <a:spcAft>
+                  <a:spcPct val="0"/>
+                </a:spcAft>
+                <a:defRPr u="sng" kern="1200">
+                  <a:solidFill>
+                    <a:schemeClr val="tx1"/>
+                  </a:solidFill>
+                  <a:latin typeface="Arial" panose="020B0604020202020204" pitchFamily="34" charset="0"/>
+                  <a:ea typeface="+mn-ea"/>
+                  <a:cs typeface="+mn-cs"/>
+                </a:defRPr>
+              </a:lvl2pPr>
+              <a:lvl3pPr marL="914400" algn="l" rtl="0" fontAlgn="base">
+                <a:spcBef>
+                  <a:spcPct val="0"/>
+                </a:spcBef>
+                <a:spcAft>
+                  <a:spcPct val="0"/>
+                </a:spcAft>
+                <a:defRPr u="sng" kern="1200">
+                  <a:solidFill>
+                    <a:schemeClr val="tx1"/>
+                  </a:solidFill>
+                  <a:latin typeface="Arial" panose="020B0604020202020204" pitchFamily="34" charset="0"/>
+                  <a:ea typeface="+mn-ea"/>
+                  <a:cs typeface="+mn-cs"/>
+                </a:defRPr>
+              </a:lvl3pPr>
+              <a:lvl4pPr marL="1371600" algn="l" rtl="0" fontAlgn="base">
+                <a:spcBef>
+                  <a:spcPct val="0"/>
+                </a:spcBef>
+                <a:spcAft>
+                  <a:spcPct val="0"/>
+                </a:spcAft>
+                <a:defRPr u="sng" kern="1200">
+                  <a:solidFill>
+                    <a:schemeClr val="tx1"/>
+                  </a:solidFill>
+                  <a:latin typeface="Arial" panose="020B0604020202020204" pitchFamily="34" charset="0"/>
+                  <a:ea typeface="+mn-ea"/>
+                  <a:cs typeface="+mn-cs"/>
+                </a:defRPr>
+              </a:lvl4pPr>
+              <a:lvl5pPr marL="1828800" algn="l" rtl="0" fontAlgn="base">
+                <a:spcBef>
+                  <a:spcPct val="0"/>
+                </a:spcBef>
+                <a:spcAft>
+                  <a:spcPct val="0"/>
+                </a:spcAft>
+                <a:defRPr u="sng" kern="1200">
+                  <a:solidFill>
+                    <a:schemeClr val="tx1"/>
+                  </a:solidFill>
+                  <a:latin typeface="Arial" panose="020B0604020202020204" pitchFamily="34" charset="0"/>
+                  <a:ea typeface="+mn-ea"/>
+                  <a:cs typeface="+mn-cs"/>
+                </a:defRPr>
+              </a:lvl5pPr>
+              <a:lvl6pPr marL="2286000" algn="l" defTabSz="914400" rtl="0" eaLnBrk="1" latinLnBrk="0" hangingPunct="1">
+                <a:defRPr u="sng" kern="1200">
+                  <a:solidFill>
+                    <a:schemeClr val="tx1"/>
+                  </a:solidFill>
+                  <a:latin typeface="Arial" panose="020B0604020202020204" pitchFamily="34" charset="0"/>
+                  <a:ea typeface="+mn-ea"/>
+                  <a:cs typeface="+mn-cs"/>
+                </a:defRPr>
+              </a:lvl6pPr>
+              <a:lvl7pPr marL="2743200" algn="l" defTabSz="914400" rtl="0" eaLnBrk="1" latinLnBrk="0" hangingPunct="1">
+                <a:defRPr u="sng" kern="1200">
+                  <a:solidFill>
+                    <a:schemeClr val="tx1"/>
+                  </a:solidFill>
+                  <a:latin typeface="Arial" panose="020B0604020202020204" pitchFamily="34" charset="0"/>
+                  <a:ea typeface="+mn-ea"/>
+                  <a:cs typeface="+mn-cs"/>
+                </a:defRPr>
+              </a:lvl7pPr>
+              <a:lvl8pPr marL="3200400" algn="l" defTabSz="914400" rtl="0" eaLnBrk="1" latinLnBrk="0" hangingPunct="1">
+                <a:defRPr u="sng" kern="1200">
+                  <a:solidFill>
+                    <a:schemeClr val="tx1"/>
+                  </a:solidFill>
+                  <a:latin typeface="Arial" panose="020B0604020202020204" pitchFamily="34" charset="0"/>
+                  <a:ea typeface="+mn-ea"/>
+                  <a:cs typeface="+mn-cs"/>
+                </a:defRPr>
+              </a:lvl8pPr>
+              <a:lvl9pPr marL="3657600" algn="l" defTabSz="914400" rtl="0" eaLnBrk="1" latinLnBrk="0" hangingPunct="1">
+                <a:defRPr u="sng" kern="1200">
+                  <a:solidFill>
+                    <a:schemeClr val="tx1"/>
+                  </a:solidFill>
+                  <a:latin typeface="Arial" panose="020B0604020202020204" pitchFamily="34" charset="0"/>
+                  <a:ea typeface="+mn-ea"/>
+                  <a:cs typeface="+mn-cs"/>
+                </a:defRPr>
+              </a:lvl9pPr>
+            </a:lstStyle>
+            <a:p>
+              <a:pPr algn="ctr" eaLnBrk="1" hangingPunct="1"/>
+              <a:r>
+                <a:rPr lang="it-IT" altLang="it-IT" sz="1400" u="none" dirty="0">
+                  <a:solidFill>
+                    <a:srgbClr val="FFFFFF"/>
+                  </a:solidFill>
+                </a:rPr>
+                <a:t>CLASS</a:t>
+              </a:r>
+            </a:p>
+          </p:txBody>
+        </p:sp>
+      </p:grpSp>
+      <p:sp>
+        <p:nvSpPr>
+          <p:cNvPr id="24" name="Text Box 1665">
+            <a:extLst>
+              <a:ext uri="{FF2B5EF4-FFF2-40B4-BE49-F238E27FC236}">
+                <a16:creationId xmlns:a16="http://schemas.microsoft.com/office/drawing/2014/main" id="{20BAE48C-2D95-41D9-9245-D752B4E40C30}"/>
+              </a:ext>
+            </a:extLst>
+          </p:cNvPr>
+          <p:cNvSpPr txBox="1">
+            <a:spLocks noChangeArrowheads="1"/>
+          </p:cNvSpPr>
+          <p:nvPr/>
+        </p:nvSpPr>
+        <p:spPr bwMode="auto">
+          <a:xfrm>
+            <a:off x="6349318" y="4054855"/>
+            <a:ext cx="760034" cy="461665"/>
+          </a:xfrm>
+          <a:prstGeom prst="rect">
+            <a:avLst/>
+          </a:prstGeom>
+          <a:noFill/>
+          <a:ln w="9525">
+            <a:solidFill>
+              <a:schemeClr val="accent1">
+                <a:lumMod val="75000"/>
+              </a:schemeClr>
+            </a:solidFill>
+            <a:prstDash val="lgDash"/>
+            <a:miter lim="800000"/>
+            <a:headEnd/>
+            <a:tailEnd/>
+          </a:ln>
+        </p:spPr>
+        <p:txBody>
+          <a:bodyPr wrap="square">
+            <a:spAutoFit/>
+          </a:bodyPr>
+          <a:lstStyle>
+            <a:defPPr>
+              <a:defRPr lang="it-IT"/>
+            </a:defPPr>
+            <a:lvl1pPr algn="l" rtl="0" fontAlgn="base">
+              <a:spcBef>
+                <a:spcPct val="0"/>
+              </a:spcBef>
+              <a:spcAft>
+                <a:spcPct val="0"/>
+              </a:spcAft>
+              <a:defRPr u="sng" kern="1200">
+                <a:solidFill>
+                  <a:schemeClr val="tx1"/>
+                </a:solidFill>
+                <a:latin typeface="Arial" panose="020B0604020202020204" pitchFamily="34" charset="0"/>
+                <a:ea typeface="+mn-ea"/>
+                <a:cs typeface="+mn-cs"/>
+              </a:defRPr>
+            </a:lvl1pPr>
+            <a:lvl2pPr marL="457200" algn="l" rtl="0" fontAlgn="base">
+              <a:spcBef>
+                <a:spcPct val="0"/>
+              </a:spcBef>
+              <a:spcAft>
+                <a:spcPct val="0"/>
+              </a:spcAft>
+              <a:defRPr u="sng" kern="1200">
+                <a:solidFill>
+                  <a:schemeClr val="tx1"/>
+                </a:solidFill>
+                <a:latin typeface="Arial" panose="020B0604020202020204" pitchFamily="34" charset="0"/>
+                <a:ea typeface="+mn-ea"/>
+                <a:cs typeface="+mn-cs"/>
+              </a:defRPr>
+            </a:lvl2pPr>
+            <a:lvl3pPr marL="914400" algn="l" rtl="0" fontAlgn="base">
+              <a:spcBef>
+                <a:spcPct val="0"/>
+              </a:spcBef>
+              <a:spcAft>
+                <a:spcPct val="0"/>
+              </a:spcAft>
+              <a:defRPr u="sng" kern="1200">
+                <a:solidFill>
+                  <a:schemeClr val="tx1"/>
+                </a:solidFill>
+                <a:latin typeface="Arial" panose="020B0604020202020204" pitchFamily="34" charset="0"/>
+                <a:ea typeface="+mn-ea"/>
+                <a:cs typeface="+mn-cs"/>
+              </a:defRPr>
+            </a:lvl3pPr>
+            <a:lvl4pPr marL="1371600" algn="l" rtl="0" fontAlgn="base">
+              <a:spcBef>
+                <a:spcPct val="0"/>
+              </a:spcBef>
+              <a:spcAft>
+                <a:spcPct val="0"/>
+              </a:spcAft>
+              <a:defRPr u="sng" kern="1200">
+                <a:solidFill>
+                  <a:schemeClr val="tx1"/>
+                </a:solidFill>
+                <a:latin typeface="Arial" panose="020B0604020202020204" pitchFamily="34" charset="0"/>
+                <a:ea typeface="+mn-ea"/>
+                <a:cs typeface="+mn-cs"/>
+              </a:defRPr>
+            </a:lvl4pPr>
+            <a:lvl5pPr marL="1828800" algn="l" rtl="0" fontAlgn="base">
+              <a:spcBef>
+                <a:spcPct val="0"/>
+              </a:spcBef>
+              <a:spcAft>
+                <a:spcPct val="0"/>
+              </a:spcAft>
+              <a:defRPr u="sng" kern="1200">
+                <a:solidFill>
+                  <a:schemeClr val="tx1"/>
+                </a:solidFill>
+                <a:latin typeface="Arial" panose="020B0604020202020204" pitchFamily="34" charset="0"/>
+                <a:ea typeface="+mn-ea"/>
+                <a:cs typeface="+mn-cs"/>
+              </a:defRPr>
+            </a:lvl5pPr>
+            <a:lvl6pPr marL="2286000" algn="l" defTabSz="914400" rtl="0" eaLnBrk="1" latinLnBrk="0" hangingPunct="1">
+              <a:defRPr u="sng" kern="1200">
+                <a:solidFill>
+                  <a:schemeClr val="tx1"/>
+                </a:solidFill>
+                <a:latin typeface="Arial" panose="020B0604020202020204" pitchFamily="34" charset="0"/>
+                <a:ea typeface="+mn-ea"/>
+                <a:cs typeface="+mn-cs"/>
+              </a:defRPr>
+            </a:lvl6pPr>
+            <a:lvl7pPr marL="2743200" algn="l" defTabSz="914400" rtl="0" eaLnBrk="1" latinLnBrk="0" hangingPunct="1">
+              <a:defRPr u="sng" kern="1200">
+                <a:solidFill>
+                  <a:schemeClr val="tx1"/>
+                </a:solidFill>
+                <a:latin typeface="Arial" panose="020B0604020202020204" pitchFamily="34" charset="0"/>
+                <a:ea typeface="+mn-ea"/>
+                <a:cs typeface="+mn-cs"/>
+              </a:defRPr>
+            </a:lvl7pPr>
+            <a:lvl8pPr marL="3200400" algn="l" defTabSz="914400" rtl="0" eaLnBrk="1" latinLnBrk="0" hangingPunct="1">
+              <a:defRPr u="sng" kern="1200">
+                <a:solidFill>
+                  <a:schemeClr val="tx1"/>
+                </a:solidFill>
+                <a:latin typeface="Arial" panose="020B0604020202020204" pitchFamily="34" charset="0"/>
+                <a:ea typeface="+mn-ea"/>
+                <a:cs typeface="+mn-cs"/>
+              </a:defRPr>
+            </a:lvl8pPr>
+            <a:lvl9pPr marL="3657600" algn="l" defTabSz="914400" rtl="0" eaLnBrk="1" latinLnBrk="0" hangingPunct="1">
+              <a:defRPr u="sng" kern="1200">
+                <a:solidFill>
+                  <a:schemeClr val="tx1"/>
+                </a:solidFill>
+                <a:latin typeface="Arial" panose="020B0604020202020204" pitchFamily="34" charset="0"/>
+                <a:ea typeface="+mn-ea"/>
+                <a:cs typeface="+mn-cs"/>
+              </a:defRPr>
+            </a:lvl9pPr>
+          </a:lstStyle>
+          <a:p>
+            <a:pPr algn="ctr" fontAlgn="auto">
+              <a:spcBef>
+                <a:spcPts val="0"/>
+              </a:spcBef>
+              <a:spcAft>
+                <a:spcPts val="0"/>
+              </a:spcAft>
+              <a:defRPr/>
+            </a:pPr>
+            <a:r>
+              <a:rPr lang="en-US" sz="1200" u="none" kern="0" dirty="0">
+                <a:solidFill>
+                  <a:sysClr val="windowText" lastClr="000000"/>
+                </a:solidFill>
+                <a:latin typeface="Calibri" pitchFamily="34" charset="0"/>
+              </a:rPr>
+              <a:t>Datatype property</a:t>
+            </a:r>
+            <a:endParaRPr lang="it-IT" sz="1200" u="none" kern="0" dirty="0">
+              <a:solidFill>
+                <a:sysClr val="windowText" lastClr="000000"/>
+              </a:solidFill>
+              <a:latin typeface="Calibri" pitchFamily="34" charset="0"/>
+            </a:endParaRPr>
+          </a:p>
+        </p:txBody>
+      </p:sp>
+      <p:sp>
+        <p:nvSpPr>
+          <p:cNvPr id="25" name="Line 1667">
+            <a:extLst>
+              <a:ext uri="{FF2B5EF4-FFF2-40B4-BE49-F238E27FC236}">
+                <a16:creationId xmlns:a16="http://schemas.microsoft.com/office/drawing/2014/main" id="{3D1A45A4-E850-4A0A-8AF8-0E7206F00D61}"/>
+              </a:ext>
+            </a:extLst>
+          </p:cNvPr>
+          <p:cNvSpPr>
+            <a:spLocks noChangeShapeType="1"/>
+          </p:cNvSpPr>
+          <p:nvPr/>
+        </p:nvSpPr>
+        <p:spPr bwMode="auto">
+          <a:xfrm>
+            <a:off x="7109351" y="4306390"/>
+            <a:ext cx="605127" cy="8005"/>
+          </a:xfrm>
+          <a:prstGeom prst="line">
+            <a:avLst/>
+          </a:prstGeom>
+          <a:noFill/>
+          <a:ln w="12700">
+            <a:solidFill>
+              <a:schemeClr val="accent1">
+                <a:lumMod val="75000"/>
+              </a:schemeClr>
+            </a:solidFill>
+            <a:prstDash val="dash"/>
+            <a:round/>
+            <a:headEnd/>
+            <a:tailEnd type="triangle" w="med" len="med"/>
+          </a:ln>
+        </p:spPr>
+        <p:txBody>
+          <a:bodyPr/>
+          <a:lstStyle>
+            <a:defPPr>
+              <a:defRPr lang="it-IT"/>
+            </a:defPPr>
+            <a:lvl1pPr algn="l" rtl="0" fontAlgn="base">
+              <a:spcBef>
+                <a:spcPct val="0"/>
+              </a:spcBef>
+              <a:spcAft>
+                <a:spcPct val="0"/>
+              </a:spcAft>
+              <a:defRPr u="sng" kern="1200">
+                <a:solidFill>
+                  <a:schemeClr val="tx1"/>
+                </a:solidFill>
+                <a:latin typeface="Arial" panose="020B0604020202020204" pitchFamily="34" charset="0"/>
+                <a:ea typeface="+mn-ea"/>
+                <a:cs typeface="+mn-cs"/>
+              </a:defRPr>
+            </a:lvl1pPr>
+            <a:lvl2pPr marL="457200" algn="l" rtl="0" fontAlgn="base">
+              <a:spcBef>
+                <a:spcPct val="0"/>
+              </a:spcBef>
+              <a:spcAft>
+                <a:spcPct val="0"/>
+              </a:spcAft>
+              <a:defRPr u="sng" kern="1200">
+                <a:solidFill>
+                  <a:schemeClr val="tx1"/>
+                </a:solidFill>
+                <a:latin typeface="Arial" panose="020B0604020202020204" pitchFamily="34" charset="0"/>
+                <a:ea typeface="+mn-ea"/>
+                <a:cs typeface="+mn-cs"/>
+              </a:defRPr>
+            </a:lvl2pPr>
+            <a:lvl3pPr marL="914400" algn="l" rtl="0" fontAlgn="base">
+              <a:spcBef>
+                <a:spcPct val="0"/>
+              </a:spcBef>
+              <a:spcAft>
+                <a:spcPct val="0"/>
+              </a:spcAft>
+              <a:defRPr u="sng" kern="1200">
+                <a:solidFill>
+                  <a:schemeClr val="tx1"/>
+                </a:solidFill>
+                <a:latin typeface="Arial" panose="020B0604020202020204" pitchFamily="34" charset="0"/>
+                <a:ea typeface="+mn-ea"/>
+                <a:cs typeface="+mn-cs"/>
+              </a:defRPr>
+            </a:lvl3pPr>
+            <a:lvl4pPr marL="1371600" algn="l" rtl="0" fontAlgn="base">
+              <a:spcBef>
+                <a:spcPct val="0"/>
+              </a:spcBef>
+              <a:spcAft>
+                <a:spcPct val="0"/>
+              </a:spcAft>
+              <a:defRPr u="sng" kern="1200">
+                <a:solidFill>
+                  <a:schemeClr val="tx1"/>
+                </a:solidFill>
+                <a:latin typeface="Arial" panose="020B0604020202020204" pitchFamily="34" charset="0"/>
+                <a:ea typeface="+mn-ea"/>
+                <a:cs typeface="+mn-cs"/>
+              </a:defRPr>
+            </a:lvl4pPr>
+            <a:lvl5pPr marL="1828800" algn="l" rtl="0" fontAlgn="base">
+              <a:spcBef>
+                <a:spcPct val="0"/>
+              </a:spcBef>
+              <a:spcAft>
+                <a:spcPct val="0"/>
+              </a:spcAft>
+              <a:defRPr u="sng" kern="1200">
+                <a:solidFill>
+                  <a:schemeClr val="tx1"/>
+                </a:solidFill>
+                <a:latin typeface="Arial" panose="020B0604020202020204" pitchFamily="34" charset="0"/>
+                <a:ea typeface="+mn-ea"/>
+                <a:cs typeface="+mn-cs"/>
+              </a:defRPr>
+            </a:lvl5pPr>
+            <a:lvl6pPr marL="2286000" algn="l" defTabSz="914400" rtl="0" eaLnBrk="1" latinLnBrk="0" hangingPunct="1">
+              <a:defRPr u="sng" kern="1200">
+                <a:solidFill>
+                  <a:schemeClr val="tx1"/>
+                </a:solidFill>
+                <a:latin typeface="Arial" panose="020B0604020202020204" pitchFamily="34" charset="0"/>
+                <a:ea typeface="+mn-ea"/>
+                <a:cs typeface="+mn-cs"/>
+              </a:defRPr>
+            </a:lvl6pPr>
+            <a:lvl7pPr marL="2743200" algn="l" defTabSz="914400" rtl="0" eaLnBrk="1" latinLnBrk="0" hangingPunct="1">
+              <a:defRPr u="sng" kern="1200">
+                <a:solidFill>
+                  <a:schemeClr val="tx1"/>
+                </a:solidFill>
+                <a:latin typeface="Arial" panose="020B0604020202020204" pitchFamily="34" charset="0"/>
+                <a:ea typeface="+mn-ea"/>
+                <a:cs typeface="+mn-cs"/>
+              </a:defRPr>
+            </a:lvl7pPr>
+            <a:lvl8pPr marL="3200400" algn="l" defTabSz="914400" rtl="0" eaLnBrk="1" latinLnBrk="0" hangingPunct="1">
+              <a:defRPr u="sng" kern="1200">
+                <a:solidFill>
+                  <a:schemeClr val="tx1"/>
+                </a:solidFill>
+                <a:latin typeface="Arial" panose="020B0604020202020204" pitchFamily="34" charset="0"/>
+                <a:ea typeface="+mn-ea"/>
+                <a:cs typeface="+mn-cs"/>
+              </a:defRPr>
+            </a:lvl8pPr>
+            <a:lvl9pPr marL="3657600" algn="l" defTabSz="914400" rtl="0" eaLnBrk="1" latinLnBrk="0" hangingPunct="1">
+              <a:defRPr u="sng" kern="1200">
+                <a:solidFill>
+                  <a:schemeClr val="tx1"/>
+                </a:solidFill>
+                <a:latin typeface="Arial" panose="020B0604020202020204" pitchFamily="34" charset="0"/>
+                <a:ea typeface="+mn-ea"/>
+                <a:cs typeface="+mn-cs"/>
+              </a:defRPr>
+            </a:lvl9pPr>
+          </a:lstStyle>
+          <a:p>
+            <a:pPr fontAlgn="auto">
+              <a:spcBef>
+                <a:spcPts val="0"/>
+              </a:spcBef>
+              <a:spcAft>
+                <a:spcPts val="0"/>
+              </a:spcAft>
+              <a:defRPr/>
+            </a:pPr>
+            <a:endParaRPr lang="it-IT" u="none" kern="0">
+              <a:solidFill>
+                <a:sysClr val="windowText" lastClr="000000"/>
+              </a:solidFill>
+              <a:latin typeface="Arial" charset="0"/>
+            </a:endParaRPr>
+          </a:p>
+        </p:txBody>
+      </p:sp>
+      <p:sp>
+        <p:nvSpPr>
+          <p:cNvPr id="26" name="Text Box 1665">
+            <a:extLst>
+              <a:ext uri="{FF2B5EF4-FFF2-40B4-BE49-F238E27FC236}">
+                <a16:creationId xmlns:a16="http://schemas.microsoft.com/office/drawing/2014/main" id="{B0697726-3EA7-4A52-B179-4D69597B30CB}"/>
+              </a:ext>
+            </a:extLst>
+          </p:cNvPr>
+          <p:cNvSpPr txBox="1">
+            <a:spLocks noChangeArrowheads="1"/>
+          </p:cNvSpPr>
+          <p:nvPr/>
+        </p:nvSpPr>
+        <p:spPr bwMode="auto">
+          <a:xfrm>
+            <a:off x="6349318" y="3516278"/>
+            <a:ext cx="734846" cy="461665"/>
+          </a:xfrm>
+          <a:prstGeom prst="rect">
+            <a:avLst/>
+          </a:prstGeom>
+          <a:noFill/>
+          <a:ln w="9525">
+            <a:solidFill>
+              <a:srgbClr val="00B050"/>
+            </a:solidFill>
+            <a:prstDash val="lgDash"/>
+            <a:miter lim="800000"/>
+            <a:headEnd/>
+            <a:tailEnd/>
+          </a:ln>
+        </p:spPr>
+        <p:txBody>
+          <a:bodyPr wrap="square">
+            <a:spAutoFit/>
+          </a:bodyPr>
+          <a:lstStyle>
+            <a:defPPr>
+              <a:defRPr lang="it-IT"/>
+            </a:defPPr>
+            <a:lvl1pPr algn="l" rtl="0" fontAlgn="base">
+              <a:spcBef>
+                <a:spcPct val="0"/>
+              </a:spcBef>
+              <a:spcAft>
+                <a:spcPct val="0"/>
+              </a:spcAft>
+              <a:defRPr u="sng" kern="1200">
+                <a:solidFill>
+                  <a:schemeClr val="tx1"/>
+                </a:solidFill>
+                <a:latin typeface="Arial" panose="020B0604020202020204" pitchFamily="34" charset="0"/>
+                <a:ea typeface="+mn-ea"/>
+                <a:cs typeface="+mn-cs"/>
+              </a:defRPr>
+            </a:lvl1pPr>
+            <a:lvl2pPr marL="457200" algn="l" rtl="0" fontAlgn="base">
+              <a:spcBef>
+                <a:spcPct val="0"/>
+              </a:spcBef>
+              <a:spcAft>
+                <a:spcPct val="0"/>
+              </a:spcAft>
+              <a:defRPr u="sng" kern="1200">
+                <a:solidFill>
+                  <a:schemeClr val="tx1"/>
+                </a:solidFill>
+                <a:latin typeface="Arial" panose="020B0604020202020204" pitchFamily="34" charset="0"/>
+                <a:ea typeface="+mn-ea"/>
+                <a:cs typeface="+mn-cs"/>
+              </a:defRPr>
+            </a:lvl2pPr>
+            <a:lvl3pPr marL="914400" algn="l" rtl="0" fontAlgn="base">
+              <a:spcBef>
+                <a:spcPct val="0"/>
+              </a:spcBef>
+              <a:spcAft>
+                <a:spcPct val="0"/>
+              </a:spcAft>
+              <a:defRPr u="sng" kern="1200">
+                <a:solidFill>
+                  <a:schemeClr val="tx1"/>
+                </a:solidFill>
+                <a:latin typeface="Arial" panose="020B0604020202020204" pitchFamily="34" charset="0"/>
+                <a:ea typeface="+mn-ea"/>
+                <a:cs typeface="+mn-cs"/>
+              </a:defRPr>
+            </a:lvl3pPr>
+            <a:lvl4pPr marL="1371600" algn="l" rtl="0" fontAlgn="base">
+              <a:spcBef>
+                <a:spcPct val="0"/>
+              </a:spcBef>
+              <a:spcAft>
+                <a:spcPct val="0"/>
+              </a:spcAft>
+              <a:defRPr u="sng" kern="1200">
+                <a:solidFill>
+                  <a:schemeClr val="tx1"/>
+                </a:solidFill>
+                <a:latin typeface="Arial" panose="020B0604020202020204" pitchFamily="34" charset="0"/>
+                <a:ea typeface="+mn-ea"/>
+                <a:cs typeface="+mn-cs"/>
+              </a:defRPr>
+            </a:lvl4pPr>
+            <a:lvl5pPr marL="1828800" algn="l" rtl="0" fontAlgn="base">
+              <a:spcBef>
+                <a:spcPct val="0"/>
+              </a:spcBef>
+              <a:spcAft>
+                <a:spcPct val="0"/>
+              </a:spcAft>
+              <a:defRPr u="sng" kern="1200">
+                <a:solidFill>
+                  <a:schemeClr val="tx1"/>
+                </a:solidFill>
+                <a:latin typeface="Arial" panose="020B0604020202020204" pitchFamily="34" charset="0"/>
+                <a:ea typeface="+mn-ea"/>
+                <a:cs typeface="+mn-cs"/>
+              </a:defRPr>
+            </a:lvl5pPr>
+            <a:lvl6pPr marL="2286000" algn="l" defTabSz="914400" rtl="0" eaLnBrk="1" latinLnBrk="0" hangingPunct="1">
+              <a:defRPr u="sng" kern="1200">
+                <a:solidFill>
+                  <a:schemeClr val="tx1"/>
+                </a:solidFill>
+                <a:latin typeface="Arial" panose="020B0604020202020204" pitchFamily="34" charset="0"/>
+                <a:ea typeface="+mn-ea"/>
+                <a:cs typeface="+mn-cs"/>
+              </a:defRPr>
+            </a:lvl6pPr>
+            <a:lvl7pPr marL="2743200" algn="l" defTabSz="914400" rtl="0" eaLnBrk="1" latinLnBrk="0" hangingPunct="1">
+              <a:defRPr u="sng" kern="1200">
+                <a:solidFill>
+                  <a:schemeClr val="tx1"/>
+                </a:solidFill>
+                <a:latin typeface="Arial" panose="020B0604020202020204" pitchFamily="34" charset="0"/>
+                <a:ea typeface="+mn-ea"/>
+                <a:cs typeface="+mn-cs"/>
+              </a:defRPr>
+            </a:lvl7pPr>
+            <a:lvl8pPr marL="3200400" algn="l" defTabSz="914400" rtl="0" eaLnBrk="1" latinLnBrk="0" hangingPunct="1">
+              <a:defRPr u="sng" kern="1200">
+                <a:solidFill>
+                  <a:schemeClr val="tx1"/>
+                </a:solidFill>
+                <a:latin typeface="Arial" panose="020B0604020202020204" pitchFamily="34" charset="0"/>
+                <a:ea typeface="+mn-ea"/>
+                <a:cs typeface="+mn-cs"/>
+              </a:defRPr>
+            </a:lvl8pPr>
+            <a:lvl9pPr marL="3657600" algn="l" defTabSz="914400" rtl="0" eaLnBrk="1" latinLnBrk="0" hangingPunct="1">
+              <a:defRPr u="sng" kern="1200">
+                <a:solidFill>
+                  <a:schemeClr val="tx1"/>
+                </a:solidFill>
+                <a:latin typeface="Arial" panose="020B0604020202020204" pitchFamily="34" charset="0"/>
+                <a:ea typeface="+mn-ea"/>
+                <a:cs typeface="+mn-cs"/>
+              </a:defRPr>
+            </a:lvl9pPr>
+          </a:lstStyle>
+          <a:p>
+            <a:pPr algn="ctr" fontAlgn="auto">
+              <a:spcBef>
+                <a:spcPts val="0"/>
+              </a:spcBef>
+              <a:spcAft>
+                <a:spcPts val="0"/>
+              </a:spcAft>
+              <a:defRPr/>
+            </a:pPr>
+            <a:r>
+              <a:rPr lang="en-US" sz="1200" u="none" kern="0" dirty="0">
+                <a:solidFill>
+                  <a:sysClr val="windowText" lastClr="000000"/>
+                </a:solidFill>
+                <a:latin typeface="Calibri" pitchFamily="34" charset="0"/>
+              </a:rPr>
+              <a:t>Object</a:t>
+            </a:r>
+          </a:p>
+          <a:p>
+            <a:pPr algn="ctr" fontAlgn="auto">
+              <a:spcBef>
+                <a:spcPts val="0"/>
+              </a:spcBef>
+              <a:spcAft>
+                <a:spcPts val="0"/>
+              </a:spcAft>
+              <a:defRPr/>
+            </a:pPr>
+            <a:r>
+              <a:rPr lang="en-US" sz="1200" u="none" kern="0" dirty="0">
+                <a:solidFill>
+                  <a:sysClr val="windowText" lastClr="000000"/>
+                </a:solidFill>
+                <a:latin typeface="Calibri" pitchFamily="34" charset="0"/>
+              </a:rPr>
+              <a:t>property</a:t>
+            </a:r>
+            <a:endParaRPr lang="it-IT" sz="1200" u="none" kern="0" dirty="0">
+              <a:solidFill>
+                <a:sysClr val="windowText" lastClr="000000"/>
+              </a:solidFill>
+              <a:latin typeface="Calibri" pitchFamily="34" charset="0"/>
+            </a:endParaRPr>
+          </a:p>
+        </p:txBody>
+      </p:sp>
+      <p:sp>
+        <p:nvSpPr>
+          <p:cNvPr id="27" name="Line 1667">
+            <a:extLst>
+              <a:ext uri="{FF2B5EF4-FFF2-40B4-BE49-F238E27FC236}">
+                <a16:creationId xmlns:a16="http://schemas.microsoft.com/office/drawing/2014/main" id="{12C3F016-7DF6-4D23-8CDB-06D6A8D11595}"/>
+              </a:ext>
+            </a:extLst>
+          </p:cNvPr>
+          <p:cNvSpPr>
+            <a:spLocks noChangeShapeType="1"/>
+          </p:cNvSpPr>
+          <p:nvPr/>
+        </p:nvSpPr>
+        <p:spPr bwMode="auto">
+          <a:xfrm>
+            <a:off x="7084164" y="3695595"/>
+            <a:ext cx="605630" cy="7891"/>
+          </a:xfrm>
+          <a:prstGeom prst="line">
+            <a:avLst/>
+          </a:prstGeom>
+          <a:noFill/>
+          <a:ln w="12700">
+            <a:solidFill>
+              <a:srgbClr val="00B050"/>
+            </a:solidFill>
+            <a:prstDash val="dash"/>
+            <a:round/>
+            <a:headEnd/>
+            <a:tailEnd type="triangle" w="med" len="med"/>
+          </a:ln>
+        </p:spPr>
+        <p:txBody>
+          <a:bodyPr/>
+          <a:lstStyle>
+            <a:defPPr>
+              <a:defRPr lang="it-IT"/>
+            </a:defPPr>
+            <a:lvl1pPr algn="l" rtl="0" fontAlgn="base">
+              <a:spcBef>
+                <a:spcPct val="0"/>
+              </a:spcBef>
+              <a:spcAft>
+                <a:spcPct val="0"/>
+              </a:spcAft>
+              <a:defRPr u="sng" kern="1200">
+                <a:solidFill>
+                  <a:schemeClr val="tx1"/>
+                </a:solidFill>
+                <a:latin typeface="Arial" panose="020B0604020202020204" pitchFamily="34" charset="0"/>
+                <a:ea typeface="+mn-ea"/>
+                <a:cs typeface="+mn-cs"/>
+              </a:defRPr>
+            </a:lvl1pPr>
+            <a:lvl2pPr marL="457200" algn="l" rtl="0" fontAlgn="base">
+              <a:spcBef>
+                <a:spcPct val="0"/>
+              </a:spcBef>
+              <a:spcAft>
+                <a:spcPct val="0"/>
+              </a:spcAft>
+              <a:defRPr u="sng" kern="1200">
+                <a:solidFill>
+                  <a:schemeClr val="tx1"/>
+                </a:solidFill>
+                <a:latin typeface="Arial" panose="020B0604020202020204" pitchFamily="34" charset="0"/>
+                <a:ea typeface="+mn-ea"/>
+                <a:cs typeface="+mn-cs"/>
+              </a:defRPr>
+            </a:lvl2pPr>
+            <a:lvl3pPr marL="914400" algn="l" rtl="0" fontAlgn="base">
+              <a:spcBef>
+                <a:spcPct val="0"/>
+              </a:spcBef>
+              <a:spcAft>
+                <a:spcPct val="0"/>
+              </a:spcAft>
+              <a:defRPr u="sng" kern="1200">
+                <a:solidFill>
+                  <a:schemeClr val="tx1"/>
+                </a:solidFill>
+                <a:latin typeface="Arial" panose="020B0604020202020204" pitchFamily="34" charset="0"/>
+                <a:ea typeface="+mn-ea"/>
+                <a:cs typeface="+mn-cs"/>
+              </a:defRPr>
+            </a:lvl3pPr>
+            <a:lvl4pPr marL="1371600" algn="l" rtl="0" fontAlgn="base">
+              <a:spcBef>
+                <a:spcPct val="0"/>
+              </a:spcBef>
+              <a:spcAft>
+                <a:spcPct val="0"/>
+              </a:spcAft>
+              <a:defRPr u="sng" kern="1200">
+                <a:solidFill>
+                  <a:schemeClr val="tx1"/>
+                </a:solidFill>
+                <a:latin typeface="Arial" panose="020B0604020202020204" pitchFamily="34" charset="0"/>
+                <a:ea typeface="+mn-ea"/>
+                <a:cs typeface="+mn-cs"/>
+              </a:defRPr>
+            </a:lvl4pPr>
+            <a:lvl5pPr marL="1828800" algn="l" rtl="0" fontAlgn="base">
+              <a:spcBef>
+                <a:spcPct val="0"/>
+              </a:spcBef>
+              <a:spcAft>
+                <a:spcPct val="0"/>
+              </a:spcAft>
+              <a:defRPr u="sng" kern="1200">
+                <a:solidFill>
+                  <a:schemeClr val="tx1"/>
+                </a:solidFill>
+                <a:latin typeface="Arial" panose="020B0604020202020204" pitchFamily="34" charset="0"/>
+                <a:ea typeface="+mn-ea"/>
+                <a:cs typeface="+mn-cs"/>
+              </a:defRPr>
+            </a:lvl5pPr>
+            <a:lvl6pPr marL="2286000" algn="l" defTabSz="914400" rtl="0" eaLnBrk="1" latinLnBrk="0" hangingPunct="1">
+              <a:defRPr u="sng" kern="1200">
+                <a:solidFill>
+                  <a:schemeClr val="tx1"/>
+                </a:solidFill>
+                <a:latin typeface="Arial" panose="020B0604020202020204" pitchFamily="34" charset="0"/>
+                <a:ea typeface="+mn-ea"/>
+                <a:cs typeface="+mn-cs"/>
+              </a:defRPr>
+            </a:lvl6pPr>
+            <a:lvl7pPr marL="2743200" algn="l" defTabSz="914400" rtl="0" eaLnBrk="1" latinLnBrk="0" hangingPunct="1">
+              <a:defRPr u="sng" kern="1200">
+                <a:solidFill>
+                  <a:schemeClr val="tx1"/>
+                </a:solidFill>
+                <a:latin typeface="Arial" panose="020B0604020202020204" pitchFamily="34" charset="0"/>
+                <a:ea typeface="+mn-ea"/>
+                <a:cs typeface="+mn-cs"/>
+              </a:defRPr>
+            </a:lvl7pPr>
+            <a:lvl8pPr marL="3200400" algn="l" defTabSz="914400" rtl="0" eaLnBrk="1" latinLnBrk="0" hangingPunct="1">
+              <a:defRPr u="sng" kern="1200">
+                <a:solidFill>
+                  <a:schemeClr val="tx1"/>
+                </a:solidFill>
+                <a:latin typeface="Arial" panose="020B0604020202020204" pitchFamily="34" charset="0"/>
+                <a:ea typeface="+mn-ea"/>
+                <a:cs typeface="+mn-cs"/>
+              </a:defRPr>
+            </a:lvl8pPr>
+            <a:lvl9pPr marL="3657600" algn="l" defTabSz="914400" rtl="0" eaLnBrk="1" latinLnBrk="0" hangingPunct="1">
+              <a:defRPr u="sng" kern="1200">
+                <a:solidFill>
+                  <a:schemeClr val="tx1"/>
+                </a:solidFill>
+                <a:latin typeface="Arial" panose="020B0604020202020204" pitchFamily="34" charset="0"/>
+                <a:ea typeface="+mn-ea"/>
+                <a:cs typeface="+mn-cs"/>
+              </a:defRPr>
+            </a:lvl9pPr>
+          </a:lstStyle>
+          <a:p>
+            <a:pPr fontAlgn="auto">
+              <a:spcBef>
+                <a:spcPts val="0"/>
+              </a:spcBef>
+              <a:spcAft>
+                <a:spcPts val="0"/>
+              </a:spcAft>
+              <a:defRPr/>
+            </a:pPr>
+            <a:endParaRPr lang="it-IT" u="none" kern="0">
+              <a:solidFill>
+                <a:sysClr val="windowText" lastClr="000000"/>
+              </a:solidFill>
+              <a:latin typeface="Arial" charset="0"/>
+            </a:endParaRPr>
+          </a:p>
+        </p:txBody>
+      </p:sp>
+      <p:sp>
+        <p:nvSpPr>
+          <p:cNvPr id="28" name="Rettangolo arrotondato 5">
+            <a:extLst>
+              <a:ext uri="{FF2B5EF4-FFF2-40B4-BE49-F238E27FC236}">
+                <a16:creationId xmlns:a16="http://schemas.microsoft.com/office/drawing/2014/main" id="{23B8CBF9-22DB-420B-B362-FF51BAC61984}"/>
+              </a:ext>
+            </a:extLst>
+          </p:cNvPr>
+          <p:cNvSpPr>
+            <a:spLocks noChangeArrowheads="1"/>
+          </p:cNvSpPr>
+          <p:nvPr/>
+        </p:nvSpPr>
+        <p:spPr bwMode="auto">
+          <a:xfrm>
+            <a:off x="6349318" y="2666955"/>
+            <a:ext cx="878361" cy="327261"/>
+          </a:xfrm>
+          <a:prstGeom prst="roundRect">
+            <a:avLst>
+              <a:gd name="adj" fmla="val 16667"/>
+            </a:avLst>
+          </a:prstGeom>
+          <a:solidFill>
+            <a:schemeClr val="accent1"/>
+          </a:solidFill>
+          <a:ln w="25400" algn="ctr">
+            <a:solidFill>
+              <a:schemeClr val="accent1"/>
+            </a:solidFill>
+            <a:round/>
+            <a:headEnd/>
+            <a:tailEnd/>
+          </a:ln>
+        </p:spPr>
+        <p:txBody>
+          <a:bodyPr anchor="ctr"/>
+          <a:lstStyle>
+            <a:defPPr>
+              <a:defRPr lang="it-IT"/>
+            </a:defPPr>
+            <a:lvl1pPr algn="l" rtl="0" fontAlgn="base">
+              <a:spcBef>
+                <a:spcPct val="0"/>
+              </a:spcBef>
+              <a:spcAft>
+                <a:spcPct val="0"/>
+              </a:spcAft>
+              <a:defRPr u="sng" kern="1200">
+                <a:solidFill>
+                  <a:schemeClr val="tx1"/>
+                </a:solidFill>
+                <a:latin typeface="Arial" panose="020B0604020202020204" pitchFamily="34" charset="0"/>
+                <a:ea typeface="+mn-ea"/>
+                <a:cs typeface="+mn-cs"/>
+              </a:defRPr>
+            </a:lvl1pPr>
+            <a:lvl2pPr marL="457200" algn="l" rtl="0" fontAlgn="base">
+              <a:spcBef>
+                <a:spcPct val="0"/>
+              </a:spcBef>
+              <a:spcAft>
+                <a:spcPct val="0"/>
+              </a:spcAft>
+              <a:defRPr u="sng" kern="1200">
+                <a:solidFill>
+                  <a:schemeClr val="tx1"/>
+                </a:solidFill>
+                <a:latin typeface="Arial" panose="020B0604020202020204" pitchFamily="34" charset="0"/>
+                <a:ea typeface="+mn-ea"/>
+                <a:cs typeface="+mn-cs"/>
+              </a:defRPr>
+            </a:lvl2pPr>
+            <a:lvl3pPr marL="914400" algn="l" rtl="0" fontAlgn="base">
+              <a:spcBef>
+                <a:spcPct val="0"/>
+              </a:spcBef>
+              <a:spcAft>
+                <a:spcPct val="0"/>
+              </a:spcAft>
+              <a:defRPr u="sng" kern="1200">
+                <a:solidFill>
+                  <a:schemeClr val="tx1"/>
+                </a:solidFill>
+                <a:latin typeface="Arial" panose="020B0604020202020204" pitchFamily="34" charset="0"/>
+                <a:ea typeface="+mn-ea"/>
+                <a:cs typeface="+mn-cs"/>
+              </a:defRPr>
+            </a:lvl3pPr>
+            <a:lvl4pPr marL="1371600" algn="l" rtl="0" fontAlgn="base">
+              <a:spcBef>
+                <a:spcPct val="0"/>
+              </a:spcBef>
+              <a:spcAft>
+                <a:spcPct val="0"/>
+              </a:spcAft>
+              <a:defRPr u="sng" kern="1200">
+                <a:solidFill>
+                  <a:schemeClr val="tx1"/>
+                </a:solidFill>
+                <a:latin typeface="Arial" panose="020B0604020202020204" pitchFamily="34" charset="0"/>
+                <a:ea typeface="+mn-ea"/>
+                <a:cs typeface="+mn-cs"/>
+              </a:defRPr>
+            </a:lvl4pPr>
+            <a:lvl5pPr marL="1828800" algn="l" rtl="0" fontAlgn="base">
+              <a:spcBef>
+                <a:spcPct val="0"/>
+              </a:spcBef>
+              <a:spcAft>
+                <a:spcPct val="0"/>
+              </a:spcAft>
+              <a:defRPr u="sng" kern="1200">
+                <a:solidFill>
+                  <a:schemeClr val="tx1"/>
+                </a:solidFill>
+                <a:latin typeface="Arial" panose="020B0604020202020204" pitchFamily="34" charset="0"/>
+                <a:ea typeface="+mn-ea"/>
+                <a:cs typeface="+mn-cs"/>
+              </a:defRPr>
+            </a:lvl5pPr>
+            <a:lvl6pPr marL="2286000" algn="l" defTabSz="914400" rtl="0" eaLnBrk="1" latinLnBrk="0" hangingPunct="1">
+              <a:defRPr u="sng" kern="1200">
+                <a:solidFill>
+                  <a:schemeClr val="tx1"/>
+                </a:solidFill>
+                <a:latin typeface="Arial" panose="020B0604020202020204" pitchFamily="34" charset="0"/>
+                <a:ea typeface="+mn-ea"/>
+                <a:cs typeface="+mn-cs"/>
+              </a:defRPr>
+            </a:lvl6pPr>
+            <a:lvl7pPr marL="2743200" algn="l" defTabSz="914400" rtl="0" eaLnBrk="1" latinLnBrk="0" hangingPunct="1">
+              <a:defRPr u="sng" kern="1200">
+                <a:solidFill>
+                  <a:schemeClr val="tx1"/>
+                </a:solidFill>
+                <a:latin typeface="Arial" panose="020B0604020202020204" pitchFamily="34" charset="0"/>
+                <a:ea typeface="+mn-ea"/>
+                <a:cs typeface="+mn-cs"/>
+              </a:defRPr>
+            </a:lvl7pPr>
+            <a:lvl8pPr marL="3200400" algn="l" defTabSz="914400" rtl="0" eaLnBrk="1" latinLnBrk="0" hangingPunct="1">
+              <a:defRPr u="sng" kern="1200">
+                <a:solidFill>
+                  <a:schemeClr val="tx1"/>
+                </a:solidFill>
+                <a:latin typeface="Arial" panose="020B0604020202020204" pitchFamily="34" charset="0"/>
+                <a:ea typeface="+mn-ea"/>
+                <a:cs typeface="+mn-cs"/>
+              </a:defRPr>
+            </a:lvl8pPr>
+            <a:lvl9pPr marL="3657600" algn="l" defTabSz="914400" rtl="0" eaLnBrk="1" latinLnBrk="0" hangingPunct="1">
+              <a:defRPr u="sng" kern="1200">
+                <a:solidFill>
+                  <a:schemeClr val="tx1"/>
+                </a:solidFill>
+                <a:latin typeface="Arial" panose="020B0604020202020204" pitchFamily="34" charset="0"/>
+                <a:ea typeface="+mn-ea"/>
+                <a:cs typeface="+mn-cs"/>
+              </a:defRPr>
+            </a:lvl9pPr>
+          </a:lstStyle>
+          <a:p>
+            <a:pPr algn="ctr" eaLnBrk="1" hangingPunct="1"/>
+            <a:r>
+              <a:rPr lang="it-IT" altLang="it-IT" sz="1400" u="none" dirty="0">
+                <a:solidFill>
+                  <a:srgbClr val="FFFFFF"/>
+                </a:solidFill>
+              </a:rPr>
+              <a:t>CLASS</a:t>
+            </a:r>
+          </a:p>
+        </p:txBody>
+      </p:sp>
+      <p:sp>
+        <p:nvSpPr>
+          <p:cNvPr id="29" name="Text Box 1680">
+            <a:extLst>
+              <a:ext uri="{FF2B5EF4-FFF2-40B4-BE49-F238E27FC236}">
+                <a16:creationId xmlns:a16="http://schemas.microsoft.com/office/drawing/2014/main" id="{861207B4-D73A-4439-B6F3-CF70BB99D29B}"/>
+              </a:ext>
+            </a:extLst>
+          </p:cNvPr>
+          <p:cNvSpPr txBox="1">
+            <a:spLocks noChangeArrowheads="1"/>
+          </p:cNvSpPr>
+          <p:nvPr/>
+        </p:nvSpPr>
+        <p:spPr bwMode="auto">
+          <a:xfrm>
+            <a:off x="6349318" y="3092370"/>
+            <a:ext cx="1026228" cy="338554"/>
+          </a:xfrm>
+          <a:prstGeom prst="rect">
+            <a:avLst/>
+          </a:prstGeom>
+          <a:noFill/>
+          <a:ln w="9525">
+            <a:solidFill>
+              <a:srgbClr val="FF0000"/>
+            </a:solidFill>
+            <a:prstDash val="lgDash"/>
+            <a:miter lim="800000"/>
+            <a:headEnd/>
+            <a:tailEnd/>
+          </a:ln>
+          <a:extLst>
+            <a:ext uri="{909E8E84-426E-40DD-AFC4-6F175D3DCCD1}">
+              <a14:hiddenFill xmlns:a14="http://schemas.microsoft.com/office/drawing/2010/main">
+                <a:solidFill>
+                  <a:srgbClr val="FFFFFF"/>
+                </a:solidFill>
+              </a14:hiddenFill>
+            </a:ext>
+          </a:extLst>
+        </p:spPr>
+        <p:txBody>
+          <a:bodyPr wrap="square">
+            <a:spAutoFit/>
+          </a:bodyPr>
+          <a:lstStyle>
+            <a:defPPr>
+              <a:defRPr lang="it-IT"/>
+            </a:defPPr>
+            <a:lvl1pPr algn="l" rtl="0" fontAlgn="base">
+              <a:spcBef>
+                <a:spcPct val="0"/>
+              </a:spcBef>
+              <a:spcAft>
+                <a:spcPct val="0"/>
+              </a:spcAft>
+              <a:defRPr u="sng" kern="1200">
+                <a:solidFill>
+                  <a:schemeClr val="tx1"/>
+                </a:solidFill>
+                <a:latin typeface="Arial" panose="020B0604020202020204" pitchFamily="34" charset="0"/>
+                <a:ea typeface="+mn-ea"/>
+                <a:cs typeface="+mn-cs"/>
+              </a:defRPr>
+            </a:lvl1pPr>
+            <a:lvl2pPr marL="457200" algn="l" rtl="0" fontAlgn="base">
+              <a:spcBef>
+                <a:spcPct val="0"/>
+              </a:spcBef>
+              <a:spcAft>
+                <a:spcPct val="0"/>
+              </a:spcAft>
+              <a:defRPr u="sng" kern="1200">
+                <a:solidFill>
+                  <a:schemeClr val="tx1"/>
+                </a:solidFill>
+                <a:latin typeface="Arial" panose="020B0604020202020204" pitchFamily="34" charset="0"/>
+                <a:ea typeface="+mn-ea"/>
+                <a:cs typeface="+mn-cs"/>
+              </a:defRPr>
+            </a:lvl2pPr>
+            <a:lvl3pPr marL="914400" algn="l" rtl="0" fontAlgn="base">
+              <a:spcBef>
+                <a:spcPct val="0"/>
+              </a:spcBef>
+              <a:spcAft>
+                <a:spcPct val="0"/>
+              </a:spcAft>
+              <a:defRPr u="sng" kern="1200">
+                <a:solidFill>
+                  <a:schemeClr val="tx1"/>
+                </a:solidFill>
+                <a:latin typeface="Arial" panose="020B0604020202020204" pitchFamily="34" charset="0"/>
+                <a:ea typeface="+mn-ea"/>
+                <a:cs typeface="+mn-cs"/>
+              </a:defRPr>
+            </a:lvl3pPr>
+            <a:lvl4pPr marL="1371600" algn="l" rtl="0" fontAlgn="base">
+              <a:spcBef>
+                <a:spcPct val="0"/>
+              </a:spcBef>
+              <a:spcAft>
+                <a:spcPct val="0"/>
+              </a:spcAft>
+              <a:defRPr u="sng" kern="1200">
+                <a:solidFill>
+                  <a:schemeClr val="tx1"/>
+                </a:solidFill>
+                <a:latin typeface="Arial" panose="020B0604020202020204" pitchFamily="34" charset="0"/>
+                <a:ea typeface="+mn-ea"/>
+                <a:cs typeface="+mn-cs"/>
+              </a:defRPr>
+            </a:lvl4pPr>
+            <a:lvl5pPr marL="1828800" algn="l" rtl="0" fontAlgn="base">
+              <a:spcBef>
+                <a:spcPct val="0"/>
+              </a:spcBef>
+              <a:spcAft>
+                <a:spcPct val="0"/>
+              </a:spcAft>
+              <a:defRPr u="sng" kern="1200">
+                <a:solidFill>
+                  <a:schemeClr val="tx1"/>
+                </a:solidFill>
+                <a:latin typeface="Arial" panose="020B0604020202020204" pitchFamily="34" charset="0"/>
+                <a:ea typeface="+mn-ea"/>
+                <a:cs typeface="+mn-cs"/>
+              </a:defRPr>
+            </a:lvl5pPr>
+            <a:lvl6pPr marL="2286000" algn="l" defTabSz="914400" rtl="0" eaLnBrk="1" latinLnBrk="0" hangingPunct="1">
+              <a:defRPr u="sng" kern="1200">
+                <a:solidFill>
+                  <a:schemeClr val="tx1"/>
+                </a:solidFill>
+                <a:latin typeface="Arial" panose="020B0604020202020204" pitchFamily="34" charset="0"/>
+                <a:ea typeface="+mn-ea"/>
+                <a:cs typeface="+mn-cs"/>
+              </a:defRPr>
+            </a:lvl6pPr>
+            <a:lvl7pPr marL="2743200" algn="l" defTabSz="914400" rtl="0" eaLnBrk="1" latinLnBrk="0" hangingPunct="1">
+              <a:defRPr u="sng" kern="1200">
+                <a:solidFill>
+                  <a:schemeClr val="tx1"/>
+                </a:solidFill>
+                <a:latin typeface="Arial" panose="020B0604020202020204" pitchFamily="34" charset="0"/>
+                <a:ea typeface="+mn-ea"/>
+                <a:cs typeface="+mn-cs"/>
+              </a:defRPr>
+            </a:lvl7pPr>
+            <a:lvl8pPr marL="3200400" algn="l" defTabSz="914400" rtl="0" eaLnBrk="1" latinLnBrk="0" hangingPunct="1">
+              <a:defRPr u="sng" kern="1200">
+                <a:solidFill>
+                  <a:schemeClr val="tx1"/>
+                </a:solidFill>
+                <a:latin typeface="Arial" panose="020B0604020202020204" pitchFamily="34" charset="0"/>
+                <a:ea typeface="+mn-ea"/>
+                <a:cs typeface="+mn-cs"/>
+              </a:defRPr>
+            </a:lvl8pPr>
+            <a:lvl9pPr marL="3657600" algn="l" defTabSz="914400" rtl="0" eaLnBrk="1" latinLnBrk="0" hangingPunct="1">
+              <a:defRPr u="sng" kern="1200">
+                <a:solidFill>
+                  <a:schemeClr val="tx1"/>
+                </a:solidFill>
+                <a:latin typeface="Arial" panose="020B0604020202020204" pitchFamily="34" charset="0"/>
+                <a:ea typeface="+mn-ea"/>
+                <a:cs typeface="+mn-cs"/>
+              </a:defRPr>
+            </a:lvl9pPr>
+          </a:lstStyle>
+          <a:p>
+            <a:pPr algn="ctr" eaLnBrk="1" hangingPunct="1"/>
+            <a:r>
+              <a:rPr lang="it-IT" altLang="it-IT" sz="1600" u="none" dirty="0">
+                <a:solidFill>
+                  <a:srgbClr val="FF0000"/>
+                </a:solidFill>
+                <a:latin typeface="Calibri" panose="020F0502020204030204" pitchFamily="34" charset="0"/>
+              </a:rPr>
+              <a:t>rdf:type</a:t>
+            </a:r>
+          </a:p>
+        </p:txBody>
+      </p:sp>
+      <p:sp>
+        <p:nvSpPr>
+          <p:cNvPr id="30" name="Line 1667">
+            <a:extLst>
+              <a:ext uri="{FF2B5EF4-FFF2-40B4-BE49-F238E27FC236}">
+                <a16:creationId xmlns:a16="http://schemas.microsoft.com/office/drawing/2014/main" id="{0A152A28-489D-4916-B5B9-BBAC2F65F32F}"/>
+              </a:ext>
+            </a:extLst>
+          </p:cNvPr>
+          <p:cNvSpPr>
+            <a:spLocks noChangeShapeType="1"/>
+          </p:cNvSpPr>
+          <p:nvPr/>
+        </p:nvSpPr>
+        <p:spPr bwMode="auto">
+          <a:xfrm>
+            <a:off x="7386979" y="3280546"/>
+            <a:ext cx="275955" cy="0"/>
+          </a:xfrm>
+          <a:prstGeom prst="line">
+            <a:avLst/>
+          </a:prstGeom>
+          <a:noFill/>
+          <a:ln w="12700">
+            <a:solidFill>
+              <a:srgbClr val="FF0000"/>
+            </a:solidFill>
+            <a:prstDash val="dash"/>
+            <a:round/>
+            <a:headEnd/>
+            <a:tailEnd type="triangle" w="med" len="med"/>
+          </a:ln>
+        </p:spPr>
+        <p:txBody>
+          <a:bodyPr/>
+          <a:lstStyle>
+            <a:defPPr>
+              <a:defRPr lang="it-IT"/>
+            </a:defPPr>
+            <a:lvl1pPr algn="l" rtl="0" fontAlgn="base">
+              <a:spcBef>
+                <a:spcPct val="0"/>
+              </a:spcBef>
+              <a:spcAft>
+                <a:spcPct val="0"/>
+              </a:spcAft>
+              <a:defRPr u="sng" kern="1200">
+                <a:solidFill>
+                  <a:schemeClr val="tx1"/>
+                </a:solidFill>
+                <a:latin typeface="Arial" panose="020B0604020202020204" pitchFamily="34" charset="0"/>
+                <a:ea typeface="+mn-ea"/>
+                <a:cs typeface="+mn-cs"/>
+              </a:defRPr>
+            </a:lvl1pPr>
+            <a:lvl2pPr marL="457200" algn="l" rtl="0" fontAlgn="base">
+              <a:spcBef>
+                <a:spcPct val="0"/>
+              </a:spcBef>
+              <a:spcAft>
+                <a:spcPct val="0"/>
+              </a:spcAft>
+              <a:defRPr u="sng" kern="1200">
+                <a:solidFill>
+                  <a:schemeClr val="tx1"/>
+                </a:solidFill>
+                <a:latin typeface="Arial" panose="020B0604020202020204" pitchFamily="34" charset="0"/>
+                <a:ea typeface="+mn-ea"/>
+                <a:cs typeface="+mn-cs"/>
+              </a:defRPr>
+            </a:lvl2pPr>
+            <a:lvl3pPr marL="914400" algn="l" rtl="0" fontAlgn="base">
+              <a:spcBef>
+                <a:spcPct val="0"/>
+              </a:spcBef>
+              <a:spcAft>
+                <a:spcPct val="0"/>
+              </a:spcAft>
+              <a:defRPr u="sng" kern="1200">
+                <a:solidFill>
+                  <a:schemeClr val="tx1"/>
+                </a:solidFill>
+                <a:latin typeface="Arial" panose="020B0604020202020204" pitchFamily="34" charset="0"/>
+                <a:ea typeface="+mn-ea"/>
+                <a:cs typeface="+mn-cs"/>
+              </a:defRPr>
+            </a:lvl3pPr>
+            <a:lvl4pPr marL="1371600" algn="l" rtl="0" fontAlgn="base">
+              <a:spcBef>
+                <a:spcPct val="0"/>
+              </a:spcBef>
+              <a:spcAft>
+                <a:spcPct val="0"/>
+              </a:spcAft>
+              <a:defRPr u="sng" kern="1200">
+                <a:solidFill>
+                  <a:schemeClr val="tx1"/>
+                </a:solidFill>
+                <a:latin typeface="Arial" panose="020B0604020202020204" pitchFamily="34" charset="0"/>
+                <a:ea typeface="+mn-ea"/>
+                <a:cs typeface="+mn-cs"/>
+              </a:defRPr>
+            </a:lvl4pPr>
+            <a:lvl5pPr marL="1828800" algn="l" rtl="0" fontAlgn="base">
+              <a:spcBef>
+                <a:spcPct val="0"/>
+              </a:spcBef>
+              <a:spcAft>
+                <a:spcPct val="0"/>
+              </a:spcAft>
+              <a:defRPr u="sng" kern="1200">
+                <a:solidFill>
+                  <a:schemeClr val="tx1"/>
+                </a:solidFill>
+                <a:latin typeface="Arial" panose="020B0604020202020204" pitchFamily="34" charset="0"/>
+                <a:ea typeface="+mn-ea"/>
+                <a:cs typeface="+mn-cs"/>
+              </a:defRPr>
+            </a:lvl5pPr>
+            <a:lvl6pPr marL="2286000" algn="l" defTabSz="914400" rtl="0" eaLnBrk="1" latinLnBrk="0" hangingPunct="1">
+              <a:defRPr u="sng" kern="1200">
+                <a:solidFill>
+                  <a:schemeClr val="tx1"/>
+                </a:solidFill>
+                <a:latin typeface="Arial" panose="020B0604020202020204" pitchFamily="34" charset="0"/>
+                <a:ea typeface="+mn-ea"/>
+                <a:cs typeface="+mn-cs"/>
+              </a:defRPr>
+            </a:lvl6pPr>
+            <a:lvl7pPr marL="2743200" algn="l" defTabSz="914400" rtl="0" eaLnBrk="1" latinLnBrk="0" hangingPunct="1">
+              <a:defRPr u="sng" kern="1200">
+                <a:solidFill>
+                  <a:schemeClr val="tx1"/>
+                </a:solidFill>
+                <a:latin typeface="Arial" panose="020B0604020202020204" pitchFamily="34" charset="0"/>
+                <a:ea typeface="+mn-ea"/>
+                <a:cs typeface="+mn-cs"/>
+              </a:defRPr>
+            </a:lvl7pPr>
+            <a:lvl8pPr marL="3200400" algn="l" defTabSz="914400" rtl="0" eaLnBrk="1" latinLnBrk="0" hangingPunct="1">
+              <a:defRPr u="sng" kern="1200">
+                <a:solidFill>
+                  <a:schemeClr val="tx1"/>
+                </a:solidFill>
+                <a:latin typeface="Arial" panose="020B0604020202020204" pitchFamily="34" charset="0"/>
+                <a:ea typeface="+mn-ea"/>
+                <a:cs typeface="+mn-cs"/>
+              </a:defRPr>
+            </a:lvl8pPr>
+            <a:lvl9pPr marL="3657600" algn="l" defTabSz="914400" rtl="0" eaLnBrk="1" latinLnBrk="0" hangingPunct="1">
+              <a:defRPr u="sng" kern="1200">
+                <a:solidFill>
+                  <a:schemeClr val="tx1"/>
+                </a:solidFill>
+                <a:latin typeface="Arial" panose="020B0604020202020204" pitchFamily="34" charset="0"/>
+                <a:ea typeface="+mn-ea"/>
+                <a:cs typeface="+mn-cs"/>
+              </a:defRPr>
+            </a:lvl9pPr>
+          </a:lstStyle>
+          <a:p>
+            <a:pPr fontAlgn="auto">
+              <a:spcBef>
+                <a:spcPts val="0"/>
+              </a:spcBef>
+              <a:spcAft>
+                <a:spcPts val="0"/>
+              </a:spcAft>
+              <a:defRPr/>
+            </a:pPr>
+            <a:endParaRPr lang="it-IT" u="none" kern="0">
+              <a:solidFill>
+                <a:sysClr val="windowText" lastClr="000000"/>
+              </a:solidFill>
+              <a:latin typeface="Arial" charset="0"/>
+            </a:endParaRPr>
+          </a:p>
+        </p:txBody>
+      </p:sp>
+      <p:sp>
+        <p:nvSpPr>
+          <p:cNvPr id="31" name="Rectangle 1663">
+            <a:extLst>
+              <a:ext uri="{FF2B5EF4-FFF2-40B4-BE49-F238E27FC236}">
+                <a16:creationId xmlns:a16="http://schemas.microsoft.com/office/drawing/2014/main" id="{D67C7FAD-C69A-4421-9451-74A75F7A95BC}"/>
+              </a:ext>
+            </a:extLst>
+          </p:cNvPr>
+          <p:cNvSpPr>
+            <a:spLocks noChangeArrowheads="1"/>
+          </p:cNvSpPr>
+          <p:nvPr/>
+        </p:nvSpPr>
+        <p:spPr bwMode="auto">
+          <a:xfrm>
+            <a:off x="6085536" y="2581524"/>
+            <a:ext cx="1750218" cy="3123817"/>
+          </a:xfrm>
+          <a:prstGeom prst="rect">
+            <a:avLst/>
+          </a:prstGeom>
+          <a:noFill/>
+          <a:ln w="25400">
+            <a:solidFill>
+              <a:srgbClr val="000000"/>
+            </a:solidFill>
+            <a:miter lim="800000"/>
+            <a:headEnd/>
+            <a:tailEnd/>
+          </a:ln>
+        </p:spPr>
+        <p:txBody>
+          <a:bodyPr wrap="none" anchor="ctr"/>
+          <a:lstStyle>
+            <a:defPPr>
+              <a:defRPr lang="it-IT"/>
+            </a:defPPr>
+            <a:lvl1pPr algn="l" rtl="0" fontAlgn="base">
+              <a:spcBef>
+                <a:spcPct val="0"/>
+              </a:spcBef>
+              <a:spcAft>
+                <a:spcPct val="0"/>
+              </a:spcAft>
+              <a:defRPr u="sng" kern="1200">
+                <a:solidFill>
+                  <a:schemeClr val="tx1"/>
+                </a:solidFill>
+                <a:latin typeface="Arial" panose="020B0604020202020204" pitchFamily="34" charset="0"/>
+                <a:ea typeface="+mn-ea"/>
+                <a:cs typeface="+mn-cs"/>
+              </a:defRPr>
+            </a:lvl1pPr>
+            <a:lvl2pPr marL="457200" algn="l" rtl="0" fontAlgn="base">
+              <a:spcBef>
+                <a:spcPct val="0"/>
+              </a:spcBef>
+              <a:spcAft>
+                <a:spcPct val="0"/>
+              </a:spcAft>
+              <a:defRPr u="sng" kern="1200">
+                <a:solidFill>
+                  <a:schemeClr val="tx1"/>
+                </a:solidFill>
+                <a:latin typeface="Arial" panose="020B0604020202020204" pitchFamily="34" charset="0"/>
+                <a:ea typeface="+mn-ea"/>
+                <a:cs typeface="+mn-cs"/>
+              </a:defRPr>
+            </a:lvl2pPr>
+            <a:lvl3pPr marL="914400" algn="l" rtl="0" fontAlgn="base">
+              <a:spcBef>
+                <a:spcPct val="0"/>
+              </a:spcBef>
+              <a:spcAft>
+                <a:spcPct val="0"/>
+              </a:spcAft>
+              <a:defRPr u="sng" kern="1200">
+                <a:solidFill>
+                  <a:schemeClr val="tx1"/>
+                </a:solidFill>
+                <a:latin typeface="Arial" panose="020B0604020202020204" pitchFamily="34" charset="0"/>
+                <a:ea typeface="+mn-ea"/>
+                <a:cs typeface="+mn-cs"/>
+              </a:defRPr>
+            </a:lvl3pPr>
+            <a:lvl4pPr marL="1371600" algn="l" rtl="0" fontAlgn="base">
+              <a:spcBef>
+                <a:spcPct val="0"/>
+              </a:spcBef>
+              <a:spcAft>
+                <a:spcPct val="0"/>
+              </a:spcAft>
+              <a:defRPr u="sng" kern="1200">
+                <a:solidFill>
+                  <a:schemeClr val="tx1"/>
+                </a:solidFill>
+                <a:latin typeface="Arial" panose="020B0604020202020204" pitchFamily="34" charset="0"/>
+                <a:ea typeface="+mn-ea"/>
+                <a:cs typeface="+mn-cs"/>
+              </a:defRPr>
+            </a:lvl4pPr>
+            <a:lvl5pPr marL="1828800" algn="l" rtl="0" fontAlgn="base">
+              <a:spcBef>
+                <a:spcPct val="0"/>
+              </a:spcBef>
+              <a:spcAft>
+                <a:spcPct val="0"/>
+              </a:spcAft>
+              <a:defRPr u="sng" kern="1200">
+                <a:solidFill>
+                  <a:schemeClr val="tx1"/>
+                </a:solidFill>
+                <a:latin typeface="Arial" panose="020B0604020202020204" pitchFamily="34" charset="0"/>
+                <a:ea typeface="+mn-ea"/>
+                <a:cs typeface="+mn-cs"/>
+              </a:defRPr>
+            </a:lvl5pPr>
+            <a:lvl6pPr marL="2286000" algn="l" defTabSz="914400" rtl="0" eaLnBrk="1" latinLnBrk="0" hangingPunct="1">
+              <a:defRPr u="sng" kern="1200">
+                <a:solidFill>
+                  <a:schemeClr val="tx1"/>
+                </a:solidFill>
+                <a:latin typeface="Arial" panose="020B0604020202020204" pitchFamily="34" charset="0"/>
+                <a:ea typeface="+mn-ea"/>
+                <a:cs typeface="+mn-cs"/>
+              </a:defRPr>
+            </a:lvl6pPr>
+            <a:lvl7pPr marL="2743200" algn="l" defTabSz="914400" rtl="0" eaLnBrk="1" latinLnBrk="0" hangingPunct="1">
+              <a:defRPr u="sng" kern="1200">
+                <a:solidFill>
+                  <a:schemeClr val="tx1"/>
+                </a:solidFill>
+                <a:latin typeface="Arial" panose="020B0604020202020204" pitchFamily="34" charset="0"/>
+                <a:ea typeface="+mn-ea"/>
+                <a:cs typeface="+mn-cs"/>
+              </a:defRPr>
+            </a:lvl7pPr>
+            <a:lvl8pPr marL="3200400" algn="l" defTabSz="914400" rtl="0" eaLnBrk="1" latinLnBrk="0" hangingPunct="1">
+              <a:defRPr u="sng" kern="1200">
+                <a:solidFill>
+                  <a:schemeClr val="tx1"/>
+                </a:solidFill>
+                <a:latin typeface="Arial" panose="020B0604020202020204" pitchFamily="34" charset="0"/>
+                <a:ea typeface="+mn-ea"/>
+                <a:cs typeface="+mn-cs"/>
+              </a:defRPr>
+            </a:lvl8pPr>
+            <a:lvl9pPr marL="3657600" algn="l" defTabSz="914400" rtl="0" eaLnBrk="1" latinLnBrk="0" hangingPunct="1">
+              <a:defRPr u="sng" kern="1200">
+                <a:solidFill>
+                  <a:schemeClr val="tx1"/>
+                </a:solidFill>
+                <a:latin typeface="Arial" panose="020B0604020202020204" pitchFamily="34" charset="0"/>
+                <a:ea typeface="+mn-ea"/>
+                <a:cs typeface="+mn-cs"/>
+              </a:defRPr>
+            </a:lvl9pPr>
+          </a:lstStyle>
+          <a:p>
+            <a:pPr fontAlgn="auto">
+              <a:spcBef>
+                <a:spcPts val="0"/>
+              </a:spcBef>
+              <a:spcAft>
+                <a:spcPts val="0"/>
+              </a:spcAft>
+              <a:defRPr/>
+            </a:pPr>
+            <a:endParaRPr lang="it-IT" u="none" kern="0">
+              <a:solidFill>
+                <a:sysClr val="windowText" lastClr="000000"/>
+              </a:solidFill>
+              <a:latin typeface="Calibri" pitchFamily="34" charset="0"/>
+            </a:endParaRPr>
+          </a:p>
+        </p:txBody>
+      </p:sp>
+    </p:spTree>
+    <p:extLst>
+      <p:ext uri="{BB962C8B-B14F-4D97-AF65-F5344CB8AC3E}">
+        <p14:creationId xmlns:p14="http://schemas.microsoft.com/office/powerpoint/2010/main" val="1195194635"/>
+      </p:ext>
+    </p:extLst>
+  </p:cSld>
+  <p:clrMapOvr>
+    <a:masterClrMapping/>
+  </p:clrMapOvr>
+</p:sld>
+</file>
+
+<file path=ppt/slides/slide15.xml><?xml version="1.0" encoding="utf-8"?>
 <p:sld xmlns:a="http://schemas.openxmlformats.org/drawingml/2006/main" xmlns:r="http://schemas.openxmlformats.org/officeDocument/2006/relationships" xmlns:p="http://schemas.openxmlformats.org/presentationml/2006/main">
   <p:cSld>
     <p:spTree>
@@ -11264,7 +18126,7 @@
 </p:sld>
 </file>
 
-<file path=ppt/slides/slide15.xml><?xml version="1.0" encoding="utf-8"?>
+<file path=ppt/slides/slide16.xml><?xml version="1.0" encoding="utf-8"?>
 <p:sld xmlns:a="http://schemas.openxmlformats.org/drawingml/2006/main" xmlns:r="http://schemas.openxmlformats.org/officeDocument/2006/relationships" xmlns:p="http://schemas.openxmlformats.org/presentationml/2006/main">
   <p:cSld>
     <p:spTree>
